--- a/SOUTENANCE/Projet3.pptx
+++ b/SOUTENANCE/Projet3.pptx
@@ -6,6 +6,7 @@
   </p:sldMasterIdLst>
   <p:sldIdLst>
     <p:sldId id="256" r:id="rId2"/>
+    <p:sldId id="257" r:id="rId3"/>
   </p:sldIdLst>
   <p:sldSz cx="9144000" cy="6858000" type="screen4x3"/>
   <p:notesSz cx="6858000" cy="9144000"/>
@@ -288,7 +289,7 @@
           <a:p>
             <a:fld id="{63B6431C-D98E-4054-AC85-4318E682A8C6}" type="datetimeFigureOut">
               <a:rPr lang="fr-FR" smtClean="0"/>
-              <a:t>18/05/2020</a:t>
+              <a:t>21/05/2020</a:t>
             </a:fld>
             <a:endParaRPr lang="fr-FR"/>
           </a:p>
@@ -458,7 +459,7 @@
           <a:p>
             <a:fld id="{63B6431C-D98E-4054-AC85-4318E682A8C6}" type="datetimeFigureOut">
               <a:rPr lang="fr-FR" smtClean="0"/>
-              <a:t>18/05/2020</a:t>
+              <a:t>21/05/2020</a:t>
             </a:fld>
             <a:endParaRPr lang="fr-FR"/>
           </a:p>
@@ -638,7 +639,7 @@
           <a:p>
             <a:fld id="{63B6431C-D98E-4054-AC85-4318E682A8C6}" type="datetimeFigureOut">
               <a:rPr lang="fr-FR" smtClean="0"/>
-              <a:t>18/05/2020</a:t>
+              <a:t>21/05/2020</a:t>
             </a:fld>
             <a:endParaRPr lang="fr-FR"/>
           </a:p>
@@ -808,7 +809,7 @@
           <a:p>
             <a:fld id="{63B6431C-D98E-4054-AC85-4318E682A8C6}" type="datetimeFigureOut">
               <a:rPr lang="fr-FR" smtClean="0"/>
-              <a:t>18/05/2020</a:t>
+              <a:t>21/05/2020</a:t>
             </a:fld>
             <a:endParaRPr lang="fr-FR"/>
           </a:p>
@@ -1054,7 +1055,7 @@
           <a:p>
             <a:fld id="{63B6431C-D98E-4054-AC85-4318E682A8C6}" type="datetimeFigureOut">
               <a:rPr lang="fr-FR" smtClean="0"/>
-              <a:t>18/05/2020</a:t>
+              <a:t>21/05/2020</a:t>
             </a:fld>
             <a:endParaRPr lang="fr-FR"/>
           </a:p>
@@ -1342,7 +1343,7 @@
           <a:p>
             <a:fld id="{63B6431C-D98E-4054-AC85-4318E682A8C6}" type="datetimeFigureOut">
               <a:rPr lang="fr-FR" smtClean="0"/>
-              <a:t>18/05/2020</a:t>
+              <a:t>21/05/2020</a:t>
             </a:fld>
             <a:endParaRPr lang="fr-FR"/>
           </a:p>
@@ -1764,7 +1765,7 @@
           <a:p>
             <a:fld id="{63B6431C-D98E-4054-AC85-4318E682A8C6}" type="datetimeFigureOut">
               <a:rPr lang="fr-FR" smtClean="0"/>
-              <a:t>18/05/2020</a:t>
+              <a:t>21/05/2020</a:t>
             </a:fld>
             <a:endParaRPr lang="fr-FR"/>
           </a:p>
@@ -1882,7 +1883,7 @@
           <a:p>
             <a:fld id="{63B6431C-D98E-4054-AC85-4318E682A8C6}" type="datetimeFigureOut">
               <a:rPr lang="fr-FR" smtClean="0"/>
-              <a:t>18/05/2020</a:t>
+              <a:t>21/05/2020</a:t>
             </a:fld>
             <a:endParaRPr lang="fr-FR"/>
           </a:p>
@@ -1977,7 +1978,7 @@
           <a:p>
             <a:fld id="{63B6431C-D98E-4054-AC85-4318E682A8C6}" type="datetimeFigureOut">
               <a:rPr lang="fr-FR" smtClean="0"/>
-              <a:t>18/05/2020</a:t>
+              <a:t>21/05/2020</a:t>
             </a:fld>
             <a:endParaRPr lang="fr-FR"/>
           </a:p>
@@ -2254,7 +2255,7 @@
           <a:p>
             <a:fld id="{63B6431C-D98E-4054-AC85-4318E682A8C6}" type="datetimeFigureOut">
               <a:rPr lang="fr-FR" smtClean="0"/>
-              <a:t>18/05/2020</a:t>
+              <a:t>21/05/2020</a:t>
             </a:fld>
             <a:endParaRPr lang="fr-FR"/>
           </a:p>
@@ -2507,7 +2508,7 @@
           <a:p>
             <a:fld id="{63B6431C-D98E-4054-AC85-4318E682A8C6}" type="datetimeFigureOut">
               <a:rPr lang="fr-FR" smtClean="0"/>
-              <a:t>18/05/2020</a:t>
+              <a:t>21/05/2020</a:t>
             </a:fld>
             <a:endParaRPr lang="fr-FR"/>
           </a:p>
@@ -2720,7 +2721,7 @@
           <a:p>
             <a:fld id="{63B6431C-D98E-4054-AC85-4318E682A8C6}" type="datetimeFigureOut">
               <a:rPr lang="fr-FR" smtClean="0"/>
-              <a:t>18/05/2020</a:t>
+              <a:t>21/05/2020</a:t>
             </a:fld>
             <a:endParaRPr lang="fr-FR"/>
           </a:p>
@@ -3186,6 +3187,731 @@
     <p:extLst>
       <p:ext uri="{BB962C8B-B14F-4D97-AF65-F5344CB8AC3E}">
         <p14:creationId xmlns:p14="http://schemas.microsoft.com/office/powerpoint/2010/main" val="1370742491"/>
+      </p:ext>
+    </p:extLst>
+  </p:cSld>
+  <p:clrMapOvr>
+    <a:masterClrMapping/>
+  </p:clrMapOvr>
+</p:sld>
+</file>
+
+<file path=ppt/slides/slide2.xml><?xml version="1.0" encoding="utf-8"?>
+<p:sld xmlns:a="http://schemas.openxmlformats.org/drawingml/2006/main" xmlns:r="http://schemas.openxmlformats.org/officeDocument/2006/relationships" xmlns:p="http://schemas.openxmlformats.org/presentationml/2006/main">
+  <p:cSld>
+    <p:spTree>
+      <p:nvGrpSpPr>
+        <p:cNvPr id="1" name=""/>
+        <p:cNvGrpSpPr/>
+        <p:nvPr/>
+      </p:nvGrpSpPr>
+      <p:grpSpPr>
+        <a:xfrm>
+          <a:off x="0" y="0"/>
+          <a:ext cx="0" cy="0"/>
+          <a:chOff x="0" y="0"/>
+          <a:chExt cx="0" cy="0"/>
+        </a:xfrm>
+      </p:grpSpPr>
+      <p:sp>
+        <p:nvSpPr>
+          <p:cNvPr id="2" name="Titre 1"/>
+          <p:cNvSpPr>
+            <a:spLocks noGrp="1"/>
+          </p:cNvSpPr>
+          <p:nvPr>
+            <p:ph type="title"/>
+          </p:nvPr>
+        </p:nvSpPr>
+        <p:spPr/>
+        <p:txBody>
+          <a:bodyPr/>
+          <a:lstStyle/>
+          <a:p>
+            <a:r>
+              <a:rPr lang="fr-FR" dirty="0" err="1" smtClean="0"/>
+              <a:t>Cleaning</a:t>
+            </a:r>
+            <a:endParaRPr lang="fr-FR" dirty="0"/>
+          </a:p>
+        </p:txBody>
+      </p:sp>
+      <p:graphicFrame>
+        <p:nvGraphicFramePr>
+          <p:cNvPr id="3" name="Tableau 2"/>
+          <p:cNvGraphicFramePr>
+            <a:graphicFrameLocks noGrp="1"/>
+          </p:cNvGraphicFramePr>
+          <p:nvPr>
+            <p:extLst>
+              <p:ext uri="{D42A27DB-BD31-4B8C-83A1-F6EECF244321}">
+                <p14:modId xmlns:p14="http://schemas.microsoft.com/office/powerpoint/2010/main" val="2359018309"/>
+              </p:ext>
+            </p:extLst>
+          </p:nvPr>
+        </p:nvGraphicFramePr>
+        <p:xfrm>
+          <a:off x="467544" y="1412776"/>
+          <a:ext cx="8280920" cy="4300008"/>
+        </p:xfrm>
+        <a:graphic>
+          <a:graphicData uri="http://schemas.openxmlformats.org/drawingml/2006/table">
+            <a:tbl>
+              <a:tblPr firstRow="1" bandRow="1">
+                <a:tableStyleId>{5940675A-B579-460E-94D1-54222C63F5DA}</a:tableStyleId>
+              </a:tblPr>
+              <a:tblGrid>
+                <a:gridCol w="1035115"/>
+                <a:gridCol w="1035115"/>
+                <a:gridCol w="1035115"/>
+                <a:gridCol w="1035115"/>
+                <a:gridCol w="1044116"/>
+                <a:gridCol w="1026114"/>
+                <a:gridCol w="1035115"/>
+                <a:gridCol w="1035115"/>
+              </a:tblGrid>
+              <a:tr h="792088">
+                <a:tc>
+                  <a:txBody>
+                    <a:bodyPr/>
+                    <a:lstStyle/>
+                    <a:p>
+                      <a:endParaRPr lang="fr-FR" dirty="0"/>
+                    </a:p>
+                  </a:txBody>
+                  <a:tcPr/>
+                </a:tc>
+                <a:tc>
+                  <a:txBody>
+                    <a:bodyPr/>
+                    <a:lstStyle/>
+                    <a:p>
+                      <a:endParaRPr lang="fr-FR" dirty="0"/>
+                    </a:p>
+                  </a:txBody>
+                  <a:tcPr/>
+                </a:tc>
+                <a:tc>
+                  <a:txBody>
+                    <a:bodyPr/>
+                    <a:lstStyle/>
+                    <a:p>
+                      <a:r>
+                        <a:rPr lang="fr-FR" dirty="0" smtClean="0"/>
+                        <a:t>Type</a:t>
+                      </a:r>
+                      <a:endParaRPr lang="fr-FR" dirty="0"/>
+                    </a:p>
+                  </a:txBody>
+                  <a:tcPr/>
+                </a:tc>
+                <a:tc>
+                  <a:txBody>
+                    <a:bodyPr/>
+                    <a:lstStyle/>
+                    <a:p>
+                      <a:r>
+                        <a:rPr lang="fr-FR" dirty="0" smtClean="0"/>
+                        <a:t>Nb</a:t>
+                      </a:r>
+                      <a:r>
+                        <a:rPr lang="fr-FR" baseline="0" dirty="0" smtClean="0"/>
+                        <a:t> </a:t>
+                      </a:r>
+                      <a:r>
+                        <a:rPr lang="fr-FR" dirty="0" err="1" smtClean="0"/>
+                        <a:t>deleted</a:t>
+                      </a:r>
+                      <a:endParaRPr lang="fr-FR" dirty="0"/>
+                    </a:p>
+                  </a:txBody>
+                  <a:tcPr/>
+                </a:tc>
+                <a:tc>
+                  <a:txBody>
+                    <a:bodyPr/>
+                    <a:lstStyle/>
+                    <a:p>
+                      <a:r>
+                        <a:rPr lang="fr-FR" dirty="0" smtClean="0"/>
+                        <a:t>Nb </a:t>
+                      </a:r>
+                      <a:r>
+                        <a:rPr lang="fr-FR" dirty="0" err="1" smtClean="0"/>
+                        <a:t>fixed</a:t>
+                      </a:r>
+                      <a:endParaRPr lang="fr-FR" dirty="0"/>
+                    </a:p>
+                  </a:txBody>
+                  <a:tcPr/>
+                </a:tc>
+                <a:tc>
+                  <a:txBody>
+                    <a:bodyPr/>
+                    <a:lstStyle/>
+                    <a:p>
+                      <a:endParaRPr lang="fr-FR"/>
+                    </a:p>
+                  </a:txBody>
+                  <a:tcPr/>
+                </a:tc>
+                <a:tc>
+                  <a:txBody>
+                    <a:bodyPr/>
+                    <a:lstStyle/>
+                    <a:p>
+                      <a:r>
+                        <a:rPr lang="fr-FR" dirty="0" smtClean="0"/>
+                        <a:t>Nb col</a:t>
+                      </a:r>
+                      <a:endParaRPr lang="fr-FR" dirty="0"/>
+                    </a:p>
+                  </a:txBody>
+                  <a:tcPr/>
+                </a:tc>
+                <a:tc>
+                  <a:txBody>
+                    <a:bodyPr/>
+                    <a:lstStyle/>
+                    <a:p>
+                      <a:r>
+                        <a:rPr lang="fr-FR" dirty="0" err="1" smtClean="0"/>
+                        <a:t>nbcol</a:t>
+                      </a:r>
+                      <a:endParaRPr lang="fr-FR" dirty="0"/>
+                    </a:p>
+                  </a:txBody>
+                  <a:tcPr/>
+                </a:tc>
+              </a:tr>
+              <a:tr h="576064">
+                <a:tc>
+                  <a:txBody>
+                    <a:bodyPr/>
+                    <a:lstStyle/>
+                    <a:p>
+                      <a:r>
+                        <a:rPr lang="fr-FR" dirty="0" smtClean="0"/>
+                        <a:t>0</a:t>
+                      </a:r>
+                      <a:endParaRPr lang="fr-FR" dirty="0"/>
+                    </a:p>
+                  </a:txBody>
+                  <a:tcPr/>
+                </a:tc>
+                <a:tc>
+                  <a:txBody>
+                    <a:bodyPr/>
+                    <a:lstStyle/>
+                    <a:p>
+                      <a:endParaRPr lang="fr-FR" dirty="0"/>
+                    </a:p>
+                  </a:txBody>
+                  <a:tcPr/>
+                </a:tc>
+                <a:tc>
+                  <a:txBody>
+                    <a:bodyPr/>
+                    <a:lstStyle/>
+                    <a:p>
+                      <a:endParaRPr lang="fr-FR" dirty="0"/>
+                    </a:p>
+                  </a:txBody>
+                  <a:tcPr/>
+                </a:tc>
+                <a:tc>
+                  <a:txBody>
+                    <a:bodyPr/>
+                    <a:lstStyle/>
+                    <a:p>
+                      <a:endParaRPr lang="fr-FR" dirty="0"/>
+                    </a:p>
+                  </a:txBody>
+                  <a:tcPr/>
+                </a:tc>
+                <a:tc>
+                  <a:txBody>
+                    <a:bodyPr/>
+                    <a:lstStyle/>
+                    <a:p>
+                      <a:endParaRPr lang="fr-FR" dirty="0"/>
+                    </a:p>
+                  </a:txBody>
+                  <a:tcPr/>
+                </a:tc>
+                <a:tc>
+                  <a:txBody>
+                    <a:bodyPr/>
+                    <a:lstStyle/>
+                    <a:p>
+                      <a:endParaRPr lang="fr-FR" dirty="0"/>
+                    </a:p>
+                  </a:txBody>
+                  <a:tcPr/>
+                </a:tc>
+                <a:tc>
+                  <a:txBody>
+                    <a:bodyPr/>
+                    <a:lstStyle/>
+                    <a:p>
+                      <a:endParaRPr lang="fr-FR" dirty="0"/>
+                    </a:p>
+                  </a:txBody>
+                  <a:tcPr/>
+                </a:tc>
+                <a:tc>
+                  <a:txBody>
+                    <a:bodyPr/>
+                    <a:lstStyle/>
+                    <a:p>
+                      <a:endParaRPr lang="fr-FR" dirty="0"/>
+                    </a:p>
+                  </a:txBody>
+                  <a:tcPr/>
+                </a:tc>
+              </a:tr>
+              <a:tr h="576064">
+                <a:tc>
+                  <a:txBody>
+                    <a:bodyPr/>
+                    <a:lstStyle/>
+                    <a:p>
+                      <a:r>
+                        <a:rPr lang="fr-FR" dirty="0" smtClean="0"/>
+                        <a:t>1</a:t>
+                      </a:r>
+                      <a:endParaRPr lang="fr-FR" dirty="0"/>
+                    </a:p>
+                  </a:txBody>
+                  <a:tcPr/>
+                </a:tc>
+                <a:tc>
+                  <a:txBody>
+                    <a:bodyPr/>
+                    <a:lstStyle/>
+                    <a:p>
+                      <a:endParaRPr lang="fr-FR" dirty="0"/>
+                    </a:p>
+                  </a:txBody>
+                  <a:tcPr/>
+                </a:tc>
+                <a:tc>
+                  <a:txBody>
+                    <a:bodyPr/>
+                    <a:lstStyle/>
+                    <a:p>
+                      <a:r>
+                        <a:rPr lang="fr-FR" dirty="0" err="1" smtClean="0"/>
+                        <a:t>columns</a:t>
+                      </a:r>
+                      <a:endParaRPr lang="fr-FR" dirty="0"/>
+                    </a:p>
+                  </a:txBody>
+                  <a:tcPr/>
+                </a:tc>
+                <a:tc>
+                  <a:txBody>
+                    <a:bodyPr/>
+                    <a:lstStyle/>
+                    <a:p>
+                      <a:endParaRPr lang="fr-FR" dirty="0"/>
+                    </a:p>
+                  </a:txBody>
+                  <a:tcPr/>
+                </a:tc>
+                <a:tc>
+                  <a:txBody>
+                    <a:bodyPr/>
+                    <a:lstStyle/>
+                    <a:p>
+                      <a:endParaRPr lang="fr-FR" dirty="0"/>
+                    </a:p>
+                  </a:txBody>
+                  <a:tcPr/>
+                </a:tc>
+                <a:tc>
+                  <a:txBody>
+                    <a:bodyPr/>
+                    <a:lstStyle/>
+                    <a:p>
+                      <a:endParaRPr lang="fr-FR" dirty="0"/>
+                    </a:p>
+                  </a:txBody>
+                  <a:tcPr/>
+                </a:tc>
+                <a:tc>
+                  <a:txBody>
+                    <a:bodyPr/>
+                    <a:lstStyle/>
+                    <a:p>
+                      <a:endParaRPr lang="fr-FR" dirty="0"/>
+                    </a:p>
+                  </a:txBody>
+                  <a:tcPr/>
+                </a:tc>
+                <a:tc>
+                  <a:txBody>
+                    <a:bodyPr/>
+                    <a:lstStyle/>
+                    <a:p>
+                      <a:endParaRPr lang="fr-FR" dirty="0"/>
+                    </a:p>
+                  </a:txBody>
+                  <a:tcPr/>
+                </a:tc>
+              </a:tr>
+              <a:tr h="588948">
+                <a:tc>
+                  <a:txBody>
+                    <a:bodyPr/>
+                    <a:lstStyle/>
+                    <a:p>
+                      <a:r>
+                        <a:rPr lang="fr-FR" dirty="0" smtClean="0"/>
+                        <a:t>2</a:t>
+                      </a:r>
+                      <a:endParaRPr lang="fr-FR" dirty="0"/>
+                    </a:p>
+                  </a:txBody>
+                  <a:tcPr/>
+                </a:tc>
+                <a:tc>
+                  <a:txBody>
+                    <a:bodyPr/>
+                    <a:lstStyle/>
+                    <a:p>
+                      <a:endParaRPr lang="fr-FR" dirty="0"/>
+                    </a:p>
+                  </a:txBody>
+                  <a:tcPr/>
+                </a:tc>
+                <a:tc>
+                  <a:txBody>
+                    <a:bodyPr/>
+                    <a:lstStyle/>
+                    <a:p>
+                      <a:endParaRPr lang="fr-FR" dirty="0"/>
+                    </a:p>
+                  </a:txBody>
+                  <a:tcPr/>
+                </a:tc>
+                <a:tc>
+                  <a:txBody>
+                    <a:bodyPr/>
+                    <a:lstStyle/>
+                    <a:p>
+                      <a:endParaRPr lang="fr-FR"/>
+                    </a:p>
+                  </a:txBody>
+                  <a:tcPr/>
+                </a:tc>
+                <a:tc>
+                  <a:txBody>
+                    <a:bodyPr/>
+                    <a:lstStyle/>
+                    <a:p>
+                      <a:endParaRPr lang="fr-FR"/>
+                    </a:p>
+                  </a:txBody>
+                  <a:tcPr/>
+                </a:tc>
+                <a:tc>
+                  <a:txBody>
+                    <a:bodyPr/>
+                    <a:lstStyle/>
+                    <a:p>
+                      <a:endParaRPr lang="fr-FR"/>
+                    </a:p>
+                  </a:txBody>
+                  <a:tcPr/>
+                </a:tc>
+                <a:tc>
+                  <a:txBody>
+                    <a:bodyPr/>
+                    <a:lstStyle/>
+                    <a:p>
+                      <a:endParaRPr lang="fr-FR"/>
+                    </a:p>
+                  </a:txBody>
+                  <a:tcPr/>
+                </a:tc>
+                <a:tc>
+                  <a:txBody>
+                    <a:bodyPr/>
+                    <a:lstStyle/>
+                    <a:p>
+                      <a:endParaRPr lang="fr-FR"/>
+                    </a:p>
+                  </a:txBody>
+                  <a:tcPr/>
+                </a:tc>
+              </a:tr>
+              <a:tr h="588948">
+                <a:tc>
+                  <a:txBody>
+                    <a:bodyPr/>
+                    <a:lstStyle/>
+                    <a:p>
+                      <a:r>
+                        <a:rPr lang="fr-FR" dirty="0" smtClean="0"/>
+                        <a:t>3</a:t>
+                      </a:r>
+                      <a:endParaRPr lang="fr-FR" dirty="0"/>
+                    </a:p>
+                  </a:txBody>
+                  <a:tcPr/>
+                </a:tc>
+                <a:tc>
+                  <a:txBody>
+                    <a:bodyPr/>
+                    <a:lstStyle/>
+                    <a:p>
+                      <a:endParaRPr lang="fr-FR"/>
+                    </a:p>
+                  </a:txBody>
+                  <a:tcPr/>
+                </a:tc>
+                <a:tc>
+                  <a:txBody>
+                    <a:bodyPr/>
+                    <a:lstStyle/>
+                    <a:p>
+                      <a:endParaRPr lang="fr-FR"/>
+                    </a:p>
+                  </a:txBody>
+                  <a:tcPr/>
+                </a:tc>
+                <a:tc>
+                  <a:txBody>
+                    <a:bodyPr/>
+                    <a:lstStyle/>
+                    <a:p>
+                      <a:endParaRPr lang="fr-FR"/>
+                    </a:p>
+                  </a:txBody>
+                  <a:tcPr/>
+                </a:tc>
+                <a:tc>
+                  <a:txBody>
+                    <a:bodyPr/>
+                    <a:lstStyle/>
+                    <a:p>
+                      <a:endParaRPr lang="fr-FR"/>
+                    </a:p>
+                  </a:txBody>
+                  <a:tcPr/>
+                </a:tc>
+                <a:tc>
+                  <a:txBody>
+                    <a:bodyPr/>
+                    <a:lstStyle/>
+                    <a:p>
+                      <a:endParaRPr lang="fr-FR"/>
+                    </a:p>
+                  </a:txBody>
+                  <a:tcPr/>
+                </a:tc>
+                <a:tc>
+                  <a:txBody>
+                    <a:bodyPr/>
+                    <a:lstStyle/>
+                    <a:p>
+                      <a:endParaRPr lang="fr-FR"/>
+                    </a:p>
+                  </a:txBody>
+                  <a:tcPr/>
+                </a:tc>
+                <a:tc>
+                  <a:txBody>
+                    <a:bodyPr/>
+                    <a:lstStyle/>
+                    <a:p>
+                      <a:endParaRPr lang="fr-FR"/>
+                    </a:p>
+                  </a:txBody>
+                  <a:tcPr/>
+                </a:tc>
+              </a:tr>
+              <a:tr h="588948">
+                <a:tc>
+                  <a:txBody>
+                    <a:bodyPr/>
+                    <a:lstStyle/>
+                    <a:p>
+                      <a:r>
+                        <a:rPr lang="fr-FR" dirty="0" smtClean="0"/>
+                        <a:t>4</a:t>
+                      </a:r>
+                      <a:endParaRPr lang="fr-FR" dirty="0"/>
+                    </a:p>
+                  </a:txBody>
+                  <a:tcPr/>
+                </a:tc>
+                <a:tc>
+                  <a:txBody>
+                    <a:bodyPr/>
+                    <a:lstStyle/>
+                    <a:p>
+                      <a:endParaRPr lang="fr-FR"/>
+                    </a:p>
+                  </a:txBody>
+                  <a:tcPr/>
+                </a:tc>
+                <a:tc>
+                  <a:txBody>
+                    <a:bodyPr/>
+                    <a:lstStyle/>
+                    <a:p>
+                      <a:endParaRPr lang="fr-FR"/>
+                    </a:p>
+                  </a:txBody>
+                  <a:tcPr/>
+                </a:tc>
+                <a:tc>
+                  <a:txBody>
+                    <a:bodyPr/>
+                    <a:lstStyle/>
+                    <a:p>
+                      <a:endParaRPr lang="fr-FR"/>
+                    </a:p>
+                  </a:txBody>
+                  <a:tcPr/>
+                </a:tc>
+                <a:tc>
+                  <a:txBody>
+                    <a:bodyPr/>
+                    <a:lstStyle/>
+                    <a:p>
+                      <a:endParaRPr lang="fr-FR"/>
+                    </a:p>
+                  </a:txBody>
+                  <a:tcPr/>
+                </a:tc>
+                <a:tc>
+                  <a:txBody>
+                    <a:bodyPr/>
+                    <a:lstStyle/>
+                    <a:p>
+                      <a:endParaRPr lang="fr-FR"/>
+                    </a:p>
+                  </a:txBody>
+                  <a:tcPr/>
+                </a:tc>
+                <a:tc>
+                  <a:txBody>
+                    <a:bodyPr/>
+                    <a:lstStyle/>
+                    <a:p>
+                      <a:endParaRPr lang="fr-FR"/>
+                    </a:p>
+                  </a:txBody>
+                  <a:tcPr/>
+                </a:tc>
+                <a:tc>
+                  <a:txBody>
+                    <a:bodyPr/>
+                    <a:lstStyle/>
+                    <a:p>
+                      <a:endParaRPr lang="fr-FR"/>
+                    </a:p>
+                  </a:txBody>
+                  <a:tcPr/>
+                </a:tc>
+              </a:tr>
+              <a:tr h="588948">
+                <a:tc>
+                  <a:txBody>
+                    <a:bodyPr/>
+                    <a:lstStyle/>
+                    <a:p>
+                      <a:r>
+                        <a:rPr lang="fr-FR" dirty="0" smtClean="0"/>
+                        <a:t>5</a:t>
+                      </a:r>
+                      <a:endParaRPr lang="fr-FR" dirty="0"/>
+                    </a:p>
+                  </a:txBody>
+                  <a:tcPr/>
+                </a:tc>
+                <a:tc>
+                  <a:txBody>
+                    <a:bodyPr/>
+                    <a:lstStyle/>
+                    <a:p>
+                      <a:endParaRPr lang="fr-FR" dirty="0"/>
+                    </a:p>
+                  </a:txBody>
+                  <a:tcPr/>
+                </a:tc>
+                <a:tc>
+                  <a:txBody>
+                    <a:bodyPr/>
+                    <a:lstStyle/>
+                    <a:p>
+                      <a:endParaRPr lang="fr-FR"/>
+                    </a:p>
+                  </a:txBody>
+                  <a:tcPr/>
+                </a:tc>
+                <a:tc>
+                  <a:txBody>
+                    <a:bodyPr/>
+                    <a:lstStyle/>
+                    <a:p>
+                      <a:endParaRPr lang="fr-FR"/>
+                    </a:p>
+                  </a:txBody>
+                  <a:tcPr/>
+                </a:tc>
+                <a:tc>
+                  <a:txBody>
+                    <a:bodyPr/>
+                    <a:lstStyle/>
+                    <a:p>
+                      <a:endParaRPr lang="fr-FR"/>
+                    </a:p>
+                  </a:txBody>
+                  <a:tcPr/>
+                </a:tc>
+                <a:tc>
+                  <a:txBody>
+                    <a:bodyPr/>
+                    <a:lstStyle/>
+                    <a:p>
+                      <a:endParaRPr lang="fr-FR"/>
+                    </a:p>
+                  </a:txBody>
+                  <a:tcPr/>
+                </a:tc>
+                <a:tc>
+                  <a:txBody>
+                    <a:bodyPr/>
+                    <a:lstStyle/>
+                    <a:p>
+                      <a:endParaRPr lang="fr-FR"/>
+                    </a:p>
+                  </a:txBody>
+                  <a:tcPr/>
+                </a:tc>
+                <a:tc>
+                  <a:txBody>
+                    <a:bodyPr/>
+                    <a:lstStyle/>
+                    <a:p>
+                      <a:endParaRPr lang="fr-FR" dirty="0"/>
+                    </a:p>
+                  </a:txBody>
+                  <a:tcPr/>
+                </a:tc>
+              </a:tr>
+            </a:tbl>
+          </a:graphicData>
+        </a:graphic>
+      </p:graphicFrame>
+    </p:spTree>
+    <p:extLst>
+      <p:ext uri="{BB962C8B-B14F-4D97-AF65-F5344CB8AC3E}">
+        <p14:creationId xmlns:p14="http://schemas.microsoft.com/office/powerpoint/2010/main" val="215950786"/>
       </p:ext>
     </p:extLst>
   </p:cSld>

--- a/SOUTENANCE/Projet3.pptx
+++ b/SOUTENANCE/Projet3.pptx
@@ -6,7 +6,8 @@
   </p:sldMasterIdLst>
   <p:sldIdLst>
     <p:sldId id="256" r:id="rId2"/>
-    <p:sldId id="257" r:id="rId3"/>
+    <p:sldId id="258" r:id="rId3"/>
+    <p:sldId id="257" r:id="rId4"/>
   </p:sldIdLst>
   <p:sldSz cx="9144000" cy="6858000" type="screen4x3"/>
   <p:notesSz cx="6858000" cy="9144000"/>
@@ -289,7 +290,7 @@
           <a:p>
             <a:fld id="{63B6431C-D98E-4054-AC85-4318E682A8C6}" type="datetimeFigureOut">
               <a:rPr lang="fr-FR" smtClean="0"/>
-              <a:t>21/05/2020</a:t>
+              <a:t>01/06/2020</a:t>
             </a:fld>
             <a:endParaRPr lang="fr-FR"/>
           </a:p>
@@ -459,7 +460,7 @@
           <a:p>
             <a:fld id="{63B6431C-D98E-4054-AC85-4318E682A8C6}" type="datetimeFigureOut">
               <a:rPr lang="fr-FR" smtClean="0"/>
-              <a:t>21/05/2020</a:t>
+              <a:t>01/06/2020</a:t>
             </a:fld>
             <a:endParaRPr lang="fr-FR"/>
           </a:p>
@@ -639,7 +640,7 @@
           <a:p>
             <a:fld id="{63B6431C-D98E-4054-AC85-4318E682A8C6}" type="datetimeFigureOut">
               <a:rPr lang="fr-FR" smtClean="0"/>
-              <a:t>21/05/2020</a:t>
+              <a:t>01/06/2020</a:t>
             </a:fld>
             <a:endParaRPr lang="fr-FR"/>
           </a:p>
@@ -809,7 +810,7 @@
           <a:p>
             <a:fld id="{63B6431C-D98E-4054-AC85-4318E682A8C6}" type="datetimeFigureOut">
               <a:rPr lang="fr-FR" smtClean="0"/>
-              <a:t>21/05/2020</a:t>
+              <a:t>01/06/2020</a:t>
             </a:fld>
             <a:endParaRPr lang="fr-FR"/>
           </a:p>
@@ -1055,7 +1056,7 @@
           <a:p>
             <a:fld id="{63B6431C-D98E-4054-AC85-4318E682A8C6}" type="datetimeFigureOut">
               <a:rPr lang="fr-FR" smtClean="0"/>
-              <a:t>21/05/2020</a:t>
+              <a:t>01/06/2020</a:t>
             </a:fld>
             <a:endParaRPr lang="fr-FR"/>
           </a:p>
@@ -1343,7 +1344,7 @@
           <a:p>
             <a:fld id="{63B6431C-D98E-4054-AC85-4318E682A8C6}" type="datetimeFigureOut">
               <a:rPr lang="fr-FR" smtClean="0"/>
-              <a:t>21/05/2020</a:t>
+              <a:t>01/06/2020</a:t>
             </a:fld>
             <a:endParaRPr lang="fr-FR"/>
           </a:p>
@@ -1765,7 +1766,7 @@
           <a:p>
             <a:fld id="{63B6431C-D98E-4054-AC85-4318E682A8C6}" type="datetimeFigureOut">
               <a:rPr lang="fr-FR" smtClean="0"/>
-              <a:t>21/05/2020</a:t>
+              <a:t>01/06/2020</a:t>
             </a:fld>
             <a:endParaRPr lang="fr-FR"/>
           </a:p>
@@ -1883,7 +1884,7 @@
           <a:p>
             <a:fld id="{63B6431C-D98E-4054-AC85-4318E682A8C6}" type="datetimeFigureOut">
               <a:rPr lang="fr-FR" smtClean="0"/>
-              <a:t>21/05/2020</a:t>
+              <a:t>01/06/2020</a:t>
             </a:fld>
             <a:endParaRPr lang="fr-FR"/>
           </a:p>
@@ -1978,7 +1979,7 @@
           <a:p>
             <a:fld id="{63B6431C-D98E-4054-AC85-4318E682A8C6}" type="datetimeFigureOut">
               <a:rPr lang="fr-FR" smtClean="0"/>
-              <a:t>21/05/2020</a:t>
+              <a:t>01/06/2020</a:t>
             </a:fld>
             <a:endParaRPr lang="fr-FR"/>
           </a:p>
@@ -2255,7 +2256,7 @@
           <a:p>
             <a:fld id="{63B6431C-D98E-4054-AC85-4318E682A8C6}" type="datetimeFigureOut">
               <a:rPr lang="fr-FR" smtClean="0"/>
-              <a:t>21/05/2020</a:t>
+              <a:t>01/06/2020</a:t>
             </a:fld>
             <a:endParaRPr lang="fr-FR"/>
           </a:p>
@@ -2508,7 +2509,7 @@
           <a:p>
             <a:fld id="{63B6431C-D98E-4054-AC85-4318E682A8C6}" type="datetimeFigureOut">
               <a:rPr lang="fr-FR" smtClean="0"/>
-              <a:t>21/05/2020</a:t>
+              <a:t>01/06/2020</a:t>
             </a:fld>
             <a:endParaRPr lang="fr-FR"/>
           </a:p>
@@ -2721,7 +2722,7 @@
           <a:p>
             <a:fld id="{63B6431C-D98E-4054-AC85-4318E682A8C6}" type="datetimeFigureOut">
               <a:rPr lang="fr-FR" smtClean="0"/>
-              <a:t>21/05/2020</a:t>
+              <a:t>01/06/2020</a:t>
             </a:fld>
             <a:endParaRPr lang="fr-FR"/>
           </a:p>
@@ -3197,6 +3198,156 @@
 </file>
 
 <file path=ppt/slides/slide2.xml><?xml version="1.0" encoding="utf-8"?>
+<p:sld xmlns:a="http://schemas.openxmlformats.org/drawingml/2006/main" xmlns:r="http://schemas.openxmlformats.org/officeDocument/2006/relationships" xmlns:p="http://schemas.openxmlformats.org/presentationml/2006/main">
+  <p:cSld>
+    <p:spTree>
+      <p:nvGrpSpPr>
+        <p:cNvPr id="1" name=""/>
+        <p:cNvGrpSpPr/>
+        <p:nvPr/>
+      </p:nvGrpSpPr>
+      <p:grpSpPr>
+        <a:xfrm>
+          <a:off x="0" y="0"/>
+          <a:ext cx="0" cy="0"/>
+          <a:chOff x="0" y="0"/>
+          <a:chExt cx="0" cy="0"/>
+        </a:xfrm>
+      </p:grpSpPr>
+      <p:sp>
+        <p:nvSpPr>
+          <p:cNvPr id="2" name="Titre 1"/>
+          <p:cNvSpPr>
+            <a:spLocks noGrp="1"/>
+          </p:cNvSpPr>
+          <p:nvPr>
+            <p:ph type="title"/>
+          </p:nvPr>
+        </p:nvSpPr>
+        <p:spPr/>
+        <p:txBody>
+          <a:bodyPr>
+            <a:normAutofit fontScale="90000"/>
+          </a:bodyPr>
+          <a:lstStyle/>
+          <a:p>
+            <a:pPr algn="l"/>
+            <a:r>
+              <a:rPr lang="fr-FR" b="1" dirty="0" smtClean="0"/>
+              <a:t>Base de donnée </a:t>
+            </a:r>
+            <a:r>
+              <a:rPr lang="fr-FR" b="1" dirty="0" err="1" smtClean="0"/>
+              <a:t>OpenFoodFacts</a:t>
+            </a:r>
+            <a:r>
+              <a:rPr lang="fr-FR" dirty="0" smtClean="0"/>
+              <a:t/>
+            </a:r>
+            <a:br>
+              <a:rPr lang="fr-FR" dirty="0" smtClean="0"/>
+            </a:br>
+            <a:r>
+              <a:rPr lang="fr-FR" sz="3600" dirty="0" smtClean="0"/>
+              <a:t>Application innovante en lien avec l’alimentation</a:t>
+            </a:r>
+            <a:endParaRPr lang="fr-FR" sz="3600" dirty="0"/>
+          </a:p>
+        </p:txBody>
+      </p:sp>
+      <p:sp>
+        <p:nvSpPr>
+          <p:cNvPr id="3" name="ZoneTexte 2"/>
+          <p:cNvSpPr txBox="1"/>
+          <p:nvPr/>
+        </p:nvSpPr>
+        <p:spPr>
+          <a:xfrm>
+            <a:off x="467544" y="2132856"/>
+            <a:ext cx="8064896" cy="2862322"/>
+          </a:xfrm>
+          <a:prstGeom prst="rect">
+            <a:avLst/>
+          </a:prstGeom>
+          <a:noFill/>
+        </p:spPr>
+        <p:txBody>
+          <a:bodyPr wrap="square" rtlCol="0">
+            <a:spAutoFit/>
+          </a:bodyPr>
+          <a:lstStyle/>
+          <a:p>
+            <a:r>
+              <a:rPr lang="fr-FR" dirty="0" smtClean="0"/>
+              <a:t>Une application qui permet de donner à un utilisateur  des suggestions de produits similaires en améliorant ou changeant des paramètres de son choix (marque, pays, plus sains, plus énergétiques,  emballage, quantité, plus vitaminé…)</a:t>
+            </a:r>
+          </a:p>
+          <a:p>
+            <a:endParaRPr lang="fr-FR" dirty="0"/>
+          </a:p>
+          <a:p>
+            <a:r>
+              <a:rPr lang="fr-FR" dirty="0" smtClean="0"/>
+              <a:t>Fonctionnalités offertes :</a:t>
+            </a:r>
+          </a:p>
+          <a:p>
+            <a:pPr marL="285750" indent="-285750">
+              <a:buFontTx/>
+              <a:buChar char="-"/>
+            </a:pPr>
+            <a:r>
+              <a:rPr lang="fr-FR" dirty="0" smtClean="0"/>
+              <a:t>Affichage des articles sur une carte par similarité</a:t>
+            </a:r>
+          </a:p>
+          <a:p>
+            <a:pPr marL="285750" indent="-285750">
+              <a:buFontTx/>
+              <a:buChar char="-"/>
+            </a:pPr>
+            <a:r>
+              <a:rPr lang="fr-FR" dirty="0" smtClean="0"/>
+              <a:t>Note de l’article pour chaque variable parmi ceux qui sont similaires</a:t>
+            </a:r>
+          </a:p>
+          <a:p>
+            <a:pPr marL="285750" indent="-285750">
+              <a:buFontTx/>
+              <a:buChar char="-"/>
+            </a:pPr>
+            <a:endParaRPr lang="fr-FR" dirty="0"/>
+          </a:p>
+          <a:p>
+            <a:pPr marL="285750" indent="-285750">
+              <a:buFontTx/>
+              <a:buChar char="-"/>
+            </a:pPr>
+            <a:endParaRPr lang="fr-FR" dirty="0" smtClean="0"/>
+          </a:p>
+          <a:p>
+            <a:pPr marL="285750" indent="-285750">
+              <a:buFontTx/>
+              <a:buChar char="-"/>
+            </a:pPr>
+            <a:endParaRPr lang="fr-FR" dirty="0" smtClean="0"/>
+          </a:p>
+        </p:txBody>
+      </p:sp>
+    </p:spTree>
+    <p:extLst>
+      <p:ext uri="{BB962C8B-B14F-4D97-AF65-F5344CB8AC3E}">
+        <p14:creationId xmlns:p14="http://schemas.microsoft.com/office/powerpoint/2010/main" val="3280440723"/>
+      </p:ext>
+    </p:extLst>
+  </p:cSld>
+  <p:clrMapOvr>
+    <a:masterClrMapping/>
+  </p:clrMapOvr>
+</p:sld>
+</file>
+
+<file path=ppt/slides/slide3.xml><?xml version="1.0" encoding="utf-8"?>
 <p:sld xmlns:a="http://schemas.openxmlformats.org/drawingml/2006/main" xmlns:r="http://schemas.openxmlformats.org/officeDocument/2006/relationships" xmlns:p="http://schemas.openxmlformats.org/presentationml/2006/main">
   <p:cSld>
     <p:spTree>

--- a/SOUTENANCE/Projet3.pptx
+++ b/SOUTENANCE/Projet3.pptx
@@ -6,8 +6,27 @@
   </p:sldMasterIdLst>
   <p:sldIdLst>
     <p:sldId id="256" r:id="rId2"/>
-    <p:sldId id="258" r:id="rId3"/>
-    <p:sldId id="257" r:id="rId4"/>
+    <p:sldId id="276" r:id="rId3"/>
+    <p:sldId id="258" r:id="rId4"/>
+    <p:sldId id="259" r:id="rId5"/>
+    <p:sldId id="260" r:id="rId6"/>
+    <p:sldId id="257" r:id="rId7"/>
+    <p:sldId id="261" r:id="rId8"/>
+    <p:sldId id="277" r:id="rId9"/>
+    <p:sldId id="262" r:id="rId10"/>
+    <p:sldId id="263" r:id="rId11"/>
+    <p:sldId id="264" r:id="rId12"/>
+    <p:sldId id="265" r:id="rId13"/>
+    <p:sldId id="266" r:id="rId14"/>
+    <p:sldId id="267" r:id="rId15"/>
+    <p:sldId id="268" r:id="rId16"/>
+    <p:sldId id="269" r:id="rId17"/>
+    <p:sldId id="270" r:id="rId18"/>
+    <p:sldId id="271" r:id="rId19"/>
+    <p:sldId id="272" r:id="rId20"/>
+    <p:sldId id="273" r:id="rId21"/>
+    <p:sldId id="274" r:id="rId22"/>
+    <p:sldId id="275" r:id="rId23"/>
   </p:sldIdLst>
   <p:sldSz cx="9144000" cy="6858000" type="screen4x3"/>
   <p:notesSz cx="6858000" cy="9144000"/>
@@ -290,7 +309,7 @@
           <a:p>
             <a:fld id="{63B6431C-D98E-4054-AC85-4318E682A8C6}" type="datetimeFigureOut">
               <a:rPr lang="fr-FR" smtClean="0"/>
-              <a:t>01/06/2020</a:t>
+              <a:t>04/06/2020</a:t>
             </a:fld>
             <a:endParaRPr lang="fr-FR"/>
           </a:p>
@@ -460,7 +479,7 @@
           <a:p>
             <a:fld id="{63B6431C-D98E-4054-AC85-4318E682A8C6}" type="datetimeFigureOut">
               <a:rPr lang="fr-FR" smtClean="0"/>
-              <a:t>01/06/2020</a:t>
+              <a:t>04/06/2020</a:t>
             </a:fld>
             <a:endParaRPr lang="fr-FR"/>
           </a:p>
@@ -640,7 +659,7 @@
           <a:p>
             <a:fld id="{63B6431C-D98E-4054-AC85-4318E682A8C6}" type="datetimeFigureOut">
               <a:rPr lang="fr-FR" smtClean="0"/>
-              <a:t>01/06/2020</a:t>
+              <a:t>04/06/2020</a:t>
             </a:fld>
             <a:endParaRPr lang="fr-FR"/>
           </a:p>
@@ -810,7 +829,7 @@
           <a:p>
             <a:fld id="{63B6431C-D98E-4054-AC85-4318E682A8C6}" type="datetimeFigureOut">
               <a:rPr lang="fr-FR" smtClean="0"/>
-              <a:t>01/06/2020</a:t>
+              <a:t>04/06/2020</a:t>
             </a:fld>
             <a:endParaRPr lang="fr-FR"/>
           </a:p>
@@ -1056,7 +1075,7 @@
           <a:p>
             <a:fld id="{63B6431C-D98E-4054-AC85-4318E682A8C6}" type="datetimeFigureOut">
               <a:rPr lang="fr-FR" smtClean="0"/>
-              <a:t>01/06/2020</a:t>
+              <a:t>04/06/2020</a:t>
             </a:fld>
             <a:endParaRPr lang="fr-FR"/>
           </a:p>
@@ -1344,7 +1363,7 @@
           <a:p>
             <a:fld id="{63B6431C-D98E-4054-AC85-4318E682A8C6}" type="datetimeFigureOut">
               <a:rPr lang="fr-FR" smtClean="0"/>
-              <a:t>01/06/2020</a:t>
+              <a:t>04/06/2020</a:t>
             </a:fld>
             <a:endParaRPr lang="fr-FR"/>
           </a:p>
@@ -1766,7 +1785,7 @@
           <a:p>
             <a:fld id="{63B6431C-D98E-4054-AC85-4318E682A8C6}" type="datetimeFigureOut">
               <a:rPr lang="fr-FR" smtClean="0"/>
-              <a:t>01/06/2020</a:t>
+              <a:t>04/06/2020</a:t>
             </a:fld>
             <a:endParaRPr lang="fr-FR"/>
           </a:p>
@@ -1884,7 +1903,7 @@
           <a:p>
             <a:fld id="{63B6431C-D98E-4054-AC85-4318E682A8C6}" type="datetimeFigureOut">
               <a:rPr lang="fr-FR" smtClean="0"/>
-              <a:t>01/06/2020</a:t>
+              <a:t>04/06/2020</a:t>
             </a:fld>
             <a:endParaRPr lang="fr-FR"/>
           </a:p>
@@ -1979,7 +1998,7 @@
           <a:p>
             <a:fld id="{63B6431C-D98E-4054-AC85-4318E682A8C6}" type="datetimeFigureOut">
               <a:rPr lang="fr-FR" smtClean="0"/>
-              <a:t>01/06/2020</a:t>
+              <a:t>04/06/2020</a:t>
             </a:fld>
             <a:endParaRPr lang="fr-FR"/>
           </a:p>
@@ -2256,7 +2275,7 @@
           <a:p>
             <a:fld id="{63B6431C-D98E-4054-AC85-4318E682A8C6}" type="datetimeFigureOut">
               <a:rPr lang="fr-FR" smtClean="0"/>
-              <a:t>01/06/2020</a:t>
+              <a:t>04/06/2020</a:t>
             </a:fld>
             <a:endParaRPr lang="fr-FR"/>
           </a:p>
@@ -2509,7 +2528,7 @@
           <a:p>
             <a:fld id="{63B6431C-D98E-4054-AC85-4318E682A8C6}" type="datetimeFigureOut">
               <a:rPr lang="fr-FR" smtClean="0"/>
-              <a:t>01/06/2020</a:t>
+              <a:t>04/06/2020</a:t>
             </a:fld>
             <a:endParaRPr lang="fr-FR"/>
           </a:p>
@@ -2722,7 +2741,7 @@
           <a:p>
             <a:fld id="{63B6431C-D98E-4054-AC85-4318E682A8C6}" type="datetimeFigureOut">
               <a:rPr lang="fr-FR" smtClean="0"/>
-              <a:t>01/06/2020</a:t>
+              <a:t>04/06/2020</a:t>
             </a:fld>
             <a:endParaRPr lang="fr-FR"/>
           </a:p>
@@ -3197,6 +3216,496 @@
 </p:sld>
 </file>
 
+<file path=ppt/slides/slide10.xml><?xml version="1.0" encoding="utf-8"?>
+<p:sld xmlns:a="http://schemas.openxmlformats.org/drawingml/2006/main" xmlns:r="http://schemas.openxmlformats.org/officeDocument/2006/relationships" xmlns:p="http://schemas.openxmlformats.org/presentationml/2006/main">
+  <p:cSld>
+    <p:spTree>
+      <p:nvGrpSpPr>
+        <p:cNvPr id="1" name=""/>
+        <p:cNvGrpSpPr/>
+        <p:nvPr/>
+      </p:nvGrpSpPr>
+      <p:grpSpPr>
+        <a:xfrm>
+          <a:off x="0" y="0"/>
+          <a:ext cx="0" cy="0"/>
+          <a:chOff x="0" y="0"/>
+          <a:chExt cx="0" cy="0"/>
+        </a:xfrm>
+      </p:grpSpPr>
+      <p:sp>
+        <p:nvSpPr>
+          <p:cNvPr id="2" name="Titre 1"/>
+          <p:cNvSpPr>
+            <a:spLocks noGrp="1"/>
+          </p:cNvSpPr>
+          <p:nvPr>
+            <p:ph type="title"/>
+          </p:nvPr>
+        </p:nvSpPr>
+        <p:spPr/>
+        <p:txBody>
+          <a:bodyPr/>
+          <a:lstStyle/>
+          <a:p>
+            <a:endParaRPr lang="fr-FR"/>
+          </a:p>
+        </p:txBody>
+      </p:sp>
+    </p:spTree>
+    <p:extLst>
+      <p:ext uri="{BB962C8B-B14F-4D97-AF65-F5344CB8AC3E}">
+        <p14:creationId xmlns:p14="http://schemas.microsoft.com/office/powerpoint/2010/main" val="1442663056"/>
+      </p:ext>
+    </p:extLst>
+  </p:cSld>
+  <p:clrMapOvr>
+    <a:masterClrMapping/>
+  </p:clrMapOvr>
+</p:sld>
+</file>
+
+<file path=ppt/slides/slide11.xml><?xml version="1.0" encoding="utf-8"?>
+<p:sld xmlns:a="http://schemas.openxmlformats.org/drawingml/2006/main" xmlns:r="http://schemas.openxmlformats.org/officeDocument/2006/relationships" xmlns:p="http://schemas.openxmlformats.org/presentationml/2006/main">
+  <p:cSld>
+    <p:spTree>
+      <p:nvGrpSpPr>
+        <p:cNvPr id="1" name=""/>
+        <p:cNvGrpSpPr/>
+        <p:nvPr/>
+      </p:nvGrpSpPr>
+      <p:grpSpPr>
+        <a:xfrm>
+          <a:off x="0" y="0"/>
+          <a:ext cx="0" cy="0"/>
+          <a:chOff x="0" y="0"/>
+          <a:chExt cx="0" cy="0"/>
+        </a:xfrm>
+      </p:grpSpPr>
+      <p:sp>
+        <p:nvSpPr>
+          <p:cNvPr id="2" name="Titre 1"/>
+          <p:cNvSpPr>
+            <a:spLocks noGrp="1"/>
+          </p:cNvSpPr>
+          <p:nvPr>
+            <p:ph type="title"/>
+          </p:nvPr>
+        </p:nvSpPr>
+        <p:spPr/>
+        <p:txBody>
+          <a:bodyPr/>
+          <a:lstStyle/>
+          <a:p>
+            <a:endParaRPr lang="fr-FR"/>
+          </a:p>
+        </p:txBody>
+      </p:sp>
+    </p:spTree>
+    <p:extLst>
+      <p:ext uri="{BB962C8B-B14F-4D97-AF65-F5344CB8AC3E}">
+        <p14:creationId xmlns:p14="http://schemas.microsoft.com/office/powerpoint/2010/main" val="1077493983"/>
+      </p:ext>
+    </p:extLst>
+  </p:cSld>
+  <p:clrMapOvr>
+    <a:masterClrMapping/>
+  </p:clrMapOvr>
+</p:sld>
+</file>
+
+<file path=ppt/slides/slide12.xml><?xml version="1.0" encoding="utf-8"?>
+<p:sld xmlns:a="http://schemas.openxmlformats.org/drawingml/2006/main" xmlns:r="http://schemas.openxmlformats.org/officeDocument/2006/relationships" xmlns:p="http://schemas.openxmlformats.org/presentationml/2006/main">
+  <p:cSld>
+    <p:spTree>
+      <p:nvGrpSpPr>
+        <p:cNvPr id="1" name=""/>
+        <p:cNvGrpSpPr/>
+        <p:nvPr/>
+      </p:nvGrpSpPr>
+      <p:grpSpPr>
+        <a:xfrm>
+          <a:off x="0" y="0"/>
+          <a:ext cx="0" cy="0"/>
+          <a:chOff x="0" y="0"/>
+          <a:chExt cx="0" cy="0"/>
+        </a:xfrm>
+      </p:grpSpPr>
+      <p:sp>
+        <p:nvSpPr>
+          <p:cNvPr id="2" name="Titre 1"/>
+          <p:cNvSpPr>
+            <a:spLocks noGrp="1"/>
+          </p:cNvSpPr>
+          <p:nvPr>
+            <p:ph type="title"/>
+          </p:nvPr>
+        </p:nvSpPr>
+        <p:spPr/>
+        <p:txBody>
+          <a:bodyPr/>
+          <a:lstStyle/>
+          <a:p>
+            <a:endParaRPr lang="fr-FR"/>
+          </a:p>
+        </p:txBody>
+      </p:sp>
+    </p:spTree>
+    <p:extLst>
+      <p:ext uri="{BB962C8B-B14F-4D97-AF65-F5344CB8AC3E}">
+        <p14:creationId xmlns:p14="http://schemas.microsoft.com/office/powerpoint/2010/main" val="3868011724"/>
+      </p:ext>
+    </p:extLst>
+  </p:cSld>
+  <p:clrMapOvr>
+    <a:masterClrMapping/>
+  </p:clrMapOvr>
+</p:sld>
+</file>
+
+<file path=ppt/slides/slide13.xml><?xml version="1.0" encoding="utf-8"?>
+<p:sld xmlns:a="http://schemas.openxmlformats.org/drawingml/2006/main" xmlns:r="http://schemas.openxmlformats.org/officeDocument/2006/relationships" xmlns:p="http://schemas.openxmlformats.org/presentationml/2006/main">
+  <p:cSld>
+    <p:spTree>
+      <p:nvGrpSpPr>
+        <p:cNvPr id="1" name=""/>
+        <p:cNvGrpSpPr/>
+        <p:nvPr/>
+      </p:nvGrpSpPr>
+      <p:grpSpPr>
+        <a:xfrm>
+          <a:off x="0" y="0"/>
+          <a:ext cx="0" cy="0"/>
+          <a:chOff x="0" y="0"/>
+          <a:chExt cx="0" cy="0"/>
+        </a:xfrm>
+      </p:grpSpPr>
+      <p:sp>
+        <p:nvSpPr>
+          <p:cNvPr id="2" name="Titre 1"/>
+          <p:cNvSpPr>
+            <a:spLocks noGrp="1"/>
+          </p:cNvSpPr>
+          <p:nvPr>
+            <p:ph type="title"/>
+          </p:nvPr>
+        </p:nvSpPr>
+        <p:spPr/>
+        <p:txBody>
+          <a:bodyPr/>
+          <a:lstStyle/>
+          <a:p>
+            <a:endParaRPr lang="fr-FR"/>
+          </a:p>
+        </p:txBody>
+      </p:sp>
+    </p:spTree>
+    <p:extLst>
+      <p:ext uri="{BB962C8B-B14F-4D97-AF65-F5344CB8AC3E}">
+        <p14:creationId xmlns:p14="http://schemas.microsoft.com/office/powerpoint/2010/main" val="535046701"/>
+      </p:ext>
+    </p:extLst>
+  </p:cSld>
+  <p:clrMapOvr>
+    <a:masterClrMapping/>
+  </p:clrMapOvr>
+</p:sld>
+</file>
+
+<file path=ppt/slides/slide14.xml><?xml version="1.0" encoding="utf-8"?>
+<p:sld xmlns:a="http://schemas.openxmlformats.org/drawingml/2006/main" xmlns:r="http://schemas.openxmlformats.org/officeDocument/2006/relationships" xmlns:p="http://schemas.openxmlformats.org/presentationml/2006/main">
+  <p:cSld>
+    <p:spTree>
+      <p:nvGrpSpPr>
+        <p:cNvPr id="1" name=""/>
+        <p:cNvGrpSpPr/>
+        <p:nvPr/>
+      </p:nvGrpSpPr>
+      <p:grpSpPr>
+        <a:xfrm>
+          <a:off x="0" y="0"/>
+          <a:ext cx="0" cy="0"/>
+          <a:chOff x="0" y="0"/>
+          <a:chExt cx="0" cy="0"/>
+        </a:xfrm>
+      </p:grpSpPr>
+      <p:sp>
+        <p:nvSpPr>
+          <p:cNvPr id="2" name="Titre 1"/>
+          <p:cNvSpPr>
+            <a:spLocks noGrp="1"/>
+          </p:cNvSpPr>
+          <p:nvPr>
+            <p:ph type="title"/>
+          </p:nvPr>
+        </p:nvSpPr>
+        <p:spPr/>
+        <p:txBody>
+          <a:bodyPr/>
+          <a:lstStyle/>
+          <a:p>
+            <a:endParaRPr lang="fr-FR"/>
+          </a:p>
+        </p:txBody>
+      </p:sp>
+    </p:spTree>
+    <p:extLst>
+      <p:ext uri="{BB962C8B-B14F-4D97-AF65-F5344CB8AC3E}">
+        <p14:creationId xmlns:p14="http://schemas.microsoft.com/office/powerpoint/2010/main" val="3773842338"/>
+      </p:ext>
+    </p:extLst>
+  </p:cSld>
+  <p:clrMapOvr>
+    <a:masterClrMapping/>
+  </p:clrMapOvr>
+</p:sld>
+</file>
+
+<file path=ppt/slides/slide15.xml><?xml version="1.0" encoding="utf-8"?>
+<p:sld xmlns:a="http://schemas.openxmlformats.org/drawingml/2006/main" xmlns:r="http://schemas.openxmlformats.org/officeDocument/2006/relationships" xmlns:p="http://schemas.openxmlformats.org/presentationml/2006/main">
+  <p:cSld>
+    <p:spTree>
+      <p:nvGrpSpPr>
+        <p:cNvPr id="1" name=""/>
+        <p:cNvGrpSpPr/>
+        <p:nvPr/>
+      </p:nvGrpSpPr>
+      <p:grpSpPr>
+        <a:xfrm>
+          <a:off x="0" y="0"/>
+          <a:ext cx="0" cy="0"/>
+          <a:chOff x="0" y="0"/>
+          <a:chExt cx="0" cy="0"/>
+        </a:xfrm>
+      </p:grpSpPr>
+      <p:sp>
+        <p:nvSpPr>
+          <p:cNvPr id="2" name="Titre 1"/>
+          <p:cNvSpPr>
+            <a:spLocks noGrp="1"/>
+          </p:cNvSpPr>
+          <p:nvPr>
+            <p:ph type="title"/>
+          </p:nvPr>
+        </p:nvSpPr>
+        <p:spPr/>
+        <p:txBody>
+          <a:bodyPr/>
+          <a:lstStyle/>
+          <a:p>
+            <a:endParaRPr lang="fr-FR"/>
+          </a:p>
+        </p:txBody>
+      </p:sp>
+    </p:spTree>
+    <p:extLst>
+      <p:ext uri="{BB962C8B-B14F-4D97-AF65-F5344CB8AC3E}">
+        <p14:creationId xmlns:p14="http://schemas.microsoft.com/office/powerpoint/2010/main" val="4166305879"/>
+      </p:ext>
+    </p:extLst>
+  </p:cSld>
+  <p:clrMapOvr>
+    <a:masterClrMapping/>
+  </p:clrMapOvr>
+</p:sld>
+</file>
+
+<file path=ppt/slides/slide16.xml><?xml version="1.0" encoding="utf-8"?>
+<p:sld xmlns:a="http://schemas.openxmlformats.org/drawingml/2006/main" xmlns:r="http://schemas.openxmlformats.org/officeDocument/2006/relationships" xmlns:p="http://schemas.openxmlformats.org/presentationml/2006/main">
+  <p:cSld>
+    <p:spTree>
+      <p:nvGrpSpPr>
+        <p:cNvPr id="1" name=""/>
+        <p:cNvGrpSpPr/>
+        <p:nvPr/>
+      </p:nvGrpSpPr>
+      <p:grpSpPr>
+        <a:xfrm>
+          <a:off x="0" y="0"/>
+          <a:ext cx="0" cy="0"/>
+          <a:chOff x="0" y="0"/>
+          <a:chExt cx="0" cy="0"/>
+        </a:xfrm>
+      </p:grpSpPr>
+      <p:sp>
+        <p:nvSpPr>
+          <p:cNvPr id="2" name="Titre 1"/>
+          <p:cNvSpPr>
+            <a:spLocks noGrp="1"/>
+          </p:cNvSpPr>
+          <p:nvPr>
+            <p:ph type="title"/>
+          </p:nvPr>
+        </p:nvSpPr>
+        <p:spPr/>
+        <p:txBody>
+          <a:bodyPr/>
+          <a:lstStyle/>
+          <a:p>
+            <a:endParaRPr lang="fr-FR"/>
+          </a:p>
+        </p:txBody>
+      </p:sp>
+    </p:spTree>
+    <p:extLst>
+      <p:ext uri="{BB962C8B-B14F-4D97-AF65-F5344CB8AC3E}">
+        <p14:creationId xmlns:p14="http://schemas.microsoft.com/office/powerpoint/2010/main" val="483053284"/>
+      </p:ext>
+    </p:extLst>
+  </p:cSld>
+  <p:clrMapOvr>
+    <a:masterClrMapping/>
+  </p:clrMapOvr>
+</p:sld>
+</file>
+
+<file path=ppt/slides/slide17.xml><?xml version="1.0" encoding="utf-8"?>
+<p:sld xmlns:a="http://schemas.openxmlformats.org/drawingml/2006/main" xmlns:r="http://schemas.openxmlformats.org/officeDocument/2006/relationships" xmlns:p="http://schemas.openxmlformats.org/presentationml/2006/main">
+  <p:cSld>
+    <p:spTree>
+      <p:nvGrpSpPr>
+        <p:cNvPr id="1" name=""/>
+        <p:cNvGrpSpPr/>
+        <p:nvPr/>
+      </p:nvGrpSpPr>
+      <p:grpSpPr>
+        <a:xfrm>
+          <a:off x="0" y="0"/>
+          <a:ext cx="0" cy="0"/>
+          <a:chOff x="0" y="0"/>
+          <a:chExt cx="0" cy="0"/>
+        </a:xfrm>
+      </p:grpSpPr>
+      <p:sp>
+        <p:nvSpPr>
+          <p:cNvPr id="2" name="Titre 1"/>
+          <p:cNvSpPr>
+            <a:spLocks noGrp="1"/>
+          </p:cNvSpPr>
+          <p:nvPr>
+            <p:ph type="title"/>
+          </p:nvPr>
+        </p:nvSpPr>
+        <p:spPr/>
+        <p:txBody>
+          <a:bodyPr/>
+          <a:lstStyle/>
+          <a:p>
+            <a:endParaRPr lang="fr-FR"/>
+          </a:p>
+        </p:txBody>
+      </p:sp>
+    </p:spTree>
+    <p:extLst>
+      <p:ext uri="{BB962C8B-B14F-4D97-AF65-F5344CB8AC3E}">
+        <p14:creationId xmlns:p14="http://schemas.microsoft.com/office/powerpoint/2010/main" val="1140336248"/>
+      </p:ext>
+    </p:extLst>
+  </p:cSld>
+  <p:clrMapOvr>
+    <a:masterClrMapping/>
+  </p:clrMapOvr>
+</p:sld>
+</file>
+
+<file path=ppt/slides/slide18.xml><?xml version="1.0" encoding="utf-8"?>
+<p:sld xmlns:a="http://schemas.openxmlformats.org/drawingml/2006/main" xmlns:r="http://schemas.openxmlformats.org/officeDocument/2006/relationships" xmlns:p="http://schemas.openxmlformats.org/presentationml/2006/main">
+  <p:cSld>
+    <p:spTree>
+      <p:nvGrpSpPr>
+        <p:cNvPr id="1" name=""/>
+        <p:cNvGrpSpPr/>
+        <p:nvPr/>
+      </p:nvGrpSpPr>
+      <p:grpSpPr>
+        <a:xfrm>
+          <a:off x="0" y="0"/>
+          <a:ext cx="0" cy="0"/>
+          <a:chOff x="0" y="0"/>
+          <a:chExt cx="0" cy="0"/>
+        </a:xfrm>
+      </p:grpSpPr>
+      <p:sp>
+        <p:nvSpPr>
+          <p:cNvPr id="2" name="Titre 1"/>
+          <p:cNvSpPr>
+            <a:spLocks noGrp="1"/>
+          </p:cNvSpPr>
+          <p:nvPr>
+            <p:ph type="title"/>
+          </p:nvPr>
+        </p:nvSpPr>
+        <p:spPr/>
+        <p:txBody>
+          <a:bodyPr/>
+          <a:lstStyle/>
+          <a:p>
+            <a:endParaRPr lang="fr-FR"/>
+          </a:p>
+        </p:txBody>
+      </p:sp>
+    </p:spTree>
+    <p:extLst>
+      <p:ext uri="{BB962C8B-B14F-4D97-AF65-F5344CB8AC3E}">
+        <p14:creationId xmlns:p14="http://schemas.microsoft.com/office/powerpoint/2010/main" val="1160108065"/>
+      </p:ext>
+    </p:extLst>
+  </p:cSld>
+  <p:clrMapOvr>
+    <a:masterClrMapping/>
+  </p:clrMapOvr>
+</p:sld>
+</file>
+
+<file path=ppt/slides/slide19.xml><?xml version="1.0" encoding="utf-8"?>
+<p:sld xmlns:a="http://schemas.openxmlformats.org/drawingml/2006/main" xmlns:r="http://schemas.openxmlformats.org/officeDocument/2006/relationships" xmlns:p="http://schemas.openxmlformats.org/presentationml/2006/main">
+  <p:cSld>
+    <p:spTree>
+      <p:nvGrpSpPr>
+        <p:cNvPr id="1" name=""/>
+        <p:cNvGrpSpPr/>
+        <p:nvPr/>
+      </p:nvGrpSpPr>
+      <p:grpSpPr>
+        <a:xfrm>
+          <a:off x="0" y="0"/>
+          <a:ext cx="0" cy="0"/>
+          <a:chOff x="0" y="0"/>
+          <a:chExt cx="0" cy="0"/>
+        </a:xfrm>
+      </p:grpSpPr>
+      <p:sp>
+        <p:nvSpPr>
+          <p:cNvPr id="2" name="Titre 1"/>
+          <p:cNvSpPr>
+            <a:spLocks noGrp="1"/>
+          </p:cNvSpPr>
+          <p:nvPr>
+            <p:ph type="title"/>
+          </p:nvPr>
+        </p:nvSpPr>
+        <p:spPr/>
+        <p:txBody>
+          <a:bodyPr/>
+          <a:lstStyle/>
+          <a:p>
+            <a:endParaRPr lang="fr-FR"/>
+          </a:p>
+        </p:txBody>
+      </p:sp>
+    </p:spTree>
+    <p:extLst>
+      <p:ext uri="{BB962C8B-B14F-4D97-AF65-F5344CB8AC3E}">
+        <p14:creationId xmlns:p14="http://schemas.microsoft.com/office/powerpoint/2010/main" val="2537692123"/>
+      </p:ext>
+    </p:extLst>
+  </p:cSld>
+  <p:clrMapOvr>
+    <a:masterClrMapping/>
+  </p:clrMapOvr>
+</p:sld>
+</file>
+
 <file path=ppt/slides/slide2.xml><?xml version="1.0" encoding="utf-8"?>
 <p:sld xmlns:a="http://schemas.openxmlformats.org/drawingml/2006/main" xmlns:r="http://schemas.openxmlformats.org/officeDocument/2006/relationships" xmlns:p="http://schemas.openxmlformats.org/presentationml/2006/main">
   <p:cSld>
@@ -3231,40 +3740,24 @@
           </a:bodyPr>
           <a:lstStyle/>
           <a:p>
-            <a:pPr algn="l"/>
-            <a:r>
-              <a:rPr lang="fr-FR" b="1" dirty="0" smtClean="0"/>
-              <a:t>Base de donnée </a:t>
-            </a:r>
-            <a:r>
-              <a:rPr lang="fr-FR" b="1" dirty="0" err="1" smtClean="0"/>
-              <a:t>OpenFoodFacts</a:t>
-            </a:r>
-            <a:r>
-              <a:rPr lang="fr-FR" dirty="0" smtClean="0"/>
-              <a:t/>
-            </a:r>
-            <a:br>
-              <a:rPr lang="fr-FR" dirty="0" smtClean="0"/>
-            </a:br>
-            <a:r>
-              <a:rPr lang="fr-FR" sz="3600" dirty="0" smtClean="0"/>
-              <a:t>Application innovante en lien avec l’alimentation</a:t>
-            </a:r>
-            <a:endParaRPr lang="fr-FR" sz="3600" dirty="0"/>
-          </a:p>
-        </p:txBody>
-      </p:sp>
-      <p:sp>
-        <p:nvSpPr>
-          <p:cNvPr id="3" name="ZoneTexte 2"/>
+            <a:r>
+              <a:rPr lang="fr-FR" b="1" dirty="0"/>
+              <a:t>Concevez une application au service de la santé publique</a:t>
+            </a:r>
+            <a:endParaRPr lang="fr-FR" dirty="0"/>
+          </a:p>
+        </p:txBody>
+      </p:sp>
+      <p:sp>
+        <p:nvSpPr>
+          <p:cNvPr id="4" name="ZoneTexte 3"/>
           <p:cNvSpPr txBox="1"/>
           <p:nvPr/>
         </p:nvSpPr>
         <p:spPr>
           <a:xfrm>
-            <a:off x="467544" y="2132856"/>
-            <a:ext cx="8064896" cy="2862322"/>
+            <a:off x="3419872" y="2206174"/>
+            <a:ext cx="2304256" cy="523220"/>
           </a:xfrm>
           <a:prstGeom prst="rect">
             <a:avLst/>
@@ -3277,67 +3770,256 @@
           </a:bodyPr>
           <a:lstStyle/>
           <a:p>
-            <a:r>
-              <a:rPr lang="fr-FR" dirty="0" smtClean="0"/>
-              <a:t>Une application qui permet de donner à un utilisateur  des suggestions de produits similaires en améliorant ou changeant des paramètres de son choix (marque, pays, plus sains, plus énergétiques,  emballage, quantité, plus vitaminé…)</a:t>
-            </a:r>
-          </a:p>
+            <a:pPr algn="ctr"/>
+            <a:r>
+              <a:rPr lang="fr-FR" sz="2800" b="1" dirty="0" smtClean="0"/>
+              <a:t>Nettoyage</a:t>
+            </a:r>
+            <a:endParaRPr lang="fr-FR" sz="2800" b="1" dirty="0"/>
+          </a:p>
+        </p:txBody>
+      </p:sp>
+      <p:sp>
+        <p:nvSpPr>
+          <p:cNvPr id="5" name="ZoneTexte 4"/>
+          <p:cNvSpPr txBox="1"/>
+          <p:nvPr/>
+        </p:nvSpPr>
+        <p:spPr>
+          <a:xfrm>
+            <a:off x="6012160" y="3789040"/>
+            <a:ext cx="2304256" cy="523220"/>
+          </a:xfrm>
+          <a:prstGeom prst="rect">
+            <a:avLst/>
+          </a:prstGeom>
+          <a:noFill/>
+        </p:spPr>
+        <p:txBody>
+          <a:bodyPr wrap="square" rtlCol="0">
+            <a:spAutoFit/>
+          </a:bodyPr>
+          <a:lstStyle/>
+          <a:p>
+            <a:pPr algn="ctr"/>
+            <a:r>
+              <a:rPr lang="fr-FR" sz="2800" b="1" dirty="0" smtClean="0"/>
+              <a:t>Analyse</a:t>
+            </a:r>
+            <a:endParaRPr lang="fr-FR" sz="2800" b="1" dirty="0"/>
+          </a:p>
+        </p:txBody>
+      </p:sp>
+      <p:sp>
+        <p:nvSpPr>
+          <p:cNvPr id="6" name="ZoneTexte 5"/>
+          <p:cNvSpPr txBox="1"/>
+          <p:nvPr/>
+        </p:nvSpPr>
+        <p:spPr>
+          <a:xfrm>
+            <a:off x="971600" y="3789040"/>
+            <a:ext cx="2304256" cy="523220"/>
+          </a:xfrm>
+          <a:prstGeom prst="rect">
+            <a:avLst/>
+          </a:prstGeom>
+          <a:noFill/>
+        </p:spPr>
+        <p:txBody>
+          <a:bodyPr wrap="square" rtlCol="0">
+            <a:spAutoFit/>
+          </a:bodyPr>
+          <a:lstStyle/>
+          <a:p>
+            <a:pPr algn="ctr"/>
+            <a:r>
+              <a:rPr lang="fr-FR" sz="2800" b="1" dirty="0" smtClean="0"/>
+              <a:t>Application</a:t>
+            </a:r>
+            <a:endParaRPr lang="fr-FR" sz="2800" b="1" dirty="0"/>
+          </a:p>
+        </p:txBody>
+      </p:sp>
+      <p:sp>
+        <p:nvSpPr>
+          <p:cNvPr id="7" name="Espace réservé du contenu 6"/>
+          <p:cNvSpPr>
+            <a:spLocks noGrp="1"/>
+          </p:cNvSpPr>
+          <p:nvPr>
+            <p:ph idx="1"/>
+          </p:nvPr>
+        </p:nvSpPr>
+        <p:spPr>
+          <a:xfrm>
+            <a:off x="457200" y="5157192"/>
+            <a:ext cx="8229600" cy="968971"/>
+          </a:xfrm>
+        </p:spPr>
+        <p:txBody>
+          <a:bodyPr/>
+          <a:lstStyle/>
           <a:p>
             <a:endParaRPr lang="fr-FR" dirty="0"/>
-          </a:p>
-          <a:p>
-            <a:r>
-              <a:rPr lang="fr-FR" dirty="0" smtClean="0"/>
-              <a:t>Fonctionnalités offertes :</a:t>
-            </a:r>
-          </a:p>
-          <a:p>
-            <a:pPr marL="285750" indent="-285750">
-              <a:buFontTx/>
-              <a:buChar char="-"/>
-            </a:pPr>
-            <a:r>
-              <a:rPr lang="fr-FR" dirty="0" smtClean="0"/>
-              <a:t>Affichage des articles sur une carte par similarité</a:t>
-            </a:r>
-          </a:p>
-          <a:p>
-            <a:pPr marL="285750" indent="-285750">
-              <a:buFontTx/>
-              <a:buChar char="-"/>
-            </a:pPr>
-            <a:r>
-              <a:rPr lang="fr-FR" dirty="0" smtClean="0"/>
-              <a:t>Note de l’article pour chaque variable parmi ceux qui sont similaires</a:t>
-            </a:r>
-          </a:p>
-          <a:p>
-            <a:pPr marL="285750" indent="-285750">
-              <a:buFontTx/>
-              <a:buChar char="-"/>
-            </a:pPr>
-            <a:endParaRPr lang="fr-FR" dirty="0"/>
-          </a:p>
-          <a:p>
-            <a:pPr marL="285750" indent="-285750">
-              <a:buFontTx/>
-              <a:buChar char="-"/>
-            </a:pPr>
-            <a:endParaRPr lang="fr-FR" dirty="0" smtClean="0"/>
-          </a:p>
-          <a:p>
-            <a:pPr marL="285750" indent="-285750">
-              <a:buFontTx/>
-              <a:buChar char="-"/>
-            </a:pPr>
-            <a:endParaRPr lang="fr-FR" dirty="0" smtClean="0"/>
           </a:p>
         </p:txBody>
       </p:sp>
     </p:spTree>
     <p:extLst>
       <p:ext uri="{BB962C8B-B14F-4D97-AF65-F5344CB8AC3E}">
-        <p14:creationId xmlns:p14="http://schemas.microsoft.com/office/powerpoint/2010/main" val="3280440723"/>
+        <p14:creationId xmlns:p14="http://schemas.microsoft.com/office/powerpoint/2010/main" val="4168484279"/>
+      </p:ext>
+    </p:extLst>
+  </p:cSld>
+  <p:clrMapOvr>
+    <a:masterClrMapping/>
+  </p:clrMapOvr>
+</p:sld>
+</file>
+
+<file path=ppt/slides/slide20.xml><?xml version="1.0" encoding="utf-8"?>
+<p:sld xmlns:a="http://schemas.openxmlformats.org/drawingml/2006/main" xmlns:r="http://schemas.openxmlformats.org/officeDocument/2006/relationships" xmlns:p="http://schemas.openxmlformats.org/presentationml/2006/main">
+  <p:cSld>
+    <p:spTree>
+      <p:nvGrpSpPr>
+        <p:cNvPr id="1" name=""/>
+        <p:cNvGrpSpPr/>
+        <p:nvPr/>
+      </p:nvGrpSpPr>
+      <p:grpSpPr>
+        <a:xfrm>
+          <a:off x="0" y="0"/>
+          <a:ext cx="0" cy="0"/>
+          <a:chOff x="0" y="0"/>
+          <a:chExt cx="0" cy="0"/>
+        </a:xfrm>
+      </p:grpSpPr>
+      <p:sp>
+        <p:nvSpPr>
+          <p:cNvPr id="2" name="Titre 1"/>
+          <p:cNvSpPr>
+            <a:spLocks noGrp="1"/>
+          </p:cNvSpPr>
+          <p:nvPr>
+            <p:ph type="title"/>
+          </p:nvPr>
+        </p:nvSpPr>
+        <p:spPr/>
+        <p:txBody>
+          <a:bodyPr/>
+          <a:lstStyle/>
+          <a:p>
+            <a:endParaRPr lang="fr-FR"/>
+          </a:p>
+        </p:txBody>
+      </p:sp>
+    </p:spTree>
+    <p:extLst>
+      <p:ext uri="{BB962C8B-B14F-4D97-AF65-F5344CB8AC3E}">
+        <p14:creationId xmlns:p14="http://schemas.microsoft.com/office/powerpoint/2010/main" val="694029547"/>
+      </p:ext>
+    </p:extLst>
+  </p:cSld>
+  <p:clrMapOvr>
+    <a:masterClrMapping/>
+  </p:clrMapOvr>
+</p:sld>
+</file>
+
+<file path=ppt/slides/slide21.xml><?xml version="1.0" encoding="utf-8"?>
+<p:sld xmlns:a="http://schemas.openxmlformats.org/drawingml/2006/main" xmlns:r="http://schemas.openxmlformats.org/officeDocument/2006/relationships" xmlns:p="http://schemas.openxmlformats.org/presentationml/2006/main">
+  <p:cSld>
+    <p:spTree>
+      <p:nvGrpSpPr>
+        <p:cNvPr id="1" name=""/>
+        <p:cNvGrpSpPr/>
+        <p:nvPr/>
+      </p:nvGrpSpPr>
+      <p:grpSpPr>
+        <a:xfrm>
+          <a:off x="0" y="0"/>
+          <a:ext cx="0" cy="0"/>
+          <a:chOff x="0" y="0"/>
+          <a:chExt cx="0" cy="0"/>
+        </a:xfrm>
+      </p:grpSpPr>
+      <p:sp>
+        <p:nvSpPr>
+          <p:cNvPr id="2" name="Titre 1"/>
+          <p:cNvSpPr>
+            <a:spLocks noGrp="1"/>
+          </p:cNvSpPr>
+          <p:nvPr>
+            <p:ph type="title"/>
+          </p:nvPr>
+        </p:nvSpPr>
+        <p:spPr/>
+        <p:txBody>
+          <a:bodyPr/>
+          <a:lstStyle/>
+          <a:p>
+            <a:endParaRPr lang="fr-FR"/>
+          </a:p>
+        </p:txBody>
+      </p:sp>
+    </p:spTree>
+    <p:extLst>
+      <p:ext uri="{BB962C8B-B14F-4D97-AF65-F5344CB8AC3E}">
+        <p14:creationId xmlns:p14="http://schemas.microsoft.com/office/powerpoint/2010/main" val="1980548917"/>
+      </p:ext>
+    </p:extLst>
+  </p:cSld>
+  <p:clrMapOvr>
+    <a:masterClrMapping/>
+  </p:clrMapOvr>
+</p:sld>
+</file>
+
+<file path=ppt/slides/slide22.xml><?xml version="1.0" encoding="utf-8"?>
+<p:sld xmlns:a="http://schemas.openxmlformats.org/drawingml/2006/main" xmlns:r="http://schemas.openxmlformats.org/officeDocument/2006/relationships" xmlns:p="http://schemas.openxmlformats.org/presentationml/2006/main">
+  <p:cSld>
+    <p:spTree>
+      <p:nvGrpSpPr>
+        <p:cNvPr id="1" name=""/>
+        <p:cNvGrpSpPr/>
+        <p:nvPr/>
+      </p:nvGrpSpPr>
+      <p:grpSpPr>
+        <a:xfrm>
+          <a:off x="0" y="0"/>
+          <a:ext cx="0" cy="0"/>
+          <a:chOff x="0" y="0"/>
+          <a:chExt cx="0" cy="0"/>
+        </a:xfrm>
+      </p:grpSpPr>
+      <p:sp>
+        <p:nvSpPr>
+          <p:cNvPr id="2" name="Titre 1"/>
+          <p:cNvSpPr>
+            <a:spLocks noGrp="1"/>
+          </p:cNvSpPr>
+          <p:nvPr>
+            <p:ph type="title"/>
+          </p:nvPr>
+        </p:nvSpPr>
+        <p:spPr/>
+        <p:txBody>
+          <a:bodyPr/>
+          <a:lstStyle/>
+          <a:p>
+            <a:r>
+              <a:rPr lang="fr-FR" dirty="0" smtClean="0"/>
+              <a:t>Pistes d’amélioration</a:t>
+            </a:r>
+            <a:endParaRPr lang="fr-FR" dirty="0"/>
+          </a:p>
+        </p:txBody>
+      </p:sp>
+    </p:spTree>
+    <p:extLst>
+      <p:ext uri="{BB962C8B-B14F-4D97-AF65-F5344CB8AC3E}">
+        <p14:creationId xmlns:p14="http://schemas.microsoft.com/office/powerpoint/2010/main" val="3016011660"/>
       </p:ext>
     </p:extLst>
   </p:cSld>
@@ -3376,14 +4058,265 @@
         </p:nvSpPr>
         <p:spPr/>
         <p:txBody>
-          <a:bodyPr/>
-          <a:lstStyle/>
-          <a:p>
-            <a:r>
-              <a:rPr lang="fr-FR" dirty="0" err="1" smtClean="0"/>
-              <a:t>Cleaning</a:t>
-            </a:r>
+          <a:bodyPr>
+            <a:normAutofit fontScale="90000"/>
+          </a:bodyPr>
+          <a:lstStyle/>
+          <a:p>
+            <a:pPr algn="l"/>
+            <a:r>
+              <a:rPr lang="fr-FR" b="1" dirty="0" smtClean="0"/>
+              <a:t>Base de donnée </a:t>
+            </a:r>
+            <a:r>
+              <a:rPr lang="fr-FR" b="1" dirty="0" err="1" smtClean="0"/>
+              <a:t>OpenFoodFacts</a:t>
+            </a:r>
+            <a:r>
+              <a:rPr lang="fr-FR" dirty="0" smtClean="0"/>
+              <a:t/>
+            </a:r>
+            <a:br>
+              <a:rPr lang="fr-FR" dirty="0" smtClean="0"/>
+            </a:br>
+            <a:r>
+              <a:rPr lang="fr-FR" sz="3600" dirty="0" smtClean="0"/>
+              <a:t>Application innovante en lien avec l’alimentation</a:t>
+            </a:r>
+            <a:endParaRPr lang="fr-FR" sz="3600" dirty="0"/>
+          </a:p>
+        </p:txBody>
+      </p:sp>
+      <p:sp>
+        <p:nvSpPr>
+          <p:cNvPr id="3" name="ZoneTexte 2"/>
+          <p:cNvSpPr txBox="1"/>
+          <p:nvPr/>
+        </p:nvSpPr>
+        <p:spPr>
+          <a:xfrm>
+            <a:off x="467544" y="2132856"/>
+            <a:ext cx="8064896" cy="2862322"/>
+          </a:xfrm>
+          <a:prstGeom prst="rect">
+            <a:avLst/>
+          </a:prstGeom>
+          <a:noFill/>
+        </p:spPr>
+        <p:txBody>
+          <a:bodyPr wrap="square" rtlCol="0">
+            <a:spAutoFit/>
+          </a:bodyPr>
+          <a:lstStyle/>
+          <a:p>
+            <a:r>
+              <a:rPr lang="fr-FR" dirty="0" smtClean="0"/>
+              <a:t>Une application qui permet de donner à un utilisateur  des suggestions de produits similaires en améliorant ou changeant des paramètres de son choix (marque, pays, plus sains, plus énergétiques,  emballage, quantité, plus vitaminé…)</a:t>
+            </a:r>
+          </a:p>
+          <a:p>
             <a:endParaRPr lang="fr-FR" dirty="0"/>
+          </a:p>
+          <a:p>
+            <a:r>
+              <a:rPr lang="fr-FR" dirty="0" smtClean="0"/>
+              <a:t>Fonctionnalités offertes :</a:t>
+            </a:r>
+          </a:p>
+          <a:p>
+            <a:pPr marL="285750" indent="-285750">
+              <a:buFontTx/>
+              <a:buChar char="-"/>
+            </a:pPr>
+            <a:r>
+              <a:rPr lang="fr-FR" dirty="0" smtClean="0"/>
+              <a:t>Affichage des articles sur une carte par similarité</a:t>
+            </a:r>
+          </a:p>
+          <a:p>
+            <a:pPr marL="285750" indent="-285750">
+              <a:buFontTx/>
+              <a:buChar char="-"/>
+            </a:pPr>
+            <a:r>
+              <a:rPr lang="fr-FR" dirty="0" smtClean="0"/>
+              <a:t>Note de l’article pour chaque variable parmi ceux qui sont similaires</a:t>
+            </a:r>
+          </a:p>
+          <a:p>
+            <a:pPr marL="285750" indent="-285750">
+              <a:buFontTx/>
+              <a:buChar char="-"/>
+            </a:pPr>
+            <a:endParaRPr lang="fr-FR" dirty="0"/>
+          </a:p>
+          <a:p>
+            <a:pPr marL="285750" indent="-285750">
+              <a:buFontTx/>
+              <a:buChar char="-"/>
+            </a:pPr>
+            <a:endParaRPr lang="fr-FR" dirty="0" smtClean="0"/>
+          </a:p>
+          <a:p>
+            <a:pPr marL="285750" indent="-285750">
+              <a:buFontTx/>
+              <a:buChar char="-"/>
+            </a:pPr>
+            <a:endParaRPr lang="fr-FR" dirty="0" smtClean="0"/>
+          </a:p>
+        </p:txBody>
+      </p:sp>
+    </p:spTree>
+    <p:extLst>
+      <p:ext uri="{BB962C8B-B14F-4D97-AF65-F5344CB8AC3E}">
+        <p14:creationId xmlns:p14="http://schemas.microsoft.com/office/powerpoint/2010/main" val="3280440723"/>
+      </p:ext>
+    </p:extLst>
+  </p:cSld>
+  <p:clrMapOvr>
+    <a:masterClrMapping/>
+  </p:clrMapOvr>
+</p:sld>
+</file>
+
+<file path=ppt/slides/slide4.xml><?xml version="1.0" encoding="utf-8"?>
+<p:sld xmlns:a="http://schemas.openxmlformats.org/drawingml/2006/main" xmlns:r="http://schemas.openxmlformats.org/officeDocument/2006/relationships" xmlns:p="http://schemas.openxmlformats.org/presentationml/2006/main">
+  <p:cSld>
+    <p:spTree>
+      <p:nvGrpSpPr>
+        <p:cNvPr id="1" name=""/>
+        <p:cNvGrpSpPr/>
+        <p:nvPr/>
+      </p:nvGrpSpPr>
+      <p:grpSpPr>
+        <a:xfrm>
+          <a:off x="0" y="0"/>
+          <a:ext cx="0" cy="0"/>
+          <a:chOff x="0" y="0"/>
+          <a:chExt cx="0" cy="0"/>
+        </a:xfrm>
+      </p:grpSpPr>
+      <p:sp>
+        <p:nvSpPr>
+          <p:cNvPr id="2" name="Titre 1"/>
+          <p:cNvSpPr>
+            <a:spLocks noGrp="1"/>
+          </p:cNvSpPr>
+          <p:nvPr>
+            <p:ph type="title"/>
+          </p:nvPr>
+        </p:nvSpPr>
+        <p:spPr/>
+        <p:txBody>
+          <a:bodyPr/>
+          <a:lstStyle/>
+          <a:p>
+            <a:endParaRPr lang="fr-FR"/>
+          </a:p>
+        </p:txBody>
+      </p:sp>
+    </p:spTree>
+    <p:extLst>
+      <p:ext uri="{BB962C8B-B14F-4D97-AF65-F5344CB8AC3E}">
+        <p14:creationId xmlns:p14="http://schemas.microsoft.com/office/powerpoint/2010/main" val="614604191"/>
+      </p:ext>
+    </p:extLst>
+  </p:cSld>
+  <p:clrMapOvr>
+    <a:masterClrMapping/>
+  </p:clrMapOvr>
+</p:sld>
+</file>
+
+<file path=ppt/slides/slide5.xml><?xml version="1.0" encoding="utf-8"?>
+<p:sld xmlns:a="http://schemas.openxmlformats.org/drawingml/2006/main" xmlns:r="http://schemas.openxmlformats.org/officeDocument/2006/relationships" xmlns:p="http://schemas.openxmlformats.org/presentationml/2006/main">
+  <p:cSld>
+    <p:spTree>
+      <p:nvGrpSpPr>
+        <p:cNvPr id="1" name=""/>
+        <p:cNvGrpSpPr/>
+        <p:nvPr/>
+      </p:nvGrpSpPr>
+      <p:grpSpPr>
+        <a:xfrm>
+          <a:off x="0" y="0"/>
+          <a:ext cx="0" cy="0"/>
+          <a:chOff x="0" y="0"/>
+          <a:chExt cx="0" cy="0"/>
+        </a:xfrm>
+      </p:grpSpPr>
+      <p:sp>
+        <p:nvSpPr>
+          <p:cNvPr id="2" name="Titre 1"/>
+          <p:cNvSpPr>
+            <a:spLocks noGrp="1"/>
+          </p:cNvSpPr>
+          <p:nvPr>
+            <p:ph type="title"/>
+          </p:nvPr>
+        </p:nvSpPr>
+        <p:spPr/>
+        <p:txBody>
+          <a:bodyPr/>
+          <a:lstStyle/>
+          <a:p>
+            <a:r>
+              <a:rPr lang="fr-FR" dirty="0" smtClean="0"/>
+              <a:t>Nettoyage des données</a:t>
+            </a:r>
+            <a:endParaRPr lang="fr-FR" dirty="0"/>
+          </a:p>
+        </p:txBody>
+      </p:sp>
+    </p:spTree>
+    <p:extLst>
+      <p:ext uri="{BB962C8B-B14F-4D97-AF65-F5344CB8AC3E}">
+        <p14:creationId xmlns:p14="http://schemas.microsoft.com/office/powerpoint/2010/main" val="1021893233"/>
+      </p:ext>
+    </p:extLst>
+  </p:cSld>
+  <p:clrMapOvr>
+    <a:masterClrMapping/>
+  </p:clrMapOvr>
+</p:sld>
+</file>
+
+<file path=ppt/slides/slide6.xml><?xml version="1.0" encoding="utf-8"?>
+<p:sld xmlns:a="http://schemas.openxmlformats.org/drawingml/2006/main" xmlns:r="http://schemas.openxmlformats.org/officeDocument/2006/relationships" xmlns:p="http://schemas.openxmlformats.org/presentationml/2006/main">
+  <p:cSld>
+    <p:spTree>
+      <p:nvGrpSpPr>
+        <p:cNvPr id="1" name=""/>
+        <p:cNvGrpSpPr/>
+        <p:nvPr/>
+      </p:nvGrpSpPr>
+      <p:grpSpPr>
+        <a:xfrm>
+          <a:off x="0" y="0"/>
+          <a:ext cx="0" cy="0"/>
+          <a:chOff x="0" y="0"/>
+          <a:chExt cx="0" cy="0"/>
+        </a:xfrm>
+      </p:grpSpPr>
+      <p:sp>
+        <p:nvSpPr>
+          <p:cNvPr id="2" name="Titre 1"/>
+          <p:cNvSpPr>
+            <a:spLocks noGrp="1"/>
+          </p:cNvSpPr>
+          <p:nvPr>
+            <p:ph type="title"/>
+          </p:nvPr>
+        </p:nvSpPr>
+        <p:spPr/>
+        <p:txBody>
+          <a:bodyPr/>
+          <a:lstStyle/>
+          <a:p>
+            <a:r>
+              <a:rPr lang="fr-FR" dirty="0"/>
+              <a:t>Nettoyage des données</a:t>
+            </a:r>
           </a:p>
         </p:txBody>
       </p:sp>
@@ -4072,6 +5005,229 @@
 </p:sld>
 </file>
 
+<file path=ppt/slides/slide7.xml><?xml version="1.0" encoding="utf-8"?>
+<p:sld xmlns:a="http://schemas.openxmlformats.org/drawingml/2006/main" xmlns:r="http://schemas.openxmlformats.org/officeDocument/2006/relationships" xmlns:p="http://schemas.openxmlformats.org/presentationml/2006/main">
+  <p:cSld>
+    <p:spTree>
+      <p:nvGrpSpPr>
+        <p:cNvPr id="1" name=""/>
+        <p:cNvGrpSpPr/>
+        <p:nvPr/>
+      </p:nvGrpSpPr>
+      <p:grpSpPr>
+        <a:xfrm>
+          <a:off x="0" y="0"/>
+          <a:ext cx="0" cy="0"/>
+          <a:chOff x="0" y="0"/>
+          <a:chExt cx="0" cy="0"/>
+        </a:xfrm>
+      </p:grpSpPr>
+      <p:sp>
+        <p:nvSpPr>
+          <p:cNvPr id="2" name="Titre 1"/>
+          <p:cNvSpPr>
+            <a:spLocks noGrp="1"/>
+          </p:cNvSpPr>
+          <p:nvPr>
+            <p:ph type="title"/>
+          </p:nvPr>
+        </p:nvSpPr>
+        <p:spPr/>
+        <p:txBody>
+          <a:bodyPr/>
+          <a:lstStyle/>
+          <a:p>
+            <a:r>
+              <a:rPr lang="fr-FR" dirty="0" smtClean="0"/>
+              <a:t>Analyse des données</a:t>
+            </a:r>
+            <a:endParaRPr lang="fr-FR" dirty="0"/>
+          </a:p>
+        </p:txBody>
+      </p:sp>
+      <p:sp>
+        <p:nvSpPr>
+          <p:cNvPr id="3" name="Rectangle 2"/>
+          <p:cNvSpPr/>
+          <p:nvPr/>
+        </p:nvSpPr>
+        <p:spPr>
+          <a:xfrm>
+            <a:off x="2267744" y="2636912"/>
+            <a:ext cx="914400" cy="914400"/>
+          </a:xfrm>
+          <a:prstGeom prst="rect">
+            <a:avLst/>
+          </a:prstGeom>
+          <a:noFill/>
+          <a:ln>
+            <a:noFill/>
+          </a:ln>
+        </p:spPr>
+        <p:style>
+          <a:lnRef idx="2">
+            <a:schemeClr val="accent1">
+              <a:shade val="50000"/>
+            </a:schemeClr>
+          </a:lnRef>
+          <a:fillRef idx="1">
+            <a:schemeClr val="accent1"/>
+          </a:fillRef>
+          <a:effectRef idx="0">
+            <a:schemeClr val="accent1"/>
+          </a:effectRef>
+          <a:fontRef idx="minor">
+            <a:schemeClr val="lt1"/>
+          </a:fontRef>
+        </p:style>
+        <p:txBody>
+          <a:bodyPr rtlCol="0" anchor="ctr"/>
+          <a:lstStyle/>
+          <a:p>
+            <a:pPr algn="ctr"/>
+            <a:endParaRPr lang="fr-FR"/>
+          </a:p>
+        </p:txBody>
+      </p:sp>
+    </p:spTree>
+    <p:extLst>
+      <p:ext uri="{BB962C8B-B14F-4D97-AF65-F5344CB8AC3E}">
+        <p14:creationId xmlns:p14="http://schemas.microsoft.com/office/powerpoint/2010/main" val="1514291475"/>
+      </p:ext>
+    </p:extLst>
+  </p:cSld>
+  <p:clrMapOvr>
+    <a:masterClrMapping/>
+  </p:clrMapOvr>
+</p:sld>
+</file>
+
+<file path=ppt/slides/slide8.xml><?xml version="1.0" encoding="utf-8"?>
+<p:sld xmlns:a="http://schemas.openxmlformats.org/drawingml/2006/main" xmlns:r="http://schemas.openxmlformats.org/officeDocument/2006/relationships" xmlns:p="http://schemas.openxmlformats.org/presentationml/2006/main">
+  <p:cSld>
+    <p:spTree>
+      <p:nvGrpSpPr>
+        <p:cNvPr id="1" name=""/>
+        <p:cNvGrpSpPr/>
+        <p:nvPr/>
+      </p:nvGrpSpPr>
+      <p:grpSpPr>
+        <a:xfrm>
+          <a:off x="0" y="0"/>
+          <a:ext cx="0" cy="0"/>
+          <a:chOff x="0" y="0"/>
+          <a:chExt cx="0" cy="0"/>
+        </a:xfrm>
+      </p:grpSpPr>
+      <p:sp>
+        <p:nvSpPr>
+          <p:cNvPr id="2" name="Titre 1"/>
+          <p:cNvSpPr>
+            <a:spLocks noGrp="1"/>
+          </p:cNvSpPr>
+          <p:nvPr>
+            <p:ph type="title"/>
+          </p:nvPr>
+        </p:nvSpPr>
+        <p:spPr/>
+        <p:txBody>
+          <a:bodyPr/>
+          <a:lstStyle/>
+          <a:p>
+            <a:r>
+              <a:rPr lang="fr-FR" dirty="0"/>
+              <a:t>Analyse des données</a:t>
+            </a:r>
+          </a:p>
+        </p:txBody>
+      </p:sp>
+      <p:sp>
+        <p:nvSpPr>
+          <p:cNvPr id="3" name="Espace réservé du contenu 2"/>
+          <p:cNvSpPr>
+            <a:spLocks noGrp="1"/>
+          </p:cNvSpPr>
+          <p:nvPr>
+            <p:ph idx="1"/>
+          </p:nvPr>
+        </p:nvSpPr>
+        <p:spPr/>
+        <p:txBody>
+          <a:bodyPr/>
+          <a:lstStyle/>
+          <a:p>
+            <a:r>
+              <a:rPr lang="fr-FR" smtClean="0"/>
+              <a:t>Catégories</a:t>
+            </a:r>
+          </a:p>
+          <a:p>
+            <a:endParaRPr lang="fr-FR" dirty="0"/>
+          </a:p>
+        </p:txBody>
+      </p:sp>
+    </p:spTree>
+    <p:extLst>
+      <p:ext uri="{BB962C8B-B14F-4D97-AF65-F5344CB8AC3E}">
+        <p14:creationId xmlns:p14="http://schemas.microsoft.com/office/powerpoint/2010/main" val="3823284498"/>
+      </p:ext>
+    </p:extLst>
+  </p:cSld>
+  <p:clrMapOvr>
+    <a:masterClrMapping/>
+  </p:clrMapOvr>
+</p:sld>
+</file>
+
+<file path=ppt/slides/slide9.xml><?xml version="1.0" encoding="utf-8"?>
+<p:sld xmlns:a="http://schemas.openxmlformats.org/drawingml/2006/main" xmlns:r="http://schemas.openxmlformats.org/officeDocument/2006/relationships" xmlns:p="http://schemas.openxmlformats.org/presentationml/2006/main">
+  <p:cSld>
+    <p:spTree>
+      <p:nvGrpSpPr>
+        <p:cNvPr id="1" name=""/>
+        <p:cNvGrpSpPr/>
+        <p:nvPr/>
+      </p:nvGrpSpPr>
+      <p:grpSpPr>
+        <a:xfrm>
+          <a:off x="0" y="0"/>
+          <a:ext cx="0" cy="0"/>
+          <a:chOff x="0" y="0"/>
+          <a:chExt cx="0" cy="0"/>
+        </a:xfrm>
+      </p:grpSpPr>
+      <p:sp>
+        <p:nvSpPr>
+          <p:cNvPr id="2" name="Titre 1"/>
+          <p:cNvSpPr>
+            <a:spLocks noGrp="1"/>
+          </p:cNvSpPr>
+          <p:nvPr>
+            <p:ph type="title"/>
+          </p:nvPr>
+        </p:nvSpPr>
+        <p:spPr/>
+        <p:txBody>
+          <a:bodyPr/>
+          <a:lstStyle/>
+          <a:p>
+            <a:endParaRPr lang="fr-FR"/>
+          </a:p>
+        </p:txBody>
+      </p:sp>
+    </p:spTree>
+    <p:extLst>
+      <p:ext uri="{BB962C8B-B14F-4D97-AF65-F5344CB8AC3E}">
+        <p14:creationId xmlns:p14="http://schemas.microsoft.com/office/powerpoint/2010/main" val="1019117085"/>
+      </p:ext>
+    </p:extLst>
+  </p:cSld>
+  <p:clrMapOvr>
+    <a:masterClrMapping/>
+  </p:clrMapOvr>
+</p:sld>
+</file>
+
 <file path=ppt/theme/theme1.xml><?xml version="1.0" encoding="utf-8"?>
 <a:theme xmlns:a="http://schemas.openxmlformats.org/drawingml/2006/main" name="Thème Office">
   <a:themeElements>

--- a/SOUTENANCE/Projet3.pptx
+++ b/SOUTENANCE/Projet3.pptx
@@ -5,10 +5,10 @@
     <p:sldMasterId id="2147483648" r:id="rId1"/>
   </p:sldMasterIdLst>
   <p:notesMasterIdLst>
-    <p:notesMasterId r:id="rId9"/>
+    <p:notesMasterId r:id="rId17"/>
   </p:notesMasterIdLst>
   <p:handoutMasterIdLst>
-    <p:handoutMasterId r:id="rId10"/>
+    <p:handoutMasterId r:id="rId18"/>
   </p:handoutMasterIdLst>
   <p:sldIdLst>
     <p:sldId id="278" r:id="rId2"/>
@@ -17,7 +17,15 @@
     <p:sldId id="282" r:id="rId5"/>
     <p:sldId id="283" r:id="rId6"/>
     <p:sldId id="284" r:id="rId7"/>
-    <p:sldId id="285" r:id="rId8"/>
+    <p:sldId id="288" r:id="rId8"/>
+    <p:sldId id="287" r:id="rId9"/>
+    <p:sldId id="286" r:id="rId10"/>
+    <p:sldId id="289" r:id="rId11"/>
+    <p:sldId id="290" r:id="rId12"/>
+    <p:sldId id="291" r:id="rId13"/>
+    <p:sldId id="292" r:id="rId14"/>
+    <p:sldId id="293" r:id="rId15"/>
+    <p:sldId id="285" r:id="rId16"/>
   </p:sldIdLst>
   <p:sldSz cx="9144000" cy="6858000" type="screen4x3"/>
   <p:notesSz cx="6858000" cy="9144000"/>
@@ -201,7 +209,7 @@
           <a:p>
             <a:fld id="{57ED8D38-08F1-4F61-B916-B7ECFC3A7ADF}" type="datetimeFigureOut">
               <a:rPr lang="fr-FR" smtClean="0"/>
-              <a:t>09/06/2020</a:t>
+              <a:t>13/06/2020</a:t>
             </a:fld>
             <a:endParaRPr lang="fr-FR"/>
           </a:p>
@@ -366,7 +374,7 @@
           <a:p>
             <a:fld id="{DB91E950-E7C0-4AB1-98FE-263150A09AFE}" type="datetimeFigureOut">
               <a:rPr lang="fr-FR" smtClean="0"/>
-              <a:t>09/06/2020</a:t>
+              <a:t>13/06/2020</a:t>
             </a:fld>
             <a:endParaRPr lang="fr-FR"/>
           </a:p>
@@ -4470,6 +4478,4538 @@
 </p:sld>
 </file>
 
+<file path=ppt/slides/slide10.xml><?xml version="1.0" encoding="utf-8"?>
+<p:sld xmlns:a="http://schemas.openxmlformats.org/drawingml/2006/main" xmlns:r="http://schemas.openxmlformats.org/officeDocument/2006/relationships" xmlns:p="http://schemas.openxmlformats.org/presentationml/2006/main">
+  <p:cSld>
+    <p:spTree>
+      <p:nvGrpSpPr>
+        <p:cNvPr id="1" name=""/>
+        <p:cNvGrpSpPr/>
+        <p:nvPr/>
+      </p:nvGrpSpPr>
+      <p:grpSpPr>
+        <a:xfrm>
+          <a:off x="0" y="0"/>
+          <a:ext cx="0" cy="0"/>
+          <a:chOff x="0" y="0"/>
+          <a:chExt cx="0" cy="0"/>
+        </a:xfrm>
+      </p:grpSpPr>
+      <p:sp>
+        <p:nvSpPr>
+          <p:cNvPr id="2" name="Titre 1"/>
+          <p:cNvSpPr>
+            <a:spLocks noGrp="1"/>
+          </p:cNvSpPr>
+          <p:nvPr>
+            <p:ph type="title"/>
+          </p:nvPr>
+        </p:nvSpPr>
+        <p:spPr>
+          <a:xfrm>
+            <a:off x="713284" y="274638"/>
+            <a:ext cx="7859216" cy="1066130"/>
+          </a:xfrm>
+        </p:spPr>
+        <p:txBody>
+          <a:bodyPr>
+            <a:normAutofit/>
+          </a:bodyPr>
+          <a:lstStyle/>
+          <a:p>
+            <a:pPr algn="r"/>
+            <a:r>
+              <a:rPr lang="fr-FR" sz="4000" b="1" dirty="0" smtClean="0"/>
+              <a:t>Les catégories</a:t>
+            </a:r>
+            <a:endParaRPr lang="fr-FR" sz="3200" dirty="0"/>
+          </a:p>
+        </p:txBody>
+      </p:sp>
+      <p:sp>
+        <p:nvSpPr>
+          <p:cNvPr id="4" name="Espace réservé de la date 3"/>
+          <p:cNvSpPr>
+            <a:spLocks noGrp="1"/>
+          </p:cNvSpPr>
+          <p:nvPr>
+            <p:ph type="dt" sz="half" idx="10"/>
+          </p:nvPr>
+        </p:nvSpPr>
+        <p:spPr/>
+        <p:txBody>
+          <a:bodyPr/>
+          <a:lstStyle/>
+          <a:p>
+            <a:r>
+              <a:rPr lang="fr-FR" smtClean="0"/>
+              <a:t>17/06/2020</a:t>
+            </a:r>
+            <a:endParaRPr lang="fr-FR" dirty="0"/>
+          </a:p>
+        </p:txBody>
+      </p:sp>
+      <p:sp>
+        <p:nvSpPr>
+          <p:cNvPr id="3" name="ZoneTexte 2"/>
+          <p:cNvSpPr txBox="1"/>
+          <p:nvPr/>
+        </p:nvSpPr>
+        <p:spPr>
+          <a:xfrm>
+            <a:off x="4932040" y="1780835"/>
+            <a:ext cx="4938588" cy="3139321"/>
+          </a:xfrm>
+          <a:prstGeom prst="rect">
+            <a:avLst/>
+          </a:prstGeom>
+          <a:noFill/>
+        </p:spPr>
+        <p:txBody>
+          <a:bodyPr wrap="square" rtlCol="0">
+            <a:spAutoFit/>
+          </a:bodyPr>
+          <a:lstStyle/>
+          <a:p>
+            <a:r>
+              <a:rPr lang="fr-FR" b="1" dirty="0" smtClean="0">
+                <a:latin typeface="+mj-lt"/>
+              </a:rPr>
+              <a:t>Contenu </a:t>
+            </a:r>
+            <a:r>
+              <a:rPr lang="fr-FR" dirty="0" smtClean="0"/>
+              <a:t>: score quotidien</a:t>
+            </a:r>
+          </a:p>
+          <a:p>
+            <a:pPr marL="285750" indent="-285750">
+              <a:buFontTx/>
+              <a:buChar char="-"/>
+            </a:pPr>
+            <a:r>
+              <a:rPr lang="fr-FR" dirty="0" smtClean="0">
+                <a:latin typeface="Yu Gothic Light" panose="020B0300000000000000" pitchFamily="34" charset="-128"/>
+                <a:ea typeface="Yu Gothic Light" panose="020B0300000000000000" pitchFamily="34" charset="-128"/>
+              </a:rPr>
+              <a:t>Liste des produits consommés</a:t>
+            </a:r>
+          </a:p>
+          <a:p>
+            <a:pPr marL="285750" indent="-285750">
+              <a:buFontTx/>
+              <a:buChar char="-"/>
+            </a:pPr>
+            <a:r>
+              <a:rPr lang="fr-FR" dirty="0" smtClean="0">
+                <a:latin typeface="Yu Gothic Light" panose="020B0300000000000000" pitchFamily="34" charset="-128"/>
+                <a:ea typeface="Yu Gothic Light" panose="020B0300000000000000" pitchFamily="34" charset="-128"/>
+              </a:rPr>
+              <a:t>Evaluation des apports quotidiens</a:t>
+            </a:r>
+          </a:p>
+          <a:p>
+            <a:endParaRPr lang="fr-FR" dirty="0"/>
+          </a:p>
+          <a:p>
+            <a:r>
+              <a:rPr lang="fr-FR" dirty="0" smtClean="0">
+                <a:latin typeface="+mj-lt"/>
+              </a:rPr>
+              <a:t>Fonction 2 </a:t>
+            </a:r>
+            <a:r>
+              <a:rPr lang="fr-FR" dirty="0" smtClean="0"/>
+              <a:t>: recommandations</a:t>
+            </a:r>
+          </a:p>
+          <a:p>
+            <a:pPr marL="285750" indent="-285750">
+              <a:buFontTx/>
+              <a:buChar char="-"/>
+            </a:pPr>
+            <a:r>
+              <a:rPr lang="fr-FR" dirty="0" smtClean="0">
+                <a:latin typeface="Yu Gothic Light" panose="020B0300000000000000" pitchFamily="34" charset="-128"/>
+                <a:ea typeface="Yu Gothic Light" panose="020B0300000000000000" pitchFamily="34" charset="-128"/>
+              </a:rPr>
+              <a:t>Liste des axes à améliorer</a:t>
+            </a:r>
+          </a:p>
+          <a:p>
+            <a:pPr marL="285750" indent="-285750">
+              <a:buFontTx/>
+              <a:buChar char="-"/>
+            </a:pPr>
+            <a:r>
+              <a:rPr lang="fr-FR" dirty="0" smtClean="0">
+                <a:latin typeface="Yu Gothic Light" panose="020B0300000000000000" pitchFamily="34" charset="-128"/>
+                <a:ea typeface="Yu Gothic Light" panose="020B0300000000000000" pitchFamily="34" charset="-128"/>
+              </a:rPr>
+              <a:t>Navigateur de produit à remplacer</a:t>
+            </a:r>
+          </a:p>
+          <a:p>
+            <a:endParaRPr lang="fr-FR" dirty="0" smtClean="0">
+              <a:latin typeface="Yu Gothic Light" panose="020B0300000000000000" pitchFamily="34" charset="-128"/>
+              <a:ea typeface="Yu Gothic Light" panose="020B0300000000000000" pitchFamily="34" charset="-128"/>
+            </a:endParaRPr>
+          </a:p>
+          <a:p>
+            <a:r>
+              <a:rPr lang="fr-FR" dirty="0">
+                <a:latin typeface="+mj-lt"/>
+              </a:rPr>
+              <a:t>Fonction </a:t>
+            </a:r>
+            <a:r>
+              <a:rPr lang="fr-FR" dirty="0" smtClean="0">
+                <a:latin typeface="+mj-lt"/>
+              </a:rPr>
+              <a:t>3 </a:t>
+            </a:r>
+            <a:r>
+              <a:rPr lang="fr-FR" dirty="0"/>
+              <a:t>: </a:t>
+            </a:r>
+            <a:r>
+              <a:rPr lang="fr-FR" dirty="0" smtClean="0"/>
+              <a:t>statistiques</a:t>
+            </a:r>
+            <a:endParaRPr lang="fr-FR" dirty="0"/>
+          </a:p>
+          <a:p>
+            <a:pPr marL="285750" indent="-285750">
+              <a:buFontTx/>
+              <a:buChar char="-"/>
+            </a:pPr>
+            <a:r>
+              <a:rPr lang="fr-FR" dirty="0" smtClean="0">
+                <a:latin typeface="Yu Gothic Light" panose="020B0300000000000000" pitchFamily="34" charset="-128"/>
+                <a:ea typeface="Yu Gothic Light" panose="020B0300000000000000" pitchFamily="34" charset="-128"/>
+              </a:rPr>
+              <a:t>Archivage des entrées</a:t>
+            </a:r>
+          </a:p>
+          <a:p>
+            <a:pPr marL="285750" indent="-285750">
+              <a:buFontTx/>
+              <a:buChar char="-"/>
+            </a:pPr>
+            <a:r>
+              <a:rPr lang="fr-FR" dirty="0" smtClean="0">
+                <a:latin typeface="Yu Gothic Light" panose="020B0300000000000000" pitchFamily="34" charset="-128"/>
+                <a:ea typeface="Yu Gothic Light" panose="020B0300000000000000" pitchFamily="34" charset="-128"/>
+              </a:rPr>
+              <a:t>Affichage graphique</a:t>
+            </a:r>
+            <a:endParaRPr lang="fr-FR" dirty="0" smtClean="0"/>
+          </a:p>
+        </p:txBody>
+      </p:sp>
+      <p:sp>
+        <p:nvSpPr>
+          <p:cNvPr id="5" name="Espace réservé du pied de page 4"/>
+          <p:cNvSpPr>
+            <a:spLocks noGrp="1"/>
+          </p:cNvSpPr>
+          <p:nvPr>
+            <p:ph type="ftr" sz="quarter" idx="11"/>
+          </p:nvPr>
+        </p:nvSpPr>
+        <p:spPr/>
+        <p:txBody>
+          <a:bodyPr/>
+          <a:lstStyle/>
+          <a:p>
+            <a:r>
+              <a:rPr lang="fr-FR" smtClean="0"/>
+              <a:t>Maryse Muller  |  Parcours Data Scientist</a:t>
+            </a:r>
+            <a:endParaRPr lang="fr-FR" dirty="0"/>
+          </a:p>
+        </p:txBody>
+      </p:sp>
+      <p:sp>
+        <p:nvSpPr>
+          <p:cNvPr id="6" name="Espace réservé du numéro de diapositive 5"/>
+          <p:cNvSpPr>
+            <a:spLocks noGrp="1"/>
+          </p:cNvSpPr>
+          <p:nvPr>
+            <p:ph type="sldNum" sz="quarter" idx="12"/>
+          </p:nvPr>
+        </p:nvSpPr>
+        <p:spPr/>
+        <p:txBody>
+          <a:bodyPr/>
+          <a:lstStyle/>
+          <a:p>
+            <a:fld id="{D384C430-F8FC-4B07-B0BC-750FA1B3CF0A}" type="slidenum">
+              <a:rPr lang="fr-FR" smtClean="0"/>
+              <a:t>10</a:t>
+            </a:fld>
+            <a:endParaRPr lang="fr-FR" dirty="0"/>
+          </a:p>
+        </p:txBody>
+      </p:sp>
+      <p:sp>
+        <p:nvSpPr>
+          <p:cNvPr id="17" name="Rectangle 16"/>
+          <p:cNvSpPr/>
+          <p:nvPr/>
+        </p:nvSpPr>
+        <p:spPr>
+          <a:xfrm>
+            <a:off x="3823854" y="1196959"/>
+            <a:ext cx="4708586" cy="45719"/>
+          </a:xfrm>
+          <a:prstGeom prst="rect">
+            <a:avLst/>
+          </a:prstGeom>
+          <a:gradFill flip="none" rotWithShape="1">
+            <a:gsLst>
+              <a:gs pos="0">
+                <a:srgbClr val="FFFF00"/>
+              </a:gs>
+              <a:gs pos="100000">
+                <a:schemeClr val="accent1">
+                  <a:tint val="23500"/>
+                  <a:satMod val="160000"/>
+                  <a:alpha val="0"/>
+                </a:schemeClr>
+              </a:gs>
+            </a:gsLst>
+            <a:lin ang="10800000" scaled="1"/>
+            <a:tileRect/>
+          </a:gradFill>
+          <a:ln>
+            <a:noFill/>
+          </a:ln>
+        </p:spPr>
+        <p:style>
+          <a:lnRef idx="2">
+            <a:schemeClr val="accent1">
+              <a:shade val="50000"/>
+            </a:schemeClr>
+          </a:lnRef>
+          <a:fillRef idx="1">
+            <a:schemeClr val="accent1"/>
+          </a:fillRef>
+          <a:effectRef idx="0">
+            <a:schemeClr val="accent1"/>
+          </a:effectRef>
+          <a:fontRef idx="minor">
+            <a:schemeClr val="lt1"/>
+          </a:fontRef>
+        </p:style>
+        <p:txBody>
+          <a:bodyPr rtlCol="0" anchor="ctr"/>
+          <a:lstStyle/>
+          <a:p>
+            <a:pPr algn="ctr"/>
+            <a:endParaRPr lang="fr-FR"/>
+          </a:p>
+        </p:txBody>
+      </p:sp>
+      <p:pic>
+        <p:nvPicPr>
+          <p:cNvPr id="8" name="Image 7"/>
+          <p:cNvPicPr>
+            <a:picLocks noChangeAspect="1"/>
+          </p:cNvPicPr>
+          <p:nvPr/>
+        </p:nvPicPr>
+        <p:blipFill>
+          <a:blip r:embed="rId2" cstate="print">
+            <a:extLst>
+              <a:ext uri="{28A0092B-C50C-407E-A947-70E740481C1C}">
+                <a14:useLocalDpi xmlns:a14="http://schemas.microsoft.com/office/drawing/2010/main" val="0"/>
+              </a:ext>
+            </a:extLst>
+          </a:blip>
+          <a:stretch>
+            <a:fillRect/>
+          </a:stretch>
+        </p:blipFill>
+        <p:spPr>
+          <a:xfrm>
+            <a:off x="-16903" y="3836099"/>
+            <a:ext cx="8394307" cy="2398374"/>
+          </a:xfrm>
+          <a:prstGeom prst="rect">
+            <a:avLst/>
+          </a:prstGeom>
+        </p:spPr>
+      </p:pic>
+    </p:spTree>
+    <p:extLst>
+      <p:ext uri="{BB962C8B-B14F-4D97-AF65-F5344CB8AC3E}">
+        <p14:creationId xmlns:p14="http://schemas.microsoft.com/office/powerpoint/2010/main" val="3379837164"/>
+      </p:ext>
+    </p:extLst>
+  </p:cSld>
+  <p:clrMapOvr>
+    <a:masterClrMapping/>
+  </p:clrMapOvr>
+  <p:timing>
+    <p:tnLst>
+      <p:par>
+        <p:cTn id="1" dur="indefinite" restart="never" nodeType="tmRoot"/>
+      </p:par>
+    </p:tnLst>
+  </p:timing>
+</p:sld>
+</file>
+
+<file path=ppt/slides/slide11.xml><?xml version="1.0" encoding="utf-8"?>
+<p:sld xmlns:a="http://schemas.openxmlformats.org/drawingml/2006/main" xmlns:r="http://schemas.openxmlformats.org/officeDocument/2006/relationships" xmlns:p="http://schemas.openxmlformats.org/presentationml/2006/main">
+  <p:cSld>
+    <p:spTree>
+      <p:nvGrpSpPr>
+        <p:cNvPr id="1" name=""/>
+        <p:cNvGrpSpPr/>
+        <p:nvPr/>
+      </p:nvGrpSpPr>
+      <p:grpSpPr>
+        <a:xfrm>
+          <a:off x="0" y="0"/>
+          <a:ext cx="0" cy="0"/>
+          <a:chOff x="0" y="0"/>
+          <a:chExt cx="0" cy="0"/>
+        </a:xfrm>
+      </p:grpSpPr>
+      <p:sp>
+        <p:nvSpPr>
+          <p:cNvPr id="2" name="Titre 1"/>
+          <p:cNvSpPr>
+            <a:spLocks noGrp="1"/>
+          </p:cNvSpPr>
+          <p:nvPr>
+            <p:ph type="title"/>
+          </p:nvPr>
+        </p:nvSpPr>
+        <p:spPr>
+          <a:xfrm>
+            <a:off x="713284" y="274638"/>
+            <a:ext cx="7859216" cy="1066130"/>
+          </a:xfrm>
+        </p:spPr>
+        <p:txBody>
+          <a:bodyPr>
+            <a:normAutofit/>
+          </a:bodyPr>
+          <a:lstStyle/>
+          <a:p>
+            <a:pPr algn="r"/>
+            <a:r>
+              <a:rPr lang="fr-FR" sz="4000" b="1" dirty="0" smtClean="0"/>
+              <a:t>La base de données nettoyée</a:t>
+            </a:r>
+            <a:endParaRPr lang="fr-FR" sz="3200" dirty="0"/>
+          </a:p>
+        </p:txBody>
+      </p:sp>
+      <p:sp>
+        <p:nvSpPr>
+          <p:cNvPr id="4" name="Espace réservé de la date 3"/>
+          <p:cNvSpPr>
+            <a:spLocks noGrp="1"/>
+          </p:cNvSpPr>
+          <p:nvPr>
+            <p:ph type="dt" sz="half" idx="10"/>
+          </p:nvPr>
+        </p:nvSpPr>
+        <p:spPr/>
+        <p:txBody>
+          <a:bodyPr/>
+          <a:lstStyle/>
+          <a:p>
+            <a:r>
+              <a:rPr lang="fr-FR" smtClean="0"/>
+              <a:t>17/06/2020</a:t>
+            </a:r>
+            <a:endParaRPr lang="fr-FR" dirty="0"/>
+          </a:p>
+        </p:txBody>
+      </p:sp>
+      <p:sp>
+        <p:nvSpPr>
+          <p:cNvPr id="3" name="ZoneTexte 2"/>
+          <p:cNvSpPr txBox="1"/>
+          <p:nvPr/>
+        </p:nvSpPr>
+        <p:spPr>
+          <a:xfrm>
+            <a:off x="7092280" y="2204864"/>
+            <a:ext cx="4938588" cy="3139321"/>
+          </a:xfrm>
+          <a:prstGeom prst="rect">
+            <a:avLst/>
+          </a:prstGeom>
+          <a:noFill/>
+        </p:spPr>
+        <p:txBody>
+          <a:bodyPr wrap="square" rtlCol="0">
+            <a:spAutoFit/>
+          </a:bodyPr>
+          <a:lstStyle/>
+          <a:p>
+            <a:r>
+              <a:rPr lang="fr-FR" b="1" dirty="0" smtClean="0">
+                <a:latin typeface="+mj-lt"/>
+              </a:rPr>
+              <a:t>Contenu </a:t>
+            </a:r>
+            <a:r>
+              <a:rPr lang="fr-FR" dirty="0" smtClean="0"/>
+              <a:t>: score quotidien</a:t>
+            </a:r>
+          </a:p>
+          <a:p>
+            <a:pPr marL="285750" indent="-285750">
+              <a:buFontTx/>
+              <a:buChar char="-"/>
+            </a:pPr>
+            <a:r>
+              <a:rPr lang="fr-FR" dirty="0" smtClean="0">
+                <a:latin typeface="Yu Gothic Light" panose="020B0300000000000000" pitchFamily="34" charset="-128"/>
+                <a:ea typeface="Yu Gothic Light" panose="020B0300000000000000" pitchFamily="34" charset="-128"/>
+              </a:rPr>
+              <a:t>Liste des produits consommés</a:t>
+            </a:r>
+          </a:p>
+          <a:p>
+            <a:pPr marL="285750" indent="-285750">
+              <a:buFontTx/>
+              <a:buChar char="-"/>
+            </a:pPr>
+            <a:r>
+              <a:rPr lang="fr-FR" dirty="0" smtClean="0">
+                <a:latin typeface="Yu Gothic Light" panose="020B0300000000000000" pitchFamily="34" charset="-128"/>
+                <a:ea typeface="Yu Gothic Light" panose="020B0300000000000000" pitchFamily="34" charset="-128"/>
+              </a:rPr>
+              <a:t>Evaluation des apports quotidiens</a:t>
+            </a:r>
+          </a:p>
+          <a:p>
+            <a:endParaRPr lang="fr-FR" dirty="0"/>
+          </a:p>
+          <a:p>
+            <a:r>
+              <a:rPr lang="fr-FR" dirty="0" smtClean="0">
+                <a:latin typeface="+mj-lt"/>
+              </a:rPr>
+              <a:t>Fonction 2 </a:t>
+            </a:r>
+            <a:r>
+              <a:rPr lang="fr-FR" dirty="0" smtClean="0"/>
+              <a:t>: recommandations</a:t>
+            </a:r>
+          </a:p>
+          <a:p>
+            <a:pPr marL="285750" indent="-285750">
+              <a:buFontTx/>
+              <a:buChar char="-"/>
+            </a:pPr>
+            <a:r>
+              <a:rPr lang="fr-FR" dirty="0" smtClean="0">
+                <a:latin typeface="Yu Gothic Light" panose="020B0300000000000000" pitchFamily="34" charset="-128"/>
+                <a:ea typeface="Yu Gothic Light" panose="020B0300000000000000" pitchFamily="34" charset="-128"/>
+              </a:rPr>
+              <a:t>Liste des axes à améliorer</a:t>
+            </a:r>
+          </a:p>
+          <a:p>
+            <a:pPr marL="285750" indent="-285750">
+              <a:buFontTx/>
+              <a:buChar char="-"/>
+            </a:pPr>
+            <a:r>
+              <a:rPr lang="fr-FR" dirty="0" smtClean="0">
+                <a:latin typeface="Yu Gothic Light" panose="020B0300000000000000" pitchFamily="34" charset="-128"/>
+                <a:ea typeface="Yu Gothic Light" panose="020B0300000000000000" pitchFamily="34" charset="-128"/>
+              </a:rPr>
+              <a:t>Navigateur de produit à remplacer</a:t>
+            </a:r>
+          </a:p>
+          <a:p>
+            <a:endParaRPr lang="fr-FR" dirty="0" smtClean="0">
+              <a:latin typeface="Yu Gothic Light" panose="020B0300000000000000" pitchFamily="34" charset="-128"/>
+              <a:ea typeface="Yu Gothic Light" panose="020B0300000000000000" pitchFamily="34" charset="-128"/>
+            </a:endParaRPr>
+          </a:p>
+          <a:p>
+            <a:r>
+              <a:rPr lang="fr-FR" dirty="0">
+                <a:latin typeface="+mj-lt"/>
+              </a:rPr>
+              <a:t>Fonction </a:t>
+            </a:r>
+            <a:r>
+              <a:rPr lang="fr-FR" dirty="0" smtClean="0">
+                <a:latin typeface="+mj-lt"/>
+              </a:rPr>
+              <a:t>3 </a:t>
+            </a:r>
+            <a:r>
+              <a:rPr lang="fr-FR" dirty="0"/>
+              <a:t>: </a:t>
+            </a:r>
+            <a:r>
+              <a:rPr lang="fr-FR" dirty="0" smtClean="0"/>
+              <a:t>statistiques</a:t>
+            </a:r>
+            <a:endParaRPr lang="fr-FR" dirty="0"/>
+          </a:p>
+          <a:p>
+            <a:pPr marL="285750" indent="-285750">
+              <a:buFontTx/>
+              <a:buChar char="-"/>
+            </a:pPr>
+            <a:r>
+              <a:rPr lang="fr-FR" dirty="0" smtClean="0">
+                <a:latin typeface="Yu Gothic Light" panose="020B0300000000000000" pitchFamily="34" charset="-128"/>
+                <a:ea typeface="Yu Gothic Light" panose="020B0300000000000000" pitchFamily="34" charset="-128"/>
+              </a:rPr>
+              <a:t>Archivage des entrées</a:t>
+            </a:r>
+          </a:p>
+          <a:p>
+            <a:pPr marL="285750" indent="-285750">
+              <a:buFontTx/>
+              <a:buChar char="-"/>
+            </a:pPr>
+            <a:r>
+              <a:rPr lang="fr-FR" dirty="0" smtClean="0">
+                <a:latin typeface="Yu Gothic Light" panose="020B0300000000000000" pitchFamily="34" charset="-128"/>
+                <a:ea typeface="Yu Gothic Light" panose="020B0300000000000000" pitchFamily="34" charset="-128"/>
+              </a:rPr>
+              <a:t>Affichage graphique</a:t>
+            </a:r>
+            <a:endParaRPr lang="fr-FR" dirty="0" smtClean="0"/>
+          </a:p>
+        </p:txBody>
+      </p:sp>
+      <p:sp>
+        <p:nvSpPr>
+          <p:cNvPr id="5" name="Espace réservé du pied de page 4"/>
+          <p:cNvSpPr>
+            <a:spLocks noGrp="1"/>
+          </p:cNvSpPr>
+          <p:nvPr>
+            <p:ph type="ftr" sz="quarter" idx="11"/>
+          </p:nvPr>
+        </p:nvSpPr>
+        <p:spPr/>
+        <p:txBody>
+          <a:bodyPr/>
+          <a:lstStyle/>
+          <a:p>
+            <a:r>
+              <a:rPr lang="fr-FR" smtClean="0"/>
+              <a:t>Maryse Muller  |  Parcours Data Scientist</a:t>
+            </a:r>
+            <a:endParaRPr lang="fr-FR" dirty="0"/>
+          </a:p>
+        </p:txBody>
+      </p:sp>
+      <p:sp>
+        <p:nvSpPr>
+          <p:cNvPr id="6" name="Espace réservé du numéro de diapositive 5"/>
+          <p:cNvSpPr>
+            <a:spLocks noGrp="1"/>
+          </p:cNvSpPr>
+          <p:nvPr>
+            <p:ph type="sldNum" sz="quarter" idx="12"/>
+          </p:nvPr>
+        </p:nvSpPr>
+        <p:spPr/>
+        <p:txBody>
+          <a:bodyPr/>
+          <a:lstStyle/>
+          <a:p>
+            <a:fld id="{D384C430-F8FC-4B07-B0BC-750FA1B3CF0A}" type="slidenum">
+              <a:rPr lang="fr-FR" smtClean="0"/>
+              <a:t>11</a:t>
+            </a:fld>
+            <a:endParaRPr lang="fr-FR" dirty="0"/>
+          </a:p>
+        </p:txBody>
+      </p:sp>
+      <p:sp>
+        <p:nvSpPr>
+          <p:cNvPr id="17" name="Rectangle 16"/>
+          <p:cNvSpPr/>
+          <p:nvPr/>
+        </p:nvSpPr>
+        <p:spPr>
+          <a:xfrm>
+            <a:off x="3823854" y="1196959"/>
+            <a:ext cx="4708586" cy="45719"/>
+          </a:xfrm>
+          <a:prstGeom prst="rect">
+            <a:avLst/>
+          </a:prstGeom>
+          <a:gradFill flip="none" rotWithShape="1">
+            <a:gsLst>
+              <a:gs pos="0">
+                <a:srgbClr val="FFFF00"/>
+              </a:gs>
+              <a:gs pos="100000">
+                <a:schemeClr val="accent1">
+                  <a:tint val="23500"/>
+                  <a:satMod val="160000"/>
+                  <a:alpha val="0"/>
+                </a:schemeClr>
+              </a:gs>
+            </a:gsLst>
+            <a:lin ang="10800000" scaled="1"/>
+            <a:tileRect/>
+          </a:gradFill>
+          <a:ln>
+            <a:noFill/>
+          </a:ln>
+        </p:spPr>
+        <p:style>
+          <a:lnRef idx="2">
+            <a:schemeClr val="accent1">
+              <a:shade val="50000"/>
+            </a:schemeClr>
+          </a:lnRef>
+          <a:fillRef idx="1">
+            <a:schemeClr val="accent1"/>
+          </a:fillRef>
+          <a:effectRef idx="0">
+            <a:schemeClr val="accent1"/>
+          </a:effectRef>
+          <a:fontRef idx="minor">
+            <a:schemeClr val="lt1"/>
+          </a:fontRef>
+        </p:style>
+        <p:txBody>
+          <a:bodyPr rtlCol="0" anchor="ctr"/>
+          <a:lstStyle/>
+          <a:p>
+            <a:pPr algn="ctr"/>
+            <a:endParaRPr lang="fr-FR"/>
+          </a:p>
+        </p:txBody>
+      </p:sp>
+      <p:pic>
+        <p:nvPicPr>
+          <p:cNvPr id="8" name="Image 7"/>
+          <p:cNvPicPr>
+            <a:picLocks noChangeAspect="1"/>
+          </p:cNvPicPr>
+          <p:nvPr/>
+        </p:nvPicPr>
+        <p:blipFill>
+          <a:blip r:embed="rId2" cstate="print">
+            <a:extLst>
+              <a:ext uri="{28A0092B-C50C-407E-A947-70E740481C1C}">
+                <a14:useLocalDpi xmlns:a14="http://schemas.microsoft.com/office/drawing/2010/main" val="0"/>
+              </a:ext>
+            </a:extLst>
+          </a:blip>
+          <a:stretch>
+            <a:fillRect/>
+          </a:stretch>
+        </p:blipFill>
+        <p:spPr>
+          <a:xfrm>
+            <a:off x="-447538" y="-184769"/>
+            <a:ext cx="10564154" cy="7042769"/>
+          </a:xfrm>
+          <a:prstGeom prst="rect">
+            <a:avLst/>
+          </a:prstGeom>
+        </p:spPr>
+      </p:pic>
+    </p:spTree>
+    <p:extLst>
+      <p:ext uri="{BB962C8B-B14F-4D97-AF65-F5344CB8AC3E}">
+        <p14:creationId xmlns:p14="http://schemas.microsoft.com/office/powerpoint/2010/main" val="3761607897"/>
+      </p:ext>
+    </p:extLst>
+  </p:cSld>
+  <p:clrMapOvr>
+    <a:masterClrMapping/>
+  </p:clrMapOvr>
+  <p:timing>
+    <p:tnLst>
+      <p:par>
+        <p:cTn id="1" dur="indefinite" restart="never" nodeType="tmRoot"/>
+      </p:par>
+    </p:tnLst>
+  </p:timing>
+</p:sld>
+</file>
+
+<file path=ppt/slides/slide12.xml><?xml version="1.0" encoding="utf-8"?>
+<p:sld xmlns:a="http://schemas.openxmlformats.org/drawingml/2006/main" xmlns:r="http://schemas.openxmlformats.org/officeDocument/2006/relationships" xmlns:p="http://schemas.openxmlformats.org/presentationml/2006/main">
+  <p:cSld>
+    <p:spTree>
+      <p:nvGrpSpPr>
+        <p:cNvPr id="1" name=""/>
+        <p:cNvGrpSpPr/>
+        <p:nvPr/>
+      </p:nvGrpSpPr>
+      <p:grpSpPr>
+        <a:xfrm>
+          <a:off x="0" y="0"/>
+          <a:ext cx="0" cy="0"/>
+          <a:chOff x="0" y="0"/>
+          <a:chExt cx="0" cy="0"/>
+        </a:xfrm>
+      </p:grpSpPr>
+      <p:sp>
+        <p:nvSpPr>
+          <p:cNvPr id="2" name="Titre 1"/>
+          <p:cNvSpPr>
+            <a:spLocks noGrp="1"/>
+          </p:cNvSpPr>
+          <p:nvPr>
+            <p:ph type="title"/>
+          </p:nvPr>
+        </p:nvSpPr>
+        <p:spPr>
+          <a:xfrm>
+            <a:off x="713284" y="274638"/>
+            <a:ext cx="7859216" cy="1066130"/>
+          </a:xfrm>
+        </p:spPr>
+        <p:txBody>
+          <a:bodyPr>
+            <a:normAutofit/>
+          </a:bodyPr>
+          <a:lstStyle/>
+          <a:p>
+            <a:pPr algn="r"/>
+            <a:r>
+              <a:rPr lang="fr-FR" sz="4000" b="1" dirty="0" smtClean="0"/>
+              <a:t>Analyse </a:t>
+            </a:r>
+            <a:r>
+              <a:rPr lang="fr-FR" sz="4000" b="1" dirty="0" err="1" smtClean="0"/>
+              <a:t>univariée</a:t>
+            </a:r>
+            <a:endParaRPr lang="fr-FR" sz="3200" dirty="0"/>
+          </a:p>
+        </p:txBody>
+      </p:sp>
+      <p:sp>
+        <p:nvSpPr>
+          <p:cNvPr id="4" name="Espace réservé de la date 3"/>
+          <p:cNvSpPr>
+            <a:spLocks noGrp="1"/>
+          </p:cNvSpPr>
+          <p:nvPr>
+            <p:ph type="dt" sz="half" idx="10"/>
+          </p:nvPr>
+        </p:nvSpPr>
+        <p:spPr/>
+        <p:txBody>
+          <a:bodyPr/>
+          <a:lstStyle/>
+          <a:p>
+            <a:r>
+              <a:rPr lang="fr-FR" smtClean="0"/>
+              <a:t>17/06/2020</a:t>
+            </a:r>
+            <a:endParaRPr lang="fr-FR" dirty="0"/>
+          </a:p>
+        </p:txBody>
+      </p:sp>
+      <p:sp>
+        <p:nvSpPr>
+          <p:cNvPr id="3" name="ZoneTexte 2"/>
+          <p:cNvSpPr txBox="1"/>
+          <p:nvPr/>
+        </p:nvSpPr>
+        <p:spPr>
+          <a:xfrm>
+            <a:off x="4932040" y="1780835"/>
+            <a:ext cx="4938588" cy="3139321"/>
+          </a:xfrm>
+          <a:prstGeom prst="rect">
+            <a:avLst/>
+          </a:prstGeom>
+          <a:noFill/>
+        </p:spPr>
+        <p:txBody>
+          <a:bodyPr wrap="square" rtlCol="0">
+            <a:spAutoFit/>
+          </a:bodyPr>
+          <a:lstStyle/>
+          <a:p>
+            <a:r>
+              <a:rPr lang="fr-FR" b="1" dirty="0" smtClean="0">
+                <a:latin typeface="+mj-lt"/>
+              </a:rPr>
+              <a:t>Contenu </a:t>
+            </a:r>
+            <a:r>
+              <a:rPr lang="fr-FR" dirty="0" smtClean="0"/>
+              <a:t>: score quotidien</a:t>
+            </a:r>
+          </a:p>
+          <a:p>
+            <a:pPr marL="285750" indent="-285750">
+              <a:buFontTx/>
+              <a:buChar char="-"/>
+            </a:pPr>
+            <a:r>
+              <a:rPr lang="fr-FR" dirty="0" smtClean="0">
+                <a:latin typeface="Yu Gothic Light" panose="020B0300000000000000" pitchFamily="34" charset="-128"/>
+                <a:ea typeface="Yu Gothic Light" panose="020B0300000000000000" pitchFamily="34" charset="-128"/>
+              </a:rPr>
+              <a:t>Liste des produits consommés</a:t>
+            </a:r>
+          </a:p>
+          <a:p>
+            <a:pPr marL="285750" indent="-285750">
+              <a:buFontTx/>
+              <a:buChar char="-"/>
+            </a:pPr>
+            <a:r>
+              <a:rPr lang="fr-FR" dirty="0" smtClean="0">
+                <a:latin typeface="Yu Gothic Light" panose="020B0300000000000000" pitchFamily="34" charset="-128"/>
+                <a:ea typeface="Yu Gothic Light" panose="020B0300000000000000" pitchFamily="34" charset="-128"/>
+              </a:rPr>
+              <a:t>Evaluation des apports quotidiens</a:t>
+            </a:r>
+          </a:p>
+          <a:p>
+            <a:endParaRPr lang="fr-FR" dirty="0"/>
+          </a:p>
+          <a:p>
+            <a:r>
+              <a:rPr lang="fr-FR" dirty="0" smtClean="0">
+                <a:latin typeface="+mj-lt"/>
+              </a:rPr>
+              <a:t>Fonction 2 </a:t>
+            </a:r>
+            <a:r>
+              <a:rPr lang="fr-FR" dirty="0" smtClean="0"/>
+              <a:t>: recommandations</a:t>
+            </a:r>
+          </a:p>
+          <a:p>
+            <a:pPr marL="285750" indent="-285750">
+              <a:buFontTx/>
+              <a:buChar char="-"/>
+            </a:pPr>
+            <a:r>
+              <a:rPr lang="fr-FR" dirty="0" smtClean="0">
+                <a:latin typeface="Yu Gothic Light" panose="020B0300000000000000" pitchFamily="34" charset="-128"/>
+                <a:ea typeface="Yu Gothic Light" panose="020B0300000000000000" pitchFamily="34" charset="-128"/>
+              </a:rPr>
+              <a:t>Liste des axes à améliorer</a:t>
+            </a:r>
+          </a:p>
+          <a:p>
+            <a:pPr marL="285750" indent="-285750">
+              <a:buFontTx/>
+              <a:buChar char="-"/>
+            </a:pPr>
+            <a:r>
+              <a:rPr lang="fr-FR" dirty="0" smtClean="0">
+                <a:latin typeface="Yu Gothic Light" panose="020B0300000000000000" pitchFamily="34" charset="-128"/>
+                <a:ea typeface="Yu Gothic Light" panose="020B0300000000000000" pitchFamily="34" charset="-128"/>
+              </a:rPr>
+              <a:t>Navigateur de produit à remplacer</a:t>
+            </a:r>
+          </a:p>
+          <a:p>
+            <a:endParaRPr lang="fr-FR" dirty="0" smtClean="0">
+              <a:latin typeface="Yu Gothic Light" panose="020B0300000000000000" pitchFamily="34" charset="-128"/>
+              <a:ea typeface="Yu Gothic Light" panose="020B0300000000000000" pitchFamily="34" charset="-128"/>
+            </a:endParaRPr>
+          </a:p>
+          <a:p>
+            <a:r>
+              <a:rPr lang="fr-FR" dirty="0">
+                <a:latin typeface="+mj-lt"/>
+              </a:rPr>
+              <a:t>Fonction </a:t>
+            </a:r>
+            <a:r>
+              <a:rPr lang="fr-FR" dirty="0" smtClean="0">
+                <a:latin typeface="+mj-lt"/>
+              </a:rPr>
+              <a:t>3 </a:t>
+            </a:r>
+            <a:r>
+              <a:rPr lang="fr-FR" dirty="0"/>
+              <a:t>: </a:t>
+            </a:r>
+            <a:r>
+              <a:rPr lang="fr-FR" dirty="0" smtClean="0"/>
+              <a:t>statistiques</a:t>
+            </a:r>
+            <a:endParaRPr lang="fr-FR" dirty="0"/>
+          </a:p>
+          <a:p>
+            <a:pPr marL="285750" indent="-285750">
+              <a:buFontTx/>
+              <a:buChar char="-"/>
+            </a:pPr>
+            <a:r>
+              <a:rPr lang="fr-FR" dirty="0" smtClean="0">
+                <a:latin typeface="Yu Gothic Light" panose="020B0300000000000000" pitchFamily="34" charset="-128"/>
+                <a:ea typeface="Yu Gothic Light" panose="020B0300000000000000" pitchFamily="34" charset="-128"/>
+              </a:rPr>
+              <a:t>Archivage des entrées</a:t>
+            </a:r>
+          </a:p>
+          <a:p>
+            <a:pPr marL="285750" indent="-285750">
+              <a:buFontTx/>
+              <a:buChar char="-"/>
+            </a:pPr>
+            <a:r>
+              <a:rPr lang="fr-FR" dirty="0" smtClean="0">
+                <a:latin typeface="Yu Gothic Light" panose="020B0300000000000000" pitchFamily="34" charset="-128"/>
+                <a:ea typeface="Yu Gothic Light" panose="020B0300000000000000" pitchFamily="34" charset="-128"/>
+              </a:rPr>
+              <a:t>Affichage graphique</a:t>
+            </a:r>
+            <a:endParaRPr lang="fr-FR" dirty="0" smtClean="0"/>
+          </a:p>
+        </p:txBody>
+      </p:sp>
+      <p:sp>
+        <p:nvSpPr>
+          <p:cNvPr id="5" name="Espace réservé du pied de page 4"/>
+          <p:cNvSpPr>
+            <a:spLocks noGrp="1"/>
+          </p:cNvSpPr>
+          <p:nvPr>
+            <p:ph type="ftr" sz="quarter" idx="11"/>
+          </p:nvPr>
+        </p:nvSpPr>
+        <p:spPr/>
+        <p:txBody>
+          <a:bodyPr/>
+          <a:lstStyle/>
+          <a:p>
+            <a:r>
+              <a:rPr lang="fr-FR" smtClean="0"/>
+              <a:t>Maryse Muller  |  Parcours Data Scientist</a:t>
+            </a:r>
+            <a:endParaRPr lang="fr-FR" dirty="0"/>
+          </a:p>
+        </p:txBody>
+      </p:sp>
+      <p:sp>
+        <p:nvSpPr>
+          <p:cNvPr id="6" name="Espace réservé du numéro de diapositive 5"/>
+          <p:cNvSpPr>
+            <a:spLocks noGrp="1"/>
+          </p:cNvSpPr>
+          <p:nvPr>
+            <p:ph type="sldNum" sz="quarter" idx="12"/>
+          </p:nvPr>
+        </p:nvSpPr>
+        <p:spPr/>
+        <p:txBody>
+          <a:bodyPr/>
+          <a:lstStyle/>
+          <a:p>
+            <a:fld id="{D384C430-F8FC-4B07-B0BC-750FA1B3CF0A}" type="slidenum">
+              <a:rPr lang="fr-FR" smtClean="0"/>
+              <a:t>12</a:t>
+            </a:fld>
+            <a:endParaRPr lang="fr-FR" dirty="0"/>
+          </a:p>
+        </p:txBody>
+      </p:sp>
+      <p:sp>
+        <p:nvSpPr>
+          <p:cNvPr id="17" name="Rectangle 16"/>
+          <p:cNvSpPr/>
+          <p:nvPr/>
+        </p:nvSpPr>
+        <p:spPr>
+          <a:xfrm>
+            <a:off x="3823854" y="1196959"/>
+            <a:ext cx="4708586" cy="45719"/>
+          </a:xfrm>
+          <a:prstGeom prst="rect">
+            <a:avLst/>
+          </a:prstGeom>
+          <a:gradFill flip="none" rotWithShape="1">
+            <a:gsLst>
+              <a:gs pos="0">
+                <a:srgbClr val="92D050"/>
+              </a:gs>
+              <a:gs pos="100000">
+                <a:schemeClr val="accent1">
+                  <a:tint val="23500"/>
+                  <a:satMod val="160000"/>
+                  <a:alpha val="0"/>
+                </a:schemeClr>
+              </a:gs>
+            </a:gsLst>
+            <a:lin ang="10800000" scaled="1"/>
+            <a:tileRect/>
+          </a:gradFill>
+          <a:ln>
+            <a:noFill/>
+          </a:ln>
+        </p:spPr>
+        <p:style>
+          <a:lnRef idx="2">
+            <a:schemeClr val="accent1">
+              <a:shade val="50000"/>
+            </a:schemeClr>
+          </a:lnRef>
+          <a:fillRef idx="1">
+            <a:schemeClr val="accent1"/>
+          </a:fillRef>
+          <a:effectRef idx="0">
+            <a:schemeClr val="accent1"/>
+          </a:effectRef>
+          <a:fontRef idx="minor">
+            <a:schemeClr val="lt1"/>
+          </a:fontRef>
+        </p:style>
+        <p:txBody>
+          <a:bodyPr rtlCol="0" anchor="ctr"/>
+          <a:lstStyle/>
+          <a:p>
+            <a:pPr algn="ctr"/>
+            <a:endParaRPr lang="fr-FR"/>
+          </a:p>
+        </p:txBody>
+      </p:sp>
+      <p:pic>
+        <p:nvPicPr>
+          <p:cNvPr id="8" name="Image 7"/>
+          <p:cNvPicPr>
+            <a:picLocks noChangeAspect="1"/>
+          </p:cNvPicPr>
+          <p:nvPr/>
+        </p:nvPicPr>
+        <p:blipFill>
+          <a:blip r:embed="rId2" cstate="print">
+            <a:extLst>
+              <a:ext uri="{28A0092B-C50C-407E-A947-70E740481C1C}">
+                <a14:useLocalDpi xmlns:a14="http://schemas.microsoft.com/office/drawing/2010/main" val="0"/>
+              </a:ext>
+            </a:extLst>
+          </a:blip>
+          <a:stretch>
+            <a:fillRect/>
+          </a:stretch>
+        </p:blipFill>
+        <p:spPr>
+          <a:xfrm>
+            <a:off x="-396552" y="1556792"/>
+            <a:ext cx="6226867" cy="4447762"/>
+          </a:xfrm>
+          <a:prstGeom prst="rect">
+            <a:avLst/>
+          </a:prstGeom>
+        </p:spPr>
+      </p:pic>
+    </p:spTree>
+    <p:extLst>
+      <p:ext uri="{BB962C8B-B14F-4D97-AF65-F5344CB8AC3E}">
+        <p14:creationId xmlns:p14="http://schemas.microsoft.com/office/powerpoint/2010/main" val="82088417"/>
+      </p:ext>
+    </p:extLst>
+  </p:cSld>
+  <p:clrMapOvr>
+    <a:masterClrMapping/>
+  </p:clrMapOvr>
+  <p:timing>
+    <p:tnLst>
+      <p:par>
+        <p:cTn id="1" dur="indefinite" restart="never" nodeType="tmRoot"/>
+      </p:par>
+    </p:tnLst>
+  </p:timing>
+</p:sld>
+</file>
+
+<file path=ppt/slides/slide13.xml><?xml version="1.0" encoding="utf-8"?>
+<p:sld xmlns:a="http://schemas.openxmlformats.org/drawingml/2006/main" xmlns:r="http://schemas.openxmlformats.org/officeDocument/2006/relationships" xmlns:p="http://schemas.openxmlformats.org/presentationml/2006/main">
+  <p:cSld>
+    <p:spTree>
+      <p:nvGrpSpPr>
+        <p:cNvPr id="1" name=""/>
+        <p:cNvGrpSpPr/>
+        <p:nvPr/>
+      </p:nvGrpSpPr>
+      <p:grpSpPr>
+        <a:xfrm>
+          <a:off x="0" y="0"/>
+          <a:ext cx="0" cy="0"/>
+          <a:chOff x="0" y="0"/>
+          <a:chExt cx="0" cy="0"/>
+        </a:xfrm>
+      </p:grpSpPr>
+      <p:sp>
+        <p:nvSpPr>
+          <p:cNvPr id="2" name="Titre 1"/>
+          <p:cNvSpPr>
+            <a:spLocks noGrp="1"/>
+          </p:cNvSpPr>
+          <p:nvPr>
+            <p:ph type="title"/>
+          </p:nvPr>
+        </p:nvSpPr>
+        <p:spPr>
+          <a:xfrm>
+            <a:off x="713284" y="274638"/>
+            <a:ext cx="7859216" cy="1066130"/>
+          </a:xfrm>
+        </p:spPr>
+        <p:txBody>
+          <a:bodyPr>
+            <a:normAutofit/>
+          </a:bodyPr>
+          <a:lstStyle/>
+          <a:p>
+            <a:pPr algn="r"/>
+            <a:r>
+              <a:rPr lang="fr-FR" sz="4000" b="1" dirty="0" smtClean="0"/>
+              <a:t>Analyse </a:t>
+            </a:r>
+            <a:r>
+              <a:rPr lang="fr-FR" sz="4000" b="1" dirty="0" err="1" smtClean="0"/>
+              <a:t>bivariée</a:t>
+            </a:r>
+            <a:endParaRPr lang="fr-FR" sz="3200" dirty="0"/>
+          </a:p>
+        </p:txBody>
+      </p:sp>
+      <p:sp>
+        <p:nvSpPr>
+          <p:cNvPr id="4" name="Espace réservé de la date 3"/>
+          <p:cNvSpPr>
+            <a:spLocks noGrp="1"/>
+          </p:cNvSpPr>
+          <p:nvPr>
+            <p:ph type="dt" sz="half" idx="10"/>
+          </p:nvPr>
+        </p:nvSpPr>
+        <p:spPr/>
+        <p:txBody>
+          <a:bodyPr/>
+          <a:lstStyle/>
+          <a:p>
+            <a:r>
+              <a:rPr lang="fr-FR" smtClean="0"/>
+              <a:t>17/06/2020</a:t>
+            </a:r>
+            <a:endParaRPr lang="fr-FR" dirty="0"/>
+          </a:p>
+        </p:txBody>
+      </p:sp>
+      <p:sp>
+        <p:nvSpPr>
+          <p:cNvPr id="3" name="ZoneTexte 2"/>
+          <p:cNvSpPr txBox="1"/>
+          <p:nvPr/>
+        </p:nvSpPr>
+        <p:spPr>
+          <a:xfrm>
+            <a:off x="4932040" y="1780835"/>
+            <a:ext cx="4938588" cy="3139321"/>
+          </a:xfrm>
+          <a:prstGeom prst="rect">
+            <a:avLst/>
+          </a:prstGeom>
+          <a:noFill/>
+        </p:spPr>
+        <p:txBody>
+          <a:bodyPr wrap="square" rtlCol="0">
+            <a:spAutoFit/>
+          </a:bodyPr>
+          <a:lstStyle/>
+          <a:p>
+            <a:r>
+              <a:rPr lang="fr-FR" b="1" dirty="0" smtClean="0">
+                <a:latin typeface="+mj-lt"/>
+              </a:rPr>
+              <a:t>Contenu </a:t>
+            </a:r>
+            <a:r>
+              <a:rPr lang="fr-FR" dirty="0" smtClean="0"/>
+              <a:t>: score quotidien</a:t>
+            </a:r>
+          </a:p>
+          <a:p>
+            <a:pPr marL="285750" indent="-285750">
+              <a:buFontTx/>
+              <a:buChar char="-"/>
+            </a:pPr>
+            <a:r>
+              <a:rPr lang="fr-FR" dirty="0" smtClean="0">
+                <a:latin typeface="Yu Gothic Light" panose="020B0300000000000000" pitchFamily="34" charset="-128"/>
+                <a:ea typeface="Yu Gothic Light" panose="020B0300000000000000" pitchFamily="34" charset="-128"/>
+              </a:rPr>
+              <a:t>Liste des produits consommés</a:t>
+            </a:r>
+          </a:p>
+          <a:p>
+            <a:pPr marL="285750" indent="-285750">
+              <a:buFontTx/>
+              <a:buChar char="-"/>
+            </a:pPr>
+            <a:r>
+              <a:rPr lang="fr-FR" dirty="0" smtClean="0">
+                <a:latin typeface="Yu Gothic Light" panose="020B0300000000000000" pitchFamily="34" charset="-128"/>
+                <a:ea typeface="Yu Gothic Light" panose="020B0300000000000000" pitchFamily="34" charset="-128"/>
+              </a:rPr>
+              <a:t>Evaluation des apports quotidiens</a:t>
+            </a:r>
+          </a:p>
+          <a:p>
+            <a:endParaRPr lang="fr-FR" dirty="0"/>
+          </a:p>
+          <a:p>
+            <a:r>
+              <a:rPr lang="fr-FR" dirty="0" smtClean="0">
+                <a:latin typeface="+mj-lt"/>
+              </a:rPr>
+              <a:t>Fonction 2 </a:t>
+            </a:r>
+            <a:r>
+              <a:rPr lang="fr-FR" dirty="0" smtClean="0"/>
+              <a:t>: recommandations</a:t>
+            </a:r>
+          </a:p>
+          <a:p>
+            <a:pPr marL="285750" indent="-285750">
+              <a:buFontTx/>
+              <a:buChar char="-"/>
+            </a:pPr>
+            <a:r>
+              <a:rPr lang="fr-FR" dirty="0" smtClean="0">
+                <a:latin typeface="Yu Gothic Light" panose="020B0300000000000000" pitchFamily="34" charset="-128"/>
+                <a:ea typeface="Yu Gothic Light" panose="020B0300000000000000" pitchFamily="34" charset="-128"/>
+              </a:rPr>
+              <a:t>Liste des axes à améliorer</a:t>
+            </a:r>
+          </a:p>
+          <a:p>
+            <a:pPr marL="285750" indent="-285750">
+              <a:buFontTx/>
+              <a:buChar char="-"/>
+            </a:pPr>
+            <a:r>
+              <a:rPr lang="fr-FR" dirty="0" smtClean="0">
+                <a:latin typeface="Yu Gothic Light" panose="020B0300000000000000" pitchFamily="34" charset="-128"/>
+                <a:ea typeface="Yu Gothic Light" panose="020B0300000000000000" pitchFamily="34" charset="-128"/>
+              </a:rPr>
+              <a:t>Navigateur de produit à remplacer</a:t>
+            </a:r>
+          </a:p>
+          <a:p>
+            <a:endParaRPr lang="fr-FR" dirty="0" smtClean="0">
+              <a:latin typeface="Yu Gothic Light" panose="020B0300000000000000" pitchFamily="34" charset="-128"/>
+              <a:ea typeface="Yu Gothic Light" panose="020B0300000000000000" pitchFamily="34" charset="-128"/>
+            </a:endParaRPr>
+          </a:p>
+          <a:p>
+            <a:r>
+              <a:rPr lang="fr-FR" dirty="0">
+                <a:latin typeface="+mj-lt"/>
+              </a:rPr>
+              <a:t>Fonction </a:t>
+            </a:r>
+            <a:r>
+              <a:rPr lang="fr-FR" dirty="0" smtClean="0">
+                <a:latin typeface="+mj-lt"/>
+              </a:rPr>
+              <a:t>3 </a:t>
+            </a:r>
+            <a:r>
+              <a:rPr lang="fr-FR" dirty="0"/>
+              <a:t>: </a:t>
+            </a:r>
+            <a:r>
+              <a:rPr lang="fr-FR" dirty="0" smtClean="0"/>
+              <a:t>statistiques</a:t>
+            </a:r>
+            <a:endParaRPr lang="fr-FR" dirty="0"/>
+          </a:p>
+          <a:p>
+            <a:pPr marL="285750" indent="-285750">
+              <a:buFontTx/>
+              <a:buChar char="-"/>
+            </a:pPr>
+            <a:r>
+              <a:rPr lang="fr-FR" dirty="0" smtClean="0">
+                <a:latin typeface="Yu Gothic Light" panose="020B0300000000000000" pitchFamily="34" charset="-128"/>
+                <a:ea typeface="Yu Gothic Light" panose="020B0300000000000000" pitchFamily="34" charset="-128"/>
+              </a:rPr>
+              <a:t>Archivage des entrées</a:t>
+            </a:r>
+          </a:p>
+          <a:p>
+            <a:pPr marL="285750" indent="-285750">
+              <a:buFontTx/>
+              <a:buChar char="-"/>
+            </a:pPr>
+            <a:r>
+              <a:rPr lang="fr-FR" dirty="0" smtClean="0">
+                <a:latin typeface="Yu Gothic Light" panose="020B0300000000000000" pitchFamily="34" charset="-128"/>
+                <a:ea typeface="Yu Gothic Light" panose="020B0300000000000000" pitchFamily="34" charset="-128"/>
+              </a:rPr>
+              <a:t>Affichage graphique</a:t>
+            </a:r>
+            <a:endParaRPr lang="fr-FR" dirty="0" smtClean="0"/>
+          </a:p>
+        </p:txBody>
+      </p:sp>
+      <p:sp>
+        <p:nvSpPr>
+          <p:cNvPr id="5" name="Espace réservé du pied de page 4"/>
+          <p:cNvSpPr>
+            <a:spLocks noGrp="1"/>
+          </p:cNvSpPr>
+          <p:nvPr>
+            <p:ph type="ftr" sz="quarter" idx="11"/>
+          </p:nvPr>
+        </p:nvSpPr>
+        <p:spPr/>
+        <p:txBody>
+          <a:bodyPr/>
+          <a:lstStyle/>
+          <a:p>
+            <a:r>
+              <a:rPr lang="fr-FR" smtClean="0"/>
+              <a:t>Maryse Muller  |  Parcours Data Scientist</a:t>
+            </a:r>
+            <a:endParaRPr lang="fr-FR" dirty="0"/>
+          </a:p>
+        </p:txBody>
+      </p:sp>
+      <p:sp>
+        <p:nvSpPr>
+          <p:cNvPr id="6" name="Espace réservé du numéro de diapositive 5"/>
+          <p:cNvSpPr>
+            <a:spLocks noGrp="1"/>
+          </p:cNvSpPr>
+          <p:nvPr>
+            <p:ph type="sldNum" sz="quarter" idx="12"/>
+          </p:nvPr>
+        </p:nvSpPr>
+        <p:spPr/>
+        <p:txBody>
+          <a:bodyPr/>
+          <a:lstStyle/>
+          <a:p>
+            <a:fld id="{D384C430-F8FC-4B07-B0BC-750FA1B3CF0A}" type="slidenum">
+              <a:rPr lang="fr-FR" smtClean="0"/>
+              <a:t>13</a:t>
+            </a:fld>
+            <a:endParaRPr lang="fr-FR" dirty="0"/>
+          </a:p>
+        </p:txBody>
+      </p:sp>
+      <p:sp>
+        <p:nvSpPr>
+          <p:cNvPr id="8" name="Rectangle 7"/>
+          <p:cNvSpPr/>
+          <p:nvPr/>
+        </p:nvSpPr>
+        <p:spPr>
+          <a:xfrm>
+            <a:off x="3823854" y="1196959"/>
+            <a:ext cx="4708586" cy="45719"/>
+          </a:xfrm>
+          <a:prstGeom prst="rect">
+            <a:avLst/>
+          </a:prstGeom>
+          <a:gradFill flip="none" rotWithShape="1">
+            <a:gsLst>
+              <a:gs pos="0">
+                <a:srgbClr val="92D050"/>
+              </a:gs>
+              <a:gs pos="100000">
+                <a:schemeClr val="accent1">
+                  <a:tint val="23500"/>
+                  <a:satMod val="160000"/>
+                  <a:alpha val="0"/>
+                </a:schemeClr>
+              </a:gs>
+            </a:gsLst>
+            <a:lin ang="10800000" scaled="1"/>
+            <a:tileRect/>
+          </a:gradFill>
+          <a:ln>
+            <a:noFill/>
+          </a:ln>
+        </p:spPr>
+        <p:style>
+          <a:lnRef idx="2">
+            <a:schemeClr val="accent1">
+              <a:shade val="50000"/>
+            </a:schemeClr>
+          </a:lnRef>
+          <a:fillRef idx="1">
+            <a:schemeClr val="accent1"/>
+          </a:fillRef>
+          <a:effectRef idx="0">
+            <a:schemeClr val="accent1"/>
+          </a:effectRef>
+          <a:fontRef idx="minor">
+            <a:schemeClr val="lt1"/>
+          </a:fontRef>
+        </p:style>
+        <p:txBody>
+          <a:bodyPr rtlCol="0" anchor="ctr"/>
+          <a:lstStyle/>
+          <a:p>
+            <a:pPr algn="ctr"/>
+            <a:endParaRPr lang="fr-FR"/>
+          </a:p>
+        </p:txBody>
+      </p:sp>
+    </p:spTree>
+    <p:extLst>
+      <p:ext uri="{BB962C8B-B14F-4D97-AF65-F5344CB8AC3E}">
+        <p14:creationId xmlns:p14="http://schemas.microsoft.com/office/powerpoint/2010/main" val="1434983898"/>
+      </p:ext>
+    </p:extLst>
+  </p:cSld>
+  <p:clrMapOvr>
+    <a:masterClrMapping/>
+  </p:clrMapOvr>
+  <p:timing>
+    <p:tnLst>
+      <p:par>
+        <p:cTn id="1" dur="indefinite" restart="never" nodeType="tmRoot"/>
+      </p:par>
+    </p:tnLst>
+  </p:timing>
+</p:sld>
+</file>
+
+<file path=ppt/slides/slide14.xml><?xml version="1.0" encoding="utf-8"?>
+<p:sld xmlns:a="http://schemas.openxmlformats.org/drawingml/2006/main" xmlns:r="http://schemas.openxmlformats.org/officeDocument/2006/relationships" xmlns:p="http://schemas.openxmlformats.org/presentationml/2006/main">
+  <p:cSld>
+    <p:spTree>
+      <p:nvGrpSpPr>
+        <p:cNvPr id="1" name=""/>
+        <p:cNvGrpSpPr/>
+        <p:nvPr/>
+      </p:nvGrpSpPr>
+      <p:grpSpPr>
+        <a:xfrm>
+          <a:off x="0" y="0"/>
+          <a:ext cx="0" cy="0"/>
+          <a:chOff x="0" y="0"/>
+          <a:chExt cx="0" cy="0"/>
+        </a:xfrm>
+      </p:grpSpPr>
+      <p:sp>
+        <p:nvSpPr>
+          <p:cNvPr id="2" name="Titre 1"/>
+          <p:cNvSpPr>
+            <a:spLocks noGrp="1"/>
+          </p:cNvSpPr>
+          <p:nvPr>
+            <p:ph type="title"/>
+          </p:nvPr>
+        </p:nvSpPr>
+        <p:spPr>
+          <a:xfrm>
+            <a:off x="713284" y="274638"/>
+            <a:ext cx="7859216" cy="1066130"/>
+          </a:xfrm>
+        </p:spPr>
+        <p:txBody>
+          <a:bodyPr>
+            <a:normAutofit/>
+          </a:bodyPr>
+          <a:lstStyle/>
+          <a:p>
+            <a:pPr algn="r"/>
+            <a:r>
+              <a:rPr lang="fr-FR" sz="4000" b="1" dirty="0" smtClean="0"/>
+              <a:t>Analyse multivariée</a:t>
+            </a:r>
+            <a:endParaRPr lang="fr-FR" sz="3200" dirty="0"/>
+          </a:p>
+        </p:txBody>
+      </p:sp>
+      <p:sp>
+        <p:nvSpPr>
+          <p:cNvPr id="4" name="Espace réservé de la date 3"/>
+          <p:cNvSpPr>
+            <a:spLocks noGrp="1"/>
+          </p:cNvSpPr>
+          <p:nvPr>
+            <p:ph type="dt" sz="half" idx="10"/>
+          </p:nvPr>
+        </p:nvSpPr>
+        <p:spPr/>
+        <p:txBody>
+          <a:bodyPr/>
+          <a:lstStyle/>
+          <a:p>
+            <a:r>
+              <a:rPr lang="fr-FR" smtClean="0"/>
+              <a:t>17/06/2020</a:t>
+            </a:r>
+            <a:endParaRPr lang="fr-FR" dirty="0"/>
+          </a:p>
+        </p:txBody>
+      </p:sp>
+      <p:sp>
+        <p:nvSpPr>
+          <p:cNvPr id="3" name="ZoneTexte 2"/>
+          <p:cNvSpPr txBox="1"/>
+          <p:nvPr/>
+        </p:nvSpPr>
+        <p:spPr>
+          <a:xfrm>
+            <a:off x="4932040" y="1780835"/>
+            <a:ext cx="4938588" cy="3139321"/>
+          </a:xfrm>
+          <a:prstGeom prst="rect">
+            <a:avLst/>
+          </a:prstGeom>
+          <a:noFill/>
+        </p:spPr>
+        <p:txBody>
+          <a:bodyPr wrap="square" rtlCol="0">
+            <a:spAutoFit/>
+          </a:bodyPr>
+          <a:lstStyle/>
+          <a:p>
+            <a:r>
+              <a:rPr lang="fr-FR" b="1" dirty="0" smtClean="0">
+                <a:latin typeface="+mj-lt"/>
+              </a:rPr>
+              <a:t>Contenu </a:t>
+            </a:r>
+            <a:r>
+              <a:rPr lang="fr-FR" dirty="0" smtClean="0"/>
+              <a:t>: score quotidien</a:t>
+            </a:r>
+          </a:p>
+          <a:p>
+            <a:pPr marL="285750" indent="-285750">
+              <a:buFontTx/>
+              <a:buChar char="-"/>
+            </a:pPr>
+            <a:r>
+              <a:rPr lang="fr-FR" dirty="0" smtClean="0">
+                <a:latin typeface="Yu Gothic Light" panose="020B0300000000000000" pitchFamily="34" charset="-128"/>
+                <a:ea typeface="Yu Gothic Light" panose="020B0300000000000000" pitchFamily="34" charset="-128"/>
+              </a:rPr>
+              <a:t>Liste des produits consommés</a:t>
+            </a:r>
+          </a:p>
+          <a:p>
+            <a:pPr marL="285750" indent="-285750">
+              <a:buFontTx/>
+              <a:buChar char="-"/>
+            </a:pPr>
+            <a:r>
+              <a:rPr lang="fr-FR" dirty="0" smtClean="0">
+                <a:latin typeface="Yu Gothic Light" panose="020B0300000000000000" pitchFamily="34" charset="-128"/>
+                <a:ea typeface="Yu Gothic Light" panose="020B0300000000000000" pitchFamily="34" charset="-128"/>
+              </a:rPr>
+              <a:t>Evaluation des apports quotidiens</a:t>
+            </a:r>
+          </a:p>
+          <a:p>
+            <a:endParaRPr lang="fr-FR" dirty="0"/>
+          </a:p>
+          <a:p>
+            <a:r>
+              <a:rPr lang="fr-FR" dirty="0" smtClean="0">
+                <a:latin typeface="+mj-lt"/>
+              </a:rPr>
+              <a:t>Fonction 2 </a:t>
+            </a:r>
+            <a:r>
+              <a:rPr lang="fr-FR" dirty="0" smtClean="0"/>
+              <a:t>: recommandations</a:t>
+            </a:r>
+          </a:p>
+          <a:p>
+            <a:pPr marL="285750" indent="-285750">
+              <a:buFontTx/>
+              <a:buChar char="-"/>
+            </a:pPr>
+            <a:r>
+              <a:rPr lang="fr-FR" dirty="0" smtClean="0">
+                <a:latin typeface="Yu Gothic Light" panose="020B0300000000000000" pitchFamily="34" charset="-128"/>
+                <a:ea typeface="Yu Gothic Light" panose="020B0300000000000000" pitchFamily="34" charset="-128"/>
+              </a:rPr>
+              <a:t>Liste des axes à améliorer</a:t>
+            </a:r>
+          </a:p>
+          <a:p>
+            <a:pPr marL="285750" indent="-285750">
+              <a:buFontTx/>
+              <a:buChar char="-"/>
+            </a:pPr>
+            <a:r>
+              <a:rPr lang="fr-FR" dirty="0" smtClean="0">
+                <a:latin typeface="Yu Gothic Light" panose="020B0300000000000000" pitchFamily="34" charset="-128"/>
+                <a:ea typeface="Yu Gothic Light" panose="020B0300000000000000" pitchFamily="34" charset="-128"/>
+              </a:rPr>
+              <a:t>Navigateur de produit à remplacer</a:t>
+            </a:r>
+          </a:p>
+          <a:p>
+            <a:endParaRPr lang="fr-FR" dirty="0" smtClean="0">
+              <a:latin typeface="Yu Gothic Light" panose="020B0300000000000000" pitchFamily="34" charset="-128"/>
+              <a:ea typeface="Yu Gothic Light" panose="020B0300000000000000" pitchFamily="34" charset="-128"/>
+            </a:endParaRPr>
+          </a:p>
+          <a:p>
+            <a:r>
+              <a:rPr lang="fr-FR" dirty="0">
+                <a:latin typeface="+mj-lt"/>
+              </a:rPr>
+              <a:t>Fonction </a:t>
+            </a:r>
+            <a:r>
+              <a:rPr lang="fr-FR" dirty="0" smtClean="0">
+                <a:latin typeface="+mj-lt"/>
+              </a:rPr>
+              <a:t>3 </a:t>
+            </a:r>
+            <a:r>
+              <a:rPr lang="fr-FR" dirty="0"/>
+              <a:t>: </a:t>
+            </a:r>
+            <a:r>
+              <a:rPr lang="fr-FR" dirty="0" smtClean="0"/>
+              <a:t>statistiques</a:t>
+            </a:r>
+            <a:endParaRPr lang="fr-FR" dirty="0"/>
+          </a:p>
+          <a:p>
+            <a:pPr marL="285750" indent="-285750">
+              <a:buFontTx/>
+              <a:buChar char="-"/>
+            </a:pPr>
+            <a:r>
+              <a:rPr lang="fr-FR" dirty="0" smtClean="0">
+                <a:latin typeface="Yu Gothic Light" panose="020B0300000000000000" pitchFamily="34" charset="-128"/>
+                <a:ea typeface="Yu Gothic Light" panose="020B0300000000000000" pitchFamily="34" charset="-128"/>
+              </a:rPr>
+              <a:t>Archivage des entrées</a:t>
+            </a:r>
+          </a:p>
+          <a:p>
+            <a:pPr marL="285750" indent="-285750">
+              <a:buFontTx/>
+              <a:buChar char="-"/>
+            </a:pPr>
+            <a:r>
+              <a:rPr lang="fr-FR" dirty="0" smtClean="0">
+                <a:latin typeface="Yu Gothic Light" panose="020B0300000000000000" pitchFamily="34" charset="-128"/>
+                <a:ea typeface="Yu Gothic Light" panose="020B0300000000000000" pitchFamily="34" charset="-128"/>
+              </a:rPr>
+              <a:t>Affichage graphique</a:t>
+            </a:r>
+            <a:endParaRPr lang="fr-FR" dirty="0" smtClean="0"/>
+          </a:p>
+        </p:txBody>
+      </p:sp>
+      <p:sp>
+        <p:nvSpPr>
+          <p:cNvPr id="5" name="Espace réservé du pied de page 4"/>
+          <p:cNvSpPr>
+            <a:spLocks noGrp="1"/>
+          </p:cNvSpPr>
+          <p:nvPr>
+            <p:ph type="ftr" sz="quarter" idx="11"/>
+          </p:nvPr>
+        </p:nvSpPr>
+        <p:spPr/>
+        <p:txBody>
+          <a:bodyPr/>
+          <a:lstStyle/>
+          <a:p>
+            <a:r>
+              <a:rPr lang="fr-FR" smtClean="0"/>
+              <a:t>Maryse Muller  |  Parcours Data Scientist</a:t>
+            </a:r>
+            <a:endParaRPr lang="fr-FR" dirty="0"/>
+          </a:p>
+        </p:txBody>
+      </p:sp>
+      <p:sp>
+        <p:nvSpPr>
+          <p:cNvPr id="6" name="Espace réservé du numéro de diapositive 5"/>
+          <p:cNvSpPr>
+            <a:spLocks noGrp="1"/>
+          </p:cNvSpPr>
+          <p:nvPr>
+            <p:ph type="sldNum" sz="quarter" idx="12"/>
+          </p:nvPr>
+        </p:nvSpPr>
+        <p:spPr/>
+        <p:txBody>
+          <a:bodyPr/>
+          <a:lstStyle/>
+          <a:p>
+            <a:fld id="{D384C430-F8FC-4B07-B0BC-750FA1B3CF0A}" type="slidenum">
+              <a:rPr lang="fr-FR" smtClean="0"/>
+              <a:t>14</a:t>
+            </a:fld>
+            <a:endParaRPr lang="fr-FR" dirty="0"/>
+          </a:p>
+        </p:txBody>
+      </p:sp>
+      <p:sp>
+        <p:nvSpPr>
+          <p:cNvPr id="8" name="Rectangle 7"/>
+          <p:cNvSpPr/>
+          <p:nvPr/>
+        </p:nvSpPr>
+        <p:spPr>
+          <a:xfrm>
+            <a:off x="3823854" y="1196959"/>
+            <a:ext cx="4708586" cy="45719"/>
+          </a:xfrm>
+          <a:prstGeom prst="rect">
+            <a:avLst/>
+          </a:prstGeom>
+          <a:gradFill flip="none" rotWithShape="1">
+            <a:gsLst>
+              <a:gs pos="0">
+                <a:srgbClr val="92D050"/>
+              </a:gs>
+              <a:gs pos="100000">
+                <a:schemeClr val="accent1">
+                  <a:tint val="23500"/>
+                  <a:satMod val="160000"/>
+                  <a:alpha val="0"/>
+                </a:schemeClr>
+              </a:gs>
+            </a:gsLst>
+            <a:lin ang="10800000" scaled="1"/>
+            <a:tileRect/>
+          </a:gradFill>
+          <a:ln>
+            <a:noFill/>
+          </a:ln>
+        </p:spPr>
+        <p:style>
+          <a:lnRef idx="2">
+            <a:schemeClr val="accent1">
+              <a:shade val="50000"/>
+            </a:schemeClr>
+          </a:lnRef>
+          <a:fillRef idx="1">
+            <a:schemeClr val="accent1"/>
+          </a:fillRef>
+          <a:effectRef idx="0">
+            <a:schemeClr val="accent1"/>
+          </a:effectRef>
+          <a:fontRef idx="minor">
+            <a:schemeClr val="lt1"/>
+          </a:fontRef>
+        </p:style>
+        <p:txBody>
+          <a:bodyPr rtlCol="0" anchor="ctr"/>
+          <a:lstStyle/>
+          <a:p>
+            <a:pPr algn="ctr"/>
+            <a:endParaRPr lang="fr-FR"/>
+          </a:p>
+        </p:txBody>
+      </p:sp>
+    </p:spTree>
+    <p:extLst>
+      <p:ext uri="{BB962C8B-B14F-4D97-AF65-F5344CB8AC3E}">
+        <p14:creationId xmlns:p14="http://schemas.microsoft.com/office/powerpoint/2010/main" val="1653262598"/>
+      </p:ext>
+    </p:extLst>
+  </p:cSld>
+  <p:clrMapOvr>
+    <a:masterClrMapping/>
+  </p:clrMapOvr>
+  <p:timing>
+    <p:tnLst>
+      <p:par>
+        <p:cTn id="1" dur="indefinite" restart="never" nodeType="tmRoot"/>
+      </p:par>
+    </p:tnLst>
+  </p:timing>
+</p:sld>
+</file>
+
+<file path=ppt/slides/slide15.xml><?xml version="1.0" encoding="utf-8"?>
+<p:sld xmlns:a="http://schemas.openxmlformats.org/drawingml/2006/main" xmlns:r="http://schemas.openxmlformats.org/officeDocument/2006/relationships" xmlns:p="http://schemas.openxmlformats.org/presentationml/2006/main">
+  <p:cSld>
+    <p:spTree>
+      <p:nvGrpSpPr>
+        <p:cNvPr id="1" name=""/>
+        <p:cNvGrpSpPr/>
+        <p:nvPr/>
+      </p:nvGrpSpPr>
+      <p:grpSpPr>
+        <a:xfrm>
+          <a:off x="0" y="0"/>
+          <a:ext cx="0" cy="0"/>
+          <a:chOff x="0" y="0"/>
+          <a:chExt cx="0" cy="0"/>
+        </a:xfrm>
+      </p:grpSpPr>
+      <p:sp>
+        <p:nvSpPr>
+          <p:cNvPr id="2" name="Titre 1"/>
+          <p:cNvSpPr>
+            <a:spLocks noGrp="1"/>
+          </p:cNvSpPr>
+          <p:nvPr>
+            <p:ph type="title"/>
+          </p:nvPr>
+        </p:nvSpPr>
+        <p:spPr>
+          <a:xfrm>
+            <a:off x="1081708" y="274638"/>
+            <a:ext cx="7488832" cy="1066130"/>
+          </a:xfrm>
+        </p:spPr>
+        <p:txBody>
+          <a:bodyPr>
+            <a:normAutofit/>
+          </a:bodyPr>
+          <a:lstStyle/>
+          <a:p>
+            <a:pPr algn="r"/>
+            <a:r>
+              <a:rPr lang="fr-FR" sz="4000" b="1" dirty="0" smtClean="0"/>
+              <a:t>Conclusions</a:t>
+            </a:r>
+            <a:endParaRPr lang="fr-FR" sz="3200" dirty="0"/>
+          </a:p>
+        </p:txBody>
+      </p:sp>
+      <p:sp>
+        <p:nvSpPr>
+          <p:cNvPr id="4" name="Espace réservé de la date 3"/>
+          <p:cNvSpPr>
+            <a:spLocks noGrp="1"/>
+          </p:cNvSpPr>
+          <p:nvPr>
+            <p:ph type="dt" sz="half" idx="10"/>
+          </p:nvPr>
+        </p:nvSpPr>
+        <p:spPr/>
+        <p:txBody>
+          <a:bodyPr/>
+          <a:lstStyle/>
+          <a:p>
+            <a:r>
+              <a:rPr lang="fr-FR" smtClean="0"/>
+              <a:t>17/06/2020</a:t>
+            </a:r>
+            <a:endParaRPr lang="fr-FR" dirty="0"/>
+          </a:p>
+        </p:txBody>
+      </p:sp>
+      <p:sp>
+        <p:nvSpPr>
+          <p:cNvPr id="5" name="Espace réservé du pied de page 4"/>
+          <p:cNvSpPr>
+            <a:spLocks noGrp="1"/>
+          </p:cNvSpPr>
+          <p:nvPr>
+            <p:ph type="ftr" sz="quarter" idx="11"/>
+          </p:nvPr>
+        </p:nvSpPr>
+        <p:spPr/>
+        <p:txBody>
+          <a:bodyPr/>
+          <a:lstStyle/>
+          <a:p>
+            <a:r>
+              <a:rPr lang="fr-FR" smtClean="0"/>
+              <a:t>Maryse Muller  |  Parcours Data Scientist</a:t>
+            </a:r>
+            <a:endParaRPr lang="fr-FR" dirty="0"/>
+          </a:p>
+        </p:txBody>
+      </p:sp>
+      <p:sp>
+        <p:nvSpPr>
+          <p:cNvPr id="6" name="Espace réservé du numéro de diapositive 5"/>
+          <p:cNvSpPr>
+            <a:spLocks noGrp="1"/>
+          </p:cNvSpPr>
+          <p:nvPr>
+            <p:ph type="sldNum" sz="quarter" idx="12"/>
+          </p:nvPr>
+        </p:nvSpPr>
+        <p:spPr/>
+        <p:txBody>
+          <a:bodyPr/>
+          <a:lstStyle/>
+          <a:p>
+            <a:fld id="{D384C430-F8FC-4B07-B0BC-750FA1B3CF0A}" type="slidenum">
+              <a:rPr lang="fr-FR" smtClean="0"/>
+              <a:t>15</a:t>
+            </a:fld>
+            <a:endParaRPr lang="fr-FR" dirty="0"/>
+          </a:p>
+        </p:txBody>
+      </p:sp>
+      <p:sp>
+        <p:nvSpPr>
+          <p:cNvPr id="54" name="Rectangle 53"/>
+          <p:cNvSpPr/>
+          <p:nvPr/>
+        </p:nvSpPr>
+        <p:spPr>
+          <a:xfrm>
+            <a:off x="3823854" y="1196959"/>
+            <a:ext cx="4708586" cy="45719"/>
+          </a:xfrm>
+          <a:prstGeom prst="rect">
+            <a:avLst/>
+          </a:prstGeom>
+          <a:gradFill flip="none" rotWithShape="1">
+            <a:gsLst>
+              <a:gs pos="0">
+                <a:srgbClr val="0070C0"/>
+              </a:gs>
+              <a:gs pos="100000">
+                <a:schemeClr val="accent1">
+                  <a:tint val="23500"/>
+                  <a:satMod val="160000"/>
+                  <a:alpha val="0"/>
+                </a:schemeClr>
+              </a:gs>
+            </a:gsLst>
+            <a:lin ang="10800000" scaled="1"/>
+            <a:tileRect/>
+          </a:gradFill>
+          <a:ln>
+            <a:noFill/>
+          </a:ln>
+        </p:spPr>
+        <p:style>
+          <a:lnRef idx="2">
+            <a:schemeClr val="accent1">
+              <a:shade val="50000"/>
+            </a:schemeClr>
+          </a:lnRef>
+          <a:fillRef idx="1">
+            <a:schemeClr val="accent1"/>
+          </a:fillRef>
+          <a:effectRef idx="0">
+            <a:schemeClr val="accent1"/>
+          </a:effectRef>
+          <a:fontRef idx="minor">
+            <a:schemeClr val="lt1"/>
+          </a:fontRef>
+        </p:style>
+        <p:txBody>
+          <a:bodyPr rtlCol="0" anchor="ctr"/>
+          <a:lstStyle/>
+          <a:p>
+            <a:pPr algn="ctr"/>
+            <a:endParaRPr lang="fr-FR"/>
+          </a:p>
+        </p:txBody>
+      </p:sp>
+      <p:sp>
+        <p:nvSpPr>
+          <p:cNvPr id="21" name="ZoneTexte 20"/>
+          <p:cNvSpPr txBox="1"/>
+          <p:nvPr/>
+        </p:nvSpPr>
+        <p:spPr>
+          <a:xfrm>
+            <a:off x="4212908" y="1844823"/>
+            <a:ext cx="4535555" cy="3693319"/>
+          </a:xfrm>
+          <a:prstGeom prst="rect">
+            <a:avLst/>
+          </a:prstGeom>
+          <a:noFill/>
+        </p:spPr>
+        <p:txBody>
+          <a:bodyPr wrap="square" rtlCol="0">
+            <a:spAutoFit/>
+          </a:bodyPr>
+          <a:lstStyle/>
+          <a:p>
+            <a:r>
+              <a:rPr lang="fr-FR" b="1" dirty="0" smtClean="0"/>
+              <a:t>La base de donnée nettoyée</a:t>
+            </a:r>
+          </a:p>
+          <a:p>
+            <a:endParaRPr lang="fr-FR" dirty="0" smtClean="0"/>
+          </a:p>
+          <a:p>
+            <a:pPr marL="285750" indent="-285750">
+              <a:buFontTx/>
+              <a:buChar char="-"/>
+            </a:pPr>
+            <a:r>
+              <a:rPr lang="fr-FR" dirty="0" smtClean="0">
+                <a:latin typeface="Yu Gothic Light" panose="020B0300000000000000" pitchFamily="34" charset="-128"/>
+                <a:ea typeface="Yu Gothic Light" panose="020B0300000000000000" pitchFamily="34" charset="-128"/>
+              </a:rPr>
+              <a:t>560 </a:t>
+            </a:r>
+            <a:r>
+              <a:rPr lang="fr-FR" dirty="0" smtClean="0">
+                <a:latin typeface="Yu Gothic Light" panose="020B0300000000000000" pitchFamily="34" charset="-128"/>
+                <a:ea typeface="Yu Gothic Light" panose="020B0300000000000000" pitchFamily="34" charset="-128"/>
+              </a:rPr>
+              <a:t>000 produits différents</a:t>
+            </a:r>
+          </a:p>
+          <a:p>
+            <a:pPr marL="285750" indent="-285750">
+              <a:buFontTx/>
+              <a:buChar char="-"/>
+            </a:pPr>
+            <a:r>
+              <a:rPr lang="fr-FR" dirty="0" smtClean="0">
+                <a:latin typeface="Yu Gothic Light" panose="020B0300000000000000" pitchFamily="34" charset="-128"/>
+                <a:ea typeface="Yu Gothic Light" panose="020B0300000000000000" pitchFamily="34" charset="-128"/>
+              </a:rPr>
+              <a:t>6 variables </a:t>
+            </a:r>
+            <a:r>
+              <a:rPr lang="fr-FR" dirty="0" smtClean="0">
+                <a:latin typeface="Yu Gothic Light" panose="020B0300000000000000" pitchFamily="34" charset="-128"/>
+                <a:ea typeface="Yu Gothic Light" panose="020B0300000000000000" pitchFamily="34" charset="-128"/>
+              </a:rPr>
+              <a:t>quantitatives principales</a:t>
+            </a:r>
+            <a:endParaRPr lang="fr-FR" dirty="0" smtClean="0">
+              <a:latin typeface="Yu Gothic Light" panose="020B0300000000000000" pitchFamily="34" charset="-128"/>
+              <a:ea typeface="Yu Gothic Light" panose="020B0300000000000000" pitchFamily="34" charset="-128"/>
+            </a:endParaRPr>
+          </a:p>
+          <a:p>
+            <a:pPr marL="285750" indent="-285750">
+              <a:buFontTx/>
+              <a:buChar char="-"/>
+            </a:pPr>
+            <a:endParaRPr lang="fr-FR" dirty="0">
+              <a:latin typeface="Yu Gothic Light" panose="020B0300000000000000" pitchFamily="34" charset="-128"/>
+              <a:ea typeface="Yu Gothic Light" panose="020B0300000000000000" pitchFamily="34" charset="-128"/>
+            </a:endParaRPr>
+          </a:p>
+          <a:p>
+            <a:r>
+              <a:rPr lang="fr-FR" b="1" dirty="0" smtClean="0"/>
+              <a:t>Les liens entre les variables</a:t>
+            </a:r>
+            <a:endParaRPr lang="fr-FR" b="1" dirty="0"/>
+          </a:p>
+          <a:p>
+            <a:endParaRPr lang="fr-FR" dirty="0"/>
+          </a:p>
+          <a:p>
+            <a:pPr marL="285750" indent="-285750">
+              <a:buFontTx/>
+              <a:buChar char="-"/>
+            </a:pPr>
+            <a:endParaRPr lang="fr-FR" dirty="0" smtClean="0"/>
+          </a:p>
+          <a:p>
+            <a:r>
+              <a:rPr lang="fr-FR" b="1" dirty="0" smtClean="0"/>
+              <a:t>Ajustements du projet</a:t>
+            </a:r>
+            <a:endParaRPr lang="fr-FR" b="1" dirty="0"/>
+          </a:p>
+          <a:p>
+            <a:endParaRPr lang="fr-FR" dirty="0"/>
+          </a:p>
+          <a:p>
+            <a:pPr marL="285750" indent="-285750">
+              <a:buFontTx/>
+              <a:buChar char="-"/>
+            </a:pPr>
+            <a:r>
+              <a:rPr lang="fr-FR" dirty="0">
+                <a:latin typeface="Yu Gothic Light" panose="020B0300000000000000" pitchFamily="34" charset="-128"/>
+                <a:ea typeface="Yu Gothic Light" panose="020B0300000000000000" pitchFamily="34" charset="-128"/>
+              </a:rPr>
+              <a:t>125</a:t>
+            </a:r>
+          </a:p>
+          <a:p>
+            <a:pPr marL="285750" indent="-285750">
+              <a:buFontTx/>
+              <a:buChar char="-"/>
+            </a:pPr>
+            <a:endParaRPr lang="fr-FR" dirty="0" smtClean="0"/>
+          </a:p>
+          <a:p>
+            <a:endParaRPr lang="fr-FR" dirty="0"/>
+          </a:p>
+        </p:txBody>
+      </p:sp>
+      <p:grpSp>
+        <p:nvGrpSpPr>
+          <p:cNvPr id="10" name="Groupe 9"/>
+          <p:cNvGrpSpPr/>
+          <p:nvPr/>
+        </p:nvGrpSpPr>
+        <p:grpSpPr>
+          <a:xfrm>
+            <a:off x="251521" y="1628801"/>
+            <a:ext cx="3744414" cy="4464495"/>
+            <a:chOff x="251521" y="1628801"/>
+            <a:chExt cx="3744414" cy="4464495"/>
+          </a:xfrm>
+        </p:grpSpPr>
+        <p:sp>
+          <p:nvSpPr>
+            <p:cNvPr id="19" name="Rectangle à coins arrondis 18"/>
+            <p:cNvSpPr/>
+            <p:nvPr/>
+          </p:nvSpPr>
+          <p:spPr>
+            <a:xfrm>
+              <a:off x="251521" y="1628801"/>
+              <a:ext cx="3572334" cy="4464495"/>
+            </a:xfrm>
+            <a:prstGeom prst="roundRect">
+              <a:avLst/>
+            </a:prstGeom>
+            <a:solidFill>
+              <a:schemeClr val="bg1"/>
+            </a:solidFill>
+            <a:ln>
+              <a:solidFill>
+                <a:schemeClr val="bg1">
+                  <a:lumMod val="65000"/>
+                </a:schemeClr>
+              </a:solidFill>
+            </a:ln>
+          </p:spPr>
+          <p:style>
+            <a:lnRef idx="2">
+              <a:schemeClr val="accent1">
+                <a:shade val="50000"/>
+              </a:schemeClr>
+            </a:lnRef>
+            <a:fillRef idx="1">
+              <a:schemeClr val="accent1"/>
+            </a:fillRef>
+            <a:effectRef idx="0">
+              <a:schemeClr val="accent1"/>
+            </a:effectRef>
+            <a:fontRef idx="minor">
+              <a:schemeClr val="lt1"/>
+            </a:fontRef>
+          </p:style>
+          <p:txBody>
+            <a:bodyPr rtlCol="0" anchor="ctr"/>
+            <a:lstStyle/>
+            <a:p>
+              <a:pPr algn="ctr"/>
+              <a:endParaRPr lang="fr-FR" dirty="0"/>
+            </a:p>
+          </p:txBody>
+        </p:sp>
+        <p:sp>
+          <p:nvSpPr>
+            <p:cNvPr id="3" name="ZoneTexte 2"/>
+            <p:cNvSpPr txBox="1"/>
+            <p:nvPr/>
+          </p:nvSpPr>
+          <p:spPr>
+            <a:xfrm>
+              <a:off x="467544" y="1844824"/>
+              <a:ext cx="3528391" cy="3970318"/>
+            </a:xfrm>
+            <a:prstGeom prst="rect">
+              <a:avLst/>
+            </a:prstGeom>
+            <a:noFill/>
+          </p:spPr>
+          <p:txBody>
+            <a:bodyPr wrap="square" rtlCol="0">
+              <a:spAutoFit/>
+            </a:bodyPr>
+            <a:lstStyle/>
+            <a:p>
+              <a:r>
+                <a:rPr lang="fr-FR" sz="2000" b="1" dirty="0" smtClean="0">
+                  <a:latin typeface="Yu Gothic Medium" panose="020B0500000000000000" pitchFamily="34" charset="-128"/>
+                  <a:ea typeface="Yu Gothic Medium" panose="020B0500000000000000" pitchFamily="34" charset="-128"/>
+                </a:rPr>
+                <a:t>Cahier des charges</a:t>
+              </a:r>
+            </a:p>
+            <a:p>
+              <a:endParaRPr lang="fr-FR" b="1" dirty="0" smtClean="0">
+                <a:latin typeface="+mj-lt"/>
+              </a:endParaRPr>
+            </a:p>
+            <a:p>
+              <a:r>
+                <a:rPr lang="fr-FR" dirty="0" smtClean="0"/>
+                <a:t>Une base de donnée propre</a:t>
+              </a:r>
+            </a:p>
+            <a:p>
+              <a:endParaRPr lang="fr-FR" dirty="0" smtClean="0"/>
+            </a:p>
+            <a:p>
+              <a:pPr marL="285750" indent="-285750">
+                <a:buFont typeface="Wingdings" panose="05000000000000000000" pitchFamily="2" charset="2"/>
+                <a:buChar char="q"/>
+              </a:pPr>
+              <a:r>
+                <a:rPr lang="fr-FR" dirty="0" smtClean="0">
+                  <a:latin typeface="Yu Gothic Light" panose="020B0300000000000000" pitchFamily="34" charset="-128"/>
+                  <a:ea typeface="Yu Gothic Light" panose="020B0300000000000000" pitchFamily="34" charset="-128"/>
+                </a:rPr>
+                <a:t>sans valeurs aberrantes</a:t>
+              </a:r>
+            </a:p>
+            <a:p>
+              <a:pPr marL="285750" indent="-285750">
+                <a:buFont typeface="Wingdings" panose="05000000000000000000" pitchFamily="2" charset="2"/>
+                <a:buChar char="q"/>
+              </a:pPr>
+              <a:r>
+                <a:rPr lang="fr-FR" dirty="0" smtClean="0">
+                  <a:latin typeface="Yu Gothic Light" panose="020B0300000000000000" pitchFamily="34" charset="-128"/>
+                  <a:ea typeface="Yu Gothic Light" panose="020B0300000000000000" pitchFamily="34" charset="-128"/>
+                </a:rPr>
+                <a:t>sans doublons</a:t>
+              </a:r>
+            </a:p>
+            <a:p>
+              <a:pPr marL="285750" indent="-285750">
+                <a:buFont typeface="Wingdings" panose="05000000000000000000" pitchFamily="2" charset="2"/>
+                <a:buChar char="q"/>
+              </a:pPr>
+              <a:r>
+                <a:rPr lang="fr-FR" dirty="0">
+                  <a:latin typeface="Yu Gothic Light" panose="020B0300000000000000" pitchFamily="34" charset="-128"/>
+                  <a:ea typeface="Yu Gothic Light" panose="020B0300000000000000" pitchFamily="34" charset="-128"/>
+                </a:rPr>
+                <a:t>s</a:t>
+              </a:r>
+              <a:r>
+                <a:rPr lang="fr-FR" dirty="0" smtClean="0">
+                  <a:latin typeface="Yu Gothic Light" panose="020B0300000000000000" pitchFamily="34" charset="-128"/>
+                  <a:ea typeface="Yu Gothic Light" panose="020B0300000000000000" pitchFamily="34" charset="-128"/>
+                </a:rPr>
+                <a:t>ans valeurs manquantes</a:t>
+              </a:r>
+            </a:p>
+            <a:p>
+              <a:endParaRPr lang="fr-FR" dirty="0" smtClean="0"/>
+            </a:p>
+            <a:p>
+              <a:endParaRPr lang="fr-FR" dirty="0"/>
+            </a:p>
+            <a:p>
+              <a:r>
+                <a:rPr lang="fr-FR" dirty="0" smtClean="0"/>
+                <a:t>Un contenu adapté</a:t>
+              </a:r>
+            </a:p>
+            <a:p>
+              <a:endParaRPr lang="fr-FR" dirty="0" smtClean="0">
+                <a:latin typeface="+mj-lt"/>
+              </a:endParaRPr>
+            </a:p>
+            <a:p>
+              <a:pPr marL="285750" indent="-285750">
+                <a:buFont typeface="Wingdings" panose="05000000000000000000" pitchFamily="2" charset="2"/>
+                <a:buChar char="q"/>
+              </a:pPr>
+              <a:r>
+                <a:rPr lang="fr-FR" dirty="0">
+                  <a:latin typeface="Yu Gothic Light" panose="020B0300000000000000" pitchFamily="34" charset="-128"/>
+                  <a:ea typeface="Yu Gothic Light" panose="020B0300000000000000" pitchFamily="34" charset="-128"/>
+                </a:rPr>
+                <a:t>d</a:t>
+              </a:r>
+              <a:r>
+                <a:rPr lang="fr-FR" dirty="0" smtClean="0">
+                  <a:latin typeface="Yu Gothic Light" panose="020B0300000000000000" pitchFamily="34" charset="-128"/>
+                  <a:ea typeface="Yu Gothic Light" panose="020B0300000000000000" pitchFamily="34" charset="-128"/>
+                </a:rPr>
+                <a:t>es produits identifiables</a:t>
+              </a:r>
+            </a:p>
+            <a:p>
+              <a:pPr marL="285750" indent="-285750">
+                <a:buFont typeface="Wingdings" panose="05000000000000000000" pitchFamily="2" charset="2"/>
+                <a:buChar char="q"/>
+              </a:pPr>
+              <a:r>
+                <a:rPr lang="fr-FR" dirty="0" smtClean="0">
+                  <a:latin typeface="Yu Gothic Light" panose="020B0300000000000000" pitchFamily="34" charset="-128"/>
+                  <a:ea typeface="Yu Gothic Light" panose="020B0300000000000000" pitchFamily="34" charset="-128"/>
+                </a:rPr>
+                <a:t>des catégories pertinentes</a:t>
+              </a:r>
+            </a:p>
+            <a:p>
+              <a:pPr marL="285750" indent="-285750">
+                <a:buFont typeface="Wingdings" panose="05000000000000000000" pitchFamily="2" charset="2"/>
+                <a:buChar char="q"/>
+              </a:pPr>
+              <a:r>
+                <a:rPr lang="fr-FR" dirty="0" smtClean="0">
+                  <a:latin typeface="Yu Gothic Light" panose="020B0300000000000000" pitchFamily="34" charset="-128"/>
+                  <a:ea typeface="Yu Gothic Light" panose="020B0300000000000000" pitchFamily="34" charset="-128"/>
+                </a:rPr>
+                <a:t>des données chiffrées utiles</a:t>
+              </a:r>
+            </a:p>
+          </p:txBody>
+        </p:sp>
+        <p:sp>
+          <p:nvSpPr>
+            <p:cNvPr id="7" name="Forme libre 6"/>
+            <p:cNvSpPr/>
+            <p:nvPr/>
+          </p:nvSpPr>
+          <p:spPr>
+            <a:xfrm>
+              <a:off x="550168" y="3011091"/>
+              <a:ext cx="277416" cy="200124"/>
+            </a:xfrm>
+            <a:custGeom>
+              <a:avLst/>
+              <a:gdLst>
+                <a:gd name="connsiteX0" fmla="*/ 0 w 2616200"/>
+                <a:gd name="connsiteY0" fmla="*/ 304800 h 825500"/>
+                <a:gd name="connsiteX1" fmla="*/ 152400 w 2616200"/>
+                <a:gd name="connsiteY1" fmla="*/ 342900 h 825500"/>
+                <a:gd name="connsiteX2" fmla="*/ 190500 w 2616200"/>
+                <a:gd name="connsiteY2" fmla="*/ 368300 h 825500"/>
+                <a:gd name="connsiteX3" fmla="*/ 254000 w 2616200"/>
+                <a:gd name="connsiteY3" fmla="*/ 393700 h 825500"/>
+                <a:gd name="connsiteX4" fmla="*/ 381000 w 2616200"/>
+                <a:gd name="connsiteY4" fmla="*/ 482600 h 825500"/>
+                <a:gd name="connsiteX5" fmla="*/ 431800 w 2616200"/>
+                <a:gd name="connsiteY5" fmla="*/ 495300 h 825500"/>
+                <a:gd name="connsiteX6" fmla="*/ 533400 w 2616200"/>
+                <a:gd name="connsiteY6" fmla="*/ 571500 h 825500"/>
+                <a:gd name="connsiteX7" fmla="*/ 571500 w 2616200"/>
+                <a:gd name="connsiteY7" fmla="*/ 596900 h 825500"/>
+                <a:gd name="connsiteX8" fmla="*/ 622300 w 2616200"/>
+                <a:gd name="connsiteY8" fmla="*/ 635000 h 825500"/>
+                <a:gd name="connsiteX9" fmla="*/ 673100 w 2616200"/>
+                <a:gd name="connsiteY9" fmla="*/ 711200 h 825500"/>
+                <a:gd name="connsiteX10" fmla="*/ 736600 w 2616200"/>
+                <a:gd name="connsiteY10" fmla="*/ 787400 h 825500"/>
+                <a:gd name="connsiteX11" fmla="*/ 749300 w 2616200"/>
+                <a:gd name="connsiteY11" fmla="*/ 825500 h 825500"/>
+                <a:gd name="connsiteX12" fmla="*/ 774700 w 2616200"/>
+                <a:gd name="connsiteY12" fmla="*/ 787400 h 825500"/>
+                <a:gd name="connsiteX13" fmla="*/ 787400 w 2616200"/>
+                <a:gd name="connsiteY13" fmla="*/ 749300 h 825500"/>
+                <a:gd name="connsiteX14" fmla="*/ 838200 w 2616200"/>
+                <a:gd name="connsiteY14" fmla="*/ 685800 h 825500"/>
+                <a:gd name="connsiteX15" fmla="*/ 889000 w 2616200"/>
+                <a:gd name="connsiteY15" fmla="*/ 622300 h 825500"/>
+                <a:gd name="connsiteX16" fmla="*/ 927100 w 2616200"/>
+                <a:gd name="connsiteY16" fmla="*/ 558800 h 825500"/>
+                <a:gd name="connsiteX17" fmla="*/ 1028700 w 2616200"/>
+                <a:gd name="connsiteY17" fmla="*/ 469900 h 825500"/>
+                <a:gd name="connsiteX18" fmla="*/ 1130300 w 2616200"/>
+                <a:gd name="connsiteY18" fmla="*/ 381000 h 825500"/>
+                <a:gd name="connsiteX19" fmla="*/ 1219200 w 2616200"/>
+                <a:gd name="connsiteY19" fmla="*/ 342900 h 825500"/>
+                <a:gd name="connsiteX20" fmla="*/ 1308100 w 2616200"/>
+                <a:gd name="connsiteY20" fmla="*/ 292100 h 825500"/>
+                <a:gd name="connsiteX21" fmla="*/ 1384300 w 2616200"/>
+                <a:gd name="connsiteY21" fmla="*/ 266700 h 825500"/>
+                <a:gd name="connsiteX22" fmla="*/ 1511300 w 2616200"/>
+                <a:gd name="connsiteY22" fmla="*/ 215900 h 825500"/>
+                <a:gd name="connsiteX23" fmla="*/ 1612900 w 2616200"/>
+                <a:gd name="connsiteY23" fmla="*/ 203200 h 825500"/>
+                <a:gd name="connsiteX24" fmla="*/ 1993900 w 2616200"/>
+                <a:gd name="connsiteY24" fmla="*/ 88900 h 825500"/>
+                <a:gd name="connsiteX25" fmla="*/ 2235200 w 2616200"/>
+                <a:gd name="connsiteY25" fmla="*/ 63500 h 825500"/>
+                <a:gd name="connsiteX26" fmla="*/ 2387600 w 2616200"/>
+                <a:gd name="connsiteY26" fmla="*/ 38100 h 825500"/>
+                <a:gd name="connsiteX27" fmla="*/ 2476500 w 2616200"/>
+                <a:gd name="connsiteY27" fmla="*/ 25400 h 825500"/>
+                <a:gd name="connsiteX28" fmla="*/ 2514600 w 2616200"/>
+                <a:gd name="connsiteY28" fmla="*/ 12700 h 825500"/>
+                <a:gd name="connsiteX29" fmla="*/ 2616200 w 2616200"/>
+                <a:gd name="connsiteY29" fmla="*/ 0 h 825500"/>
+              </a:gdLst>
+              <a:ahLst/>
+              <a:cxnLst>
+                <a:cxn ang="0">
+                  <a:pos x="connsiteX0" y="connsiteY0"/>
+                </a:cxn>
+                <a:cxn ang="0">
+                  <a:pos x="connsiteX1" y="connsiteY1"/>
+                </a:cxn>
+                <a:cxn ang="0">
+                  <a:pos x="connsiteX2" y="connsiteY2"/>
+                </a:cxn>
+                <a:cxn ang="0">
+                  <a:pos x="connsiteX3" y="connsiteY3"/>
+                </a:cxn>
+                <a:cxn ang="0">
+                  <a:pos x="connsiteX4" y="connsiteY4"/>
+                </a:cxn>
+                <a:cxn ang="0">
+                  <a:pos x="connsiteX5" y="connsiteY5"/>
+                </a:cxn>
+                <a:cxn ang="0">
+                  <a:pos x="connsiteX6" y="connsiteY6"/>
+                </a:cxn>
+                <a:cxn ang="0">
+                  <a:pos x="connsiteX7" y="connsiteY7"/>
+                </a:cxn>
+                <a:cxn ang="0">
+                  <a:pos x="connsiteX8" y="connsiteY8"/>
+                </a:cxn>
+                <a:cxn ang="0">
+                  <a:pos x="connsiteX9" y="connsiteY9"/>
+                </a:cxn>
+                <a:cxn ang="0">
+                  <a:pos x="connsiteX10" y="connsiteY10"/>
+                </a:cxn>
+                <a:cxn ang="0">
+                  <a:pos x="connsiteX11" y="connsiteY11"/>
+                </a:cxn>
+                <a:cxn ang="0">
+                  <a:pos x="connsiteX12" y="connsiteY12"/>
+                </a:cxn>
+                <a:cxn ang="0">
+                  <a:pos x="connsiteX13" y="connsiteY13"/>
+                </a:cxn>
+                <a:cxn ang="0">
+                  <a:pos x="connsiteX14" y="connsiteY14"/>
+                </a:cxn>
+                <a:cxn ang="0">
+                  <a:pos x="connsiteX15" y="connsiteY15"/>
+                </a:cxn>
+                <a:cxn ang="0">
+                  <a:pos x="connsiteX16" y="connsiteY16"/>
+                </a:cxn>
+                <a:cxn ang="0">
+                  <a:pos x="connsiteX17" y="connsiteY17"/>
+                </a:cxn>
+                <a:cxn ang="0">
+                  <a:pos x="connsiteX18" y="connsiteY18"/>
+                </a:cxn>
+                <a:cxn ang="0">
+                  <a:pos x="connsiteX19" y="connsiteY19"/>
+                </a:cxn>
+                <a:cxn ang="0">
+                  <a:pos x="connsiteX20" y="connsiteY20"/>
+                </a:cxn>
+                <a:cxn ang="0">
+                  <a:pos x="connsiteX21" y="connsiteY21"/>
+                </a:cxn>
+                <a:cxn ang="0">
+                  <a:pos x="connsiteX22" y="connsiteY22"/>
+                </a:cxn>
+                <a:cxn ang="0">
+                  <a:pos x="connsiteX23" y="connsiteY23"/>
+                </a:cxn>
+                <a:cxn ang="0">
+                  <a:pos x="connsiteX24" y="connsiteY24"/>
+                </a:cxn>
+                <a:cxn ang="0">
+                  <a:pos x="connsiteX25" y="connsiteY25"/>
+                </a:cxn>
+                <a:cxn ang="0">
+                  <a:pos x="connsiteX26" y="connsiteY26"/>
+                </a:cxn>
+                <a:cxn ang="0">
+                  <a:pos x="connsiteX27" y="connsiteY27"/>
+                </a:cxn>
+                <a:cxn ang="0">
+                  <a:pos x="connsiteX28" y="connsiteY28"/>
+                </a:cxn>
+                <a:cxn ang="0">
+                  <a:pos x="connsiteX29" y="connsiteY29"/>
+                </a:cxn>
+              </a:cxnLst>
+              <a:rect l="l" t="t" r="r" b="b"/>
+              <a:pathLst>
+                <a:path w="2616200" h="825500">
+                  <a:moveTo>
+                    <a:pt x="0" y="304800"/>
+                  </a:moveTo>
+                  <a:cubicBezTo>
+                    <a:pt x="50800" y="317500"/>
+                    <a:pt x="102724" y="326341"/>
+                    <a:pt x="152400" y="342900"/>
+                  </a:cubicBezTo>
+                  <a:cubicBezTo>
+                    <a:pt x="166880" y="347727"/>
+                    <a:pt x="176848" y="361474"/>
+                    <a:pt x="190500" y="368300"/>
+                  </a:cubicBezTo>
+                  <a:cubicBezTo>
+                    <a:pt x="210890" y="378495"/>
+                    <a:pt x="234072" y="382629"/>
+                    <a:pt x="254000" y="393700"/>
+                  </a:cubicBezTo>
+                  <a:cubicBezTo>
+                    <a:pt x="397357" y="473343"/>
+                    <a:pt x="188922" y="386561"/>
+                    <a:pt x="381000" y="482600"/>
+                  </a:cubicBezTo>
+                  <a:cubicBezTo>
+                    <a:pt x="396612" y="490406"/>
+                    <a:pt x="414867" y="491067"/>
+                    <a:pt x="431800" y="495300"/>
+                  </a:cubicBezTo>
+                  <a:cubicBezTo>
+                    <a:pt x="465667" y="520700"/>
+                    <a:pt x="498177" y="548018"/>
+                    <a:pt x="533400" y="571500"/>
+                  </a:cubicBezTo>
+                  <a:cubicBezTo>
+                    <a:pt x="546100" y="579967"/>
+                    <a:pt x="559080" y="588028"/>
+                    <a:pt x="571500" y="596900"/>
+                  </a:cubicBezTo>
+                  <a:cubicBezTo>
+                    <a:pt x="588724" y="609203"/>
+                    <a:pt x="608238" y="619180"/>
+                    <a:pt x="622300" y="635000"/>
+                  </a:cubicBezTo>
+                  <a:cubicBezTo>
+                    <a:pt x="642581" y="657816"/>
+                    <a:pt x="651514" y="689614"/>
+                    <a:pt x="673100" y="711200"/>
+                  </a:cubicBezTo>
+                  <a:cubicBezTo>
+                    <a:pt x="701187" y="739287"/>
+                    <a:pt x="718919" y="752037"/>
+                    <a:pt x="736600" y="787400"/>
+                  </a:cubicBezTo>
+                  <a:cubicBezTo>
+                    <a:pt x="742587" y="799374"/>
+                    <a:pt x="745067" y="812800"/>
+                    <a:pt x="749300" y="825500"/>
+                  </a:cubicBezTo>
+                  <a:cubicBezTo>
+                    <a:pt x="757767" y="812800"/>
+                    <a:pt x="767874" y="801052"/>
+                    <a:pt x="774700" y="787400"/>
+                  </a:cubicBezTo>
+                  <a:cubicBezTo>
+                    <a:pt x="780687" y="775426"/>
+                    <a:pt x="780305" y="760652"/>
+                    <a:pt x="787400" y="749300"/>
+                  </a:cubicBezTo>
+                  <a:cubicBezTo>
+                    <a:pt x="801766" y="726314"/>
+                    <a:pt x="821267" y="706967"/>
+                    <a:pt x="838200" y="685800"/>
+                  </a:cubicBezTo>
+                  <a:cubicBezTo>
+                    <a:pt x="867505" y="597886"/>
+                    <a:pt x="826333" y="695412"/>
+                    <a:pt x="889000" y="622300"/>
+                  </a:cubicBezTo>
+                  <a:cubicBezTo>
+                    <a:pt x="905064" y="603558"/>
+                    <a:pt x="912289" y="578547"/>
+                    <a:pt x="927100" y="558800"/>
+                  </a:cubicBezTo>
+                  <a:cubicBezTo>
+                    <a:pt x="951124" y="526768"/>
+                    <a:pt x="1001347" y="493834"/>
+                    <a:pt x="1028700" y="469900"/>
+                  </a:cubicBezTo>
+                  <a:cubicBezTo>
+                    <a:pt x="1072352" y="431705"/>
+                    <a:pt x="1073324" y="414236"/>
+                    <a:pt x="1130300" y="381000"/>
+                  </a:cubicBezTo>
+                  <a:cubicBezTo>
+                    <a:pt x="1158148" y="364755"/>
+                    <a:pt x="1190364" y="357318"/>
+                    <a:pt x="1219200" y="342900"/>
+                  </a:cubicBezTo>
+                  <a:cubicBezTo>
+                    <a:pt x="1249727" y="327636"/>
+                    <a:pt x="1277111" y="306403"/>
+                    <a:pt x="1308100" y="292100"/>
+                  </a:cubicBezTo>
+                  <a:cubicBezTo>
+                    <a:pt x="1332410" y="280880"/>
+                    <a:pt x="1359231" y="276101"/>
+                    <a:pt x="1384300" y="266700"/>
+                  </a:cubicBezTo>
+                  <a:cubicBezTo>
+                    <a:pt x="1426991" y="250691"/>
+                    <a:pt x="1467369" y="228103"/>
+                    <a:pt x="1511300" y="215900"/>
+                  </a:cubicBezTo>
+                  <a:cubicBezTo>
+                    <a:pt x="1544185" y="206765"/>
+                    <a:pt x="1579033" y="207433"/>
+                    <a:pt x="1612900" y="203200"/>
+                  </a:cubicBezTo>
+                  <a:cubicBezTo>
+                    <a:pt x="1724130" y="162753"/>
+                    <a:pt x="1883672" y="99923"/>
+                    <a:pt x="1993900" y="88900"/>
+                  </a:cubicBezTo>
+                  <a:lnTo>
+                    <a:pt x="2235200" y="63500"/>
+                  </a:lnTo>
+                  <a:cubicBezTo>
+                    <a:pt x="2401222" y="42747"/>
+                    <a:pt x="2254543" y="60276"/>
+                    <a:pt x="2387600" y="38100"/>
+                  </a:cubicBezTo>
+                  <a:cubicBezTo>
+                    <a:pt x="2417127" y="33179"/>
+                    <a:pt x="2446867" y="29633"/>
+                    <a:pt x="2476500" y="25400"/>
+                  </a:cubicBezTo>
+                  <a:cubicBezTo>
+                    <a:pt x="2489200" y="21167"/>
+                    <a:pt x="2501429" y="15095"/>
+                    <a:pt x="2514600" y="12700"/>
+                  </a:cubicBezTo>
+                  <a:cubicBezTo>
+                    <a:pt x="2548180" y="6595"/>
+                    <a:pt x="2616200" y="0"/>
+                    <a:pt x="2616200" y="0"/>
+                  </a:cubicBezTo>
+                </a:path>
+              </a:pathLst>
+            </a:custGeom>
+            <a:noFill/>
+            <a:ln w="38100">
+              <a:solidFill>
+                <a:srgbClr val="00B050"/>
+              </a:solidFill>
+            </a:ln>
+          </p:spPr>
+          <p:style>
+            <a:lnRef idx="2">
+              <a:schemeClr val="accent1">
+                <a:shade val="50000"/>
+              </a:schemeClr>
+            </a:lnRef>
+            <a:fillRef idx="1">
+              <a:schemeClr val="accent1"/>
+            </a:fillRef>
+            <a:effectRef idx="0">
+              <a:schemeClr val="accent1"/>
+            </a:effectRef>
+            <a:fontRef idx="minor">
+              <a:schemeClr val="lt1"/>
+            </a:fontRef>
+          </p:style>
+          <p:txBody>
+            <a:bodyPr rtlCol="0" anchor="ctr"/>
+            <a:lstStyle/>
+            <a:p>
+              <a:pPr algn="ctr"/>
+              <a:endParaRPr lang="fr-FR"/>
+            </a:p>
+          </p:txBody>
+        </p:sp>
+        <p:sp>
+          <p:nvSpPr>
+            <p:cNvPr id="23" name="Forme libre 22"/>
+            <p:cNvSpPr/>
+            <p:nvPr/>
+          </p:nvSpPr>
+          <p:spPr>
+            <a:xfrm>
+              <a:off x="539552" y="3300884"/>
+              <a:ext cx="277416" cy="200124"/>
+            </a:xfrm>
+            <a:custGeom>
+              <a:avLst/>
+              <a:gdLst>
+                <a:gd name="connsiteX0" fmla="*/ 0 w 2616200"/>
+                <a:gd name="connsiteY0" fmla="*/ 304800 h 825500"/>
+                <a:gd name="connsiteX1" fmla="*/ 152400 w 2616200"/>
+                <a:gd name="connsiteY1" fmla="*/ 342900 h 825500"/>
+                <a:gd name="connsiteX2" fmla="*/ 190500 w 2616200"/>
+                <a:gd name="connsiteY2" fmla="*/ 368300 h 825500"/>
+                <a:gd name="connsiteX3" fmla="*/ 254000 w 2616200"/>
+                <a:gd name="connsiteY3" fmla="*/ 393700 h 825500"/>
+                <a:gd name="connsiteX4" fmla="*/ 381000 w 2616200"/>
+                <a:gd name="connsiteY4" fmla="*/ 482600 h 825500"/>
+                <a:gd name="connsiteX5" fmla="*/ 431800 w 2616200"/>
+                <a:gd name="connsiteY5" fmla="*/ 495300 h 825500"/>
+                <a:gd name="connsiteX6" fmla="*/ 533400 w 2616200"/>
+                <a:gd name="connsiteY6" fmla="*/ 571500 h 825500"/>
+                <a:gd name="connsiteX7" fmla="*/ 571500 w 2616200"/>
+                <a:gd name="connsiteY7" fmla="*/ 596900 h 825500"/>
+                <a:gd name="connsiteX8" fmla="*/ 622300 w 2616200"/>
+                <a:gd name="connsiteY8" fmla="*/ 635000 h 825500"/>
+                <a:gd name="connsiteX9" fmla="*/ 673100 w 2616200"/>
+                <a:gd name="connsiteY9" fmla="*/ 711200 h 825500"/>
+                <a:gd name="connsiteX10" fmla="*/ 736600 w 2616200"/>
+                <a:gd name="connsiteY10" fmla="*/ 787400 h 825500"/>
+                <a:gd name="connsiteX11" fmla="*/ 749300 w 2616200"/>
+                <a:gd name="connsiteY11" fmla="*/ 825500 h 825500"/>
+                <a:gd name="connsiteX12" fmla="*/ 774700 w 2616200"/>
+                <a:gd name="connsiteY12" fmla="*/ 787400 h 825500"/>
+                <a:gd name="connsiteX13" fmla="*/ 787400 w 2616200"/>
+                <a:gd name="connsiteY13" fmla="*/ 749300 h 825500"/>
+                <a:gd name="connsiteX14" fmla="*/ 838200 w 2616200"/>
+                <a:gd name="connsiteY14" fmla="*/ 685800 h 825500"/>
+                <a:gd name="connsiteX15" fmla="*/ 889000 w 2616200"/>
+                <a:gd name="connsiteY15" fmla="*/ 622300 h 825500"/>
+                <a:gd name="connsiteX16" fmla="*/ 927100 w 2616200"/>
+                <a:gd name="connsiteY16" fmla="*/ 558800 h 825500"/>
+                <a:gd name="connsiteX17" fmla="*/ 1028700 w 2616200"/>
+                <a:gd name="connsiteY17" fmla="*/ 469900 h 825500"/>
+                <a:gd name="connsiteX18" fmla="*/ 1130300 w 2616200"/>
+                <a:gd name="connsiteY18" fmla="*/ 381000 h 825500"/>
+                <a:gd name="connsiteX19" fmla="*/ 1219200 w 2616200"/>
+                <a:gd name="connsiteY19" fmla="*/ 342900 h 825500"/>
+                <a:gd name="connsiteX20" fmla="*/ 1308100 w 2616200"/>
+                <a:gd name="connsiteY20" fmla="*/ 292100 h 825500"/>
+                <a:gd name="connsiteX21" fmla="*/ 1384300 w 2616200"/>
+                <a:gd name="connsiteY21" fmla="*/ 266700 h 825500"/>
+                <a:gd name="connsiteX22" fmla="*/ 1511300 w 2616200"/>
+                <a:gd name="connsiteY22" fmla="*/ 215900 h 825500"/>
+                <a:gd name="connsiteX23" fmla="*/ 1612900 w 2616200"/>
+                <a:gd name="connsiteY23" fmla="*/ 203200 h 825500"/>
+                <a:gd name="connsiteX24" fmla="*/ 1993900 w 2616200"/>
+                <a:gd name="connsiteY24" fmla="*/ 88900 h 825500"/>
+                <a:gd name="connsiteX25" fmla="*/ 2235200 w 2616200"/>
+                <a:gd name="connsiteY25" fmla="*/ 63500 h 825500"/>
+                <a:gd name="connsiteX26" fmla="*/ 2387600 w 2616200"/>
+                <a:gd name="connsiteY26" fmla="*/ 38100 h 825500"/>
+                <a:gd name="connsiteX27" fmla="*/ 2476500 w 2616200"/>
+                <a:gd name="connsiteY27" fmla="*/ 25400 h 825500"/>
+                <a:gd name="connsiteX28" fmla="*/ 2514600 w 2616200"/>
+                <a:gd name="connsiteY28" fmla="*/ 12700 h 825500"/>
+                <a:gd name="connsiteX29" fmla="*/ 2616200 w 2616200"/>
+                <a:gd name="connsiteY29" fmla="*/ 0 h 825500"/>
+              </a:gdLst>
+              <a:ahLst/>
+              <a:cxnLst>
+                <a:cxn ang="0">
+                  <a:pos x="connsiteX0" y="connsiteY0"/>
+                </a:cxn>
+                <a:cxn ang="0">
+                  <a:pos x="connsiteX1" y="connsiteY1"/>
+                </a:cxn>
+                <a:cxn ang="0">
+                  <a:pos x="connsiteX2" y="connsiteY2"/>
+                </a:cxn>
+                <a:cxn ang="0">
+                  <a:pos x="connsiteX3" y="connsiteY3"/>
+                </a:cxn>
+                <a:cxn ang="0">
+                  <a:pos x="connsiteX4" y="connsiteY4"/>
+                </a:cxn>
+                <a:cxn ang="0">
+                  <a:pos x="connsiteX5" y="connsiteY5"/>
+                </a:cxn>
+                <a:cxn ang="0">
+                  <a:pos x="connsiteX6" y="connsiteY6"/>
+                </a:cxn>
+                <a:cxn ang="0">
+                  <a:pos x="connsiteX7" y="connsiteY7"/>
+                </a:cxn>
+                <a:cxn ang="0">
+                  <a:pos x="connsiteX8" y="connsiteY8"/>
+                </a:cxn>
+                <a:cxn ang="0">
+                  <a:pos x="connsiteX9" y="connsiteY9"/>
+                </a:cxn>
+                <a:cxn ang="0">
+                  <a:pos x="connsiteX10" y="connsiteY10"/>
+                </a:cxn>
+                <a:cxn ang="0">
+                  <a:pos x="connsiteX11" y="connsiteY11"/>
+                </a:cxn>
+                <a:cxn ang="0">
+                  <a:pos x="connsiteX12" y="connsiteY12"/>
+                </a:cxn>
+                <a:cxn ang="0">
+                  <a:pos x="connsiteX13" y="connsiteY13"/>
+                </a:cxn>
+                <a:cxn ang="0">
+                  <a:pos x="connsiteX14" y="connsiteY14"/>
+                </a:cxn>
+                <a:cxn ang="0">
+                  <a:pos x="connsiteX15" y="connsiteY15"/>
+                </a:cxn>
+                <a:cxn ang="0">
+                  <a:pos x="connsiteX16" y="connsiteY16"/>
+                </a:cxn>
+                <a:cxn ang="0">
+                  <a:pos x="connsiteX17" y="connsiteY17"/>
+                </a:cxn>
+                <a:cxn ang="0">
+                  <a:pos x="connsiteX18" y="connsiteY18"/>
+                </a:cxn>
+                <a:cxn ang="0">
+                  <a:pos x="connsiteX19" y="connsiteY19"/>
+                </a:cxn>
+                <a:cxn ang="0">
+                  <a:pos x="connsiteX20" y="connsiteY20"/>
+                </a:cxn>
+                <a:cxn ang="0">
+                  <a:pos x="connsiteX21" y="connsiteY21"/>
+                </a:cxn>
+                <a:cxn ang="0">
+                  <a:pos x="connsiteX22" y="connsiteY22"/>
+                </a:cxn>
+                <a:cxn ang="0">
+                  <a:pos x="connsiteX23" y="connsiteY23"/>
+                </a:cxn>
+                <a:cxn ang="0">
+                  <a:pos x="connsiteX24" y="connsiteY24"/>
+                </a:cxn>
+                <a:cxn ang="0">
+                  <a:pos x="connsiteX25" y="connsiteY25"/>
+                </a:cxn>
+                <a:cxn ang="0">
+                  <a:pos x="connsiteX26" y="connsiteY26"/>
+                </a:cxn>
+                <a:cxn ang="0">
+                  <a:pos x="connsiteX27" y="connsiteY27"/>
+                </a:cxn>
+                <a:cxn ang="0">
+                  <a:pos x="connsiteX28" y="connsiteY28"/>
+                </a:cxn>
+                <a:cxn ang="0">
+                  <a:pos x="connsiteX29" y="connsiteY29"/>
+                </a:cxn>
+              </a:cxnLst>
+              <a:rect l="l" t="t" r="r" b="b"/>
+              <a:pathLst>
+                <a:path w="2616200" h="825500">
+                  <a:moveTo>
+                    <a:pt x="0" y="304800"/>
+                  </a:moveTo>
+                  <a:cubicBezTo>
+                    <a:pt x="50800" y="317500"/>
+                    <a:pt x="102724" y="326341"/>
+                    <a:pt x="152400" y="342900"/>
+                  </a:cubicBezTo>
+                  <a:cubicBezTo>
+                    <a:pt x="166880" y="347727"/>
+                    <a:pt x="176848" y="361474"/>
+                    <a:pt x="190500" y="368300"/>
+                  </a:cubicBezTo>
+                  <a:cubicBezTo>
+                    <a:pt x="210890" y="378495"/>
+                    <a:pt x="234072" y="382629"/>
+                    <a:pt x="254000" y="393700"/>
+                  </a:cubicBezTo>
+                  <a:cubicBezTo>
+                    <a:pt x="397357" y="473343"/>
+                    <a:pt x="188922" y="386561"/>
+                    <a:pt x="381000" y="482600"/>
+                  </a:cubicBezTo>
+                  <a:cubicBezTo>
+                    <a:pt x="396612" y="490406"/>
+                    <a:pt x="414867" y="491067"/>
+                    <a:pt x="431800" y="495300"/>
+                  </a:cubicBezTo>
+                  <a:cubicBezTo>
+                    <a:pt x="465667" y="520700"/>
+                    <a:pt x="498177" y="548018"/>
+                    <a:pt x="533400" y="571500"/>
+                  </a:cubicBezTo>
+                  <a:cubicBezTo>
+                    <a:pt x="546100" y="579967"/>
+                    <a:pt x="559080" y="588028"/>
+                    <a:pt x="571500" y="596900"/>
+                  </a:cubicBezTo>
+                  <a:cubicBezTo>
+                    <a:pt x="588724" y="609203"/>
+                    <a:pt x="608238" y="619180"/>
+                    <a:pt x="622300" y="635000"/>
+                  </a:cubicBezTo>
+                  <a:cubicBezTo>
+                    <a:pt x="642581" y="657816"/>
+                    <a:pt x="651514" y="689614"/>
+                    <a:pt x="673100" y="711200"/>
+                  </a:cubicBezTo>
+                  <a:cubicBezTo>
+                    <a:pt x="701187" y="739287"/>
+                    <a:pt x="718919" y="752037"/>
+                    <a:pt x="736600" y="787400"/>
+                  </a:cubicBezTo>
+                  <a:cubicBezTo>
+                    <a:pt x="742587" y="799374"/>
+                    <a:pt x="745067" y="812800"/>
+                    <a:pt x="749300" y="825500"/>
+                  </a:cubicBezTo>
+                  <a:cubicBezTo>
+                    <a:pt x="757767" y="812800"/>
+                    <a:pt x="767874" y="801052"/>
+                    <a:pt x="774700" y="787400"/>
+                  </a:cubicBezTo>
+                  <a:cubicBezTo>
+                    <a:pt x="780687" y="775426"/>
+                    <a:pt x="780305" y="760652"/>
+                    <a:pt x="787400" y="749300"/>
+                  </a:cubicBezTo>
+                  <a:cubicBezTo>
+                    <a:pt x="801766" y="726314"/>
+                    <a:pt x="821267" y="706967"/>
+                    <a:pt x="838200" y="685800"/>
+                  </a:cubicBezTo>
+                  <a:cubicBezTo>
+                    <a:pt x="867505" y="597886"/>
+                    <a:pt x="826333" y="695412"/>
+                    <a:pt x="889000" y="622300"/>
+                  </a:cubicBezTo>
+                  <a:cubicBezTo>
+                    <a:pt x="905064" y="603558"/>
+                    <a:pt x="912289" y="578547"/>
+                    <a:pt x="927100" y="558800"/>
+                  </a:cubicBezTo>
+                  <a:cubicBezTo>
+                    <a:pt x="951124" y="526768"/>
+                    <a:pt x="1001347" y="493834"/>
+                    <a:pt x="1028700" y="469900"/>
+                  </a:cubicBezTo>
+                  <a:cubicBezTo>
+                    <a:pt x="1072352" y="431705"/>
+                    <a:pt x="1073324" y="414236"/>
+                    <a:pt x="1130300" y="381000"/>
+                  </a:cubicBezTo>
+                  <a:cubicBezTo>
+                    <a:pt x="1158148" y="364755"/>
+                    <a:pt x="1190364" y="357318"/>
+                    <a:pt x="1219200" y="342900"/>
+                  </a:cubicBezTo>
+                  <a:cubicBezTo>
+                    <a:pt x="1249727" y="327636"/>
+                    <a:pt x="1277111" y="306403"/>
+                    <a:pt x="1308100" y="292100"/>
+                  </a:cubicBezTo>
+                  <a:cubicBezTo>
+                    <a:pt x="1332410" y="280880"/>
+                    <a:pt x="1359231" y="276101"/>
+                    <a:pt x="1384300" y="266700"/>
+                  </a:cubicBezTo>
+                  <a:cubicBezTo>
+                    <a:pt x="1426991" y="250691"/>
+                    <a:pt x="1467369" y="228103"/>
+                    <a:pt x="1511300" y="215900"/>
+                  </a:cubicBezTo>
+                  <a:cubicBezTo>
+                    <a:pt x="1544185" y="206765"/>
+                    <a:pt x="1579033" y="207433"/>
+                    <a:pt x="1612900" y="203200"/>
+                  </a:cubicBezTo>
+                  <a:cubicBezTo>
+                    <a:pt x="1724130" y="162753"/>
+                    <a:pt x="1883672" y="99923"/>
+                    <a:pt x="1993900" y="88900"/>
+                  </a:cubicBezTo>
+                  <a:lnTo>
+                    <a:pt x="2235200" y="63500"/>
+                  </a:lnTo>
+                  <a:cubicBezTo>
+                    <a:pt x="2401222" y="42747"/>
+                    <a:pt x="2254543" y="60276"/>
+                    <a:pt x="2387600" y="38100"/>
+                  </a:cubicBezTo>
+                  <a:cubicBezTo>
+                    <a:pt x="2417127" y="33179"/>
+                    <a:pt x="2446867" y="29633"/>
+                    <a:pt x="2476500" y="25400"/>
+                  </a:cubicBezTo>
+                  <a:cubicBezTo>
+                    <a:pt x="2489200" y="21167"/>
+                    <a:pt x="2501429" y="15095"/>
+                    <a:pt x="2514600" y="12700"/>
+                  </a:cubicBezTo>
+                  <a:cubicBezTo>
+                    <a:pt x="2548180" y="6595"/>
+                    <a:pt x="2616200" y="0"/>
+                    <a:pt x="2616200" y="0"/>
+                  </a:cubicBezTo>
+                </a:path>
+              </a:pathLst>
+            </a:custGeom>
+            <a:noFill/>
+            <a:ln w="38100">
+              <a:solidFill>
+                <a:srgbClr val="00B050"/>
+              </a:solidFill>
+            </a:ln>
+          </p:spPr>
+          <p:style>
+            <a:lnRef idx="2">
+              <a:schemeClr val="accent1">
+                <a:shade val="50000"/>
+              </a:schemeClr>
+            </a:lnRef>
+            <a:fillRef idx="1">
+              <a:schemeClr val="accent1"/>
+            </a:fillRef>
+            <a:effectRef idx="0">
+              <a:schemeClr val="accent1"/>
+            </a:effectRef>
+            <a:fontRef idx="minor">
+              <a:schemeClr val="lt1"/>
+            </a:fontRef>
+          </p:style>
+          <p:txBody>
+            <a:bodyPr rtlCol="0" anchor="ctr"/>
+            <a:lstStyle/>
+            <a:p>
+              <a:pPr algn="ctr"/>
+              <a:endParaRPr lang="fr-FR"/>
+            </a:p>
+          </p:txBody>
+        </p:sp>
+        <p:sp>
+          <p:nvSpPr>
+            <p:cNvPr id="24" name="Forme libre 23"/>
+            <p:cNvSpPr/>
+            <p:nvPr/>
+          </p:nvSpPr>
+          <p:spPr>
+            <a:xfrm>
+              <a:off x="539552" y="3588916"/>
+              <a:ext cx="277416" cy="200124"/>
+            </a:xfrm>
+            <a:custGeom>
+              <a:avLst/>
+              <a:gdLst>
+                <a:gd name="connsiteX0" fmla="*/ 0 w 2616200"/>
+                <a:gd name="connsiteY0" fmla="*/ 304800 h 825500"/>
+                <a:gd name="connsiteX1" fmla="*/ 152400 w 2616200"/>
+                <a:gd name="connsiteY1" fmla="*/ 342900 h 825500"/>
+                <a:gd name="connsiteX2" fmla="*/ 190500 w 2616200"/>
+                <a:gd name="connsiteY2" fmla="*/ 368300 h 825500"/>
+                <a:gd name="connsiteX3" fmla="*/ 254000 w 2616200"/>
+                <a:gd name="connsiteY3" fmla="*/ 393700 h 825500"/>
+                <a:gd name="connsiteX4" fmla="*/ 381000 w 2616200"/>
+                <a:gd name="connsiteY4" fmla="*/ 482600 h 825500"/>
+                <a:gd name="connsiteX5" fmla="*/ 431800 w 2616200"/>
+                <a:gd name="connsiteY5" fmla="*/ 495300 h 825500"/>
+                <a:gd name="connsiteX6" fmla="*/ 533400 w 2616200"/>
+                <a:gd name="connsiteY6" fmla="*/ 571500 h 825500"/>
+                <a:gd name="connsiteX7" fmla="*/ 571500 w 2616200"/>
+                <a:gd name="connsiteY7" fmla="*/ 596900 h 825500"/>
+                <a:gd name="connsiteX8" fmla="*/ 622300 w 2616200"/>
+                <a:gd name="connsiteY8" fmla="*/ 635000 h 825500"/>
+                <a:gd name="connsiteX9" fmla="*/ 673100 w 2616200"/>
+                <a:gd name="connsiteY9" fmla="*/ 711200 h 825500"/>
+                <a:gd name="connsiteX10" fmla="*/ 736600 w 2616200"/>
+                <a:gd name="connsiteY10" fmla="*/ 787400 h 825500"/>
+                <a:gd name="connsiteX11" fmla="*/ 749300 w 2616200"/>
+                <a:gd name="connsiteY11" fmla="*/ 825500 h 825500"/>
+                <a:gd name="connsiteX12" fmla="*/ 774700 w 2616200"/>
+                <a:gd name="connsiteY12" fmla="*/ 787400 h 825500"/>
+                <a:gd name="connsiteX13" fmla="*/ 787400 w 2616200"/>
+                <a:gd name="connsiteY13" fmla="*/ 749300 h 825500"/>
+                <a:gd name="connsiteX14" fmla="*/ 838200 w 2616200"/>
+                <a:gd name="connsiteY14" fmla="*/ 685800 h 825500"/>
+                <a:gd name="connsiteX15" fmla="*/ 889000 w 2616200"/>
+                <a:gd name="connsiteY15" fmla="*/ 622300 h 825500"/>
+                <a:gd name="connsiteX16" fmla="*/ 927100 w 2616200"/>
+                <a:gd name="connsiteY16" fmla="*/ 558800 h 825500"/>
+                <a:gd name="connsiteX17" fmla="*/ 1028700 w 2616200"/>
+                <a:gd name="connsiteY17" fmla="*/ 469900 h 825500"/>
+                <a:gd name="connsiteX18" fmla="*/ 1130300 w 2616200"/>
+                <a:gd name="connsiteY18" fmla="*/ 381000 h 825500"/>
+                <a:gd name="connsiteX19" fmla="*/ 1219200 w 2616200"/>
+                <a:gd name="connsiteY19" fmla="*/ 342900 h 825500"/>
+                <a:gd name="connsiteX20" fmla="*/ 1308100 w 2616200"/>
+                <a:gd name="connsiteY20" fmla="*/ 292100 h 825500"/>
+                <a:gd name="connsiteX21" fmla="*/ 1384300 w 2616200"/>
+                <a:gd name="connsiteY21" fmla="*/ 266700 h 825500"/>
+                <a:gd name="connsiteX22" fmla="*/ 1511300 w 2616200"/>
+                <a:gd name="connsiteY22" fmla="*/ 215900 h 825500"/>
+                <a:gd name="connsiteX23" fmla="*/ 1612900 w 2616200"/>
+                <a:gd name="connsiteY23" fmla="*/ 203200 h 825500"/>
+                <a:gd name="connsiteX24" fmla="*/ 1993900 w 2616200"/>
+                <a:gd name="connsiteY24" fmla="*/ 88900 h 825500"/>
+                <a:gd name="connsiteX25" fmla="*/ 2235200 w 2616200"/>
+                <a:gd name="connsiteY25" fmla="*/ 63500 h 825500"/>
+                <a:gd name="connsiteX26" fmla="*/ 2387600 w 2616200"/>
+                <a:gd name="connsiteY26" fmla="*/ 38100 h 825500"/>
+                <a:gd name="connsiteX27" fmla="*/ 2476500 w 2616200"/>
+                <a:gd name="connsiteY27" fmla="*/ 25400 h 825500"/>
+                <a:gd name="connsiteX28" fmla="*/ 2514600 w 2616200"/>
+                <a:gd name="connsiteY28" fmla="*/ 12700 h 825500"/>
+                <a:gd name="connsiteX29" fmla="*/ 2616200 w 2616200"/>
+                <a:gd name="connsiteY29" fmla="*/ 0 h 825500"/>
+              </a:gdLst>
+              <a:ahLst/>
+              <a:cxnLst>
+                <a:cxn ang="0">
+                  <a:pos x="connsiteX0" y="connsiteY0"/>
+                </a:cxn>
+                <a:cxn ang="0">
+                  <a:pos x="connsiteX1" y="connsiteY1"/>
+                </a:cxn>
+                <a:cxn ang="0">
+                  <a:pos x="connsiteX2" y="connsiteY2"/>
+                </a:cxn>
+                <a:cxn ang="0">
+                  <a:pos x="connsiteX3" y="connsiteY3"/>
+                </a:cxn>
+                <a:cxn ang="0">
+                  <a:pos x="connsiteX4" y="connsiteY4"/>
+                </a:cxn>
+                <a:cxn ang="0">
+                  <a:pos x="connsiteX5" y="connsiteY5"/>
+                </a:cxn>
+                <a:cxn ang="0">
+                  <a:pos x="connsiteX6" y="connsiteY6"/>
+                </a:cxn>
+                <a:cxn ang="0">
+                  <a:pos x="connsiteX7" y="connsiteY7"/>
+                </a:cxn>
+                <a:cxn ang="0">
+                  <a:pos x="connsiteX8" y="connsiteY8"/>
+                </a:cxn>
+                <a:cxn ang="0">
+                  <a:pos x="connsiteX9" y="connsiteY9"/>
+                </a:cxn>
+                <a:cxn ang="0">
+                  <a:pos x="connsiteX10" y="connsiteY10"/>
+                </a:cxn>
+                <a:cxn ang="0">
+                  <a:pos x="connsiteX11" y="connsiteY11"/>
+                </a:cxn>
+                <a:cxn ang="0">
+                  <a:pos x="connsiteX12" y="connsiteY12"/>
+                </a:cxn>
+                <a:cxn ang="0">
+                  <a:pos x="connsiteX13" y="connsiteY13"/>
+                </a:cxn>
+                <a:cxn ang="0">
+                  <a:pos x="connsiteX14" y="connsiteY14"/>
+                </a:cxn>
+                <a:cxn ang="0">
+                  <a:pos x="connsiteX15" y="connsiteY15"/>
+                </a:cxn>
+                <a:cxn ang="0">
+                  <a:pos x="connsiteX16" y="connsiteY16"/>
+                </a:cxn>
+                <a:cxn ang="0">
+                  <a:pos x="connsiteX17" y="connsiteY17"/>
+                </a:cxn>
+                <a:cxn ang="0">
+                  <a:pos x="connsiteX18" y="connsiteY18"/>
+                </a:cxn>
+                <a:cxn ang="0">
+                  <a:pos x="connsiteX19" y="connsiteY19"/>
+                </a:cxn>
+                <a:cxn ang="0">
+                  <a:pos x="connsiteX20" y="connsiteY20"/>
+                </a:cxn>
+                <a:cxn ang="0">
+                  <a:pos x="connsiteX21" y="connsiteY21"/>
+                </a:cxn>
+                <a:cxn ang="0">
+                  <a:pos x="connsiteX22" y="connsiteY22"/>
+                </a:cxn>
+                <a:cxn ang="0">
+                  <a:pos x="connsiteX23" y="connsiteY23"/>
+                </a:cxn>
+                <a:cxn ang="0">
+                  <a:pos x="connsiteX24" y="connsiteY24"/>
+                </a:cxn>
+                <a:cxn ang="0">
+                  <a:pos x="connsiteX25" y="connsiteY25"/>
+                </a:cxn>
+                <a:cxn ang="0">
+                  <a:pos x="connsiteX26" y="connsiteY26"/>
+                </a:cxn>
+                <a:cxn ang="0">
+                  <a:pos x="connsiteX27" y="connsiteY27"/>
+                </a:cxn>
+                <a:cxn ang="0">
+                  <a:pos x="connsiteX28" y="connsiteY28"/>
+                </a:cxn>
+                <a:cxn ang="0">
+                  <a:pos x="connsiteX29" y="connsiteY29"/>
+                </a:cxn>
+              </a:cxnLst>
+              <a:rect l="l" t="t" r="r" b="b"/>
+              <a:pathLst>
+                <a:path w="2616200" h="825500">
+                  <a:moveTo>
+                    <a:pt x="0" y="304800"/>
+                  </a:moveTo>
+                  <a:cubicBezTo>
+                    <a:pt x="50800" y="317500"/>
+                    <a:pt x="102724" y="326341"/>
+                    <a:pt x="152400" y="342900"/>
+                  </a:cubicBezTo>
+                  <a:cubicBezTo>
+                    <a:pt x="166880" y="347727"/>
+                    <a:pt x="176848" y="361474"/>
+                    <a:pt x="190500" y="368300"/>
+                  </a:cubicBezTo>
+                  <a:cubicBezTo>
+                    <a:pt x="210890" y="378495"/>
+                    <a:pt x="234072" y="382629"/>
+                    <a:pt x="254000" y="393700"/>
+                  </a:cubicBezTo>
+                  <a:cubicBezTo>
+                    <a:pt x="397357" y="473343"/>
+                    <a:pt x="188922" y="386561"/>
+                    <a:pt x="381000" y="482600"/>
+                  </a:cubicBezTo>
+                  <a:cubicBezTo>
+                    <a:pt x="396612" y="490406"/>
+                    <a:pt x="414867" y="491067"/>
+                    <a:pt x="431800" y="495300"/>
+                  </a:cubicBezTo>
+                  <a:cubicBezTo>
+                    <a:pt x="465667" y="520700"/>
+                    <a:pt x="498177" y="548018"/>
+                    <a:pt x="533400" y="571500"/>
+                  </a:cubicBezTo>
+                  <a:cubicBezTo>
+                    <a:pt x="546100" y="579967"/>
+                    <a:pt x="559080" y="588028"/>
+                    <a:pt x="571500" y="596900"/>
+                  </a:cubicBezTo>
+                  <a:cubicBezTo>
+                    <a:pt x="588724" y="609203"/>
+                    <a:pt x="608238" y="619180"/>
+                    <a:pt x="622300" y="635000"/>
+                  </a:cubicBezTo>
+                  <a:cubicBezTo>
+                    <a:pt x="642581" y="657816"/>
+                    <a:pt x="651514" y="689614"/>
+                    <a:pt x="673100" y="711200"/>
+                  </a:cubicBezTo>
+                  <a:cubicBezTo>
+                    <a:pt x="701187" y="739287"/>
+                    <a:pt x="718919" y="752037"/>
+                    <a:pt x="736600" y="787400"/>
+                  </a:cubicBezTo>
+                  <a:cubicBezTo>
+                    <a:pt x="742587" y="799374"/>
+                    <a:pt x="745067" y="812800"/>
+                    <a:pt x="749300" y="825500"/>
+                  </a:cubicBezTo>
+                  <a:cubicBezTo>
+                    <a:pt x="757767" y="812800"/>
+                    <a:pt x="767874" y="801052"/>
+                    <a:pt x="774700" y="787400"/>
+                  </a:cubicBezTo>
+                  <a:cubicBezTo>
+                    <a:pt x="780687" y="775426"/>
+                    <a:pt x="780305" y="760652"/>
+                    <a:pt x="787400" y="749300"/>
+                  </a:cubicBezTo>
+                  <a:cubicBezTo>
+                    <a:pt x="801766" y="726314"/>
+                    <a:pt x="821267" y="706967"/>
+                    <a:pt x="838200" y="685800"/>
+                  </a:cubicBezTo>
+                  <a:cubicBezTo>
+                    <a:pt x="867505" y="597886"/>
+                    <a:pt x="826333" y="695412"/>
+                    <a:pt x="889000" y="622300"/>
+                  </a:cubicBezTo>
+                  <a:cubicBezTo>
+                    <a:pt x="905064" y="603558"/>
+                    <a:pt x="912289" y="578547"/>
+                    <a:pt x="927100" y="558800"/>
+                  </a:cubicBezTo>
+                  <a:cubicBezTo>
+                    <a:pt x="951124" y="526768"/>
+                    <a:pt x="1001347" y="493834"/>
+                    <a:pt x="1028700" y="469900"/>
+                  </a:cubicBezTo>
+                  <a:cubicBezTo>
+                    <a:pt x="1072352" y="431705"/>
+                    <a:pt x="1073324" y="414236"/>
+                    <a:pt x="1130300" y="381000"/>
+                  </a:cubicBezTo>
+                  <a:cubicBezTo>
+                    <a:pt x="1158148" y="364755"/>
+                    <a:pt x="1190364" y="357318"/>
+                    <a:pt x="1219200" y="342900"/>
+                  </a:cubicBezTo>
+                  <a:cubicBezTo>
+                    <a:pt x="1249727" y="327636"/>
+                    <a:pt x="1277111" y="306403"/>
+                    <a:pt x="1308100" y="292100"/>
+                  </a:cubicBezTo>
+                  <a:cubicBezTo>
+                    <a:pt x="1332410" y="280880"/>
+                    <a:pt x="1359231" y="276101"/>
+                    <a:pt x="1384300" y="266700"/>
+                  </a:cubicBezTo>
+                  <a:cubicBezTo>
+                    <a:pt x="1426991" y="250691"/>
+                    <a:pt x="1467369" y="228103"/>
+                    <a:pt x="1511300" y="215900"/>
+                  </a:cubicBezTo>
+                  <a:cubicBezTo>
+                    <a:pt x="1544185" y="206765"/>
+                    <a:pt x="1579033" y="207433"/>
+                    <a:pt x="1612900" y="203200"/>
+                  </a:cubicBezTo>
+                  <a:cubicBezTo>
+                    <a:pt x="1724130" y="162753"/>
+                    <a:pt x="1883672" y="99923"/>
+                    <a:pt x="1993900" y="88900"/>
+                  </a:cubicBezTo>
+                  <a:lnTo>
+                    <a:pt x="2235200" y="63500"/>
+                  </a:lnTo>
+                  <a:cubicBezTo>
+                    <a:pt x="2401222" y="42747"/>
+                    <a:pt x="2254543" y="60276"/>
+                    <a:pt x="2387600" y="38100"/>
+                  </a:cubicBezTo>
+                  <a:cubicBezTo>
+                    <a:pt x="2417127" y="33179"/>
+                    <a:pt x="2446867" y="29633"/>
+                    <a:pt x="2476500" y="25400"/>
+                  </a:cubicBezTo>
+                  <a:cubicBezTo>
+                    <a:pt x="2489200" y="21167"/>
+                    <a:pt x="2501429" y="15095"/>
+                    <a:pt x="2514600" y="12700"/>
+                  </a:cubicBezTo>
+                  <a:cubicBezTo>
+                    <a:pt x="2548180" y="6595"/>
+                    <a:pt x="2616200" y="0"/>
+                    <a:pt x="2616200" y="0"/>
+                  </a:cubicBezTo>
+                </a:path>
+              </a:pathLst>
+            </a:custGeom>
+            <a:noFill/>
+            <a:ln w="38100">
+              <a:solidFill>
+                <a:srgbClr val="00B050"/>
+              </a:solidFill>
+            </a:ln>
+          </p:spPr>
+          <p:style>
+            <a:lnRef idx="2">
+              <a:schemeClr val="accent1">
+                <a:shade val="50000"/>
+              </a:schemeClr>
+            </a:lnRef>
+            <a:fillRef idx="1">
+              <a:schemeClr val="accent1"/>
+            </a:fillRef>
+            <a:effectRef idx="0">
+              <a:schemeClr val="accent1"/>
+            </a:effectRef>
+            <a:fontRef idx="minor">
+              <a:schemeClr val="lt1"/>
+            </a:fontRef>
+          </p:style>
+          <p:txBody>
+            <a:bodyPr rtlCol="0" anchor="ctr"/>
+            <a:lstStyle/>
+            <a:p>
+              <a:pPr algn="ctr"/>
+              <a:endParaRPr lang="fr-FR"/>
+            </a:p>
+          </p:txBody>
+        </p:sp>
+        <p:sp>
+          <p:nvSpPr>
+            <p:cNvPr id="25" name="Forme libre 24"/>
+            <p:cNvSpPr/>
+            <p:nvPr/>
+          </p:nvSpPr>
+          <p:spPr>
+            <a:xfrm>
+              <a:off x="550168" y="4939407"/>
+              <a:ext cx="277416" cy="200124"/>
+            </a:xfrm>
+            <a:custGeom>
+              <a:avLst/>
+              <a:gdLst>
+                <a:gd name="connsiteX0" fmla="*/ 0 w 2616200"/>
+                <a:gd name="connsiteY0" fmla="*/ 304800 h 825500"/>
+                <a:gd name="connsiteX1" fmla="*/ 152400 w 2616200"/>
+                <a:gd name="connsiteY1" fmla="*/ 342900 h 825500"/>
+                <a:gd name="connsiteX2" fmla="*/ 190500 w 2616200"/>
+                <a:gd name="connsiteY2" fmla="*/ 368300 h 825500"/>
+                <a:gd name="connsiteX3" fmla="*/ 254000 w 2616200"/>
+                <a:gd name="connsiteY3" fmla="*/ 393700 h 825500"/>
+                <a:gd name="connsiteX4" fmla="*/ 381000 w 2616200"/>
+                <a:gd name="connsiteY4" fmla="*/ 482600 h 825500"/>
+                <a:gd name="connsiteX5" fmla="*/ 431800 w 2616200"/>
+                <a:gd name="connsiteY5" fmla="*/ 495300 h 825500"/>
+                <a:gd name="connsiteX6" fmla="*/ 533400 w 2616200"/>
+                <a:gd name="connsiteY6" fmla="*/ 571500 h 825500"/>
+                <a:gd name="connsiteX7" fmla="*/ 571500 w 2616200"/>
+                <a:gd name="connsiteY7" fmla="*/ 596900 h 825500"/>
+                <a:gd name="connsiteX8" fmla="*/ 622300 w 2616200"/>
+                <a:gd name="connsiteY8" fmla="*/ 635000 h 825500"/>
+                <a:gd name="connsiteX9" fmla="*/ 673100 w 2616200"/>
+                <a:gd name="connsiteY9" fmla="*/ 711200 h 825500"/>
+                <a:gd name="connsiteX10" fmla="*/ 736600 w 2616200"/>
+                <a:gd name="connsiteY10" fmla="*/ 787400 h 825500"/>
+                <a:gd name="connsiteX11" fmla="*/ 749300 w 2616200"/>
+                <a:gd name="connsiteY11" fmla="*/ 825500 h 825500"/>
+                <a:gd name="connsiteX12" fmla="*/ 774700 w 2616200"/>
+                <a:gd name="connsiteY12" fmla="*/ 787400 h 825500"/>
+                <a:gd name="connsiteX13" fmla="*/ 787400 w 2616200"/>
+                <a:gd name="connsiteY13" fmla="*/ 749300 h 825500"/>
+                <a:gd name="connsiteX14" fmla="*/ 838200 w 2616200"/>
+                <a:gd name="connsiteY14" fmla="*/ 685800 h 825500"/>
+                <a:gd name="connsiteX15" fmla="*/ 889000 w 2616200"/>
+                <a:gd name="connsiteY15" fmla="*/ 622300 h 825500"/>
+                <a:gd name="connsiteX16" fmla="*/ 927100 w 2616200"/>
+                <a:gd name="connsiteY16" fmla="*/ 558800 h 825500"/>
+                <a:gd name="connsiteX17" fmla="*/ 1028700 w 2616200"/>
+                <a:gd name="connsiteY17" fmla="*/ 469900 h 825500"/>
+                <a:gd name="connsiteX18" fmla="*/ 1130300 w 2616200"/>
+                <a:gd name="connsiteY18" fmla="*/ 381000 h 825500"/>
+                <a:gd name="connsiteX19" fmla="*/ 1219200 w 2616200"/>
+                <a:gd name="connsiteY19" fmla="*/ 342900 h 825500"/>
+                <a:gd name="connsiteX20" fmla="*/ 1308100 w 2616200"/>
+                <a:gd name="connsiteY20" fmla="*/ 292100 h 825500"/>
+                <a:gd name="connsiteX21" fmla="*/ 1384300 w 2616200"/>
+                <a:gd name="connsiteY21" fmla="*/ 266700 h 825500"/>
+                <a:gd name="connsiteX22" fmla="*/ 1511300 w 2616200"/>
+                <a:gd name="connsiteY22" fmla="*/ 215900 h 825500"/>
+                <a:gd name="connsiteX23" fmla="*/ 1612900 w 2616200"/>
+                <a:gd name="connsiteY23" fmla="*/ 203200 h 825500"/>
+                <a:gd name="connsiteX24" fmla="*/ 1993900 w 2616200"/>
+                <a:gd name="connsiteY24" fmla="*/ 88900 h 825500"/>
+                <a:gd name="connsiteX25" fmla="*/ 2235200 w 2616200"/>
+                <a:gd name="connsiteY25" fmla="*/ 63500 h 825500"/>
+                <a:gd name="connsiteX26" fmla="*/ 2387600 w 2616200"/>
+                <a:gd name="connsiteY26" fmla="*/ 38100 h 825500"/>
+                <a:gd name="connsiteX27" fmla="*/ 2476500 w 2616200"/>
+                <a:gd name="connsiteY27" fmla="*/ 25400 h 825500"/>
+                <a:gd name="connsiteX28" fmla="*/ 2514600 w 2616200"/>
+                <a:gd name="connsiteY28" fmla="*/ 12700 h 825500"/>
+                <a:gd name="connsiteX29" fmla="*/ 2616200 w 2616200"/>
+                <a:gd name="connsiteY29" fmla="*/ 0 h 825500"/>
+              </a:gdLst>
+              <a:ahLst/>
+              <a:cxnLst>
+                <a:cxn ang="0">
+                  <a:pos x="connsiteX0" y="connsiteY0"/>
+                </a:cxn>
+                <a:cxn ang="0">
+                  <a:pos x="connsiteX1" y="connsiteY1"/>
+                </a:cxn>
+                <a:cxn ang="0">
+                  <a:pos x="connsiteX2" y="connsiteY2"/>
+                </a:cxn>
+                <a:cxn ang="0">
+                  <a:pos x="connsiteX3" y="connsiteY3"/>
+                </a:cxn>
+                <a:cxn ang="0">
+                  <a:pos x="connsiteX4" y="connsiteY4"/>
+                </a:cxn>
+                <a:cxn ang="0">
+                  <a:pos x="connsiteX5" y="connsiteY5"/>
+                </a:cxn>
+                <a:cxn ang="0">
+                  <a:pos x="connsiteX6" y="connsiteY6"/>
+                </a:cxn>
+                <a:cxn ang="0">
+                  <a:pos x="connsiteX7" y="connsiteY7"/>
+                </a:cxn>
+                <a:cxn ang="0">
+                  <a:pos x="connsiteX8" y="connsiteY8"/>
+                </a:cxn>
+                <a:cxn ang="0">
+                  <a:pos x="connsiteX9" y="connsiteY9"/>
+                </a:cxn>
+                <a:cxn ang="0">
+                  <a:pos x="connsiteX10" y="connsiteY10"/>
+                </a:cxn>
+                <a:cxn ang="0">
+                  <a:pos x="connsiteX11" y="connsiteY11"/>
+                </a:cxn>
+                <a:cxn ang="0">
+                  <a:pos x="connsiteX12" y="connsiteY12"/>
+                </a:cxn>
+                <a:cxn ang="0">
+                  <a:pos x="connsiteX13" y="connsiteY13"/>
+                </a:cxn>
+                <a:cxn ang="0">
+                  <a:pos x="connsiteX14" y="connsiteY14"/>
+                </a:cxn>
+                <a:cxn ang="0">
+                  <a:pos x="connsiteX15" y="connsiteY15"/>
+                </a:cxn>
+                <a:cxn ang="0">
+                  <a:pos x="connsiteX16" y="connsiteY16"/>
+                </a:cxn>
+                <a:cxn ang="0">
+                  <a:pos x="connsiteX17" y="connsiteY17"/>
+                </a:cxn>
+                <a:cxn ang="0">
+                  <a:pos x="connsiteX18" y="connsiteY18"/>
+                </a:cxn>
+                <a:cxn ang="0">
+                  <a:pos x="connsiteX19" y="connsiteY19"/>
+                </a:cxn>
+                <a:cxn ang="0">
+                  <a:pos x="connsiteX20" y="connsiteY20"/>
+                </a:cxn>
+                <a:cxn ang="0">
+                  <a:pos x="connsiteX21" y="connsiteY21"/>
+                </a:cxn>
+                <a:cxn ang="0">
+                  <a:pos x="connsiteX22" y="connsiteY22"/>
+                </a:cxn>
+                <a:cxn ang="0">
+                  <a:pos x="connsiteX23" y="connsiteY23"/>
+                </a:cxn>
+                <a:cxn ang="0">
+                  <a:pos x="connsiteX24" y="connsiteY24"/>
+                </a:cxn>
+                <a:cxn ang="0">
+                  <a:pos x="connsiteX25" y="connsiteY25"/>
+                </a:cxn>
+                <a:cxn ang="0">
+                  <a:pos x="connsiteX26" y="connsiteY26"/>
+                </a:cxn>
+                <a:cxn ang="0">
+                  <a:pos x="connsiteX27" y="connsiteY27"/>
+                </a:cxn>
+                <a:cxn ang="0">
+                  <a:pos x="connsiteX28" y="connsiteY28"/>
+                </a:cxn>
+                <a:cxn ang="0">
+                  <a:pos x="connsiteX29" y="connsiteY29"/>
+                </a:cxn>
+              </a:cxnLst>
+              <a:rect l="l" t="t" r="r" b="b"/>
+              <a:pathLst>
+                <a:path w="2616200" h="825500">
+                  <a:moveTo>
+                    <a:pt x="0" y="304800"/>
+                  </a:moveTo>
+                  <a:cubicBezTo>
+                    <a:pt x="50800" y="317500"/>
+                    <a:pt x="102724" y="326341"/>
+                    <a:pt x="152400" y="342900"/>
+                  </a:cubicBezTo>
+                  <a:cubicBezTo>
+                    <a:pt x="166880" y="347727"/>
+                    <a:pt x="176848" y="361474"/>
+                    <a:pt x="190500" y="368300"/>
+                  </a:cubicBezTo>
+                  <a:cubicBezTo>
+                    <a:pt x="210890" y="378495"/>
+                    <a:pt x="234072" y="382629"/>
+                    <a:pt x="254000" y="393700"/>
+                  </a:cubicBezTo>
+                  <a:cubicBezTo>
+                    <a:pt x="397357" y="473343"/>
+                    <a:pt x="188922" y="386561"/>
+                    <a:pt x="381000" y="482600"/>
+                  </a:cubicBezTo>
+                  <a:cubicBezTo>
+                    <a:pt x="396612" y="490406"/>
+                    <a:pt x="414867" y="491067"/>
+                    <a:pt x="431800" y="495300"/>
+                  </a:cubicBezTo>
+                  <a:cubicBezTo>
+                    <a:pt x="465667" y="520700"/>
+                    <a:pt x="498177" y="548018"/>
+                    <a:pt x="533400" y="571500"/>
+                  </a:cubicBezTo>
+                  <a:cubicBezTo>
+                    <a:pt x="546100" y="579967"/>
+                    <a:pt x="559080" y="588028"/>
+                    <a:pt x="571500" y="596900"/>
+                  </a:cubicBezTo>
+                  <a:cubicBezTo>
+                    <a:pt x="588724" y="609203"/>
+                    <a:pt x="608238" y="619180"/>
+                    <a:pt x="622300" y="635000"/>
+                  </a:cubicBezTo>
+                  <a:cubicBezTo>
+                    <a:pt x="642581" y="657816"/>
+                    <a:pt x="651514" y="689614"/>
+                    <a:pt x="673100" y="711200"/>
+                  </a:cubicBezTo>
+                  <a:cubicBezTo>
+                    <a:pt x="701187" y="739287"/>
+                    <a:pt x="718919" y="752037"/>
+                    <a:pt x="736600" y="787400"/>
+                  </a:cubicBezTo>
+                  <a:cubicBezTo>
+                    <a:pt x="742587" y="799374"/>
+                    <a:pt x="745067" y="812800"/>
+                    <a:pt x="749300" y="825500"/>
+                  </a:cubicBezTo>
+                  <a:cubicBezTo>
+                    <a:pt x="757767" y="812800"/>
+                    <a:pt x="767874" y="801052"/>
+                    <a:pt x="774700" y="787400"/>
+                  </a:cubicBezTo>
+                  <a:cubicBezTo>
+                    <a:pt x="780687" y="775426"/>
+                    <a:pt x="780305" y="760652"/>
+                    <a:pt x="787400" y="749300"/>
+                  </a:cubicBezTo>
+                  <a:cubicBezTo>
+                    <a:pt x="801766" y="726314"/>
+                    <a:pt x="821267" y="706967"/>
+                    <a:pt x="838200" y="685800"/>
+                  </a:cubicBezTo>
+                  <a:cubicBezTo>
+                    <a:pt x="867505" y="597886"/>
+                    <a:pt x="826333" y="695412"/>
+                    <a:pt x="889000" y="622300"/>
+                  </a:cubicBezTo>
+                  <a:cubicBezTo>
+                    <a:pt x="905064" y="603558"/>
+                    <a:pt x="912289" y="578547"/>
+                    <a:pt x="927100" y="558800"/>
+                  </a:cubicBezTo>
+                  <a:cubicBezTo>
+                    <a:pt x="951124" y="526768"/>
+                    <a:pt x="1001347" y="493834"/>
+                    <a:pt x="1028700" y="469900"/>
+                  </a:cubicBezTo>
+                  <a:cubicBezTo>
+                    <a:pt x="1072352" y="431705"/>
+                    <a:pt x="1073324" y="414236"/>
+                    <a:pt x="1130300" y="381000"/>
+                  </a:cubicBezTo>
+                  <a:cubicBezTo>
+                    <a:pt x="1158148" y="364755"/>
+                    <a:pt x="1190364" y="357318"/>
+                    <a:pt x="1219200" y="342900"/>
+                  </a:cubicBezTo>
+                  <a:cubicBezTo>
+                    <a:pt x="1249727" y="327636"/>
+                    <a:pt x="1277111" y="306403"/>
+                    <a:pt x="1308100" y="292100"/>
+                  </a:cubicBezTo>
+                  <a:cubicBezTo>
+                    <a:pt x="1332410" y="280880"/>
+                    <a:pt x="1359231" y="276101"/>
+                    <a:pt x="1384300" y="266700"/>
+                  </a:cubicBezTo>
+                  <a:cubicBezTo>
+                    <a:pt x="1426991" y="250691"/>
+                    <a:pt x="1467369" y="228103"/>
+                    <a:pt x="1511300" y="215900"/>
+                  </a:cubicBezTo>
+                  <a:cubicBezTo>
+                    <a:pt x="1544185" y="206765"/>
+                    <a:pt x="1579033" y="207433"/>
+                    <a:pt x="1612900" y="203200"/>
+                  </a:cubicBezTo>
+                  <a:cubicBezTo>
+                    <a:pt x="1724130" y="162753"/>
+                    <a:pt x="1883672" y="99923"/>
+                    <a:pt x="1993900" y="88900"/>
+                  </a:cubicBezTo>
+                  <a:lnTo>
+                    <a:pt x="2235200" y="63500"/>
+                  </a:lnTo>
+                  <a:cubicBezTo>
+                    <a:pt x="2401222" y="42747"/>
+                    <a:pt x="2254543" y="60276"/>
+                    <a:pt x="2387600" y="38100"/>
+                  </a:cubicBezTo>
+                  <a:cubicBezTo>
+                    <a:pt x="2417127" y="33179"/>
+                    <a:pt x="2446867" y="29633"/>
+                    <a:pt x="2476500" y="25400"/>
+                  </a:cubicBezTo>
+                  <a:cubicBezTo>
+                    <a:pt x="2489200" y="21167"/>
+                    <a:pt x="2501429" y="15095"/>
+                    <a:pt x="2514600" y="12700"/>
+                  </a:cubicBezTo>
+                  <a:cubicBezTo>
+                    <a:pt x="2548180" y="6595"/>
+                    <a:pt x="2616200" y="0"/>
+                    <a:pt x="2616200" y="0"/>
+                  </a:cubicBezTo>
+                </a:path>
+              </a:pathLst>
+            </a:custGeom>
+            <a:noFill/>
+            <a:ln w="38100">
+              <a:solidFill>
+                <a:srgbClr val="00B050"/>
+              </a:solidFill>
+            </a:ln>
+          </p:spPr>
+          <p:style>
+            <a:lnRef idx="2">
+              <a:schemeClr val="accent1">
+                <a:shade val="50000"/>
+              </a:schemeClr>
+            </a:lnRef>
+            <a:fillRef idx="1">
+              <a:schemeClr val="accent1"/>
+            </a:fillRef>
+            <a:effectRef idx="0">
+              <a:schemeClr val="accent1"/>
+            </a:effectRef>
+            <a:fontRef idx="minor">
+              <a:schemeClr val="lt1"/>
+            </a:fontRef>
+          </p:style>
+          <p:txBody>
+            <a:bodyPr rtlCol="0" anchor="ctr"/>
+            <a:lstStyle/>
+            <a:p>
+              <a:pPr algn="ctr"/>
+              <a:endParaRPr lang="fr-FR"/>
+            </a:p>
+          </p:txBody>
+        </p:sp>
+        <p:sp>
+          <p:nvSpPr>
+            <p:cNvPr id="26" name="Forme libre 25"/>
+            <p:cNvSpPr/>
+            <p:nvPr/>
+          </p:nvSpPr>
+          <p:spPr>
+            <a:xfrm>
+              <a:off x="539552" y="5229200"/>
+              <a:ext cx="277416" cy="200124"/>
+            </a:xfrm>
+            <a:custGeom>
+              <a:avLst/>
+              <a:gdLst>
+                <a:gd name="connsiteX0" fmla="*/ 0 w 2616200"/>
+                <a:gd name="connsiteY0" fmla="*/ 304800 h 825500"/>
+                <a:gd name="connsiteX1" fmla="*/ 152400 w 2616200"/>
+                <a:gd name="connsiteY1" fmla="*/ 342900 h 825500"/>
+                <a:gd name="connsiteX2" fmla="*/ 190500 w 2616200"/>
+                <a:gd name="connsiteY2" fmla="*/ 368300 h 825500"/>
+                <a:gd name="connsiteX3" fmla="*/ 254000 w 2616200"/>
+                <a:gd name="connsiteY3" fmla="*/ 393700 h 825500"/>
+                <a:gd name="connsiteX4" fmla="*/ 381000 w 2616200"/>
+                <a:gd name="connsiteY4" fmla="*/ 482600 h 825500"/>
+                <a:gd name="connsiteX5" fmla="*/ 431800 w 2616200"/>
+                <a:gd name="connsiteY5" fmla="*/ 495300 h 825500"/>
+                <a:gd name="connsiteX6" fmla="*/ 533400 w 2616200"/>
+                <a:gd name="connsiteY6" fmla="*/ 571500 h 825500"/>
+                <a:gd name="connsiteX7" fmla="*/ 571500 w 2616200"/>
+                <a:gd name="connsiteY7" fmla="*/ 596900 h 825500"/>
+                <a:gd name="connsiteX8" fmla="*/ 622300 w 2616200"/>
+                <a:gd name="connsiteY8" fmla="*/ 635000 h 825500"/>
+                <a:gd name="connsiteX9" fmla="*/ 673100 w 2616200"/>
+                <a:gd name="connsiteY9" fmla="*/ 711200 h 825500"/>
+                <a:gd name="connsiteX10" fmla="*/ 736600 w 2616200"/>
+                <a:gd name="connsiteY10" fmla="*/ 787400 h 825500"/>
+                <a:gd name="connsiteX11" fmla="*/ 749300 w 2616200"/>
+                <a:gd name="connsiteY11" fmla="*/ 825500 h 825500"/>
+                <a:gd name="connsiteX12" fmla="*/ 774700 w 2616200"/>
+                <a:gd name="connsiteY12" fmla="*/ 787400 h 825500"/>
+                <a:gd name="connsiteX13" fmla="*/ 787400 w 2616200"/>
+                <a:gd name="connsiteY13" fmla="*/ 749300 h 825500"/>
+                <a:gd name="connsiteX14" fmla="*/ 838200 w 2616200"/>
+                <a:gd name="connsiteY14" fmla="*/ 685800 h 825500"/>
+                <a:gd name="connsiteX15" fmla="*/ 889000 w 2616200"/>
+                <a:gd name="connsiteY15" fmla="*/ 622300 h 825500"/>
+                <a:gd name="connsiteX16" fmla="*/ 927100 w 2616200"/>
+                <a:gd name="connsiteY16" fmla="*/ 558800 h 825500"/>
+                <a:gd name="connsiteX17" fmla="*/ 1028700 w 2616200"/>
+                <a:gd name="connsiteY17" fmla="*/ 469900 h 825500"/>
+                <a:gd name="connsiteX18" fmla="*/ 1130300 w 2616200"/>
+                <a:gd name="connsiteY18" fmla="*/ 381000 h 825500"/>
+                <a:gd name="connsiteX19" fmla="*/ 1219200 w 2616200"/>
+                <a:gd name="connsiteY19" fmla="*/ 342900 h 825500"/>
+                <a:gd name="connsiteX20" fmla="*/ 1308100 w 2616200"/>
+                <a:gd name="connsiteY20" fmla="*/ 292100 h 825500"/>
+                <a:gd name="connsiteX21" fmla="*/ 1384300 w 2616200"/>
+                <a:gd name="connsiteY21" fmla="*/ 266700 h 825500"/>
+                <a:gd name="connsiteX22" fmla="*/ 1511300 w 2616200"/>
+                <a:gd name="connsiteY22" fmla="*/ 215900 h 825500"/>
+                <a:gd name="connsiteX23" fmla="*/ 1612900 w 2616200"/>
+                <a:gd name="connsiteY23" fmla="*/ 203200 h 825500"/>
+                <a:gd name="connsiteX24" fmla="*/ 1993900 w 2616200"/>
+                <a:gd name="connsiteY24" fmla="*/ 88900 h 825500"/>
+                <a:gd name="connsiteX25" fmla="*/ 2235200 w 2616200"/>
+                <a:gd name="connsiteY25" fmla="*/ 63500 h 825500"/>
+                <a:gd name="connsiteX26" fmla="*/ 2387600 w 2616200"/>
+                <a:gd name="connsiteY26" fmla="*/ 38100 h 825500"/>
+                <a:gd name="connsiteX27" fmla="*/ 2476500 w 2616200"/>
+                <a:gd name="connsiteY27" fmla="*/ 25400 h 825500"/>
+                <a:gd name="connsiteX28" fmla="*/ 2514600 w 2616200"/>
+                <a:gd name="connsiteY28" fmla="*/ 12700 h 825500"/>
+                <a:gd name="connsiteX29" fmla="*/ 2616200 w 2616200"/>
+                <a:gd name="connsiteY29" fmla="*/ 0 h 825500"/>
+              </a:gdLst>
+              <a:ahLst/>
+              <a:cxnLst>
+                <a:cxn ang="0">
+                  <a:pos x="connsiteX0" y="connsiteY0"/>
+                </a:cxn>
+                <a:cxn ang="0">
+                  <a:pos x="connsiteX1" y="connsiteY1"/>
+                </a:cxn>
+                <a:cxn ang="0">
+                  <a:pos x="connsiteX2" y="connsiteY2"/>
+                </a:cxn>
+                <a:cxn ang="0">
+                  <a:pos x="connsiteX3" y="connsiteY3"/>
+                </a:cxn>
+                <a:cxn ang="0">
+                  <a:pos x="connsiteX4" y="connsiteY4"/>
+                </a:cxn>
+                <a:cxn ang="0">
+                  <a:pos x="connsiteX5" y="connsiteY5"/>
+                </a:cxn>
+                <a:cxn ang="0">
+                  <a:pos x="connsiteX6" y="connsiteY6"/>
+                </a:cxn>
+                <a:cxn ang="0">
+                  <a:pos x="connsiteX7" y="connsiteY7"/>
+                </a:cxn>
+                <a:cxn ang="0">
+                  <a:pos x="connsiteX8" y="connsiteY8"/>
+                </a:cxn>
+                <a:cxn ang="0">
+                  <a:pos x="connsiteX9" y="connsiteY9"/>
+                </a:cxn>
+                <a:cxn ang="0">
+                  <a:pos x="connsiteX10" y="connsiteY10"/>
+                </a:cxn>
+                <a:cxn ang="0">
+                  <a:pos x="connsiteX11" y="connsiteY11"/>
+                </a:cxn>
+                <a:cxn ang="0">
+                  <a:pos x="connsiteX12" y="connsiteY12"/>
+                </a:cxn>
+                <a:cxn ang="0">
+                  <a:pos x="connsiteX13" y="connsiteY13"/>
+                </a:cxn>
+                <a:cxn ang="0">
+                  <a:pos x="connsiteX14" y="connsiteY14"/>
+                </a:cxn>
+                <a:cxn ang="0">
+                  <a:pos x="connsiteX15" y="connsiteY15"/>
+                </a:cxn>
+                <a:cxn ang="0">
+                  <a:pos x="connsiteX16" y="connsiteY16"/>
+                </a:cxn>
+                <a:cxn ang="0">
+                  <a:pos x="connsiteX17" y="connsiteY17"/>
+                </a:cxn>
+                <a:cxn ang="0">
+                  <a:pos x="connsiteX18" y="connsiteY18"/>
+                </a:cxn>
+                <a:cxn ang="0">
+                  <a:pos x="connsiteX19" y="connsiteY19"/>
+                </a:cxn>
+                <a:cxn ang="0">
+                  <a:pos x="connsiteX20" y="connsiteY20"/>
+                </a:cxn>
+                <a:cxn ang="0">
+                  <a:pos x="connsiteX21" y="connsiteY21"/>
+                </a:cxn>
+                <a:cxn ang="0">
+                  <a:pos x="connsiteX22" y="connsiteY22"/>
+                </a:cxn>
+                <a:cxn ang="0">
+                  <a:pos x="connsiteX23" y="connsiteY23"/>
+                </a:cxn>
+                <a:cxn ang="0">
+                  <a:pos x="connsiteX24" y="connsiteY24"/>
+                </a:cxn>
+                <a:cxn ang="0">
+                  <a:pos x="connsiteX25" y="connsiteY25"/>
+                </a:cxn>
+                <a:cxn ang="0">
+                  <a:pos x="connsiteX26" y="connsiteY26"/>
+                </a:cxn>
+                <a:cxn ang="0">
+                  <a:pos x="connsiteX27" y="connsiteY27"/>
+                </a:cxn>
+                <a:cxn ang="0">
+                  <a:pos x="connsiteX28" y="connsiteY28"/>
+                </a:cxn>
+                <a:cxn ang="0">
+                  <a:pos x="connsiteX29" y="connsiteY29"/>
+                </a:cxn>
+              </a:cxnLst>
+              <a:rect l="l" t="t" r="r" b="b"/>
+              <a:pathLst>
+                <a:path w="2616200" h="825500">
+                  <a:moveTo>
+                    <a:pt x="0" y="304800"/>
+                  </a:moveTo>
+                  <a:cubicBezTo>
+                    <a:pt x="50800" y="317500"/>
+                    <a:pt x="102724" y="326341"/>
+                    <a:pt x="152400" y="342900"/>
+                  </a:cubicBezTo>
+                  <a:cubicBezTo>
+                    <a:pt x="166880" y="347727"/>
+                    <a:pt x="176848" y="361474"/>
+                    <a:pt x="190500" y="368300"/>
+                  </a:cubicBezTo>
+                  <a:cubicBezTo>
+                    <a:pt x="210890" y="378495"/>
+                    <a:pt x="234072" y="382629"/>
+                    <a:pt x="254000" y="393700"/>
+                  </a:cubicBezTo>
+                  <a:cubicBezTo>
+                    <a:pt x="397357" y="473343"/>
+                    <a:pt x="188922" y="386561"/>
+                    <a:pt x="381000" y="482600"/>
+                  </a:cubicBezTo>
+                  <a:cubicBezTo>
+                    <a:pt x="396612" y="490406"/>
+                    <a:pt x="414867" y="491067"/>
+                    <a:pt x="431800" y="495300"/>
+                  </a:cubicBezTo>
+                  <a:cubicBezTo>
+                    <a:pt x="465667" y="520700"/>
+                    <a:pt x="498177" y="548018"/>
+                    <a:pt x="533400" y="571500"/>
+                  </a:cubicBezTo>
+                  <a:cubicBezTo>
+                    <a:pt x="546100" y="579967"/>
+                    <a:pt x="559080" y="588028"/>
+                    <a:pt x="571500" y="596900"/>
+                  </a:cubicBezTo>
+                  <a:cubicBezTo>
+                    <a:pt x="588724" y="609203"/>
+                    <a:pt x="608238" y="619180"/>
+                    <a:pt x="622300" y="635000"/>
+                  </a:cubicBezTo>
+                  <a:cubicBezTo>
+                    <a:pt x="642581" y="657816"/>
+                    <a:pt x="651514" y="689614"/>
+                    <a:pt x="673100" y="711200"/>
+                  </a:cubicBezTo>
+                  <a:cubicBezTo>
+                    <a:pt x="701187" y="739287"/>
+                    <a:pt x="718919" y="752037"/>
+                    <a:pt x="736600" y="787400"/>
+                  </a:cubicBezTo>
+                  <a:cubicBezTo>
+                    <a:pt x="742587" y="799374"/>
+                    <a:pt x="745067" y="812800"/>
+                    <a:pt x="749300" y="825500"/>
+                  </a:cubicBezTo>
+                  <a:cubicBezTo>
+                    <a:pt x="757767" y="812800"/>
+                    <a:pt x="767874" y="801052"/>
+                    <a:pt x="774700" y="787400"/>
+                  </a:cubicBezTo>
+                  <a:cubicBezTo>
+                    <a:pt x="780687" y="775426"/>
+                    <a:pt x="780305" y="760652"/>
+                    <a:pt x="787400" y="749300"/>
+                  </a:cubicBezTo>
+                  <a:cubicBezTo>
+                    <a:pt x="801766" y="726314"/>
+                    <a:pt x="821267" y="706967"/>
+                    <a:pt x="838200" y="685800"/>
+                  </a:cubicBezTo>
+                  <a:cubicBezTo>
+                    <a:pt x="867505" y="597886"/>
+                    <a:pt x="826333" y="695412"/>
+                    <a:pt x="889000" y="622300"/>
+                  </a:cubicBezTo>
+                  <a:cubicBezTo>
+                    <a:pt x="905064" y="603558"/>
+                    <a:pt x="912289" y="578547"/>
+                    <a:pt x="927100" y="558800"/>
+                  </a:cubicBezTo>
+                  <a:cubicBezTo>
+                    <a:pt x="951124" y="526768"/>
+                    <a:pt x="1001347" y="493834"/>
+                    <a:pt x="1028700" y="469900"/>
+                  </a:cubicBezTo>
+                  <a:cubicBezTo>
+                    <a:pt x="1072352" y="431705"/>
+                    <a:pt x="1073324" y="414236"/>
+                    <a:pt x="1130300" y="381000"/>
+                  </a:cubicBezTo>
+                  <a:cubicBezTo>
+                    <a:pt x="1158148" y="364755"/>
+                    <a:pt x="1190364" y="357318"/>
+                    <a:pt x="1219200" y="342900"/>
+                  </a:cubicBezTo>
+                  <a:cubicBezTo>
+                    <a:pt x="1249727" y="327636"/>
+                    <a:pt x="1277111" y="306403"/>
+                    <a:pt x="1308100" y="292100"/>
+                  </a:cubicBezTo>
+                  <a:cubicBezTo>
+                    <a:pt x="1332410" y="280880"/>
+                    <a:pt x="1359231" y="276101"/>
+                    <a:pt x="1384300" y="266700"/>
+                  </a:cubicBezTo>
+                  <a:cubicBezTo>
+                    <a:pt x="1426991" y="250691"/>
+                    <a:pt x="1467369" y="228103"/>
+                    <a:pt x="1511300" y="215900"/>
+                  </a:cubicBezTo>
+                  <a:cubicBezTo>
+                    <a:pt x="1544185" y="206765"/>
+                    <a:pt x="1579033" y="207433"/>
+                    <a:pt x="1612900" y="203200"/>
+                  </a:cubicBezTo>
+                  <a:cubicBezTo>
+                    <a:pt x="1724130" y="162753"/>
+                    <a:pt x="1883672" y="99923"/>
+                    <a:pt x="1993900" y="88900"/>
+                  </a:cubicBezTo>
+                  <a:lnTo>
+                    <a:pt x="2235200" y="63500"/>
+                  </a:lnTo>
+                  <a:cubicBezTo>
+                    <a:pt x="2401222" y="42747"/>
+                    <a:pt x="2254543" y="60276"/>
+                    <a:pt x="2387600" y="38100"/>
+                  </a:cubicBezTo>
+                  <a:cubicBezTo>
+                    <a:pt x="2417127" y="33179"/>
+                    <a:pt x="2446867" y="29633"/>
+                    <a:pt x="2476500" y="25400"/>
+                  </a:cubicBezTo>
+                  <a:cubicBezTo>
+                    <a:pt x="2489200" y="21167"/>
+                    <a:pt x="2501429" y="15095"/>
+                    <a:pt x="2514600" y="12700"/>
+                  </a:cubicBezTo>
+                  <a:cubicBezTo>
+                    <a:pt x="2548180" y="6595"/>
+                    <a:pt x="2616200" y="0"/>
+                    <a:pt x="2616200" y="0"/>
+                  </a:cubicBezTo>
+                </a:path>
+              </a:pathLst>
+            </a:custGeom>
+            <a:noFill/>
+            <a:ln w="38100">
+              <a:solidFill>
+                <a:srgbClr val="00B050"/>
+              </a:solidFill>
+            </a:ln>
+          </p:spPr>
+          <p:style>
+            <a:lnRef idx="2">
+              <a:schemeClr val="accent1">
+                <a:shade val="50000"/>
+              </a:schemeClr>
+            </a:lnRef>
+            <a:fillRef idx="1">
+              <a:schemeClr val="accent1"/>
+            </a:fillRef>
+            <a:effectRef idx="0">
+              <a:schemeClr val="accent1"/>
+            </a:effectRef>
+            <a:fontRef idx="minor">
+              <a:schemeClr val="lt1"/>
+            </a:fontRef>
+          </p:style>
+          <p:txBody>
+            <a:bodyPr rtlCol="0" anchor="ctr"/>
+            <a:lstStyle/>
+            <a:p>
+              <a:pPr algn="ctr"/>
+              <a:endParaRPr lang="fr-FR"/>
+            </a:p>
+          </p:txBody>
+        </p:sp>
+        <p:sp>
+          <p:nvSpPr>
+            <p:cNvPr id="27" name="Forme libre 26"/>
+            <p:cNvSpPr/>
+            <p:nvPr/>
+          </p:nvSpPr>
+          <p:spPr>
+            <a:xfrm>
+              <a:off x="539552" y="5517232"/>
+              <a:ext cx="277416" cy="200124"/>
+            </a:xfrm>
+            <a:custGeom>
+              <a:avLst/>
+              <a:gdLst>
+                <a:gd name="connsiteX0" fmla="*/ 0 w 2616200"/>
+                <a:gd name="connsiteY0" fmla="*/ 304800 h 825500"/>
+                <a:gd name="connsiteX1" fmla="*/ 152400 w 2616200"/>
+                <a:gd name="connsiteY1" fmla="*/ 342900 h 825500"/>
+                <a:gd name="connsiteX2" fmla="*/ 190500 w 2616200"/>
+                <a:gd name="connsiteY2" fmla="*/ 368300 h 825500"/>
+                <a:gd name="connsiteX3" fmla="*/ 254000 w 2616200"/>
+                <a:gd name="connsiteY3" fmla="*/ 393700 h 825500"/>
+                <a:gd name="connsiteX4" fmla="*/ 381000 w 2616200"/>
+                <a:gd name="connsiteY4" fmla="*/ 482600 h 825500"/>
+                <a:gd name="connsiteX5" fmla="*/ 431800 w 2616200"/>
+                <a:gd name="connsiteY5" fmla="*/ 495300 h 825500"/>
+                <a:gd name="connsiteX6" fmla="*/ 533400 w 2616200"/>
+                <a:gd name="connsiteY6" fmla="*/ 571500 h 825500"/>
+                <a:gd name="connsiteX7" fmla="*/ 571500 w 2616200"/>
+                <a:gd name="connsiteY7" fmla="*/ 596900 h 825500"/>
+                <a:gd name="connsiteX8" fmla="*/ 622300 w 2616200"/>
+                <a:gd name="connsiteY8" fmla="*/ 635000 h 825500"/>
+                <a:gd name="connsiteX9" fmla="*/ 673100 w 2616200"/>
+                <a:gd name="connsiteY9" fmla="*/ 711200 h 825500"/>
+                <a:gd name="connsiteX10" fmla="*/ 736600 w 2616200"/>
+                <a:gd name="connsiteY10" fmla="*/ 787400 h 825500"/>
+                <a:gd name="connsiteX11" fmla="*/ 749300 w 2616200"/>
+                <a:gd name="connsiteY11" fmla="*/ 825500 h 825500"/>
+                <a:gd name="connsiteX12" fmla="*/ 774700 w 2616200"/>
+                <a:gd name="connsiteY12" fmla="*/ 787400 h 825500"/>
+                <a:gd name="connsiteX13" fmla="*/ 787400 w 2616200"/>
+                <a:gd name="connsiteY13" fmla="*/ 749300 h 825500"/>
+                <a:gd name="connsiteX14" fmla="*/ 838200 w 2616200"/>
+                <a:gd name="connsiteY14" fmla="*/ 685800 h 825500"/>
+                <a:gd name="connsiteX15" fmla="*/ 889000 w 2616200"/>
+                <a:gd name="connsiteY15" fmla="*/ 622300 h 825500"/>
+                <a:gd name="connsiteX16" fmla="*/ 927100 w 2616200"/>
+                <a:gd name="connsiteY16" fmla="*/ 558800 h 825500"/>
+                <a:gd name="connsiteX17" fmla="*/ 1028700 w 2616200"/>
+                <a:gd name="connsiteY17" fmla="*/ 469900 h 825500"/>
+                <a:gd name="connsiteX18" fmla="*/ 1130300 w 2616200"/>
+                <a:gd name="connsiteY18" fmla="*/ 381000 h 825500"/>
+                <a:gd name="connsiteX19" fmla="*/ 1219200 w 2616200"/>
+                <a:gd name="connsiteY19" fmla="*/ 342900 h 825500"/>
+                <a:gd name="connsiteX20" fmla="*/ 1308100 w 2616200"/>
+                <a:gd name="connsiteY20" fmla="*/ 292100 h 825500"/>
+                <a:gd name="connsiteX21" fmla="*/ 1384300 w 2616200"/>
+                <a:gd name="connsiteY21" fmla="*/ 266700 h 825500"/>
+                <a:gd name="connsiteX22" fmla="*/ 1511300 w 2616200"/>
+                <a:gd name="connsiteY22" fmla="*/ 215900 h 825500"/>
+                <a:gd name="connsiteX23" fmla="*/ 1612900 w 2616200"/>
+                <a:gd name="connsiteY23" fmla="*/ 203200 h 825500"/>
+                <a:gd name="connsiteX24" fmla="*/ 1993900 w 2616200"/>
+                <a:gd name="connsiteY24" fmla="*/ 88900 h 825500"/>
+                <a:gd name="connsiteX25" fmla="*/ 2235200 w 2616200"/>
+                <a:gd name="connsiteY25" fmla="*/ 63500 h 825500"/>
+                <a:gd name="connsiteX26" fmla="*/ 2387600 w 2616200"/>
+                <a:gd name="connsiteY26" fmla="*/ 38100 h 825500"/>
+                <a:gd name="connsiteX27" fmla="*/ 2476500 w 2616200"/>
+                <a:gd name="connsiteY27" fmla="*/ 25400 h 825500"/>
+                <a:gd name="connsiteX28" fmla="*/ 2514600 w 2616200"/>
+                <a:gd name="connsiteY28" fmla="*/ 12700 h 825500"/>
+                <a:gd name="connsiteX29" fmla="*/ 2616200 w 2616200"/>
+                <a:gd name="connsiteY29" fmla="*/ 0 h 825500"/>
+              </a:gdLst>
+              <a:ahLst/>
+              <a:cxnLst>
+                <a:cxn ang="0">
+                  <a:pos x="connsiteX0" y="connsiteY0"/>
+                </a:cxn>
+                <a:cxn ang="0">
+                  <a:pos x="connsiteX1" y="connsiteY1"/>
+                </a:cxn>
+                <a:cxn ang="0">
+                  <a:pos x="connsiteX2" y="connsiteY2"/>
+                </a:cxn>
+                <a:cxn ang="0">
+                  <a:pos x="connsiteX3" y="connsiteY3"/>
+                </a:cxn>
+                <a:cxn ang="0">
+                  <a:pos x="connsiteX4" y="connsiteY4"/>
+                </a:cxn>
+                <a:cxn ang="0">
+                  <a:pos x="connsiteX5" y="connsiteY5"/>
+                </a:cxn>
+                <a:cxn ang="0">
+                  <a:pos x="connsiteX6" y="connsiteY6"/>
+                </a:cxn>
+                <a:cxn ang="0">
+                  <a:pos x="connsiteX7" y="connsiteY7"/>
+                </a:cxn>
+                <a:cxn ang="0">
+                  <a:pos x="connsiteX8" y="connsiteY8"/>
+                </a:cxn>
+                <a:cxn ang="0">
+                  <a:pos x="connsiteX9" y="connsiteY9"/>
+                </a:cxn>
+                <a:cxn ang="0">
+                  <a:pos x="connsiteX10" y="connsiteY10"/>
+                </a:cxn>
+                <a:cxn ang="0">
+                  <a:pos x="connsiteX11" y="connsiteY11"/>
+                </a:cxn>
+                <a:cxn ang="0">
+                  <a:pos x="connsiteX12" y="connsiteY12"/>
+                </a:cxn>
+                <a:cxn ang="0">
+                  <a:pos x="connsiteX13" y="connsiteY13"/>
+                </a:cxn>
+                <a:cxn ang="0">
+                  <a:pos x="connsiteX14" y="connsiteY14"/>
+                </a:cxn>
+                <a:cxn ang="0">
+                  <a:pos x="connsiteX15" y="connsiteY15"/>
+                </a:cxn>
+                <a:cxn ang="0">
+                  <a:pos x="connsiteX16" y="connsiteY16"/>
+                </a:cxn>
+                <a:cxn ang="0">
+                  <a:pos x="connsiteX17" y="connsiteY17"/>
+                </a:cxn>
+                <a:cxn ang="0">
+                  <a:pos x="connsiteX18" y="connsiteY18"/>
+                </a:cxn>
+                <a:cxn ang="0">
+                  <a:pos x="connsiteX19" y="connsiteY19"/>
+                </a:cxn>
+                <a:cxn ang="0">
+                  <a:pos x="connsiteX20" y="connsiteY20"/>
+                </a:cxn>
+                <a:cxn ang="0">
+                  <a:pos x="connsiteX21" y="connsiteY21"/>
+                </a:cxn>
+                <a:cxn ang="0">
+                  <a:pos x="connsiteX22" y="connsiteY22"/>
+                </a:cxn>
+                <a:cxn ang="0">
+                  <a:pos x="connsiteX23" y="connsiteY23"/>
+                </a:cxn>
+                <a:cxn ang="0">
+                  <a:pos x="connsiteX24" y="connsiteY24"/>
+                </a:cxn>
+                <a:cxn ang="0">
+                  <a:pos x="connsiteX25" y="connsiteY25"/>
+                </a:cxn>
+                <a:cxn ang="0">
+                  <a:pos x="connsiteX26" y="connsiteY26"/>
+                </a:cxn>
+                <a:cxn ang="0">
+                  <a:pos x="connsiteX27" y="connsiteY27"/>
+                </a:cxn>
+                <a:cxn ang="0">
+                  <a:pos x="connsiteX28" y="connsiteY28"/>
+                </a:cxn>
+                <a:cxn ang="0">
+                  <a:pos x="connsiteX29" y="connsiteY29"/>
+                </a:cxn>
+              </a:cxnLst>
+              <a:rect l="l" t="t" r="r" b="b"/>
+              <a:pathLst>
+                <a:path w="2616200" h="825500">
+                  <a:moveTo>
+                    <a:pt x="0" y="304800"/>
+                  </a:moveTo>
+                  <a:cubicBezTo>
+                    <a:pt x="50800" y="317500"/>
+                    <a:pt x="102724" y="326341"/>
+                    <a:pt x="152400" y="342900"/>
+                  </a:cubicBezTo>
+                  <a:cubicBezTo>
+                    <a:pt x="166880" y="347727"/>
+                    <a:pt x="176848" y="361474"/>
+                    <a:pt x="190500" y="368300"/>
+                  </a:cubicBezTo>
+                  <a:cubicBezTo>
+                    <a:pt x="210890" y="378495"/>
+                    <a:pt x="234072" y="382629"/>
+                    <a:pt x="254000" y="393700"/>
+                  </a:cubicBezTo>
+                  <a:cubicBezTo>
+                    <a:pt x="397357" y="473343"/>
+                    <a:pt x="188922" y="386561"/>
+                    <a:pt x="381000" y="482600"/>
+                  </a:cubicBezTo>
+                  <a:cubicBezTo>
+                    <a:pt x="396612" y="490406"/>
+                    <a:pt x="414867" y="491067"/>
+                    <a:pt x="431800" y="495300"/>
+                  </a:cubicBezTo>
+                  <a:cubicBezTo>
+                    <a:pt x="465667" y="520700"/>
+                    <a:pt x="498177" y="548018"/>
+                    <a:pt x="533400" y="571500"/>
+                  </a:cubicBezTo>
+                  <a:cubicBezTo>
+                    <a:pt x="546100" y="579967"/>
+                    <a:pt x="559080" y="588028"/>
+                    <a:pt x="571500" y="596900"/>
+                  </a:cubicBezTo>
+                  <a:cubicBezTo>
+                    <a:pt x="588724" y="609203"/>
+                    <a:pt x="608238" y="619180"/>
+                    <a:pt x="622300" y="635000"/>
+                  </a:cubicBezTo>
+                  <a:cubicBezTo>
+                    <a:pt x="642581" y="657816"/>
+                    <a:pt x="651514" y="689614"/>
+                    <a:pt x="673100" y="711200"/>
+                  </a:cubicBezTo>
+                  <a:cubicBezTo>
+                    <a:pt x="701187" y="739287"/>
+                    <a:pt x="718919" y="752037"/>
+                    <a:pt x="736600" y="787400"/>
+                  </a:cubicBezTo>
+                  <a:cubicBezTo>
+                    <a:pt x="742587" y="799374"/>
+                    <a:pt x="745067" y="812800"/>
+                    <a:pt x="749300" y="825500"/>
+                  </a:cubicBezTo>
+                  <a:cubicBezTo>
+                    <a:pt x="757767" y="812800"/>
+                    <a:pt x="767874" y="801052"/>
+                    <a:pt x="774700" y="787400"/>
+                  </a:cubicBezTo>
+                  <a:cubicBezTo>
+                    <a:pt x="780687" y="775426"/>
+                    <a:pt x="780305" y="760652"/>
+                    <a:pt x="787400" y="749300"/>
+                  </a:cubicBezTo>
+                  <a:cubicBezTo>
+                    <a:pt x="801766" y="726314"/>
+                    <a:pt x="821267" y="706967"/>
+                    <a:pt x="838200" y="685800"/>
+                  </a:cubicBezTo>
+                  <a:cubicBezTo>
+                    <a:pt x="867505" y="597886"/>
+                    <a:pt x="826333" y="695412"/>
+                    <a:pt x="889000" y="622300"/>
+                  </a:cubicBezTo>
+                  <a:cubicBezTo>
+                    <a:pt x="905064" y="603558"/>
+                    <a:pt x="912289" y="578547"/>
+                    <a:pt x="927100" y="558800"/>
+                  </a:cubicBezTo>
+                  <a:cubicBezTo>
+                    <a:pt x="951124" y="526768"/>
+                    <a:pt x="1001347" y="493834"/>
+                    <a:pt x="1028700" y="469900"/>
+                  </a:cubicBezTo>
+                  <a:cubicBezTo>
+                    <a:pt x="1072352" y="431705"/>
+                    <a:pt x="1073324" y="414236"/>
+                    <a:pt x="1130300" y="381000"/>
+                  </a:cubicBezTo>
+                  <a:cubicBezTo>
+                    <a:pt x="1158148" y="364755"/>
+                    <a:pt x="1190364" y="357318"/>
+                    <a:pt x="1219200" y="342900"/>
+                  </a:cubicBezTo>
+                  <a:cubicBezTo>
+                    <a:pt x="1249727" y="327636"/>
+                    <a:pt x="1277111" y="306403"/>
+                    <a:pt x="1308100" y="292100"/>
+                  </a:cubicBezTo>
+                  <a:cubicBezTo>
+                    <a:pt x="1332410" y="280880"/>
+                    <a:pt x="1359231" y="276101"/>
+                    <a:pt x="1384300" y="266700"/>
+                  </a:cubicBezTo>
+                  <a:cubicBezTo>
+                    <a:pt x="1426991" y="250691"/>
+                    <a:pt x="1467369" y="228103"/>
+                    <a:pt x="1511300" y="215900"/>
+                  </a:cubicBezTo>
+                  <a:cubicBezTo>
+                    <a:pt x="1544185" y="206765"/>
+                    <a:pt x="1579033" y="207433"/>
+                    <a:pt x="1612900" y="203200"/>
+                  </a:cubicBezTo>
+                  <a:cubicBezTo>
+                    <a:pt x="1724130" y="162753"/>
+                    <a:pt x="1883672" y="99923"/>
+                    <a:pt x="1993900" y="88900"/>
+                  </a:cubicBezTo>
+                  <a:lnTo>
+                    <a:pt x="2235200" y="63500"/>
+                  </a:lnTo>
+                  <a:cubicBezTo>
+                    <a:pt x="2401222" y="42747"/>
+                    <a:pt x="2254543" y="60276"/>
+                    <a:pt x="2387600" y="38100"/>
+                  </a:cubicBezTo>
+                  <a:cubicBezTo>
+                    <a:pt x="2417127" y="33179"/>
+                    <a:pt x="2446867" y="29633"/>
+                    <a:pt x="2476500" y="25400"/>
+                  </a:cubicBezTo>
+                  <a:cubicBezTo>
+                    <a:pt x="2489200" y="21167"/>
+                    <a:pt x="2501429" y="15095"/>
+                    <a:pt x="2514600" y="12700"/>
+                  </a:cubicBezTo>
+                  <a:cubicBezTo>
+                    <a:pt x="2548180" y="6595"/>
+                    <a:pt x="2616200" y="0"/>
+                    <a:pt x="2616200" y="0"/>
+                  </a:cubicBezTo>
+                </a:path>
+              </a:pathLst>
+            </a:custGeom>
+            <a:noFill/>
+            <a:ln w="38100">
+              <a:solidFill>
+                <a:srgbClr val="00B050"/>
+              </a:solidFill>
+            </a:ln>
+          </p:spPr>
+          <p:style>
+            <a:lnRef idx="2">
+              <a:schemeClr val="accent1">
+                <a:shade val="50000"/>
+              </a:schemeClr>
+            </a:lnRef>
+            <a:fillRef idx="1">
+              <a:schemeClr val="accent1"/>
+            </a:fillRef>
+            <a:effectRef idx="0">
+              <a:schemeClr val="accent1"/>
+            </a:effectRef>
+            <a:fontRef idx="minor">
+              <a:schemeClr val="lt1"/>
+            </a:fontRef>
+          </p:style>
+          <p:txBody>
+            <a:bodyPr rtlCol="0" anchor="ctr"/>
+            <a:lstStyle/>
+            <a:p>
+              <a:pPr algn="ctr"/>
+              <a:endParaRPr lang="fr-FR"/>
+            </a:p>
+          </p:txBody>
+        </p:sp>
+      </p:grpSp>
+    </p:spTree>
+    <p:extLst>
+      <p:ext uri="{BB962C8B-B14F-4D97-AF65-F5344CB8AC3E}">
+        <p14:creationId xmlns:p14="http://schemas.microsoft.com/office/powerpoint/2010/main" val="1109879631"/>
+      </p:ext>
+    </p:extLst>
+  </p:cSld>
+  <p:clrMapOvr>
+    <a:masterClrMapping/>
+  </p:clrMapOvr>
+  <p:timing>
+    <p:tnLst>
+      <p:par>
+        <p:cTn id="1" dur="indefinite" restart="never" nodeType="tmRoot"/>
+      </p:par>
+    </p:tnLst>
+  </p:timing>
+</p:sld>
+</file>
+
 <file path=ppt/slides/slide2.xml><?xml version="1.0" encoding="utf-8"?>
 <p:sld xmlns:a="http://schemas.openxmlformats.org/drawingml/2006/main" xmlns:r="http://schemas.openxmlformats.org/officeDocument/2006/relationships" xmlns:p="http://schemas.openxmlformats.org/presentationml/2006/main">
   <p:cSld>
@@ -4512,15 +9052,7 @@
             <a:pPr algn="r"/>
             <a:r>
               <a:rPr lang="fr-FR" sz="4000" b="1" dirty="0" smtClean="0"/>
-              <a:t>La Base </a:t>
-            </a:r>
-            <a:r>
-              <a:rPr lang="fr-FR" sz="4000" b="1" dirty="0" smtClean="0"/>
-              <a:t>de donnée </a:t>
-            </a:r>
-            <a:r>
-              <a:rPr lang="fr-FR" sz="4000" b="1" dirty="0" smtClean="0"/>
-              <a:t>OpenFoodFacts</a:t>
+              <a:t>La Base de donnée OpenFoodFacts</a:t>
             </a:r>
             <a:endParaRPr lang="fr-FR" sz="3200" dirty="0"/>
           </a:p>
@@ -4691,7 +9223,6 @@
               <a:rPr lang="fr-FR" dirty="0" smtClean="0"/>
               <a:t>Une application mobile</a:t>
             </a:r>
-            <a:endParaRPr lang="fr-FR" dirty="0" smtClean="0"/>
           </a:p>
           <a:p>
             <a:pPr marL="285750" indent="-285750">
@@ -5584,11 +10115,7 @@
           <a:p>
             <a:r>
               <a:rPr lang="fr-FR" dirty="0" smtClean="0"/>
-              <a:t>Une application qui </a:t>
-            </a:r>
-            <a:r>
-              <a:rPr lang="fr-FR" dirty="0" smtClean="0"/>
-              <a:t>aide le consommateur à améliorer ses habitudes de consommation</a:t>
+              <a:t>Une application qui aide le consommateur à améliorer ses habitudes de consommation</a:t>
             </a:r>
           </a:p>
           <a:p>
@@ -6981,14 +11508,7 @@
                 <a:latin typeface="Yu Gothic Light" panose="020B0300000000000000" pitchFamily="34" charset="-128"/>
                 <a:ea typeface="Yu Gothic Light" panose="020B0300000000000000" pitchFamily="34" charset="-128"/>
               </a:rPr>
-              <a:t>d</a:t>
-            </a:r>
-            <a:r>
-              <a:rPr lang="fr-FR" dirty="0" smtClean="0">
-                <a:latin typeface="Yu Gothic Light" panose="020B0300000000000000" pitchFamily="34" charset="-128"/>
-                <a:ea typeface="Yu Gothic Light" panose="020B0300000000000000" pitchFamily="34" charset="-128"/>
-              </a:rPr>
-              <a:t>es données chiffrées utiles</a:t>
+              <a:t>des données chiffrées utiles</a:t>
             </a:r>
           </a:p>
         </p:txBody>
@@ -7605,7 +12125,7 @@
         <p:spPr>
           <a:xfrm>
             <a:off x="4932040" y="1780835"/>
-            <a:ext cx="4938588" cy="3139321"/>
+            <a:ext cx="4938588" cy="3416320"/>
           </a:xfrm>
           <a:prstGeom prst="rect">
             <a:avLst/>
@@ -7622,12 +12142,9 @@
               <a:rPr lang="fr-FR" b="1" dirty="0" smtClean="0">
                 <a:latin typeface="+mj-lt"/>
               </a:rPr>
-              <a:t>Contenu </a:t>
-            </a:r>
-            <a:r>
-              <a:rPr lang="fr-FR" dirty="0" smtClean="0"/>
-              <a:t>: score quotidien</a:t>
-            </a:r>
+              <a:t>Trois types de colonnes</a:t>
+            </a:r>
+            <a:endParaRPr lang="fr-FR" dirty="0" smtClean="0"/>
           </a:p>
           <a:p>
             <a:pPr marL="285750" indent="-285750">
@@ -7639,7 +12156,7 @@
                 <a:latin typeface="Yu Gothic Light" panose="020B0300000000000000" pitchFamily="34" charset="-128"/>
                 <a:ea typeface="Yu Gothic Light" panose="020B0300000000000000" pitchFamily="34" charset="-128"/>
               </a:rPr>
-              <a:t>Liste des produits consommés</a:t>
+              <a:t>Infos produit</a:t>
             </a:r>
           </a:p>
           <a:p>
@@ -7652,8 +12169,29 @@
                 <a:latin typeface="Yu Gothic Light" panose="020B0300000000000000" pitchFamily="34" charset="-128"/>
                 <a:ea typeface="Yu Gothic Light" panose="020B0300000000000000" pitchFamily="34" charset="-128"/>
               </a:rPr>
-              <a:t>Evaluation des apports quotidiens</a:t>
-            </a:r>
+              <a:t>Catégories</a:t>
+            </a:r>
+            <a:endParaRPr lang="fr-FR" dirty="0" smtClean="0">
+              <a:latin typeface="Yu Gothic Light" panose="020B0300000000000000" pitchFamily="34" charset="-128"/>
+              <a:ea typeface="Yu Gothic Light" panose="020B0300000000000000" pitchFamily="34" charset="-128"/>
+            </a:endParaRPr>
+          </a:p>
+          <a:p>
+            <a:pPr marL="285750" indent="-285750">
+              <a:buFontTx/>
+              <a:buChar char="-"/>
+            </a:pPr>
+            <a:r>
+              <a:rPr lang="fr-FR" dirty="0" smtClean="0">
+                <a:latin typeface="Yu Gothic Light" panose="020B0300000000000000" pitchFamily="34" charset="-128"/>
+                <a:ea typeface="Yu Gothic Light" panose="020B0300000000000000" pitchFamily="34" charset="-128"/>
+              </a:rPr>
+              <a:t>Teneurs pour 100g</a:t>
+            </a:r>
+            <a:endParaRPr lang="fr-FR" dirty="0" smtClean="0">
+              <a:latin typeface="Yu Gothic Light" panose="020B0300000000000000" pitchFamily="34" charset="-128"/>
+              <a:ea typeface="Yu Gothic Light" panose="020B0300000000000000" pitchFamily="34" charset="-128"/>
+            </a:endParaRPr>
           </a:p>
           <a:p>
             <a:endParaRPr lang="fr-FR" dirty="0"/>
@@ -7663,12 +12201,9 @@
               <a:rPr lang="fr-FR" dirty="0" smtClean="0">
                 <a:latin typeface="+mj-lt"/>
               </a:rPr>
-              <a:t>Fonction 2 </a:t>
-            </a:r>
-            <a:r>
-              <a:rPr lang="fr-FR" dirty="0" smtClean="0"/>
-              <a:t>: recommandations</a:t>
-            </a:r>
+              <a:t>Nettoyage</a:t>
+            </a:r>
+            <a:endParaRPr lang="fr-FR" dirty="0" smtClean="0"/>
           </a:p>
           <a:p>
             <a:pPr marL="285750" indent="-285750">
@@ -7803,13 +12338,15 @@
       <p:grpSp>
         <p:nvGrpSpPr>
           <p:cNvPr id="9" name="Groupe 8"/>
-          <p:cNvGrpSpPr/>
+          <p:cNvGrpSpPr>
+            <a:grpSpLocks noChangeAspect="1"/>
+          </p:cNvGrpSpPr>
           <p:nvPr/>
         </p:nvGrpSpPr>
         <p:grpSpPr>
           <a:xfrm>
-            <a:off x="179512" y="1498312"/>
-            <a:ext cx="4327538" cy="4811008"/>
+            <a:off x="323528" y="1412776"/>
+            <a:ext cx="3744416" cy="4162740"/>
             <a:chOff x="305172" y="1268761"/>
             <a:chExt cx="4327538" cy="4811008"/>
           </a:xfrm>
@@ -8129,8 +12666,8 @@
         </p:nvSpPr>
         <p:spPr>
           <a:xfrm>
-            <a:off x="4932040" y="1780835"/>
-            <a:ext cx="4938588" cy="3139321"/>
+            <a:off x="107504" y="842812"/>
+            <a:ext cx="9187060" cy="3416320"/>
           </a:xfrm>
           <a:prstGeom prst="rect">
             <a:avLst/>
@@ -8143,137 +12680,142 @@
           </a:bodyPr>
           <a:lstStyle/>
           <a:p>
-            <a:r>
-              <a:rPr lang="fr-FR" b="1" dirty="0" smtClean="0">
-                <a:latin typeface="+mj-lt"/>
-              </a:rPr>
-              <a:t>Contenu </a:t>
-            </a:r>
+            <a:endParaRPr lang="fr-FR" dirty="0"/>
+          </a:p>
+          <a:p>
             <a:r>
               <a:rPr lang="fr-FR" dirty="0" smtClean="0"/>
-              <a:t>: score quotidien</a:t>
-            </a:r>
-          </a:p>
-          <a:p>
-            <a:pPr marL="285750" indent="-285750">
-              <a:buFontTx/>
-              <a:buChar char="-"/>
-            </a:pPr>
-            <a:r>
-              <a:rPr lang="fr-FR" dirty="0" smtClean="0">
-                <a:latin typeface="Yu Gothic Light" panose="020B0300000000000000" pitchFamily="34" charset="-128"/>
-                <a:ea typeface="Yu Gothic Light" panose="020B0300000000000000" pitchFamily="34" charset="-128"/>
-              </a:rPr>
-              <a:t>Liste des produits consommés</a:t>
-            </a:r>
-          </a:p>
-          <a:p>
-            <a:pPr marL="285750" indent="-285750">
-              <a:buFontTx/>
-              <a:buChar char="-"/>
-            </a:pPr>
-            <a:r>
-              <a:rPr lang="fr-FR" dirty="0" smtClean="0">
-                <a:latin typeface="Yu Gothic Light" panose="020B0300000000000000" pitchFamily="34" charset="-128"/>
-                <a:ea typeface="Yu Gothic Light" panose="020B0300000000000000" pitchFamily="34" charset="-128"/>
-              </a:rPr>
-              <a:t>Evaluation des apports quotidiens</a:t>
-            </a:r>
-          </a:p>
-          <a:p>
+              <a:t>1 Sélection des variables</a:t>
+            </a:r>
             <a:endParaRPr lang="fr-FR" dirty="0"/>
           </a:p>
           <a:p>
             <a:r>
-              <a:rPr lang="fr-FR" dirty="0" smtClean="0">
-                <a:latin typeface="+mj-lt"/>
-              </a:rPr>
-              <a:t>Fonction 2 </a:t>
-            </a:r>
-            <a:r>
               <a:rPr lang="fr-FR" dirty="0" smtClean="0"/>
-              <a:t>: recommandations</a:t>
-            </a:r>
-          </a:p>
-          <a:p>
-            <a:pPr marL="285750" indent="-285750">
-              <a:buFontTx/>
-              <a:buChar char="-"/>
-            </a:pPr>
-            <a:r>
-              <a:rPr lang="fr-FR" dirty="0" smtClean="0">
-                <a:latin typeface="Yu Gothic Light" panose="020B0300000000000000" pitchFamily="34" charset="-128"/>
-                <a:ea typeface="Yu Gothic Light" panose="020B0300000000000000" pitchFamily="34" charset="-128"/>
-              </a:rPr>
-              <a:t>Liste des axes à améliorer</a:t>
-            </a:r>
-          </a:p>
-          <a:p>
-            <a:pPr marL="285750" indent="-285750">
-              <a:buFontTx/>
-              <a:buChar char="-"/>
-            </a:pPr>
-            <a:r>
-              <a:rPr lang="fr-FR" dirty="0" smtClean="0">
-                <a:latin typeface="Yu Gothic Light" panose="020B0300000000000000" pitchFamily="34" charset="-128"/>
-                <a:ea typeface="Yu Gothic Light" panose="020B0300000000000000" pitchFamily="34" charset="-128"/>
-              </a:rPr>
-              <a:t>Navigateur de produit à remplacer</a:t>
-            </a:r>
-          </a:p>
-          <a:p>
-            <a:endParaRPr lang="fr-FR" dirty="0" smtClean="0">
-              <a:latin typeface="Yu Gothic Light" panose="020B0300000000000000" pitchFamily="34" charset="-128"/>
-              <a:ea typeface="Yu Gothic Light" panose="020B0300000000000000" pitchFamily="34" charset="-128"/>
-            </a:endParaRPr>
-          </a:p>
-          <a:p>
-            <a:r>
-              <a:rPr lang="fr-FR" dirty="0">
-                <a:latin typeface="+mj-lt"/>
-              </a:rPr>
-              <a:t>Fonction </a:t>
-            </a:r>
-            <a:r>
-              <a:rPr lang="fr-FR" dirty="0" smtClean="0">
-                <a:latin typeface="+mj-lt"/>
-              </a:rPr>
-              <a:t>3 </a:t>
-            </a:r>
+              <a:t>2 Gestion des données erronées ou aberrantes</a:t>
+            </a:r>
+            <a:endParaRPr lang="fr-FR" dirty="0"/>
+          </a:p>
+          <a:p>
             <a:r>
               <a:rPr lang="fr-FR" dirty="0"/>
-              <a:t>: </a:t>
+              <a:t>	2.0 </a:t>
             </a:r>
             <a:r>
               <a:rPr lang="fr-FR" dirty="0" smtClean="0"/>
-              <a:t>statistiques</a:t>
+              <a:t>Listes de catégories</a:t>
             </a:r>
             <a:endParaRPr lang="fr-FR" dirty="0"/>
           </a:p>
           <a:p>
-            <a:pPr marL="285750" indent="-285750">
-              <a:buFontTx/>
-              <a:buChar char="-"/>
-            </a:pPr>
-            <a:r>
-              <a:rPr lang="fr-FR" dirty="0" smtClean="0">
-                <a:latin typeface="Yu Gothic Light" panose="020B0300000000000000" pitchFamily="34" charset="-128"/>
-                <a:ea typeface="Yu Gothic Light" panose="020B0300000000000000" pitchFamily="34" charset="-128"/>
-              </a:rPr>
-              <a:t>Archivage des entrées</a:t>
-            </a:r>
-          </a:p>
-          <a:p>
-            <a:pPr marL="285750" indent="-285750">
-              <a:buFontTx/>
-              <a:buChar char="-"/>
-            </a:pPr>
-            <a:r>
-              <a:rPr lang="fr-FR" dirty="0" smtClean="0">
-                <a:latin typeface="Yu Gothic Light" panose="020B0300000000000000" pitchFamily="34" charset="-128"/>
-                <a:ea typeface="Yu Gothic Light" panose="020B0300000000000000" pitchFamily="34" charset="-128"/>
-              </a:rPr>
-              <a:t>Affichage graphique</a:t>
+            <a:r>
+              <a:rPr lang="fr-FR" dirty="0"/>
+              <a:t>	2.3 </a:t>
+            </a:r>
+            <a:r>
+              <a:rPr lang="fr-FR" dirty="0" smtClean="0"/>
+              <a:t>Colonne '</a:t>
+            </a:r>
+            <a:r>
+              <a:rPr lang="fr-FR" dirty="0" err="1" smtClean="0"/>
+              <a:t>quantity</a:t>
+            </a:r>
+            <a:r>
+              <a:rPr lang="fr-FR" dirty="0" smtClean="0"/>
+              <a:t>'</a:t>
+            </a:r>
+            <a:endParaRPr lang="fr-FR" dirty="0"/>
+          </a:p>
+          <a:p>
+            <a:r>
+              <a:rPr lang="fr-FR" dirty="0"/>
+              <a:t>	2.4 </a:t>
+            </a:r>
+            <a:r>
+              <a:rPr lang="fr-FR" dirty="0" smtClean="0"/>
+              <a:t>Teneurs pour 100g</a:t>
+            </a:r>
+            <a:endParaRPr lang="fr-FR" dirty="0"/>
+          </a:p>
+          <a:p>
+            <a:r>
+              <a:rPr lang="fr-FR" dirty="0"/>
+              <a:t>	2.5 Colonne </a:t>
+            </a:r>
+            <a:r>
+              <a:rPr lang="fr-FR" dirty="0" smtClean="0"/>
+              <a:t> 'energy_100g</a:t>
+            </a:r>
+            <a:r>
+              <a:rPr lang="fr-FR" dirty="0"/>
+              <a:t>' </a:t>
+            </a:r>
+            <a:endParaRPr lang="fr-FR" dirty="0" smtClean="0"/>
+          </a:p>
+          <a:p>
+            <a:r>
+              <a:rPr lang="fr-FR" dirty="0"/>
+              <a:t>	2.6 </a:t>
+            </a:r>
+            <a:r>
+              <a:rPr lang="fr-FR" dirty="0" smtClean="0"/>
+              <a:t>Colonnes catégorielles</a:t>
+            </a:r>
+            <a:endParaRPr lang="fr-FR" dirty="0"/>
+          </a:p>
+          <a:p>
+            <a:r>
+              <a:rPr lang="fr-FR" dirty="0"/>
+              <a:t>	2.7 '</a:t>
+            </a:r>
+            <a:r>
+              <a:rPr lang="fr-FR" dirty="0" err="1"/>
+              <a:t>nutriscore</a:t>
+            </a:r>
+            <a:r>
+              <a:rPr lang="fr-FR" dirty="0"/>
+              <a:t>' </a:t>
+            </a:r>
+            <a:r>
+              <a:rPr lang="fr-FR" dirty="0" err="1"/>
+              <a:t>columns</a:t>
+            </a:r>
+            <a:endParaRPr lang="fr-FR" dirty="0"/>
+          </a:p>
+          <a:p>
+            <a:r>
+              <a:rPr lang="fr-FR" dirty="0" smtClean="0"/>
+              <a:t>3 Gestion des doublons</a:t>
+            </a:r>
+            <a:endParaRPr lang="fr-FR" dirty="0"/>
+          </a:p>
+          <a:p>
+            <a:r>
+              <a:rPr lang="fr-FR" dirty="0" smtClean="0"/>
+              <a:t>4 Elimination des produits non indentifiables (</a:t>
+            </a:r>
+            <a:r>
+              <a:rPr lang="fr-FR" dirty="0"/>
+              <a:t>'</a:t>
+            </a:r>
+            <a:r>
+              <a:rPr lang="fr-FR" dirty="0" err="1"/>
+              <a:t>product_name</a:t>
+            </a:r>
+            <a:r>
+              <a:rPr lang="fr-FR" dirty="0"/>
+              <a:t>' , 'code</a:t>
+            </a:r>
+            <a:r>
+              <a:rPr lang="fr-FR" dirty="0" smtClean="0"/>
+              <a:t>‘)</a:t>
+            </a:r>
+            <a:endParaRPr lang="fr-FR" dirty="0"/>
+          </a:p>
+          <a:p>
+            <a:r>
+              <a:rPr lang="fr-FR" dirty="0" smtClean="0"/>
+              <a:t>5 Imputation des valeurs manquantes</a:t>
             </a:r>
             <a:endParaRPr lang="fr-FR" dirty="0" smtClean="0"/>
           </a:p>
@@ -8384,6 +12926,36 @@
           </a:p>
         </p:txBody>
       </p:sp>
+      <p:sp>
+        <p:nvSpPr>
+          <p:cNvPr id="7" name="ZoneTexte 6"/>
+          <p:cNvSpPr txBox="1"/>
+          <p:nvPr/>
+        </p:nvSpPr>
+        <p:spPr>
+          <a:xfrm>
+            <a:off x="2656844" y="5301208"/>
+            <a:ext cx="5849678" cy="523220"/>
+          </a:xfrm>
+          <a:prstGeom prst="rect">
+            <a:avLst/>
+          </a:prstGeom>
+          <a:noFill/>
+        </p:spPr>
+        <p:txBody>
+          <a:bodyPr wrap="none" rtlCol="0">
+            <a:spAutoFit/>
+          </a:bodyPr>
+          <a:lstStyle/>
+          <a:p>
+            <a:r>
+              <a:rPr lang="fr-FR" sz="2800" dirty="0" smtClean="0"/>
+              <a:t>+ graphe/tableau illustratif chiffré</a:t>
+            </a:r>
+            <a:endParaRPr lang="fr-FR" sz="2800" dirty="0"/>
+          </a:p>
+        </p:txBody>
+      </p:sp>
     </p:spTree>
     <p:extLst>
       <p:ext uri="{BB962C8B-B14F-4D97-AF65-F5344CB8AC3E}">
@@ -8433,8 +13005,8 @@
         </p:nvSpPr>
         <p:spPr>
           <a:xfrm>
-            <a:off x="1081708" y="274638"/>
-            <a:ext cx="7488832" cy="1066130"/>
+            <a:off x="713284" y="274638"/>
+            <a:ext cx="7859216" cy="1066130"/>
           </a:xfrm>
         </p:spPr>
         <p:txBody>
@@ -8446,7 +13018,11 @@
             <a:pPr algn="r"/>
             <a:r>
               <a:rPr lang="fr-FR" sz="4000" b="1" dirty="0" smtClean="0"/>
-              <a:t>Conclusions</a:t>
+              <a:t>Sélection des </a:t>
+            </a:r>
+            <a:r>
+              <a:rPr lang="fr-FR" sz="4000" b="1" dirty="0" err="1" smtClean="0"/>
+              <a:t>varaiables</a:t>
             </a:r>
             <a:endParaRPr lang="fr-FR" sz="3200" dirty="0"/>
           </a:p>
@@ -8477,6 +13053,38 @@
       </p:sp>
       <p:sp>
         <p:nvSpPr>
+          <p:cNvPr id="3" name="ZoneTexte 2"/>
+          <p:cNvSpPr txBox="1"/>
+          <p:nvPr/>
+        </p:nvSpPr>
+        <p:spPr>
+          <a:xfrm>
+            <a:off x="4932040" y="1780835"/>
+            <a:ext cx="4938588" cy="369332"/>
+          </a:xfrm>
+          <a:prstGeom prst="rect">
+            <a:avLst/>
+          </a:prstGeom>
+          <a:noFill/>
+        </p:spPr>
+        <p:txBody>
+          <a:bodyPr wrap="square" rtlCol="0">
+            <a:spAutoFit/>
+          </a:bodyPr>
+          <a:lstStyle/>
+          <a:p>
+            <a:r>
+              <a:rPr lang="fr-FR" b="1" dirty="0" smtClean="0">
+                <a:latin typeface="+mj-lt"/>
+              </a:rPr>
+              <a:t>Les</a:t>
+            </a:r>
+            <a:endParaRPr lang="fr-FR" dirty="0" smtClean="0"/>
+          </a:p>
+        </p:txBody>
+      </p:sp>
+      <p:sp>
+        <p:nvSpPr>
           <p:cNvPr id="5" name="Espace réservé du pied de page 4"/>
           <p:cNvSpPr>
             <a:spLocks noGrp="1"/>
@@ -8523,7 +13131,7 @@
       </p:sp>
       <p:sp>
         <p:nvSpPr>
-          <p:cNvPr id="54" name="Rectangle 53"/>
+          <p:cNvPr id="17" name="Rectangle 16"/>
           <p:cNvSpPr/>
           <p:nvPr/>
         </p:nvSpPr>
@@ -8538,7 +13146,7 @@
           <a:gradFill flip="none" rotWithShape="1">
             <a:gsLst>
               <a:gs pos="0">
-                <a:srgbClr val="0070C0"/>
+                <a:srgbClr val="FFFF00"/>
               </a:gs>
               <a:gs pos="100000">
                 <a:schemeClr val="accent1">
@@ -8580,29 +13188,333 @@
           </a:p>
         </p:txBody>
       </p:sp>
-      <p:sp>
-        <p:nvSpPr>
-          <p:cNvPr id="20" name="Rectangle à coins arrondis 19"/>
+    </p:spTree>
+    <p:extLst>
+      <p:ext uri="{BB962C8B-B14F-4D97-AF65-F5344CB8AC3E}">
+        <p14:creationId xmlns:p14="http://schemas.microsoft.com/office/powerpoint/2010/main" val="3612823211"/>
+      </p:ext>
+    </p:extLst>
+  </p:cSld>
+  <p:clrMapOvr>
+    <a:masterClrMapping/>
+  </p:clrMapOvr>
+  <p:timing>
+    <p:tnLst>
+      <p:par>
+        <p:cTn id="1" dur="indefinite" restart="never" nodeType="tmRoot"/>
+      </p:par>
+    </p:tnLst>
+  </p:timing>
+</p:sld>
+</file>
+
+<file path=ppt/slides/slide8.xml><?xml version="1.0" encoding="utf-8"?>
+<p:sld xmlns:a="http://schemas.openxmlformats.org/drawingml/2006/main" xmlns:r="http://schemas.openxmlformats.org/officeDocument/2006/relationships" xmlns:p="http://schemas.openxmlformats.org/presentationml/2006/main">
+  <p:cSld>
+    <p:spTree>
+      <p:nvGrpSpPr>
+        <p:cNvPr id="1" name=""/>
+        <p:cNvGrpSpPr/>
+        <p:nvPr/>
+      </p:nvGrpSpPr>
+      <p:grpSpPr>
+        <a:xfrm>
+          <a:off x="0" y="0"/>
+          <a:ext cx="0" cy="0"/>
+          <a:chOff x="0" y="0"/>
+          <a:chExt cx="0" cy="0"/>
+        </a:xfrm>
+      </p:grpSpPr>
+      <p:sp>
+        <p:nvSpPr>
+          <p:cNvPr id="2" name="Titre 1"/>
+          <p:cNvSpPr>
+            <a:spLocks noGrp="1"/>
+          </p:cNvSpPr>
+          <p:nvPr>
+            <p:ph type="title"/>
+          </p:nvPr>
+        </p:nvSpPr>
+        <p:spPr>
+          <a:xfrm>
+            <a:off x="713284" y="274638"/>
+            <a:ext cx="7859216" cy="1066130"/>
+          </a:xfrm>
+        </p:spPr>
+        <p:txBody>
+          <a:bodyPr>
+            <a:normAutofit/>
+          </a:bodyPr>
+          <a:lstStyle/>
+          <a:p>
+            <a:pPr algn="r"/>
+            <a:r>
+              <a:rPr lang="fr-FR" sz="4000" b="1" dirty="0" smtClean="0"/>
+              <a:t>Nettoyage</a:t>
+            </a:r>
+            <a:endParaRPr lang="fr-FR" sz="3200" dirty="0"/>
+          </a:p>
+        </p:txBody>
+      </p:sp>
+      <p:sp>
+        <p:nvSpPr>
+          <p:cNvPr id="4" name="Espace réservé de la date 3"/>
+          <p:cNvSpPr>
+            <a:spLocks noGrp="1"/>
+          </p:cNvSpPr>
+          <p:nvPr>
+            <p:ph type="dt" sz="half" idx="10"/>
+          </p:nvPr>
+        </p:nvSpPr>
+        <p:spPr/>
+        <p:txBody>
+          <a:bodyPr/>
+          <a:lstStyle/>
+          <a:p>
+            <a:r>
+              <a:rPr lang="fr-FR" smtClean="0"/>
+              <a:t>17/06/2020</a:t>
+            </a:r>
+            <a:endParaRPr lang="fr-FR" dirty="0"/>
+          </a:p>
+        </p:txBody>
+      </p:sp>
+      <p:sp>
+        <p:nvSpPr>
+          <p:cNvPr id="3" name="ZoneTexte 2"/>
+          <p:cNvSpPr txBox="1"/>
+          <p:nvPr/>
+        </p:nvSpPr>
+        <p:spPr>
+          <a:xfrm>
+            <a:off x="4932040" y="1780835"/>
+            <a:ext cx="4938588" cy="3139321"/>
+          </a:xfrm>
+          <a:prstGeom prst="rect">
+            <a:avLst/>
+          </a:prstGeom>
+          <a:noFill/>
+        </p:spPr>
+        <p:txBody>
+          <a:bodyPr wrap="square" rtlCol="0">
+            <a:spAutoFit/>
+          </a:bodyPr>
+          <a:lstStyle/>
+          <a:p>
+            <a:r>
+              <a:rPr lang="fr-FR" b="1" dirty="0" smtClean="0">
+                <a:latin typeface="+mj-lt"/>
+              </a:rPr>
+              <a:t>Contenu </a:t>
+            </a:r>
+            <a:r>
+              <a:rPr lang="fr-FR" dirty="0" smtClean="0"/>
+              <a:t>: score quotidien</a:t>
+            </a:r>
+          </a:p>
+          <a:p>
+            <a:pPr marL="285750" indent="-285750">
+              <a:buFontTx/>
+              <a:buChar char="-"/>
+            </a:pPr>
+            <a:r>
+              <a:rPr lang="fr-FR" dirty="0" smtClean="0">
+                <a:latin typeface="Yu Gothic Light" panose="020B0300000000000000" pitchFamily="34" charset="-128"/>
+                <a:ea typeface="Yu Gothic Light" panose="020B0300000000000000" pitchFamily="34" charset="-128"/>
+              </a:rPr>
+              <a:t>Liste des produits consommés</a:t>
+            </a:r>
+          </a:p>
+          <a:p>
+            <a:pPr marL="285750" indent="-285750">
+              <a:buFontTx/>
+              <a:buChar char="-"/>
+            </a:pPr>
+            <a:r>
+              <a:rPr lang="fr-FR" dirty="0" smtClean="0">
+                <a:latin typeface="Yu Gothic Light" panose="020B0300000000000000" pitchFamily="34" charset="-128"/>
+                <a:ea typeface="Yu Gothic Light" panose="020B0300000000000000" pitchFamily="34" charset="-128"/>
+              </a:rPr>
+              <a:t>Evaluation des apports quotidiens</a:t>
+            </a:r>
+          </a:p>
+          <a:p>
+            <a:endParaRPr lang="fr-FR" dirty="0"/>
+          </a:p>
+          <a:p>
+            <a:r>
+              <a:rPr lang="fr-FR" dirty="0" smtClean="0">
+                <a:latin typeface="+mj-lt"/>
+              </a:rPr>
+              <a:t>Fonction 2 </a:t>
+            </a:r>
+            <a:r>
+              <a:rPr lang="fr-FR" dirty="0" smtClean="0"/>
+              <a:t>: recommandations</a:t>
+            </a:r>
+          </a:p>
+          <a:p>
+            <a:pPr marL="285750" indent="-285750">
+              <a:buFontTx/>
+              <a:buChar char="-"/>
+            </a:pPr>
+            <a:r>
+              <a:rPr lang="fr-FR" dirty="0" smtClean="0">
+                <a:latin typeface="Yu Gothic Light" panose="020B0300000000000000" pitchFamily="34" charset="-128"/>
+                <a:ea typeface="Yu Gothic Light" panose="020B0300000000000000" pitchFamily="34" charset="-128"/>
+              </a:rPr>
+              <a:t>Liste des axes à améliorer</a:t>
+            </a:r>
+          </a:p>
+          <a:p>
+            <a:pPr marL="285750" indent="-285750">
+              <a:buFontTx/>
+              <a:buChar char="-"/>
+            </a:pPr>
+            <a:r>
+              <a:rPr lang="fr-FR" dirty="0" smtClean="0">
+                <a:latin typeface="Yu Gothic Light" panose="020B0300000000000000" pitchFamily="34" charset="-128"/>
+                <a:ea typeface="Yu Gothic Light" panose="020B0300000000000000" pitchFamily="34" charset="-128"/>
+              </a:rPr>
+              <a:t>Navigateur de produit à remplacer</a:t>
+            </a:r>
+          </a:p>
+          <a:p>
+            <a:endParaRPr lang="fr-FR" dirty="0" smtClean="0">
+              <a:latin typeface="Yu Gothic Light" panose="020B0300000000000000" pitchFamily="34" charset="-128"/>
+              <a:ea typeface="Yu Gothic Light" panose="020B0300000000000000" pitchFamily="34" charset="-128"/>
+            </a:endParaRPr>
+          </a:p>
+          <a:p>
+            <a:r>
+              <a:rPr lang="fr-FR" dirty="0">
+                <a:latin typeface="+mj-lt"/>
+              </a:rPr>
+              <a:t>Fonction </a:t>
+            </a:r>
+            <a:r>
+              <a:rPr lang="fr-FR" dirty="0" smtClean="0">
+                <a:latin typeface="+mj-lt"/>
+              </a:rPr>
+              <a:t>3 </a:t>
+            </a:r>
+            <a:r>
+              <a:rPr lang="fr-FR" dirty="0"/>
+              <a:t>: </a:t>
+            </a:r>
+            <a:r>
+              <a:rPr lang="fr-FR" dirty="0" smtClean="0"/>
+              <a:t>statistiques</a:t>
+            </a:r>
+            <a:endParaRPr lang="fr-FR" dirty="0"/>
+          </a:p>
+          <a:p>
+            <a:pPr marL="285750" indent="-285750">
+              <a:buFontTx/>
+              <a:buChar char="-"/>
+            </a:pPr>
+            <a:r>
+              <a:rPr lang="fr-FR" dirty="0" smtClean="0">
+                <a:latin typeface="Yu Gothic Light" panose="020B0300000000000000" pitchFamily="34" charset="-128"/>
+                <a:ea typeface="Yu Gothic Light" panose="020B0300000000000000" pitchFamily="34" charset="-128"/>
+              </a:rPr>
+              <a:t>Archivage des entrées</a:t>
+            </a:r>
+          </a:p>
+          <a:p>
+            <a:pPr marL="285750" indent="-285750">
+              <a:buFontTx/>
+              <a:buChar char="-"/>
+            </a:pPr>
+            <a:r>
+              <a:rPr lang="fr-FR" dirty="0" smtClean="0">
+                <a:latin typeface="Yu Gothic Light" panose="020B0300000000000000" pitchFamily="34" charset="-128"/>
+                <a:ea typeface="Yu Gothic Light" panose="020B0300000000000000" pitchFamily="34" charset="-128"/>
+              </a:rPr>
+              <a:t>Affichage graphique</a:t>
+            </a:r>
+            <a:endParaRPr lang="fr-FR" dirty="0" smtClean="0"/>
+          </a:p>
+        </p:txBody>
+      </p:sp>
+      <p:sp>
+        <p:nvSpPr>
+          <p:cNvPr id="5" name="Espace réservé du pied de page 4"/>
+          <p:cNvSpPr>
+            <a:spLocks noGrp="1"/>
+          </p:cNvSpPr>
+          <p:nvPr>
+            <p:ph type="ftr" sz="quarter" idx="11"/>
+          </p:nvPr>
+        </p:nvSpPr>
+        <p:spPr/>
+        <p:txBody>
+          <a:bodyPr/>
+          <a:lstStyle/>
+          <a:p>
+            <a:r>
+              <a:rPr lang="fr-FR" smtClean="0"/>
+              <a:t>Maryse Muller  |  Parcours Data Scientist</a:t>
+            </a:r>
+            <a:endParaRPr lang="fr-FR" dirty="0"/>
+          </a:p>
+        </p:txBody>
+      </p:sp>
+      <p:sp>
+        <p:nvSpPr>
+          <p:cNvPr id="6" name="Espace réservé du numéro de diapositive 5"/>
+          <p:cNvSpPr>
+            <a:spLocks noGrp="1"/>
+          </p:cNvSpPr>
+          <p:nvPr>
+            <p:ph type="sldNum" sz="quarter" idx="12"/>
+          </p:nvPr>
+        </p:nvSpPr>
+        <p:spPr/>
+        <p:txBody>
+          <a:bodyPr/>
+          <a:lstStyle/>
+          <a:p>
+            <a:fld id="{D384C430-F8FC-4B07-B0BC-750FA1B3CF0A}" type="slidenum">
+              <a:rPr lang="fr-FR" smtClean="0"/>
+              <a:t>8</a:t>
+            </a:fld>
+            <a:endParaRPr lang="fr-FR" dirty="0"/>
+          </a:p>
+        </p:txBody>
+      </p:sp>
+      <p:sp>
+        <p:nvSpPr>
+          <p:cNvPr id="17" name="Rectangle 16"/>
           <p:cNvSpPr/>
           <p:nvPr/>
         </p:nvSpPr>
         <p:spPr>
           <a:xfrm>
-            <a:off x="4283968" y="1628800"/>
-            <a:ext cx="4536504" cy="4464495"/>
+            <a:off x="3823854" y="1196959"/>
+            <a:ext cx="4708586" cy="45719"/>
           </a:xfrm>
-          <a:prstGeom prst="roundRect">
+          <a:prstGeom prst="rect">
             <a:avLst/>
           </a:prstGeom>
-          <a:solidFill>
-            <a:schemeClr val="bg1"/>
-          </a:solidFill>
+          <a:gradFill flip="none" rotWithShape="1">
+            <a:gsLst>
+              <a:gs pos="0">
+                <a:srgbClr val="FFFF00"/>
+              </a:gs>
+              <a:gs pos="100000">
+                <a:schemeClr val="accent1">
+                  <a:tint val="23500"/>
+                  <a:satMod val="160000"/>
+                  <a:alpha val="0"/>
+                </a:schemeClr>
+              </a:gs>
+            </a:gsLst>
+            <a:lin ang="10800000" scaled="1"/>
+            <a:tileRect/>
+          </a:gradFill>
           <a:ln>
-            <a:solidFill>
-              <a:schemeClr val="bg1">
-                <a:lumMod val="65000"/>
-              </a:schemeClr>
-            </a:solidFill>
+            <a:noFill/>
           </a:ln>
         </p:spPr>
         <p:style>
@@ -8626,20 +13538,111 @@
           <a:lstStyle/>
           <a:p>
             <a:pPr algn="ctr"/>
+            <a:endParaRPr lang="fr-FR"/>
+          </a:p>
+        </p:txBody>
+      </p:sp>
+    </p:spTree>
+    <p:extLst>
+      <p:ext uri="{BB962C8B-B14F-4D97-AF65-F5344CB8AC3E}">
+        <p14:creationId xmlns:p14="http://schemas.microsoft.com/office/powerpoint/2010/main" val="274279300"/>
+      </p:ext>
+    </p:extLst>
+  </p:cSld>
+  <p:clrMapOvr>
+    <a:masterClrMapping/>
+  </p:clrMapOvr>
+  <p:timing>
+    <p:tnLst>
+      <p:par>
+        <p:cTn id="1" dur="indefinite" restart="never" nodeType="tmRoot"/>
+      </p:par>
+    </p:tnLst>
+  </p:timing>
+</p:sld>
+</file>
+
+<file path=ppt/slides/slide9.xml><?xml version="1.0" encoding="utf-8"?>
+<p:sld xmlns:a="http://schemas.openxmlformats.org/drawingml/2006/main" xmlns:r="http://schemas.openxmlformats.org/officeDocument/2006/relationships" xmlns:p="http://schemas.openxmlformats.org/presentationml/2006/main">
+  <p:cSld>
+    <p:spTree>
+      <p:nvGrpSpPr>
+        <p:cNvPr id="1" name=""/>
+        <p:cNvGrpSpPr/>
+        <p:nvPr/>
+      </p:nvGrpSpPr>
+      <p:grpSpPr>
+        <a:xfrm>
+          <a:off x="0" y="0"/>
+          <a:ext cx="0" cy="0"/>
+          <a:chOff x="0" y="0"/>
+          <a:chExt cx="0" cy="0"/>
+        </a:xfrm>
+      </p:grpSpPr>
+      <p:sp>
+        <p:nvSpPr>
+          <p:cNvPr id="2" name="Titre 1"/>
+          <p:cNvSpPr>
+            <a:spLocks noGrp="1"/>
+          </p:cNvSpPr>
+          <p:nvPr>
+            <p:ph type="title"/>
+          </p:nvPr>
+        </p:nvSpPr>
+        <p:spPr>
+          <a:xfrm>
+            <a:off x="713284" y="274638"/>
+            <a:ext cx="7859216" cy="1066130"/>
+          </a:xfrm>
+        </p:spPr>
+        <p:txBody>
+          <a:bodyPr>
+            <a:normAutofit/>
+          </a:bodyPr>
+          <a:lstStyle/>
+          <a:p>
+            <a:pPr algn="r"/>
+            <a:r>
+              <a:rPr lang="fr-FR" sz="4000" b="1" dirty="0" smtClean="0"/>
+              <a:t>Les teneurs pour 100g</a:t>
+            </a:r>
+            <a:endParaRPr lang="fr-FR" sz="3200" dirty="0"/>
+          </a:p>
+        </p:txBody>
+      </p:sp>
+      <p:sp>
+        <p:nvSpPr>
+          <p:cNvPr id="4" name="Espace réservé de la date 3"/>
+          <p:cNvSpPr>
+            <a:spLocks noGrp="1"/>
+          </p:cNvSpPr>
+          <p:nvPr>
+            <p:ph type="dt" sz="half" idx="10"/>
+          </p:nvPr>
+        </p:nvSpPr>
+        <p:spPr/>
+        <p:txBody>
+          <a:bodyPr/>
+          <a:lstStyle/>
+          <a:p>
+            <a:r>
+              <a:rPr lang="fr-FR" smtClean="0"/>
+              <a:t>17/06/2020</a:t>
+            </a:r>
             <a:endParaRPr lang="fr-FR" dirty="0"/>
           </a:p>
         </p:txBody>
       </p:sp>
       <p:sp>
         <p:nvSpPr>
-          <p:cNvPr id="21" name="ZoneTexte 20"/>
+          <p:cNvPr id="3" name="ZoneTexte 2"/>
           <p:cNvSpPr txBox="1"/>
           <p:nvPr/>
         </p:nvSpPr>
         <p:spPr>
           <a:xfrm>
-            <a:off x="4499992" y="1844823"/>
-            <a:ext cx="3930476" cy="4247317"/>
+            <a:off x="4932040" y="1780835"/>
+            <a:ext cx="4938588" cy="3139321"/>
           </a:xfrm>
           <a:prstGeom prst="rect">
             <a:avLst/>
@@ -8653,12 +13656,15 @@
           <a:lstStyle/>
           <a:p>
             <a:r>
-              <a:rPr lang="fr-FR" b="1" dirty="0" smtClean="0"/>
-              <a:t>La base de donnée nettoyée</a:t>
-            </a:r>
-          </a:p>
-          <a:p>
-            <a:endParaRPr lang="fr-FR" dirty="0" smtClean="0"/>
+              <a:rPr lang="fr-FR" b="1" dirty="0" smtClean="0">
+                <a:latin typeface="+mj-lt"/>
+              </a:rPr>
+              <a:t>Contenu </a:t>
+            </a:r>
+            <a:r>
+              <a:rPr lang="fr-FR" dirty="0" smtClean="0"/>
+              <a:t>: score quotidien</a:t>
+            </a:r>
           </a:p>
           <a:p>
             <a:pPr marL="285750" indent="-285750">
@@ -8670,7 +13676,7 @@
                 <a:latin typeface="Yu Gothic Light" panose="020B0300000000000000" pitchFamily="34" charset="-128"/>
                 <a:ea typeface="Yu Gothic Light" panose="020B0300000000000000" pitchFamily="34" charset="-128"/>
               </a:rPr>
-              <a:t>125 000 produits différents</a:t>
+              <a:t>Liste des produits consommés</a:t>
             </a:r>
           </a:p>
           <a:p>
@@ -8683,7 +13689,22 @@
                 <a:latin typeface="Yu Gothic Light" panose="020B0300000000000000" pitchFamily="34" charset="-128"/>
                 <a:ea typeface="Yu Gothic Light" panose="020B0300000000000000" pitchFamily="34" charset="-128"/>
               </a:rPr>
-              <a:t>6 variables principales</a:t>
+              <a:t>Evaluation des apports quotidiens</a:t>
+            </a:r>
+          </a:p>
+          <a:p>
+            <a:endParaRPr lang="fr-FR" dirty="0"/>
+          </a:p>
+          <a:p>
+            <a:r>
+              <a:rPr lang="fr-FR" dirty="0" smtClean="0">
+                <a:latin typeface="+mj-lt"/>
+              </a:rPr>
+              <a:t>Fonction 2 </a:t>
+            </a:r>
+            <a:r>
+              <a:rPr lang="fr-FR" dirty="0" smtClean="0"/>
+              <a:t>: recommandations</a:t>
             </a:r>
           </a:p>
           <a:p>
@@ -8691,20 +13712,13 @@
               <a:buFontTx/>
               <a:buChar char="-"/>
             </a:pPr>
-            <a:endParaRPr lang="fr-FR" dirty="0">
-              <a:latin typeface="Yu Gothic Light" panose="020B0300000000000000" pitchFamily="34" charset="-128"/>
-              <a:ea typeface="Yu Gothic Light" panose="020B0300000000000000" pitchFamily="34" charset="-128"/>
-            </a:endParaRPr>
-          </a:p>
-          <a:p>
-            <a:r>
-              <a:rPr lang="fr-FR" b="1" dirty="0" smtClean="0"/>
-              <a:t>Les liens entre les variables</a:t>
-            </a:r>
-            <a:endParaRPr lang="fr-FR" b="1" dirty="0"/>
-          </a:p>
-          <a:p>
-            <a:endParaRPr lang="fr-FR" dirty="0"/>
+            <a:r>
+              <a:rPr lang="fr-FR" dirty="0" smtClean="0">
+                <a:latin typeface="Yu Gothic Light" panose="020B0300000000000000" pitchFamily="34" charset="-128"/>
+                <a:ea typeface="Yu Gothic Light" panose="020B0300000000000000" pitchFamily="34" charset="-128"/>
+              </a:rPr>
+              <a:t>Liste des axes à améliorer</a:t>
+            </a:r>
           </a:p>
           <a:p>
             <a:pPr marL="285750" indent="-285750">
@@ -8716,8 +13730,37 @@
                 <a:latin typeface="Yu Gothic Light" panose="020B0300000000000000" pitchFamily="34" charset="-128"/>
                 <a:ea typeface="Yu Gothic Light" panose="020B0300000000000000" pitchFamily="34" charset="-128"/>
               </a:rPr>
-              <a:t>125</a:t>
-            </a:r>
+              <a:t>Navigateur de produit à remplacer</a:t>
+            </a:r>
+          </a:p>
+          <a:p>
+            <a:endParaRPr lang="fr-FR" dirty="0" smtClean="0">
+              <a:latin typeface="Yu Gothic Light" panose="020B0300000000000000" pitchFamily="34" charset="-128"/>
+              <a:ea typeface="Yu Gothic Light" panose="020B0300000000000000" pitchFamily="34" charset="-128"/>
+            </a:endParaRPr>
+          </a:p>
+          <a:p>
+            <a:r>
+              <a:rPr lang="fr-FR" dirty="0">
+                <a:latin typeface="+mj-lt"/>
+              </a:rPr>
+              <a:t>Fonction </a:t>
+            </a:r>
+            <a:r>
+              <a:rPr lang="fr-FR" dirty="0" smtClean="0">
+                <a:latin typeface="+mj-lt"/>
+              </a:rPr>
+              <a:t>3 </a:t>
+            </a:r>
+            <a:r>
+              <a:rPr lang="fr-FR" dirty="0"/>
+              <a:t>: </a:t>
+            </a:r>
+            <a:r>
+              <a:rPr lang="fr-FR" dirty="0" smtClean="0"/>
+              <a:t>statistiques</a:t>
+            </a:r>
+            <a:endParaRPr lang="fr-FR" dirty="0"/>
           </a:p>
           <a:p>
             <a:pPr marL="285750" indent="-285750">
@@ -8729,7 +13772,7 @@
                 <a:latin typeface="Yu Gothic Light" panose="020B0300000000000000" pitchFamily="34" charset="-128"/>
                 <a:ea typeface="Yu Gothic Light" panose="020B0300000000000000" pitchFamily="34" charset="-128"/>
               </a:rPr>
-              <a:t>F</a:t>
+              <a:t>Archivage des entrées</a:t>
             </a:r>
           </a:p>
           <a:p>
@@ -8737,2386 +13780,156 @@
               <a:buFontTx/>
               <a:buChar char="-"/>
             </a:pPr>
-            <a:endParaRPr lang="fr-FR" dirty="0" smtClean="0"/>
-          </a:p>
-          <a:p>
-            <a:r>
-              <a:rPr lang="fr-FR" b="1" dirty="0" smtClean="0"/>
-              <a:t>Ajustements du projet</a:t>
-            </a:r>
-            <a:endParaRPr lang="fr-FR" b="1" dirty="0"/>
-          </a:p>
-          <a:p>
-            <a:endParaRPr lang="fr-FR" dirty="0"/>
-          </a:p>
-          <a:p>
-            <a:pPr marL="285750" indent="-285750">
-              <a:buFontTx/>
-              <a:buChar char="-"/>
-            </a:pPr>
-            <a:r>
-              <a:rPr lang="fr-FR" dirty="0">
+            <a:r>
+              <a:rPr lang="fr-FR" dirty="0" smtClean="0">
                 <a:latin typeface="Yu Gothic Light" panose="020B0300000000000000" pitchFamily="34" charset="-128"/>
                 <a:ea typeface="Yu Gothic Light" panose="020B0300000000000000" pitchFamily="34" charset="-128"/>
               </a:rPr>
-              <a:t>125</a:t>
-            </a:r>
-          </a:p>
-          <a:p>
-            <a:pPr marL="285750" indent="-285750">
-              <a:buFontTx/>
-              <a:buChar char="-"/>
-            </a:pPr>
+              <a:t>Affichage graphique</a:t>
+            </a:r>
             <a:endParaRPr lang="fr-FR" dirty="0" smtClean="0"/>
           </a:p>
-          <a:p>
+        </p:txBody>
+      </p:sp>
+      <p:sp>
+        <p:nvSpPr>
+          <p:cNvPr id="5" name="Espace réservé du pied de page 4"/>
+          <p:cNvSpPr>
+            <a:spLocks noGrp="1"/>
+          </p:cNvSpPr>
+          <p:nvPr>
+            <p:ph type="ftr" sz="quarter" idx="11"/>
+          </p:nvPr>
+        </p:nvSpPr>
+        <p:spPr/>
+        <p:txBody>
+          <a:bodyPr/>
+          <a:lstStyle/>
+          <a:p>
+            <a:r>
+              <a:rPr lang="fr-FR" smtClean="0"/>
+              <a:t>Maryse Muller  |  Parcours Data Scientist</a:t>
+            </a:r>
             <a:endParaRPr lang="fr-FR" dirty="0"/>
           </a:p>
         </p:txBody>
       </p:sp>
-      <p:grpSp>
-        <p:nvGrpSpPr>
-          <p:cNvPr id="10" name="Groupe 9"/>
-          <p:cNvGrpSpPr/>
+      <p:sp>
+        <p:nvSpPr>
+          <p:cNvPr id="6" name="Espace réservé du numéro de diapositive 5"/>
+          <p:cNvSpPr>
+            <a:spLocks noGrp="1"/>
+          </p:cNvSpPr>
+          <p:nvPr>
+            <p:ph type="sldNum" sz="quarter" idx="12"/>
+          </p:nvPr>
+        </p:nvSpPr>
+        <p:spPr/>
+        <p:txBody>
+          <a:bodyPr/>
+          <a:lstStyle/>
+          <a:p>
+            <a:fld id="{D384C430-F8FC-4B07-B0BC-750FA1B3CF0A}" type="slidenum">
+              <a:rPr lang="fr-FR" smtClean="0"/>
+              <a:t>9</a:t>
+            </a:fld>
+            <a:endParaRPr lang="fr-FR" dirty="0"/>
+          </a:p>
+        </p:txBody>
+      </p:sp>
+      <p:sp>
+        <p:nvSpPr>
+          <p:cNvPr id="17" name="Rectangle 16"/>
+          <p:cNvSpPr/>
           <p:nvPr/>
-        </p:nvGrpSpPr>
-        <p:grpSpPr>
+        </p:nvSpPr>
+        <p:spPr>
           <a:xfrm>
-            <a:off x="251521" y="1628801"/>
-            <a:ext cx="3744414" cy="4464495"/>
-            <a:chOff x="251521" y="1628801"/>
-            <a:chExt cx="3744414" cy="4464495"/>
+            <a:off x="3823854" y="1196959"/>
+            <a:ext cx="4708586" cy="45719"/>
           </a:xfrm>
-        </p:grpSpPr>
-        <p:sp>
-          <p:nvSpPr>
-            <p:cNvPr id="19" name="Rectangle à coins arrondis 18"/>
-            <p:cNvSpPr/>
-            <p:nvPr/>
-          </p:nvSpPr>
-          <p:spPr>
-            <a:xfrm>
-              <a:off x="251521" y="1628801"/>
-              <a:ext cx="3572334" cy="4464495"/>
-            </a:xfrm>
-            <a:prstGeom prst="roundRect">
-              <a:avLst/>
-            </a:prstGeom>
-            <a:solidFill>
-              <a:schemeClr val="bg1"/>
-            </a:solidFill>
-            <a:ln>
-              <a:solidFill>
-                <a:schemeClr val="bg1">
-                  <a:lumMod val="65000"/>
+          <a:prstGeom prst="rect">
+            <a:avLst/>
+          </a:prstGeom>
+          <a:gradFill flip="none" rotWithShape="1">
+            <a:gsLst>
+              <a:gs pos="0">
+                <a:srgbClr val="FFFF00"/>
+              </a:gs>
+              <a:gs pos="100000">
+                <a:schemeClr val="accent1">
+                  <a:tint val="23500"/>
+                  <a:satMod val="160000"/>
+                  <a:alpha val="0"/>
                 </a:schemeClr>
-              </a:solidFill>
-            </a:ln>
-          </p:spPr>
-          <p:style>
-            <a:lnRef idx="2">
-              <a:schemeClr val="accent1">
-                <a:shade val="50000"/>
-              </a:schemeClr>
-            </a:lnRef>
-            <a:fillRef idx="1">
-              <a:schemeClr val="accent1"/>
-            </a:fillRef>
-            <a:effectRef idx="0">
-              <a:schemeClr val="accent1"/>
-            </a:effectRef>
-            <a:fontRef idx="minor">
-              <a:schemeClr val="lt1"/>
-            </a:fontRef>
-          </p:style>
-          <p:txBody>
-            <a:bodyPr rtlCol="0" anchor="ctr"/>
-            <a:lstStyle/>
-            <a:p>
-              <a:pPr algn="ctr"/>
-              <a:endParaRPr lang="fr-FR" dirty="0"/>
-            </a:p>
-          </p:txBody>
-        </p:sp>
-        <p:sp>
-          <p:nvSpPr>
-            <p:cNvPr id="3" name="ZoneTexte 2"/>
-            <p:cNvSpPr txBox="1"/>
-            <p:nvPr/>
-          </p:nvSpPr>
-          <p:spPr>
-            <a:xfrm>
-              <a:off x="467544" y="1844824"/>
-              <a:ext cx="3528391" cy="3970318"/>
-            </a:xfrm>
-            <a:prstGeom prst="rect">
-              <a:avLst/>
-            </a:prstGeom>
+              </a:gs>
+            </a:gsLst>
+            <a:lin ang="10800000" scaled="1"/>
+            <a:tileRect/>
+          </a:gradFill>
+          <a:ln>
             <a:noFill/>
-          </p:spPr>
-          <p:txBody>
-            <a:bodyPr wrap="square" rtlCol="0">
-              <a:spAutoFit/>
-            </a:bodyPr>
-            <a:lstStyle/>
-            <a:p>
-              <a:r>
-                <a:rPr lang="fr-FR" sz="2000" b="1" dirty="0" smtClean="0">
-                  <a:latin typeface="Yu Gothic Medium" panose="020B0500000000000000" pitchFamily="34" charset="-128"/>
-                  <a:ea typeface="Yu Gothic Medium" panose="020B0500000000000000" pitchFamily="34" charset="-128"/>
-                </a:rPr>
-                <a:t>Cahier des charges</a:t>
-              </a:r>
-            </a:p>
-            <a:p>
-              <a:endParaRPr lang="fr-FR" b="1" dirty="0" smtClean="0">
-                <a:latin typeface="+mj-lt"/>
-              </a:endParaRPr>
-            </a:p>
-            <a:p>
-              <a:r>
-                <a:rPr lang="fr-FR" dirty="0" smtClean="0"/>
-                <a:t>Une base de donnée propre</a:t>
-              </a:r>
-            </a:p>
-            <a:p>
-              <a:endParaRPr lang="fr-FR" dirty="0" smtClean="0"/>
-            </a:p>
-            <a:p>
-              <a:pPr marL="285750" indent="-285750">
-                <a:buFont typeface="Wingdings" panose="05000000000000000000" pitchFamily="2" charset="2"/>
-                <a:buChar char="q"/>
-              </a:pPr>
-              <a:r>
-                <a:rPr lang="fr-FR" dirty="0" smtClean="0">
-                  <a:latin typeface="Yu Gothic Light" panose="020B0300000000000000" pitchFamily="34" charset="-128"/>
-                  <a:ea typeface="Yu Gothic Light" panose="020B0300000000000000" pitchFamily="34" charset="-128"/>
-                </a:rPr>
-                <a:t>sans valeurs aberrantes</a:t>
-              </a:r>
-            </a:p>
-            <a:p>
-              <a:pPr marL="285750" indent="-285750">
-                <a:buFont typeface="Wingdings" panose="05000000000000000000" pitchFamily="2" charset="2"/>
-                <a:buChar char="q"/>
-              </a:pPr>
-              <a:r>
-                <a:rPr lang="fr-FR" dirty="0" smtClean="0">
-                  <a:latin typeface="Yu Gothic Light" panose="020B0300000000000000" pitchFamily="34" charset="-128"/>
-                  <a:ea typeface="Yu Gothic Light" panose="020B0300000000000000" pitchFamily="34" charset="-128"/>
-                </a:rPr>
-                <a:t>sans doublons</a:t>
-              </a:r>
-            </a:p>
-            <a:p>
-              <a:pPr marL="285750" indent="-285750">
-                <a:buFont typeface="Wingdings" panose="05000000000000000000" pitchFamily="2" charset="2"/>
-                <a:buChar char="q"/>
-              </a:pPr>
-              <a:r>
-                <a:rPr lang="fr-FR" dirty="0">
-                  <a:latin typeface="Yu Gothic Light" panose="020B0300000000000000" pitchFamily="34" charset="-128"/>
-                  <a:ea typeface="Yu Gothic Light" panose="020B0300000000000000" pitchFamily="34" charset="-128"/>
-                </a:rPr>
-                <a:t>s</a:t>
-              </a:r>
-              <a:r>
-                <a:rPr lang="fr-FR" dirty="0" smtClean="0">
-                  <a:latin typeface="Yu Gothic Light" panose="020B0300000000000000" pitchFamily="34" charset="-128"/>
-                  <a:ea typeface="Yu Gothic Light" panose="020B0300000000000000" pitchFamily="34" charset="-128"/>
-                </a:rPr>
-                <a:t>ans valeurs manquantes</a:t>
-              </a:r>
-            </a:p>
-            <a:p>
-              <a:endParaRPr lang="fr-FR" dirty="0" smtClean="0"/>
-            </a:p>
-            <a:p>
-              <a:endParaRPr lang="fr-FR" dirty="0"/>
-            </a:p>
-            <a:p>
-              <a:r>
-                <a:rPr lang="fr-FR" dirty="0" smtClean="0"/>
-                <a:t>Un contenu adapté</a:t>
-              </a:r>
-            </a:p>
-            <a:p>
-              <a:endParaRPr lang="fr-FR" dirty="0" smtClean="0">
-                <a:latin typeface="+mj-lt"/>
-              </a:endParaRPr>
-            </a:p>
-            <a:p>
-              <a:pPr marL="285750" indent="-285750">
-                <a:buFont typeface="Wingdings" panose="05000000000000000000" pitchFamily="2" charset="2"/>
-                <a:buChar char="q"/>
-              </a:pPr>
-              <a:r>
-                <a:rPr lang="fr-FR" dirty="0">
-                  <a:latin typeface="Yu Gothic Light" panose="020B0300000000000000" pitchFamily="34" charset="-128"/>
-                  <a:ea typeface="Yu Gothic Light" panose="020B0300000000000000" pitchFamily="34" charset="-128"/>
-                </a:rPr>
-                <a:t>d</a:t>
-              </a:r>
-              <a:r>
-                <a:rPr lang="fr-FR" dirty="0" smtClean="0">
-                  <a:latin typeface="Yu Gothic Light" panose="020B0300000000000000" pitchFamily="34" charset="-128"/>
-                  <a:ea typeface="Yu Gothic Light" panose="020B0300000000000000" pitchFamily="34" charset="-128"/>
-                </a:rPr>
-                <a:t>es produits identifiables</a:t>
-              </a:r>
-            </a:p>
-            <a:p>
-              <a:pPr marL="285750" indent="-285750">
-                <a:buFont typeface="Wingdings" panose="05000000000000000000" pitchFamily="2" charset="2"/>
-                <a:buChar char="q"/>
-              </a:pPr>
-              <a:r>
-                <a:rPr lang="fr-FR" dirty="0" smtClean="0">
-                  <a:latin typeface="Yu Gothic Light" panose="020B0300000000000000" pitchFamily="34" charset="-128"/>
-                  <a:ea typeface="Yu Gothic Light" panose="020B0300000000000000" pitchFamily="34" charset="-128"/>
-                </a:rPr>
-                <a:t>des catégories pertinentes</a:t>
-              </a:r>
-            </a:p>
-            <a:p>
-              <a:pPr marL="285750" indent="-285750">
-                <a:buFont typeface="Wingdings" panose="05000000000000000000" pitchFamily="2" charset="2"/>
-                <a:buChar char="q"/>
-              </a:pPr>
-              <a:r>
-                <a:rPr lang="fr-FR" dirty="0" smtClean="0">
-                  <a:latin typeface="Yu Gothic Light" panose="020B0300000000000000" pitchFamily="34" charset="-128"/>
-                  <a:ea typeface="Yu Gothic Light" panose="020B0300000000000000" pitchFamily="34" charset="-128"/>
-                </a:rPr>
-                <a:t>d</a:t>
-              </a:r>
-              <a:r>
-                <a:rPr lang="fr-FR" dirty="0" smtClean="0">
-                  <a:latin typeface="Yu Gothic Light" panose="020B0300000000000000" pitchFamily="34" charset="-128"/>
-                  <a:ea typeface="Yu Gothic Light" panose="020B0300000000000000" pitchFamily="34" charset="-128"/>
-                </a:rPr>
-                <a:t>es données chiffrées utiles</a:t>
-              </a:r>
-            </a:p>
-          </p:txBody>
-        </p:sp>
-        <p:sp>
-          <p:nvSpPr>
-            <p:cNvPr id="7" name="Forme libre 6"/>
-            <p:cNvSpPr/>
-            <p:nvPr/>
-          </p:nvSpPr>
-          <p:spPr>
-            <a:xfrm>
-              <a:off x="550168" y="3011091"/>
-              <a:ext cx="277416" cy="200124"/>
-            </a:xfrm>
-            <a:custGeom>
-              <a:avLst/>
-              <a:gdLst>
-                <a:gd name="connsiteX0" fmla="*/ 0 w 2616200"/>
-                <a:gd name="connsiteY0" fmla="*/ 304800 h 825500"/>
-                <a:gd name="connsiteX1" fmla="*/ 152400 w 2616200"/>
-                <a:gd name="connsiteY1" fmla="*/ 342900 h 825500"/>
-                <a:gd name="connsiteX2" fmla="*/ 190500 w 2616200"/>
-                <a:gd name="connsiteY2" fmla="*/ 368300 h 825500"/>
-                <a:gd name="connsiteX3" fmla="*/ 254000 w 2616200"/>
-                <a:gd name="connsiteY3" fmla="*/ 393700 h 825500"/>
-                <a:gd name="connsiteX4" fmla="*/ 381000 w 2616200"/>
-                <a:gd name="connsiteY4" fmla="*/ 482600 h 825500"/>
-                <a:gd name="connsiteX5" fmla="*/ 431800 w 2616200"/>
-                <a:gd name="connsiteY5" fmla="*/ 495300 h 825500"/>
-                <a:gd name="connsiteX6" fmla="*/ 533400 w 2616200"/>
-                <a:gd name="connsiteY6" fmla="*/ 571500 h 825500"/>
-                <a:gd name="connsiteX7" fmla="*/ 571500 w 2616200"/>
-                <a:gd name="connsiteY7" fmla="*/ 596900 h 825500"/>
-                <a:gd name="connsiteX8" fmla="*/ 622300 w 2616200"/>
-                <a:gd name="connsiteY8" fmla="*/ 635000 h 825500"/>
-                <a:gd name="connsiteX9" fmla="*/ 673100 w 2616200"/>
-                <a:gd name="connsiteY9" fmla="*/ 711200 h 825500"/>
-                <a:gd name="connsiteX10" fmla="*/ 736600 w 2616200"/>
-                <a:gd name="connsiteY10" fmla="*/ 787400 h 825500"/>
-                <a:gd name="connsiteX11" fmla="*/ 749300 w 2616200"/>
-                <a:gd name="connsiteY11" fmla="*/ 825500 h 825500"/>
-                <a:gd name="connsiteX12" fmla="*/ 774700 w 2616200"/>
-                <a:gd name="connsiteY12" fmla="*/ 787400 h 825500"/>
-                <a:gd name="connsiteX13" fmla="*/ 787400 w 2616200"/>
-                <a:gd name="connsiteY13" fmla="*/ 749300 h 825500"/>
-                <a:gd name="connsiteX14" fmla="*/ 838200 w 2616200"/>
-                <a:gd name="connsiteY14" fmla="*/ 685800 h 825500"/>
-                <a:gd name="connsiteX15" fmla="*/ 889000 w 2616200"/>
-                <a:gd name="connsiteY15" fmla="*/ 622300 h 825500"/>
-                <a:gd name="connsiteX16" fmla="*/ 927100 w 2616200"/>
-                <a:gd name="connsiteY16" fmla="*/ 558800 h 825500"/>
-                <a:gd name="connsiteX17" fmla="*/ 1028700 w 2616200"/>
-                <a:gd name="connsiteY17" fmla="*/ 469900 h 825500"/>
-                <a:gd name="connsiteX18" fmla="*/ 1130300 w 2616200"/>
-                <a:gd name="connsiteY18" fmla="*/ 381000 h 825500"/>
-                <a:gd name="connsiteX19" fmla="*/ 1219200 w 2616200"/>
-                <a:gd name="connsiteY19" fmla="*/ 342900 h 825500"/>
-                <a:gd name="connsiteX20" fmla="*/ 1308100 w 2616200"/>
-                <a:gd name="connsiteY20" fmla="*/ 292100 h 825500"/>
-                <a:gd name="connsiteX21" fmla="*/ 1384300 w 2616200"/>
-                <a:gd name="connsiteY21" fmla="*/ 266700 h 825500"/>
-                <a:gd name="connsiteX22" fmla="*/ 1511300 w 2616200"/>
-                <a:gd name="connsiteY22" fmla="*/ 215900 h 825500"/>
-                <a:gd name="connsiteX23" fmla="*/ 1612900 w 2616200"/>
-                <a:gd name="connsiteY23" fmla="*/ 203200 h 825500"/>
-                <a:gd name="connsiteX24" fmla="*/ 1993900 w 2616200"/>
-                <a:gd name="connsiteY24" fmla="*/ 88900 h 825500"/>
-                <a:gd name="connsiteX25" fmla="*/ 2235200 w 2616200"/>
-                <a:gd name="connsiteY25" fmla="*/ 63500 h 825500"/>
-                <a:gd name="connsiteX26" fmla="*/ 2387600 w 2616200"/>
-                <a:gd name="connsiteY26" fmla="*/ 38100 h 825500"/>
-                <a:gd name="connsiteX27" fmla="*/ 2476500 w 2616200"/>
-                <a:gd name="connsiteY27" fmla="*/ 25400 h 825500"/>
-                <a:gd name="connsiteX28" fmla="*/ 2514600 w 2616200"/>
-                <a:gd name="connsiteY28" fmla="*/ 12700 h 825500"/>
-                <a:gd name="connsiteX29" fmla="*/ 2616200 w 2616200"/>
-                <a:gd name="connsiteY29" fmla="*/ 0 h 825500"/>
-              </a:gdLst>
-              <a:ahLst/>
-              <a:cxnLst>
-                <a:cxn ang="0">
-                  <a:pos x="connsiteX0" y="connsiteY0"/>
-                </a:cxn>
-                <a:cxn ang="0">
-                  <a:pos x="connsiteX1" y="connsiteY1"/>
-                </a:cxn>
-                <a:cxn ang="0">
-                  <a:pos x="connsiteX2" y="connsiteY2"/>
-                </a:cxn>
-                <a:cxn ang="0">
-                  <a:pos x="connsiteX3" y="connsiteY3"/>
-                </a:cxn>
-                <a:cxn ang="0">
-                  <a:pos x="connsiteX4" y="connsiteY4"/>
-                </a:cxn>
-                <a:cxn ang="0">
-                  <a:pos x="connsiteX5" y="connsiteY5"/>
-                </a:cxn>
-                <a:cxn ang="0">
-                  <a:pos x="connsiteX6" y="connsiteY6"/>
-                </a:cxn>
-                <a:cxn ang="0">
-                  <a:pos x="connsiteX7" y="connsiteY7"/>
-                </a:cxn>
-                <a:cxn ang="0">
-                  <a:pos x="connsiteX8" y="connsiteY8"/>
-                </a:cxn>
-                <a:cxn ang="0">
-                  <a:pos x="connsiteX9" y="connsiteY9"/>
-                </a:cxn>
-                <a:cxn ang="0">
-                  <a:pos x="connsiteX10" y="connsiteY10"/>
-                </a:cxn>
-                <a:cxn ang="0">
-                  <a:pos x="connsiteX11" y="connsiteY11"/>
-                </a:cxn>
-                <a:cxn ang="0">
-                  <a:pos x="connsiteX12" y="connsiteY12"/>
-                </a:cxn>
-                <a:cxn ang="0">
-                  <a:pos x="connsiteX13" y="connsiteY13"/>
-                </a:cxn>
-                <a:cxn ang="0">
-                  <a:pos x="connsiteX14" y="connsiteY14"/>
-                </a:cxn>
-                <a:cxn ang="0">
-                  <a:pos x="connsiteX15" y="connsiteY15"/>
-                </a:cxn>
-                <a:cxn ang="0">
-                  <a:pos x="connsiteX16" y="connsiteY16"/>
-                </a:cxn>
-                <a:cxn ang="0">
-                  <a:pos x="connsiteX17" y="connsiteY17"/>
-                </a:cxn>
-                <a:cxn ang="0">
-                  <a:pos x="connsiteX18" y="connsiteY18"/>
-                </a:cxn>
-                <a:cxn ang="0">
-                  <a:pos x="connsiteX19" y="connsiteY19"/>
-                </a:cxn>
-                <a:cxn ang="0">
-                  <a:pos x="connsiteX20" y="connsiteY20"/>
-                </a:cxn>
-                <a:cxn ang="0">
-                  <a:pos x="connsiteX21" y="connsiteY21"/>
-                </a:cxn>
-                <a:cxn ang="0">
-                  <a:pos x="connsiteX22" y="connsiteY22"/>
-                </a:cxn>
-                <a:cxn ang="0">
-                  <a:pos x="connsiteX23" y="connsiteY23"/>
-                </a:cxn>
-                <a:cxn ang="0">
-                  <a:pos x="connsiteX24" y="connsiteY24"/>
-                </a:cxn>
-                <a:cxn ang="0">
-                  <a:pos x="connsiteX25" y="connsiteY25"/>
-                </a:cxn>
-                <a:cxn ang="0">
-                  <a:pos x="connsiteX26" y="connsiteY26"/>
-                </a:cxn>
-                <a:cxn ang="0">
-                  <a:pos x="connsiteX27" y="connsiteY27"/>
-                </a:cxn>
-                <a:cxn ang="0">
-                  <a:pos x="connsiteX28" y="connsiteY28"/>
-                </a:cxn>
-                <a:cxn ang="0">
-                  <a:pos x="connsiteX29" y="connsiteY29"/>
-                </a:cxn>
-              </a:cxnLst>
-              <a:rect l="l" t="t" r="r" b="b"/>
-              <a:pathLst>
-                <a:path w="2616200" h="825500">
-                  <a:moveTo>
-                    <a:pt x="0" y="304800"/>
-                  </a:moveTo>
-                  <a:cubicBezTo>
-                    <a:pt x="50800" y="317500"/>
-                    <a:pt x="102724" y="326341"/>
-                    <a:pt x="152400" y="342900"/>
-                  </a:cubicBezTo>
-                  <a:cubicBezTo>
-                    <a:pt x="166880" y="347727"/>
-                    <a:pt x="176848" y="361474"/>
-                    <a:pt x="190500" y="368300"/>
-                  </a:cubicBezTo>
-                  <a:cubicBezTo>
-                    <a:pt x="210890" y="378495"/>
-                    <a:pt x="234072" y="382629"/>
-                    <a:pt x="254000" y="393700"/>
-                  </a:cubicBezTo>
-                  <a:cubicBezTo>
-                    <a:pt x="397357" y="473343"/>
-                    <a:pt x="188922" y="386561"/>
-                    <a:pt x="381000" y="482600"/>
-                  </a:cubicBezTo>
-                  <a:cubicBezTo>
-                    <a:pt x="396612" y="490406"/>
-                    <a:pt x="414867" y="491067"/>
-                    <a:pt x="431800" y="495300"/>
-                  </a:cubicBezTo>
-                  <a:cubicBezTo>
-                    <a:pt x="465667" y="520700"/>
-                    <a:pt x="498177" y="548018"/>
-                    <a:pt x="533400" y="571500"/>
-                  </a:cubicBezTo>
-                  <a:cubicBezTo>
-                    <a:pt x="546100" y="579967"/>
-                    <a:pt x="559080" y="588028"/>
-                    <a:pt x="571500" y="596900"/>
-                  </a:cubicBezTo>
-                  <a:cubicBezTo>
-                    <a:pt x="588724" y="609203"/>
-                    <a:pt x="608238" y="619180"/>
-                    <a:pt x="622300" y="635000"/>
-                  </a:cubicBezTo>
-                  <a:cubicBezTo>
-                    <a:pt x="642581" y="657816"/>
-                    <a:pt x="651514" y="689614"/>
-                    <a:pt x="673100" y="711200"/>
-                  </a:cubicBezTo>
-                  <a:cubicBezTo>
-                    <a:pt x="701187" y="739287"/>
-                    <a:pt x="718919" y="752037"/>
-                    <a:pt x="736600" y="787400"/>
-                  </a:cubicBezTo>
-                  <a:cubicBezTo>
-                    <a:pt x="742587" y="799374"/>
-                    <a:pt x="745067" y="812800"/>
-                    <a:pt x="749300" y="825500"/>
-                  </a:cubicBezTo>
-                  <a:cubicBezTo>
-                    <a:pt x="757767" y="812800"/>
-                    <a:pt x="767874" y="801052"/>
-                    <a:pt x="774700" y="787400"/>
-                  </a:cubicBezTo>
-                  <a:cubicBezTo>
-                    <a:pt x="780687" y="775426"/>
-                    <a:pt x="780305" y="760652"/>
-                    <a:pt x="787400" y="749300"/>
-                  </a:cubicBezTo>
-                  <a:cubicBezTo>
-                    <a:pt x="801766" y="726314"/>
-                    <a:pt x="821267" y="706967"/>
-                    <a:pt x="838200" y="685800"/>
-                  </a:cubicBezTo>
-                  <a:cubicBezTo>
-                    <a:pt x="867505" y="597886"/>
-                    <a:pt x="826333" y="695412"/>
-                    <a:pt x="889000" y="622300"/>
-                  </a:cubicBezTo>
-                  <a:cubicBezTo>
-                    <a:pt x="905064" y="603558"/>
-                    <a:pt x="912289" y="578547"/>
-                    <a:pt x="927100" y="558800"/>
-                  </a:cubicBezTo>
-                  <a:cubicBezTo>
-                    <a:pt x="951124" y="526768"/>
-                    <a:pt x="1001347" y="493834"/>
-                    <a:pt x="1028700" y="469900"/>
-                  </a:cubicBezTo>
-                  <a:cubicBezTo>
-                    <a:pt x="1072352" y="431705"/>
-                    <a:pt x="1073324" y="414236"/>
-                    <a:pt x="1130300" y="381000"/>
-                  </a:cubicBezTo>
-                  <a:cubicBezTo>
-                    <a:pt x="1158148" y="364755"/>
-                    <a:pt x="1190364" y="357318"/>
-                    <a:pt x="1219200" y="342900"/>
-                  </a:cubicBezTo>
-                  <a:cubicBezTo>
-                    <a:pt x="1249727" y="327636"/>
-                    <a:pt x="1277111" y="306403"/>
-                    <a:pt x="1308100" y="292100"/>
-                  </a:cubicBezTo>
-                  <a:cubicBezTo>
-                    <a:pt x="1332410" y="280880"/>
-                    <a:pt x="1359231" y="276101"/>
-                    <a:pt x="1384300" y="266700"/>
-                  </a:cubicBezTo>
-                  <a:cubicBezTo>
-                    <a:pt x="1426991" y="250691"/>
-                    <a:pt x="1467369" y="228103"/>
-                    <a:pt x="1511300" y="215900"/>
-                  </a:cubicBezTo>
-                  <a:cubicBezTo>
-                    <a:pt x="1544185" y="206765"/>
-                    <a:pt x="1579033" y="207433"/>
-                    <a:pt x="1612900" y="203200"/>
-                  </a:cubicBezTo>
-                  <a:cubicBezTo>
-                    <a:pt x="1724130" y="162753"/>
-                    <a:pt x="1883672" y="99923"/>
-                    <a:pt x="1993900" y="88900"/>
-                  </a:cubicBezTo>
-                  <a:lnTo>
-                    <a:pt x="2235200" y="63500"/>
-                  </a:lnTo>
-                  <a:cubicBezTo>
-                    <a:pt x="2401222" y="42747"/>
-                    <a:pt x="2254543" y="60276"/>
-                    <a:pt x="2387600" y="38100"/>
-                  </a:cubicBezTo>
-                  <a:cubicBezTo>
-                    <a:pt x="2417127" y="33179"/>
-                    <a:pt x="2446867" y="29633"/>
-                    <a:pt x="2476500" y="25400"/>
-                  </a:cubicBezTo>
-                  <a:cubicBezTo>
-                    <a:pt x="2489200" y="21167"/>
-                    <a:pt x="2501429" y="15095"/>
-                    <a:pt x="2514600" y="12700"/>
-                  </a:cubicBezTo>
-                  <a:cubicBezTo>
-                    <a:pt x="2548180" y="6595"/>
-                    <a:pt x="2616200" y="0"/>
-                    <a:pt x="2616200" y="0"/>
-                  </a:cubicBezTo>
-                </a:path>
-              </a:pathLst>
-            </a:custGeom>
-            <a:noFill/>
-            <a:ln w="38100">
-              <a:solidFill>
-                <a:srgbClr val="00B050"/>
-              </a:solidFill>
-            </a:ln>
-          </p:spPr>
-          <p:style>
-            <a:lnRef idx="2">
-              <a:schemeClr val="accent1">
-                <a:shade val="50000"/>
-              </a:schemeClr>
-            </a:lnRef>
-            <a:fillRef idx="1">
-              <a:schemeClr val="accent1"/>
-            </a:fillRef>
-            <a:effectRef idx="0">
-              <a:schemeClr val="accent1"/>
-            </a:effectRef>
-            <a:fontRef idx="minor">
-              <a:schemeClr val="lt1"/>
-            </a:fontRef>
-          </p:style>
-          <p:txBody>
-            <a:bodyPr rtlCol="0" anchor="ctr"/>
-            <a:lstStyle/>
-            <a:p>
-              <a:pPr algn="ctr"/>
-              <a:endParaRPr lang="fr-FR"/>
-            </a:p>
-          </p:txBody>
-        </p:sp>
-        <p:sp>
-          <p:nvSpPr>
-            <p:cNvPr id="23" name="Forme libre 22"/>
-            <p:cNvSpPr/>
-            <p:nvPr/>
-          </p:nvSpPr>
-          <p:spPr>
-            <a:xfrm>
-              <a:off x="539552" y="3300884"/>
-              <a:ext cx="277416" cy="200124"/>
-            </a:xfrm>
-            <a:custGeom>
-              <a:avLst/>
-              <a:gdLst>
-                <a:gd name="connsiteX0" fmla="*/ 0 w 2616200"/>
-                <a:gd name="connsiteY0" fmla="*/ 304800 h 825500"/>
-                <a:gd name="connsiteX1" fmla="*/ 152400 w 2616200"/>
-                <a:gd name="connsiteY1" fmla="*/ 342900 h 825500"/>
-                <a:gd name="connsiteX2" fmla="*/ 190500 w 2616200"/>
-                <a:gd name="connsiteY2" fmla="*/ 368300 h 825500"/>
-                <a:gd name="connsiteX3" fmla="*/ 254000 w 2616200"/>
-                <a:gd name="connsiteY3" fmla="*/ 393700 h 825500"/>
-                <a:gd name="connsiteX4" fmla="*/ 381000 w 2616200"/>
-                <a:gd name="connsiteY4" fmla="*/ 482600 h 825500"/>
-                <a:gd name="connsiteX5" fmla="*/ 431800 w 2616200"/>
-                <a:gd name="connsiteY5" fmla="*/ 495300 h 825500"/>
-                <a:gd name="connsiteX6" fmla="*/ 533400 w 2616200"/>
-                <a:gd name="connsiteY6" fmla="*/ 571500 h 825500"/>
-                <a:gd name="connsiteX7" fmla="*/ 571500 w 2616200"/>
-                <a:gd name="connsiteY7" fmla="*/ 596900 h 825500"/>
-                <a:gd name="connsiteX8" fmla="*/ 622300 w 2616200"/>
-                <a:gd name="connsiteY8" fmla="*/ 635000 h 825500"/>
-                <a:gd name="connsiteX9" fmla="*/ 673100 w 2616200"/>
-                <a:gd name="connsiteY9" fmla="*/ 711200 h 825500"/>
-                <a:gd name="connsiteX10" fmla="*/ 736600 w 2616200"/>
-                <a:gd name="connsiteY10" fmla="*/ 787400 h 825500"/>
-                <a:gd name="connsiteX11" fmla="*/ 749300 w 2616200"/>
-                <a:gd name="connsiteY11" fmla="*/ 825500 h 825500"/>
-                <a:gd name="connsiteX12" fmla="*/ 774700 w 2616200"/>
-                <a:gd name="connsiteY12" fmla="*/ 787400 h 825500"/>
-                <a:gd name="connsiteX13" fmla="*/ 787400 w 2616200"/>
-                <a:gd name="connsiteY13" fmla="*/ 749300 h 825500"/>
-                <a:gd name="connsiteX14" fmla="*/ 838200 w 2616200"/>
-                <a:gd name="connsiteY14" fmla="*/ 685800 h 825500"/>
-                <a:gd name="connsiteX15" fmla="*/ 889000 w 2616200"/>
-                <a:gd name="connsiteY15" fmla="*/ 622300 h 825500"/>
-                <a:gd name="connsiteX16" fmla="*/ 927100 w 2616200"/>
-                <a:gd name="connsiteY16" fmla="*/ 558800 h 825500"/>
-                <a:gd name="connsiteX17" fmla="*/ 1028700 w 2616200"/>
-                <a:gd name="connsiteY17" fmla="*/ 469900 h 825500"/>
-                <a:gd name="connsiteX18" fmla="*/ 1130300 w 2616200"/>
-                <a:gd name="connsiteY18" fmla="*/ 381000 h 825500"/>
-                <a:gd name="connsiteX19" fmla="*/ 1219200 w 2616200"/>
-                <a:gd name="connsiteY19" fmla="*/ 342900 h 825500"/>
-                <a:gd name="connsiteX20" fmla="*/ 1308100 w 2616200"/>
-                <a:gd name="connsiteY20" fmla="*/ 292100 h 825500"/>
-                <a:gd name="connsiteX21" fmla="*/ 1384300 w 2616200"/>
-                <a:gd name="connsiteY21" fmla="*/ 266700 h 825500"/>
-                <a:gd name="connsiteX22" fmla="*/ 1511300 w 2616200"/>
-                <a:gd name="connsiteY22" fmla="*/ 215900 h 825500"/>
-                <a:gd name="connsiteX23" fmla="*/ 1612900 w 2616200"/>
-                <a:gd name="connsiteY23" fmla="*/ 203200 h 825500"/>
-                <a:gd name="connsiteX24" fmla="*/ 1993900 w 2616200"/>
-                <a:gd name="connsiteY24" fmla="*/ 88900 h 825500"/>
-                <a:gd name="connsiteX25" fmla="*/ 2235200 w 2616200"/>
-                <a:gd name="connsiteY25" fmla="*/ 63500 h 825500"/>
-                <a:gd name="connsiteX26" fmla="*/ 2387600 w 2616200"/>
-                <a:gd name="connsiteY26" fmla="*/ 38100 h 825500"/>
-                <a:gd name="connsiteX27" fmla="*/ 2476500 w 2616200"/>
-                <a:gd name="connsiteY27" fmla="*/ 25400 h 825500"/>
-                <a:gd name="connsiteX28" fmla="*/ 2514600 w 2616200"/>
-                <a:gd name="connsiteY28" fmla="*/ 12700 h 825500"/>
-                <a:gd name="connsiteX29" fmla="*/ 2616200 w 2616200"/>
-                <a:gd name="connsiteY29" fmla="*/ 0 h 825500"/>
-              </a:gdLst>
-              <a:ahLst/>
-              <a:cxnLst>
-                <a:cxn ang="0">
-                  <a:pos x="connsiteX0" y="connsiteY0"/>
-                </a:cxn>
-                <a:cxn ang="0">
-                  <a:pos x="connsiteX1" y="connsiteY1"/>
-                </a:cxn>
-                <a:cxn ang="0">
-                  <a:pos x="connsiteX2" y="connsiteY2"/>
-                </a:cxn>
-                <a:cxn ang="0">
-                  <a:pos x="connsiteX3" y="connsiteY3"/>
-                </a:cxn>
-                <a:cxn ang="0">
-                  <a:pos x="connsiteX4" y="connsiteY4"/>
-                </a:cxn>
-                <a:cxn ang="0">
-                  <a:pos x="connsiteX5" y="connsiteY5"/>
-                </a:cxn>
-                <a:cxn ang="0">
-                  <a:pos x="connsiteX6" y="connsiteY6"/>
-                </a:cxn>
-                <a:cxn ang="0">
-                  <a:pos x="connsiteX7" y="connsiteY7"/>
-                </a:cxn>
-                <a:cxn ang="0">
-                  <a:pos x="connsiteX8" y="connsiteY8"/>
-                </a:cxn>
-                <a:cxn ang="0">
-                  <a:pos x="connsiteX9" y="connsiteY9"/>
-                </a:cxn>
-                <a:cxn ang="0">
-                  <a:pos x="connsiteX10" y="connsiteY10"/>
-                </a:cxn>
-                <a:cxn ang="0">
-                  <a:pos x="connsiteX11" y="connsiteY11"/>
-                </a:cxn>
-                <a:cxn ang="0">
-                  <a:pos x="connsiteX12" y="connsiteY12"/>
-                </a:cxn>
-                <a:cxn ang="0">
-                  <a:pos x="connsiteX13" y="connsiteY13"/>
-                </a:cxn>
-                <a:cxn ang="0">
-                  <a:pos x="connsiteX14" y="connsiteY14"/>
-                </a:cxn>
-                <a:cxn ang="0">
-                  <a:pos x="connsiteX15" y="connsiteY15"/>
-                </a:cxn>
-                <a:cxn ang="0">
-                  <a:pos x="connsiteX16" y="connsiteY16"/>
-                </a:cxn>
-                <a:cxn ang="0">
-                  <a:pos x="connsiteX17" y="connsiteY17"/>
-                </a:cxn>
-                <a:cxn ang="0">
-                  <a:pos x="connsiteX18" y="connsiteY18"/>
-                </a:cxn>
-                <a:cxn ang="0">
-                  <a:pos x="connsiteX19" y="connsiteY19"/>
-                </a:cxn>
-                <a:cxn ang="0">
-                  <a:pos x="connsiteX20" y="connsiteY20"/>
-                </a:cxn>
-                <a:cxn ang="0">
-                  <a:pos x="connsiteX21" y="connsiteY21"/>
-                </a:cxn>
-                <a:cxn ang="0">
-                  <a:pos x="connsiteX22" y="connsiteY22"/>
-                </a:cxn>
-                <a:cxn ang="0">
-                  <a:pos x="connsiteX23" y="connsiteY23"/>
-                </a:cxn>
-                <a:cxn ang="0">
-                  <a:pos x="connsiteX24" y="connsiteY24"/>
-                </a:cxn>
-                <a:cxn ang="0">
-                  <a:pos x="connsiteX25" y="connsiteY25"/>
-                </a:cxn>
-                <a:cxn ang="0">
-                  <a:pos x="connsiteX26" y="connsiteY26"/>
-                </a:cxn>
-                <a:cxn ang="0">
-                  <a:pos x="connsiteX27" y="connsiteY27"/>
-                </a:cxn>
-                <a:cxn ang="0">
-                  <a:pos x="connsiteX28" y="connsiteY28"/>
-                </a:cxn>
-                <a:cxn ang="0">
-                  <a:pos x="connsiteX29" y="connsiteY29"/>
-                </a:cxn>
-              </a:cxnLst>
-              <a:rect l="l" t="t" r="r" b="b"/>
-              <a:pathLst>
-                <a:path w="2616200" h="825500">
-                  <a:moveTo>
-                    <a:pt x="0" y="304800"/>
-                  </a:moveTo>
-                  <a:cubicBezTo>
-                    <a:pt x="50800" y="317500"/>
-                    <a:pt x="102724" y="326341"/>
-                    <a:pt x="152400" y="342900"/>
-                  </a:cubicBezTo>
-                  <a:cubicBezTo>
-                    <a:pt x="166880" y="347727"/>
-                    <a:pt x="176848" y="361474"/>
-                    <a:pt x="190500" y="368300"/>
-                  </a:cubicBezTo>
-                  <a:cubicBezTo>
-                    <a:pt x="210890" y="378495"/>
-                    <a:pt x="234072" y="382629"/>
-                    <a:pt x="254000" y="393700"/>
-                  </a:cubicBezTo>
-                  <a:cubicBezTo>
-                    <a:pt x="397357" y="473343"/>
-                    <a:pt x="188922" y="386561"/>
-                    <a:pt x="381000" y="482600"/>
-                  </a:cubicBezTo>
-                  <a:cubicBezTo>
-                    <a:pt x="396612" y="490406"/>
-                    <a:pt x="414867" y="491067"/>
-                    <a:pt x="431800" y="495300"/>
-                  </a:cubicBezTo>
-                  <a:cubicBezTo>
-                    <a:pt x="465667" y="520700"/>
-                    <a:pt x="498177" y="548018"/>
-                    <a:pt x="533400" y="571500"/>
-                  </a:cubicBezTo>
-                  <a:cubicBezTo>
-                    <a:pt x="546100" y="579967"/>
-                    <a:pt x="559080" y="588028"/>
-                    <a:pt x="571500" y="596900"/>
-                  </a:cubicBezTo>
-                  <a:cubicBezTo>
-                    <a:pt x="588724" y="609203"/>
-                    <a:pt x="608238" y="619180"/>
-                    <a:pt x="622300" y="635000"/>
-                  </a:cubicBezTo>
-                  <a:cubicBezTo>
-                    <a:pt x="642581" y="657816"/>
-                    <a:pt x="651514" y="689614"/>
-                    <a:pt x="673100" y="711200"/>
-                  </a:cubicBezTo>
-                  <a:cubicBezTo>
-                    <a:pt x="701187" y="739287"/>
-                    <a:pt x="718919" y="752037"/>
-                    <a:pt x="736600" y="787400"/>
-                  </a:cubicBezTo>
-                  <a:cubicBezTo>
-                    <a:pt x="742587" y="799374"/>
-                    <a:pt x="745067" y="812800"/>
-                    <a:pt x="749300" y="825500"/>
-                  </a:cubicBezTo>
-                  <a:cubicBezTo>
-                    <a:pt x="757767" y="812800"/>
-                    <a:pt x="767874" y="801052"/>
-                    <a:pt x="774700" y="787400"/>
-                  </a:cubicBezTo>
-                  <a:cubicBezTo>
-                    <a:pt x="780687" y="775426"/>
-                    <a:pt x="780305" y="760652"/>
-                    <a:pt x="787400" y="749300"/>
-                  </a:cubicBezTo>
-                  <a:cubicBezTo>
-                    <a:pt x="801766" y="726314"/>
-                    <a:pt x="821267" y="706967"/>
-                    <a:pt x="838200" y="685800"/>
-                  </a:cubicBezTo>
-                  <a:cubicBezTo>
-                    <a:pt x="867505" y="597886"/>
-                    <a:pt x="826333" y="695412"/>
-                    <a:pt x="889000" y="622300"/>
-                  </a:cubicBezTo>
-                  <a:cubicBezTo>
-                    <a:pt x="905064" y="603558"/>
-                    <a:pt x="912289" y="578547"/>
-                    <a:pt x="927100" y="558800"/>
-                  </a:cubicBezTo>
-                  <a:cubicBezTo>
-                    <a:pt x="951124" y="526768"/>
-                    <a:pt x="1001347" y="493834"/>
-                    <a:pt x="1028700" y="469900"/>
-                  </a:cubicBezTo>
-                  <a:cubicBezTo>
-                    <a:pt x="1072352" y="431705"/>
-                    <a:pt x="1073324" y="414236"/>
-                    <a:pt x="1130300" y="381000"/>
-                  </a:cubicBezTo>
-                  <a:cubicBezTo>
-                    <a:pt x="1158148" y="364755"/>
-                    <a:pt x="1190364" y="357318"/>
-                    <a:pt x="1219200" y="342900"/>
-                  </a:cubicBezTo>
-                  <a:cubicBezTo>
-                    <a:pt x="1249727" y="327636"/>
-                    <a:pt x="1277111" y="306403"/>
-                    <a:pt x="1308100" y="292100"/>
-                  </a:cubicBezTo>
-                  <a:cubicBezTo>
-                    <a:pt x="1332410" y="280880"/>
-                    <a:pt x="1359231" y="276101"/>
-                    <a:pt x="1384300" y="266700"/>
-                  </a:cubicBezTo>
-                  <a:cubicBezTo>
-                    <a:pt x="1426991" y="250691"/>
-                    <a:pt x="1467369" y="228103"/>
-                    <a:pt x="1511300" y="215900"/>
-                  </a:cubicBezTo>
-                  <a:cubicBezTo>
-                    <a:pt x="1544185" y="206765"/>
-                    <a:pt x="1579033" y="207433"/>
-                    <a:pt x="1612900" y="203200"/>
-                  </a:cubicBezTo>
-                  <a:cubicBezTo>
-                    <a:pt x="1724130" y="162753"/>
-                    <a:pt x="1883672" y="99923"/>
-                    <a:pt x="1993900" y="88900"/>
-                  </a:cubicBezTo>
-                  <a:lnTo>
-                    <a:pt x="2235200" y="63500"/>
-                  </a:lnTo>
-                  <a:cubicBezTo>
-                    <a:pt x="2401222" y="42747"/>
-                    <a:pt x="2254543" y="60276"/>
-                    <a:pt x="2387600" y="38100"/>
-                  </a:cubicBezTo>
-                  <a:cubicBezTo>
-                    <a:pt x="2417127" y="33179"/>
-                    <a:pt x="2446867" y="29633"/>
-                    <a:pt x="2476500" y="25400"/>
-                  </a:cubicBezTo>
-                  <a:cubicBezTo>
-                    <a:pt x="2489200" y="21167"/>
-                    <a:pt x="2501429" y="15095"/>
-                    <a:pt x="2514600" y="12700"/>
-                  </a:cubicBezTo>
-                  <a:cubicBezTo>
-                    <a:pt x="2548180" y="6595"/>
-                    <a:pt x="2616200" y="0"/>
-                    <a:pt x="2616200" y="0"/>
-                  </a:cubicBezTo>
-                </a:path>
-              </a:pathLst>
-            </a:custGeom>
-            <a:noFill/>
-            <a:ln w="38100">
-              <a:solidFill>
-                <a:srgbClr val="00B050"/>
-              </a:solidFill>
-            </a:ln>
-          </p:spPr>
-          <p:style>
-            <a:lnRef idx="2">
-              <a:schemeClr val="accent1">
-                <a:shade val="50000"/>
-              </a:schemeClr>
-            </a:lnRef>
-            <a:fillRef idx="1">
-              <a:schemeClr val="accent1"/>
-            </a:fillRef>
-            <a:effectRef idx="0">
-              <a:schemeClr val="accent1"/>
-            </a:effectRef>
-            <a:fontRef idx="minor">
-              <a:schemeClr val="lt1"/>
-            </a:fontRef>
-          </p:style>
-          <p:txBody>
-            <a:bodyPr rtlCol="0" anchor="ctr"/>
-            <a:lstStyle/>
-            <a:p>
-              <a:pPr algn="ctr"/>
-              <a:endParaRPr lang="fr-FR"/>
-            </a:p>
-          </p:txBody>
-        </p:sp>
-        <p:sp>
-          <p:nvSpPr>
-            <p:cNvPr id="24" name="Forme libre 23"/>
-            <p:cNvSpPr/>
-            <p:nvPr/>
-          </p:nvSpPr>
-          <p:spPr>
-            <a:xfrm>
-              <a:off x="539552" y="3588916"/>
-              <a:ext cx="277416" cy="200124"/>
-            </a:xfrm>
-            <a:custGeom>
-              <a:avLst/>
-              <a:gdLst>
-                <a:gd name="connsiteX0" fmla="*/ 0 w 2616200"/>
-                <a:gd name="connsiteY0" fmla="*/ 304800 h 825500"/>
-                <a:gd name="connsiteX1" fmla="*/ 152400 w 2616200"/>
-                <a:gd name="connsiteY1" fmla="*/ 342900 h 825500"/>
-                <a:gd name="connsiteX2" fmla="*/ 190500 w 2616200"/>
-                <a:gd name="connsiteY2" fmla="*/ 368300 h 825500"/>
-                <a:gd name="connsiteX3" fmla="*/ 254000 w 2616200"/>
-                <a:gd name="connsiteY3" fmla="*/ 393700 h 825500"/>
-                <a:gd name="connsiteX4" fmla="*/ 381000 w 2616200"/>
-                <a:gd name="connsiteY4" fmla="*/ 482600 h 825500"/>
-                <a:gd name="connsiteX5" fmla="*/ 431800 w 2616200"/>
-                <a:gd name="connsiteY5" fmla="*/ 495300 h 825500"/>
-                <a:gd name="connsiteX6" fmla="*/ 533400 w 2616200"/>
-                <a:gd name="connsiteY6" fmla="*/ 571500 h 825500"/>
-                <a:gd name="connsiteX7" fmla="*/ 571500 w 2616200"/>
-                <a:gd name="connsiteY7" fmla="*/ 596900 h 825500"/>
-                <a:gd name="connsiteX8" fmla="*/ 622300 w 2616200"/>
-                <a:gd name="connsiteY8" fmla="*/ 635000 h 825500"/>
-                <a:gd name="connsiteX9" fmla="*/ 673100 w 2616200"/>
-                <a:gd name="connsiteY9" fmla="*/ 711200 h 825500"/>
-                <a:gd name="connsiteX10" fmla="*/ 736600 w 2616200"/>
-                <a:gd name="connsiteY10" fmla="*/ 787400 h 825500"/>
-                <a:gd name="connsiteX11" fmla="*/ 749300 w 2616200"/>
-                <a:gd name="connsiteY11" fmla="*/ 825500 h 825500"/>
-                <a:gd name="connsiteX12" fmla="*/ 774700 w 2616200"/>
-                <a:gd name="connsiteY12" fmla="*/ 787400 h 825500"/>
-                <a:gd name="connsiteX13" fmla="*/ 787400 w 2616200"/>
-                <a:gd name="connsiteY13" fmla="*/ 749300 h 825500"/>
-                <a:gd name="connsiteX14" fmla="*/ 838200 w 2616200"/>
-                <a:gd name="connsiteY14" fmla="*/ 685800 h 825500"/>
-                <a:gd name="connsiteX15" fmla="*/ 889000 w 2616200"/>
-                <a:gd name="connsiteY15" fmla="*/ 622300 h 825500"/>
-                <a:gd name="connsiteX16" fmla="*/ 927100 w 2616200"/>
-                <a:gd name="connsiteY16" fmla="*/ 558800 h 825500"/>
-                <a:gd name="connsiteX17" fmla="*/ 1028700 w 2616200"/>
-                <a:gd name="connsiteY17" fmla="*/ 469900 h 825500"/>
-                <a:gd name="connsiteX18" fmla="*/ 1130300 w 2616200"/>
-                <a:gd name="connsiteY18" fmla="*/ 381000 h 825500"/>
-                <a:gd name="connsiteX19" fmla="*/ 1219200 w 2616200"/>
-                <a:gd name="connsiteY19" fmla="*/ 342900 h 825500"/>
-                <a:gd name="connsiteX20" fmla="*/ 1308100 w 2616200"/>
-                <a:gd name="connsiteY20" fmla="*/ 292100 h 825500"/>
-                <a:gd name="connsiteX21" fmla="*/ 1384300 w 2616200"/>
-                <a:gd name="connsiteY21" fmla="*/ 266700 h 825500"/>
-                <a:gd name="connsiteX22" fmla="*/ 1511300 w 2616200"/>
-                <a:gd name="connsiteY22" fmla="*/ 215900 h 825500"/>
-                <a:gd name="connsiteX23" fmla="*/ 1612900 w 2616200"/>
-                <a:gd name="connsiteY23" fmla="*/ 203200 h 825500"/>
-                <a:gd name="connsiteX24" fmla="*/ 1993900 w 2616200"/>
-                <a:gd name="connsiteY24" fmla="*/ 88900 h 825500"/>
-                <a:gd name="connsiteX25" fmla="*/ 2235200 w 2616200"/>
-                <a:gd name="connsiteY25" fmla="*/ 63500 h 825500"/>
-                <a:gd name="connsiteX26" fmla="*/ 2387600 w 2616200"/>
-                <a:gd name="connsiteY26" fmla="*/ 38100 h 825500"/>
-                <a:gd name="connsiteX27" fmla="*/ 2476500 w 2616200"/>
-                <a:gd name="connsiteY27" fmla="*/ 25400 h 825500"/>
-                <a:gd name="connsiteX28" fmla="*/ 2514600 w 2616200"/>
-                <a:gd name="connsiteY28" fmla="*/ 12700 h 825500"/>
-                <a:gd name="connsiteX29" fmla="*/ 2616200 w 2616200"/>
-                <a:gd name="connsiteY29" fmla="*/ 0 h 825500"/>
-              </a:gdLst>
-              <a:ahLst/>
-              <a:cxnLst>
-                <a:cxn ang="0">
-                  <a:pos x="connsiteX0" y="connsiteY0"/>
-                </a:cxn>
-                <a:cxn ang="0">
-                  <a:pos x="connsiteX1" y="connsiteY1"/>
-                </a:cxn>
-                <a:cxn ang="0">
-                  <a:pos x="connsiteX2" y="connsiteY2"/>
-                </a:cxn>
-                <a:cxn ang="0">
-                  <a:pos x="connsiteX3" y="connsiteY3"/>
-                </a:cxn>
-                <a:cxn ang="0">
-                  <a:pos x="connsiteX4" y="connsiteY4"/>
-                </a:cxn>
-                <a:cxn ang="0">
-                  <a:pos x="connsiteX5" y="connsiteY5"/>
-                </a:cxn>
-                <a:cxn ang="0">
-                  <a:pos x="connsiteX6" y="connsiteY6"/>
-                </a:cxn>
-                <a:cxn ang="0">
-                  <a:pos x="connsiteX7" y="connsiteY7"/>
-                </a:cxn>
-                <a:cxn ang="0">
-                  <a:pos x="connsiteX8" y="connsiteY8"/>
-                </a:cxn>
-                <a:cxn ang="0">
-                  <a:pos x="connsiteX9" y="connsiteY9"/>
-                </a:cxn>
-                <a:cxn ang="0">
-                  <a:pos x="connsiteX10" y="connsiteY10"/>
-                </a:cxn>
-                <a:cxn ang="0">
-                  <a:pos x="connsiteX11" y="connsiteY11"/>
-                </a:cxn>
-                <a:cxn ang="0">
-                  <a:pos x="connsiteX12" y="connsiteY12"/>
-                </a:cxn>
-                <a:cxn ang="0">
-                  <a:pos x="connsiteX13" y="connsiteY13"/>
-                </a:cxn>
-                <a:cxn ang="0">
-                  <a:pos x="connsiteX14" y="connsiteY14"/>
-                </a:cxn>
-                <a:cxn ang="0">
-                  <a:pos x="connsiteX15" y="connsiteY15"/>
-                </a:cxn>
-                <a:cxn ang="0">
-                  <a:pos x="connsiteX16" y="connsiteY16"/>
-                </a:cxn>
-                <a:cxn ang="0">
-                  <a:pos x="connsiteX17" y="connsiteY17"/>
-                </a:cxn>
-                <a:cxn ang="0">
-                  <a:pos x="connsiteX18" y="connsiteY18"/>
-                </a:cxn>
-                <a:cxn ang="0">
-                  <a:pos x="connsiteX19" y="connsiteY19"/>
-                </a:cxn>
-                <a:cxn ang="0">
-                  <a:pos x="connsiteX20" y="connsiteY20"/>
-                </a:cxn>
-                <a:cxn ang="0">
-                  <a:pos x="connsiteX21" y="connsiteY21"/>
-                </a:cxn>
-                <a:cxn ang="0">
-                  <a:pos x="connsiteX22" y="connsiteY22"/>
-                </a:cxn>
-                <a:cxn ang="0">
-                  <a:pos x="connsiteX23" y="connsiteY23"/>
-                </a:cxn>
-                <a:cxn ang="0">
-                  <a:pos x="connsiteX24" y="connsiteY24"/>
-                </a:cxn>
-                <a:cxn ang="0">
-                  <a:pos x="connsiteX25" y="connsiteY25"/>
-                </a:cxn>
-                <a:cxn ang="0">
-                  <a:pos x="connsiteX26" y="connsiteY26"/>
-                </a:cxn>
-                <a:cxn ang="0">
-                  <a:pos x="connsiteX27" y="connsiteY27"/>
-                </a:cxn>
-                <a:cxn ang="0">
-                  <a:pos x="connsiteX28" y="connsiteY28"/>
-                </a:cxn>
-                <a:cxn ang="0">
-                  <a:pos x="connsiteX29" y="connsiteY29"/>
-                </a:cxn>
-              </a:cxnLst>
-              <a:rect l="l" t="t" r="r" b="b"/>
-              <a:pathLst>
-                <a:path w="2616200" h="825500">
-                  <a:moveTo>
-                    <a:pt x="0" y="304800"/>
-                  </a:moveTo>
-                  <a:cubicBezTo>
-                    <a:pt x="50800" y="317500"/>
-                    <a:pt x="102724" y="326341"/>
-                    <a:pt x="152400" y="342900"/>
-                  </a:cubicBezTo>
-                  <a:cubicBezTo>
-                    <a:pt x="166880" y="347727"/>
-                    <a:pt x="176848" y="361474"/>
-                    <a:pt x="190500" y="368300"/>
-                  </a:cubicBezTo>
-                  <a:cubicBezTo>
-                    <a:pt x="210890" y="378495"/>
-                    <a:pt x="234072" y="382629"/>
-                    <a:pt x="254000" y="393700"/>
-                  </a:cubicBezTo>
-                  <a:cubicBezTo>
-                    <a:pt x="397357" y="473343"/>
-                    <a:pt x="188922" y="386561"/>
-                    <a:pt x="381000" y="482600"/>
-                  </a:cubicBezTo>
-                  <a:cubicBezTo>
-                    <a:pt x="396612" y="490406"/>
-                    <a:pt x="414867" y="491067"/>
-                    <a:pt x="431800" y="495300"/>
-                  </a:cubicBezTo>
-                  <a:cubicBezTo>
-                    <a:pt x="465667" y="520700"/>
-                    <a:pt x="498177" y="548018"/>
-                    <a:pt x="533400" y="571500"/>
-                  </a:cubicBezTo>
-                  <a:cubicBezTo>
-                    <a:pt x="546100" y="579967"/>
-                    <a:pt x="559080" y="588028"/>
-                    <a:pt x="571500" y="596900"/>
-                  </a:cubicBezTo>
-                  <a:cubicBezTo>
-                    <a:pt x="588724" y="609203"/>
-                    <a:pt x="608238" y="619180"/>
-                    <a:pt x="622300" y="635000"/>
-                  </a:cubicBezTo>
-                  <a:cubicBezTo>
-                    <a:pt x="642581" y="657816"/>
-                    <a:pt x="651514" y="689614"/>
-                    <a:pt x="673100" y="711200"/>
-                  </a:cubicBezTo>
-                  <a:cubicBezTo>
-                    <a:pt x="701187" y="739287"/>
-                    <a:pt x="718919" y="752037"/>
-                    <a:pt x="736600" y="787400"/>
-                  </a:cubicBezTo>
-                  <a:cubicBezTo>
-                    <a:pt x="742587" y="799374"/>
-                    <a:pt x="745067" y="812800"/>
-                    <a:pt x="749300" y="825500"/>
-                  </a:cubicBezTo>
-                  <a:cubicBezTo>
-                    <a:pt x="757767" y="812800"/>
-                    <a:pt x="767874" y="801052"/>
-                    <a:pt x="774700" y="787400"/>
-                  </a:cubicBezTo>
-                  <a:cubicBezTo>
-                    <a:pt x="780687" y="775426"/>
-                    <a:pt x="780305" y="760652"/>
-                    <a:pt x="787400" y="749300"/>
-                  </a:cubicBezTo>
-                  <a:cubicBezTo>
-                    <a:pt x="801766" y="726314"/>
-                    <a:pt x="821267" y="706967"/>
-                    <a:pt x="838200" y="685800"/>
-                  </a:cubicBezTo>
-                  <a:cubicBezTo>
-                    <a:pt x="867505" y="597886"/>
-                    <a:pt x="826333" y="695412"/>
-                    <a:pt x="889000" y="622300"/>
-                  </a:cubicBezTo>
-                  <a:cubicBezTo>
-                    <a:pt x="905064" y="603558"/>
-                    <a:pt x="912289" y="578547"/>
-                    <a:pt x="927100" y="558800"/>
-                  </a:cubicBezTo>
-                  <a:cubicBezTo>
-                    <a:pt x="951124" y="526768"/>
-                    <a:pt x="1001347" y="493834"/>
-                    <a:pt x="1028700" y="469900"/>
-                  </a:cubicBezTo>
-                  <a:cubicBezTo>
-                    <a:pt x="1072352" y="431705"/>
-                    <a:pt x="1073324" y="414236"/>
-                    <a:pt x="1130300" y="381000"/>
-                  </a:cubicBezTo>
-                  <a:cubicBezTo>
-                    <a:pt x="1158148" y="364755"/>
-                    <a:pt x="1190364" y="357318"/>
-                    <a:pt x="1219200" y="342900"/>
-                  </a:cubicBezTo>
-                  <a:cubicBezTo>
-                    <a:pt x="1249727" y="327636"/>
-                    <a:pt x="1277111" y="306403"/>
-                    <a:pt x="1308100" y="292100"/>
-                  </a:cubicBezTo>
-                  <a:cubicBezTo>
-                    <a:pt x="1332410" y="280880"/>
-                    <a:pt x="1359231" y="276101"/>
-                    <a:pt x="1384300" y="266700"/>
-                  </a:cubicBezTo>
-                  <a:cubicBezTo>
-                    <a:pt x="1426991" y="250691"/>
-                    <a:pt x="1467369" y="228103"/>
-                    <a:pt x="1511300" y="215900"/>
-                  </a:cubicBezTo>
-                  <a:cubicBezTo>
-                    <a:pt x="1544185" y="206765"/>
-                    <a:pt x="1579033" y="207433"/>
-                    <a:pt x="1612900" y="203200"/>
-                  </a:cubicBezTo>
-                  <a:cubicBezTo>
-                    <a:pt x="1724130" y="162753"/>
-                    <a:pt x="1883672" y="99923"/>
-                    <a:pt x="1993900" y="88900"/>
-                  </a:cubicBezTo>
-                  <a:lnTo>
-                    <a:pt x="2235200" y="63500"/>
-                  </a:lnTo>
-                  <a:cubicBezTo>
-                    <a:pt x="2401222" y="42747"/>
-                    <a:pt x="2254543" y="60276"/>
-                    <a:pt x="2387600" y="38100"/>
-                  </a:cubicBezTo>
-                  <a:cubicBezTo>
-                    <a:pt x="2417127" y="33179"/>
-                    <a:pt x="2446867" y="29633"/>
-                    <a:pt x="2476500" y="25400"/>
-                  </a:cubicBezTo>
-                  <a:cubicBezTo>
-                    <a:pt x="2489200" y="21167"/>
-                    <a:pt x="2501429" y="15095"/>
-                    <a:pt x="2514600" y="12700"/>
-                  </a:cubicBezTo>
-                  <a:cubicBezTo>
-                    <a:pt x="2548180" y="6595"/>
-                    <a:pt x="2616200" y="0"/>
-                    <a:pt x="2616200" y="0"/>
-                  </a:cubicBezTo>
-                </a:path>
-              </a:pathLst>
-            </a:custGeom>
-            <a:noFill/>
-            <a:ln w="38100">
-              <a:solidFill>
-                <a:srgbClr val="00B050"/>
-              </a:solidFill>
-            </a:ln>
-          </p:spPr>
-          <p:style>
-            <a:lnRef idx="2">
-              <a:schemeClr val="accent1">
-                <a:shade val="50000"/>
-              </a:schemeClr>
-            </a:lnRef>
-            <a:fillRef idx="1">
-              <a:schemeClr val="accent1"/>
-            </a:fillRef>
-            <a:effectRef idx="0">
-              <a:schemeClr val="accent1"/>
-            </a:effectRef>
-            <a:fontRef idx="minor">
-              <a:schemeClr val="lt1"/>
-            </a:fontRef>
-          </p:style>
-          <p:txBody>
-            <a:bodyPr rtlCol="0" anchor="ctr"/>
-            <a:lstStyle/>
-            <a:p>
-              <a:pPr algn="ctr"/>
-              <a:endParaRPr lang="fr-FR"/>
-            </a:p>
-          </p:txBody>
-        </p:sp>
-        <p:sp>
-          <p:nvSpPr>
-            <p:cNvPr id="25" name="Forme libre 24"/>
-            <p:cNvSpPr/>
-            <p:nvPr/>
-          </p:nvSpPr>
-          <p:spPr>
-            <a:xfrm>
-              <a:off x="550168" y="4939407"/>
-              <a:ext cx="277416" cy="200124"/>
-            </a:xfrm>
-            <a:custGeom>
-              <a:avLst/>
-              <a:gdLst>
-                <a:gd name="connsiteX0" fmla="*/ 0 w 2616200"/>
-                <a:gd name="connsiteY0" fmla="*/ 304800 h 825500"/>
-                <a:gd name="connsiteX1" fmla="*/ 152400 w 2616200"/>
-                <a:gd name="connsiteY1" fmla="*/ 342900 h 825500"/>
-                <a:gd name="connsiteX2" fmla="*/ 190500 w 2616200"/>
-                <a:gd name="connsiteY2" fmla="*/ 368300 h 825500"/>
-                <a:gd name="connsiteX3" fmla="*/ 254000 w 2616200"/>
-                <a:gd name="connsiteY3" fmla="*/ 393700 h 825500"/>
-                <a:gd name="connsiteX4" fmla="*/ 381000 w 2616200"/>
-                <a:gd name="connsiteY4" fmla="*/ 482600 h 825500"/>
-                <a:gd name="connsiteX5" fmla="*/ 431800 w 2616200"/>
-                <a:gd name="connsiteY5" fmla="*/ 495300 h 825500"/>
-                <a:gd name="connsiteX6" fmla="*/ 533400 w 2616200"/>
-                <a:gd name="connsiteY6" fmla="*/ 571500 h 825500"/>
-                <a:gd name="connsiteX7" fmla="*/ 571500 w 2616200"/>
-                <a:gd name="connsiteY7" fmla="*/ 596900 h 825500"/>
-                <a:gd name="connsiteX8" fmla="*/ 622300 w 2616200"/>
-                <a:gd name="connsiteY8" fmla="*/ 635000 h 825500"/>
-                <a:gd name="connsiteX9" fmla="*/ 673100 w 2616200"/>
-                <a:gd name="connsiteY9" fmla="*/ 711200 h 825500"/>
-                <a:gd name="connsiteX10" fmla="*/ 736600 w 2616200"/>
-                <a:gd name="connsiteY10" fmla="*/ 787400 h 825500"/>
-                <a:gd name="connsiteX11" fmla="*/ 749300 w 2616200"/>
-                <a:gd name="connsiteY11" fmla="*/ 825500 h 825500"/>
-                <a:gd name="connsiteX12" fmla="*/ 774700 w 2616200"/>
-                <a:gd name="connsiteY12" fmla="*/ 787400 h 825500"/>
-                <a:gd name="connsiteX13" fmla="*/ 787400 w 2616200"/>
-                <a:gd name="connsiteY13" fmla="*/ 749300 h 825500"/>
-                <a:gd name="connsiteX14" fmla="*/ 838200 w 2616200"/>
-                <a:gd name="connsiteY14" fmla="*/ 685800 h 825500"/>
-                <a:gd name="connsiteX15" fmla="*/ 889000 w 2616200"/>
-                <a:gd name="connsiteY15" fmla="*/ 622300 h 825500"/>
-                <a:gd name="connsiteX16" fmla="*/ 927100 w 2616200"/>
-                <a:gd name="connsiteY16" fmla="*/ 558800 h 825500"/>
-                <a:gd name="connsiteX17" fmla="*/ 1028700 w 2616200"/>
-                <a:gd name="connsiteY17" fmla="*/ 469900 h 825500"/>
-                <a:gd name="connsiteX18" fmla="*/ 1130300 w 2616200"/>
-                <a:gd name="connsiteY18" fmla="*/ 381000 h 825500"/>
-                <a:gd name="connsiteX19" fmla="*/ 1219200 w 2616200"/>
-                <a:gd name="connsiteY19" fmla="*/ 342900 h 825500"/>
-                <a:gd name="connsiteX20" fmla="*/ 1308100 w 2616200"/>
-                <a:gd name="connsiteY20" fmla="*/ 292100 h 825500"/>
-                <a:gd name="connsiteX21" fmla="*/ 1384300 w 2616200"/>
-                <a:gd name="connsiteY21" fmla="*/ 266700 h 825500"/>
-                <a:gd name="connsiteX22" fmla="*/ 1511300 w 2616200"/>
-                <a:gd name="connsiteY22" fmla="*/ 215900 h 825500"/>
-                <a:gd name="connsiteX23" fmla="*/ 1612900 w 2616200"/>
-                <a:gd name="connsiteY23" fmla="*/ 203200 h 825500"/>
-                <a:gd name="connsiteX24" fmla="*/ 1993900 w 2616200"/>
-                <a:gd name="connsiteY24" fmla="*/ 88900 h 825500"/>
-                <a:gd name="connsiteX25" fmla="*/ 2235200 w 2616200"/>
-                <a:gd name="connsiteY25" fmla="*/ 63500 h 825500"/>
-                <a:gd name="connsiteX26" fmla="*/ 2387600 w 2616200"/>
-                <a:gd name="connsiteY26" fmla="*/ 38100 h 825500"/>
-                <a:gd name="connsiteX27" fmla="*/ 2476500 w 2616200"/>
-                <a:gd name="connsiteY27" fmla="*/ 25400 h 825500"/>
-                <a:gd name="connsiteX28" fmla="*/ 2514600 w 2616200"/>
-                <a:gd name="connsiteY28" fmla="*/ 12700 h 825500"/>
-                <a:gd name="connsiteX29" fmla="*/ 2616200 w 2616200"/>
-                <a:gd name="connsiteY29" fmla="*/ 0 h 825500"/>
-              </a:gdLst>
-              <a:ahLst/>
-              <a:cxnLst>
-                <a:cxn ang="0">
-                  <a:pos x="connsiteX0" y="connsiteY0"/>
-                </a:cxn>
-                <a:cxn ang="0">
-                  <a:pos x="connsiteX1" y="connsiteY1"/>
-                </a:cxn>
-                <a:cxn ang="0">
-                  <a:pos x="connsiteX2" y="connsiteY2"/>
-                </a:cxn>
-                <a:cxn ang="0">
-                  <a:pos x="connsiteX3" y="connsiteY3"/>
-                </a:cxn>
-                <a:cxn ang="0">
-                  <a:pos x="connsiteX4" y="connsiteY4"/>
-                </a:cxn>
-                <a:cxn ang="0">
-                  <a:pos x="connsiteX5" y="connsiteY5"/>
-                </a:cxn>
-                <a:cxn ang="0">
-                  <a:pos x="connsiteX6" y="connsiteY6"/>
-                </a:cxn>
-                <a:cxn ang="0">
-                  <a:pos x="connsiteX7" y="connsiteY7"/>
-                </a:cxn>
-                <a:cxn ang="0">
-                  <a:pos x="connsiteX8" y="connsiteY8"/>
-                </a:cxn>
-                <a:cxn ang="0">
-                  <a:pos x="connsiteX9" y="connsiteY9"/>
-                </a:cxn>
-                <a:cxn ang="0">
-                  <a:pos x="connsiteX10" y="connsiteY10"/>
-                </a:cxn>
-                <a:cxn ang="0">
-                  <a:pos x="connsiteX11" y="connsiteY11"/>
-                </a:cxn>
-                <a:cxn ang="0">
-                  <a:pos x="connsiteX12" y="connsiteY12"/>
-                </a:cxn>
-                <a:cxn ang="0">
-                  <a:pos x="connsiteX13" y="connsiteY13"/>
-                </a:cxn>
-                <a:cxn ang="0">
-                  <a:pos x="connsiteX14" y="connsiteY14"/>
-                </a:cxn>
-                <a:cxn ang="0">
-                  <a:pos x="connsiteX15" y="connsiteY15"/>
-                </a:cxn>
-                <a:cxn ang="0">
-                  <a:pos x="connsiteX16" y="connsiteY16"/>
-                </a:cxn>
-                <a:cxn ang="0">
-                  <a:pos x="connsiteX17" y="connsiteY17"/>
-                </a:cxn>
-                <a:cxn ang="0">
-                  <a:pos x="connsiteX18" y="connsiteY18"/>
-                </a:cxn>
-                <a:cxn ang="0">
-                  <a:pos x="connsiteX19" y="connsiteY19"/>
-                </a:cxn>
-                <a:cxn ang="0">
-                  <a:pos x="connsiteX20" y="connsiteY20"/>
-                </a:cxn>
-                <a:cxn ang="0">
-                  <a:pos x="connsiteX21" y="connsiteY21"/>
-                </a:cxn>
-                <a:cxn ang="0">
-                  <a:pos x="connsiteX22" y="connsiteY22"/>
-                </a:cxn>
-                <a:cxn ang="0">
-                  <a:pos x="connsiteX23" y="connsiteY23"/>
-                </a:cxn>
-                <a:cxn ang="0">
-                  <a:pos x="connsiteX24" y="connsiteY24"/>
-                </a:cxn>
-                <a:cxn ang="0">
-                  <a:pos x="connsiteX25" y="connsiteY25"/>
-                </a:cxn>
-                <a:cxn ang="0">
-                  <a:pos x="connsiteX26" y="connsiteY26"/>
-                </a:cxn>
-                <a:cxn ang="0">
-                  <a:pos x="connsiteX27" y="connsiteY27"/>
-                </a:cxn>
-                <a:cxn ang="0">
-                  <a:pos x="connsiteX28" y="connsiteY28"/>
-                </a:cxn>
-                <a:cxn ang="0">
-                  <a:pos x="connsiteX29" y="connsiteY29"/>
-                </a:cxn>
-              </a:cxnLst>
-              <a:rect l="l" t="t" r="r" b="b"/>
-              <a:pathLst>
-                <a:path w="2616200" h="825500">
-                  <a:moveTo>
-                    <a:pt x="0" y="304800"/>
-                  </a:moveTo>
-                  <a:cubicBezTo>
-                    <a:pt x="50800" y="317500"/>
-                    <a:pt x="102724" y="326341"/>
-                    <a:pt x="152400" y="342900"/>
-                  </a:cubicBezTo>
-                  <a:cubicBezTo>
-                    <a:pt x="166880" y="347727"/>
-                    <a:pt x="176848" y="361474"/>
-                    <a:pt x="190500" y="368300"/>
-                  </a:cubicBezTo>
-                  <a:cubicBezTo>
-                    <a:pt x="210890" y="378495"/>
-                    <a:pt x="234072" y="382629"/>
-                    <a:pt x="254000" y="393700"/>
-                  </a:cubicBezTo>
-                  <a:cubicBezTo>
-                    <a:pt x="397357" y="473343"/>
-                    <a:pt x="188922" y="386561"/>
-                    <a:pt x="381000" y="482600"/>
-                  </a:cubicBezTo>
-                  <a:cubicBezTo>
-                    <a:pt x="396612" y="490406"/>
-                    <a:pt x="414867" y="491067"/>
-                    <a:pt x="431800" y="495300"/>
-                  </a:cubicBezTo>
-                  <a:cubicBezTo>
-                    <a:pt x="465667" y="520700"/>
-                    <a:pt x="498177" y="548018"/>
-                    <a:pt x="533400" y="571500"/>
-                  </a:cubicBezTo>
-                  <a:cubicBezTo>
-                    <a:pt x="546100" y="579967"/>
-                    <a:pt x="559080" y="588028"/>
-                    <a:pt x="571500" y="596900"/>
-                  </a:cubicBezTo>
-                  <a:cubicBezTo>
-                    <a:pt x="588724" y="609203"/>
-                    <a:pt x="608238" y="619180"/>
-                    <a:pt x="622300" y="635000"/>
-                  </a:cubicBezTo>
-                  <a:cubicBezTo>
-                    <a:pt x="642581" y="657816"/>
-                    <a:pt x="651514" y="689614"/>
-                    <a:pt x="673100" y="711200"/>
-                  </a:cubicBezTo>
-                  <a:cubicBezTo>
-                    <a:pt x="701187" y="739287"/>
-                    <a:pt x="718919" y="752037"/>
-                    <a:pt x="736600" y="787400"/>
-                  </a:cubicBezTo>
-                  <a:cubicBezTo>
-                    <a:pt x="742587" y="799374"/>
-                    <a:pt x="745067" y="812800"/>
-                    <a:pt x="749300" y="825500"/>
-                  </a:cubicBezTo>
-                  <a:cubicBezTo>
-                    <a:pt x="757767" y="812800"/>
-                    <a:pt x="767874" y="801052"/>
-                    <a:pt x="774700" y="787400"/>
-                  </a:cubicBezTo>
-                  <a:cubicBezTo>
-                    <a:pt x="780687" y="775426"/>
-                    <a:pt x="780305" y="760652"/>
-                    <a:pt x="787400" y="749300"/>
-                  </a:cubicBezTo>
-                  <a:cubicBezTo>
-                    <a:pt x="801766" y="726314"/>
-                    <a:pt x="821267" y="706967"/>
-                    <a:pt x="838200" y="685800"/>
-                  </a:cubicBezTo>
-                  <a:cubicBezTo>
-                    <a:pt x="867505" y="597886"/>
-                    <a:pt x="826333" y="695412"/>
-                    <a:pt x="889000" y="622300"/>
-                  </a:cubicBezTo>
-                  <a:cubicBezTo>
-                    <a:pt x="905064" y="603558"/>
-                    <a:pt x="912289" y="578547"/>
-                    <a:pt x="927100" y="558800"/>
-                  </a:cubicBezTo>
-                  <a:cubicBezTo>
-                    <a:pt x="951124" y="526768"/>
-                    <a:pt x="1001347" y="493834"/>
-                    <a:pt x="1028700" y="469900"/>
-                  </a:cubicBezTo>
-                  <a:cubicBezTo>
-                    <a:pt x="1072352" y="431705"/>
-                    <a:pt x="1073324" y="414236"/>
-                    <a:pt x="1130300" y="381000"/>
-                  </a:cubicBezTo>
-                  <a:cubicBezTo>
-                    <a:pt x="1158148" y="364755"/>
-                    <a:pt x="1190364" y="357318"/>
-                    <a:pt x="1219200" y="342900"/>
-                  </a:cubicBezTo>
-                  <a:cubicBezTo>
-                    <a:pt x="1249727" y="327636"/>
-                    <a:pt x="1277111" y="306403"/>
-                    <a:pt x="1308100" y="292100"/>
-                  </a:cubicBezTo>
-                  <a:cubicBezTo>
-                    <a:pt x="1332410" y="280880"/>
-                    <a:pt x="1359231" y="276101"/>
-                    <a:pt x="1384300" y="266700"/>
-                  </a:cubicBezTo>
-                  <a:cubicBezTo>
-                    <a:pt x="1426991" y="250691"/>
-                    <a:pt x="1467369" y="228103"/>
-                    <a:pt x="1511300" y="215900"/>
-                  </a:cubicBezTo>
-                  <a:cubicBezTo>
-                    <a:pt x="1544185" y="206765"/>
-                    <a:pt x="1579033" y="207433"/>
-                    <a:pt x="1612900" y="203200"/>
-                  </a:cubicBezTo>
-                  <a:cubicBezTo>
-                    <a:pt x="1724130" y="162753"/>
-                    <a:pt x="1883672" y="99923"/>
-                    <a:pt x="1993900" y="88900"/>
-                  </a:cubicBezTo>
-                  <a:lnTo>
-                    <a:pt x="2235200" y="63500"/>
-                  </a:lnTo>
-                  <a:cubicBezTo>
-                    <a:pt x="2401222" y="42747"/>
-                    <a:pt x="2254543" y="60276"/>
-                    <a:pt x="2387600" y="38100"/>
-                  </a:cubicBezTo>
-                  <a:cubicBezTo>
-                    <a:pt x="2417127" y="33179"/>
-                    <a:pt x="2446867" y="29633"/>
-                    <a:pt x="2476500" y="25400"/>
-                  </a:cubicBezTo>
-                  <a:cubicBezTo>
-                    <a:pt x="2489200" y="21167"/>
-                    <a:pt x="2501429" y="15095"/>
-                    <a:pt x="2514600" y="12700"/>
-                  </a:cubicBezTo>
-                  <a:cubicBezTo>
-                    <a:pt x="2548180" y="6595"/>
-                    <a:pt x="2616200" y="0"/>
-                    <a:pt x="2616200" y="0"/>
-                  </a:cubicBezTo>
-                </a:path>
-              </a:pathLst>
-            </a:custGeom>
-            <a:noFill/>
-            <a:ln w="38100">
-              <a:solidFill>
-                <a:srgbClr val="00B050"/>
-              </a:solidFill>
-            </a:ln>
-          </p:spPr>
-          <p:style>
-            <a:lnRef idx="2">
-              <a:schemeClr val="accent1">
-                <a:shade val="50000"/>
-              </a:schemeClr>
-            </a:lnRef>
-            <a:fillRef idx="1">
-              <a:schemeClr val="accent1"/>
-            </a:fillRef>
-            <a:effectRef idx="0">
-              <a:schemeClr val="accent1"/>
-            </a:effectRef>
-            <a:fontRef idx="minor">
-              <a:schemeClr val="lt1"/>
-            </a:fontRef>
-          </p:style>
-          <p:txBody>
-            <a:bodyPr rtlCol="0" anchor="ctr"/>
-            <a:lstStyle/>
-            <a:p>
-              <a:pPr algn="ctr"/>
-              <a:endParaRPr lang="fr-FR"/>
-            </a:p>
-          </p:txBody>
-        </p:sp>
-        <p:sp>
-          <p:nvSpPr>
-            <p:cNvPr id="26" name="Forme libre 25"/>
-            <p:cNvSpPr/>
-            <p:nvPr/>
-          </p:nvSpPr>
-          <p:spPr>
-            <a:xfrm>
-              <a:off x="539552" y="5229200"/>
-              <a:ext cx="277416" cy="200124"/>
-            </a:xfrm>
-            <a:custGeom>
-              <a:avLst/>
-              <a:gdLst>
-                <a:gd name="connsiteX0" fmla="*/ 0 w 2616200"/>
-                <a:gd name="connsiteY0" fmla="*/ 304800 h 825500"/>
-                <a:gd name="connsiteX1" fmla="*/ 152400 w 2616200"/>
-                <a:gd name="connsiteY1" fmla="*/ 342900 h 825500"/>
-                <a:gd name="connsiteX2" fmla="*/ 190500 w 2616200"/>
-                <a:gd name="connsiteY2" fmla="*/ 368300 h 825500"/>
-                <a:gd name="connsiteX3" fmla="*/ 254000 w 2616200"/>
-                <a:gd name="connsiteY3" fmla="*/ 393700 h 825500"/>
-                <a:gd name="connsiteX4" fmla="*/ 381000 w 2616200"/>
-                <a:gd name="connsiteY4" fmla="*/ 482600 h 825500"/>
-                <a:gd name="connsiteX5" fmla="*/ 431800 w 2616200"/>
-                <a:gd name="connsiteY5" fmla="*/ 495300 h 825500"/>
-                <a:gd name="connsiteX6" fmla="*/ 533400 w 2616200"/>
-                <a:gd name="connsiteY6" fmla="*/ 571500 h 825500"/>
-                <a:gd name="connsiteX7" fmla="*/ 571500 w 2616200"/>
-                <a:gd name="connsiteY7" fmla="*/ 596900 h 825500"/>
-                <a:gd name="connsiteX8" fmla="*/ 622300 w 2616200"/>
-                <a:gd name="connsiteY8" fmla="*/ 635000 h 825500"/>
-                <a:gd name="connsiteX9" fmla="*/ 673100 w 2616200"/>
-                <a:gd name="connsiteY9" fmla="*/ 711200 h 825500"/>
-                <a:gd name="connsiteX10" fmla="*/ 736600 w 2616200"/>
-                <a:gd name="connsiteY10" fmla="*/ 787400 h 825500"/>
-                <a:gd name="connsiteX11" fmla="*/ 749300 w 2616200"/>
-                <a:gd name="connsiteY11" fmla="*/ 825500 h 825500"/>
-                <a:gd name="connsiteX12" fmla="*/ 774700 w 2616200"/>
-                <a:gd name="connsiteY12" fmla="*/ 787400 h 825500"/>
-                <a:gd name="connsiteX13" fmla="*/ 787400 w 2616200"/>
-                <a:gd name="connsiteY13" fmla="*/ 749300 h 825500"/>
-                <a:gd name="connsiteX14" fmla="*/ 838200 w 2616200"/>
-                <a:gd name="connsiteY14" fmla="*/ 685800 h 825500"/>
-                <a:gd name="connsiteX15" fmla="*/ 889000 w 2616200"/>
-                <a:gd name="connsiteY15" fmla="*/ 622300 h 825500"/>
-                <a:gd name="connsiteX16" fmla="*/ 927100 w 2616200"/>
-                <a:gd name="connsiteY16" fmla="*/ 558800 h 825500"/>
-                <a:gd name="connsiteX17" fmla="*/ 1028700 w 2616200"/>
-                <a:gd name="connsiteY17" fmla="*/ 469900 h 825500"/>
-                <a:gd name="connsiteX18" fmla="*/ 1130300 w 2616200"/>
-                <a:gd name="connsiteY18" fmla="*/ 381000 h 825500"/>
-                <a:gd name="connsiteX19" fmla="*/ 1219200 w 2616200"/>
-                <a:gd name="connsiteY19" fmla="*/ 342900 h 825500"/>
-                <a:gd name="connsiteX20" fmla="*/ 1308100 w 2616200"/>
-                <a:gd name="connsiteY20" fmla="*/ 292100 h 825500"/>
-                <a:gd name="connsiteX21" fmla="*/ 1384300 w 2616200"/>
-                <a:gd name="connsiteY21" fmla="*/ 266700 h 825500"/>
-                <a:gd name="connsiteX22" fmla="*/ 1511300 w 2616200"/>
-                <a:gd name="connsiteY22" fmla="*/ 215900 h 825500"/>
-                <a:gd name="connsiteX23" fmla="*/ 1612900 w 2616200"/>
-                <a:gd name="connsiteY23" fmla="*/ 203200 h 825500"/>
-                <a:gd name="connsiteX24" fmla="*/ 1993900 w 2616200"/>
-                <a:gd name="connsiteY24" fmla="*/ 88900 h 825500"/>
-                <a:gd name="connsiteX25" fmla="*/ 2235200 w 2616200"/>
-                <a:gd name="connsiteY25" fmla="*/ 63500 h 825500"/>
-                <a:gd name="connsiteX26" fmla="*/ 2387600 w 2616200"/>
-                <a:gd name="connsiteY26" fmla="*/ 38100 h 825500"/>
-                <a:gd name="connsiteX27" fmla="*/ 2476500 w 2616200"/>
-                <a:gd name="connsiteY27" fmla="*/ 25400 h 825500"/>
-                <a:gd name="connsiteX28" fmla="*/ 2514600 w 2616200"/>
-                <a:gd name="connsiteY28" fmla="*/ 12700 h 825500"/>
-                <a:gd name="connsiteX29" fmla="*/ 2616200 w 2616200"/>
-                <a:gd name="connsiteY29" fmla="*/ 0 h 825500"/>
-              </a:gdLst>
-              <a:ahLst/>
-              <a:cxnLst>
-                <a:cxn ang="0">
-                  <a:pos x="connsiteX0" y="connsiteY0"/>
-                </a:cxn>
-                <a:cxn ang="0">
-                  <a:pos x="connsiteX1" y="connsiteY1"/>
-                </a:cxn>
-                <a:cxn ang="0">
-                  <a:pos x="connsiteX2" y="connsiteY2"/>
-                </a:cxn>
-                <a:cxn ang="0">
-                  <a:pos x="connsiteX3" y="connsiteY3"/>
-                </a:cxn>
-                <a:cxn ang="0">
-                  <a:pos x="connsiteX4" y="connsiteY4"/>
-                </a:cxn>
-                <a:cxn ang="0">
-                  <a:pos x="connsiteX5" y="connsiteY5"/>
-                </a:cxn>
-                <a:cxn ang="0">
-                  <a:pos x="connsiteX6" y="connsiteY6"/>
-                </a:cxn>
-                <a:cxn ang="0">
-                  <a:pos x="connsiteX7" y="connsiteY7"/>
-                </a:cxn>
-                <a:cxn ang="0">
-                  <a:pos x="connsiteX8" y="connsiteY8"/>
-                </a:cxn>
-                <a:cxn ang="0">
-                  <a:pos x="connsiteX9" y="connsiteY9"/>
-                </a:cxn>
-                <a:cxn ang="0">
-                  <a:pos x="connsiteX10" y="connsiteY10"/>
-                </a:cxn>
-                <a:cxn ang="0">
-                  <a:pos x="connsiteX11" y="connsiteY11"/>
-                </a:cxn>
-                <a:cxn ang="0">
-                  <a:pos x="connsiteX12" y="connsiteY12"/>
-                </a:cxn>
-                <a:cxn ang="0">
-                  <a:pos x="connsiteX13" y="connsiteY13"/>
-                </a:cxn>
-                <a:cxn ang="0">
-                  <a:pos x="connsiteX14" y="connsiteY14"/>
-                </a:cxn>
-                <a:cxn ang="0">
-                  <a:pos x="connsiteX15" y="connsiteY15"/>
-                </a:cxn>
-                <a:cxn ang="0">
-                  <a:pos x="connsiteX16" y="connsiteY16"/>
-                </a:cxn>
-                <a:cxn ang="0">
-                  <a:pos x="connsiteX17" y="connsiteY17"/>
-                </a:cxn>
-                <a:cxn ang="0">
-                  <a:pos x="connsiteX18" y="connsiteY18"/>
-                </a:cxn>
-                <a:cxn ang="0">
-                  <a:pos x="connsiteX19" y="connsiteY19"/>
-                </a:cxn>
-                <a:cxn ang="0">
-                  <a:pos x="connsiteX20" y="connsiteY20"/>
-                </a:cxn>
-                <a:cxn ang="0">
-                  <a:pos x="connsiteX21" y="connsiteY21"/>
-                </a:cxn>
-                <a:cxn ang="0">
-                  <a:pos x="connsiteX22" y="connsiteY22"/>
-                </a:cxn>
-                <a:cxn ang="0">
-                  <a:pos x="connsiteX23" y="connsiteY23"/>
-                </a:cxn>
-                <a:cxn ang="0">
-                  <a:pos x="connsiteX24" y="connsiteY24"/>
-                </a:cxn>
-                <a:cxn ang="0">
-                  <a:pos x="connsiteX25" y="connsiteY25"/>
-                </a:cxn>
-                <a:cxn ang="0">
-                  <a:pos x="connsiteX26" y="connsiteY26"/>
-                </a:cxn>
-                <a:cxn ang="0">
-                  <a:pos x="connsiteX27" y="connsiteY27"/>
-                </a:cxn>
-                <a:cxn ang="0">
-                  <a:pos x="connsiteX28" y="connsiteY28"/>
-                </a:cxn>
-                <a:cxn ang="0">
-                  <a:pos x="connsiteX29" y="connsiteY29"/>
-                </a:cxn>
-              </a:cxnLst>
-              <a:rect l="l" t="t" r="r" b="b"/>
-              <a:pathLst>
-                <a:path w="2616200" h="825500">
-                  <a:moveTo>
-                    <a:pt x="0" y="304800"/>
-                  </a:moveTo>
-                  <a:cubicBezTo>
-                    <a:pt x="50800" y="317500"/>
-                    <a:pt x="102724" y="326341"/>
-                    <a:pt x="152400" y="342900"/>
-                  </a:cubicBezTo>
-                  <a:cubicBezTo>
-                    <a:pt x="166880" y="347727"/>
-                    <a:pt x="176848" y="361474"/>
-                    <a:pt x="190500" y="368300"/>
-                  </a:cubicBezTo>
-                  <a:cubicBezTo>
-                    <a:pt x="210890" y="378495"/>
-                    <a:pt x="234072" y="382629"/>
-                    <a:pt x="254000" y="393700"/>
-                  </a:cubicBezTo>
-                  <a:cubicBezTo>
-                    <a:pt x="397357" y="473343"/>
-                    <a:pt x="188922" y="386561"/>
-                    <a:pt x="381000" y="482600"/>
-                  </a:cubicBezTo>
-                  <a:cubicBezTo>
-                    <a:pt x="396612" y="490406"/>
-                    <a:pt x="414867" y="491067"/>
-                    <a:pt x="431800" y="495300"/>
-                  </a:cubicBezTo>
-                  <a:cubicBezTo>
-                    <a:pt x="465667" y="520700"/>
-                    <a:pt x="498177" y="548018"/>
-                    <a:pt x="533400" y="571500"/>
-                  </a:cubicBezTo>
-                  <a:cubicBezTo>
-                    <a:pt x="546100" y="579967"/>
-                    <a:pt x="559080" y="588028"/>
-                    <a:pt x="571500" y="596900"/>
-                  </a:cubicBezTo>
-                  <a:cubicBezTo>
-                    <a:pt x="588724" y="609203"/>
-                    <a:pt x="608238" y="619180"/>
-                    <a:pt x="622300" y="635000"/>
-                  </a:cubicBezTo>
-                  <a:cubicBezTo>
-                    <a:pt x="642581" y="657816"/>
-                    <a:pt x="651514" y="689614"/>
-                    <a:pt x="673100" y="711200"/>
-                  </a:cubicBezTo>
-                  <a:cubicBezTo>
-                    <a:pt x="701187" y="739287"/>
-                    <a:pt x="718919" y="752037"/>
-                    <a:pt x="736600" y="787400"/>
-                  </a:cubicBezTo>
-                  <a:cubicBezTo>
-                    <a:pt x="742587" y="799374"/>
-                    <a:pt x="745067" y="812800"/>
-                    <a:pt x="749300" y="825500"/>
-                  </a:cubicBezTo>
-                  <a:cubicBezTo>
-                    <a:pt x="757767" y="812800"/>
-                    <a:pt x="767874" y="801052"/>
-                    <a:pt x="774700" y="787400"/>
-                  </a:cubicBezTo>
-                  <a:cubicBezTo>
-                    <a:pt x="780687" y="775426"/>
-                    <a:pt x="780305" y="760652"/>
-                    <a:pt x="787400" y="749300"/>
-                  </a:cubicBezTo>
-                  <a:cubicBezTo>
-                    <a:pt x="801766" y="726314"/>
-                    <a:pt x="821267" y="706967"/>
-                    <a:pt x="838200" y="685800"/>
-                  </a:cubicBezTo>
-                  <a:cubicBezTo>
-                    <a:pt x="867505" y="597886"/>
-                    <a:pt x="826333" y="695412"/>
-                    <a:pt x="889000" y="622300"/>
-                  </a:cubicBezTo>
-                  <a:cubicBezTo>
-                    <a:pt x="905064" y="603558"/>
-                    <a:pt x="912289" y="578547"/>
-                    <a:pt x="927100" y="558800"/>
-                  </a:cubicBezTo>
-                  <a:cubicBezTo>
-                    <a:pt x="951124" y="526768"/>
-                    <a:pt x="1001347" y="493834"/>
-                    <a:pt x="1028700" y="469900"/>
-                  </a:cubicBezTo>
-                  <a:cubicBezTo>
-                    <a:pt x="1072352" y="431705"/>
-                    <a:pt x="1073324" y="414236"/>
-                    <a:pt x="1130300" y="381000"/>
-                  </a:cubicBezTo>
-                  <a:cubicBezTo>
-                    <a:pt x="1158148" y="364755"/>
-                    <a:pt x="1190364" y="357318"/>
-                    <a:pt x="1219200" y="342900"/>
-                  </a:cubicBezTo>
-                  <a:cubicBezTo>
-                    <a:pt x="1249727" y="327636"/>
-                    <a:pt x="1277111" y="306403"/>
-                    <a:pt x="1308100" y="292100"/>
-                  </a:cubicBezTo>
-                  <a:cubicBezTo>
-                    <a:pt x="1332410" y="280880"/>
-                    <a:pt x="1359231" y="276101"/>
-                    <a:pt x="1384300" y="266700"/>
-                  </a:cubicBezTo>
-                  <a:cubicBezTo>
-                    <a:pt x="1426991" y="250691"/>
-                    <a:pt x="1467369" y="228103"/>
-                    <a:pt x="1511300" y="215900"/>
-                  </a:cubicBezTo>
-                  <a:cubicBezTo>
-                    <a:pt x="1544185" y="206765"/>
-                    <a:pt x="1579033" y="207433"/>
-                    <a:pt x="1612900" y="203200"/>
-                  </a:cubicBezTo>
-                  <a:cubicBezTo>
-                    <a:pt x="1724130" y="162753"/>
-                    <a:pt x="1883672" y="99923"/>
-                    <a:pt x="1993900" y="88900"/>
-                  </a:cubicBezTo>
-                  <a:lnTo>
-                    <a:pt x="2235200" y="63500"/>
-                  </a:lnTo>
-                  <a:cubicBezTo>
-                    <a:pt x="2401222" y="42747"/>
-                    <a:pt x="2254543" y="60276"/>
-                    <a:pt x="2387600" y="38100"/>
-                  </a:cubicBezTo>
-                  <a:cubicBezTo>
-                    <a:pt x="2417127" y="33179"/>
-                    <a:pt x="2446867" y="29633"/>
-                    <a:pt x="2476500" y="25400"/>
-                  </a:cubicBezTo>
-                  <a:cubicBezTo>
-                    <a:pt x="2489200" y="21167"/>
-                    <a:pt x="2501429" y="15095"/>
-                    <a:pt x="2514600" y="12700"/>
-                  </a:cubicBezTo>
-                  <a:cubicBezTo>
-                    <a:pt x="2548180" y="6595"/>
-                    <a:pt x="2616200" y="0"/>
-                    <a:pt x="2616200" y="0"/>
-                  </a:cubicBezTo>
-                </a:path>
-              </a:pathLst>
-            </a:custGeom>
-            <a:noFill/>
-            <a:ln w="38100">
-              <a:solidFill>
-                <a:srgbClr val="00B050"/>
-              </a:solidFill>
-            </a:ln>
-          </p:spPr>
-          <p:style>
-            <a:lnRef idx="2">
-              <a:schemeClr val="accent1">
-                <a:shade val="50000"/>
-              </a:schemeClr>
-            </a:lnRef>
-            <a:fillRef idx="1">
-              <a:schemeClr val="accent1"/>
-            </a:fillRef>
-            <a:effectRef idx="0">
-              <a:schemeClr val="accent1"/>
-            </a:effectRef>
-            <a:fontRef idx="minor">
-              <a:schemeClr val="lt1"/>
-            </a:fontRef>
-          </p:style>
-          <p:txBody>
-            <a:bodyPr rtlCol="0" anchor="ctr"/>
-            <a:lstStyle/>
-            <a:p>
-              <a:pPr algn="ctr"/>
-              <a:endParaRPr lang="fr-FR"/>
-            </a:p>
-          </p:txBody>
-        </p:sp>
-        <p:sp>
-          <p:nvSpPr>
-            <p:cNvPr id="27" name="Forme libre 26"/>
-            <p:cNvSpPr/>
-            <p:nvPr/>
-          </p:nvSpPr>
-          <p:spPr>
-            <a:xfrm>
-              <a:off x="539552" y="5517232"/>
-              <a:ext cx="277416" cy="200124"/>
-            </a:xfrm>
-            <a:custGeom>
-              <a:avLst/>
-              <a:gdLst>
-                <a:gd name="connsiteX0" fmla="*/ 0 w 2616200"/>
-                <a:gd name="connsiteY0" fmla="*/ 304800 h 825500"/>
-                <a:gd name="connsiteX1" fmla="*/ 152400 w 2616200"/>
-                <a:gd name="connsiteY1" fmla="*/ 342900 h 825500"/>
-                <a:gd name="connsiteX2" fmla="*/ 190500 w 2616200"/>
-                <a:gd name="connsiteY2" fmla="*/ 368300 h 825500"/>
-                <a:gd name="connsiteX3" fmla="*/ 254000 w 2616200"/>
-                <a:gd name="connsiteY3" fmla="*/ 393700 h 825500"/>
-                <a:gd name="connsiteX4" fmla="*/ 381000 w 2616200"/>
-                <a:gd name="connsiteY4" fmla="*/ 482600 h 825500"/>
-                <a:gd name="connsiteX5" fmla="*/ 431800 w 2616200"/>
-                <a:gd name="connsiteY5" fmla="*/ 495300 h 825500"/>
-                <a:gd name="connsiteX6" fmla="*/ 533400 w 2616200"/>
-                <a:gd name="connsiteY6" fmla="*/ 571500 h 825500"/>
-                <a:gd name="connsiteX7" fmla="*/ 571500 w 2616200"/>
-                <a:gd name="connsiteY7" fmla="*/ 596900 h 825500"/>
-                <a:gd name="connsiteX8" fmla="*/ 622300 w 2616200"/>
-                <a:gd name="connsiteY8" fmla="*/ 635000 h 825500"/>
-                <a:gd name="connsiteX9" fmla="*/ 673100 w 2616200"/>
-                <a:gd name="connsiteY9" fmla="*/ 711200 h 825500"/>
-                <a:gd name="connsiteX10" fmla="*/ 736600 w 2616200"/>
-                <a:gd name="connsiteY10" fmla="*/ 787400 h 825500"/>
-                <a:gd name="connsiteX11" fmla="*/ 749300 w 2616200"/>
-                <a:gd name="connsiteY11" fmla="*/ 825500 h 825500"/>
-                <a:gd name="connsiteX12" fmla="*/ 774700 w 2616200"/>
-                <a:gd name="connsiteY12" fmla="*/ 787400 h 825500"/>
-                <a:gd name="connsiteX13" fmla="*/ 787400 w 2616200"/>
-                <a:gd name="connsiteY13" fmla="*/ 749300 h 825500"/>
-                <a:gd name="connsiteX14" fmla="*/ 838200 w 2616200"/>
-                <a:gd name="connsiteY14" fmla="*/ 685800 h 825500"/>
-                <a:gd name="connsiteX15" fmla="*/ 889000 w 2616200"/>
-                <a:gd name="connsiteY15" fmla="*/ 622300 h 825500"/>
-                <a:gd name="connsiteX16" fmla="*/ 927100 w 2616200"/>
-                <a:gd name="connsiteY16" fmla="*/ 558800 h 825500"/>
-                <a:gd name="connsiteX17" fmla="*/ 1028700 w 2616200"/>
-                <a:gd name="connsiteY17" fmla="*/ 469900 h 825500"/>
-                <a:gd name="connsiteX18" fmla="*/ 1130300 w 2616200"/>
-                <a:gd name="connsiteY18" fmla="*/ 381000 h 825500"/>
-                <a:gd name="connsiteX19" fmla="*/ 1219200 w 2616200"/>
-                <a:gd name="connsiteY19" fmla="*/ 342900 h 825500"/>
-                <a:gd name="connsiteX20" fmla="*/ 1308100 w 2616200"/>
-                <a:gd name="connsiteY20" fmla="*/ 292100 h 825500"/>
-                <a:gd name="connsiteX21" fmla="*/ 1384300 w 2616200"/>
-                <a:gd name="connsiteY21" fmla="*/ 266700 h 825500"/>
-                <a:gd name="connsiteX22" fmla="*/ 1511300 w 2616200"/>
-                <a:gd name="connsiteY22" fmla="*/ 215900 h 825500"/>
-                <a:gd name="connsiteX23" fmla="*/ 1612900 w 2616200"/>
-                <a:gd name="connsiteY23" fmla="*/ 203200 h 825500"/>
-                <a:gd name="connsiteX24" fmla="*/ 1993900 w 2616200"/>
-                <a:gd name="connsiteY24" fmla="*/ 88900 h 825500"/>
-                <a:gd name="connsiteX25" fmla="*/ 2235200 w 2616200"/>
-                <a:gd name="connsiteY25" fmla="*/ 63500 h 825500"/>
-                <a:gd name="connsiteX26" fmla="*/ 2387600 w 2616200"/>
-                <a:gd name="connsiteY26" fmla="*/ 38100 h 825500"/>
-                <a:gd name="connsiteX27" fmla="*/ 2476500 w 2616200"/>
-                <a:gd name="connsiteY27" fmla="*/ 25400 h 825500"/>
-                <a:gd name="connsiteX28" fmla="*/ 2514600 w 2616200"/>
-                <a:gd name="connsiteY28" fmla="*/ 12700 h 825500"/>
-                <a:gd name="connsiteX29" fmla="*/ 2616200 w 2616200"/>
-                <a:gd name="connsiteY29" fmla="*/ 0 h 825500"/>
-              </a:gdLst>
-              <a:ahLst/>
-              <a:cxnLst>
-                <a:cxn ang="0">
-                  <a:pos x="connsiteX0" y="connsiteY0"/>
-                </a:cxn>
-                <a:cxn ang="0">
-                  <a:pos x="connsiteX1" y="connsiteY1"/>
-                </a:cxn>
-                <a:cxn ang="0">
-                  <a:pos x="connsiteX2" y="connsiteY2"/>
-                </a:cxn>
-                <a:cxn ang="0">
-                  <a:pos x="connsiteX3" y="connsiteY3"/>
-                </a:cxn>
-                <a:cxn ang="0">
-                  <a:pos x="connsiteX4" y="connsiteY4"/>
-                </a:cxn>
-                <a:cxn ang="0">
-                  <a:pos x="connsiteX5" y="connsiteY5"/>
-                </a:cxn>
-                <a:cxn ang="0">
-                  <a:pos x="connsiteX6" y="connsiteY6"/>
-                </a:cxn>
-                <a:cxn ang="0">
-                  <a:pos x="connsiteX7" y="connsiteY7"/>
-                </a:cxn>
-                <a:cxn ang="0">
-                  <a:pos x="connsiteX8" y="connsiteY8"/>
-                </a:cxn>
-                <a:cxn ang="0">
-                  <a:pos x="connsiteX9" y="connsiteY9"/>
-                </a:cxn>
-                <a:cxn ang="0">
-                  <a:pos x="connsiteX10" y="connsiteY10"/>
-                </a:cxn>
-                <a:cxn ang="0">
-                  <a:pos x="connsiteX11" y="connsiteY11"/>
-                </a:cxn>
-                <a:cxn ang="0">
-                  <a:pos x="connsiteX12" y="connsiteY12"/>
-                </a:cxn>
-                <a:cxn ang="0">
-                  <a:pos x="connsiteX13" y="connsiteY13"/>
-                </a:cxn>
-                <a:cxn ang="0">
-                  <a:pos x="connsiteX14" y="connsiteY14"/>
-                </a:cxn>
-                <a:cxn ang="0">
-                  <a:pos x="connsiteX15" y="connsiteY15"/>
-                </a:cxn>
-                <a:cxn ang="0">
-                  <a:pos x="connsiteX16" y="connsiteY16"/>
-                </a:cxn>
-                <a:cxn ang="0">
-                  <a:pos x="connsiteX17" y="connsiteY17"/>
-                </a:cxn>
-                <a:cxn ang="0">
-                  <a:pos x="connsiteX18" y="connsiteY18"/>
-                </a:cxn>
-                <a:cxn ang="0">
-                  <a:pos x="connsiteX19" y="connsiteY19"/>
-                </a:cxn>
-                <a:cxn ang="0">
-                  <a:pos x="connsiteX20" y="connsiteY20"/>
-                </a:cxn>
-                <a:cxn ang="0">
-                  <a:pos x="connsiteX21" y="connsiteY21"/>
-                </a:cxn>
-                <a:cxn ang="0">
-                  <a:pos x="connsiteX22" y="connsiteY22"/>
-                </a:cxn>
-                <a:cxn ang="0">
-                  <a:pos x="connsiteX23" y="connsiteY23"/>
-                </a:cxn>
-                <a:cxn ang="0">
-                  <a:pos x="connsiteX24" y="connsiteY24"/>
-                </a:cxn>
-                <a:cxn ang="0">
-                  <a:pos x="connsiteX25" y="connsiteY25"/>
-                </a:cxn>
-                <a:cxn ang="0">
-                  <a:pos x="connsiteX26" y="connsiteY26"/>
-                </a:cxn>
-                <a:cxn ang="0">
-                  <a:pos x="connsiteX27" y="connsiteY27"/>
-                </a:cxn>
-                <a:cxn ang="0">
-                  <a:pos x="connsiteX28" y="connsiteY28"/>
-                </a:cxn>
-                <a:cxn ang="0">
-                  <a:pos x="connsiteX29" y="connsiteY29"/>
-                </a:cxn>
-              </a:cxnLst>
-              <a:rect l="l" t="t" r="r" b="b"/>
-              <a:pathLst>
-                <a:path w="2616200" h="825500">
-                  <a:moveTo>
-                    <a:pt x="0" y="304800"/>
-                  </a:moveTo>
-                  <a:cubicBezTo>
-                    <a:pt x="50800" y="317500"/>
-                    <a:pt x="102724" y="326341"/>
-                    <a:pt x="152400" y="342900"/>
-                  </a:cubicBezTo>
-                  <a:cubicBezTo>
-                    <a:pt x="166880" y="347727"/>
-                    <a:pt x="176848" y="361474"/>
-                    <a:pt x="190500" y="368300"/>
-                  </a:cubicBezTo>
-                  <a:cubicBezTo>
-                    <a:pt x="210890" y="378495"/>
-                    <a:pt x="234072" y="382629"/>
-                    <a:pt x="254000" y="393700"/>
-                  </a:cubicBezTo>
-                  <a:cubicBezTo>
-                    <a:pt x="397357" y="473343"/>
-                    <a:pt x="188922" y="386561"/>
-                    <a:pt x="381000" y="482600"/>
-                  </a:cubicBezTo>
-                  <a:cubicBezTo>
-                    <a:pt x="396612" y="490406"/>
-                    <a:pt x="414867" y="491067"/>
-                    <a:pt x="431800" y="495300"/>
-                  </a:cubicBezTo>
-                  <a:cubicBezTo>
-                    <a:pt x="465667" y="520700"/>
-                    <a:pt x="498177" y="548018"/>
-                    <a:pt x="533400" y="571500"/>
-                  </a:cubicBezTo>
-                  <a:cubicBezTo>
-                    <a:pt x="546100" y="579967"/>
-                    <a:pt x="559080" y="588028"/>
-                    <a:pt x="571500" y="596900"/>
-                  </a:cubicBezTo>
-                  <a:cubicBezTo>
-                    <a:pt x="588724" y="609203"/>
-                    <a:pt x="608238" y="619180"/>
-                    <a:pt x="622300" y="635000"/>
-                  </a:cubicBezTo>
-                  <a:cubicBezTo>
-                    <a:pt x="642581" y="657816"/>
-                    <a:pt x="651514" y="689614"/>
-                    <a:pt x="673100" y="711200"/>
-                  </a:cubicBezTo>
-                  <a:cubicBezTo>
-                    <a:pt x="701187" y="739287"/>
-                    <a:pt x="718919" y="752037"/>
-                    <a:pt x="736600" y="787400"/>
-                  </a:cubicBezTo>
-                  <a:cubicBezTo>
-                    <a:pt x="742587" y="799374"/>
-                    <a:pt x="745067" y="812800"/>
-                    <a:pt x="749300" y="825500"/>
-                  </a:cubicBezTo>
-                  <a:cubicBezTo>
-                    <a:pt x="757767" y="812800"/>
-                    <a:pt x="767874" y="801052"/>
-                    <a:pt x="774700" y="787400"/>
-                  </a:cubicBezTo>
-                  <a:cubicBezTo>
-                    <a:pt x="780687" y="775426"/>
-                    <a:pt x="780305" y="760652"/>
-                    <a:pt x="787400" y="749300"/>
-                  </a:cubicBezTo>
-                  <a:cubicBezTo>
-                    <a:pt x="801766" y="726314"/>
-                    <a:pt x="821267" y="706967"/>
-                    <a:pt x="838200" y="685800"/>
-                  </a:cubicBezTo>
-                  <a:cubicBezTo>
-                    <a:pt x="867505" y="597886"/>
-                    <a:pt x="826333" y="695412"/>
-                    <a:pt x="889000" y="622300"/>
-                  </a:cubicBezTo>
-                  <a:cubicBezTo>
-                    <a:pt x="905064" y="603558"/>
-                    <a:pt x="912289" y="578547"/>
-                    <a:pt x="927100" y="558800"/>
-                  </a:cubicBezTo>
-                  <a:cubicBezTo>
-                    <a:pt x="951124" y="526768"/>
-                    <a:pt x="1001347" y="493834"/>
-                    <a:pt x="1028700" y="469900"/>
-                  </a:cubicBezTo>
-                  <a:cubicBezTo>
-                    <a:pt x="1072352" y="431705"/>
-                    <a:pt x="1073324" y="414236"/>
-                    <a:pt x="1130300" y="381000"/>
-                  </a:cubicBezTo>
-                  <a:cubicBezTo>
-                    <a:pt x="1158148" y="364755"/>
-                    <a:pt x="1190364" y="357318"/>
-                    <a:pt x="1219200" y="342900"/>
-                  </a:cubicBezTo>
-                  <a:cubicBezTo>
-                    <a:pt x="1249727" y="327636"/>
-                    <a:pt x="1277111" y="306403"/>
-                    <a:pt x="1308100" y="292100"/>
-                  </a:cubicBezTo>
-                  <a:cubicBezTo>
-                    <a:pt x="1332410" y="280880"/>
-                    <a:pt x="1359231" y="276101"/>
-                    <a:pt x="1384300" y="266700"/>
-                  </a:cubicBezTo>
-                  <a:cubicBezTo>
-                    <a:pt x="1426991" y="250691"/>
-                    <a:pt x="1467369" y="228103"/>
-                    <a:pt x="1511300" y="215900"/>
-                  </a:cubicBezTo>
-                  <a:cubicBezTo>
-                    <a:pt x="1544185" y="206765"/>
-                    <a:pt x="1579033" y="207433"/>
-                    <a:pt x="1612900" y="203200"/>
-                  </a:cubicBezTo>
-                  <a:cubicBezTo>
-                    <a:pt x="1724130" y="162753"/>
-                    <a:pt x="1883672" y="99923"/>
-                    <a:pt x="1993900" y="88900"/>
-                  </a:cubicBezTo>
-                  <a:lnTo>
-                    <a:pt x="2235200" y="63500"/>
-                  </a:lnTo>
-                  <a:cubicBezTo>
-                    <a:pt x="2401222" y="42747"/>
-                    <a:pt x="2254543" y="60276"/>
-                    <a:pt x="2387600" y="38100"/>
-                  </a:cubicBezTo>
-                  <a:cubicBezTo>
-                    <a:pt x="2417127" y="33179"/>
-                    <a:pt x="2446867" y="29633"/>
-                    <a:pt x="2476500" y="25400"/>
-                  </a:cubicBezTo>
-                  <a:cubicBezTo>
-                    <a:pt x="2489200" y="21167"/>
-                    <a:pt x="2501429" y="15095"/>
-                    <a:pt x="2514600" y="12700"/>
-                  </a:cubicBezTo>
-                  <a:cubicBezTo>
-                    <a:pt x="2548180" y="6595"/>
-                    <a:pt x="2616200" y="0"/>
-                    <a:pt x="2616200" y="0"/>
-                  </a:cubicBezTo>
-                </a:path>
-              </a:pathLst>
-            </a:custGeom>
-            <a:noFill/>
-            <a:ln w="38100">
-              <a:solidFill>
-                <a:srgbClr val="00B050"/>
-              </a:solidFill>
-            </a:ln>
-          </p:spPr>
-          <p:style>
-            <a:lnRef idx="2">
-              <a:schemeClr val="accent1">
-                <a:shade val="50000"/>
-              </a:schemeClr>
-            </a:lnRef>
-            <a:fillRef idx="1">
-              <a:schemeClr val="accent1"/>
-            </a:fillRef>
-            <a:effectRef idx="0">
-              <a:schemeClr val="accent1"/>
-            </a:effectRef>
-            <a:fontRef idx="minor">
-              <a:schemeClr val="lt1"/>
-            </a:fontRef>
-          </p:style>
-          <p:txBody>
-            <a:bodyPr rtlCol="0" anchor="ctr"/>
-            <a:lstStyle/>
-            <a:p>
-              <a:pPr algn="ctr"/>
-              <a:endParaRPr lang="fr-FR"/>
-            </a:p>
-          </p:txBody>
-        </p:sp>
-      </p:grpSp>
+          </a:ln>
+        </p:spPr>
+        <p:style>
+          <a:lnRef idx="2">
+            <a:schemeClr val="accent1">
+              <a:shade val="50000"/>
+            </a:schemeClr>
+          </a:lnRef>
+          <a:fillRef idx="1">
+            <a:schemeClr val="accent1"/>
+          </a:fillRef>
+          <a:effectRef idx="0">
+            <a:schemeClr val="accent1"/>
+          </a:effectRef>
+          <a:fontRef idx="minor">
+            <a:schemeClr val="lt1"/>
+          </a:fontRef>
+        </p:style>
+        <p:txBody>
+          <a:bodyPr rtlCol="0" anchor="ctr"/>
+          <a:lstStyle/>
+          <a:p>
+            <a:pPr algn="ctr"/>
+            <a:endParaRPr lang="fr-FR"/>
+          </a:p>
+        </p:txBody>
+      </p:sp>
+      <p:pic>
+        <p:nvPicPr>
+          <p:cNvPr id="8" name="Image 7"/>
+          <p:cNvPicPr>
+            <a:picLocks noChangeAspect="1"/>
+          </p:cNvPicPr>
+          <p:nvPr/>
+        </p:nvPicPr>
+        <p:blipFill>
+          <a:blip r:embed="rId2" cstate="print">
+            <a:extLst>
+              <a:ext uri="{28A0092B-C50C-407E-A947-70E740481C1C}">
+                <a14:useLocalDpi xmlns:a14="http://schemas.microsoft.com/office/drawing/2010/main" val="0"/>
+              </a:ext>
+            </a:extLst>
+          </a:blip>
+          <a:stretch>
+            <a:fillRect/>
+          </a:stretch>
+        </p:blipFill>
+        <p:spPr>
+          <a:xfrm>
+            <a:off x="0" y="4029000"/>
+            <a:ext cx="9144000" cy="2286000"/>
+          </a:xfrm>
+          <a:prstGeom prst="rect">
+            <a:avLst/>
+          </a:prstGeom>
+        </p:spPr>
+      </p:pic>
     </p:spTree>
     <p:extLst>
       <p:ext uri="{BB962C8B-B14F-4D97-AF65-F5344CB8AC3E}">
-        <p14:creationId xmlns:p14="http://schemas.microsoft.com/office/powerpoint/2010/main" val="1109879631"/>
+        <p14:creationId xmlns:p14="http://schemas.microsoft.com/office/powerpoint/2010/main" val="507231976"/>
       </p:ext>
     </p:extLst>
   </p:cSld>

--- a/SOUTENANCE/Projet3.pptx
+++ b/SOUTENANCE/Projet3.pptx
@@ -5,10 +5,10 @@
     <p:sldMasterId id="2147483648" r:id="rId1"/>
   </p:sldMasterIdLst>
   <p:notesMasterIdLst>
-    <p:notesMasterId r:id="rId17"/>
+    <p:notesMasterId r:id="rId23"/>
   </p:notesMasterIdLst>
   <p:handoutMasterIdLst>
-    <p:handoutMasterId r:id="rId18"/>
+    <p:handoutMasterId r:id="rId24"/>
   </p:handoutMasterIdLst>
   <p:sldIdLst>
     <p:sldId id="278" r:id="rId2"/>
@@ -23,9 +23,15 @@
     <p:sldId id="289" r:id="rId11"/>
     <p:sldId id="290" r:id="rId12"/>
     <p:sldId id="291" r:id="rId13"/>
-    <p:sldId id="292" r:id="rId14"/>
-    <p:sldId id="293" r:id="rId15"/>
-    <p:sldId id="285" r:id="rId16"/>
+    <p:sldId id="299" r:id="rId14"/>
+    <p:sldId id="294" r:id="rId15"/>
+    <p:sldId id="292" r:id="rId16"/>
+    <p:sldId id="295" r:id="rId17"/>
+    <p:sldId id="296" r:id="rId18"/>
+    <p:sldId id="293" r:id="rId19"/>
+    <p:sldId id="297" r:id="rId20"/>
+    <p:sldId id="298" r:id="rId21"/>
+    <p:sldId id="285" r:id="rId22"/>
   </p:sldIdLst>
   <p:sldSz cx="9144000" cy="6858000" type="screen4x3"/>
   <p:notesSz cx="6858000" cy="9144000"/>
@@ -209,7 +215,7 @@
           <a:p>
             <a:fld id="{57ED8D38-08F1-4F61-B916-B7ECFC3A7ADF}" type="datetimeFigureOut">
               <a:rPr lang="fr-FR" smtClean="0"/>
-              <a:t>13/06/2020</a:t>
+              <a:t>18/06/2020</a:t>
             </a:fld>
             <a:endParaRPr lang="fr-FR"/>
           </a:p>
@@ -374,7 +380,7 @@
           <a:p>
             <a:fld id="{DB91E950-E7C0-4AB1-98FE-263150A09AFE}" type="datetimeFigureOut">
               <a:rPr lang="fr-FR" smtClean="0"/>
-              <a:t>13/06/2020</a:t>
+              <a:t>18/06/2020</a:t>
             </a:fld>
             <a:endParaRPr lang="fr-FR"/>
           </a:p>
@@ -5218,8 +5224,8 @@
         </p:blipFill>
         <p:spPr>
           <a:xfrm>
-            <a:off x="-447538" y="-184769"/>
-            <a:ext cx="10564154" cy="7042769"/>
+            <a:off x="827584" y="1902316"/>
+            <a:ext cx="5616624" cy="3744416"/>
           </a:xfrm>
           <a:prstGeom prst="rect">
             <a:avLst/>
@@ -5288,11 +5294,11 @@
             <a:pPr algn="r"/>
             <a:r>
               <a:rPr lang="fr-FR" sz="4000" b="1" dirty="0" smtClean="0"/>
-              <a:t>Analyse </a:t>
-            </a:r>
-            <a:r>
-              <a:rPr lang="fr-FR" sz="4000" b="1" dirty="0" err="1" smtClean="0"/>
-              <a:t>univariée</a:t>
+              <a:t>Plan d’e</a:t>
+            </a:r>
+            <a:r>
+              <a:rPr lang="fr-FR" sz="4000" b="1" dirty="0" smtClean="0"/>
+              <a:t>xploration</a:t>
             </a:r>
             <a:endParaRPr lang="fr-FR" sz="3200" dirty="0"/>
           </a:p>
@@ -5318,164 +5324,6 @@
               <a:t>17/06/2020</a:t>
             </a:r>
             <a:endParaRPr lang="fr-FR" dirty="0"/>
-          </a:p>
-        </p:txBody>
-      </p:sp>
-      <p:sp>
-        <p:nvSpPr>
-          <p:cNvPr id="3" name="ZoneTexte 2"/>
-          <p:cNvSpPr txBox="1"/>
-          <p:nvPr/>
-        </p:nvSpPr>
-        <p:spPr>
-          <a:xfrm>
-            <a:off x="4932040" y="1780835"/>
-            <a:ext cx="4938588" cy="3139321"/>
-          </a:xfrm>
-          <a:prstGeom prst="rect">
-            <a:avLst/>
-          </a:prstGeom>
-          <a:noFill/>
-        </p:spPr>
-        <p:txBody>
-          <a:bodyPr wrap="square" rtlCol="0">
-            <a:spAutoFit/>
-          </a:bodyPr>
-          <a:lstStyle/>
-          <a:p>
-            <a:r>
-              <a:rPr lang="fr-FR" b="1" dirty="0" smtClean="0">
-                <a:latin typeface="+mj-lt"/>
-              </a:rPr>
-              <a:t>Contenu </a:t>
-            </a:r>
-            <a:r>
-              <a:rPr lang="fr-FR" dirty="0" smtClean="0"/>
-              <a:t>: score quotidien</a:t>
-            </a:r>
-          </a:p>
-          <a:p>
-            <a:pPr marL="285750" indent="-285750">
-              <a:buFontTx/>
-              <a:buChar char="-"/>
-            </a:pPr>
-            <a:r>
-              <a:rPr lang="fr-FR" dirty="0" smtClean="0">
-                <a:latin typeface="Yu Gothic Light" panose="020B0300000000000000" pitchFamily="34" charset="-128"/>
-                <a:ea typeface="Yu Gothic Light" panose="020B0300000000000000" pitchFamily="34" charset="-128"/>
-              </a:rPr>
-              <a:t>Liste des produits consommés</a:t>
-            </a:r>
-          </a:p>
-          <a:p>
-            <a:pPr marL="285750" indent="-285750">
-              <a:buFontTx/>
-              <a:buChar char="-"/>
-            </a:pPr>
-            <a:r>
-              <a:rPr lang="fr-FR" dirty="0" smtClean="0">
-                <a:latin typeface="Yu Gothic Light" panose="020B0300000000000000" pitchFamily="34" charset="-128"/>
-                <a:ea typeface="Yu Gothic Light" panose="020B0300000000000000" pitchFamily="34" charset="-128"/>
-              </a:rPr>
-              <a:t>Evaluation des apports quotidiens</a:t>
-            </a:r>
-          </a:p>
-          <a:p>
-            <a:endParaRPr lang="fr-FR" dirty="0"/>
-          </a:p>
-          <a:p>
-            <a:r>
-              <a:rPr lang="fr-FR" dirty="0" smtClean="0">
-                <a:latin typeface="+mj-lt"/>
-              </a:rPr>
-              <a:t>Fonction 2 </a:t>
-            </a:r>
-            <a:r>
-              <a:rPr lang="fr-FR" dirty="0" smtClean="0"/>
-              <a:t>: recommandations</a:t>
-            </a:r>
-          </a:p>
-          <a:p>
-            <a:pPr marL="285750" indent="-285750">
-              <a:buFontTx/>
-              <a:buChar char="-"/>
-            </a:pPr>
-            <a:r>
-              <a:rPr lang="fr-FR" dirty="0" smtClean="0">
-                <a:latin typeface="Yu Gothic Light" panose="020B0300000000000000" pitchFamily="34" charset="-128"/>
-                <a:ea typeface="Yu Gothic Light" panose="020B0300000000000000" pitchFamily="34" charset="-128"/>
-              </a:rPr>
-              <a:t>Liste des axes à améliorer</a:t>
-            </a:r>
-          </a:p>
-          <a:p>
-            <a:pPr marL="285750" indent="-285750">
-              <a:buFontTx/>
-              <a:buChar char="-"/>
-            </a:pPr>
-            <a:r>
-              <a:rPr lang="fr-FR" dirty="0" smtClean="0">
-                <a:latin typeface="Yu Gothic Light" panose="020B0300000000000000" pitchFamily="34" charset="-128"/>
-                <a:ea typeface="Yu Gothic Light" panose="020B0300000000000000" pitchFamily="34" charset="-128"/>
-              </a:rPr>
-              <a:t>Navigateur de produit à remplacer</a:t>
-            </a:r>
-          </a:p>
-          <a:p>
-            <a:endParaRPr lang="fr-FR" dirty="0" smtClean="0">
-              <a:latin typeface="Yu Gothic Light" panose="020B0300000000000000" pitchFamily="34" charset="-128"/>
-              <a:ea typeface="Yu Gothic Light" panose="020B0300000000000000" pitchFamily="34" charset="-128"/>
-            </a:endParaRPr>
-          </a:p>
-          <a:p>
-            <a:r>
-              <a:rPr lang="fr-FR" dirty="0">
-                <a:latin typeface="+mj-lt"/>
-              </a:rPr>
-              <a:t>Fonction </a:t>
-            </a:r>
-            <a:r>
-              <a:rPr lang="fr-FR" dirty="0" smtClean="0">
-                <a:latin typeface="+mj-lt"/>
-              </a:rPr>
-              <a:t>3 </a:t>
-            </a:r>
-            <a:r>
-              <a:rPr lang="fr-FR" dirty="0"/>
-              <a:t>: </a:t>
-            </a:r>
-            <a:r>
-              <a:rPr lang="fr-FR" dirty="0" smtClean="0"/>
-              <a:t>statistiques</a:t>
-            </a:r>
-            <a:endParaRPr lang="fr-FR" dirty="0"/>
-          </a:p>
-          <a:p>
-            <a:pPr marL="285750" indent="-285750">
-              <a:buFontTx/>
-              <a:buChar char="-"/>
-            </a:pPr>
-            <a:r>
-              <a:rPr lang="fr-FR" dirty="0" smtClean="0">
-                <a:latin typeface="Yu Gothic Light" panose="020B0300000000000000" pitchFamily="34" charset="-128"/>
-                <a:ea typeface="Yu Gothic Light" panose="020B0300000000000000" pitchFamily="34" charset="-128"/>
-              </a:rPr>
-              <a:t>Archivage des entrées</a:t>
-            </a:r>
-          </a:p>
-          <a:p>
-            <a:pPr marL="285750" indent="-285750">
-              <a:buFontTx/>
-              <a:buChar char="-"/>
-            </a:pPr>
-            <a:r>
-              <a:rPr lang="fr-FR" dirty="0" smtClean="0">
-                <a:latin typeface="Yu Gothic Light" panose="020B0300000000000000" pitchFamily="34" charset="-128"/>
-                <a:ea typeface="Yu Gothic Light" panose="020B0300000000000000" pitchFamily="34" charset="-128"/>
-              </a:rPr>
-              <a:t>Affichage graphique</a:t>
-            </a:r>
-            <a:endParaRPr lang="fr-FR" dirty="0" smtClean="0"/>
           </a:p>
         </p:txBody>
       </p:sp>
@@ -5584,36 +5432,246 @@
           </a:p>
         </p:txBody>
       </p:sp>
-      <p:pic>
-        <p:nvPicPr>
-          <p:cNvPr id="8" name="Image 7"/>
-          <p:cNvPicPr>
-            <a:picLocks noChangeAspect="1"/>
-          </p:cNvPicPr>
+      <p:sp>
+        <p:nvSpPr>
+          <p:cNvPr id="7" name="Rectangle 6"/>
+          <p:cNvSpPr/>
           <p:nvPr/>
-        </p:nvPicPr>
-        <p:blipFill>
-          <a:blip r:embed="rId2" cstate="print">
-            <a:extLst>
-              <a:ext uri="{28A0092B-C50C-407E-A947-70E740481C1C}">
-                <a14:useLocalDpi xmlns:a14="http://schemas.microsoft.com/office/drawing/2010/main" val="0"/>
-              </a:ext>
-            </a:extLst>
-          </a:blip>
-          <a:stretch>
-            <a:fillRect/>
-          </a:stretch>
-        </p:blipFill>
+        </p:nvSpPr>
         <p:spPr>
           <a:xfrm>
-            <a:off x="-396552" y="1556792"/>
-            <a:ext cx="6226867" cy="4447762"/>
+            <a:off x="1979712" y="3212976"/>
+            <a:ext cx="4572000" cy="2585323"/>
           </a:xfrm>
           <a:prstGeom prst="rect">
             <a:avLst/>
           </a:prstGeom>
         </p:spPr>
-      </p:pic>
+        <p:txBody>
+          <a:bodyPr>
+            <a:spAutoFit/>
+          </a:bodyPr>
+          <a:lstStyle/>
+          <a:p>
+            <a:r>
+              <a:rPr lang="fr-FR" dirty="0"/>
+              <a:t>1 Analyse </a:t>
+            </a:r>
+            <a:r>
+              <a:rPr lang="fr-FR" dirty="0" err="1"/>
+              <a:t>univariée</a:t>
+            </a:r>
+            <a:endParaRPr lang="fr-FR" dirty="0"/>
+          </a:p>
+          <a:p>
+            <a:r>
+              <a:rPr lang="fr-FR" dirty="0"/>
+              <a:t>2 Analyse temporelle</a:t>
+            </a:r>
+          </a:p>
+          <a:p>
+            <a:r>
+              <a:rPr lang="fr-FR" dirty="0"/>
+              <a:t>   Analyse </a:t>
+            </a:r>
+            <a:r>
+              <a:rPr lang="fr-FR" dirty="0" err="1" smtClean="0"/>
+              <a:t>bivariée</a:t>
+            </a:r>
+            <a:endParaRPr lang="fr-FR" dirty="0" smtClean="0"/>
+          </a:p>
+          <a:p>
+            <a:r>
+              <a:rPr lang="fr-FR" dirty="0" smtClean="0"/>
+              <a:t>     corrélations </a:t>
+            </a:r>
+            <a:endParaRPr lang="fr-FR" dirty="0"/>
+          </a:p>
+          <a:p>
+            <a:pPr marL="342900" indent="-342900">
+              <a:buAutoNum type="arabicPlain" startAt="3"/>
+            </a:pPr>
+            <a:r>
+              <a:rPr lang="fr-FR" dirty="0"/>
+              <a:t>quantitatif vs. catégoriel</a:t>
+            </a:r>
+          </a:p>
+          <a:p>
+            <a:pPr marL="342900" indent="-342900">
+              <a:buAutoNum type="arabicPlain" startAt="3"/>
+            </a:pPr>
+            <a:r>
+              <a:rPr lang="fr-FR" dirty="0"/>
+              <a:t>quantitatif vs. quantitatif</a:t>
+            </a:r>
+          </a:p>
+          <a:p>
+            <a:r>
+              <a:rPr lang="fr-FR" dirty="0"/>
+              <a:t>   Analyse multivariée</a:t>
+            </a:r>
+          </a:p>
+          <a:p>
+            <a:r>
+              <a:rPr lang="fr-FR" dirty="0"/>
+              <a:t>5	PCA</a:t>
+            </a:r>
+          </a:p>
+          <a:p>
+            <a:r>
+              <a:rPr lang="fr-FR" dirty="0"/>
+              <a:t>6	</a:t>
+            </a:r>
+            <a:r>
+              <a:rPr lang="fr-FR" dirty="0" err="1"/>
+              <a:t>clustering</a:t>
+            </a:r>
+            <a:endParaRPr lang="fr-FR" dirty="0"/>
+          </a:p>
+        </p:txBody>
+      </p:sp>
+      <p:sp>
+        <p:nvSpPr>
+          <p:cNvPr id="9" name="Rectangle 8"/>
+          <p:cNvSpPr/>
+          <p:nvPr/>
+        </p:nvSpPr>
+        <p:spPr>
+          <a:xfrm>
+            <a:off x="611560" y="1484784"/>
+            <a:ext cx="8136904" cy="1508105"/>
+          </a:xfrm>
+          <a:prstGeom prst="rect">
+            <a:avLst/>
+          </a:prstGeom>
+        </p:spPr>
+        <p:txBody>
+          <a:bodyPr wrap="square">
+            <a:spAutoFit/>
+          </a:bodyPr>
+          <a:lstStyle/>
+          <a:p>
+            <a:r>
+              <a:rPr lang="fr-FR" sz="2000" b="1" dirty="0" smtClean="0">
+                <a:ea typeface="Yu Gothic UI Semilight" panose="020B0400000000000000" pitchFamily="34" charset="-128"/>
+              </a:rPr>
+              <a:t>Lignes directrices </a:t>
+            </a:r>
+          </a:p>
+          <a:p>
+            <a:pPr marL="285750" indent="-285750">
+              <a:buFontTx/>
+              <a:buChar char="-"/>
+            </a:pPr>
+            <a:r>
+              <a:rPr lang="fr-FR" dirty="0" smtClean="0">
+                <a:latin typeface="Yu Gothic UI Semilight" panose="020B0400000000000000" pitchFamily="34" charset="-128"/>
+                <a:ea typeface="Yu Gothic UI Semilight" panose="020B0400000000000000" pitchFamily="34" charset="-128"/>
+              </a:rPr>
+              <a:t>Y a-t-il une </a:t>
+            </a:r>
+            <a:r>
+              <a:rPr lang="fr-FR" b="1" dirty="0" smtClean="0">
+                <a:latin typeface="Yu Gothic UI Semilight" panose="020B0400000000000000" pitchFamily="34" charset="-128"/>
+                <a:ea typeface="Yu Gothic UI Semilight" panose="020B0400000000000000" pitchFamily="34" charset="-128"/>
+              </a:rPr>
+              <a:t>tendance</a:t>
+            </a:r>
+            <a:r>
+              <a:rPr lang="fr-FR" dirty="0" smtClean="0">
+                <a:latin typeface="Yu Gothic UI Semilight" panose="020B0400000000000000" pitchFamily="34" charset="-128"/>
+                <a:ea typeface="Yu Gothic UI Semilight" panose="020B0400000000000000" pitchFamily="34" charset="-128"/>
+              </a:rPr>
+              <a:t> vers plus de produits sains ?</a:t>
+            </a:r>
+          </a:p>
+          <a:p>
+            <a:pPr marL="285750" indent="-285750">
+              <a:buFontTx/>
+              <a:buChar char="-"/>
+            </a:pPr>
+            <a:r>
+              <a:rPr lang="fr-FR" dirty="0" smtClean="0">
+                <a:latin typeface="Yu Gothic UI Semilight" panose="020B0400000000000000" pitchFamily="34" charset="-128"/>
+                <a:ea typeface="Yu Gothic UI Semilight" panose="020B0400000000000000" pitchFamily="34" charset="-128"/>
+              </a:rPr>
+              <a:t>Quels sont les </a:t>
+            </a:r>
+            <a:r>
+              <a:rPr lang="fr-FR" b="1" dirty="0" smtClean="0">
+                <a:latin typeface="Yu Gothic UI Semilight" panose="020B0400000000000000" pitchFamily="34" charset="-128"/>
+                <a:ea typeface="Yu Gothic UI Semilight" panose="020B0400000000000000" pitchFamily="34" charset="-128"/>
+              </a:rPr>
+              <a:t>variables déterminantes </a:t>
+            </a:r>
+            <a:r>
+              <a:rPr lang="fr-FR" dirty="0" smtClean="0">
+                <a:latin typeface="Yu Gothic UI Semilight" panose="020B0400000000000000" pitchFamily="34" charset="-128"/>
+                <a:ea typeface="Yu Gothic UI Semilight" panose="020B0400000000000000" pitchFamily="34" charset="-128"/>
+              </a:rPr>
+              <a:t>d’une nourriture saine ?</a:t>
+            </a:r>
+          </a:p>
+          <a:p>
+            <a:pPr marL="285750" indent="-285750">
+              <a:buFontTx/>
+              <a:buChar char="-"/>
+            </a:pPr>
+            <a:r>
+              <a:rPr lang="fr-FR" dirty="0" smtClean="0">
+                <a:latin typeface="Yu Gothic UI Semilight" panose="020B0400000000000000" pitchFamily="34" charset="-128"/>
+                <a:ea typeface="Yu Gothic UI Semilight" panose="020B0400000000000000" pitchFamily="34" charset="-128"/>
+              </a:rPr>
+              <a:t>Y a-t-il des </a:t>
+            </a:r>
+            <a:r>
+              <a:rPr lang="fr-FR" b="1" dirty="0" smtClean="0">
+                <a:latin typeface="Yu Gothic UI Semilight" panose="020B0400000000000000" pitchFamily="34" charset="-128"/>
+                <a:ea typeface="Yu Gothic UI Semilight" panose="020B0400000000000000" pitchFamily="34" charset="-128"/>
+              </a:rPr>
+              <a:t>catégories</a:t>
+            </a:r>
+            <a:r>
+              <a:rPr lang="fr-FR" dirty="0" smtClean="0">
+                <a:latin typeface="Yu Gothic UI Semilight" panose="020B0400000000000000" pitchFamily="34" charset="-128"/>
+                <a:ea typeface="Yu Gothic UI Semilight" panose="020B0400000000000000" pitchFamily="34" charset="-128"/>
+              </a:rPr>
+              <a:t> à privilégier pour une nourriture saine ?</a:t>
+            </a:r>
+          </a:p>
+          <a:p>
+            <a:pPr marL="285750" indent="-285750">
+              <a:buFontTx/>
+              <a:buChar char="-"/>
+            </a:pPr>
+            <a:r>
+              <a:rPr lang="fr-FR" dirty="0" smtClean="0">
+                <a:latin typeface="Yu Gothic UI Semilight" panose="020B0400000000000000" pitchFamily="34" charset="-128"/>
+                <a:ea typeface="Yu Gothic UI Semilight" panose="020B0400000000000000" pitchFamily="34" charset="-128"/>
+              </a:rPr>
+              <a:t>Y a-t-il des </a:t>
+            </a:r>
+            <a:r>
+              <a:rPr lang="fr-FR" b="1" dirty="0" smtClean="0">
+                <a:latin typeface="Yu Gothic UI Semilight" panose="020B0400000000000000" pitchFamily="34" charset="-128"/>
+                <a:ea typeface="Yu Gothic UI Semilight" panose="020B0400000000000000" pitchFamily="34" charset="-128"/>
+              </a:rPr>
+              <a:t>marques</a:t>
+            </a:r>
+            <a:r>
+              <a:rPr lang="fr-FR" dirty="0" smtClean="0">
+                <a:latin typeface="Yu Gothic UI Semilight" panose="020B0400000000000000" pitchFamily="34" charset="-128"/>
+                <a:ea typeface="Yu Gothic UI Semilight" panose="020B0400000000000000" pitchFamily="34" charset="-128"/>
+              </a:rPr>
+              <a:t> globalement meilleure sur l’ensemble des catégories ?</a:t>
+            </a:r>
+            <a:endParaRPr lang="fr-FR" dirty="0">
+              <a:latin typeface="Yu Gothic UI Semilight" panose="020B0400000000000000" pitchFamily="34" charset="-128"/>
+              <a:ea typeface="Yu Gothic UI Semilight" panose="020B0400000000000000" pitchFamily="34" charset="-128"/>
+            </a:endParaRPr>
+          </a:p>
+        </p:txBody>
+      </p:sp>
     </p:spTree>
     <p:extLst>
       <p:ext uri="{BB962C8B-B14F-4D97-AF65-F5344CB8AC3E}">
@@ -5680,7 +5738,7 @@
             </a:r>
             <a:r>
               <a:rPr lang="fr-FR" sz="4000" b="1" dirty="0" err="1" smtClean="0"/>
-              <a:t>bivariée</a:t>
+              <a:t>univariée</a:t>
             </a:r>
             <a:endParaRPr lang="fr-FR" sz="3200" dirty="0"/>
           </a:p>
@@ -5915,7 +5973,7 @@
       </p:sp>
       <p:sp>
         <p:nvSpPr>
-          <p:cNvPr id="8" name="Rectangle 7"/>
+          <p:cNvPr id="17" name="Rectangle 16"/>
           <p:cNvSpPr/>
           <p:nvPr/>
         </p:nvSpPr>
@@ -5972,10 +6030,40 @@
           </a:p>
         </p:txBody>
       </p:sp>
+      <p:pic>
+        <p:nvPicPr>
+          <p:cNvPr id="8" name="Image 7"/>
+          <p:cNvPicPr>
+            <a:picLocks noChangeAspect="1"/>
+          </p:cNvPicPr>
+          <p:nvPr/>
+        </p:nvPicPr>
+        <p:blipFill>
+          <a:blip r:embed="rId2" cstate="print">
+            <a:extLst>
+              <a:ext uri="{28A0092B-C50C-407E-A947-70E740481C1C}">
+                <a14:useLocalDpi xmlns:a14="http://schemas.microsoft.com/office/drawing/2010/main" val="0"/>
+              </a:ext>
+            </a:extLst>
+          </a:blip>
+          <a:stretch>
+            <a:fillRect/>
+          </a:stretch>
+        </p:blipFill>
+        <p:spPr>
+          <a:xfrm>
+            <a:off x="-396552" y="1556792"/>
+            <a:ext cx="6226867" cy="4447762"/>
+          </a:xfrm>
+          <a:prstGeom prst="rect">
+            <a:avLst/>
+          </a:prstGeom>
+        </p:spPr>
+      </p:pic>
     </p:spTree>
     <p:extLst>
       <p:ext uri="{BB962C8B-B14F-4D97-AF65-F5344CB8AC3E}">
-        <p14:creationId xmlns:p14="http://schemas.microsoft.com/office/powerpoint/2010/main" val="1434983898"/>
+        <p14:creationId xmlns:p14="http://schemas.microsoft.com/office/powerpoint/2010/main" val="3583167532"/>
       </p:ext>
     </p:extLst>
   </p:cSld>
@@ -6034,7 +6122,11 @@
             <a:pPr algn="r"/>
             <a:r>
               <a:rPr lang="fr-FR" sz="4000" b="1" dirty="0" smtClean="0"/>
-              <a:t>Analyse multivariée</a:t>
+              <a:t>Analyse </a:t>
+            </a:r>
+            <a:r>
+              <a:rPr lang="fr-FR" sz="4000" b="1" dirty="0" err="1" smtClean="0"/>
+              <a:t>univariée</a:t>
             </a:r>
             <a:endParaRPr lang="fr-FR" sz="3200" dirty="0"/>
           </a:p>
@@ -6269,7 +6361,7 @@
       </p:sp>
       <p:sp>
         <p:nvSpPr>
-          <p:cNvPr id="8" name="Rectangle 7"/>
+          <p:cNvPr id="17" name="Rectangle 16"/>
           <p:cNvSpPr/>
           <p:nvPr/>
         </p:nvSpPr>
@@ -6329,7 +6421,7 @@
     </p:spTree>
     <p:extLst>
       <p:ext uri="{BB962C8B-B14F-4D97-AF65-F5344CB8AC3E}">
-        <p14:creationId xmlns:p14="http://schemas.microsoft.com/office/powerpoint/2010/main" val="1653262598"/>
+        <p14:creationId xmlns:p14="http://schemas.microsoft.com/office/powerpoint/2010/main" val="2993455646"/>
       </p:ext>
     </p:extLst>
   </p:cSld>
@@ -6375,8 +6467,8 @@
         </p:nvSpPr>
         <p:spPr>
           <a:xfrm>
-            <a:off x="1081708" y="274638"/>
-            <a:ext cx="7488832" cy="1066130"/>
+            <a:off x="713284" y="274638"/>
+            <a:ext cx="7859216" cy="1066130"/>
           </a:xfrm>
         </p:spPr>
         <p:txBody>
@@ -6388,7 +6480,11 @@
             <a:pPr algn="r"/>
             <a:r>
               <a:rPr lang="fr-FR" sz="4000" b="1" dirty="0" smtClean="0"/>
-              <a:t>Conclusions</a:t>
+              <a:t>Analyse </a:t>
+            </a:r>
+            <a:r>
+              <a:rPr lang="fr-FR" sz="4000" b="1" dirty="0" err="1" smtClean="0"/>
+              <a:t>bivariée</a:t>
             </a:r>
             <a:endParaRPr lang="fr-FR" sz="3200" dirty="0"/>
           </a:p>
@@ -6419,6 +6515,111 @@
       </p:sp>
       <p:sp>
         <p:nvSpPr>
+          <p:cNvPr id="3" name="ZoneTexte 2"/>
+          <p:cNvSpPr txBox="1"/>
+          <p:nvPr/>
+        </p:nvSpPr>
+        <p:spPr>
+          <a:xfrm>
+            <a:off x="1979712" y="2348880"/>
+            <a:ext cx="4938588" cy="2308324"/>
+          </a:xfrm>
+          <a:prstGeom prst="rect">
+            <a:avLst/>
+          </a:prstGeom>
+          <a:noFill/>
+        </p:spPr>
+        <p:txBody>
+          <a:bodyPr wrap="square" rtlCol="0">
+            <a:spAutoFit/>
+          </a:bodyPr>
+          <a:lstStyle/>
+          <a:p>
+            <a:r>
+              <a:rPr lang="fr-FR" dirty="0" smtClean="0"/>
+              <a:t>1 Analyse </a:t>
+            </a:r>
+            <a:r>
+              <a:rPr lang="fr-FR" dirty="0" err="1" smtClean="0"/>
+              <a:t>univariée</a:t>
+            </a:r>
+            <a:endParaRPr lang="fr-FR" dirty="0" smtClean="0"/>
+          </a:p>
+          <a:p>
+            <a:r>
+              <a:rPr lang="fr-FR" dirty="0" smtClean="0"/>
+              <a:t>2 Analyse temporelle</a:t>
+            </a:r>
+          </a:p>
+          <a:p>
+            <a:r>
+              <a:rPr lang="fr-FR" dirty="0" smtClean="0"/>
+              <a:t>   Analyse </a:t>
+            </a:r>
+            <a:r>
+              <a:rPr lang="fr-FR" dirty="0" err="1" smtClean="0"/>
+              <a:t>bivariée</a:t>
+            </a:r>
+            <a:endParaRPr lang="fr-FR" dirty="0" smtClean="0"/>
+          </a:p>
+          <a:p>
+            <a:pPr marL="342900" indent="-342900">
+              <a:buAutoNum type="arabicPlain" startAt="3"/>
+            </a:pPr>
+            <a:r>
+              <a:rPr lang="fr-FR" dirty="0" smtClean="0"/>
+              <a:t>quantitatif vs. catégoriel</a:t>
+            </a:r>
+          </a:p>
+          <a:p>
+            <a:pPr marL="342900" indent="-342900">
+              <a:buAutoNum type="arabicPlain" startAt="3"/>
+            </a:pPr>
+            <a:r>
+              <a:rPr lang="fr-FR" dirty="0" smtClean="0"/>
+              <a:t>quantitatif vs. quantitatif</a:t>
+            </a:r>
+            <a:endParaRPr lang="fr-FR" dirty="0" smtClean="0"/>
+          </a:p>
+          <a:p>
+            <a:r>
+              <a:rPr lang="fr-FR" dirty="0" smtClean="0"/>
+              <a:t>   Analyse multivariée</a:t>
+            </a:r>
+          </a:p>
+          <a:p>
+            <a:r>
+              <a:rPr lang="fr-FR" dirty="0" smtClean="0"/>
+              <a:t>5</a:t>
+            </a:r>
+            <a:r>
+              <a:rPr lang="fr-FR" dirty="0"/>
+              <a:t>	</a:t>
+            </a:r>
+            <a:r>
+              <a:rPr lang="fr-FR" dirty="0" smtClean="0"/>
+              <a:t>PCA</a:t>
+            </a:r>
+          </a:p>
+          <a:p>
+            <a:r>
+              <a:rPr lang="fr-FR" dirty="0" smtClean="0"/>
+              <a:t>6</a:t>
+            </a:r>
+            <a:r>
+              <a:rPr lang="fr-FR" dirty="0"/>
+              <a:t>	</a:t>
+            </a:r>
+            <a:r>
+              <a:rPr lang="fr-FR" dirty="0" err="1" smtClean="0"/>
+              <a:t>clustering</a:t>
+            </a:r>
+            <a:endParaRPr lang="fr-FR" dirty="0" smtClean="0"/>
+          </a:p>
+        </p:txBody>
+      </p:sp>
+      <p:sp>
+        <p:nvSpPr>
           <p:cNvPr id="5" name="Espace réservé du pied de page 4"/>
           <p:cNvSpPr>
             <a:spLocks noGrp="1"/>
@@ -6465,7 +6666,7 @@
       </p:sp>
       <p:sp>
         <p:nvSpPr>
-          <p:cNvPr id="54" name="Rectangle 53"/>
+          <p:cNvPr id="8" name="Rectangle 7"/>
           <p:cNvSpPr/>
           <p:nvPr/>
         </p:nvSpPr>
@@ -6480,7 +6681,7 @@
           <a:gradFill flip="none" rotWithShape="1">
             <a:gsLst>
               <a:gs pos="0">
-                <a:srgbClr val="0070C0"/>
+                <a:srgbClr val="92D050"/>
               </a:gs>
               <a:gs pos="100000">
                 <a:schemeClr val="accent1">
@@ -6522,16 +6723,111 @@
           </a:p>
         </p:txBody>
       </p:sp>
-      <p:sp>
-        <p:nvSpPr>
-          <p:cNvPr id="21" name="ZoneTexte 20"/>
+    </p:spTree>
+    <p:extLst>
+      <p:ext uri="{BB962C8B-B14F-4D97-AF65-F5344CB8AC3E}">
+        <p14:creationId xmlns:p14="http://schemas.microsoft.com/office/powerpoint/2010/main" val="1434983898"/>
+      </p:ext>
+    </p:extLst>
+  </p:cSld>
+  <p:clrMapOvr>
+    <a:masterClrMapping/>
+  </p:clrMapOvr>
+  <p:timing>
+    <p:tnLst>
+      <p:par>
+        <p:cTn id="1" dur="indefinite" restart="never" nodeType="tmRoot"/>
+      </p:par>
+    </p:tnLst>
+  </p:timing>
+</p:sld>
+</file>
+
+<file path=ppt/slides/slide16.xml><?xml version="1.0" encoding="utf-8"?>
+<p:sld xmlns:a="http://schemas.openxmlformats.org/drawingml/2006/main" xmlns:r="http://schemas.openxmlformats.org/officeDocument/2006/relationships" xmlns:p="http://schemas.openxmlformats.org/presentationml/2006/main">
+  <p:cSld>
+    <p:spTree>
+      <p:nvGrpSpPr>
+        <p:cNvPr id="1" name=""/>
+        <p:cNvGrpSpPr/>
+        <p:nvPr/>
+      </p:nvGrpSpPr>
+      <p:grpSpPr>
+        <a:xfrm>
+          <a:off x="0" y="0"/>
+          <a:ext cx="0" cy="0"/>
+          <a:chOff x="0" y="0"/>
+          <a:chExt cx="0" cy="0"/>
+        </a:xfrm>
+      </p:grpSpPr>
+      <p:sp>
+        <p:nvSpPr>
+          <p:cNvPr id="2" name="Titre 1"/>
+          <p:cNvSpPr>
+            <a:spLocks noGrp="1"/>
+          </p:cNvSpPr>
+          <p:nvPr>
+            <p:ph type="title"/>
+          </p:nvPr>
+        </p:nvSpPr>
+        <p:spPr>
+          <a:xfrm>
+            <a:off x="713284" y="274638"/>
+            <a:ext cx="7859216" cy="1066130"/>
+          </a:xfrm>
+        </p:spPr>
+        <p:txBody>
+          <a:bodyPr>
+            <a:normAutofit/>
+          </a:bodyPr>
+          <a:lstStyle/>
+          <a:p>
+            <a:pPr algn="r"/>
+            <a:r>
+              <a:rPr lang="fr-FR" sz="4000" b="1" dirty="0" smtClean="0"/>
+              <a:t>Analyse </a:t>
+            </a:r>
+            <a:r>
+              <a:rPr lang="fr-FR" sz="4000" b="1" dirty="0" err="1" smtClean="0"/>
+              <a:t>bivariée</a:t>
+            </a:r>
+            <a:endParaRPr lang="fr-FR" sz="3200" dirty="0"/>
+          </a:p>
+        </p:txBody>
+      </p:sp>
+      <p:sp>
+        <p:nvSpPr>
+          <p:cNvPr id="4" name="Espace réservé de la date 3"/>
+          <p:cNvSpPr>
+            <a:spLocks noGrp="1"/>
+          </p:cNvSpPr>
+          <p:nvPr>
+            <p:ph type="dt" sz="half" idx="10"/>
+          </p:nvPr>
+        </p:nvSpPr>
+        <p:spPr/>
+        <p:txBody>
+          <a:bodyPr/>
+          <a:lstStyle/>
+          <a:p>
+            <a:r>
+              <a:rPr lang="fr-FR" smtClean="0"/>
+              <a:t>17/06/2020</a:t>
+            </a:r>
+            <a:endParaRPr lang="fr-FR" dirty="0"/>
+          </a:p>
+        </p:txBody>
+      </p:sp>
+      <p:sp>
+        <p:nvSpPr>
+          <p:cNvPr id="3" name="ZoneTexte 2"/>
           <p:cNvSpPr txBox="1"/>
           <p:nvPr/>
         </p:nvSpPr>
         <p:spPr>
           <a:xfrm>
-            <a:off x="4212908" y="1844823"/>
-            <a:ext cx="4535555" cy="3693319"/>
+            <a:off x="4932040" y="1780835"/>
+            <a:ext cx="4938588" cy="3139321"/>
           </a:xfrm>
           <a:prstGeom prst="rect">
             <a:avLst/>
@@ -6545,12 +6841,15 @@
           <a:lstStyle/>
           <a:p>
             <a:r>
-              <a:rPr lang="fr-FR" b="1" dirty="0" smtClean="0"/>
-              <a:t>La base de donnée nettoyée</a:t>
-            </a:r>
-          </a:p>
-          <a:p>
-            <a:endParaRPr lang="fr-FR" dirty="0" smtClean="0"/>
+              <a:rPr lang="fr-FR" b="1" dirty="0" smtClean="0">
+                <a:latin typeface="+mj-lt"/>
+              </a:rPr>
+              <a:t>Contenu </a:t>
+            </a:r>
+            <a:r>
+              <a:rPr lang="fr-FR" dirty="0" smtClean="0"/>
+              <a:t>: score quotidien</a:t>
+            </a:r>
           </a:p>
           <a:p>
             <a:pPr marL="285750" indent="-285750">
@@ -6562,14 +6861,7 @@
                 <a:latin typeface="Yu Gothic Light" panose="020B0300000000000000" pitchFamily="34" charset="-128"/>
                 <a:ea typeface="Yu Gothic Light" panose="020B0300000000000000" pitchFamily="34" charset="-128"/>
               </a:rPr>
-              <a:t>560 </a:t>
-            </a:r>
-            <a:r>
-              <a:rPr lang="fr-FR" dirty="0" smtClean="0">
-                <a:latin typeface="Yu Gothic Light" panose="020B0300000000000000" pitchFamily="34" charset="-128"/>
-                <a:ea typeface="Yu Gothic Light" panose="020B0300000000000000" pitchFamily="34" charset="-128"/>
-              </a:rPr>
-              <a:t>000 produits différents</a:t>
+              <a:t>Liste des produits consommés</a:t>
             </a:r>
           </a:p>
           <a:p>
@@ -6582,56 +6874,340 @@
                 <a:latin typeface="Yu Gothic Light" panose="020B0300000000000000" pitchFamily="34" charset="-128"/>
                 <a:ea typeface="Yu Gothic Light" panose="020B0300000000000000" pitchFamily="34" charset="-128"/>
               </a:rPr>
-              <a:t>6 variables </a:t>
-            </a:r>
+              <a:t>Evaluation des apports quotidiens</a:t>
+            </a:r>
+          </a:p>
+          <a:p>
+            <a:endParaRPr lang="fr-FR" dirty="0"/>
+          </a:p>
+          <a:p>
+            <a:r>
+              <a:rPr lang="fr-FR" dirty="0" smtClean="0">
+                <a:latin typeface="+mj-lt"/>
+              </a:rPr>
+              <a:t>Fonction 2 </a:t>
+            </a:r>
+            <a:r>
+              <a:rPr lang="fr-FR" dirty="0" smtClean="0"/>
+              <a:t>: recommandations</a:t>
+            </a:r>
+          </a:p>
+          <a:p>
+            <a:pPr marL="285750" indent="-285750">
+              <a:buFontTx/>
+              <a:buChar char="-"/>
+            </a:pPr>
             <a:r>
               <a:rPr lang="fr-FR" dirty="0" smtClean="0">
                 <a:latin typeface="Yu Gothic Light" panose="020B0300000000000000" pitchFamily="34" charset="-128"/>
                 <a:ea typeface="Yu Gothic Light" panose="020B0300000000000000" pitchFamily="34" charset="-128"/>
               </a:rPr>
-              <a:t>quantitatives principales</a:t>
-            </a:r>
+              <a:t>Liste des axes à améliorer</a:t>
+            </a:r>
+          </a:p>
+          <a:p>
+            <a:pPr marL="285750" indent="-285750">
+              <a:buFontTx/>
+              <a:buChar char="-"/>
+            </a:pPr>
+            <a:r>
+              <a:rPr lang="fr-FR" dirty="0" smtClean="0">
+                <a:latin typeface="Yu Gothic Light" panose="020B0300000000000000" pitchFamily="34" charset="-128"/>
+                <a:ea typeface="Yu Gothic Light" panose="020B0300000000000000" pitchFamily="34" charset="-128"/>
+              </a:rPr>
+              <a:t>Navigateur de produit à remplacer</a:t>
+            </a:r>
+          </a:p>
+          <a:p>
             <a:endParaRPr lang="fr-FR" dirty="0" smtClean="0">
               <a:latin typeface="Yu Gothic Light" panose="020B0300000000000000" pitchFamily="34" charset="-128"/>
               <a:ea typeface="Yu Gothic Light" panose="020B0300000000000000" pitchFamily="34" charset="-128"/>
             </a:endParaRPr>
           </a:p>
           <a:p>
+            <a:r>
+              <a:rPr lang="fr-FR" dirty="0">
+                <a:latin typeface="+mj-lt"/>
+              </a:rPr>
+              <a:t>Fonction </a:t>
+            </a:r>
+            <a:r>
+              <a:rPr lang="fr-FR" dirty="0" smtClean="0">
+                <a:latin typeface="+mj-lt"/>
+              </a:rPr>
+              <a:t>3 </a:t>
+            </a:r>
+            <a:r>
+              <a:rPr lang="fr-FR" dirty="0"/>
+              <a:t>: </a:t>
+            </a:r>
+            <a:r>
+              <a:rPr lang="fr-FR" dirty="0" smtClean="0"/>
+              <a:t>statistiques</a:t>
+            </a:r>
+            <a:endParaRPr lang="fr-FR" dirty="0"/>
+          </a:p>
+          <a:p>
             <a:pPr marL="285750" indent="-285750">
               <a:buFontTx/>
               <a:buChar char="-"/>
             </a:pPr>
-            <a:endParaRPr lang="fr-FR" dirty="0">
-              <a:latin typeface="Yu Gothic Light" panose="020B0300000000000000" pitchFamily="34" charset="-128"/>
-              <a:ea typeface="Yu Gothic Light" panose="020B0300000000000000" pitchFamily="34" charset="-128"/>
-            </a:endParaRPr>
-          </a:p>
-          <a:p>
-            <a:r>
-              <a:rPr lang="fr-FR" b="1" dirty="0" smtClean="0"/>
-              <a:t>Les liens entre les variables</a:t>
-            </a:r>
-            <a:endParaRPr lang="fr-FR" b="1" dirty="0"/>
-          </a:p>
-          <a:p>
-            <a:endParaRPr lang="fr-FR" dirty="0"/>
+            <a:r>
+              <a:rPr lang="fr-FR" dirty="0" smtClean="0">
+                <a:latin typeface="Yu Gothic Light" panose="020B0300000000000000" pitchFamily="34" charset="-128"/>
+                <a:ea typeface="Yu Gothic Light" panose="020B0300000000000000" pitchFamily="34" charset="-128"/>
+              </a:rPr>
+              <a:t>Archivage des entrées</a:t>
+            </a:r>
           </a:p>
           <a:p>
             <a:pPr marL="285750" indent="-285750">
               <a:buFontTx/>
               <a:buChar char="-"/>
             </a:pPr>
+            <a:r>
+              <a:rPr lang="fr-FR" dirty="0" smtClean="0">
+                <a:latin typeface="Yu Gothic Light" panose="020B0300000000000000" pitchFamily="34" charset="-128"/>
+                <a:ea typeface="Yu Gothic Light" panose="020B0300000000000000" pitchFamily="34" charset="-128"/>
+              </a:rPr>
+              <a:t>Affichage graphique</a:t>
+            </a:r>
             <a:endParaRPr lang="fr-FR" dirty="0" smtClean="0"/>
           </a:p>
-          <a:p>
-            <a:r>
-              <a:rPr lang="fr-FR" b="1" dirty="0" smtClean="0"/>
-              <a:t>Ajustements du projet</a:t>
-            </a:r>
-            <a:endParaRPr lang="fr-FR" b="1" dirty="0"/>
-          </a:p>
-          <a:p>
+        </p:txBody>
+      </p:sp>
+      <p:sp>
+        <p:nvSpPr>
+          <p:cNvPr id="5" name="Espace réservé du pied de page 4"/>
+          <p:cNvSpPr>
+            <a:spLocks noGrp="1"/>
+          </p:cNvSpPr>
+          <p:nvPr>
+            <p:ph type="ftr" sz="quarter" idx="11"/>
+          </p:nvPr>
+        </p:nvSpPr>
+        <p:spPr/>
+        <p:txBody>
+          <a:bodyPr/>
+          <a:lstStyle/>
+          <a:p>
+            <a:r>
+              <a:rPr lang="fr-FR" smtClean="0"/>
+              <a:t>Maryse Muller  |  Parcours Data Scientist</a:t>
+            </a:r>
             <a:endParaRPr lang="fr-FR" dirty="0"/>
+          </a:p>
+        </p:txBody>
+      </p:sp>
+      <p:sp>
+        <p:nvSpPr>
+          <p:cNvPr id="6" name="Espace réservé du numéro de diapositive 5"/>
+          <p:cNvSpPr>
+            <a:spLocks noGrp="1"/>
+          </p:cNvSpPr>
+          <p:nvPr>
+            <p:ph type="sldNum" sz="quarter" idx="12"/>
+          </p:nvPr>
+        </p:nvSpPr>
+        <p:spPr/>
+        <p:txBody>
+          <a:bodyPr/>
+          <a:lstStyle/>
+          <a:p>
+            <a:fld id="{D384C430-F8FC-4B07-B0BC-750FA1B3CF0A}" type="slidenum">
+              <a:rPr lang="fr-FR" smtClean="0"/>
+              <a:t>16</a:t>
+            </a:fld>
+            <a:endParaRPr lang="fr-FR" dirty="0"/>
+          </a:p>
+        </p:txBody>
+      </p:sp>
+      <p:sp>
+        <p:nvSpPr>
+          <p:cNvPr id="8" name="Rectangle 7"/>
+          <p:cNvSpPr/>
+          <p:nvPr/>
+        </p:nvSpPr>
+        <p:spPr>
+          <a:xfrm>
+            <a:off x="3823854" y="1196959"/>
+            <a:ext cx="4708586" cy="45719"/>
+          </a:xfrm>
+          <a:prstGeom prst="rect">
+            <a:avLst/>
+          </a:prstGeom>
+          <a:gradFill flip="none" rotWithShape="1">
+            <a:gsLst>
+              <a:gs pos="0">
+                <a:srgbClr val="92D050"/>
+              </a:gs>
+              <a:gs pos="100000">
+                <a:schemeClr val="accent1">
+                  <a:tint val="23500"/>
+                  <a:satMod val="160000"/>
+                  <a:alpha val="0"/>
+                </a:schemeClr>
+              </a:gs>
+            </a:gsLst>
+            <a:lin ang="10800000" scaled="1"/>
+            <a:tileRect/>
+          </a:gradFill>
+          <a:ln>
+            <a:noFill/>
+          </a:ln>
+        </p:spPr>
+        <p:style>
+          <a:lnRef idx="2">
+            <a:schemeClr val="accent1">
+              <a:shade val="50000"/>
+            </a:schemeClr>
+          </a:lnRef>
+          <a:fillRef idx="1">
+            <a:schemeClr val="accent1"/>
+          </a:fillRef>
+          <a:effectRef idx="0">
+            <a:schemeClr val="accent1"/>
+          </a:effectRef>
+          <a:fontRef idx="minor">
+            <a:schemeClr val="lt1"/>
+          </a:fontRef>
+        </p:style>
+        <p:txBody>
+          <a:bodyPr rtlCol="0" anchor="ctr"/>
+          <a:lstStyle/>
+          <a:p>
+            <a:pPr algn="ctr"/>
+            <a:endParaRPr lang="fr-FR"/>
+          </a:p>
+        </p:txBody>
+      </p:sp>
+    </p:spTree>
+    <p:extLst>
+      <p:ext uri="{BB962C8B-B14F-4D97-AF65-F5344CB8AC3E}">
+        <p14:creationId xmlns:p14="http://schemas.microsoft.com/office/powerpoint/2010/main" val="919027992"/>
+      </p:ext>
+    </p:extLst>
+  </p:cSld>
+  <p:clrMapOvr>
+    <a:masterClrMapping/>
+  </p:clrMapOvr>
+  <p:timing>
+    <p:tnLst>
+      <p:par>
+        <p:cTn id="1" dur="indefinite" restart="never" nodeType="tmRoot"/>
+      </p:par>
+    </p:tnLst>
+  </p:timing>
+</p:sld>
+</file>
+
+<file path=ppt/slides/slide17.xml><?xml version="1.0" encoding="utf-8"?>
+<p:sld xmlns:a="http://schemas.openxmlformats.org/drawingml/2006/main" xmlns:r="http://schemas.openxmlformats.org/officeDocument/2006/relationships" xmlns:p="http://schemas.openxmlformats.org/presentationml/2006/main">
+  <p:cSld>
+    <p:spTree>
+      <p:nvGrpSpPr>
+        <p:cNvPr id="1" name=""/>
+        <p:cNvGrpSpPr/>
+        <p:nvPr/>
+      </p:nvGrpSpPr>
+      <p:grpSpPr>
+        <a:xfrm>
+          <a:off x="0" y="0"/>
+          <a:ext cx="0" cy="0"/>
+          <a:chOff x="0" y="0"/>
+          <a:chExt cx="0" cy="0"/>
+        </a:xfrm>
+      </p:grpSpPr>
+      <p:sp>
+        <p:nvSpPr>
+          <p:cNvPr id="2" name="Titre 1"/>
+          <p:cNvSpPr>
+            <a:spLocks noGrp="1"/>
+          </p:cNvSpPr>
+          <p:nvPr>
+            <p:ph type="title"/>
+          </p:nvPr>
+        </p:nvSpPr>
+        <p:spPr>
+          <a:xfrm>
+            <a:off x="713284" y="274638"/>
+            <a:ext cx="7859216" cy="1066130"/>
+          </a:xfrm>
+        </p:spPr>
+        <p:txBody>
+          <a:bodyPr>
+            <a:normAutofit/>
+          </a:bodyPr>
+          <a:lstStyle/>
+          <a:p>
+            <a:pPr algn="r"/>
+            <a:r>
+              <a:rPr lang="fr-FR" sz="4000" b="1" dirty="0" smtClean="0"/>
+              <a:t>Analyse </a:t>
+            </a:r>
+            <a:r>
+              <a:rPr lang="fr-FR" sz="4000" b="1" dirty="0" err="1" smtClean="0"/>
+              <a:t>bivariée</a:t>
+            </a:r>
+            <a:endParaRPr lang="fr-FR" sz="3200" dirty="0"/>
+          </a:p>
+        </p:txBody>
+      </p:sp>
+      <p:sp>
+        <p:nvSpPr>
+          <p:cNvPr id="4" name="Espace réservé de la date 3"/>
+          <p:cNvSpPr>
+            <a:spLocks noGrp="1"/>
+          </p:cNvSpPr>
+          <p:nvPr>
+            <p:ph type="dt" sz="half" idx="10"/>
+          </p:nvPr>
+        </p:nvSpPr>
+        <p:spPr/>
+        <p:txBody>
+          <a:bodyPr/>
+          <a:lstStyle/>
+          <a:p>
+            <a:r>
+              <a:rPr lang="fr-FR" smtClean="0"/>
+              <a:t>17/06/2020</a:t>
+            </a:r>
+            <a:endParaRPr lang="fr-FR" dirty="0"/>
+          </a:p>
+        </p:txBody>
+      </p:sp>
+      <p:sp>
+        <p:nvSpPr>
+          <p:cNvPr id="3" name="ZoneTexte 2"/>
+          <p:cNvSpPr txBox="1"/>
+          <p:nvPr/>
+        </p:nvSpPr>
+        <p:spPr>
+          <a:xfrm>
+            <a:off x="4932040" y="1780835"/>
+            <a:ext cx="4938588" cy="3139321"/>
+          </a:xfrm>
+          <a:prstGeom prst="rect">
+            <a:avLst/>
+          </a:prstGeom>
+          <a:noFill/>
+        </p:spPr>
+        <p:txBody>
+          <a:bodyPr wrap="square" rtlCol="0">
+            <a:spAutoFit/>
+          </a:bodyPr>
+          <a:lstStyle/>
+          <a:p>
+            <a:r>
+              <a:rPr lang="fr-FR" b="1" dirty="0" smtClean="0">
+                <a:latin typeface="+mj-lt"/>
+              </a:rPr>
+              <a:t>Contenu </a:t>
+            </a:r>
+            <a:r>
+              <a:rPr lang="fr-FR" dirty="0" smtClean="0"/>
+              <a:t>: score quotidien</a:t>
+            </a:r>
           </a:p>
           <a:p>
             <a:pPr marL="285750" indent="-285750">
@@ -6639,11 +7215,11 @@
               <a:buChar char="-"/>
             </a:pPr>
             <a:r>
-              <a:rPr lang="fr-FR" dirty="0">
+              <a:rPr lang="fr-FR" dirty="0" smtClean="0">
                 <a:latin typeface="Yu Gothic Light" panose="020B0300000000000000" pitchFamily="34" charset="-128"/>
                 <a:ea typeface="Yu Gothic Light" panose="020B0300000000000000" pitchFamily="34" charset="-128"/>
               </a:rPr>
-              <a:t>125</a:t>
+              <a:t>Liste des produits consommés</a:t>
             </a:r>
           </a:p>
           <a:p>
@@ -6651,2349 +7227,930 @@
               <a:buFontTx/>
               <a:buChar char="-"/>
             </a:pPr>
+            <a:r>
+              <a:rPr lang="fr-FR" dirty="0" smtClean="0">
+                <a:latin typeface="Yu Gothic Light" panose="020B0300000000000000" pitchFamily="34" charset="-128"/>
+                <a:ea typeface="Yu Gothic Light" panose="020B0300000000000000" pitchFamily="34" charset="-128"/>
+              </a:rPr>
+              <a:t>Evaluation des apports quotidiens</a:t>
+            </a:r>
+          </a:p>
+          <a:p>
+            <a:endParaRPr lang="fr-FR" dirty="0"/>
+          </a:p>
+          <a:p>
+            <a:r>
+              <a:rPr lang="fr-FR" dirty="0" smtClean="0">
+                <a:latin typeface="+mj-lt"/>
+              </a:rPr>
+              <a:t>Fonction 2 </a:t>
+            </a:r>
+            <a:r>
+              <a:rPr lang="fr-FR" dirty="0" smtClean="0"/>
+              <a:t>: recommandations</a:t>
+            </a:r>
+          </a:p>
+          <a:p>
+            <a:pPr marL="285750" indent="-285750">
+              <a:buFontTx/>
+              <a:buChar char="-"/>
+            </a:pPr>
+            <a:r>
+              <a:rPr lang="fr-FR" dirty="0" smtClean="0">
+                <a:latin typeface="Yu Gothic Light" panose="020B0300000000000000" pitchFamily="34" charset="-128"/>
+                <a:ea typeface="Yu Gothic Light" panose="020B0300000000000000" pitchFamily="34" charset="-128"/>
+              </a:rPr>
+              <a:t>Liste des axes à améliorer</a:t>
+            </a:r>
+          </a:p>
+          <a:p>
+            <a:pPr marL="285750" indent="-285750">
+              <a:buFontTx/>
+              <a:buChar char="-"/>
+            </a:pPr>
+            <a:r>
+              <a:rPr lang="fr-FR" dirty="0" smtClean="0">
+                <a:latin typeface="Yu Gothic Light" panose="020B0300000000000000" pitchFamily="34" charset="-128"/>
+                <a:ea typeface="Yu Gothic Light" panose="020B0300000000000000" pitchFamily="34" charset="-128"/>
+              </a:rPr>
+              <a:t>Navigateur de produit à remplacer</a:t>
+            </a:r>
+          </a:p>
+          <a:p>
+            <a:endParaRPr lang="fr-FR" dirty="0" smtClean="0">
+              <a:latin typeface="Yu Gothic Light" panose="020B0300000000000000" pitchFamily="34" charset="-128"/>
+              <a:ea typeface="Yu Gothic Light" panose="020B0300000000000000" pitchFamily="34" charset="-128"/>
+            </a:endParaRPr>
+          </a:p>
+          <a:p>
+            <a:r>
+              <a:rPr lang="fr-FR" dirty="0">
+                <a:latin typeface="+mj-lt"/>
+              </a:rPr>
+              <a:t>Fonction </a:t>
+            </a:r>
+            <a:r>
+              <a:rPr lang="fr-FR" dirty="0" smtClean="0">
+                <a:latin typeface="+mj-lt"/>
+              </a:rPr>
+              <a:t>3 </a:t>
+            </a:r>
+            <a:r>
+              <a:rPr lang="fr-FR" dirty="0"/>
+              <a:t>: </a:t>
+            </a:r>
+            <a:r>
+              <a:rPr lang="fr-FR" dirty="0" smtClean="0"/>
+              <a:t>statistiques</a:t>
+            </a:r>
+            <a:endParaRPr lang="fr-FR" dirty="0"/>
+          </a:p>
+          <a:p>
+            <a:pPr marL="285750" indent="-285750">
+              <a:buFontTx/>
+              <a:buChar char="-"/>
+            </a:pPr>
+            <a:r>
+              <a:rPr lang="fr-FR" dirty="0" smtClean="0">
+                <a:latin typeface="Yu Gothic Light" panose="020B0300000000000000" pitchFamily="34" charset="-128"/>
+                <a:ea typeface="Yu Gothic Light" panose="020B0300000000000000" pitchFamily="34" charset="-128"/>
+              </a:rPr>
+              <a:t>Archivage des entrées</a:t>
+            </a:r>
+          </a:p>
+          <a:p>
+            <a:pPr marL="285750" indent="-285750">
+              <a:buFontTx/>
+              <a:buChar char="-"/>
+            </a:pPr>
+            <a:r>
+              <a:rPr lang="fr-FR" dirty="0" smtClean="0">
+                <a:latin typeface="Yu Gothic Light" panose="020B0300000000000000" pitchFamily="34" charset="-128"/>
+                <a:ea typeface="Yu Gothic Light" panose="020B0300000000000000" pitchFamily="34" charset="-128"/>
+              </a:rPr>
+              <a:t>Affichage graphique</a:t>
+            </a:r>
             <a:endParaRPr lang="fr-FR" dirty="0" smtClean="0"/>
           </a:p>
-          <a:p>
+        </p:txBody>
+      </p:sp>
+      <p:sp>
+        <p:nvSpPr>
+          <p:cNvPr id="5" name="Espace réservé du pied de page 4"/>
+          <p:cNvSpPr>
+            <a:spLocks noGrp="1"/>
+          </p:cNvSpPr>
+          <p:nvPr>
+            <p:ph type="ftr" sz="quarter" idx="11"/>
+          </p:nvPr>
+        </p:nvSpPr>
+        <p:spPr/>
+        <p:txBody>
+          <a:bodyPr/>
+          <a:lstStyle/>
+          <a:p>
+            <a:r>
+              <a:rPr lang="fr-FR" smtClean="0"/>
+              <a:t>Maryse Muller  |  Parcours Data Scientist</a:t>
+            </a:r>
             <a:endParaRPr lang="fr-FR" dirty="0"/>
           </a:p>
         </p:txBody>
       </p:sp>
-      <p:grpSp>
-        <p:nvGrpSpPr>
-          <p:cNvPr id="10" name="Groupe 9"/>
-          <p:cNvGrpSpPr/>
+      <p:sp>
+        <p:nvSpPr>
+          <p:cNvPr id="6" name="Espace réservé du numéro de diapositive 5"/>
+          <p:cNvSpPr>
+            <a:spLocks noGrp="1"/>
+          </p:cNvSpPr>
+          <p:nvPr>
+            <p:ph type="sldNum" sz="quarter" idx="12"/>
+          </p:nvPr>
+        </p:nvSpPr>
+        <p:spPr/>
+        <p:txBody>
+          <a:bodyPr/>
+          <a:lstStyle/>
+          <a:p>
+            <a:fld id="{D384C430-F8FC-4B07-B0BC-750FA1B3CF0A}" type="slidenum">
+              <a:rPr lang="fr-FR" smtClean="0"/>
+              <a:t>17</a:t>
+            </a:fld>
+            <a:endParaRPr lang="fr-FR" dirty="0"/>
+          </a:p>
+        </p:txBody>
+      </p:sp>
+      <p:sp>
+        <p:nvSpPr>
+          <p:cNvPr id="8" name="Rectangle 7"/>
+          <p:cNvSpPr/>
           <p:nvPr/>
-        </p:nvGrpSpPr>
-        <p:grpSpPr>
+        </p:nvSpPr>
+        <p:spPr>
           <a:xfrm>
-            <a:off x="251521" y="1628801"/>
-            <a:ext cx="3744414" cy="4464495"/>
-            <a:chOff x="251521" y="1628801"/>
-            <a:chExt cx="3744414" cy="4464495"/>
+            <a:off x="3823854" y="1196959"/>
+            <a:ext cx="4708586" cy="45719"/>
           </a:xfrm>
-        </p:grpSpPr>
-        <p:sp>
-          <p:nvSpPr>
-            <p:cNvPr id="19" name="Rectangle à coins arrondis 18"/>
-            <p:cNvSpPr/>
-            <p:nvPr/>
-          </p:nvSpPr>
-          <p:spPr>
-            <a:xfrm>
-              <a:off x="251521" y="1628801"/>
-              <a:ext cx="3572334" cy="4464495"/>
-            </a:xfrm>
-            <a:prstGeom prst="roundRect">
-              <a:avLst/>
-            </a:prstGeom>
-            <a:solidFill>
-              <a:schemeClr val="bg1"/>
-            </a:solidFill>
-            <a:ln>
-              <a:solidFill>
-                <a:schemeClr val="bg1">
-                  <a:lumMod val="65000"/>
+          <a:prstGeom prst="rect">
+            <a:avLst/>
+          </a:prstGeom>
+          <a:gradFill flip="none" rotWithShape="1">
+            <a:gsLst>
+              <a:gs pos="0">
+                <a:srgbClr val="92D050"/>
+              </a:gs>
+              <a:gs pos="100000">
+                <a:schemeClr val="accent1">
+                  <a:tint val="23500"/>
+                  <a:satMod val="160000"/>
+                  <a:alpha val="0"/>
                 </a:schemeClr>
-              </a:solidFill>
-            </a:ln>
-          </p:spPr>
-          <p:style>
-            <a:lnRef idx="2">
-              <a:schemeClr val="accent1">
-                <a:shade val="50000"/>
-              </a:schemeClr>
-            </a:lnRef>
-            <a:fillRef idx="1">
-              <a:schemeClr val="accent1"/>
-            </a:fillRef>
-            <a:effectRef idx="0">
-              <a:schemeClr val="accent1"/>
-            </a:effectRef>
-            <a:fontRef idx="minor">
-              <a:schemeClr val="lt1"/>
-            </a:fontRef>
-          </p:style>
-          <p:txBody>
-            <a:bodyPr rtlCol="0" anchor="ctr"/>
-            <a:lstStyle/>
-            <a:p>
-              <a:pPr algn="ctr"/>
-              <a:endParaRPr lang="fr-FR" dirty="0"/>
-            </a:p>
-          </p:txBody>
-        </p:sp>
-        <p:sp>
-          <p:nvSpPr>
-            <p:cNvPr id="3" name="ZoneTexte 2"/>
-            <p:cNvSpPr txBox="1"/>
-            <p:nvPr/>
-          </p:nvSpPr>
-          <p:spPr>
-            <a:xfrm>
-              <a:off x="467544" y="1844824"/>
-              <a:ext cx="3528391" cy="3970318"/>
-            </a:xfrm>
-            <a:prstGeom prst="rect">
-              <a:avLst/>
-            </a:prstGeom>
+              </a:gs>
+            </a:gsLst>
+            <a:lin ang="10800000" scaled="1"/>
+            <a:tileRect/>
+          </a:gradFill>
+          <a:ln>
             <a:noFill/>
-          </p:spPr>
-          <p:txBody>
-            <a:bodyPr wrap="square" rtlCol="0">
-              <a:spAutoFit/>
-            </a:bodyPr>
-            <a:lstStyle/>
-            <a:p>
-              <a:r>
-                <a:rPr lang="fr-FR" sz="2000" b="1" dirty="0" smtClean="0">
-                  <a:latin typeface="Yu Gothic Medium" panose="020B0500000000000000" pitchFamily="34" charset="-128"/>
-                  <a:ea typeface="Yu Gothic Medium" panose="020B0500000000000000" pitchFamily="34" charset="-128"/>
-                </a:rPr>
-                <a:t>Cahier des charges</a:t>
-              </a:r>
-            </a:p>
-            <a:p>
-              <a:endParaRPr lang="fr-FR" b="1" dirty="0" smtClean="0">
-                <a:latin typeface="+mj-lt"/>
-              </a:endParaRPr>
-            </a:p>
-            <a:p>
-              <a:r>
-                <a:rPr lang="fr-FR" dirty="0" smtClean="0"/>
-                <a:t>Une base de donnée propre</a:t>
-              </a:r>
-            </a:p>
-            <a:p>
-              <a:endParaRPr lang="fr-FR" dirty="0" smtClean="0"/>
-            </a:p>
-            <a:p>
-              <a:pPr marL="285750" indent="-285750">
-                <a:buFont typeface="Wingdings" panose="05000000000000000000" pitchFamily="2" charset="2"/>
-                <a:buChar char="q"/>
-              </a:pPr>
-              <a:r>
-                <a:rPr lang="fr-FR" dirty="0" smtClean="0">
-                  <a:latin typeface="Yu Gothic Light" panose="020B0300000000000000" pitchFamily="34" charset="-128"/>
-                  <a:ea typeface="Yu Gothic Light" panose="020B0300000000000000" pitchFamily="34" charset="-128"/>
-                </a:rPr>
-                <a:t>sans valeurs aberrantes</a:t>
-              </a:r>
-            </a:p>
-            <a:p>
-              <a:pPr marL="285750" indent="-285750">
-                <a:buFont typeface="Wingdings" panose="05000000000000000000" pitchFamily="2" charset="2"/>
-                <a:buChar char="q"/>
-              </a:pPr>
-              <a:r>
-                <a:rPr lang="fr-FR" dirty="0" smtClean="0">
-                  <a:latin typeface="Yu Gothic Light" panose="020B0300000000000000" pitchFamily="34" charset="-128"/>
-                  <a:ea typeface="Yu Gothic Light" panose="020B0300000000000000" pitchFamily="34" charset="-128"/>
-                </a:rPr>
-                <a:t>sans doublons</a:t>
-              </a:r>
-            </a:p>
-            <a:p>
-              <a:pPr marL="285750" indent="-285750">
-                <a:buFont typeface="Wingdings" panose="05000000000000000000" pitchFamily="2" charset="2"/>
-                <a:buChar char="q"/>
-              </a:pPr>
-              <a:r>
-                <a:rPr lang="fr-FR" dirty="0">
-                  <a:latin typeface="Yu Gothic Light" panose="020B0300000000000000" pitchFamily="34" charset="-128"/>
-                  <a:ea typeface="Yu Gothic Light" panose="020B0300000000000000" pitchFamily="34" charset="-128"/>
-                </a:rPr>
-                <a:t>s</a:t>
-              </a:r>
-              <a:r>
-                <a:rPr lang="fr-FR" dirty="0" smtClean="0">
-                  <a:latin typeface="Yu Gothic Light" panose="020B0300000000000000" pitchFamily="34" charset="-128"/>
-                  <a:ea typeface="Yu Gothic Light" panose="020B0300000000000000" pitchFamily="34" charset="-128"/>
-                </a:rPr>
-                <a:t>ans valeurs manquantes</a:t>
-              </a:r>
-            </a:p>
-            <a:p>
-              <a:endParaRPr lang="fr-FR" dirty="0" smtClean="0"/>
-            </a:p>
-            <a:p>
-              <a:endParaRPr lang="fr-FR" dirty="0"/>
-            </a:p>
-            <a:p>
-              <a:r>
-                <a:rPr lang="fr-FR" dirty="0" smtClean="0"/>
-                <a:t>Un contenu adapté</a:t>
-              </a:r>
-            </a:p>
-            <a:p>
-              <a:endParaRPr lang="fr-FR" dirty="0" smtClean="0">
-                <a:latin typeface="+mj-lt"/>
-              </a:endParaRPr>
-            </a:p>
-            <a:p>
-              <a:pPr marL="285750" indent="-285750">
-                <a:buFont typeface="Wingdings" panose="05000000000000000000" pitchFamily="2" charset="2"/>
-                <a:buChar char="q"/>
-              </a:pPr>
-              <a:r>
-                <a:rPr lang="fr-FR" dirty="0">
-                  <a:latin typeface="Yu Gothic Light" panose="020B0300000000000000" pitchFamily="34" charset="-128"/>
-                  <a:ea typeface="Yu Gothic Light" panose="020B0300000000000000" pitchFamily="34" charset="-128"/>
-                </a:rPr>
-                <a:t>d</a:t>
-              </a:r>
-              <a:r>
-                <a:rPr lang="fr-FR" dirty="0" smtClean="0">
-                  <a:latin typeface="Yu Gothic Light" panose="020B0300000000000000" pitchFamily="34" charset="-128"/>
-                  <a:ea typeface="Yu Gothic Light" panose="020B0300000000000000" pitchFamily="34" charset="-128"/>
-                </a:rPr>
-                <a:t>es produits identifiables</a:t>
-              </a:r>
-            </a:p>
-            <a:p>
-              <a:pPr marL="285750" indent="-285750">
-                <a:buFont typeface="Wingdings" panose="05000000000000000000" pitchFamily="2" charset="2"/>
-                <a:buChar char="q"/>
-              </a:pPr>
-              <a:r>
-                <a:rPr lang="fr-FR" dirty="0" smtClean="0">
-                  <a:latin typeface="Yu Gothic Light" panose="020B0300000000000000" pitchFamily="34" charset="-128"/>
-                  <a:ea typeface="Yu Gothic Light" panose="020B0300000000000000" pitchFamily="34" charset="-128"/>
-                </a:rPr>
-                <a:t>des catégories pertinentes</a:t>
-              </a:r>
-            </a:p>
-            <a:p>
-              <a:pPr marL="285750" indent="-285750">
-                <a:buFont typeface="Wingdings" panose="05000000000000000000" pitchFamily="2" charset="2"/>
-                <a:buChar char="q"/>
-              </a:pPr>
-              <a:r>
-                <a:rPr lang="fr-FR" dirty="0" smtClean="0">
-                  <a:latin typeface="Yu Gothic Light" panose="020B0300000000000000" pitchFamily="34" charset="-128"/>
-                  <a:ea typeface="Yu Gothic Light" panose="020B0300000000000000" pitchFamily="34" charset="-128"/>
-                </a:rPr>
-                <a:t>des données chiffrées utiles</a:t>
-              </a:r>
-            </a:p>
-          </p:txBody>
-        </p:sp>
-        <p:sp>
-          <p:nvSpPr>
-            <p:cNvPr id="7" name="Forme libre 6"/>
-            <p:cNvSpPr/>
-            <p:nvPr/>
-          </p:nvSpPr>
-          <p:spPr>
-            <a:xfrm>
-              <a:off x="550168" y="3011091"/>
-              <a:ext cx="277416" cy="200124"/>
-            </a:xfrm>
-            <a:custGeom>
-              <a:avLst/>
-              <a:gdLst>
-                <a:gd name="connsiteX0" fmla="*/ 0 w 2616200"/>
-                <a:gd name="connsiteY0" fmla="*/ 304800 h 825500"/>
-                <a:gd name="connsiteX1" fmla="*/ 152400 w 2616200"/>
-                <a:gd name="connsiteY1" fmla="*/ 342900 h 825500"/>
-                <a:gd name="connsiteX2" fmla="*/ 190500 w 2616200"/>
-                <a:gd name="connsiteY2" fmla="*/ 368300 h 825500"/>
-                <a:gd name="connsiteX3" fmla="*/ 254000 w 2616200"/>
-                <a:gd name="connsiteY3" fmla="*/ 393700 h 825500"/>
-                <a:gd name="connsiteX4" fmla="*/ 381000 w 2616200"/>
-                <a:gd name="connsiteY4" fmla="*/ 482600 h 825500"/>
-                <a:gd name="connsiteX5" fmla="*/ 431800 w 2616200"/>
-                <a:gd name="connsiteY5" fmla="*/ 495300 h 825500"/>
-                <a:gd name="connsiteX6" fmla="*/ 533400 w 2616200"/>
-                <a:gd name="connsiteY6" fmla="*/ 571500 h 825500"/>
-                <a:gd name="connsiteX7" fmla="*/ 571500 w 2616200"/>
-                <a:gd name="connsiteY7" fmla="*/ 596900 h 825500"/>
-                <a:gd name="connsiteX8" fmla="*/ 622300 w 2616200"/>
-                <a:gd name="connsiteY8" fmla="*/ 635000 h 825500"/>
-                <a:gd name="connsiteX9" fmla="*/ 673100 w 2616200"/>
-                <a:gd name="connsiteY9" fmla="*/ 711200 h 825500"/>
-                <a:gd name="connsiteX10" fmla="*/ 736600 w 2616200"/>
-                <a:gd name="connsiteY10" fmla="*/ 787400 h 825500"/>
-                <a:gd name="connsiteX11" fmla="*/ 749300 w 2616200"/>
-                <a:gd name="connsiteY11" fmla="*/ 825500 h 825500"/>
-                <a:gd name="connsiteX12" fmla="*/ 774700 w 2616200"/>
-                <a:gd name="connsiteY12" fmla="*/ 787400 h 825500"/>
-                <a:gd name="connsiteX13" fmla="*/ 787400 w 2616200"/>
-                <a:gd name="connsiteY13" fmla="*/ 749300 h 825500"/>
-                <a:gd name="connsiteX14" fmla="*/ 838200 w 2616200"/>
-                <a:gd name="connsiteY14" fmla="*/ 685800 h 825500"/>
-                <a:gd name="connsiteX15" fmla="*/ 889000 w 2616200"/>
-                <a:gd name="connsiteY15" fmla="*/ 622300 h 825500"/>
-                <a:gd name="connsiteX16" fmla="*/ 927100 w 2616200"/>
-                <a:gd name="connsiteY16" fmla="*/ 558800 h 825500"/>
-                <a:gd name="connsiteX17" fmla="*/ 1028700 w 2616200"/>
-                <a:gd name="connsiteY17" fmla="*/ 469900 h 825500"/>
-                <a:gd name="connsiteX18" fmla="*/ 1130300 w 2616200"/>
-                <a:gd name="connsiteY18" fmla="*/ 381000 h 825500"/>
-                <a:gd name="connsiteX19" fmla="*/ 1219200 w 2616200"/>
-                <a:gd name="connsiteY19" fmla="*/ 342900 h 825500"/>
-                <a:gd name="connsiteX20" fmla="*/ 1308100 w 2616200"/>
-                <a:gd name="connsiteY20" fmla="*/ 292100 h 825500"/>
-                <a:gd name="connsiteX21" fmla="*/ 1384300 w 2616200"/>
-                <a:gd name="connsiteY21" fmla="*/ 266700 h 825500"/>
-                <a:gd name="connsiteX22" fmla="*/ 1511300 w 2616200"/>
-                <a:gd name="connsiteY22" fmla="*/ 215900 h 825500"/>
-                <a:gd name="connsiteX23" fmla="*/ 1612900 w 2616200"/>
-                <a:gd name="connsiteY23" fmla="*/ 203200 h 825500"/>
-                <a:gd name="connsiteX24" fmla="*/ 1993900 w 2616200"/>
-                <a:gd name="connsiteY24" fmla="*/ 88900 h 825500"/>
-                <a:gd name="connsiteX25" fmla="*/ 2235200 w 2616200"/>
-                <a:gd name="connsiteY25" fmla="*/ 63500 h 825500"/>
-                <a:gd name="connsiteX26" fmla="*/ 2387600 w 2616200"/>
-                <a:gd name="connsiteY26" fmla="*/ 38100 h 825500"/>
-                <a:gd name="connsiteX27" fmla="*/ 2476500 w 2616200"/>
-                <a:gd name="connsiteY27" fmla="*/ 25400 h 825500"/>
-                <a:gd name="connsiteX28" fmla="*/ 2514600 w 2616200"/>
-                <a:gd name="connsiteY28" fmla="*/ 12700 h 825500"/>
-                <a:gd name="connsiteX29" fmla="*/ 2616200 w 2616200"/>
-                <a:gd name="connsiteY29" fmla="*/ 0 h 825500"/>
-              </a:gdLst>
-              <a:ahLst/>
-              <a:cxnLst>
-                <a:cxn ang="0">
-                  <a:pos x="connsiteX0" y="connsiteY0"/>
-                </a:cxn>
-                <a:cxn ang="0">
-                  <a:pos x="connsiteX1" y="connsiteY1"/>
-                </a:cxn>
-                <a:cxn ang="0">
-                  <a:pos x="connsiteX2" y="connsiteY2"/>
-                </a:cxn>
-                <a:cxn ang="0">
-                  <a:pos x="connsiteX3" y="connsiteY3"/>
-                </a:cxn>
-                <a:cxn ang="0">
-                  <a:pos x="connsiteX4" y="connsiteY4"/>
-                </a:cxn>
-                <a:cxn ang="0">
-                  <a:pos x="connsiteX5" y="connsiteY5"/>
-                </a:cxn>
-                <a:cxn ang="0">
-                  <a:pos x="connsiteX6" y="connsiteY6"/>
-                </a:cxn>
-                <a:cxn ang="0">
-                  <a:pos x="connsiteX7" y="connsiteY7"/>
-                </a:cxn>
-                <a:cxn ang="0">
-                  <a:pos x="connsiteX8" y="connsiteY8"/>
-                </a:cxn>
-                <a:cxn ang="0">
-                  <a:pos x="connsiteX9" y="connsiteY9"/>
-                </a:cxn>
-                <a:cxn ang="0">
-                  <a:pos x="connsiteX10" y="connsiteY10"/>
-                </a:cxn>
-                <a:cxn ang="0">
-                  <a:pos x="connsiteX11" y="connsiteY11"/>
-                </a:cxn>
-                <a:cxn ang="0">
-                  <a:pos x="connsiteX12" y="connsiteY12"/>
-                </a:cxn>
-                <a:cxn ang="0">
-                  <a:pos x="connsiteX13" y="connsiteY13"/>
-                </a:cxn>
-                <a:cxn ang="0">
-                  <a:pos x="connsiteX14" y="connsiteY14"/>
-                </a:cxn>
-                <a:cxn ang="0">
-                  <a:pos x="connsiteX15" y="connsiteY15"/>
-                </a:cxn>
-                <a:cxn ang="0">
-                  <a:pos x="connsiteX16" y="connsiteY16"/>
-                </a:cxn>
-                <a:cxn ang="0">
-                  <a:pos x="connsiteX17" y="connsiteY17"/>
-                </a:cxn>
-                <a:cxn ang="0">
-                  <a:pos x="connsiteX18" y="connsiteY18"/>
-                </a:cxn>
-                <a:cxn ang="0">
-                  <a:pos x="connsiteX19" y="connsiteY19"/>
-                </a:cxn>
-                <a:cxn ang="0">
-                  <a:pos x="connsiteX20" y="connsiteY20"/>
-                </a:cxn>
-                <a:cxn ang="0">
-                  <a:pos x="connsiteX21" y="connsiteY21"/>
-                </a:cxn>
-                <a:cxn ang="0">
-                  <a:pos x="connsiteX22" y="connsiteY22"/>
-                </a:cxn>
-                <a:cxn ang="0">
-                  <a:pos x="connsiteX23" y="connsiteY23"/>
-                </a:cxn>
-                <a:cxn ang="0">
-                  <a:pos x="connsiteX24" y="connsiteY24"/>
-                </a:cxn>
-                <a:cxn ang="0">
-                  <a:pos x="connsiteX25" y="connsiteY25"/>
-                </a:cxn>
-                <a:cxn ang="0">
-                  <a:pos x="connsiteX26" y="connsiteY26"/>
-                </a:cxn>
-                <a:cxn ang="0">
-                  <a:pos x="connsiteX27" y="connsiteY27"/>
-                </a:cxn>
-                <a:cxn ang="0">
-                  <a:pos x="connsiteX28" y="connsiteY28"/>
-                </a:cxn>
-                <a:cxn ang="0">
-                  <a:pos x="connsiteX29" y="connsiteY29"/>
-                </a:cxn>
-              </a:cxnLst>
-              <a:rect l="l" t="t" r="r" b="b"/>
-              <a:pathLst>
-                <a:path w="2616200" h="825500">
-                  <a:moveTo>
-                    <a:pt x="0" y="304800"/>
-                  </a:moveTo>
-                  <a:cubicBezTo>
-                    <a:pt x="50800" y="317500"/>
-                    <a:pt x="102724" y="326341"/>
-                    <a:pt x="152400" y="342900"/>
-                  </a:cubicBezTo>
-                  <a:cubicBezTo>
-                    <a:pt x="166880" y="347727"/>
-                    <a:pt x="176848" y="361474"/>
-                    <a:pt x="190500" y="368300"/>
-                  </a:cubicBezTo>
-                  <a:cubicBezTo>
-                    <a:pt x="210890" y="378495"/>
-                    <a:pt x="234072" y="382629"/>
-                    <a:pt x="254000" y="393700"/>
-                  </a:cubicBezTo>
-                  <a:cubicBezTo>
-                    <a:pt x="397357" y="473343"/>
-                    <a:pt x="188922" y="386561"/>
-                    <a:pt x="381000" y="482600"/>
-                  </a:cubicBezTo>
-                  <a:cubicBezTo>
-                    <a:pt x="396612" y="490406"/>
-                    <a:pt x="414867" y="491067"/>
-                    <a:pt x="431800" y="495300"/>
-                  </a:cubicBezTo>
-                  <a:cubicBezTo>
-                    <a:pt x="465667" y="520700"/>
-                    <a:pt x="498177" y="548018"/>
-                    <a:pt x="533400" y="571500"/>
-                  </a:cubicBezTo>
-                  <a:cubicBezTo>
-                    <a:pt x="546100" y="579967"/>
-                    <a:pt x="559080" y="588028"/>
-                    <a:pt x="571500" y="596900"/>
-                  </a:cubicBezTo>
-                  <a:cubicBezTo>
-                    <a:pt x="588724" y="609203"/>
-                    <a:pt x="608238" y="619180"/>
-                    <a:pt x="622300" y="635000"/>
-                  </a:cubicBezTo>
-                  <a:cubicBezTo>
-                    <a:pt x="642581" y="657816"/>
-                    <a:pt x="651514" y="689614"/>
-                    <a:pt x="673100" y="711200"/>
-                  </a:cubicBezTo>
-                  <a:cubicBezTo>
-                    <a:pt x="701187" y="739287"/>
-                    <a:pt x="718919" y="752037"/>
-                    <a:pt x="736600" y="787400"/>
-                  </a:cubicBezTo>
-                  <a:cubicBezTo>
-                    <a:pt x="742587" y="799374"/>
-                    <a:pt x="745067" y="812800"/>
-                    <a:pt x="749300" y="825500"/>
-                  </a:cubicBezTo>
-                  <a:cubicBezTo>
-                    <a:pt x="757767" y="812800"/>
-                    <a:pt x="767874" y="801052"/>
-                    <a:pt x="774700" y="787400"/>
-                  </a:cubicBezTo>
-                  <a:cubicBezTo>
-                    <a:pt x="780687" y="775426"/>
-                    <a:pt x="780305" y="760652"/>
-                    <a:pt x="787400" y="749300"/>
-                  </a:cubicBezTo>
-                  <a:cubicBezTo>
-                    <a:pt x="801766" y="726314"/>
-                    <a:pt x="821267" y="706967"/>
-                    <a:pt x="838200" y="685800"/>
-                  </a:cubicBezTo>
-                  <a:cubicBezTo>
-                    <a:pt x="867505" y="597886"/>
-                    <a:pt x="826333" y="695412"/>
-                    <a:pt x="889000" y="622300"/>
-                  </a:cubicBezTo>
-                  <a:cubicBezTo>
-                    <a:pt x="905064" y="603558"/>
-                    <a:pt x="912289" y="578547"/>
-                    <a:pt x="927100" y="558800"/>
-                  </a:cubicBezTo>
-                  <a:cubicBezTo>
-                    <a:pt x="951124" y="526768"/>
-                    <a:pt x="1001347" y="493834"/>
-                    <a:pt x="1028700" y="469900"/>
-                  </a:cubicBezTo>
-                  <a:cubicBezTo>
-                    <a:pt x="1072352" y="431705"/>
-                    <a:pt x="1073324" y="414236"/>
-                    <a:pt x="1130300" y="381000"/>
-                  </a:cubicBezTo>
-                  <a:cubicBezTo>
-                    <a:pt x="1158148" y="364755"/>
-                    <a:pt x="1190364" y="357318"/>
-                    <a:pt x="1219200" y="342900"/>
-                  </a:cubicBezTo>
-                  <a:cubicBezTo>
-                    <a:pt x="1249727" y="327636"/>
-                    <a:pt x="1277111" y="306403"/>
-                    <a:pt x="1308100" y="292100"/>
-                  </a:cubicBezTo>
-                  <a:cubicBezTo>
-                    <a:pt x="1332410" y="280880"/>
-                    <a:pt x="1359231" y="276101"/>
-                    <a:pt x="1384300" y="266700"/>
-                  </a:cubicBezTo>
-                  <a:cubicBezTo>
-                    <a:pt x="1426991" y="250691"/>
-                    <a:pt x="1467369" y="228103"/>
-                    <a:pt x="1511300" y="215900"/>
-                  </a:cubicBezTo>
-                  <a:cubicBezTo>
-                    <a:pt x="1544185" y="206765"/>
-                    <a:pt x="1579033" y="207433"/>
-                    <a:pt x="1612900" y="203200"/>
-                  </a:cubicBezTo>
-                  <a:cubicBezTo>
-                    <a:pt x="1724130" y="162753"/>
-                    <a:pt x="1883672" y="99923"/>
-                    <a:pt x="1993900" y="88900"/>
-                  </a:cubicBezTo>
-                  <a:lnTo>
-                    <a:pt x="2235200" y="63500"/>
-                  </a:lnTo>
-                  <a:cubicBezTo>
-                    <a:pt x="2401222" y="42747"/>
-                    <a:pt x="2254543" y="60276"/>
-                    <a:pt x="2387600" y="38100"/>
-                  </a:cubicBezTo>
-                  <a:cubicBezTo>
-                    <a:pt x="2417127" y="33179"/>
-                    <a:pt x="2446867" y="29633"/>
-                    <a:pt x="2476500" y="25400"/>
-                  </a:cubicBezTo>
-                  <a:cubicBezTo>
-                    <a:pt x="2489200" y="21167"/>
-                    <a:pt x="2501429" y="15095"/>
-                    <a:pt x="2514600" y="12700"/>
-                  </a:cubicBezTo>
-                  <a:cubicBezTo>
-                    <a:pt x="2548180" y="6595"/>
-                    <a:pt x="2616200" y="0"/>
-                    <a:pt x="2616200" y="0"/>
-                  </a:cubicBezTo>
-                </a:path>
-              </a:pathLst>
-            </a:custGeom>
-            <a:noFill/>
-            <a:ln w="38100">
-              <a:solidFill>
-                <a:srgbClr val="00B050"/>
-              </a:solidFill>
-            </a:ln>
-          </p:spPr>
-          <p:style>
-            <a:lnRef idx="2">
-              <a:schemeClr val="accent1">
-                <a:shade val="50000"/>
-              </a:schemeClr>
-            </a:lnRef>
-            <a:fillRef idx="1">
-              <a:schemeClr val="accent1"/>
-            </a:fillRef>
-            <a:effectRef idx="0">
-              <a:schemeClr val="accent1"/>
-            </a:effectRef>
-            <a:fontRef idx="minor">
-              <a:schemeClr val="lt1"/>
-            </a:fontRef>
-          </p:style>
-          <p:txBody>
-            <a:bodyPr rtlCol="0" anchor="ctr"/>
-            <a:lstStyle/>
-            <a:p>
-              <a:pPr algn="ctr"/>
-              <a:endParaRPr lang="fr-FR"/>
-            </a:p>
-          </p:txBody>
-        </p:sp>
-        <p:sp>
-          <p:nvSpPr>
-            <p:cNvPr id="23" name="Forme libre 22"/>
-            <p:cNvSpPr/>
-            <p:nvPr/>
-          </p:nvSpPr>
-          <p:spPr>
-            <a:xfrm>
-              <a:off x="539552" y="3300884"/>
-              <a:ext cx="277416" cy="200124"/>
-            </a:xfrm>
-            <a:custGeom>
-              <a:avLst/>
-              <a:gdLst>
-                <a:gd name="connsiteX0" fmla="*/ 0 w 2616200"/>
-                <a:gd name="connsiteY0" fmla="*/ 304800 h 825500"/>
-                <a:gd name="connsiteX1" fmla="*/ 152400 w 2616200"/>
-                <a:gd name="connsiteY1" fmla="*/ 342900 h 825500"/>
-                <a:gd name="connsiteX2" fmla="*/ 190500 w 2616200"/>
-                <a:gd name="connsiteY2" fmla="*/ 368300 h 825500"/>
-                <a:gd name="connsiteX3" fmla="*/ 254000 w 2616200"/>
-                <a:gd name="connsiteY3" fmla="*/ 393700 h 825500"/>
-                <a:gd name="connsiteX4" fmla="*/ 381000 w 2616200"/>
-                <a:gd name="connsiteY4" fmla="*/ 482600 h 825500"/>
-                <a:gd name="connsiteX5" fmla="*/ 431800 w 2616200"/>
-                <a:gd name="connsiteY5" fmla="*/ 495300 h 825500"/>
-                <a:gd name="connsiteX6" fmla="*/ 533400 w 2616200"/>
-                <a:gd name="connsiteY6" fmla="*/ 571500 h 825500"/>
-                <a:gd name="connsiteX7" fmla="*/ 571500 w 2616200"/>
-                <a:gd name="connsiteY7" fmla="*/ 596900 h 825500"/>
-                <a:gd name="connsiteX8" fmla="*/ 622300 w 2616200"/>
-                <a:gd name="connsiteY8" fmla="*/ 635000 h 825500"/>
-                <a:gd name="connsiteX9" fmla="*/ 673100 w 2616200"/>
-                <a:gd name="connsiteY9" fmla="*/ 711200 h 825500"/>
-                <a:gd name="connsiteX10" fmla="*/ 736600 w 2616200"/>
-                <a:gd name="connsiteY10" fmla="*/ 787400 h 825500"/>
-                <a:gd name="connsiteX11" fmla="*/ 749300 w 2616200"/>
-                <a:gd name="connsiteY11" fmla="*/ 825500 h 825500"/>
-                <a:gd name="connsiteX12" fmla="*/ 774700 w 2616200"/>
-                <a:gd name="connsiteY12" fmla="*/ 787400 h 825500"/>
-                <a:gd name="connsiteX13" fmla="*/ 787400 w 2616200"/>
-                <a:gd name="connsiteY13" fmla="*/ 749300 h 825500"/>
-                <a:gd name="connsiteX14" fmla="*/ 838200 w 2616200"/>
-                <a:gd name="connsiteY14" fmla="*/ 685800 h 825500"/>
-                <a:gd name="connsiteX15" fmla="*/ 889000 w 2616200"/>
-                <a:gd name="connsiteY15" fmla="*/ 622300 h 825500"/>
-                <a:gd name="connsiteX16" fmla="*/ 927100 w 2616200"/>
-                <a:gd name="connsiteY16" fmla="*/ 558800 h 825500"/>
-                <a:gd name="connsiteX17" fmla="*/ 1028700 w 2616200"/>
-                <a:gd name="connsiteY17" fmla="*/ 469900 h 825500"/>
-                <a:gd name="connsiteX18" fmla="*/ 1130300 w 2616200"/>
-                <a:gd name="connsiteY18" fmla="*/ 381000 h 825500"/>
-                <a:gd name="connsiteX19" fmla="*/ 1219200 w 2616200"/>
-                <a:gd name="connsiteY19" fmla="*/ 342900 h 825500"/>
-                <a:gd name="connsiteX20" fmla="*/ 1308100 w 2616200"/>
-                <a:gd name="connsiteY20" fmla="*/ 292100 h 825500"/>
-                <a:gd name="connsiteX21" fmla="*/ 1384300 w 2616200"/>
-                <a:gd name="connsiteY21" fmla="*/ 266700 h 825500"/>
-                <a:gd name="connsiteX22" fmla="*/ 1511300 w 2616200"/>
-                <a:gd name="connsiteY22" fmla="*/ 215900 h 825500"/>
-                <a:gd name="connsiteX23" fmla="*/ 1612900 w 2616200"/>
-                <a:gd name="connsiteY23" fmla="*/ 203200 h 825500"/>
-                <a:gd name="connsiteX24" fmla="*/ 1993900 w 2616200"/>
-                <a:gd name="connsiteY24" fmla="*/ 88900 h 825500"/>
-                <a:gd name="connsiteX25" fmla="*/ 2235200 w 2616200"/>
-                <a:gd name="connsiteY25" fmla="*/ 63500 h 825500"/>
-                <a:gd name="connsiteX26" fmla="*/ 2387600 w 2616200"/>
-                <a:gd name="connsiteY26" fmla="*/ 38100 h 825500"/>
-                <a:gd name="connsiteX27" fmla="*/ 2476500 w 2616200"/>
-                <a:gd name="connsiteY27" fmla="*/ 25400 h 825500"/>
-                <a:gd name="connsiteX28" fmla="*/ 2514600 w 2616200"/>
-                <a:gd name="connsiteY28" fmla="*/ 12700 h 825500"/>
-                <a:gd name="connsiteX29" fmla="*/ 2616200 w 2616200"/>
-                <a:gd name="connsiteY29" fmla="*/ 0 h 825500"/>
-              </a:gdLst>
-              <a:ahLst/>
-              <a:cxnLst>
-                <a:cxn ang="0">
-                  <a:pos x="connsiteX0" y="connsiteY0"/>
-                </a:cxn>
-                <a:cxn ang="0">
-                  <a:pos x="connsiteX1" y="connsiteY1"/>
-                </a:cxn>
-                <a:cxn ang="0">
-                  <a:pos x="connsiteX2" y="connsiteY2"/>
-                </a:cxn>
-                <a:cxn ang="0">
-                  <a:pos x="connsiteX3" y="connsiteY3"/>
-                </a:cxn>
-                <a:cxn ang="0">
-                  <a:pos x="connsiteX4" y="connsiteY4"/>
-                </a:cxn>
-                <a:cxn ang="0">
-                  <a:pos x="connsiteX5" y="connsiteY5"/>
-                </a:cxn>
-                <a:cxn ang="0">
-                  <a:pos x="connsiteX6" y="connsiteY6"/>
-                </a:cxn>
-                <a:cxn ang="0">
-                  <a:pos x="connsiteX7" y="connsiteY7"/>
-                </a:cxn>
-                <a:cxn ang="0">
-                  <a:pos x="connsiteX8" y="connsiteY8"/>
-                </a:cxn>
-                <a:cxn ang="0">
-                  <a:pos x="connsiteX9" y="connsiteY9"/>
-                </a:cxn>
-                <a:cxn ang="0">
-                  <a:pos x="connsiteX10" y="connsiteY10"/>
-                </a:cxn>
-                <a:cxn ang="0">
-                  <a:pos x="connsiteX11" y="connsiteY11"/>
-                </a:cxn>
-                <a:cxn ang="0">
-                  <a:pos x="connsiteX12" y="connsiteY12"/>
-                </a:cxn>
-                <a:cxn ang="0">
-                  <a:pos x="connsiteX13" y="connsiteY13"/>
-                </a:cxn>
-                <a:cxn ang="0">
-                  <a:pos x="connsiteX14" y="connsiteY14"/>
-                </a:cxn>
-                <a:cxn ang="0">
-                  <a:pos x="connsiteX15" y="connsiteY15"/>
-                </a:cxn>
-                <a:cxn ang="0">
-                  <a:pos x="connsiteX16" y="connsiteY16"/>
-                </a:cxn>
-                <a:cxn ang="0">
-                  <a:pos x="connsiteX17" y="connsiteY17"/>
-                </a:cxn>
-                <a:cxn ang="0">
-                  <a:pos x="connsiteX18" y="connsiteY18"/>
-                </a:cxn>
-                <a:cxn ang="0">
-                  <a:pos x="connsiteX19" y="connsiteY19"/>
-                </a:cxn>
-                <a:cxn ang="0">
-                  <a:pos x="connsiteX20" y="connsiteY20"/>
-                </a:cxn>
-                <a:cxn ang="0">
-                  <a:pos x="connsiteX21" y="connsiteY21"/>
-                </a:cxn>
-                <a:cxn ang="0">
-                  <a:pos x="connsiteX22" y="connsiteY22"/>
-                </a:cxn>
-                <a:cxn ang="0">
-                  <a:pos x="connsiteX23" y="connsiteY23"/>
-                </a:cxn>
-                <a:cxn ang="0">
-                  <a:pos x="connsiteX24" y="connsiteY24"/>
-                </a:cxn>
-                <a:cxn ang="0">
-                  <a:pos x="connsiteX25" y="connsiteY25"/>
-                </a:cxn>
-                <a:cxn ang="0">
-                  <a:pos x="connsiteX26" y="connsiteY26"/>
-                </a:cxn>
-                <a:cxn ang="0">
-                  <a:pos x="connsiteX27" y="connsiteY27"/>
-                </a:cxn>
-                <a:cxn ang="0">
-                  <a:pos x="connsiteX28" y="connsiteY28"/>
-                </a:cxn>
-                <a:cxn ang="0">
-                  <a:pos x="connsiteX29" y="connsiteY29"/>
-                </a:cxn>
-              </a:cxnLst>
-              <a:rect l="l" t="t" r="r" b="b"/>
-              <a:pathLst>
-                <a:path w="2616200" h="825500">
-                  <a:moveTo>
-                    <a:pt x="0" y="304800"/>
-                  </a:moveTo>
-                  <a:cubicBezTo>
-                    <a:pt x="50800" y="317500"/>
-                    <a:pt x="102724" y="326341"/>
-                    <a:pt x="152400" y="342900"/>
-                  </a:cubicBezTo>
-                  <a:cubicBezTo>
-                    <a:pt x="166880" y="347727"/>
-                    <a:pt x="176848" y="361474"/>
-                    <a:pt x="190500" y="368300"/>
-                  </a:cubicBezTo>
-                  <a:cubicBezTo>
-                    <a:pt x="210890" y="378495"/>
-                    <a:pt x="234072" y="382629"/>
-                    <a:pt x="254000" y="393700"/>
-                  </a:cubicBezTo>
-                  <a:cubicBezTo>
-                    <a:pt x="397357" y="473343"/>
-                    <a:pt x="188922" y="386561"/>
-                    <a:pt x="381000" y="482600"/>
-                  </a:cubicBezTo>
-                  <a:cubicBezTo>
-                    <a:pt x="396612" y="490406"/>
-                    <a:pt x="414867" y="491067"/>
-                    <a:pt x="431800" y="495300"/>
-                  </a:cubicBezTo>
-                  <a:cubicBezTo>
-                    <a:pt x="465667" y="520700"/>
-                    <a:pt x="498177" y="548018"/>
-                    <a:pt x="533400" y="571500"/>
-                  </a:cubicBezTo>
-                  <a:cubicBezTo>
-                    <a:pt x="546100" y="579967"/>
-                    <a:pt x="559080" y="588028"/>
-                    <a:pt x="571500" y="596900"/>
-                  </a:cubicBezTo>
-                  <a:cubicBezTo>
-                    <a:pt x="588724" y="609203"/>
-                    <a:pt x="608238" y="619180"/>
-                    <a:pt x="622300" y="635000"/>
-                  </a:cubicBezTo>
-                  <a:cubicBezTo>
-                    <a:pt x="642581" y="657816"/>
-                    <a:pt x="651514" y="689614"/>
-                    <a:pt x="673100" y="711200"/>
-                  </a:cubicBezTo>
-                  <a:cubicBezTo>
-                    <a:pt x="701187" y="739287"/>
-                    <a:pt x="718919" y="752037"/>
-                    <a:pt x="736600" y="787400"/>
-                  </a:cubicBezTo>
-                  <a:cubicBezTo>
-                    <a:pt x="742587" y="799374"/>
-                    <a:pt x="745067" y="812800"/>
-                    <a:pt x="749300" y="825500"/>
-                  </a:cubicBezTo>
-                  <a:cubicBezTo>
-                    <a:pt x="757767" y="812800"/>
-                    <a:pt x="767874" y="801052"/>
-                    <a:pt x="774700" y="787400"/>
-                  </a:cubicBezTo>
-                  <a:cubicBezTo>
-                    <a:pt x="780687" y="775426"/>
-                    <a:pt x="780305" y="760652"/>
-                    <a:pt x="787400" y="749300"/>
-                  </a:cubicBezTo>
-                  <a:cubicBezTo>
-                    <a:pt x="801766" y="726314"/>
-                    <a:pt x="821267" y="706967"/>
-                    <a:pt x="838200" y="685800"/>
-                  </a:cubicBezTo>
-                  <a:cubicBezTo>
-                    <a:pt x="867505" y="597886"/>
-                    <a:pt x="826333" y="695412"/>
-                    <a:pt x="889000" y="622300"/>
-                  </a:cubicBezTo>
-                  <a:cubicBezTo>
-                    <a:pt x="905064" y="603558"/>
-                    <a:pt x="912289" y="578547"/>
-                    <a:pt x="927100" y="558800"/>
-                  </a:cubicBezTo>
-                  <a:cubicBezTo>
-                    <a:pt x="951124" y="526768"/>
-                    <a:pt x="1001347" y="493834"/>
-                    <a:pt x="1028700" y="469900"/>
-                  </a:cubicBezTo>
-                  <a:cubicBezTo>
-                    <a:pt x="1072352" y="431705"/>
-                    <a:pt x="1073324" y="414236"/>
-                    <a:pt x="1130300" y="381000"/>
-                  </a:cubicBezTo>
-                  <a:cubicBezTo>
-                    <a:pt x="1158148" y="364755"/>
-                    <a:pt x="1190364" y="357318"/>
-                    <a:pt x="1219200" y="342900"/>
-                  </a:cubicBezTo>
-                  <a:cubicBezTo>
-                    <a:pt x="1249727" y="327636"/>
-                    <a:pt x="1277111" y="306403"/>
-                    <a:pt x="1308100" y="292100"/>
-                  </a:cubicBezTo>
-                  <a:cubicBezTo>
-                    <a:pt x="1332410" y="280880"/>
-                    <a:pt x="1359231" y="276101"/>
-                    <a:pt x="1384300" y="266700"/>
-                  </a:cubicBezTo>
-                  <a:cubicBezTo>
-                    <a:pt x="1426991" y="250691"/>
-                    <a:pt x="1467369" y="228103"/>
-                    <a:pt x="1511300" y="215900"/>
-                  </a:cubicBezTo>
-                  <a:cubicBezTo>
-                    <a:pt x="1544185" y="206765"/>
-                    <a:pt x="1579033" y="207433"/>
-                    <a:pt x="1612900" y="203200"/>
-                  </a:cubicBezTo>
-                  <a:cubicBezTo>
-                    <a:pt x="1724130" y="162753"/>
-                    <a:pt x="1883672" y="99923"/>
-                    <a:pt x="1993900" y="88900"/>
-                  </a:cubicBezTo>
-                  <a:lnTo>
-                    <a:pt x="2235200" y="63500"/>
-                  </a:lnTo>
-                  <a:cubicBezTo>
-                    <a:pt x="2401222" y="42747"/>
-                    <a:pt x="2254543" y="60276"/>
-                    <a:pt x="2387600" y="38100"/>
-                  </a:cubicBezTo>
-                  <a:cubicBezTo>
-                    <a:pt x="2417127" y="33179"/>
-                    <a:pt x="2446867" y="29633"/>
-                    <a:pt x="2476500" y="25400"/>
-                  </a:cubicBezTo>
-                  <a:cubicBezTo>
-                    <a:pt x="2489200" y="21167"/>
-                    <a:pt x="2501429" y="15095"/>
-                    <a:pt x="2514600" y="12700"/>
-                  </a:cubicBezTo>
-                  <a:cubicBezTo>
-                    <a:pt x="2548180" y="6595"/>
-                    <a:pt x="2616200" y="0"/>
-                    <a:pt x="2616200" y="0"/>
-                  </a:cubicBezTo>
-                </a:path>
-              </a:pathLst>
-            </a:custGeom>
-            <a:noFill/>
-            <a:ln w="38100">
-              <a:solidFill>
-                <a:srgbClr val="00B050"/>
-              </a:solidFill>
-            </a:ln>
-          </p:spPr>
-          <p:style>
-            <a:lnRef idx="2">
-              <a:schemeClr val="accent1">
-                <a:shade val="50000"/>
-              </a:schemeClr>
-            </a:lnRef>
-            <a:fillRef idx="1">
-              <a:schemeClr val="accent1"/>
-            </a:fillRef>
-            <a:effectRef idx="0">
-              <a:schemeClr val="accent1"/>
-            </a:effectRef>
-            <a:fontRef idx="minor">
-              <a:schemeClr val="lt1"/>
-            </a:fontRef>
-          </p:style>
-          <p:txBody>
-            <a:bodyPr rtlCol="0" anchor="ctr"/>
-            <a:lstStyle/>
-            <a:p>
-              <a:pPr algn="ctr"/>
-              <a:endParaRPr lang="fr-FR"/>
-            </a:p>
-          </p:txBody>
-        </p:sp>
-        <p:sp>
-          <p:nvSpPr>
-            <p:cNvPr id="24" name="Forme libre 23"/>
-            <p:cNvSpPr/>
-            <p:nvPr/>
-          </p:nvSpPr>
-          <p:spPr>
-            <a:xfrm>
-              <a:off x="539552" y="3588916"/>
-              <a:ext cx="277416" cy="200124"/>
-            </a:xfrm>
-            <a:custGeom>
-              <a:avLst/>
-              <a:gdLst>
-                <a:gd name="connsiteX0" fmla="*/ 0 w 2616200"/>
-                <a:gd name="connsiteY0" fmla="*/ 304800 h 825500"/>
-                <a:gd name="connsiteX1" fmla="*/ 152400 w 2616200"/>
-                <a:gd name="connsiteY1" fmla="*/ 342900 h 825500"/>
-                <a:gd name="connsiteX2" fmla="*/ 190500 w 2616200"/>
-                <a:gd name="connsiteY2" fmla="*/ 368300 h 825500"/>
-                <a:gd name="connsiteX3" fmla="*/ 254000 w 2616200"/>
-                <a:gd name="connsiteY3" fmla="*/ 393700 h 825500"/>
-                <a:gd name="connsiteX4" fmla="*/ 381000 w 2616200"/>
-                <a:gd name="connsiteY4" fmla="*/ 482600 h 825500"/>
-                <a:gd name="connsiteX5" fmla="*/ 431800 w 2616200"/>
-                <a:gd name="connsiteY5" fmla="*/ 495300 h 825500"/>
-                <a:gd name="connsiteX6" fmla="*/ 533400 w 2616200"/>
-                <a:gd name="connsiteY6" fmla="*/ 571500 h 825500"/>
-                <a:gd name="connsiteX7" fmla="*/ 571500 w 2616200"/>
-                <a:gd name="connsiteY7" fmla="*/ 596900 h 825500"/>
-                <a:gd name="connsiteX8" fmla="*/ 622300 w 2616200"/>
-                <a:gd name="connsiteY8" fmla="*/ 635000 h 825500"/>
-                <a:gd name="connsiteX9" fmla="*/ 673100 w 2616200"/>
-                <a:gd name="connsiteY9" fmla="*/ 711200 h 825500"/>
-                <a:gd name="connsiteX10" fmla="*/ 736600 w 2616200"/>
-                <a:gd name="connsiteY10" fmla="*/ 787400 h 825500"/>
-                <a:gd name="connsiteX11" fmla="*/ 749300 w 2616200"/>
-                <a:gd name="connsiteY11" fmla="*/ 825500 h 825500"/>
-                <a:gd name="connsiteX12" fmla="*/ 774700 w 2616200"/>
-                <a:gd name="connsiteY12" fmla="*/ 787400 h 825500"/>
-                <a:gd name="connsiteX13" fmla="*/ 787400 w 2616200"/>
-                <a:gd name="connsiteY13" fmla="*/ 749300 h 825500"/>
-                <a:gd name="connsiteX14" fmla="*/ 838200 w 2616200"/>
-                <a:gd name="connsiteY14" fmla="*/ 685800 h 825500"/>
-                <a:gd name="connsiteX15" fmla="*/ 889000 w 2616200"/>
-                <a:gd name="connsiteY15" fmla="*/ 622300 h 825500"/>
-                <a:gd name="connsiteX16" fmla="*/ 927100 w 2616200"/>
-                <a:gd name="connsiteY16" fmla="*/ 558800 h 825500"/>
-                <a:gd name="connsiteX17" fmla="*/ 1028700 w 2616200"/>
-                <a:gd name="connsiteY17" fmla="*/ 469900 h 825500"/>
-                <a:gd name="connsiteX18" fmla="*/ 1130300 w 2616200"/>
-                <a:gd name="connsiteY18" fmla="*/ 381000 h 825500"/>
-                <a:gd name="connsiteX19" fmla="*/ 1219200 w 2616200"/>
-                <a:gd name="connsiteY19" fmla="*/ 342900 h 825500"/>
-                <a:gd name="connsiteX20" fmla="*/ 1308100 w 2616200"/>
-                <a:gd name="connsiteY20" fmla="*/ 292100 h 825500"/>
-                <a:gd name="connsiteX21" fmla="*/ 1384300 w 2616200"/>
-                <a:gd name="connsiteY21" fmla="*/ 266700 h 825500"/>
-                <a:gd name="connsiteX22" fmla="*/ 1511300 w 2616200"/>
-                <a:gd name="connsiteY22" fmla="*/ 215900 h 825500"/>
-                <a:gd name="connsiteX23" fmla="*/ 1612900 w 2616200"/>
-                <a:gd name="connsiteY23" fmla="*/ 203200 h 825500"/>
-                <a:gd name="connsiteX24" fmla="*/ 1993900 w 2616200"/>
-                <a:gd name="connsiteY24" fmla="*/ 88900 h 825500"/>
-                <a:gd name="connsiteX25" fmla="*/ 2235200 w 2616200"/>
-                <a:gd name="connsiteY25" fmla="*/ 63500 h 825500"/>
-                <a:gd name="connsiteX26" fmla="*/ 2387600 w 2616200"/>
-                <a:gd name="connsiteY26" fmla="*/ 38100 h 825500"/>
-                <a:gd name="connsiteX27" fmla="*/ 2476500 w 2616200"/>
-                <a:gd name="connsiteY27" fmla="*/ 25400 h 825500"/>
-                <a:gd name="connsiteX28" fmla="*/ 2514600 w 2616200"/>
-                <a:gd name="connsiteY28" fmla="*/ 12700 h 825500"/>
-                <a:gd name="connsiteX29" fmla="*/ 2616200 w 2616200"/>
-                <a:gd name="connsiteY29" fmla="*/ 0 h 825500"/>
-              </a:gdLst>
-              <a:ahLst/>
-              <a:cxnLst>
-                <a:cxn ang="0">
-                  <a:pos x="connsiteX0" y="connsiteY0"/>
-                </a:cxn>
-                <a:cxn ang="0">
-                  <a:pos x="connsiteX1" y="connsiteY1"/>
-                </a:cxn>
-                <a:cxn ang="0">
-                  <a:pos x="connsiteX2" y="connsiteY2"/>
-                </a:cxn>
-                <a:cxn ang="0">
-                  <a:pos x="connsiteX3" y="connsiteY3"/>
-                </a:cxn>
-                <a:cxn ang="0">
-                  <a:pos x="connsiteX4" y="connsiteY4"/>
-                </a:cxn>
-                <a:cxn ang="0">
-                  <a:pos x="connsiteX5" y="connsiteY5"/>
-                </a:cxn>
-                <a:cxn ang="0">
-                  <a:pos x="connsiteX6" y="connsiteY6"/>
-                </a:cxn>
-                <a:cxn ang="0">
-                  <a:pos x="connsiteX7" y="connsiteY7"/>
-                </a:cxn>
-                <a:cxn ang="0">
-                  <a:pos x="connsiteX8" y="connsiteY8"/>
-                </a:cxn>
-                <a:cxn ang="0">
-                  <a:pos x="connsiteX9" y="connsiteY9"/>
-                </a:cxn>
-                <a:cxn ang="0">
-                  <a:pos x="connsiteX10" y="connsiteY10"/>
-                </a:cxn>
-                <a:cxn ang="0">
-                  <a:pos x="connsiteX11" y="connsiteY11"/>
-                </a:cxn>
-                <a:cxn ang="0">
-                  <a:pos x="connsiteX12" y="connsiteY12"/>
-                </a:cxn>
-                <a:cxn ang="0">
-                  <a:pos x="connsiteX13" y="connsiteY13"/>
-                </a:cxn>
-                <a:cxn ang="0">
-                  <a:pos x="connsiteX14" y="connsiteY14"/>
-                </a:cxn>
-                <a:cxn ang="0">
-                  <a:pos x="connsiteX15" y="connsiteY15"/>
-                </a:cxn>
-                <a:cxn ang="0">
-                  <a:pos x="connsiteX16" y="connsiteY16"/>
-                </a:cxn>
-                <a:cxn ang="0">
-                  <a:pos x="connsiteX17" y="connsiteY17"/>
-                </a:cxn>
-                <a:cxn ang="0">
-                  <a:pos x="connsiteX18" y="connsiteY18"/>
-                </a:cxn>
-                <a:cxn ang="0">
-                  <a:pos x="connsiteX19" y="connsiteY19"/>
-                </a:cxn>
-                <a:cxn ang="0">
-                  <a:pos x="connsiteX20" y="connsiteY20"/>
-                </a:cxn>
-                <a:cxn ang="0">
-                  <a:pos x="connsiteX21" y="connsiteY21"/>
-                </a:cxn>
-                <a:cxn ang="0">
-                  <a:pos x="connsiteX22" y="connsiteY22"/>
-                </a:cxn>
-                <a:cxn ang="0">
-                  <a:pos x="connsiteX23" y="connsiteY23"/>
-                </a:cxn>
-                <a:cxn ang="0">
-                  <a:pos x="connsiteX24" y="connsiteY24"/>
-                </a:cxn>
-                <a:cxn ang="0">
-                  <a:pos x="connsiteX25" y="connsiteY25"/>
-                </a:cxn>
-                <a:cxn ang="0">
-                  <a:pos x="connsiteX26" y="connsiteY26"/>
-                </a:cxn>
-                <a:cxn ang="0">
-                  <a:pos x="connsiteX27" y="connsiteY27"/>
-                </a:cxn>
-                <a:cxn ang="0">
-                  <a:pos x="connsiteX28" y="connsiteY28"/>
-                </a:cxn>
-                <a:cxn ang="0">
-                  <a:pos x="connsiteX29" y="connsiteY29"/>
-                </a:cxn>
-              </a:cxnLst>
-              <a:rect l="l" t="t" r="r" b="b"/>
-              <a:pathLst>
-                <a:path w="2616200" h="825500">
-                  <a:moveTo>
-                    <a:pt x="0" y="304800"/>
-                  </a:moveTo>
-                  <a:cubicBezTo>
-                    <a:pt x="50800" y="317500"/>
-                    <a:pt x="102724" y="326341"/>
-                    <a:pt x="152400" y="342900"/>
-                  </a:cubicBezTo>
-                  <a:cubicBezTo>
-                    <a:pt x="166880" y="347727"/>
-                    <a:pt x="176848" y="361474"/>
-                    <a:pt x="190500" y="368300"/>
-                  </a:cubicBezTo>
-                  <a:cubicBezTo>
-                    <a:pt x="210890" y="378495"/>
-                    <a:pt x="234072" y="382629"/>
-                    <a:pt x="254000" y="393700"/>
-                  </a:cubicBezTo>
-                  <a:cubicBezTo>
-                    <a:pt x="397357" y="473343"/>
-                    <a:pt x="188922" y="386561"/>
-                    <a:pt x="381000" y="482600"/>
-                  </a:cubicBezTo>
-                  <a:cubicBezTo>
-                    <a:pt x="396612" y="490406"/>
-                    <a:pt x="414867" y="491067"/>
-                    <a:pt x="431800" y="495300"/>
-                  </a:cubicBezTo>
-                  <a:cubicBezTo>
-                    <a:pt x="465667" y="520700"/>
-                    <a:pt x="498177" y="548018"/>
-                    <a:pt x="533400" y="571500"/>
-                  </a:cubicBezTo>
-                  <a:cubicBezTo>
-                    <a:pt x="546100" y="579967"/>
-                    <a:pt x="559080" y="588028"/>
-                    <a:pt x="571500" y="596900"/>
-                  </a:cubicBezTo>
-                  <a:cubicBezTo>
-                    <a:pt x="588724" y="609203"/>
-                    <a:pt x="608238" y="619180"/>
-                    <a:pt x="622300" y="635000"/>
-                  </a:cubicBezTo>
-                  <a:cubicBezTo>
-                    <a:pt x="642581" y="657816"/>
-                    <a:pt x="651514" y="689614"/>
-                    <a:pt x="673100" y="711200"/>
-                  </a:cubicBezTo>
-                  <a:cubicBezTo>
-                    <a:pt x="701187" y="739287"/>
-                    <a:pt x="718919" y="752037"/>
-                    <a:pt x="736600" y="787400"/>
-                  </a:cubicBezTo>
-                  <a:cubicBezTo>
-                    <a:pt x="742587" y="799374"/>
-                    <a:pt x="745067" y="812800"/>
-                    <a:pt x="749300" y="825500"/>
-                  </a:cubicBezTo>
-                  <a:cubicBezTo>
-                    <a:pt x="757767" y="812800"/>
-                    <a:pt x="767874" y="801052"/>
-                    <a:pt x="774700" y="787400"/>
-                  </a:cubicBezTo>
-                  <a:cubicBezTo>
-                    <a:pt x="780687" y="775426"/>
-                    <a:pt x="780305" y="760652"/>
-                    <a:pt x="787400" y="749300"/>
-                  </a:cubicBezTo>
-                  <a:cubicBezTo>
-                    <a:pt x="801766" y="726314"/>
-                    <a:pt x="821267" y="706967"/>
-                    <a:pt x="838200" y="685800"/>
-                  </a:cubicBezTo>
-                  <a:cubicBezTo>
-                    <a:pt x="867505" y="597886"/>
-                    <a:pt x="826333" y="695412"/>
-                    <a:pt x="889000" y="622300"/>
-                  </a:cubicBezTo>
-                  <a:cubicBezTo>
-                    <a:pt x="905064" y="603558"/>
-                    <a:pt x="912289" y="578547"/>
-                    <a:pt x="927100" y="558800"/>
-                  </a:cubicBezTo>
-                  <a:cubicBezTo>
-                    <a:pt x="951124" y="526768"/>
-                    <a:pt x="1001347" y="493834"/>
-                    <a:pt x="1028700" y="469900"/>
-                  </a:cubicBezTo>
-                  <a:cubicBezTo>
-                    <a:pt x="1072352" y="431705"/>
-                    <a:pt x="1073324" y="414236"/>
-                    <a:pt x="1130300" y="381000"/>
-                  </a:cubicBezTo>
-                  <a:cubicBezTo>
-                    <a:pt x="1158148" y="364755"/>
-                    <a:pt x="1190364" y="357318"/>
-                    <a:pt x="1219200" y="342900"/>
-                  </a:cubicBezTo>
-                  <a:cubicBezTo>
-                    <a:pt x="1249727" y="327636"/>
-                    <a:pt x="1277111" y="306403"/>
-                    <a:pt x="1308100" y="292100"/>
-                  </a:cubicBezTo>
-                  <a:cubicBezTo>
-                    <a:pt x="1332410" y="280880"/>
-                    <a:pt x="1359231" y="276101"/>
-                    <a:pt x="1384300" y="266700"/>
-                  </a:cubicBezTo>
-                  <a:cubicBezTo>
-                    <a:pt x="1426991" y="250691"/>
-                    <a:pt x="1467369" y="228103"/>
-                    <a:pt x="1511300" y="215900"/>
-                  </a:cubicBezTo>
-                  <a:cubicBezTo>
-                    <a:pt x="1544185" y="206765"/>
-                    <a:pt x="1579033" y="207433"/>
-                    <a:pt x="1612900" y="203200"/>
-                  </a:cubicBezTo>
-                  <a:cubicBezTo>
-                    <a:pt x="1724130" y="162753"/>
-                    <a:pt x="1883672" y="99923"/>
-                    <a:pt x="1993900" y="88900"/>
-                  </a:cubicBezTo>
-                  <a:lnTo>
-                    <a:pt x="2235200" y="63500"/>
-                  </a:lnTo>
-                  <a:cubicBezTo>
-                    <a:pt x="2401222" y="42747"/>
-                    <a:pt x="2254543" y="60276"/>
-                    <a:pt x="2387600" y="38100"/>
-                  </a:cubicBezTo>
-                  <a:cubicBezTo>
-                    <a:pt x="2417127" y="33179"/>
-                    <a:pt x="2446867" y="29633"/>
-                    <a:pt x="2476500" y="25400"/>
-                  </a:cubicBezTo>
-                  <a:cubicBezTo>
-                    <a:pt x="2489200" y="21167"/>
-                    <a:pt x="2501429" y="15095"/>
-                    <a:pt x="2514600" y="12700"/>
-                  </a:cubicBezTo>
-                  <a:cubicBezTo>
-                    <a:pt x="2548180" y="6595"/>
-                    <a:pt x="2616200" y="0"/>
-                    <a:pt x="2616200" y="0"/>
-                  </a:cubicBezTo>
-                </a:path>
-              </a:pathLst>
-            </a:custGeom>
-            <a:noFill/>
-            <a:ln w="38100">
-              <a:solidFill>
-                <a:srgbClr val="00B050"/>
-              </a:solidFill>
-            </a:ln>
-          </p:spPr>
-          <p:style>
-            <a:lnRef idx="2">
-              <a:schemeClr val="accent1">
-                <a:shade val="50000"/>
-              </a:schemeClr>
-            </a:lnRef>
-            <a:fillRef idx="1">
-              <a:schemeClr val="accent1"/>
-            </a:fillRef>
-            <a:effectRef idx="0">
-              <a:schemeClr val="accent1"/>
-            </a:effectRef>
-            <a:fontRef idx="minor">
-              <a:schemeClr val="lt1"/>
-            </a:fontRef>
-          </p:style>
-          <p:txBody>
-            <a:bodyPr rtlCol="0" anchor="ctr"/>
-            <a:lstStyle/>
-            <a:p>
-              <a:pPr algn="ctr"/>
-              <a:endParaRPr lang="fr-FR"/>
-            </a:p>
-          </p:txBody>
-        </p:sp>
-        <p:sp>
-          <p:nvSpPr>
-            <p:cNvPr id="25" name="Forme libre 24"/>
-            <p:cNvSpPr/>
-            <p:nvPr/>
-          </p:nvSpPr>
-          <p:spPr>
-            <a:xfrm>
-              <a:off x="550168" y="4939407"/>
-              <a:ext cx="277416" cy="200124"/>
-            </a:xfrm>
-            <a:custGeom>
-              <a:avLst/>
-              <a:gdLst>
-                <a:gd name="connsiteX0" fmla="*/ 0 w 2616200"/>
-                <a:gd name="connsiteY0" fmla="*/ 304800 h 825500"/>
-                <a:gd name="connsiteX1" fmla="*/ 152400 w 2616200"/>
-                <a:gd name="connsiteY1" fmla="*/ 342900 h 825500"/>
-                <a:gd name="connsiteX2" fmla="*/ 190500 w 2616200"/>
-                <a:gd name="connsiteY2" fmla="*/ 368300 h 825500"/>
-                <a:gd name="connsiteX3" fmla="*/ 254000 w 2616200"/>
-                <a:gd name="connsiteY3" fmla="*/ 393700 h 825500"/>
-                <a:gd name="connsiteX4" fmla="*/ 381000 w 2616200"/>
-                <a:gd name="connsiteY4" fmla="*/ 482600 h 825500"/>
-                <a:gd name="connsiteX5" fmla="*/ 431800 w 2616200"/>
-                <a:gd name="connsiteY5" fmla="*/ 495300 h 825500"/>
-                <a:gd name="connsiteX6" fmla="*/ 533400 w 2616200"/>
-                <a:gd name="connsiteY6" fmla="*/ 571500 h 825500"/>
-                <a:gd name="connsiteX7" fmla="*/ 571500 w 2616200"/>
-                <a:gd name="connsiteY7" fmla="*/ 596900 h 825500"/>
-                <a:gd name="connsiteX8" fmla="*/ 622300 w 2616200"/>
-                <a:gd name="connsiteY8" fmla="*/ 635000 h 825500"/>
-                <a:gd name="connsiteX9" fmla="*/ 673100 w 2616200"/>
-                <a:gd name="connsiteY9" fmla="*/ 711200 h 825500"/>
-                <a:gd name="connsiteX10" fmla="*/ 736600 w 2616200"/>
-                <a:gd name="connsiteY10" fmla="*/ 787400 h 825500"/>
-                <a:gd name="connsiteX11" fmla="*/ 749300 w 2616200"/>
-                <a:gd name="connsiteY11" fmla="*/ 825500 h 825500"/>
-                <a:gd name="connsiteX12" fmla="*/ 774700 w 2616200"/>
-                <a:gd name="connsiteY12" fmla="*/ 787400 h 825500"/>
-                <a:gd name="connsiteX13" fmla="*/ 787400 w 2616200"/>
-                <a:gd name="connsiteY13" fmla="*/ 749300 h 825500"/>
-                <a:gd name="connsiteX14" fmla="*/ 838200 w 2616200"/>
-                <a:gd name="connsiteY14" fmla="*/ 685800 h 825500"/>
-                <a:gd name="connsiteX15" fmla="*/ 889000 w 2616200"/>
-                <a:gd name="connsiteY15" fmla="*/ 622300 h 825500"/>
-                <a:gd name="connsiteX16" fmla="*/ 927100 w 2616200"/>
-                <a:gd name="connsiteY16" fmla="*/ 558800 h 825500"/>
-                <a:gd name="connsiteX17" fmla="*/ 1028700 w 2616200"/>
-                <a:gd name="connsiteY17" fmla="*/ 469900 h 825500"/>
-                <a:gd name="connsiteX18" fmla="*/ 1130300 w 2616200"/>
-                <a:gd name="connsiteY18" fmla="*/ 381000 h 825500"/>
-                <a:gd name="connsiteX19" fmla="*/ 1219200 w 2616200"/>
-                <a:gd name="connsiteY19" fmla="*/ 342900 h 825500"/>
-                <a:gd name="connsiteX20" fmla="*/ 1308100 w 2616200"/>
-                <a:gd name="connsiteY20" fmla="*/ 292100 h 825500"/>
-                <a:gd name="connsiteX21" fmla="*/ 1384300 w 2616200"/>
-                <a:gd name="connsiteY21" fmla="*/ 266700 h 825500"/>
-                <a:gd name="connsiteX22" fmla="*/ 1511300 w 2616200"/>
-                <a:gd name="connsiteY22" fmla="*/ 215900 h 825500"/>
-                <a:gd name="connsiteX23" fmla="*/ 1612900 w 2616200"/>
-                <a:gd name="connsiteY23" fmla="*/ 203200 h 825500"/>
-                <a:gd name="connsiteX24" fmla="*/ 1993900 w 2616200"/>
-                <a:gd name="connsiteY24" fmla="*/ 88900 h 825500"/>
-                <a:gd name="connsiteX25" fmla="*/ 2235200 w 2616200"/>
-                <a:gd name="connsiteY25" fmla="*/ 63500 h 825500"/>
-                <a:gd name="connsiteX26" fmla="*/ 2387600 w 2616200"/>
-                <a:gd name="connsiteY26" fmla="*/ 38100 h 825500"/>
-                <a:gd name="connsiteX27" fmla="*/ 2476500 w 2616200"/>
-                <a:gd name="connsiteY27" fmla="*/ 25400 h 825500"/>
-                <a:gd name="connsiteX28" fmla="*/ 2514600 w 2616200"/>
-                <a:gd name="connsiteY28" fmla="*/ 12700 h 825500"/>
-                <a:gd name="connsiteX29" fmla="*/ 2616200 w 2616200"/>
-                <a:gd name="connsiteY29" fmla="*/ 0 h 825500"/>
-              </a:gdLst>
-              <a:ahLst/>
-              <a:cxnLst>
-                <a:cxn ang="0">
-                  <a:pos x="connsiteX0" y="connsiteY0"/>
-                </a:cxn>
-                <a:cxn ang="0">
-                  <a:pos x="connsiteX1" y="connsiteY1"/>
-                </a:cxn>
-                <a:cxn ang="0">
-                  <a:pos x="connsiteX2" y="connsiteY2"/>
-                </a:cxn>
-                <a:cxn ang="0">
-                  <a:pos x="connsiteX3" y="connsiteY3"/>
-                </a:cxn>
-                <a:cxn ang="0">
-                  <a:pos x="connsiteX4" y="connsiteY4"/>
-                </a:cxn>
-                <a:cxn ang="0">
-                  <a:pos x="connsiteX5" y="connsiteY5"/>
-                </a:cxn>
-                <a:cxn ang="0">
-                  <a:pos x="connsiteX6" y="connsiteY6"/>
-                </a:cxn>
-                <a:cxn ang="0">
-                  <a:pos x="connsiteX7" y="connsiteY7"/>
-                </a:cxn>
-                <a:cxn ang="0">
-                  <a:pos x="connsiteX8" y="connsiteY8"/>
-                </a:cxn>
-                <a:cxn ang="0">
-                  <a:pos x="connsiteX9" y="connsiteY9"/>
-                </a:cxn>
-                <a:cxn ang="0">
-                  <a:pos x="connsiteX10" y="connsiteY10"/>
-                </a:cxn>
-                <a:cxn ang="0">
-                  <a:pos x="connsiteX11" y="connsiteY11"/>
-                </a:cxn>
-                <a:cxn ang="0">
-                  <a:pos x="connsiteX12" y="connsiteY12"/>
-                </a:cxn>
-                <a:cxn ang="0">
-                  <a:pos x="connsiteX13" y="connsiteY13"/>
-                </a:cxn>
-                <a:cxn ang="0">
-                  <a:pos x="connsiteX14" y="connsiteY14"/>
-                </a:cxn>
-                <a:cxn ang="0">
-                  <a:pos x="connsiteX15" y="connsiteY15"/>
-                </a:cxn>
-                <a:cxn ang="0">
-                  <a:pos x="connsiteX16" y="connsiteY16"/>
-                </a:cxn>
-                <a:cxn ang="0">
-                  <a:pos x="connsiteX17" y="connsiteY17"/>
-                </a:cxn>
-                <a:cxn ang="0">
-                  <a:pos x="connsiteX18" y="connsiteY18"/>
-                </a:cxn>
-                <a:cxn ang="0">
-                  <a:pos x="connsiteX19" y="connsiteY19"/>
-                </a:cxn>
-                <a:cxn ang="0">
-                  <a:pos x="connsiteX20" y="connsiteY20"/>
-                </a:cxn>
-                <a:cxn ang="0">
-                  <a:pos x="connsiteX21" y="connsiteY21"/>
-                </a:cxn>
-                <a:cxn ang="0">
-                  <a:pos x="connsiteX22" y="connsiteY22"/>
-                </a:cxn>
-                <a:cxn ang="0">
-                  <a:pos x="connsiteX23" y="connsiteY23"/>
-                </a:cxn>
-                <a:cxn ang="0">
-                  <a:pos x="connsiteX24" y="connsiteY24"/>
-                </a:cxn>
-                <a:cxn ang="0">
-                  <a:pos x="connsiteX25" y="connsiteY25"/>
-                </a:cxn>
-                <a:cxn ang="0">
-                  <a:pos x="connsiteX26" y="connsiteY26"/>
-                </a:cxn>
-                <a:cxn ang="0">
-                  <a:pos x="connsiteX27" y="connsiteY27"/>
-                </a:cxn>
-                <a:cxn ang="0">
-                  <a:pos x="connsiteX28" y="connsiteY28"/>
-                </a:cxn>
-                <a:cxn ang="0">
-                  <a:pos x="connsiteX29" y="connsiteY29"/>
-                </a:cxn>
-              </a:cxnLst>
-              <a:rect l="l" t="t" r="r" b="b"/>
-              <a:pathLst>
-                <a:path w="2616200" h="825500">
-                  <a:moveTo>
-                    <a:pt x="0" y="304800"/>
-                  </a:moveTo>
-                  <a:cubicBezTo>
-                    <a:pt x="50800" y="317500"/>
-                    <a:pt x="102724" y="326341"/>
-                    <a:pt x="152400" y="342900"/>
-                  </a:cubicBezTo>
-                  <a:cubicBezTo>
-                    <a:pt x="166880" y="347727"/>
-                    <a:pt x="176848" y="361474"/>
-                    <a:pt x="190500" y="368300"/>
-                  </a:cubicBezTo>
-                  <a:cubicBezTo>
-                    <a:pt x="210890" y="378495"/>
-                    <a:pt x="234072" y="382629"/>
-                    <a:pt x="254000" y="393700"/>
-                  </a:cubicBezTo>
-                  <a:cubicBezTo>
-                    <a:pt x="397357" y="473343"/>
-                    <a:pt x="188922" y="386561"/>
-                    <a:pt x="381000" y="482600"/>
-                  </a:cubicBezTo>
-                  <a:cubicBezTo>
-                    <a:pt x="396612" y="490406"/>
-                    <a:pt x="414867" y="491067"/>
-                    <a:pt x="431800" y="495300"/>
-                  </a:cubicBezTo>
-                  <a:cubicBezTo>
-                    <a:pt x="465667" y="520700"/>
-                    <a:pt x="498177" y="548018"/>
-                    <a:pt x="533400" y="571500"/>
-                  </a:cubicBezTo>
-                  <a:cubicBezTo>
-                    <a:pt x="546100" y="579967"/>
-                    <a:pt x="559080" y="588028"/>
-                    <a:pt x="571500" y="596900"/>
-                  </a:cubicBezTo>
-                  <a:cubicBezTo>
-                    <a:pt x="588724" y="609203"/>
-                    <a:pt x="608238" y="619180"/>
-                    <a:pt x="622300" y="635000"/>
-                  </a:cubicBezTo>
-                  <a:cubicBezTo>
-                    <a:pt x="642581" y="657816"/>
-                    <a:pt x="651514" y="689614"/>
-                    <a:pt x="673100" y="711200"/>
-                  </a:cubicBezTo>
-                  <a:cubicBezTo>
-                    <a:pt x="701187" y="739287"/>
-                    <a:pt x="718919" y="752037"/>
-                    <a:pt x="736600" y="787400"/>
-                  </a:cubicBezTo>
-                  <a:cubicBezTo>
-                    <a:pt x="742587" y="799374"/>
-                    <a:pt x="745067" y="812800"/>
-                    <a:pt x="749300" y="825500"/>
-                  </a:cubicBezTo>
-                  <a:cubicBezTo>
-                    <a:pt x="757767" y="812800"/>
-                    <a:pt x="767874" y="801052"/>
-                    <a:pt x="774700" y="787400"/>
-                  </a:cubicBezTo>
-                  <a:cubicBezTo>
-                    <a:pt x="780687" y="775426"/>
-                    <a:pt x="780305" y="760652"/>
-                    <a:pt x="787400" y="749300"/>
-                  </a:cubicBezTo>
-                  <a:cubicBezTo>
-                    <a:pt x="801766" y="726314"/>
-                    <a:pt x="821267" y="706967"/>
-                    <a:pt x="838200" y="685800"/>
-                  </a:cubicBezTo>
-                  <a:cubicBezTo>
-                    <a:pt x="867505" y="597886"/>
-                    <a:pt x="826333" y="695412"/>
-                    <a:pt x="889000" y="622300"/>
-                  </a:cubicBezTo>
-                  <a:cubicBezTo>
-                    <a:pt x="905064" y="603558"/>
-                    <a:pt x="912289" y="578547"/>
-                    <a:pt x="927100" y="558800"/>
-                  </a:cubicBezTo>
-                  <a:cubicBezTo>
-                    <a:pt x="951124" y="526768"/>
-                    <a:pt x="1001347" y="493834"/>
-                    <a:pt x="1028700" y="469900"/>
-                  </a:cubicBezTo>
-                  <a:cubicBezTo>
-                    <a:pt x="1072352" y="431705"/>
-                    <a:pt x="1073324" y="414236"/>
-                    <a:pt x="1130300" y="381000"/>
-                  </a:cubicBezTo>
-                  <a:cubicBezTo>
-                    <a:pt x="1158148" y="364755"/>
-                    <a:pt x="1190364" y="357318"/>
-                    <a:pt x="1219200" y="342900"/>
-                  </a:cubicBezTo>
-                  <a:cubicBezTo>
-                    <a:pt x="1249727" y="327636"/>
-                    <a:pt x="1277111" y="306403"/>
-                    <a:pt x="1308100" y="292100"/>
-                  </a:cubicBezTo>
-                  <a:cubicBezTo>
-                    <a:pt x="1332410" y="280880"/>
-                    <a:pt x="1359231" y="276101"/>
-                    <a:pt x="1384300" y="266700"/>
-                  </a:cubicBezTo>
-                  <a:cubicBezTo>
-                    <a:pt x="1426991" y="250691"/>
-                    <a:pt x="1467369" y="228103"/>
-                    <a:pt x="1511300" y="215900"/>
-                  </a:cubicBezTo>
-                  <a:cubicBezTo>
-                    <a:pt x="1544185" y="206765"/>
-                    <a:pt x="1579033" y="207433"/>
-                    <a:pt x="1612900" y="203200"/>
-                  </a:cubicBezTo>
-                  <a:cubicBezTo>
-                    <a:pt x="1724130" y="162753"/>
-                    <a:pt x="1883672" y="99923"/>
-                    <a:pt x="1993900" y="88900"/>
-                  </a:cubicBezTo>
-                  <a:lnTo>
-                    <a:pt x="2235200" y="63500"/>
-                  </a:lnTo>
-                  <a:cubicBezTo>
-                    <a:pt x="2401222" y="42747"/>
-                    <a:pt x="2254543" y="60276"/>
-                    <a:pt x="2387600" y="38100"/>
-                  </a:cubicBezTo>
-                  <a:cubicBezTo>
-                    <a:pt x="2417127" y="33179"/>
-                    <a:pt x="2446867" y="29633"/>
-                    <a:pt x="2476500" y="25400"/>
-                  </a:cubicBezTo>
-                  <a:cubicBezTo>
-                    <a:pt x="2489200" y="21167"/>
-                    <a:pt x="2501429" y="15095"/>
-                    <a:pt x="2514600" y="12700"/>
-                  </a:cubicBezTo>
-                  <a:cubicBezTo>
-                    <a:pt x="2548180" y="6595"/>
-                    <a:pt x="2616200" y="0"/>
-                    <a:pt x="2616200" y="0"/>
-                  </a:cubicBezTo>
-                </a:path>
-              </a:pathLst>
-            </a:custGeom>
-            <a:noFill/>
-            <a:ln w="38100">
-              <a:solidFill>
-                <a:srgbClr val="00B050"/>
-              </a:solidFill>
-            </a:ln>
-          </p:spPr>
-          <p:style>
-            <a:lnRef idx="2">
-              <a:schemeClr val="accent1">
-                <a:shade val="50000"/>
-              </a:schemeClr>
-            </a:lnRef>
-            <a:fillRef idx="1">
-              <a:schemeClr val="accent1"/>
-            </a:fillRef>
-            <a:effectRef idx="0">
-              <a:schemeClr val="accent1"/>
-            </a:effectRef>
-            <a:fontRef idx="minor">
-              <a:schemeClr val="lt1"/>
-            </a:fontRef>
-          </p:style>
-          <p:txBody>
-            <a:bodyPr rtlCol="0" anchor="ctr"/>
-            <a:lstStyle/>
-            <a:p>
-              <a:pPr algn="ctr"/>
-              <a:endParaRPr lang="fr-FR"/>
-            </a:p>
-          </p:txBody>
-        </p:sp>
-        <p:sp>
-          <p:nvSpPr>
-            <p:cNvPr id="26" name="Forme libre 25"/>
-            <p:cNvSpPr/>
-            <p:nvPr/>
-          </p:nvSpPr>
-          <p:spPr>
-            <a:xfrm>
-              <a:off x="539552" y="5229200"/>
-              <a:ext cx="277416" cy="200124"/>
-            </a:xfrm>
-            <a:custGeom>
-              <a:avLst/>
-              <a:gdLst>
-                <a:gd name="connsiteX0" fmla="*/ 0 w 2616200"/>
-                <a:gd name="connsiteY0" fmla="*/ 304800 h 825500"/>
-                <a:gd name="connsiteX1" fmla="*/ 152400 w 2616200"/>
-                <a:gd name="connsiteY1" fmla="*/ 342900 h 825500"/>
-                <a:gd name="connsiteX2" fmla="*/ 190500 w 2616200"/>
-                <a:gd name="connsiteY2" fmla="*/ 368300 h 825500"/>
-                <a:gd name="connsiteX3" fmla="*/ 254000 w 2616200"/>
-                <a:gd name="connsiteY3" fmla="*/ 393700 h 825500"/>
-                <a:gd name="connsiteX4" fmla="*/ 381000 w 2616200"/>
-                <a:gd name="connsiteY4" fmla="*/ 482600 h 825500"/>
-                <a:gd name="connsiteX5" fmla="*/ 431800 w 2616200"/>
-                <a:gd name="connsiteY5" fmla="*/ 495300 h 825500"/>
-                <a:gd name="connsiteX6" fmla="*/ 533400 w 2616200"/>
-                <a:gd name="connsiteY6" fmla="*/ 571500 h 825500"/>
-                <a:gd name="connsiteX7" fmla="*/ 571500 w 2616200"/>
-                <a:gd name="connsiteY7" fmla="*/ 596900 h 825500"/>
-                <a:gd name="connsiteX8" fmla="*/ 622300 w 2616200"/>
-                <a:gd name="connsiteY8" fmla="*/ 635000 h 825500"/>
-                <a:gd name="connsiteX9" fmla="*/ 673100 w 2616200"/>
-                <a:gd name="connsiteY9" fmla="*/ 711200 h 825500"/>
-                <a:gd name="connsiteX10" fmla="*/ 736600 w 2616200"/>
-                <a:gd name="connsiteY10" fmla="*/ 787400 h 825500"/>
-                <a:gd name="connsiteX11" fmla="*/ 749300 w 2616200"/>
-                <a:gd name="connsiteY11" fmla="*/ 825500 h 825500"/>
-                <a:gd name="connsiteX12" fmla="*/ 774700 w 2616200"/>
-                <a:gd name="connsiteY12" fmla="*/ 787400 h 825500"/>
-                <a:gd name="connsiteX13" fmla="*/ 787400 w 2616200"/>
-                <a:gd name="connsiteY13" fmla="*/ 749300 h 825500"/>
-                <a:gd name="connsiteX14" fmla="*/ 838200 w 2616200"/>
-                <a:gd name="connsiteY14" fmla="*/ 685800 h 825500"/>
-                <a:gd name="connsiteX15" fmla="*/ 889000 w 2616200"/>
-                <a:gd name="connsiteY15" fmla="*/ 622300 h 825500"/>
-                <a:gd name="connsiteX16" fmla="*/ 927100 w 2616200"/>
-                <a:gd name="connsiteY16" fmla="*/ 558800 h 825500"/>
-                <a:gd name="connsiteX17" fmla="*/ 1028700 w 2616200"/>
-                <a:gd name="connsiteY17" fmla="*/ 469900 h 825500"/>
-                <a:gd name="connsiteX18" fmla="*/ 1130300 w 2616200"/>
-                <a:gd name="connsiteY18" fmla="*/ 381000 h 825500"/>
-                <a:gd name="connsiteX19" fmla="*/ 1219200 w 2616200"/>
-                <a:gd name="connsiteY19" fmla="*/ 342900 h 825500"/>
-                <a:gd name="connsiteX20" fmla="*/ 1308100 w 2616200"/>
-                <a:gd name="connsiteY20" fmla="*/ 292100 h 825500"/>
-                <a:gd name="connsiteX21" fmla="*/ 1384300 w 2616200"/>
-                <a:gd name="connsiteY21" fmla="*/ 266700 h 825500"/>
-                <a:gd name="connsiteX22" fmla="*/ 1511300 w 2616200"/>
-                <a:gd name="connsiteY22" fmla="*/ 215900 h 825500"/>
-                <a:gd name="connsiteX23" fmla="*/ 1612900 w 2616200"/>
-                <a:gd name="connsiteY23" fmla="*/ 203200 h 825500"/>
-                <a:gd name="connsiteX24" fmla="*/ 1993900 w 2616200"/>
-                <a:gd name="connsiteY24" fmla="*/ 88900 h 825500"/>
-                <a:gd name="connsiteX25" fmla="*/ 2235200 w 2616200"/>
-                <a:gd name="connsiteY25" fmla="*/ 63500 h 825500"/>
-                <a:gd name="connsiteX26" fmla="*/ 2387600 w 2616200"/>
-                <a:gd name="connsiteY26" fmla="*/ 38100 h 825500"/>
-                <a:gd name="connsiteX27" fmla="*/ 2476500 w 2616200"/>
-                <a:gd name="connsiteY27" fmla="*/ 25400 h 825500"/>
-                <a:gd name="connsiteX28" fmla="*/ 2514600 w 2616200"/>
-                <a:gd name="connsiteY28" fmla="*/ 12700 h 825500"/>
-                <a:gd name="connsiteX29" fmla="*/ 2616200 w 2616200"/>
-                <a:gd name="connsiteY29" fmla="*/ 0 h 825500"/>
-              </a:gdLst>
-              <a:ahLst/>
-              <a:cxnLst>
-                <a:cxn ang="0">
-                  <a:pos x="connsiteX0" y="connsiteY0"/>
-                </a:cxn>
-                <a:cxn ang="0">
-                  <a:pos x="connsiteX1" y="connsiteY1"/>
-                </a:cxn>
-                <a:cxn ang="0">
-                  <a:pos x="connsiteX2" y="connsiteY2"/>
-                </a:cxn>
-                <a:cxn ang="0">
-                  <a:pos x="connsiteX3" y="connsiteY3"/>
-                </a:cxn>
-                <a:cxn ang="0">
-                  <a:pos x="connsiteX4" y="connsiteY4"/>
-                </a:cxn>
-                <a:cxn ang="0">
-                  <a:pos x="connsiteX5" y="connsiteY5"/>
-                </a:cxn>
-                <a:cxn ang="0">
-                  <a:pos x="connsiteX6" y="connsiteY6"/>
-                </a:cxn>
-                <a:cxn ang="0">
-                  <a:pos x="connsiteX7" y="connsiteY7"/>
-                </a:cxn>
-                <a:cxn ang="0">
-                  <a:pos x="connsiteX8" y="connsiteY8"/>
-                </a:cxn>
-                <a:cxn ang="0">
-                  <a:pos x="connsiteX9" y="connsiteY9"/>
-                </a:cxn>
-                <a:cxn ang="0">
-                  <a:pos x="connsiteX10" y="connsiteY10"/>
-                </a:cxn>
-                <a:cxn ang="0">
-                  <a:pos x="connsiteX11" y="connsiteY11"/>
-                </a:cxn>
-                <a:cxn ang="0">
-                  <a:pos x="connsiteX12" y="connsiteY12"/>
-                </a:cxn>
-                <a:cxn ang="0">
-                  <a:pos x="connsiteX13" y="connsiteY13"/>
-                </a:cxn>
-                <a:cxn ang="0">
-                  <a:pos x="connsiteX14" y="connsiteY14"/>
-                </a:cxn>
-                <a:cxn ang="0">
-                  <a:pos x="connsiteX15" y="connsiteY15"/>
-                </a:cxn>
-                <a:cxn ang="0">
-                  <a:pos x="connsiteX16" y="connsiteY16"/>
-                </a:cxn>
-                <a:cxn ang="0">
-                  <a:pos x="connsiteX17" y="connsiteY17"/>
-                </a:cxn>
-                <a:cxn ang="0">
-                  <a:pos x="connsiteX18" y="connsiteY18"/>
-                </a:cxn>
-                <a:cxn ang="0">
-                  <a:pos x="connsiteX19" y="connsiteY19"/>
-                </a:cxn>
-                <a:cxn ang="0">
-                  <a:pos x="connsiteX20" y="connsiteY20"/>
-                </a:cxn>
-                <a:cxn ang="0">
-                  <a:pos x="connsiteX21" y="connsiteY21"/>
-                </a:cxn>
-                <a:cxn ang="0">
-                  <a:pos x="connsiteX22" y="connsiteY22"/>
-                </a:cxn>
-                <a:cxn ang="0">
-                  <a:pos x="connsiteX23" y="connsiteY23"/>
-                </a:cxn>
-                <a:cxn ang="0">
-                  <a:pos x="connsiteX24" y="connsiteY24"/>
-                </a:cxn>
-                <a:cxn ang="0">
-                  <a:pos x="connsiteX25" y="connsiteY25"/>
-                </a:cxn>
-                <a:cxn ang="0">
-                  <a:pos x="connsiteX26" y="connsiteY26"/>
-                </a:cxn>
-                <a:cxn ang="0">
-                  <a:pos x="connsiteX27" y="connsiteY27"/>
-                </a:cxn>
-                <a:cxn ang="0">
-                  <a:pos x="connsiteX28" y="connsiteY28"/>
-                </a:cxn>
-                <a:cxn ang="0">
-                  <a:pos x="connsiteX29" y="connsiteY29"/>
-                </a:cxn>
-              </a:cxnLst>
-              <a:rect l="l" t="t" r="r" b="b"/>
-              <a:pathLst>
-                <a:path w="2616200" h="825500">
-                  <a:moveTo>
-                    <a:pt x="0" y="304800"/>
-                  </a:moveTo>
-                  <a:cubicBezTo>
-                    <a:pt x="50800" y="317500"/>
-                    <a:pt x="102724" y="326341"/>
-                    <a:pt x="152400" y="342900"/>
-                  </a:cubicBezTo>
-                  <a:cubicBezTo>
-                    <a:pt x="166880" y="347727"/>
-                    <a:pt x="176848" y="361474"/>
-                    <a:pt x="190500" y="368300"/>
-                  </a:cubicBezTo>
-                  <a:cubicBezTo>
-                    <a:pt x="210890" y="378495"/>
-                    <a:pt x="234072" y="382629"/>
-                    <a:pt x="254000" y="393700"/>
-                  </a:cubicBezTo>
-                  <a:cubicBezTo>
-                    <a:pt x="397357" y="473343"/>
-                    <a:pt x="188922" y="386561"/>
-                    <a:pt x="381000" y="482600"/>
-                  </a:cubicBezTo>
-                  <a:cubicBezTo>
-                    <a:pt x="396612" y="490406"/>
-                    <a:pt x="414867" y="491067"/>
-                    <a:pt x="431800" y="495300"/>
-                  </a:cubicBezTo>
-                  <a:cubicBezTo>
-                    <a:pt x="465667" y="520700"/>
-                    <a:pt x="498177" y="548018"/>
-                    <a:pt x="533400" y="571500"/>
-                  </a:cubicBezTo>
-                  <a:cubicBezTo>
-                    <a:pt x="546100" y="579967"/>
-                    <a:pt x="559080" y="588028"/>
-                    <a:pt x="571500" y="596900"/>
-                  </a:cubicBezTo>
-                  <a:cubicBezTo>
-                    <a:pt x="588724" y="609203"/>
-                    <a:pt x="608238" y="619180"/>
-                    <a:pt x="622300" y="635000"/>
-                  </a:cubicBezTo>
-                  <a:cubicBezTo>
-                    <a:pt x="642581" y="657816"/>
-                    <a:pt x="651514" y="689614"/>
-                    <a:pt x="673100" y="711200"/>
-                  </a:cubicBezTo>
-                  <a:cubicBezTo>
-                    <a:pt x="701187" y="739287"/>
-                    <a:pt x="718919" y="752037"/>
-                    <a:pt x="736600" y="787400"/>
-                  </a:cubicBezTo>
-                  <a:cubicBezTo>
-                    <a:pt x="742587" y="799374"/>
-                    <a:pt x="745067" y="812800"/>
-                    <a:pt x="749300" y="825500"/>
-                  </a:cubicBezTo>
-                  <a:cubicBezTo>
-                    <a:pt x="757767" y="812800"/>
-                    <a:pt x="767874" y="801052"/>
-                    <a:pt x="774700" y="787400"/>
-                  </a:cubicBezTo>
-                  <a:cubicBezTo>
-                    <a:pt x="780687" y="775426"/>
-                    <a:pt x="780305" y="760652"/>
-                    <a:pt x="787400" y="749300"/>
-                  </a:cubicBezTo>
-                  <a:cubicBezTo>
-                    <a:pt x="801766" y="726314"/>
-                    <a:pt x="821267" y="706967"/>
-                    <a:pt x="838200" y="685800"/>
-                  </a:cubicBezTo>
-                  <a:cubicBezTo>
-                    <a:pt x="867505" y="597886"/>
-                    <a:pt x="826333" y="695412"/>
-                    <a:pt x="889000" y="622300"/>
-                  </a:cubicBezTo>
-                  <a:cubicBezTo>
-                    <a:pt x="905064" y="603558"/>
-                    <a:pt x="912289" y="578547"/>
-                    <a:pt x="927100" y="558800"/>
-                  </a:cubicBezTo>
-                  <a:cubicBezTo>
-                    <a:pt x="951124" y="526768"/>
-                    <a:pt x="1001347" y="493834"/>
-                    <a:pt x="1028700" y="469900"/>
-                  </a:cubicBezTo>
-                  <a:cubicBezTo>
-                    <a:pt x="1072352" y="431705"/>
-                    <a:pt x="1073324" y="414236"/>
-                    <a:pt x="1130300" y="381000"/>
-                  </a:cubicBezTo>
-                  <a:cubicBezTo>
-                    <a:pt x="1158148" y="364755"/>
-                    <a:pt x="1190364" y="357318"/>
-                    <a:pt x="1219200" y="342900"/>
-                  </a:cubicBezTo>
-                  <a:cubicBezTo>
-                    <a:pt x="1249727" y="327636"/>
-                    <a:pt x="1277111" y="306403"/>
-                    <a:pt x="1308100" y="292100"/>
-                  </a:cubicBezTo>
-                  <a:cubicBezTo>
-                    <a:pt x="1332410" y="280880"/>
-                    <a:pt x="1359231" y="276101"/>
-                    <a:pt x="1384300" y="266700"/>
-                  </a:cubicBezTo>
-                  <a:cubicBezTo>
-                    <a:pt x="1426991" y="250691"/>
-                    <a:pt x="1467369" y="228103"/>
-                    <a:pt x="1511300" y="215900"/>
-                  </a:cubicBezTo>
-                  <a:cubicBezTo>
-                    <a:pt x="1544185" y="206765"/>
-                    <a:pt x="1579033" y="207433"/>
-                    <a:pt x="1612900" y="203200"/>
-                  </a:cubicBezTo>
-                  <a:cubicBezTo>
-                    <a:pt x="1724130" y="162753"/>
-                    <a:pt x="1883672" y="99923"/>
-                    <a:pt x="1993900" y="88900"/>
-                  </a:cubicBezTo>
-                  <a:lnTo>
-                    <a:pt x="2235200" y="63500"/>
-                  </a:lnTo>
-                  <a:cubicBezTo>
-                    <a:pt x="2401222" y="42747"/>
-                    <a:pt x="2254543" y="60276"/>
-                    <a:pt x="2387600" y="38100"/>
-                  </a:cubicBezTo>
-                  <a:cubicBezTo>
-                    <a:pt x="2417127" y="33179"/>
-                    <a:pt x="2446867" y="29633"/>
-                    <a:pt x="2476500" y="25400"/>
-                  </a:cubicBezTo>
-                  <a:cubicBezTo>
-                    <a:pt x="2489200" y="21167"/>
-                    <a:pt x="2501429" y="15095"/>
-                    <a:pt x="2514600" y="12700"/>
-                  </a:cubicBezTo>
-                  <a:cubicBezTo>
-                    <a:pt x="2548180" y="6595"/>
-                    <a:pt x="2616200" y="0"/>
-                    <a:pt x="2616200" y="0"/>
-                  </a:cubicBezTo>
-                </a:path>
-              </a:pathLst>
-            </a:custGeom>
-            <a:noFill/>
-            <a:ln w="38100">
-              <a:solidFill>
-                <a:srgbClr val="00B050"/>
-              </a:solidFill>
-            </a:ln>
-          </p:spPr>
-          <p:style>
-            <a:lnRef idx="2">
-              <a:schemeClr val="accent1">
-                <a:shade val="50000"/>
-              </a:schemeClr>
-            </a:lnRef>
-            <a:fillRef idx="1">
-              <a:schemeClr val="accent1"/>
-            </a:fillRef>
-            <a:effectRef idx="0">
-              <a:schemeClr val="accent1"/>
-            </a:effectRef>
-            <a:fontRef idx="minor">
-              <a:schemeClr val="lt1"/>
-            </a:fontRef>
-          </p:style>
-          <p:txBody>
-            <a:bodyPr rtlCol="0" anchor="ctr"/>
-            <a:lstStyle/>
-            <a:p>
-              <a:pPr algn="ctr"/>
-              <a:endParaRPr lang="fr-FR"/>
-            </a:p>
-          </p:txBody>
-        </p:sp>
-        <p:sp>
-          <p:nvSpPr>
-            <p:cNvPr id="27" name="Forme libre 26"/>
-            <p:cNvSpPr/>
-            <p:nvPr/>
-          </p:nvSpPr>
-          <p:spPr>
-            <a:xfrm>
-              <a:off x="539552" y="5517232"/>
-              <a:ext cx="277416" cy="200124"/>
-            </a:xfrm>
-            <a:custGeom>
-              <a:avLst/>
-              <a:gdLst>
-                <a:gd name="connsiteX0" fmla="*/ 0 w 2616200"/>
-                <a:gd name="connsiteY0" fmla="*/ 304800 h 825500"/>
-                <a:gd name="connsiteX1" fmla="*/ 152400 w 2616200"/>
-                <a:gd name="connsiteY1" fmla="*/ 342900 h 825500"/>
-                <a:gd name="connsiteX2" fmla="*/ 190500 w 2616200"/>
-                <a:gd name="connsiteY2" fmla="*/ 368300 h 825500"/>
-                <a:gd name="connsiteX3" fmla="*/ 254000 w 2616200"/>
-                <a:gd name="connsiteY3" fmla="*/ 393700 h 825500"/>
-                <a:gd name="connsiteX4" fmla="*/ 381000 w 2616200"/>
-                <a:gd name="connsiteY4" fmla="*/ 482600 h 825500"/>
-                <a:gd name="connsiteX5" fmla="*/ 431800 w 2616200"/>
-                <a:gd name="connsiteY5" fmla="*/ 495300 h 825500"/>
-                <a:gd name="connsiteX6" fmla="*/ 533400 w 2616200"/>
-                <a:gd name="connsiteY6" fmla="*/ 571500 h 825500"/>
-                <a:gd name="connsiteX7" fmla="*/ 571500 w 2616200"/>
-                <a:gd name="connsiteY7" fmla="*/ 596900 h 825500"/>
-                <a:gd name="connsiteX8" fmla="*/ 622300 w 2616200"/>
-                <a:gd name="connsiteY8" fmla="*/ 635000 h 825500"/>
-                <a:gd name="connsiteX9" fmla="*/ 673100 w 2616200"/>
-                <a:gd name="connsiteY9" fmla="*/ 711200 h 825500"/>
-                <a:gd name="connsiteX10" fmla="*/ 736600 w 2616200"/>
-                <a:gd name="connsiteY10" fmla="*/ 787400 h 825500"/>
-                <a:gd name="connsiteX11" fmla="*/ 749300 w 2616200"/>
-                <a:gd name="connsiteY11" fmla="*/ 825500 h 825500"/>
-                <a:gd name="connsiteX12" fmla="*/ 774700 w 2616200"/>
-                <a:gd name="connsiteY12" fmla="*/ 787400 h 825500"/>
-                <a:gd name="connsiteX13" fmla="*/ 787400 w 2616200"/>
-                <a:gd name="connsiteY13" fmla="*/ 749300 h 825500"/>
-                <a:gd name="connsiteX14" fmla="*/ 838200 w 2616200"/>
-                <a:gd name="connsiteY14" fmla="*/ 685800 h 825500"/>
-                <a:gd name="connsiteX15" fmla="*/ 889000 w 2616200"/>
-                <a:gd name="connsiteY15" fmla="*/ 622300 h 825500"/>
-                <a:gd name="connsiteX16" fmla="*/ 927100 w 2616200"/>
-                <a:gd name="connsiteY16" fmla="*/ 558800 h 825500"/>
-                <a:gd name="connsiteX17" fmla="*/ 1028700 w 2616200"/>
-                <a:gd name="connsiteY17" fmla="*/ 469900 h 825500"/>
-                <a:gd name="connsiteX18" fmla="*/ 1130300 w 2616200"/>
-                <a:gd name="connsiteY18" fmla="*/ 381000 h 825500"/>
-                <a:gd name="connsiteX19" fmla="*/ 1219200 w 2616200"/>
-                <a:gd name="connsiteY19" fmla="*/ 342900 h 825500"/>
-                <a:gd name="connsiteX20" fmla="*/ 1308100 w 2616200"/>
-                <a:gd name="connsiteY20" fmla="*/ 292100 h 825500"/>
-                <a:gd name="connsiteX21" fmla="*/ 1384300 w 2616200"/>
-                <a:gd name="connsiteY21" fmla="*/ 266700 h 825500"/>
-                <a:gd name="connsiteX22" fmla="*/ 1511300 w 2616200"/>
-                <a:gd name="connsiteY22" fmla="*/ 215900 h 825500"/>
-                <a:gd name="connsiteX23" fmla="*/ 1612900 w 2616200"/>
-                <a:gd name="connsiteY23" fmla="*/ 203200 h 825500"/>
-                <a:gd name="connsiteX24" fmla="*/ 1993900 w 2616200"/>
-                <a:gd name="connsiteY24" fmla="*/ 88900 h 825500"/>
-                <a:gd name="connsiteX25" fmla="*/ 2235200 w 2616200"/>
-                <a:gd name="connsiteY25" fmla="*/ 63500 h 825500"/>
-                <a:gd name="connsiteX26" fmla="*/ 2387600 w 2616200"/>
-                <a:gd name="connsiteY26" fmla="*/ 38100 h 825500"/>
-                <a:gd name="connsiteX27" fmla="*/ 2476500 w 2616200"/>
-                <a:gd name="connsiteY27" fmla="*/ 25400 h 825500"/>
-                <a:gd name="connsiteX28" fmla="*/ 2514600 w 2616200"/>
-                <a:gd name="connsiteY28" fmla="*/ 12700 h 825500"/>
-                <a:gd name="connsiteX29" fmla="*/ 2616200 w 2616200"/>
-                <a:gd name="connsiteY29" fmla="*/ 0 h 825500"/>
-              </a:gdLst>
-              <a:ahLst/>
-              <a:cxnLst>
-                <a:cxn ang="0">
-                  <a:pos x="connsiteX0" y="connsiteY0"/>
-                </a:cxn>
-                <a:cxn ang="0">
-                  <a:pos x="connsiteX1" y="connsiteY1"/>
-                </a:cxn>
-                <a:cxn ang="0">
-                  <a:pos x="connsiteX2" y="connsiteY2"/>
-                </a:cxn>
-                <a:cxn ang="0">
-                  <a:pos x="connsiteX3" y="connsiteY3"/>
-                </a:cxn>
-                <a:cxn ang="0">
-                  <a:pos x="connsiteX4" y="connsiteY4"/>
-                </a:cxn>
-                <a:cxn ang="0">
-                  <a:pos x="connsiteX5" y="connsiteY5"/>
-                </a:cxn>
-                <a:cxn ang="0">
-                  <a:pos x="connsiteX6" y="connsiteY6"/>
-                </a:cxn>
-                <a:cxn ang="0">
-                  <a:pos x="connsiteX7" y="connsiteY7"/>
-                </a:cxn>
-                <a:cxn ang="0">
-                  <a:pos x="connsiteX8" y="connsiteY8"/>
-                </a:cxn>
-                <a:cxn ang="0">
-                  <a:pos x="connsiteX9" y="connsiteY9"/>
-                </a:cxn>
-                <a:cxn ang="0">
-                  <a:pos x="connsiteX10" y="connsiteY10"/>
-                </a:cxn>
-                <a:cxn ang="0">
-                  <a:pos x="connsiteX11" y="connsiteY11"/>
-                </a:cxn>
-                <a:cxn ang="0">
-                  <a:pos x="connsiteX12" y="connsiteY12"/>
-                </a:cxn>
-                <a:cxn ang="0">
-                  <a:pos x="connsiteX13" y="connsiteY13"/>
-                </a:cxn>
-                <a:cxn ang="0">
-                  <a:pos x="connsiteX14" y="connsiteY14"/>
-                </a:cxn>
-                <a:cxn ang="0">
-                  <a:pos x="connsiteX15" y="connsiteY15"/>
-                </a:cxn>
-                <a:cxn ang="0">
-                  <a:pos x="connsiteX16" y="connsiteY16"/>
-                </a:cxn>
-                <a:cxn ang="0">
-                  <a:pos x="connsiteX17" y="connsiteY17"/>
-                </a:cxn>
-                <a:cxn ang="0">
-                  <a:pos x="connsiteX18" y="connsiteY18"/>
-                </a:cxn>
-                <a:cxn ang="0">
-                  <a:pos x="connsiteX19" y="connsiteY19"/>
-                </a:cxn>
-                <a:cxn ang="0">
-                  <a:pos x="connsiteX20" y="connsiteY20"/>
-                </a:cxn>
-                <a:cxn ang="0">
-                  <a:pos x="connsiteX21" y="connsiteY21"/>
-                </a:cxn>
-                <a:cxn ang="0">
-                  <a:pos x="connsiteX22" y="connsiteY22"/>
-                </a:cxn>
-                <a:cxn ang="0">
-                  <a:pos x="connsiteX23" y="connsiteY23"/>
-                </a:cxn>
-                <a:cxn ang="0">
-                  <a:pos x="connsiteX24" y="connsiteY24"/>
-                </a:cxn>
-                <a:cxn ang="0">
-                  <a:pos x="connsiteX25" y="connsiteY25"/>
-                </a:cxn>
-                <a:cxn ang="0">
-                  <a:pos x="connsiteX26" y="connsiteY26"/>
-                </a:cxn>
-                <a:cxn ang="0">
-                  <a:pos x="connsiteX27" y="connsiteY27"/>
-                </a:cxn>
-                <a:cxn ang="0">
-                  <a:pos x="connsiteX28" y="connsiteY28"/>
-                </a:cxn>
-                <a:cxn ang="0">
-                  <a:pos x="connsiteX29" y="connsiteY29"/>
-                </a:cxn>
-              </a:cxnLst>
-              <a:rect l="l" t="t" r="r" b="b"/>
-              <a:pathLst>
-                <a:path w="2616200" h="825500">
-                  <a:moveTo>
-                    <a:pt x="0" y="304800"/>
-                  </a:moveTo>
-                  <a:cubicBezTo>
-                    <a:pt x="50800" y="317500"/>
-                    <a:pt x="102724" y="326341"/>
-                    <a:pt x="152400" y="342900"/>
-                  </a:cubicBezTo>
-                  <a:cubicBezTo>
-                    <a:pt x="166880" y="347727"/>
-                    <a:pt x="176848" y="361474"/>
-                    <a:pt x="190500" y="368300"/>
-                  </a:cubicBezTo>
-                  <a:cubicBezTo>
-                    <a:pt x="210890" y="378495"/>
-                    <a:pt x="234072" y="382629"/>
-                    <a:pt x="254000" y="393700"/>
-                  </a:cubicBezTo>
-                  <a:cubicBezTo>
-                    <a:pt x="397357" y="473343"/>
-                    <a:pt x="188922" y="386561"/>
-                    <a:pt x="381000" y="482600"/>
-                  </a:cubicBezTo>
-                  <a:cubicBezTo>
-                    <a:pt x="396612" y="490406"/>
-                    <a:pt x="414867" y="491067"/>
-                    <a:pt x="431800" y="495300"/>
-                  </a:cubicBezTo>
-                  <a:cubicBezTo>
-                    <a:pt x="465667" y="520700"/>
-                    <a:pt x="498177" y="548018"/>
-                    <a:pt x="533400" y="571500"/>
-                  </a:cubicBezTo>
-                  <a:cubicBezTo>
-                    <a:pt x="546100" y="579967"/>
-                    <a:pt x="559080" y="588028"/>
-                    <a:pt x="571500" y="596900"/>
-                  </a:cubicBezTo>
-                  <a:cubicBezTo>
-                    <a:pt x="588724" y="609203"/>
-                    <a:pt x="608238" y="619180"/>
-                    <a:pt x="622300" y="635000"/>
-                  </a:cubicBezTo>
-                  <a:cubicBezTo>
-                    <a:pt x="642581" y="657816"/>
-                    <a:pt x="651514" y="689614"/>
-                    <a:pt x="673100" y="711200"/>
-                  </a:cubicBezTo>
-                  <a:cubicBezTo>
-                    <a:pt x="701187" y="739287"/>
-                    <a:pt x="718919" y="752037"/>
-                    <a:pt x="736600" y="787400"/>
-                  </a:cubicBezTo>
-                  <a:cubicBezTo>
-                    <a:pt x="742587" y="799374"/>
-                    <a:pt x="745067" y="812800"/>
-                    <a:pt x="749300" y="825500"/>
-                  </a:cubicBezTo>
-                  <a:cubicBezTo>
-                    <a:pt x="757767" y="812800"/>
-                    <a:pt x="767874" y="801052"/>
-                    <a:pt x="774700" y="787400"/>
-                  </a:cubicBezTo>
-                  <a:cubicBezTo>
-                    <a:pt x="780687" y="775426"/>
-                    <a:pt x="780305" y="760652"/>
-                    <a:pt x="787400" y="749300"/>
-                  </a:cubicBezTo>
-                  <a:cubicBezTo>
-                    <a:pt x="801766" y="726314"/>
-                    <a:pt x="821267" y="706967"/>
-                    <a:pt x="838200" y="685800"/>
-                  </a:cubicBezTo>
-                  <a:cubicBezTo>
-                    <a:pt x="867505" y="597886"/>
-                    <a:pt x="826333" y="695412"/>
-                    <a:pt x="889000" y="622300"/>
-                  </a:cubicBezTo>
-                  <a:cubicBezTo>
-                    <a:pt x="905064" y="603558"/>
-                    <a:pt x="912289" y="578547"/>
-                    <a:pt x="927100" y="558800"/>
-                  </a:cubicBezTo>
-                  <a:cubicBezTo>
-                    <a:pt x="951124" y="526768"/>
-                    <a:pt x="1001347" y="493834"/>
-                    <a:pt x="1028700" y="469900"/>
-                  </a:cubicBezTo>
-                  <a:cubicBezTo>
-                    <a:pt x="1072352" y="431705"/>
-                    <a:pt x="1073324" y="414236"/>
-                    <a:pt x="1130300" y="381000"/>
-                  </a:cubicBezTo>
-                  <a:cubicBezTo>
-                    <a:pt x="1158148" y="364755"/>
-                    <a:pt x="1190364" y="357318"/>
-                    <a:pt x="1219200" y="342900"/>
-                  </a:cubicBezTo>
-                  <a:cubicBezTo>
-                    <a:pt x="1249727" y="327636"/>
-                    <a:pt x="1277111" y="306403"/>
-                    <a:pt x="1308100" y="292100"/>
-                  </a:cubicBezTo>
-                  <a:cubicBezTo>
-                    <a:pt x="1332410" y="280880"/>
-                    <a:pt x="1359231" y="276101"/>
-                    <a:pt x="1384300" y="266700"/>
-                  </a:cubicBezTo>
-                  <a:cubicBezTo>
-                    <a:pt x="1426991" y="250691"/>
-                    <a:pt x="1467369" y="228103"/>
-                    <a:pt x="1511300" y="215900"/>
-                  </a:cubicBezTo>
-                  <a:cubicBezTo>
-                    <a:pt x="1544185" y="206765"/>
-                    <a:pt x="1579033" y="207433"/>
-                    <a:pt x="1612900" y="203200"/>
-                  </a:cubicBezTo>
-                  <a:cubicBezTo>
-                    <a:pt x="1724130" y="162753"/>
-                    <a:pt x="1883672" y="99923"/>
-                    <a:pt x="1993900" y="88900"/>
-                  </a:cubicBezTo>
-                  <a:lnTo>
-                    <a:pt x="2235200" y="63500"/>
-                  </a:lnTo>
-                  <a:cubicBezTo>
-                    <a:pt x="2401222" y="42747"/>
-                    <a:pt x="2254543" y="60276"/>
-                    <a:pt x="2387600" y="38100"/>
-                  </a:cubicBezTo>
-                  <a:cubicBezTo>
-                    <a:pt x="2417127" y="33179"/>
-                    <a:pt x="2446867" y="29633"/>
-                    <a:pt x="2476500" y="25400"/>
-                  </a:cubicBezTo>
-                  <a:cubicBezTo>
-                    <a:pt x="2489200" y="21167"/>
-                    <a:pt x="2501429" y="15095"/>
-                    <a:pt x="2514600" y="12700"/>
-                  </a:cubicBezTo>
-                  <a:cubicBezTo>
-                    <a:pt x="2548180" y="6595"/>
-                    <a:pt x="2616200" y="0"/>
-                    <a:pt x="2616200" y="0"/>
-                  </a:cubicBezTo>
-                </a:path>
-              </a:pathLst>
-            </a:custGeom>
-            <a:noFill/>
-            <a:ln w="38100">
-              <a:solidFill>
-                <a:srgbClr val="00B050"/>
-              </a:solidFill>
-            </a:ln>
-          </p:spPr>
-          <p:style>
-            <a:lnRef idx="2">
-              <a:schemeClr val="accent1">
-                <a:shade val="50000"/>
-              </a:schemeClr>
-            </a:lnRef>
-            <a:fillRef idx="1">
-              <a:schemeClr val="accent1"/>
-            </a:fillRef>
-            <a:effectRef idx="0">
-              <a:schemeClr val="accent1"/>
-            </a:effectRef>
-            <a:fontRef idx="minor">
-              <a:schemeClr val="lt1"/>
-            </a:fontRef>
-          </p:style>
-          <p:txBody>
-            <a:bodyPr rtlCol="0" anchor="ctr"/>
-            <a:lstStyle/>
-            <a:p>
-              <a:pPr algn="ctr"/>
-              <a:endParaRPr lang="fr-FR"/>
-            </a:p>
-          </p:txBody>
-        </p:sp>
-      </p:grpSp>
+          </a:ln>
+        </p:spPr>
+        <p:style>
+          <a:lnRef idx="2">
+            <a:schemeClr val="accent1">
+              <a:shade val="50000"/>
+            </a:schemeClr>
+          </a:lnRef>
+          <a:fillRef idx="1">
+            <a:schemeClr val="accent1"/>
+          </a:fillRef>
+          <a:effectRef idx="0">
+            <a:schemeClr val="accent1"/>
+          </a:effectRef>
+          <a:fontRef idx="minor">
+            <a:schemeClr val="lt1"/>
+          </a:fontRef>
+        </p:style>
+        <p:txBody>
+          <a:bodyPr rtlCol="0" anchor="ctr"/>
+          <a:lstStyle/>
+          <a:p>
+            <a:pPr algn="ctr"/>
+            <a:endParaRPr lang="fr-FR"/>
+          </a:p>
+        </p:txBody>
+      </p:sp>
     </p:spTree>
     <p:extLst>
       <p:ext uri="{BB962C8B-B14F-4D97-AF65-F5344CB8AC3E}">
-        <p14:creationId xmlns:p14="http://schemas.microsoft.com/office/powerpoint/2010/main" val="1109879631"/>
+        <p14:creationId xmlns:p14="http://schemas.microsoft.com/office/powerpoint/2010/main" val="1872415064"/>
+      </p:ext>
+    </p:extLst>
+  </p:cSld>
+  <p:clrMapOvr>
+    <a:masterClrMapping/>
+  </p:clrMapOvr>
+  <p:timing>
+    <p:tnLst>
+      <p:par>
+        <p:cTn id="1" dur="indefinite" restart="never" nodeType="tmRoot"/>
+      </p:par>
+    </p:tnLst>
+  </p:timing>
+</p:sld>
+</file>
+
+<file path=ppt/slides/slide18.xml><?xml version="1.0" encoding="utf-8"?>
+<p:sld xmlns:a="http://schemas.openxmlformats.org/drawingml/2006/main" xmlns:r="http://schemas.openxmlformats.org/officeDocument/2006/relationships" xmlns:p="http://schemas.openxmlformats.org/presentationml/2006/main">
+  <p:cSld>
+    <p:spTree>
+      <p:nvGrpSpPr>
+        <p:cNvPr id="1" name=""/>
+        <p:cNvGrpSpPr/>
+        <p:nvPr/>
+      </p:nvGrpSpPr>
+      <p:grpSpPr>
+        <a:xfrm>
+          <a:off x="0" y="0"/>
+          <a:ext cx="0" cy="0"/>
+          <a:chOff x="0" y="0"/>
+          <a:chExt cx="0" cy="0"/>
+        </a:xfrm>
+      </p:grpSpPr>
+      <p:sp>
+        <p:nvSpPr>
+          <p:cNvPr id="2" name="Titre 1"/>
+          <p:cNvSpPr>
+            <a:spLocks noGrp="1"/>
+          </p:cNvSpPr>
+          <p:nvPr>
+            <p:ph type="title"/>
+          </p:nvPr>
+        </p:nvSpPr>
+        <p:spPr>
+          <a:xfrm>
+            <a:off x="713284" y="274638"/>
+            <a:ext cx="7859216" cy="1066130"/>
+          </a:xfrm>
+        </p:spPr>
+        <p:txBody>
+          <a:bodyPr>
+            <a:normAutofit/>
+          </a:bodyPr>
+          <a:lstStyle/>
+          <a:p>
+            <a:pPr algn="r"/>
+            <a:r>
+              <a:rPr lang="fr-FR" sz="4000" b="1" dirty="0" smtClean="0"/>
+              <a:t>Analyse multivariée</a:t>
+            </a:r>
+            <a:endParaRPr lang="fr-FR" sz="3200" dirty="0"/>
+          </a:p>
+        </p:txBody>
+      </p:sp>
+      <p:sp>
+        <p:nvSpPr>
+          <p:cNvPr id="4" name="Espace réservé de la date 3"/>
+          <p:cNvSpPr>
+            <a:spLocks noGrp="1"/>
+          </p:cNvSpPr>
+          <p:nvPr>
+            <p:ph type="dt" sz="half" idx="10"/>
+          </p:nvPr>
+        </p:nvSpPr>
+        <p:spPr/>
+        <p:txBody>
+          <a:bodyPr/>
+          <a:lstStyle/>
+          <a:p>
+            <a:r>
+              <a:rPr lang="fr-FR" smtClean="0"/>
+              <a:t>17/06/2020</a:t>
+            </a:r>
+            <a:endParaRPr lang="fr-FR" dirty="0"/>
+          </a:p>
+        </p:txBody>
+      </p:sp>
+      <p:sp>
+        <p:nvSpPr>
+          <p:cNvPr id="3" name="ZoneTexte 2"/>
+          <p:cNvSpPr txBox="1"/>
+          <p:nvPr/>
+        </p:nvSpPr>
+        <p:spPr>
+          <a:xfrm>
+            <a:off x="4932040" y="1780835"/>
+            <a:ext cx="4938588" cy="3139321"/>
+          </a:xfrm>
+          <a:prstGeom prst="rect">
+            <a:avLst/>
+          </a:prstGeom>
+          <a:noFill/>
+        </p:spPr>
+        <p:txBody>
+          <a:bodyPr wrap="square" rtlCol="0">
+            <a:spAutoFit/>
+          </a:bodyPr>
+          <a:lstStyle/>
+          <a:p>
+            <a:r>
+              <a:rPr lang="fr-FR" b="1" dirty="0" smtClean="0">
+                <a:latin typeface="+mj-lt"/>
+              </a:rPr>
+              <a:t>Contenu </a:t>
+            </a:r>
+            <a:r>
+              <a:rPr lang="fr-FR" dirty="0" smtClean="0"/>
+              <a:t>: score quotidien</a:t>
+            </a:r>
+          </a:p>
+          <a:p>
+            <a:pPr marL="285750" indent="-285750">
+              <a:buFontTx/>
+              <a:buChar char="-"/>
+            </a:pPr>
+            <a:r>
+              <a:rPr lang="fr-FR" dirty="0" smtClean="0">
+                <a:latin typeface="Yu Gothic Light" panose="020B0300000000000000" pitchFamily="34" charset="-128"/>
+                <a:ea typeface="Yu Gothic Light" panose="020B0300000000000000" pitchFamily="34" charset="-128"/>
+              </a:rPr>
+              <a:t>Liste des produits consommés</a:t>
+            </a:r>
+          </a:p>
+          <a:p>
+            <a:pPr marL="285750" indent="-285750">
+              <a:buFontTx/>
+              <a:buChar char="-"/>
+            </a:pPr>
+            <a:r>
+              <a:rPr lang="fr-FR" dirty="0" smtClean="0">
+                <a:latin typeface="Yu Gothic Light" panose="020B0300000000000000" pitchFamily="34" charset="-128"/>
+                <a:ea typeface="Yu Gothic Light" panose="020B0300000000000000" pitchFamily="34" charset="-128"/>
+              </a:rPr>
+              <a:t>Evaluation des apports quotidiens</a:t>
+            </a:r>
+          </a:p>
+          <a:p>
+            <a:endParaRPr lang="fr-FR" dirty="0"/>
+          </a:p>
+          <a:p>
+            <a:r>
+              <a:rPr lang="fr-FR" dirty="0" smtClean="0">
+                <a:latin typeface="+mj-lt"/>
+              </a:rPr>
+              <a:t>Fonction 2 </a:t>
+            </a:r>
+            <a:r>
+              <a:rPr lang="fr-FR" dirty="0" smtClean="0"/>
+              <a:t>: recommandations</a:t>
+            </a:r>
+          </a:p>
+          <a:p>
+            <a:pPr marL="285750" indent="-285750">
+              <a:buFontTx/>
+              <a:buChar char="-"/>
+            </a:pPr>
+            <a:r>
+              <a:rPr lang="fr-FR" dirty="0" smtClean="0">
+                <a:latin typeface="Yu Gothic Light" panose="020B0300000000000000" pitchFamily="34" charset="-128"/>
+                <a:ea typeface="Yu Gothic Light" panose="020B0300000000000000" pitchFamily="34" charset="-128"/>
+              </a:rPr>
+              <a:t>Liste des axes à améliorer</a:t>
+            </a:r>
+          </a:p>
+          <a:p>
+            <a:pPr marL="285750" indent="-285750">
+              <a:buFontTx/>
+              <a:buChar char="-"/>
+            </a:pPr>
+            <a:r>
+              <a:rPr lang="fr-FR" dirty="0" smtClean="0">
+                <a:latin typeface="Yu Gothic Light" panose="020B0300000000000000" pitchFamily="34" charset="-128"/>
+                <a:ea typeface="Yu Gothic Light" panose="020B0300000000000000" pitchFamily="34" charset="-128"/>
+              </a:rPr>
+              <a:t>Navigateur de produit à remplacer</a:t>
+            </a:r>
+          </a:p>
+          <a:p>
+            <a:endParaRPr lang="fr-FR" dirty="0" smtClean="0">
+              <a:latin typeface="Yu Gothic Light" panose="020B0300000000000000" pitchFamily="34" charset="-128"/>
+              <a:ea typeface="Yu Gothic Light" panose="020B0300000000000000" pitchFamily="34" charset="-128"/>
+            </a:endParaRPr>
+          </a:p>
+          <a:p>
+            <a:r>
+              <a:rPr lang="fr-FR" dirty="0">
+                <a:latin typeface="+mj-lt"/>
+              </a:rPr>
+              <a:t>Fonction </a:t>
+            </a:r>
+            <a:r>
+              <a:rPr lang="fr-FR" dirty="0" smtClean="0">
+                <a:latin typeface="+mj-lt"/>
+              </a:rPr>
+              <a:t>3 </a:t>
+            </a:r>
+            <a:r>
+              <a:rPr lang="fr-FR" dirty="0"/>
+              <a:t>: </a:t>
+            </a:r>
+            <a:r>
+              <a:rPr lang="fr-FR" dirty="0" smtClean="0"/>
+              <a:t>statistiques</a:t>
+            </a:r>
+            <a:endParaRPr lang="fr-FR" dirty="0"/>
+          </a:p>
+          <a:p>
+            <a:pPr marL="285750" indent="-285750">
+              <a:buFontTx/>
+              <a:buChar char="-"/>
+            </a:pPr>
+            <a:r>
+              <a:rPr lang="fr-FR" dirty="0" smtClean="0">
+                <a:latin typeface="Yu Gothic Light" panose="020B0300000000000000" pitchFamily="34" charset="-128"/>
+                <a:ea typeface="Yu Gothic Light" panose="020B0300000000000000" pitchFamily="34" charset="-128"/>
+              </a:rPr>
+              <a:t>Archivage des entrées</a:t>
+            </a:r>
+          </a:p>
+          <a:p>
+            <a:pPr marL="285750" indent="-285750">
+              <a:buFontTx/>
+              <a:buChar char="-"/>
+            </a:pPr>
+            <a:r>
+              <a:rPr lang="fr-FR" dirty="0" smtClean="0">
+                <a:latin typeface="Yu Gothic Light" panose="020B0300000000000000" pitchFamily="34" charset="-128"/>
+                <a:ea typeface="Yu Gothic Light" panose="020B0300000000000000" pitchFamily="34" charset="-128"/>
+              </a:rPr>
+              <a:t>Affichage graphique</a:t>
+            </a:r>
+            <a:endParaRPr lang="fr-FR" dirty="0" smtClean="0"/>
+          </a:p>
+        </p:txBody>
+      </p:sp>
+      <p:sp>
+        <p:nvSpPr>
+          <p:cNvPr id="5" name="Espace réservé du pied de page 4"/>
+          <p:cNvSpPr>
+            <a:spLocks noGrp="1"/>
+          </p:cNvSpPr>
+          <p:nvPr>
+            <p:ph type="ftr" sz="quarter" idx="11"/>
+          </p:nvPr>
+        </p:nvSpPr>
+        <p:spPr/>
+        <p:txBody>
+          <a:bodyPr/>
+          <a:lstStyle/>
+          <a:p>
+            <a:r>
+              <a:rPr lang="fr-FR" smtClean="0"/>
+              <a:t>Maryse Muller  |  Parcours Data Scientist</a:t>
+            </a:r>
+            <a:endParaRPr lang="fr-FR" dirty="0"/>
+          </a:p>
+        </p:txBody>
+      </p:sp>
+      <p:sp>
+        <p:nvSpPr>
+          <p:cNvPr id="6" name="Espace réservé du numéro de diapositive 5"/>
+          <p:cNvSpPr>
+            <a:spLocks noGrp="1"/>
+          </p:cNvSpPr>
+          <p:nvPr>
+            <p:ph type="sldNum" sz="quarter" idx="12"/>
+          </p:nvPr>
+        </p:nvSpPr>
+        <p:spPr/>
+        <p:txBody>
+          <a:bodyPr/>
+          <a:lstStyle/>
+          <a:p>
+            <a:fld id="{D384C430-F8FC-4B07-B0BC-750FA1B3CF0A}" type="slidenum">
+              <a:rPr lang="fr-FR" smtClean="0"/>
+              <a:t>18</a:t>
+            </a:fld>
+            <a:endParaRPr lang="fr-FR" dirty="0"/>
+          </a:p>
+        </p:txBody>
+      </p:sp>
+      <p:sp>
+        <p:nvSpPr>
+          <p:cNvPr id="8" name="Rectangle 7"/>
+          <p:cNvSpPr/>
+          <p:nvPr/>
+        </p:nvSpPr>
+        <p:spPr>
+          <a:xfrm>
+            <a:off x="3823854" y="1196959"/>
+            <a:ext cx="4708586" cy="45719"/>
+          </a:xfrm>
+          <a:prstGeom prst="rect">
+            <a:avLst/>
+          </a:prstGeom>
+          <a:gradFill flip="none" rotWithShape="1">
+            <a:gsLst>
+              <a:gs pos="0">
+                <a:srgbClr val="92D050"/>
+              </a:gs>
+              <a:gs pos="100000">
+                <a:schemeClr val="accent1">
+                  <a:tint val="23500"/>
+                  <a:satMod val="160000"/>
+                  <a:alpha val="0"/>
+                </a:schemeClr>
+              </a:gs>
+            </a:gsLst>
+            <a:lin ang="10800000" scaled="1"/>
+            <a:tileRect/>
+          </a:gradFill>
+          <a:ln>
+            <a:noFill/>
+          </a:ln>
+        </p:spPr>
+        <p:style>
+          <a:lnRef idx="2">
+            <a:schemeClr val="accent1">
+              <a:shade val="50000"/>
+            </a:schemeClr>
+          </a:lnRef>
+          <a:fillRef idx="1">
+            <a:schemeClr val="accent1"/>
+          </a:fillRef>
+          <a:effectRef idx="0">
+            <a:schemeClr val="accent1"/>
+          </a:effectRef>
+          <a:fontRef idx="minor">
+            <a:schemeClr val="lt1"/>
+          </a:fontRef>
+        </p:style>
+        <p:txBody>
+          <a:bodyPr rtlCol="0" anchor="ctr"/>
+          <a:lstStyle/>
+          <a:p>
+            <a:pPr algn="ctr"/>
+            <a:endParaRPr lang="fr-FR"/>
+          </a:p>
+        </p:txBody>
+      </p:sp>
+    </p:spTree>
+    <p:extLst>
+      <p:ext uri="{BB962C8B-B14F-4D97-AF65-F5344CB8AC3E}">
+        <p14:creationId xmlns:p14="http://schemas.microsoft.com/office/powerpoint/2010/main" val="1653262598"/>
+      </p:ext>
+    </p:extLst>
+  </p:cSld>
+  <p:clrMapOvr>
+    <a:masterClrMapping/>
+  </p:clrMapOvr>
+  <p:timing>
+    <p:tnLst>
+      <p:par>
+        <p:cTn id="1" dur="indefinite" restart="never" nodeType="tmRoot"/>
+      </p:par>
+    </p:tnLst>
+  </p:timing>
+</p:sld>
+</file>
+
+<file path=ppt/slides/slide19.xml><?xml version="1.0" encoding="utf-8"?>
+<p:sld xmlns:a="http://schemas.openxmlformats.org/drawingml/2006/main" xmlns:r="http://schemas.openxmlformats.org/officeDocument/2006/relationships" xmlns:p="http://schemas.openxmlformats.org/presentationml/2006/main">
+  <p:cSld>
+    <p:spTree>
+      <p:nvGrpSpPr>
+        <p:cNvPr id="1" name=""/>
+        <p:cNvGrpSpPr/>
+        <p:nvPr/>
+      </p:nvGrpSpPr>
+      <p:grpSpPr>
+        <a:xfrm>
+          <a:off x="0" y="0"/>
+          <a:ext cx="0" cy="0"/>
+          <a:chOff x="0" y="0"/>
+          <a:chExt cx="0" cy="0"/>
+        </a:xfrm>
+      </p:grpSpPr>
+      <p:sp>
+        <p:nvSpPr>
+          <p:cNvPr id="2" name="Titre 1"/>
+          <p:cNvSpPr>
+            <a:spLocks noGrp="1"/>
+          </p:cNvSpPr>
+          <p:nvPr>
+            <p:ph type="title"/>
+          </p:nvPr>
+        </p:nvSpPr>
+        <p:spPr>
+          <a:xfrm>
+            <a:off x="713284" y="274638"/>
+            <a:ext cx="7859216" cy="1066130"/>
+          </a:xfrm>
+        </p:spPr>
+        <p:txBody>
+          <a:bodyPr>
+            <a:normAutofit/>
+          </a:bodyPr>
+          <a:lstStyle/>
+          <a:p>
+            <a:pPr algn="r"/>
+            <a:r>
+              <a:rPr lang="fr-FR" sz="4000" b="1" dirty="0" smtClean="0"/>
+              <a:t>Analyse multivariée</a:t>
+            </a:r>
+            <a:endParaRPr lang="fr-FR" sz="3200" dirty="0"/>
+          </a:p>
+        </p:txBody>
+      </p:sp>
+      <p:sp>
+        <p:nvSpPr>
+          <p:cNvPr id="4" name="Espace réservé de la date 3"/>
+          <p:cNvSpPr>
+            <a:spLocks noGrp="1"/>
+          </p:cNvSpPr>
+          <p:nvPr>
+            <p:ph type="dt" sz="half" idx="10"/>
+          </p:nvPr>
+        </p:nvSpPr>
+        <p:spPr/>
+        <p:txBody>
+          <a:bodyPr/>
+          <a:lstStyle/>
+          <a:p>
+            <a:r>
+              <a:rPr lang="fr-FR" smtClean="0"/>
+              <a:t>17/06/2020</a:t>
+            </a:r>
+            <a:endParaRPr lang="fr-FR" dirty="0"/>
+          </a:p>
+        </p:txBody>
+      </p:sp>
+      <p:sp>
+        <p:nvSpPr>
+          <p:cNvPr id="3" name="ZoneTexte 2"/>
+          <p:cNvSpPr txBox="1"/>
+          <p:nvPr/>
+        </p:nvSpPr>
+        <p:spPr>
+          <a:xfrm>
+            <a:off x="4932040" y="1780835"/>
+            <a:ext cx="4938588" cy="3139321"/>
+          </a:xfrm>
+          <a:prstGeom prst="rect">
+            <a:avLst/>
+          </a:prstGeom>
+          <a:noFill/>
+        </p:spPr>
+        <p:txBody>
+          <a:bodyPr wrap="square" rtlCol="0">
+            <a:spAutoFit/>
+          </a:bodyPr>
+          <a:lstStyle/>
+          <a:p>
+            <a:r>
+              <a:rPr lang="fr-FR" b="1" dirty="0" smtClean="0">
+                <a:latin typeface="+mj-lt"/>
+              </a:rPr>
+              <a:t>Contenu </a:t>
+            </a:r>
+            <a:r>
+              <a:rPr lang="fr-FR" dirty="0" smtClean="0"/>
+              <a:t>: score quotidien</a:t>
+            </a:r>
+          </a:p>
+          <a:p>
+            <a:pPr marL="285750" indent="-285750">
+              <a:buFontTx/>
+              <a:buChar char="-"/>
+            </a:pPr>
+            <a:r>
+              <a:rPr lang="fr-FR" dirty="0" smtClean="0">
+                <a:latin typeface="Yu Gothic Light" panose="020B0300000000000000" pitchFamily="34" charset="-128"/>
+                <a:ea typeface="Yu Gothic Light" panose="020B0300000000000000" pitchFamily="34" charset="-128"/>
+              </a:rPr>
+              <a:t>Liste des produits consommés</a:t>
+            </a:r>
+          </a:p>
+          <a:p>
+            <a:pPr marL="285750" indent="-285750">
+              <a:buFontTx/>
+              <a:buChar char="-"/>
+            </a:pPr>
+            <a:r>
+              <a:rPr lang="fr-FR" dirty="0" smtClean="0">
+                <a:latin typeface="Yu Gothic Light" panose="020B0300000000000000" pitchFamily="34" charset="-128"/>
+                <a:ea typeface="Yu Gothic Light" panose="020B0300000000000000" pitchFamily="34" charset="-128"/>
+              </a:rPr>
+              <a:t>Evaluation des apports quotidiens</a:t>
+            </a:r>
+          </a:p>
+          <a:p>
+            <a:endParaRPr lang="fr-FR" dirty="0"/>
+          </a:p>
+          <a:p>
+            <a:r>
+              <a:rPr lang="fr-FR" dirty="0" smtClean="0">
+                <a:latin typeface="+mj-lt"/>
+              </a:rPr>
+              <a:t>Fonction 2 </a:t>
+            </a:r>
+            <a:r>
+              <a:rPr lang="fr-FR" dirty="0" smtClean="0"/>
+              <a:t>: recommandations</a:t>
+            </a:r>
+          </a:p>
+          <a:p>
+            <a:pPr marL="285750" indent="-285750">
+              <a:buFontTx/>
+              <a:buChar char="-"/>
+            </a:pPr>
+            <a:r>
+              <a:rPr lang="fr-FR" dirty="0" smtClean="0">
+                <a:latin typeface="Yu Gothic Light" panose="020B0300000000000000" pitchFamily="34" charset="-128"/>
+                <a:ea typeface="Yu Gothic Light" panose="020B0300000000000000" pitchFamily="34" charset="-128"/>
+              </a:rPr>
+              <a:t>Liste des axes à améliorer</a:t>
+            </a:r>
+          </a:p>
+          <a:p>
+            <a:pPr marL="285750" indent="-285750">
+              <a:buFontTx/>
+              <a:buChar char="-"/>
+            </a:pPr>
+            <a:r>
+              <a:rPr lang="fr-FR" dirty="0" smtClean="0">
+                <a:latin typeface="Yu Gothic Light" panose="020B0300000000000000" pitchFamily="34" charset="-128"/>
+                <a:ea typeface="Yu Gothic Light" panose="020B0300000000000000" pitchFamily="34" charset="-128"/>
+              </a:rPr>
+              <a:t>Navigateur de produit à remplacer</a:t>
+            </a:r>
+          </a:p>
+          <a:p>
+            <a:endParaRPr lang="fr-FR" dirty="0" smtClean="0">
+              <a:latin typeface="Yu Gothic Light" panose="020B0300000000000000" pitchFamily="34" charset="-128"/>
+              <a:ea typeface="Yu Gothic Light" panose="020B0300000000000000" pitchFamily="34" charset="-128"/>
+            </a:endParaRPr>
+          </a:p>
+          <a:p>
+            <a:r>
+              <a:rPr lang="fr-FR" dirty="0">
+                <a:latin typeface="+mj-lt"/>
+              </a:rPr>
+              <a:t>Fonction </a:t>
+            </a:r>
+            <a:r>
+              <a:rPr lang="fr-FR" dirty="0" smtClean="0">
+                <a:latin typeface="+mj-lt"/>
+              </a:rPr>
+              <a:t>3 </a:t>
+            </a:r>
+            <a:r>
+              <a:rPr lang="fr-FR" dirty="0"/>
+              <a:t>: </a:t>
+            </a:r>
+            <a:r>
+              <a:rPr lang="fr-FR" dirty="0" smtClean="0"/>
+              <a:t>statistiques</a:t>
+            </a:r>
+            <a:endParaRPr lang="fr-FR" dirty="0"/>
+          </a:p>
+          <a:p>
+            <a:pPr marL="285750" indent="-285750">
+              <a:buFontTx/>
+              <a:buChar char="-"/>
+            </a:pPr>
+            <a:r>
+              <a:rPr lang="fr-FR" dirty="0" smtClean="0">
+                <a:latin typeface="Yu Gothic Light" panose="020B0300000000000000" pitchFamily="34" charset="-128"/>
+                <a:ea typeface="Yu Gothic Light" panose="020B0300000000000000" pitchFamily="34" charset="-128"/>
+              </a:rPr>
+              <a:t>Archivage des entrées</a:t>
+            </a:r>
+          </a:p>
+          <a:p>
+            <a:pPr marL="285750" indent="-285750">
+              <a:buFontTx/>
+              <a:buChar char="-"/>
+            </a:pPr>
+            <a:r>
+              <a:rPr lang="fr-FR" dirty="0" smtClean="0">
+                <a:latin typeface="Yu Gothic Light" panose="020B0300000000000000" pitchFamily="34" charset="-128"/>
+                <a:ea typeface="Yu Gothic Light" panose="020B0300000000000000" pitchFamily="34" charset="-128"/>
+              </a:rPr>
+              <a:t>Affichage graphique</a:t>
+            </a:r>
+            <a:endParaRPr lang="fr-FR" dirty="0" smtClean="0"/>
+          </a:p>
+        </p:txBody>
+      </p:sp>
+      <p:sp>
+        <p:nvSpPr>
+          <p:cNvPr id="5" name="Espace réservé du pied de page 4"/>
+          <p:cNvSpPr>
+            <a:spLocks noGrp="1"/>
+          </p:cNvSpPr>
+          <p:nvPr>
+            <p:ph type="ftr" sz="quarter" idx="11"/>
+          </p:nvPr>
+        </p:nvSpPr>
+        <p:spPr/>
+        <p:txBody>
+          <a:bodyPr/>
+          <a:lstStyle/>
+          <a:p>
+            <a:r>
+              <a:rPr lang="fr-FR" smtClean="0"/>
+              <a:t>Maryse Muller  |  Parcours Data Scientist</a:t>
+            </a:r>
+            <a:endParaRPr lang="fr-FR" dirty="0"/>
+          </a:p>
+        </p:txBody>
+      </p:sp>
+      <p:sp>
+        <p:nvSpPr>
+          <p:cNvPr id="6" name="Espace réservé du numéro de diapositive 5"/>
+          <p:cNvSpPr>
+            <a:spLocks noGrp="1"/>
+          </p:cNvSpPr>
+          <p:nvPr>
+            <p:ph type="sldNum" sz="quarter" idx="12"/>
+          </p:nvPr>
+        </p:nvSpPr>
+        <p:spPr/>
+        <p:txBody>
+          <a:bodyPr/>
+          <a:lstStyle/>
+          <a:p>
+            <a:fld id="{D384C430-F8FC-4B07-B0BC-750FA1B3CF0A}" type="slidenum">
+              <a:rPr lang="fr-FR" smtClean="0"/>
+              <a:t>19</a:t>
+            </a:fld>
+            <a:endParaRPr lang="fr-FR" dirty="0"/>
+          </a:p>
+        </p:txBody>
+      </p:sp>
+      <p:sp>
+        <p:nvSpPr>
+          <p:cNvPr id="8" name="Rectangle 7"/>
+          <p:cNvSpPr/>
+          <p:nvPr/>
+        </p:nvSpPr>
+        <p:spPr>
+          <a:xfrm>
+            <a:off x="3823854" y="1196959"/>
+            <a:ext cx="4708586" cy="45719"/>
+          </a:xfrm>
+          <a:prstGeom prst="rect">
+            <a:avLst/>
+          </a:prstGeom>
+          <a:gradFill flip="none" rotWithShape="1">
+            <a:gsLst>
+              <a:gs pos="0">
+                <a:srgbClr val="92D050"/>
+              </a:gs>
+              <a:gs pos="100000">
+                <a:schemeClr val="accent1">
+                  <a:tint val="23500"/>
+                  <a:satMod val="160000"/>
+                  <a:alpha val="0"/>
+                </a:schemeClr>
+              </a:gs>
+            </a:gsLst>
+            <a:lin ang="10800000" scaled="1"/>
+            <a:tileRect/>
+          </a:gradFill>
+          <a:ln>
+            <a:noFill/>
+          </a:ln>
+        </p:spPr>
+        <p:style>
+          <a:lnRef idx="2">
+            <a:schemeClr val="accent1">
+              <a:shade val="50000"/>
+            </a:schemeClr>
+          </a:lnRef>
+          <a:fillRef idx="1">
+            <a:schemeClr val="accent1"/>
+          </a:fillRef>
+          <a:effectRef idx="0">
+            <a:schemeClr val="accent1"/>
+          </a:effectRef>
+          <a:fontRef idx="minor">
+            <a:schemeClr val="lt1"/>
+          </a:fontRef>
+        </p:style>
+        <p:txBody>
+          <a:bodyPr rtlCol="0" anchor="ctr"/>
+          <a:lstStyle/>
+          <a:p>
+            <a:pPr algn="ctr"/>
+            <a:endParaRPr lang="fr-FR"/>
+          </a:p>
+        </p:txBody>
+      </p:sp>
+    </p:spTree>
+    <p:extLst>
+      <p:ext uri="{BB962C8B-B14F-4D97-AF65-F5344CB8AC3E}">
+        <p14:creationId xmlns:p14="http://schemas.microsoft.com/office/powerpoint/2010/main" val="578821450"/>
       </p:ext>
     </p:extLst>
   </p:cSld>
@@ -9723,6 +8880,3006 @@
     <p:extLst>
       <p:ext uri="{BB962C8B-B14F-4D97-AF65-F5344CB8AC3E}">
         <p14:creationId xmlns:p14="http://schemas.microsoft.com/office/powerpoint/2010/main" val="3280440723"/>
+      </p:ext>
+    </p:extLst>
+  </p:cSld>
+  <p:clrMapOvr>
+    <a:masterClrMapping/>
+  </p:clrMapOvr>
+  <p:timing>
+    <p:tnLst>
+      <p:par>
+        <p:cTn id="1" dur="indefinite" restart="never" nodeType="tmRoot"/>
+      </p:par>
+    </p:tnLst>
+  </p:timing>
+</p:sld>
+</file>
+
+<file path=ppt/slides/slide20.xml><?xml version="1.0" encoding="utf-8"?>
+<p:sld xmlns:a="http://schemas.openxmlformats.org/drawingml/2006/main" xmlns:r="http://schemas.openxmlformats.org/officeDocument/2006/relationships" xmlns:p="http://schemas.openxmlformats.org/presentationml/2006/main">
+  <p:cSld>
+    <p:spTree>
+      <p:nvGrpSpPr>
+        <p:cNvPr id="1" name=""/>
+        <p:cNvGrpSpPr/>
+        <p:nvPr/>
+      </p:nvGrpSpPr>
+      <p:grpSpPr>
+        <a:xfrm>
+          <a:off x="0" y="0"/>
+          <a:ext cx="0" cy="0"/>
+          <a:chOff x="0" y="0"/>
+          <a:chExt cx="0" cy="0"/>
+        </a:xfrm>
+      </p:grpSpPr>
+      <p:sp>
+        <p:nvSpPr>
+          <p:cNvPr id="2" name="Titre 1"/>
+          <p:cNvSpPr>
+            <a:spLocks noGrp="1"/>
+          </p:cNvSpPr>
+          <p:nvPr>
+            <p:ph type="title"/>
+          </p:nvPr>
+        </p:nvSpPr>
+        <p:spPr>
+          <a:xfrm>
+            <a:off x="713284" y="274638"/>
+            <a:ext cx="7859216" cy="1066130"/>
+          </a:xfrm>
+        </p:spPr>
+        <p:txBody>
+          <a:bodyPr>
+            <a:normAutofit/>
+          </a:bodyPr>
+          <a:lstStyle/>
+          <a:p>
+            <a:pPr algn="r"/>
+            <a:r>
+              <a:rPr lang="fr-FR" sz="4000" b="1" dirty="0" smtClean="0"/>
+              <a:t>Analyse multivariée</a:t>
+            </a:r>
+            <a:endParaRPr lang="fr-FR" sz="3200" dirty="0"/>
+          </a:p>
+        </p:txBody>
+      </p:sp>
+      <p:sp>
+        <p:nvSpPr>
+          <p:cNvPr id="4" name="Espace réservé de la date 3"/>
+          <p:cNvSpPr>
+            <a:spLocks noGrp="1"/>
+          </p:cNvSpPr>
+          <p:nvPr>
+            <p:ph type="dt" sz="half" idx="10"/>
+          </p:nvPr>
+        </p:nvSpPr>
+        <p:spPr/>
+        <p:txBody>
+          <a:bodyPr/>
+          <a:lstStyle/>
+          <a:p>
+            <a:r>
+              <a:rPr lang="fr-FR" smtClean="0"/>
+              <a:t>17/06/2020</a:t>
+            </a:r>
+            <a:endParaRPr lang="fr-FR" dirty="0"/>
+          </a:p>
+        </p:txBody>
+      </p:sp>
+      <p:sp>
+        <p:nvSpPr>
+          <p:cNvPr id="3" name="ZoneTexte 2"/>
+          <p:cNvSpPr txBox="1"/>
+          <p:nvPr/>
+        </p:nvSpPr>
+        <p:spPr>
+          <a:xfrm>
+            <a:off x="4932040" y="1780835"/>
+            <a:ext cx="4938588" cy="3139321"/>
+          </a:xfrm>
+          <a:prstGeom prst="rect">
+            <a:avLst/>
+          </a:prstGeom>
+          <a:noFill/>
+        </p:spPr>
+        <p:txBody>
+          <a:bodyPr wrap="square" rtlCol="0">
+            <a:spAutoFit/>
+          </a:bodyPr>
+          <a:lstStyle/>
+          <a:p>
+            <a:r>
+              <a:rPr lang="fr-FR" b="1" dirty="0" smtClean="0">
+                <a:latin typeface="+mj-lt"/>
+              </a:rPr>
+              <a:t>Contenu </a:t>
+            </a:r>
+            <a:r>
+              <a:rPr lang="fr-FR" dirty="0" smtClean="0"/>
+              <a:t>: score quotidien</a:t>
+            </a:r>
+          </a:p>
+          <a:p>
+            <a:pPr marL="285750" indent="-285750">
+              <a:buFontTx/>
+              <a:buChar char="-"/>
+            </a:pPr>
+            <a:r>
+              <a:rPr lang="fr-FR" dirty="0" smtClean="0">
+                <a:latin typeface="Yu Gothic Light" panose="020B0300000000000000" pitchFamily="34" charset="-128"/>
+                <a:ea typeface="Yu Gothic Light" panose="020B0300000000000000" pitchFamily="34" charset="-128"/>
+              </a:rPr>
+              <a:t>Liste des produits consommés</a:t>
+            </a:r>
+          </a:p>
+          <a:p>
+            <a:pPr marL="285750" indent="-285750">
+              <a:buFontTx/>
+              <a:buChar char="-"/>
+            </a:pPr>
+            <a:r>
+              <a:rPr lang="fr-FR" dirty="0" smtClean="0">
+                <a:latin typeface="Yu Gothic Light" panose="020B0300000000000000" pitchFamily="34" charset="-128"/>
+                <a:ea typeface="Yu Gothic Light" panose="020B0300000000000000" pitchFamily="34" charset="-128"/>
+              </a:rPr>
+              <a:t>Evaluation des apports quotidiens</a:t>
+            </a:r>
+          </a:p>
+          <a:p>
+            <a:endParaRPr lang="fr-FR" dirty="0"/>
+          </a:p>
+          <a:p>
+            <a:r>
+              <a:rPr lang="fr-FR" dirty="0" smtClean="0">
+                <a:latin typeface="+mj-lt"/>
+              </a:rPr>
+              <a:t>Fonction 2 </a:t>
+            </a:r>
+            <a:r>
+              <a:rPr lang="fr-FR" dirty="0" smtClean="0"/>
+              <a:t>: recommandations</a:t>
+            </a:r>
+          </a:p>
+          <a:p>
+            <a:pPr marL="285750" indent="-285750">
+              <a:buFontTx/>
+              <a:buChar char="-"/>
+            </a:pPr>
+            <a:r>
+              <a:rPr lang="fr-FR" dirty="0" smtClean="0">
+                <a:latin typeface="Yu Gothic Light" panose="020B0300000000000000" pitchFamily="34" charset="-128"/>
+                <a:ea typeface="Yu Gothic Light" panose="020B0300000000000000" pitchFamily="34" charset="-128"/>
+              </a:rPr>
+              <a:t>Liste des axes à améliorer</a:t>
+            </a:r>
+          </a:p>
+          <a:p>
+            <a:pPr marL="285750" indent="-285750">
+              <a:buFontTx/>
+              <a:buChar char="-"/>
+            </a:pPr>
+            <a:r>
+              <a:rPr lang="fr-FR" dirty="0" smtClean="0">
+                <a:latin typeface="Yu Gothic Light" panose="020B0300000000000000" pitchFamily="34" charset="-128"/>
+                <a:ea typeface="Yu Gothic Light" panose="020B0300000000000000" pitchFamily="34" charset="-128"/>
+              </a:rPr>
+              <a:t>Navigateur de produit à remplacer</a:t>
+            </a:r>
+          </a:p>
+          <a:p>
+            <a:endParaRPr lang="fr-FR" dirty="0" smtClean="0">
+              <a:latin typeface="Yu Gothic Light" panose="020B0300000000000000" pitchFamily="34" charset="-128"/>
+              <a:ea typeface="Yu Gothic Light" panose="020B0300000000000000" pitchFamily="34" charset="-128"/>
+            </a:endParaRPr>
+          </a:p>
+          <a:p>
+            <a:r>
+              <a:rPr lang="fr-FR" dirty="0">
+                <a:latin typeface="+mj-lt"/>
+              </a:rPr>
+              <a:t>Fonction </a:t>
+            </a:r>
+            <a:r>
+              <a:rPr lang="fr-FR" dirty="0" smtClean="0">
+                <a:latin typeface="+mj-lt"/>
+              </a:rPr>
+              <a:t>3 </a:t>
+            </a:r>
+            <a:r>
+              <a:rPr lang="fr-FR" dirty="0"/>
+              <a:t>: </a:t>
+            </a:r>
+            <a:r>
+              <a:rPr lang="fr-FR" dirty="0" smtClean="0"/>
+              <a:t>statistiques</a:t>
+            </a:r>
+            <a:endParaRPr lang="fr-FR" dirty="0"/>
+          </a:p>
+          <a:p>
+            <a:pPr marL="285750" indent="-285750">
+              <a:buFontTx/>
+              <a:buChar char="-"/>
+            </a:pPr>
+            <a:r>
+              <a:rPr lang="fr-FR" dirty="0" smtClean="0">
+                <a:latin typeface="Yu Gothic Light" panose="020B0300000000000000" pitchFamily="34" charset="-128"/>
+                <a:ea typeface="Yu Gothic Light" panose="020B0300000000000000" pitchFamily="34" charset="-128"/>
+              </a:rPr>
+              <a:t>Archivage des entrées</a:t>
+            </a:r>
+          </a:p>
+          <a:p>
+            <a:pPr marL="285750" indent="-285750">
+              <a:buFontTx/>
+              <a:buChar char="-"/>
+            </a:pPr>
+            <a:r>
+              <a:rPr lang="fr-FR" dirty="0" smtClean="0">
+                <a:latin typeface="Yu Gothic Light" panose="020B0300000000000000" pitchFamily="34" charset="-128"/>
+                <a:ea typeface="Yu Gothic Light" panose="020B0300000000000000" pitchFamily="34" charset="-128"/>
+              </a:rPr>
+              <a:t>Affichage graphique</a:t>
+            </a:r>
+            <a:endParaRPr lang="fr-FR" dirty="0" smtClean="0"/>
+          </a:p>
+        </p:txBody>
+      </p:sp>
+      <p:sp>
+        <p:nvSpPr>
+          <p:cNvPr id="5" name="Espace réservé du pied de page 4"/>
+          <p:cNvSpPr>
+            <a:spLocks noGrp="1"/>
+          </p:cNvSpPr>
+          <p:nvPr>
+            <p:ph type="ftr" sz="quarter" idx="11"/>
+          </p:nvPr>
+        </p:nvSpPr>
+        <p:spPr/>
+        <p:txBody>
+          <a:bodyPr/>
+          <a:lstStyle/>
+          <a:p>
+            <a:r>
+              <a:rPr lang="fr-FR" smtClean="0"/>
+              <a:t>Maryse Muller  |  Parcours Data Scientist</a:t>
+            </a:r>
+            <a:endParaRPr lang="fr-FR" dirty="0"/>
+          </a:p>
+        </p:txBody>
+      </p:sp>
+      <p:sp>
+        <p:nvSpPr>
+          <p:cNvPr id="6" name="Espace réservé du numéro de diapositive 5"/>
+          <p:cNvSpPr>
+            <a:spLocks noGrp="1"/>
+          </p:cNvSpPr>
+          <p:nvPr>
+            <p:ph type="sldNum" sz="quarter" idx="12"/>
+          </p:nvPr>
+        </p:nvSpPr>
+        <p:spPr/>
+        <p:txBody>
+          <a:bodyPr/>
+          <a:lstStyle/>
+          <a:p>
+            <a:fld id="{D384C430-F8FC-4B07-B0BC-750FA1B3CF0A}" type="slidenum">
+              <a:rPr lang="fr-FR" smtClean="0"/>
+              <a:t>20</a:t>
+            </a:fld>
+            <a:endParaRPr lang="fr-FR" dirty="0"/>
+          </a:p>
+        </p:txBody>
+      </p:sp>
+      <p:sp>
+        <p:nvSpPr>
+          <p:cNvPr id="8" name="Rectangle 7"/>
+          <p:cNvSpPr/>
+          <p:nvPr/>
+        </p:nvSpPr>
+        <p:spPr>
+          <a:xfrm>
+            <a:off x="3823854" y="1196959"/>
+            <a:ext cx="4708586" cy="45719"/>
+          </a:xfrm>
+          <a:prstGeom prst="rect">
+            <a:avLst/>
+          </a:prstGeom>
+          <a:gradFill flip="none" rotWithShape="1">
+            <a:gsLst>
+              <a:gs pos="0">
+                <a:srgbClr val="92D050"/>
+              </a:gs>
+              <a:gs pos="100000">
+                <a:schemeClr val="accent1">
+                  <a:tint val="23500"/>
+                  <a:satMod val="160000"/>
+                  <a:alpha val="0"/>
+                </a:schemeClr>
+              </a:gs>
+            </a:gsLst>
+            <a:lin ang="10800000" scaled="1"/>
+            <a:tileRect/>
+          </a:gradFill>
+          <a:ln>
+            <a:noFill/>
+          </a:ln>
+        </p:spPr>
+        <p:style>
+          <a:lnRef idx="2">
+            <a:schemeClr val="accent1">
+              <a:shade val="50000"/>
+            </a:schemeClr>
+          </a:lnRef>
+          <a:fillRef idx="1">
+            <a:schemeClr val="accent1"/>
+          </a:fillRef>
+          <a:effectRef idx="0">
+            <a:schemeClr val="accent1"/>
+          </a:effectRef>
+          <a:fontRef idx="minor">
+            <a:schemeClr val="lt1"/>
+          </a:fontRef>
+        </p:style>
+        <p:txBody>
+          <a:bodyPr rtlCol="0" anchor="ctr"/>
+          <a:lstStyle/>
+          <a:p>
+            <a:pPr algn="ctr"/>
+            <a:endParaRPr lang="fr-FR"/>
+          </a:p>
+        </p:txBody>
+      </p:sp>
+    </p:spTree>
+    <p:extLst>
+      <p:ext uri="{BB962C8B-B14F-4D97-AF65-F5344CB8AC3E}">
+        <p14:creationId xmlns:p14="http://schemas.microsoft.com/office/powerpoint/2010/main" val="369241852"/>
+      </p:ext>
+    </p:extLst>
+  </p:cSld>
+  <p:clrMapOvr>
+    <a:masterClrMapping/>
+  </p:clrMapOvr>
+  <p:timing>
+    <p:tnLst>
+      <p:par>
+        <p:cTn id="1" dur="indefinite" restart="never" nodeType="tmRoot"/>
+      </p:par>
+    </p:tnLst>
+  </p:timing>
+</p:sld>
+</file>
+
+<file path=ppt/slides/slide21.xml><?xml version="1.0" encoding="utf-8"?>
+<p:sld xmlns:a="http://schemas.openxmlformats.org/drawingml/2006/main" xmlns:r="http://schemas.openxmlformats.org/officeDocument/2006/relationships" xmlns:p="http://schemas.openxmlformats.org/presentationml/2006/main">
+  <p:cSld>
+    <p:spTree>
+      <p:nvGrpSpPr>
+        <p:cNvPr id="1" name=""/>
+        <p:cNvGrpSpPr/>
+        <p:nvPr/>
+      </p:nvGrpSpPr>
+      <p:grpSpPr>
+        <a:xfrm>
+          <a:off x="0" y="0"/>
+          <a:ext cx="0" cy="0"/>
+          <a:chOff x="0" y="0"/>
+          <a:chExt cx="0" cy="0"/>
+        </a:xfrm>
+      </p:grpSpPr>
+      <p:sp>
+        <p:nvSpPr>
+          <p:cNvPr id="2" name="Titre 1"/>
+          <p:cNvSpPr>
+            <a:spLocks noGrp="1"/>
+          </p:cNvSpPr>
+          <p:nvPr>
+            <p:ph type="title"/>
+          </p:nvPr>
+        </p:nvSpPr>
+        <p:spPr>
+          <a:xfrm>
+            <a:off x="1081708" y="274638"/>
+            <a:ext cx="7488832" cy="1066130"/>
+          </a:xfrm>
+        </p:spPr>
+        <p:txBody>
+          <a:bodyPr>
+            <a:normAutofit/>
+          </a:bodyPr>
+          <a:lstStyle/>
+          <a:p>
+            <a:pPr algn="r"/>
+            <a:r>
+              <a:rPr lang="fr-FR" sz="4000" b="1" dirty="0" smtClean="0"/>
+              <a:t>Conclusions</a:t>
+            </a:r>
+            <a:endParaRPr lang="fr-FR" sz="3200" dirty="0"/>
+          </a:p>
+        </p:txBody>
+      </p:sp>
+      <p:sp>
+        <p:nvSpPr>
+          <p:cNvPr id="4" name="Espace réservé de la date 3"/>
+          <p:cNvSpPr>
+            <a:spLocks noGrp="1"/>
+          </p:cNvSpPr>
+          <p:nvPr>
+            <p:ph type="dt" sz="half" idx="10"/>
+          </p:nvPr>
+        </p:nvSpPr>
+        <p:spPr/>
+        <p:txBody>
+          <a:bodyPr/>
+          <a:lstStyle/>
+          <a:p>
+            <a:r>
+              <a:rPr lang="fr-FR" smtClean="0"/>
+              <a:t>17/06/2020</a:t>
+            </a:r>
+            <a:endParaRPr lang="fr-FR" dirty="0"/>
+          </a:p>
+        </p:txBody>
+      </p:sp>
+      <p:sp>
+        <p:nvSpPr>
+          <p:cNvPr id="5" name="Espace réservé du pied de page 4"/>
+          <p:cNvSpPr>
+            <a:spLocks noGrp="1"/>
+          </p:cNvSpPr>
+          <p:nvPr>
+            <p:ph type="ftr" sz="quarter" idx="11"/>
+          </p:nvPr>
+        </p:nvSpPr>
+        <p:spPr/>
+        <p:txBody>
+          <a:bodyPr/>
+          <a:lstStyle/>
+          <a:p>
+            <a:r>
+              <a:rPr lang="fr-FR" smtClean="0"/>
+              <a:t>Maryse Muller  |  Parcours Data Scientist</a:t>
+            </a:r>
+            <a:endParaRPr lang="fr-FR" dirty="0"/>
+          </a:p>
+        </p:txBody>
+      </p:sp>
+      <p:sp>
+        <p:nvSpPr>
+          <p:cNvPr id="6" name="Espace réservé du numéro de diapositive 5"/>
+          <p:cNvSpPr>
+            <a:spLocks noGrp="1"/>
+          </p:cNvSpPr>
+          <p:nvPr>
+            <p:ph type="sldNum" sz="quarter" idx="12"/>
+          </p:nvPr>
+        </p:nvSpPr>
+        <p:spPr/>
+        <p:txBody>
+          <a:bodyPr/>
+          <a:lstStyle/>
+          <a:p>
+            <a:fld id="{D384C430-F8FC-4B07-B0BC-750FA1B3CF0A}" type="slidenum">
+              <a:rPr lang="fr-FR" smtClean="0"/>
+              <a:t>21</a:t>
+            </a:fld>
+            <a:endParaRPr lang="fr-FR" dirty="0"/>
+          </a:p>
+        </p:txBody>
+      </p:sp>
+      <p:sp>
+        <p:nvSpPr>
+          <p:cNvPr id="54" name="Rectangle 53"/>
+          <p:cNvSpPr/>
+          <p:nvPr/>
+        </p:nvSpPr>
+        <p:spPr>
+          <a:xfrm>
+            <a:off x="3823854" y="1196959"/>
+            <a:ext cx="4708586" cy="45719"/>
+          </a:xfrm>
+          <a:prstGeom prst="rect">
+            <a:avLst/>
+          </a:prstGeom>
+          <a:gradFill flip="none" rotWithShape="1">
+            <a:gsLst>
+              <a:gs pos="0">
+                <a:srgbClr val="0070C0"/>
+              </a:gs>
+              <a:gs pos="100000">
+                <a:schemeClr val="accent1">
+                  <a:tint val="23500"/>
+                  <a:satMod val="160000"/>
+                  <a:alpha val="0"/>
+                </a:schemeClr>
+              </a:gs>
+            </a:gsLst>
+            <a:lin ang="10800000" scaled="1"/>
+            <a:tileRect/>
+          </a:gradFill>
+          <a:ln>
+            <a:noFill/>
+          </a:ln>
+        </p:spPr>
+        <p:style>
+          <a:lnRef idx="2">
+            <a:schemeClr val="accent1">
+              <a:shade val="50000"/>
+            </a:schemeClr>
+          </a:lnRef>
+          <a:fillRef idx="1">
+            <a:schemeClr val="accent1"/>
+          </a:fillRef>
+          <a:effectRef idx="0">
+            <a:schemeClr val="accent1"/>
+          </a:effectRef>
+          <a:fontRef idx="minor">
+            <a:schemeClr val="lt1"/>
+          </a:fontRef>
+        </p:style>
+        <p:txBody>
+          <a:bodyPr rtlCol="0" anchor="ctr"/>
+          <a:lstStyle/>
+          <a:p>
+            <a:pPr algn="ctr"/>
+            <a:endParaRPr lang="fr-FR"/>
+          </a:p>
+        </p:txBody>
+      </p:sp>
+      <p:sp>
+        <p:nvSpPr>
+          <p:cNvPr id="21" name="ZoneTexte 20"/>
+          <p:cNvSpPr txBox="1"/>
+          <p:nvPr/>
+        </p:nvSpPr>
+        <p:spPr>
+          <a:xfrm>
+            <a:off x="4212908" y="1844823"/>
+            <a:ext cx="4535555" cy="3693319"/>
+          </a:xfrm>
+          <a:prstGeom prst="rect">
+            <a:avLst/>
+          </a:prstGeom>
+          <a:noFill/>
+        </p:spPr>
+        <p:txBody>
+          <a:bodyPr wrap="square" rtlCol="0">
+            <a:spAutoFit/>
+          </a:bodyPr>
+          <a:lstStyle/>
+          <a:p>
+            <a:r>
+              <a:rPr lang="fr-FR" b="1" dirty="0" smtClean="0"/>
+              <a:t>La base de donnée nettoyée</a:t>
+            </a:r>
+          </a:p>
+          <a:p>
+            <a:endParaRPr lang="fr-FR" dirty="0" smtClean="0"/>
+          </a:p>
+          <a:p>
+            <a:pPr marL="285750" indent="-285750">
+              <a:buFontTx/>
+              <a:buChar char="-"/>
+            </a:pPr>
+            <a:r>
+              <a:rPr lang="fr-FR" dirty="0" smtClean="0">
+                <a:latin typeface="Yu Gothic Light" panose="020B0300000000000000" pitchFamily="34" charset="-128"/>
+                <a:ea typeface="Yu Gothic Light" panose="020B0300000000000000" pitchFamily="34" charset="-128"/>
+              </a:rPr>
+              <a:t>560 000 produits différents</a:t>
+            </a:r>
+          </a:p>
+          <a:p>
+            <a:pPr marL="285750" indent="-285750">
+              <a:buFontTx/>
+              <a:buChar char="-"/>
+            </a:pPr>
+            <a:r>
+              <a:rPr lang="fr-FR" dirty="0" smtClean="0">
+                <a:latin typeface="Yu Gothic Light" panose="020B0300000000000000" pitchFamily="34" charset="-128"/>
+                <a:ea typeface="Yu Gothic Light" panose="020B0300000000000000" pitchFamily="34" charset="-128"/>
+              </a:rPr>
+              <a:t>6 variables quantitatives principales</a:t>
+            </a:r>
+          </a:p>
+          <a:p>
+            <a:pPr marL="285750" indent="-285750">
+              <a:buFontTx/>
+              <a:buChar char="-"/>
+            </a:pPr>
+            <a:endParaRPr lang="fr-FR" dirty="0">
+              <a:latin typeface="Yu Gothic Light" panose="020B0300000000000000" pitchFamily="34" charset="-128"/>
+              <a:ea typeface="Yu Gothic Light" panose="020B0300000000000000" pitchFamily="34" charset="-128"/>
+            </a:endParaRPr>
+          </a:p>
+          <a:p>
+            <a:r>
+              <a:rPr lang="fr-FR" b="1" dirty="0" smtClean="0"/>
+              <a:t>Les liens entre les variables</a:t>
+            </a:r>
+            <a:endParaRPr lang="fr-FR" b="1" dirty="0"/>
+          </a:p>
+          <a:p>
+            <a:endParaRPr lang="fr-FR" dirty="0"/>
+          </a:p>
+          <a:p>
+            <a:pPr marL="285750" indent="-285750">
+              <a:buFontTx/>
+              <a:buChar char="-"/>
+            </a:pPr>
+            <a:endParaRPr lang="fr-FR" dirty="0" smtClean="0"/>
+          </a:p>
+          <a:p>
+            <a:r>
+              <a:rPr lang="fr-FR" b="1" dirty="0" smtClean="0"/>
+              <a:t>Ajustements du projet</a:t>
+            </a:r>
+            <a:endParaRPr lang="fr-FR" b="1" dirty="0"/>
+          </a:p>
+          <a:p>
+            <a:endParaRPr lang="fr-FR" dirty="0"/>
+          </a:p>
+          <a:p>
+            <a:pPr marL="285750" indent="-285750">
+              <a:buFontTx/>
+              <a:buChar char="-"/>
+            </a:pPr>
+            <a:r>
+              <a:rPr lang="fr-FR" dirty="0">
+                <a:latin typeface="Yu Gothic Light" panose="020B0300000000000000" pitchFamily="34" charset="-128"/>
+                <a:ea typeface="Yu Gothic Light" panose="020B0300000000000000" pitchFamily="34" charset="-128"/>
+              </a:rPr>
+              <a:t>125</a:t>
+            </a:r>
+          </a:p>
+          <a:p>
+            <a:pPr marL="285750" indent="-285750">
+              <a:buFontTx/>
+              <a:buChar char="-"/>
+            </a:pPr>
+            <a:endParaRPr lang="fr-FR" dirty="0" smtClean="0"/>
+          </a:p>
+          <a:p>
+            <a:endParaRPr lang="fr-FR" dirty="0"/>
+          </a:p>
+        </p:txBody>
+      </p:sp>
+      <p:grpSp>
+        <p:nvGrpSpPr>
+          <p:cNvPr id="10" name="Groupe 9"/>
+          <p:cNvGrpSpPr/>
+          <p:nvPr/>
+        </p:nvGrpSpPr>
+        <p:grpSpPr>
+          <a:xfrm>
+            <a:off x="251521" y="1628801"/>
+            <a:ext cx="3744414" cy="4464495"/>
+            <a:chOff x="251521" y="1628801"/>
+            <a:chExt cx="3744414" cy="4464495"/>
+          </a:xfrm>
+        </p:grpSpPr>
+        <p:sp>
+          <p:nvSpPr>
+            <p:cNvPr id="19" name="Rectangle à coins arrondis 18"/>
+            <p:cNvSpPr/>
+            <p:nvPr/>
+          </p:nvSpPr>
+          <p:spPr>
+            <a:xfrm>
+              <a:off x="251521" y="1628801"/>
+              <a:ext cx="3572334" cy="4464495"/>
+            </a:xfrm>
+            <a:prstGeom prst="roundRect">
+              <a:avLst/>
+            </a:prstGeom>
+            <a:solidFill>
+              <a:schemeClr val="bg1"/>
+            </a:solidFill>
+            <a:ln>
+              <a:solidFill>
+                <a:schemeClr val="bg1">
+                  <a:lumMod val="65000"/>
+                </a:schemeClr>
+              </a:solidFill>
+            </a:ln>
+          </p:spPr>
+          <p:style>
+            <a:lnRef idx="2">
+              <a:schemeClr val="accent1">
+                <a:shade val="50000"/>
+              </a:schemeClr>
+            </a:lnRef>
+            <a:fillRef idx="1">
+              <a:schemeClr val="accent1"/>
+            </a:fillRef>
+            <a:effectRef idx="0">
+              <a:schemeClr val="accent1"/>
+            </a:effectRef>
+            <a:fontRef idx="minor">
+              <a:schemeClr val="lt1"/>
+            </a:fontRef>
+          </p:style>
+          <p:txBody>
+            <a:bodyPr rtlCol="0" anchor="ctr"/>
+            <a:lstStyle/>
+            <a:p>
+              <a:pPr algn="ctr"/>
+              <a:endParaRPr lang="fr-FR" dirty="0"/>
+            </a:p>
+          </p:txBody>
+        </p:sp>
+        <p:sp>
+          <p:nvSpPr>
+            <p:cNvPr id="3" name="ZoneTexte 2"/>
+            <p:cNvSpPr txBox="1"/>
+            <p:nvPr/>
+          </p:nvSpPr>
+          <p:spPr>
+            <a:xfrm>
+              <a:off x="467544" y="1844824"/>
+              <a:ext cx="3528391" cy="3970318"/>
+            </a:xfrm>
+            <a:prstGeom prst="rect">
+              <a:avLst/>
+            </a:prstGeom>
+            <a:noFill/>
+          </p:spPr>
+          <p:txBody>
+            <a:bodyPr wrap="square" rtlCol="0">
+              <a:spAutoFit/>
+            </a:bodyPr>
+            <a:lstStyle/>
+            <a:p>
+              <a:r>
+                <a:rPr lang="fr-FR" sz="2000" b="1" dirty="0" smtClean="0">
+                  <a:latin typeface="Yu Gothic Medium" panose="020B0500000000000000" pitchFamily="34" charset="-128"/>
+                  <a:ea typeface="Yu Gothic Medium" panose="020B0500000000000000" pitchFamily="34" charset="-128"/>
+                </a:rPr>
+                <a:t>Cahier des charges</a:t>
+              </a:r>
+            </a:p>
+            <a:p>
+              <a:endParaRPr lang="fr-FR" b="1" dirty="0" smtClean="0">
+                <a:latin typeface="+mj-lt"/>
+              </a:endParaRPr>
+            </a:p>
+            <a:p>
+              <a:r>
+                <a:rPr lang="fr-FR" dirty="0" smtClean="0"/>
+                <a:t>Une base de donnée propre</a:t>
+              </a:r>
+            </a:p>
+            <a:p>
+              <a:endParaRPr lang="fr-FR" dirty="0" smtClean="0"/>
+            </a:p>
+            <a:p>
+              <a:pPr marL="285750" indent="-285750">
+                <a:buFont typeface="Wingdings" panose="05000000000000000000" pitchFamily="2" charset="2"/>
+                <a:buChar char="q"/>
+              </a:pPr>
+              <a:r>
+                <a:rPr lang="fr-FR" dirty="0" smtClean="0">
+                  <a:latin typeface="Yu Gothic Light" panose="020B0300000000000000" pitchFamily="34" charset="-128"/>
+                  <a:ea typeface="Yu Gothic Light" panose="020B0300000000000000" pitchFamily="34" charset="-128"/>
+                </a:rPr>
+                <a:t>sans valeurs aberrantes</a:t>
+              </a:r>
+            </a:p>
+            <a:p>
+              <a:pPr marL="285750" indent="-285750">
+                <a:buFont typeface="Wingdings" panose="05000000000000000000" pitchFamily="2" charset="2"/>
+                <a:buChar char="q"/>
+              </a:pPr>
+              <a:r>
+                <a:rPr lang="fr-FR" dirty="0" smtClean="0">
+                  <a:latin typeface="Yu Gothic Light" panose="020B0300000000000000" pitchFamily="34" charset="-128"/>
+                  <a:ea typeface="Yu Gothic Light" panose="020B0300000000000000" pitchFamily="34" charset="-128"/>
+                </a:rPr>
+                <a:t>sans doublons</a:t>
+              </a:r>
+            </a:p>
+            <a:p>
+              <a:pPr marL="285750" indent="-285750">
+                <a:buFont typeface="Wingdings" panose="05000000000000000000" pitchFamily="2" charset="2"/>
+                <a:buChar char="q"/>
+              </a:pPr>
+              <a:r>
+                <a:rPr lang="fr-FR" dirty="0">
+                  <a:latin typeface="Yu Gothic Light" panose="020B0300000000000000" pitchFamily="34" charset="-128"/>
+                  <a:ea typeface="Yu Gothic Light" panose="020B0300000000000000" pitchFamily="34" charset="-128"/>
+                </a:rPr>
+                <a:t>s</a:t>
+              </a:r>
+              <a:r>
+                <a:rPr lang="fr-FR" dirty="0" smtClean="0">
+                  <a:latin typeface="Yu Gothic Light" panose="020B0300000000000000" pitchFamily="34" charset="-128"/>
+                  <a:ea typeface="Yu Gothic Light" panose="020B0300000000000000" pitchFamily="34" charset="-128"/>
+                </a:rPr>
+                <a:t>ans valeurs manquantes</a:t>
+              </a:r>
+            </a:p>
+            <a:p>
+              <a:endParaRPr lang="fr-FR" dirty="0" smtClean="0"/>
+            </a:p>
+            <a:p>
+              <a:endParaRPr lang="fr-FR" dirty="0"/>
+            </a:p>
+            <a:p>
+              <a:r>
+                <a:rPr lang="fr-FR" dirty="0" smtClean="0"/>
+                <a:t>Un contenu adapté</a:t>
+              </a:r>
+            </a:p>
+            <a:p>
+              <a:endParaRPr lang="fr-FR" dirty="0" smtClean="0">
+                <a:latin typeface="+mj-lt"/>
+              </a:endParaRPr>
+            </a:p>
+            <a:p>
+              <a:pPr marL="285750" indent="-285750">
+                <a:buFont typeface="Wingdings" panose="05000000000000000000" pitchFamily="2" charset="2"/>
+                <a:buChar char="q"/>
+              </a:pPr>
+              <a:r>
+                <a:rPr lang="fr-FR" dirty="0">
+                  <a:latin typeface="Yu Gothic Light" panose="020B0300000000000000" pitchFamily="34" charset="-128"/>
+                  <a:ea typeface="Yu Gothic Light" panose="020B0300000000000000" pitchFamily="34" charset="-128"/>
+                </a:rPr>
+                <a:t>d</a:t>
+              </a:r>
+              <a:r>
+                <a:rPr lang="fr-FR" dirty="0" smtClean="0">
+                  <a:latin typeface="Yu Gothic Light" panose="020B0300000000000000" pitchFamily="34" charset="-128"/>
+                  <a:ea typeface="Yu Gothic Light" panose="020B0300000000000000" pitchFamily="34" charset="-128"/>
+                </a:rPr>
+                <a:t>es produits identifiables</a:t>
+              </a:r>
+            </a:p>
+            <a:p>
+              <a:pPr marL="285750" indent="-285750">
+                <a:buFont typeface="Wingdings" panose="05000000000000000000" pitchFamily="2" charset="2"/>
+                <a:buChar char="q"/>
+              </a:pPr>
+              <a:r>
+                <a:rPr lang="fr-FR" dirty="0" smtClean="0">
+                  <a:latin typeface="Yu Gothic Light" panose="020B0300000000000000" pitchFamily="34" charset="-128"/>
+                  <a:ea typeface="Yu Gothic Light" panose="020B0300000000000000" pitchFamily="34" charset="-128"/>
+                </a:rPr>
+                <a:t>des catégories pertinentes</a:t>
+              </a:r>
+            </a:p>
+            <a:p>
+              <a:pPr marL="285750" indent="-285750">
+                <a:buFont typeface="Wingdings" panose="05000000000000000000" pitchFamily="2" charset="2"/>
+                <a:buChar char="q"/>
+              </a:pPr>
+              <a:r>
+                <a:rPr lang="fr-FR" dirty="0" smtClean="0">
+                  <a:latin typeface="Yu Gothic Light" panose="020B0300000000000000" pitchFamily="34" charset="-128"/>
+                  <a:ea typeface="Yu Gothic Light" panose="020B0300000000000000" pitchFamily="34" charset="-128"/>
+                </a:rPr>
+                <a:t>des données chiffrées utiles</a:t>
+              </a:r>
+            </a:p>
+          </p:txBody>
+        </p:sp>
+        <p:sp>
+          <p:nvSpPr>
+            <p:cNvPr id="7" name="Forme libre 6"/>
+            <p:cNvSpPr/>
+            <p:nvPr/>
+          </p:nvSpPr>
+          <p:spPr>
+            <a:xfrm>
+              <a:off x="550168" y="3011091"/>
+              <a:ext cx="277416" cy="200124"/>
+            </a:xfrm>
+            <a:custGeom>
+              <a:avLst/>
+              <a:gdLst>
+                <a:gd name="connsiteX0" fmla="*/ 0 w 2616200"/>
+                <a:gd name="connsiteY0" fmla="*/ 304800 h 825500"/>
+                <a:gd name="connsiteX1" fmla="*/ 152400 w 2616200"/>
+                <a:gd name="connsiteY1" fmla="*/ 342900 h 825500"/>
+                <a:gd name="connsiteX2" fmla="*/ 190500 w 2616200"/>
+                <a:gd name="connsiteY2" fmla="*/ 368300 h 825500"/>
+                <a:gd name="connsiteX3" fmla="*/ 254000 w 2616200"/>
+                <a:gd name="connsiteY3" fmla="*/ 393700 h 825500"/>
+                <a:gd name="connsiteX4" fmla="*/ 381000 w 2616200"/>
+                <a:gd name="connsiteY4" fmla="*/ 482600 h 825500"/>
+                <a:gd name="connsiteX5" fmla="*/ 431800 w 2616200"/>
+                <a:gd name="connsiteY5" fmla="*/ 495300 h 825500"/>
+                <a:gd name="connsiteX6" fmla="*/ 533400 w 2616200"/>
+                <a:gd name="connsiteY6" fmla="*/ 571500 h 825500"/>
+                <a:gd name="connsiteX7" fmla="*/ 571500 w 2616200"/>
+                <a:gd name="connsiteY7" fmla="*/ 596900 h 825500"/>
+                <a:gd name="connsiteX8" fmla="*/ 622300 w 2616200"/>
+                <a:gd name="connsiteY8" fmla="*/ 635000 h 825500"/>
+                <a:gd name="connsiteX9" fmla="*/ 673100 w 2616200"/>
+                <a:gd name="connsiteY9" fmla="*/ 711200 h 825500"/>
+                <a:gd name="connsiteX10" fmla="*/ 736600 w 2616200"/>
+                <a:gd name="connsiteY10" fmla="*/ 787400 h 825500"/>
+                <a:gd name="connsiteX11" fmla="*/ 749300 w 2616200"/>
+                <a:gd name="connsiteY11" fmla="*/ 825500 h 825500"/>
+                <a:gd name="connsiteX12" fmla="*/ 774700 w 2616200"/>
+                <a:gd name="connsiteY12" fmla="*/ 787400 h 825500"/>
+                <a:gd name="connsiteX13" fmla="*/ 787400 w 2616200"/>
+                <a:gd name="connsiteY13" fmla="*/ 749300 h 825500"/>
+                <a:gd name="connsiteX14" fmla="*/ 838200 w 2616200"/>
+                <a:gd name="connsiteY14" fmla="*/ 685800 h 825500"/>
+                <a:gd name="connsiteX15" fmla="*/ 889000 w 2616200"/>
+                <a:gd name="connsiteY15" fmla="*/ 622300 h 825500"/>
+                <a:gd name="connsiteX16" fmla="*/ 927100 w 2616200"/>
+                <a:gd name="connsiteY16" fmla="*/ 558800 h 825500"/>
+                <a:gd name="connsiteX17" fmla="*/ 1028700 w 2616200"/>
+                <a:gd name="connsiteY17" fmla="*/ 469900 h 825500"/>
+                <a:gd name="connsiteX18" fmla="*/ 1130300 w 2616200"/>
+                <a:gd name="connsiteY18" fmla="*/ 381000 h 825500"/>
+                <a:gd name="connsiteX19" fmla="*/ 1219200 w 2616200"/>
+                <a:gd name="connsiteY19" fmla="*/ 342900 h 825500"/>
+                <a:gd name="connsiteX20" fmla="*/ 1308100 w 2616200"/>
+                <a:gd name="connsiteY20" fmla="*/ 292100 h 825500"/>
+                <a:gd name="connsiteX21" fmla="*/ 1384300 w 2616200"/>
+                <a:gd name="connsiteY21" fmla="*/ 266700 h 825500"/>
+                <a:gd name="connsiteX22" fmla="*/ 1511300 w 2616200"/>
+                <a:gd name="connsiteY22" fmla="*/ 215900 h 825500"/>
+                <a:gd name="connsiteX23" fmla="*/ 1612900 w 2616200"/>
+                <a:gd name="connsiteY23" fmla="*/ 203200 h 825500"/>
+                <a:gd name="connsiteX24" fmla="*/ 1993900 w 2616200"/>
+                <a:gd name="connsiteY24" fmla="*/ 88900 h 825500"/>
+                <a:gd name="connsiteX25" fmla="*/ 2235200 w 2616200"/>
+                <a:gd name="connsiteY25" fmla="*/ 63500 h 825500"/>
+                <a:gd name="connsiteX26" fmla="*/ 2387600 w 2616200"/>
+                <a:gd name="connsiteY26" fmla="*/ 38100 h 825500"/>
+                <a:gd name="connsiteX27" fmla="*/ 2476500 w 2616200"/>
+                <a:gd name="connsiteY27" fmla="*/ 25400 h 825500"/>
+                <a:gd name="connsiteX28" fmla="*/ 2514600 w 2616200"/>
+                <a:gd name="connsiteY28" fmla="*/ 12700 h 825500"/>
+                <a:gd name="connsiteX29" fmla="*/ 2616200 w 2616200"/>
+                <a:gd name="connsiteY29" fmla="*/ 0 h 825500"/>
+              </a:gdLst>
+              <a:ahLst/>
+              <a:cxnLst>
+                <a:cxn ang="0">
+                  <a:pos x="connsiteX0" y="connsiteY0"/>
+                </a:cxn>
+                <a:cxn ang="0">
+                  <a:pos x="connsiteX1" y="connsiteY1"/>
+                </a:cxn>
+                <a:cxn ang="0">
+                  <a:pos x="connsiteX2" y="connsiteY2"/>
+                </a:cxn>
+                <a:cxn ang="0">
+                  <a:pos x="connsiteX3" y="connsiteY3"/>
+                </a:cxn>
+                <a:cxn ang="0">
+                  <a:pos x="connsiteX4" y="connsiteY4"/>
+                </a:cxn>
+                <a:cxn ang="0">
+                  <a:pos x="connsiteX5" y="connsiteY5"/>
+                </a:cxn>
+                <a:cxn ang="0">
+                  <a:pos x="connsiteX6" y="connsiteY6"/>
+                </a:cxn>
+                <a:cxn ang="0">
+                  <a:pos x="connsiteX7" y="connsiteY7"/>
+                </a:cxn>
+                <a:cxn ang="0">
+                  <a:pos x="connsiteX8" y="connsiteY8"/>
+                </a:cxn>
+                <a:cxn ang="0">
+                  <a:pos x="connsiteX9" y="connsiteY9"/>
+                </a:cxn>
+                <a:cxn ang="0">
+                  <a:pos x="connsiteX10" y="connsiteY10"/>
+                </a:cxn>
+                <a:cxn ang="0">
+                  <a:pos x="connsiteX11" y="connsiteY11"/>
+                </a:cxn>
+                <a:cxn ang="0">
+                  <a:pos x="connsiteX12" y="connsiteY12"/>
+                </a:cxn>
+                <a:cxn ang="0">
+                  <a:pos x="connsiteX13" y="connsiteY13"/>
+                </a:cxn>
+                <a:cxn ang="0">
+                  <a:pos x="connsiteX14" y="connsiteY14"/>
+                </a:cxn>
+                <a:cxn ang="0">
+                  <a:pos x="connsiteX15" y="connsiteY15"/>
+                </a:cxn>
+                <a:cxn ang="0">
+                  <a:pos x="connsiteX16" y="connsiteY16"/>
+                </a:cxn>
+                <a:cxn ang="0">
+                  <a:pos x="connsiteX17" y="connsiteY17"/>
+                </a:cxn>
+                <a:cxn ang="0">
+                  <a:pos x="connsiteX18" y="connsiteY18"/>
+                </a:cxn>
+                <a:cxn ang="0">
+                  <a:pos x="connsiteX19" y="connsiteY19"/>
+                </a:cxn>
+                <a:cxn ang="0">
+                  <a:pos x="connsiteX20" y="connsiteY20"/>
+                </a:cxn>
+                <a:cxn ang="0">
+                  <a:pos x="connsiteX21" y="connsiteY21"/>
+                </a:cxn>
+                <a:cxn ang="0">
+                  <a:pos x="connsiteX22" y="connsiteY22"/>
+                </a:cxn>
+                <a:cxn ang="0">
+                  <a:pos x="connsiteX23" y="connsiteY23"/>
+                </a:cxn>
+                <a:cxn ang="0">
+                  <a:pos x="connsiteX24" y="connsiteY24"/>
+                </a:cxn>
+                <a:cxn ang="0">
+                  <a:pos x="connsiteX25" y="connsiteY25"/>
+                </a:cxn>
+                <a:cxn ang="0">
+                  <a:pos x="connsiteX26" y="connsiteY26"/>
+                </a:cxn>
+                <a:cxn ang="0">
+                  <a:pos x="connsiteX27" y="connsiteY27"/>
+                </a:cxn>
+                <a:cxn ang="0">
+                  <a:pos x="connsiteX28" y="connsiteY28"/>
+                </a:cxn>
+                <a:cxn ang="0">
+                  <a:pos x="connsiteX29" y="connsiteY29"/>
+                </a:cxn>
+              </a:cxnLst>
+              <a:rect l="l" t="t" r="r" b="b"/>
+              <a:pathLst>
+                <a:path w="2616200" h="825500">
+                  <a:moveTo>
+                    <a:pt x="0" y="304800"/>
+                  </a:moveTo>
+                  <a:cubicBezTo>
+                    <a:pt x="50800" y="317500"/>
+                    <a:pt x="102724" y="326341"/>
+                    <a:pt x="152400" y="342900"/>
+                  </a:cubicBezTo>
+                  <a:cubicBezTo>
+                    <a:pt x="166880" y="347727"/>
+                    <a:pt x="176848" y="361474"/>
+                    <a:pt x="190500" y="368300"/>
+                  </a:cubicBezTo>
+                  <a:cubicBezTo>
+                    <a:pt x="210890" y="378495"/>
+                    <a:pt x="234072" y="382629"/>
+                    <a:pt x="254000" y="393700"/>
+                  </a:cubicBezTo>
+                  <a:cubicBezTo>
+                    <a:pt x="397357" y="473343"/>
+                    <a:pt x="188922" y="386561"/>
+                    <a:pt x="381000" y="482600"/>
+                  </a:cubicBezTo>
+                  <a:cubicBezTo>
+                    <a:pt x="396612" y="490406"/>
+                    <a:pt x="414867" y="491067"/>
+                    <a:pt x="431800" y="495300"/>
+                  </a:cubicBezTo>
+                  <a:cubicBezTo>
+                    <a:pt x="465667" y="520700"/>
+                    <a:pt x="498177" y="548018"/>
+                    <a:pt x="533400" y="571500"/>
+                  </a:cubicBezTo>
+                  <a:cubicBezTo>
+                    <a:pt x="546100" y="579967"/>
+                    <a:pt x="559080" y="588028"/>
+                    <a:pt x="571500" y="596900"/>
+                  </a:cubicBezTo>
+                  <a:cubicBezTo>
+                    <a:pt x="588724" y="609203"/>
+                    <a:pt x="608238" y="619180"/>
+                    <a:pt x="622300" y="635000"/>
+                  </a:cubicBezTo>
+                  <a:cubicBezTo>
+                    <a:pt x="642581" y="657816"/>
+                    <a:pt x="651514" y="689614"/>
+                    <a:pt x="673100" y="711200"/>
+                  </a:cubicBezTo>
+                  <a:cubicBezTo>
+                    <a:pt x="701187" y="739287"/>
+                    <a:pt x="718919" y="752037"/>
+                    <a:pt x="736600" y="787400"/>
+                  </a:cubicBezTo>
+                  <a:cubicBezTo>
+                    <a:pt x="742587" y="799374"/>
+                    <a:pt x="745067" y="812800"/>
+                    <a:pt x="749300" y="825500"/>
+                  </a:cubicBezTo>
+                  <a:cubicBezTo>
+                    <a:pt x="757767" y="812800"/>
+                    <a:pt x="767874" y="801052"/>
+                    <a:pt x="774700" y="787400"/>
+                  </a:cubicBezTo>
+                  <a:cubicBezTo>
+                    <a:pt x="780687" y="775426"/>
+                    <a:pt x="780305" y="760652"/>
+                    <a:pt x="787400" y="749300"/>
+                  </a:cubicBezTo>
+                  <a:cubicBezTo>
+                    <a:pt x="801766" y="726314"/>
+                    <a:pt x="821267" y="706967"/>
+                    <a:pt x="838200" y="685800"/>
+                  </a:cubicBezTo>
+                  <a:cubicBezTo>
+                    <a:pt x="867505" y="597886"/>
+                    <a:pt x="826333" y="695412"/>
+                    <a:pt x="889000" y="622300"/>
+                  </a:cubicBezTo>
+                  <a:cubicBezTo>
+                    <a:pt x="905064" y="603558"/>
+                    <a:pt x="912289" y="578547"/>
+                    <a:pt x="927100" y="558800"/>
+                  </a:cubicBezTo>
+                  <a:cubicBezTo>
+                    <a:pt x="951124" y="526768"/>
+                    <a:pt x="1001347" y="493834"/>
+                    <a:pt x="1028700" y="469900"/>
+                  </a:cubicBezTo>
+                  <a:cubicBezTo>
+                    <a:pt x="1072352" y="431705"/>
+                    <a:pt x="1073324" y="414236"/>
+                    <a:pt x="1130300" y="381000"/>
+                  </a:cubicBezTo>
+                  <a:cubicBezTo>
+                    <a:pt x="1158148" y="364755"/>
+                    <a:pt x="1190364" y="357318"/>
+                    <a:pt x="1219200" y="342900"/>
+                  </a:cubicBezTo>
+                  <a:cubicBezTo>
+                    <a:pt x="1249727" y="327636"/>
+                    <a:pt x="1277111" y="306403"/>
+                    <a:pt x="1308100" y="292100"/>
+                  </a:cubicBezTo>
+                  <a:cubicBezTo>
+                    <a:pt x="1332410" y="280880"/>
+                    <a:pt x="1359231" y="276101"/>
+                    <a:pt x="1384300" y="266700"/>
+                  </a:cubicBezTo>
+                  <a:cubicBezTo>
+                    <a:pt x="1426991" y="250691"/>
+                    <a:pt x="1467369" y="228103"/>
+                    <a:pt x="1511300" y="215900"/>
+                  </a:cubicBezTo>
+                  <a:cubicBezTo>
+                    <a:pt x="1544185" y="206765"/>
+                    <a:pt x="1579033" y="207433"/>
+                    <a:pt x="1612900" y="203200"/>
+                  </a:cubicBezTo>
+                  <a:cubicBezTo>
+                    <a:pt x="1724130" y="162753"/>
+                    <a:pt x="1883672" y="99923"/>
+                    <a:pt x="1993900" y="88900"/>
+                  </a:cubicBezTo>
+                  <a:lnTo>
+                    <a:pt x="2235200" y="63500"/>
+                  </a:lnTo>
+                  <a:cubicBezTo>
+                    <a:pt x="2401222" y="42747"/>
+                    <a:pt x="2254543" y="60276"/>
+                    <a:pt x="2387600" y="38100"/>
+                  </a:cubicBezTo>
+                  <a:cubicBezTo>
+                    <a:pt x="2417127" y="33179"/>
+                    <a:pt x="2446867" y="29633"/>
+                    <a:pt x="2476500" y="25400"/>
+                  </a:cubicBezTo>
+                  <a:cubicBezTo>
+                    <a:pt x="2489200" y="21167"/>
+                    <a:pt x="2501429" y="15095"/>
+                    <a:pt x="2514600" y="12700"/>
+                  </a:cubicBezTo>
+                  <a:cubicBezTo>
+                    <a:pt x="2548180" y="6595"/>
+                    <a:pt x="2616200" y="0"/>
+                    <a:pt x="2616200" y="0"/>
+                  </a:cubicBezTo>
+                </a:path>
+              </a:pathLst>
+            </a:custGeom>
+            <a:noFill/>
+            <a:ln w="38100">
+              <a:solidFill>
+                <a:srgbClr val="00B050"/>
+              </a:solidFill>
+            </a:ln>
+          </p:spPr>
+          <p:style>
+            <a:lnRef idx="2">
+              <a:schemeClr val="accent1">
+                <a:shade val="50000"/>
+              </a:schemeClr>
+            </a:lnRef>
+            <a:fillRef idx="1">
+              <a:schemeClr val="accent1"/>
+            </a:fillRef>
+            <a:effectRef idx="0">
+              <a:schemeClr val="accent1"/>
+            </a:effectRef>
+            <a:fontRef idx="minor">
+              <a:schemeClr val="lt1"/>
+            </a:fontRef>
+          </p:style>
+          <p:txBody>
+            <a:bodyPr rtlCol="0" anchor="ctr"/>
+            <a:lstStyle/>
+            <a:p>
+              <a:pPr algn="ctr"/>
+              <a:endParaRPr lang="fr-FR"/>
+            </a:p>
+          </p:txBody>
+        </p:sp>
+        <p:sp>
+          <p:nvSpPr>
+            <p:cNvPr id="23" name="Forme libre 22"/>
+            <p:cNvSpPr/>
+            <p:nvPr/>
+          </p:nvSpPr>
+          <p:spPr>
+            <a:xfrm>
+              <a:off x="539552" y="3300884"/>
+              <a:ext cx="277416" cy="200124"/>
+            </a:xfrm>
+            <a:custGeom>
+              <a:avLst/>
+              <a:gdLst>
+                <a:gd name="connsiteX0" fmla="*/ 0 w 2616200"/>
+                <a:gd name="connsiteY0" fmla="*/ 304800 h 825500"/>
+                <a:gd name="connsiteX1" fmla="*/ 152400 w 2616200"/>
+                <a:gd name="connsiteY1" fmla="*/ 342900 h 825500"/>
+                <a:gd name="connsiteX2" fmla="*/ 190500 w 2616200"/>
+                <a:gd name="connsiteY2" fmla="*/ 368300 h 825500"/>
+                <a:gd name="connsiteX3" fmla="*/ 254000 w 2616200"/>
+                <a:gd name="connsiteY3" fmla="*/ 393700 h 825500"/>
+                <a:gd name="connsiteX4" fmla="*/ 381000 w 2616200"/>
+                <a:gd name="connsiteY4" fmla="*/ 482600 h 825500"/>
+                <a:gd name="connsiteX5" fmla="*/ 431800 w 2616200"/>
+                <a:gd name="connsiteY5" fmla="*/ 495300 h 825500"/>
+                <a:gd name="connsiteX6" fmla="*/ 533400 w 2616200"/>
+                <a:gd name="connsiteY6" fmla="*/ 571500 h 825500"/>
+                <a:gd name="connsiteX7" fmla="*/ 571500 w 2616200"/>
+                <a:gd name="connsiteY7" fmla="*/ 596900 h 825500"/>
+                <a:gd name="connsiteX8" fmla="*/ 622300 w 2616200"/>
+                <a:gd name="connsiteY8" fmla="*/ 635000 h 825500"/>
+                <a:gd name="connsiteX9" fmla="*/ 673100 w 2616200"/>
+                <a:gd name="connsiteY9" fmla="*/ 711200 h 825500"/>
+                <a:gd name="connsiteX10" fmla="*/ 736600 w 2616200"/>
+                <a:gd name="connsiteY10" fmla="*/ 787400 h 825500"/>
+                <a:gd name="connsiteX11" fmla="*/ 749300 w 2616200"/>
+                <a:gd name="connsiteY11" fmla="*/ 825500 h 825500"/>
+                <a:gd name="connsiteX12" fmla="*/ 774700 w 2616200"/>
+                <a:gd name="connsiteY12" fmla="*/ 787400 h 825500"/>
+                <a:gd name="connsiteX13" fmla="*/ 787400 w 2616200"/>
+                <a:gd name="connsiteY13" fmla="*/ 749300 h 825500"/>
+                <a:gd name="connsiteX14" fmla="*/ 838200 w 2616200"/>
+                <a:gd name="connsiteY14" fmla="*/ 685800 h 825500"/>
+                <a:gd name="connsiteX15" fmla="*/ 889000 w 2616200"/>
+                <a:gd name="connsiteY15" fmla="*/ 622300 h 825500"/>
+                <a:gd name="connsiteX16" fmla="*/ 927100 w 2616200"/>
+                <a:gd name="connsiteY16" fmla="*/ 558800 h 825500"/>
+                <a:gd name="connsiteX17" fmla="*/ 1028700 w 2616200"/>
+                <a:gd name="connsiteY17" fmla="*/ 469900 h 825500"/>
+                <a:gd name="connsiteX18" fmla="*/ 1130300 w 2616200"/>
+                <a:gd name="connsiteY18" fmla="*/ 381000 h 825500"/>
+                <a:gd name="connsiteX19" fmla="*/ 1219200 w 2616200"/>
+                <a:gd name="connsiteY19" fmla="*/ 342900 h 825500"/>
+                <a:gd name="connsiteX20" fmla="*/ 1308100 w 2616200"/>
+                <a:gd name="connsiteY20" fmla="*/ 292100 h 825500"/>
+                <a:gd name="connsiteX21" fmla="*/ 1384300 w 2616200"/>
+                <a:gd name="connsiteY21" fmla="*/ 266700 h 825500"/>
+                <a:gd name="connsiteX22" fmla="*/ 1511300 w 2616200"/>
+                <a:gd name="connsiteY22" fmla="*/ 215900 h 825500"/>
+                <a:gd name="connsiteX23" fmla="*/ 1612900 w 2616200"/>
+                <a:gd name="connsiteY23" fmla="*/ 203200 h 825500"/>
+                <a:gd name="connsiteX24" fmla="*/ 1993900 w 2616200"/>
+                <a:gd name="connsiteY24" fmla="*/ 88900 h 825500"/>
+                <a:gd name="connsiteX25" fmla="*/ 2235200 w 2616200"/>
+                <a:gd name="connsiteY25" fmla="*/ 63500 h 825500"/>
+                <a:gd name="connsiteX26" fmla="*/ 2387600 w 2616200"/>
+                <a:gd name="connsiteY26" fmla="*/ 38100 h 825500"/>
+                <a:gd name="connsiteX27" fmla="*/ 2476500 w 2616200"/>
+                <a:gd name="connsiteY27" fmla="*/ 25400 h 825500"/>
+                <a:gd name="connsiteX28" fmla="*/ 2514600 w 2616200"/>
+                <a:gd name="connsiteY28" fmla="*/ 12700 h 825500"/>
+                <a:gd name="connsiteX29" fmla="*/ 2616200 w 2616200"/>
+                <a:gd name="connsiteY29" fmla="*/ 0 h 825500"/>
+              </a:gdLst>
+              <a:ahLst/>
+              <a:cxnLst>
+                <a:cxn ang="0">
+                  <a:pos x="connsiteX0" y="connsiteY0"/>
+                </a:cxn>
+                <a:cxn ang="0">
+                  <a:pos x="connsiteX1" y="connsiteY1"/>
+                </a:cxn>
+                <a:cxn ang="0">
+                  <a:pos x="connsiteX2" y="connsiteY2"/>
+                </a:cxn>
+                <a:cxn ang="0">
+                  <a:pos x="connsiteX3" y="connsiteY3"/>
+                </a:cxn>
+                <a:cxn ang="0">
+                  <a:pos x="connsiteX4" y="connsiteY4"/>
+                </a:cxn>
+                <a:cxn ang="0">
+                  <a:pos x="connsiteX5" y="connsiteY5"/>
+                </a:cxn>
+                <a:cxn ang="0">
+                  <a:pos x="connsiteX6" y="connsiteY6"/>
+                </a:cxn>
+                <a:cxn ang="0">
+                  <a:pos x="connsiteX7" y="connsiteY7"/>
+                </a:cxn>
+                <a:cxn ang="0">
+                  <a:pos x="connsiteX8" y="connsiteY8"/>
+                </a:cxn>
+                <a:cxn ang="0">
+                  <a:pos x="connsiteX9" y="connsiteY9"/>
+                </a:cxn>
+                <a:cxn ang="0">
+                  <a:pos x="connsiteX10" y="connsiteY10"/>
+                </a:cxn>
+                <a:cxn ang="0">
+                  <a:pos x="connsiteX11" y="connsiteY11"/>
+                </a:cxn>
+                <a:cxn ang="0">
+                  <a:pos x="connsiteX12" y="connsiteY12"/>
+                </a:cxn>
+                <a:cxn ang="0">
+                  <a:pos x="connsiteX13" y="connsiteY13"/>
+                </a:cxn>
+                <a:cxn ang="0">
+                  <a:pos x="connsiteX14" y="connsiteY14"/>
+                </a:cxn>
+                <a:cxn ang="0">
+                  <a:pos x="connsiteX15" y="connsiteY15"/>
+                </a:cxn>
+                <a:cxn ang="0">
+                  <a:pos x="connsiteX16" y="connsiteY16"/>
+                </a:cxn>
+                <a:cxn ang="0">
+                  <a:pos x="connsiteX17" y="connsiteY17"/>
+                </a:cxn>
+                <a:cxn ang="0">
+                  <a:pos x="connsiteX18" y="connsiteY18"/>
+                </a:cxn>
+                <a:cxn ang="0">
+                  <a:pos x="connsiteX19" y="connsiteY19"/>
+                </a:cxn>
+                <a:cxn ang="0">
+                  <a:pos x="connsiteX20" y="connsiteY20"/>
+                </a:cxn>
+                <a:cxn ang="0">
+                  <a:pos x="connsiteX21" y="connsiteY21"/>
+                </a:cxn>
+                <a:cxn ang="0">
+                  <a:pos x="connsiteX22" y="connsiteY22"/>
+                </a:cxn>
+                <a:cxn ang="0">
+                  <a:pos x="connsiteX23" y="connsiteY23"/>
+                </a:cxn>
+                <a:cxn ang="0">
+                  <a:pos x="connsiteX24" y="connsiteY24"/>
+                </a:cxn>
+                <a:cxn ang="0">
+                  <a:pos x="connsiteX25" y="connsiteY25"/>
+                </a:cxn>
+                <a:cxn ang="0">
+                  <a:pos x="connsiteX26" y="connsiteY26"/>
+                </a:cxn>
+                <a:cxn ang="0">
+                  <a:pos x="connsiteX27" y="connsiteY27"/>
+                </a:cxn>
+                <a:cxn ang="0">
+                  <a:pos x="connsiteX28" y="connsiteY28"/>
+                </a:cxn>
+                <a:cxn ang="0">
+                  <a:pos x="connsiteX29" y="connsiteY29"/>
+                </a:cxn>
+              </a:cxnLst>
+              <a:rect l="l" t="t" r="r" b="b"/>
+              <a:pathLst>
+                <a:path w="2616200" h="825500">
+                  <a:moveTo>
+                    <a:pt x="0" y="304800"/>
+                  </a:moveTo>
+                  <a:cubicBezTo>
+                    <a:pt x="50800" y="317500"/>
+                    <a:pt x="102724" y="326341"/>
+                    <a:pt x="152400" y="342900"/>
+                  </a:cubicBezTo>
+                  <a:cubicBezTo>
+                    <a:pt x="166880" y="347727"/>
+                    <a:pt x="176848" y="361474"/>
+                    <a:pt x="190500" y="368300"/>
+                  </a:cubicBezTo>
+                  <a:cubicBezTo>
+                    <a:pt x="210890" y="378495"/>
+                    <a:pt x="234072" y="382629"/>
+                    <a:pt x="254000" y="393700"/>
+                  </a:cubicBezTo>
+                  <a:cubicBezTo>
+                    <a:pt x="397357" y="473343"/>
+                    <a:pt x="188922" y="386561"/>
+                    <a:pt x="381000" y="482600"/>
+                  </a:cubicBezTo>
+                  <a:cubicBezTo>
+                    <a:pt x="396612" y="490406"/>
+                    <a:pt x="414867" y="491067"/>
+                    <a:pt x="431800" y="495300"/>
+                  </a:cubicBezTo>
+                  <a:cubicBezTo>
+                    <a:pt x="465667" y="520700"/>
+                    <a:pt x="498177" y="548018"/>
+                    <a:pt x="533400" y="571500"/>
+                  </a:cubicBezTo>
+                  <a:cubicBezTo>
+                    <a:pt x="546100" y="579967"/>
+                    <a:pt x="559080" y="588028"/>
+                    <a:pt x="571500" y="596900"/>
+                  </a:cubicBezTo>
+                  <a:cubicBezTo>
+                    <a:pt x="588724" y="609203"/>
+                    <a:pt x="608238" y="619180"/>
+                    <a:pt x="622300" y="635000"/>
+                  </a:cubicBezTo>
+                  <a:cubicBezTo>
+                    <a:pt x="642581" y="657816"/>
+                    <a:pt x="651514" y="689614"/>
+                    <a:pt x="673100" y="711200"/>
+                  </a:cubicBezTo>
+                  <a:cubicBezTo>
+                    <a:pt x="701187" y="739287"/>
+                    <a:pt x="718919" y="752037"/>
+                    <a:pt x="736600" y="787400"/>
+                  </a:cubicBezTo>
+                  <a:cubicBezTo>
+                    <a:pt x="742587" y="799374"/>
+                    <a:pt x="745067" y="812800"/>
+                    <a:pt x="749300" y="825500"/>
+                  </a:cubicBezTo>
+                  <a:cubicBezTo>
+                    <a:pt x="757767" y="812800"/>
+                    <a:pt x="767874" y="801052"/>
+                    <a:pt x="774700" y="787400"/>
+                  </a:cubicBezTo>
+                  <a:cubicBezTo>
+                    <a:pt x="780687" y="775426"/>
+                    <a:pt x="780305" y="760652"/>
+                    <a:pt x="787400" y="749300"/>
+                  </a:cubicBezTo>
+                  <a:cubicBezTo>
+                    <a:pt x="801766" y="726314"/>
+                    <a:pt x="821267" y="706967"/>
+                    <a:pt x="838200" y="685800"/>
+                  </a:cubicBezTo>
+                  <a:cubicBezTo>
+                    <a:pt x="867505" y="597886"/>
+                    <a:pt x="826333" y="695412"/>
+                    <a:pt x="889000" y="622300"/>
+                  </a:cubicBezTo>
+                  <a:cubicBezTo>
+                    <a:pt x="905064" y="603558"/>
+                    <a:pt x="912289" y="578547"/>
+                    <a:pt x="927100" y="558800"/>
+                  </a:cubicBezTo>
+                  <a:cubicBezTo>
+                    <a:pt x="951124" y="526768"/>
+                    <a:pt x="1001347" y="493834"/>
+                    <a:pt x="1028700" y="469900"/>
+                  </a:cubicBezTo>
+                  <a:cubicBezTo>
+                    <a:pt x="1072352" y="431705"/>
+                    <a:pt x="1073324" y="414236"/>
+                    <a:pt x="1130300" y="381000"/>
+                  </a:cubicBezTo>
+                  <a:cubicBezTo>
+                    <a:pt x="1158148" y="364755"/>
+                    <a:pt x="1190364" y="357318"/>
+                    <a:pt x="1219200" y="342900"/>
+                  </a:cubicBezTo>
+                  <a:cubicBezTo>
+                    <a:pt x="1249727" y="327636"/>
+                    <a:pt x="1277111" y="306403"/>
+                    <a:pt x="1308100" y="292100"/>
+                  </a:cubicBezTo>
+                  <a:cubicBezTo>
+                    <a:pt x="1332410" y="280880"/>
+                    <a:pt x="1359231" y="276101"/>
+                    <a:pt x="1384300" y="266700"/>
+                  </a:cubicBezTo>
+                  <a:cubicBezTo>
+                    <a:pt x="1426991" y="250691"/>
+                    <a:pt x="1467369" y="228103"/>
+                    <a:pt x="1511300" y="215900"/>
+                  </a:cubicBezTo>
+                  <a:cubicBezTo>
+                    <a:pt x="1544185" y="206765"/>
+                    <a:pt x="1579033" y="207433"/>
+                    <a:pt x="1612900" y="203200"/>
+                  </a:cubicBezTo>
+                  <a:cubicBezTo>
+                    <a:pt x="1724130" y="162753"/>
+                    <a:pt x="1883672" y="99923"/>
+                    <a:pt x="1993900" y="88900"/>
+                  </a:cubicBezTo>
+                  <a:lnTo>
+                    <a:pt x="2235200" y="63500"/>
+                  </a:lnTo>
+                  <a:cubicBezTo>
+                    <a:pt x="2401222" y="42747"/>
+                    <a:pt x="2254543" y="60276"/>
+                    <a:pt x="2387600" y="38100"/>
+                  </a:cubicBezTo>
+                  <a:cubicBezTo>
+                    <a:pt x="2417127" y="33179"/>
+                    <a:pt x="2446867" y="29633"/>
+                    <a:pt x="2476500" y="25400"/>
+                  </a:cubicBezTo>
+                  <a:cubicBezTo>
+                    <a:pt x="2489200" y="21167"/>
+                    <a:pt x="2501429" y="15095"/>
+                    <a:pt x="2514600" y="12700"/>
+                  </a:cubicBezTo>
+                  <a:cubicBezTo>
+                    <a:pt x="2548180" y="6595"/>
+                    <a:pt x="2616200" y="0"/>
+                    <a:pt x="2616200" y="0"/>
+                  </a:cubicBezTo>
+                </a:path>
+              </a:pathLst>
+            </a:custGeom>
+            <a:noFill/>
+            <a:ln w="38100">
+              <a:solidFill>
+                <a:srgbClr val="00B050"/>
+              </a:solidFill>
+            </a:ln>
+          </p:spPr>
+          <p:style>
+            <a:lnRef idx="2">
+              <a:schemeClr val="accent1">
+                <a:shade val="50000"/>
+              </a:schemeClr>
+            </a:lnRef>
+            <a:fillRef idx="1">
+              <a:schemeClr val="accent1"/>
+            </a:fillRef>
+            <a:effectRef idx="0">
+              <a:schemeClr val="accent1"/>
+            </a:effectRef>
+            <a:fontRef idx="minor">
+              <a:schemeClr val="lt1"/>
+            </a:fontRef>
+          </p:style>
+          <p:txBody>
+            <a:bodyPr rtlCol="0" anchor="ctr"/>
+            <a:lstStyle/>
+            <a:p>
+              <a:pPr algn="ctr"/>
+              <a:endParaRPr lang="fr-FR"/>
+            </a:p>
+          </p:txBody>
+        </p:sp>
+        <p:sp>
+          <p:nvSpPr>
+            <p:cNvPr id="24" name="Forme libre 23"/>
+            <p:cNvSpPr/>
+            <p:nvPr/>
+          </p:nvSpPr>
+          <p:spPr>
+            <a:xfrm>
+              <a:off x="539552" y="3588916"/>
+              <a:ext cx="277416" cy="200124"/>
+            </a:xfrm>
+            <a:custGeom>
+              <a:avLst/>
+              <a:gdLst>
+                <a:gd name="connsiteX0" fmla="*/ 0 w 2616200"/>
+                <a:gd name="connsiteY0" fmla="*/ 304800 h 825500"/>
+                <a:gd name="connsiteX1" fmla="*/ 152400 w 2616200"/>
+                <a:gd name="connsiteY1" fmla="*/ 342900 h 825500"/>
+                <a:gd name="connsiteX2" fmla="*/ 190500 w 2616200"/>
+                <a:gd name="connsiteY2" fmla="*/ 368300 h 825500"/>
+                <a:gd name="connsiteX3" fmla="*/ 254000 w 2616200"/>
+                <a:gd name="connsiteY3" fmla="*/ 393700 h 825500"/>
+                <a:gd name="connsiteX4" fmla="*/ 381000 w 2616200"/>
+                <a:gd name="connsiteY4" fmla="*/ 482600 h 825500"/>
+                <a:gd name="connsiteX5" fmla="*/ 431800 w 2616200"/>
+                <a:gd name="connsiteY5" fmla="*/ 495300 h 825500"/>
+                <a:gd name="connsiteX6" fmla="*/ 533400 w 2616200"/>
+                <a:gd name="connsiteY6" fmla="*/ 571500 h 825500"/>
+                <a:gd name="connsiteX7" fmla="*/ 571500 w 2616200"/>
+                <a:gd name="connsiteY7" fmla="*/ 596900 h 825500"/>
+                <a:gd name="connsiteX8" fmla="*/ 622300 w 2616200"/>
+                <a:gd name="connsiteY8" fmla="*/ 635000 h 825500"/>
+                <a:gd name="connsiteX9" fmla="*/ 673100 w 2616200"/>
+                <a:gd name="connsiteY9" fmla="*/ 711200 h 825500"/>
+                <a:gd name="connsiteX10" fmla="*/ 736600 w 2616200"/>
+                <a:gd name="connsiteY10" fmla="*/ 787400 h 825500"/>
+                <a:gd name="connsiteX11" fmla="*/ 749300 w 2616200"/>
+                <a:gd name="connsiteY11" fmla="*/ 825500 h 825500"/>
+                <a:gd name="connsiteX12" fmla="*/ 774700 w 2616200"/>
+                <a:gd name="connsiteY12" fmla="*/ 787400 h 825500"/>
+                <a:gd name="connsiteX13" fmla="*/ 787400 w 2616200"/>
+                <a:gd name="connsiteY13" fmla="*/ 749300 h 825500"/>
+                <a:gd name="connsiteX14" fmla="*/ 838200 w 2616200"/>
+                <a:gd name="connsiteY14" fmla="*/ 685800 h 825500"/>
+                <a:gd name="connsiteX15" fmla="*/ 889000 w 2616200"/>
+                <a:gd name="connsiteY15" fmla="*/ 622300 h 825500"/>
+                <a:gd name="connsiteX16" fmla="*/ 927100 w 2616200"/>
+                <a:gd name="connsiteY16" fmla="*/ 558800 h 825500"/>
+                <a:gd name="connsiteX17" fmla="*/ 1028700 w 2616200"/>
+                <a:gd name="connsiteY17" fmla="*/ 469900 h 825500"/>
+                <a:gd name="connsiteX18" fmla="*/ 1130300 w 2616200"/>
+                <a:gd name="connsiteY18" fmla="*/ 381000 h 825500"/>
+                <a:gd name="connsiteX19" fmla="*/ 1219200 w 2616200"/>
+                <a:gd name="connsiteY19" fmla="*/ 342900 h 825500"/>
+                <a:gd name="connsiteX20" fmla="*/ 1308100 w 2616200"/>
+                <a:gd name="connsiteY20" fmla="*/ 292100 h 825500"/>
+                <a:gd name="connsiteX21" fmla="*/ 1384300 w 2616200"/>
+                <a:gd name="connsiteY21" fmla="*/ 266700 h 825500"/>
+                <a:gd name="connsiteX22" fmla="*/ 1511300 w 2616200"/>
+                <a:gd name="connsiteY22" fmla="*/ 215900 h 825500"/>
+                <a:gd name="connsiteX23" fmla="*/ 1612900 w 2616200"/>
+                <a:gd name="connsiteY23" fmla="*/ 203200 h 825500"/>
+                <a:gd name="connsiteX24" fmla="*/ 1993900 w 2616200"/>
+                <a:gd name="connsiteY24" fmla="*/ 88900 h 825500"/>
+                <a:gd name="connsiteX25" fmla="*/ 2235200 w 2616200"/>
+                <a:gd name="connsiteY25" fmla="*/ 63500 h 825500"/>
+                <a:gd name="connsiteX26" fmla="*/ 2387600 w 2616200"/>
+                <a:gd name="connsiteY26" fmla="*/ 38100 h 825500"/>
+                <a:gd name="connsiteX27" fmla="*/ 2476500 w 2616200"/>
+                <a:gd name="connsiteY27" fmla="*/ 25400 h 825500"/>
+                <a:gd name="connsiteX28" fmla="*/ 2514600 w 2616200"/>
+                <a:gd name="connsiteY28" fmla="*/ 12700 h 825500"/>
+                <a:gd name="connsiteX29" fmla="*/ 2616200 w 2616200"/>
+                <a:gd name="connsiteY29" fmla="*/ 0 h 825500"/>
+              </a:gdLst>
+              <a:ahLst/>
+              <a:cxnLst>
+                <a:cxn ang="0">
+                  <a:pos x="connsiteX0" y="connsiteY0"/>
+                </a:cxn>
+                <a:cxn ang="0">
+                  <a:pos x="connsiteX1" y="connsiteY1"/>
+                </a:cxn>
+                <a:cxn ang="0">
+                  <a:pos x="connsiteX2" y="connsiteY2"/>
+                </a:cxn>
+                <a:cxn ang="0">
+                  <a:pos x="connsiteX3" y="connsiteY3"/>
+                </a:cxn>
+                <a:cxn ang="0">
+                  <a:pos x="connsiteX4" y="connsiteY4"/>
+                </a:cxn>
+                <a:cxn ang="0">
+                  <a:pos x="connsiteX5" y="connsiteY5"/>
+                </a:cxn>
+                <a:cxn ang="0">
+                  <a:pos x="connsiteX6" y="connsiteY6"/>
+                </a:cxn>
+                <a:cxn ang="0">
+                  <a:pos x="connsiteX7" y="connsiteY7"/>
+                </a:cxn>
+                <a:cxn ang="0">
+                  <a:pos x="connsiteX8" y="connsiteY8"/>
+                </a:cxn>
+                <a:cxn ang="0">
+                  <a:pos x="connsiteX9" y="connsiteY9"/>
+                </a:cxn>
+                <a:cxn ang="0">
+                  <a:pos x="connsiteX10" y="connsiteY10"/>
+                </a:cxn>
+                <a:cxn ang="0">
+                  <a:pos x="connsiteX11" y="connsiteY11"/>
+                </a:cxn>
+                <a:cxn ang="0">
+                  <a:pos x="connsiteX12" y="connsiteY12"/>
+                </a:cxn>
+                <a:cxn ang="0">
+                  <a:pos x="connsiteX13" y="connsiteY13"/>
+                </a:cxn>
+                <a:cxn ang="0">
+                  <a:pos x="connsiteX14" y="connsiteY14"/>
+                </a:cxn>
+                <a:cxn ang="0">
+                  <a:pos x="connsiteX15" y="connsiteY15"/>
+                </a:cxn>
+                <a:cxn ang="0">
+                  <a:pos x="connsiteX16" y="connsiteY16"/>
+                </a:cxn>
+                <a:cxn ang="0">
+                  <a:pos x="connsiteX17" y="connsiteY17"/>
+                </a:cxn>
+                <a:cxn ang="0">
+                  <a:pos x="connsiteX18" y="connsiteY18"/>
+                </a:cxn>
+                <a:cxn ang="0">
+                  <a:pos x="connsiteX19" y="connsiteY19"/>
+                </a:cxn>
+                <a:cxn ang="0">
+                  <a:pos x="connsiteX20" y="connsiteY20"/>
+                </a:cxn>
+                <a:cxn ang="0">
+                  <a:pos x="connsiteX21" y="connsiteY21"/>
+                </a:cxn>
+                <a:cxn ang="0">
+                  <a:pos x="connsiteX22" y="connsiteY22"/>
+                </a:cxn>
+                <a:cxn ang="0">
+                  <a:pos x="connsiteX23" y="connsiteY23"/>
+                </a:cxn>
+                <a:cxn ang="0">
+                  <a:pos x="connsiteX24" y="connsiteY24"/>
+                </a:cxn>
+                <a:cxn ang="0">
+                  <a:pos x="connsiteX25" y="connsiteY25"/>
+                </a:cxn>
+                <a:cxn ang="0">
+                  <a:pos x="connsiteX26" y="connsiteY26"/>
+                </a:cxn>
+                <a:cxn ang="0">
+                  <a:pos x="connsiteX27" y="connsiteY27"/>
+                </a:cxn>
+                <a:cxn ang="0">
+                  <a:pos x="connsiteX28" y="connsiteY28"/>
+                </a:cxn>
+                <a:cxn ang="0">
+                  <a:pos x="connsiteX29" y="connsiteY29"/>
+                </a:cxn>
+              </a:cxnLst>
+              <a:rect l="l" t="t" r="r" b="b"/>
+              <a:pathLst>
+                <a:path w="2616200" h="825500">
+                  <a:moveTo>
+                    <a:pt x="0" y="304800"/>
+                  </a:moveTo>
+                  <a:cubicBezTo>
+                    <a:pt x="50800" y="317500"/>
+                    <a:pt x="102724" y="326341"/>
+                    <a:pt x="152400" y="342900"/>
+                  </a:cubicBezTo>
+                  <a:cubicBezTo>
+                    <a:pt x="166880" y="347727"/>
+                    <a:pt x="176848" y="361474"/>
+                    <a:pt x="190500" y="368300"/>
+                  </a:cubicBezTo>
+                  <a:cubicBezTo>
+                    <a:pt x="210890" y="378495"/>
+                    <a:pt x="234072" y="382629"/>
+                    <a:pt x="254000" y="393700"/>
+                  </a:cubicBezTo>
+                  <a:cubicBezTo>
+                    <a:pt x="397357" y="473343"/>
+                    <a:pt x="188922" y="386561"/>
+                    <a:pt x="381000" y="482600"/>
+                  </a:cubicBezTo>
+                  <a:cubicBezTo>
+                    <a:pt x="396612" y="490406"/>
+                    <a:pt x="414867" y="491067"/>
+                    <a:pt x="431800" y="495300"/>
+                  </a:cubicBezTo>
+                  <a:cubicBezTo>
+                    <a:pt x="465667" y="520700"/>
+                    <a:pt x="498177" y="548018"/>
+                    <a:pt x="533400" y="571500"/>
+                  </a:cubicBezTo>
+                  <a:cubicBezTo>
+                    <a:pt x="546100" y="579967"/>
+                    <a:pt x="559080" y="588028"/>
+                    <a:pt x="571500" y="596900"/>
+                  </a:cubicBezTo>
+                  <a:cubicBezTo>
+                    <a:pt x="588724" y="609203"/>
+                    <a:pt x="608238" y="619180"/>
+                    <a:pt x="622300" y="635000"/>
+                  </a:cubicBezTo>
+                  <a:cubicBezTo>
+                    <a:pt x="642581" y="657816"/>
+                    <a:pt x="651514" y="689614"/>
+                    <a:pt x="673100" y="711200"/>
+                  </a:cubicBezTo>
+                  <a:cubicBezTo>
+                    <a:pt x="701187" y="739287"/>
+                    <a:pt x="718919" y="752037"/>
+                    <a:pt x="736600" y="787400"/>
+                  </a:cubicBezTo>
+                  <a:cubicBezTo>
+                    <a:pt x="742587" y="799374"/>
+                    <a:pt x="745067" y="812800"/>
+                    <a:pt x="749300" y="825500"/>
+                  </a:cubicBezTo>
+                  <a:cubicBezTo>
+                    <a:pt x="757767" y="812800"/>
+                    <a:pt x="767874" y="801052"/>
+                    <a:pt x="774700" y="787400"/>
+                  </a:cubicBezTo>
+                  <a:cubicBezTo>
+                    <a:pt x="780687" y="775426"/>
+                    <a:pt x="780305" y="760652"/>
+                    <a:pt x="787400" y="749300"/>
+                  </a:cubicBezTo>
+                  <a:cubicBezTo>
+                    <a:pt x="801766" y="726314"/>
+                    <a:pt x="821267" y="706967"/>
+                    <a:pt x="838200" y="685800"/>
+                  </a:cubicBezTo>
+                  <a:cubicBezTo>
+                    <a:pt x="867505" y="597886"/>
+                    <a:pt x="826333" y="695412"/>
+                    <a:pt x="889000" y="622300"/>
+                  </a:cubicBezTo>
+                  <a:cubicBezTo>
+                    <a:pt x="905064" y="603558"/>
+                    <a:pt x="912289" y="578547"/>
+                    <a:pt x="927100" y="558800"/>
+                  </a:cubicBezTo>
+                  <a:cubicBezTo>
+                    <a:pt x="951124" y="526768"/>
+                    <a:pt x="1001347" y="493834"/>
+                    <a:pt x="1028700" y="469900"/>
+                  </a:cubicBezTo>
+                  <a:cubicBezTo>
+                    <a:pt x="1072352" y="431705"/>
+                    <a:pt x="1073324" y="414236"/>
+                    <a:pt x="1130300" y="381000"/>
+                  </a:cubicBezTo>
+                  <a:cubicBezTo>
+                    <a:pt x="1158148" y="364755"/>
+                    <a:pt x="1190364" y="357318"/>
+                    <a:pt x="1219200" y="342900"/>
+                  </a:cubicBezTo>
+                  <a:cubicBezTo>
+                    <a:pt x="1249727" y="327636"/>
+                    <a:pt x="1277111" y="306403"/>
+                    <a:pt x="1308100" y="292100"/>
+                  </a:cubicBezTo>
+                  <a:cubicBezTo>
+                    <a:pt x="1332410" y="280880"/>
+                    <a:pt x="1359231" y="276101"/>
+                    <a:pt x="1384300" y="266700"/>
+                  </a:cubicBezTo>
+                  <a:cubicBezTo>
+                    <a:pt x="1426991" y="250691"/>
+                    <a:pt x="1467369" y="228103"/>
+                    <a:pt x="1511300" y="215900"/>
+                  </a:cubicBezTo>
+                  <a:cubicBezTo>
+                    <a:pt x="1544185" y="206765"/>
+                    <a:pt x="1579033" y="207433"/>
+                    <a:pt x="1612900" y="203200"/>
+                  </a:cubicBezTo>
+                  <a:cubicBezTo>
+                    <a:pt x="1724130" y="162753"/>
+                    <a:pt x="1883672" y="99923"/>
+                    <a:pt x="1993900" y="88900"/>
+                  </a:cubicBezTo>
+                  <a:lnTo>
+                    <a:pt x="2235200" y="63500"/>
+                  </a:lnTo>
+                  <a:cubicBezTo>
+                    <a:pt x="2401222" y="42747"/>
+                    <a:pt x="2254543" y="60276"/>
+                    <a:pt x="2387600" y="38100"/>
+                  </a:cubicBezTo>
+                  <a:cubicBezTo>
+                    <a:pt x="2417127" y="33179"/>
+                    <a:pt x="2446867" y="29633"/>
+                    <a:pt x="2476500" y="25400"/>
+                  </a:cubicBezTo>
+                  <a:cubicBezTo>
+                    <a:pt x="2489200" y="21167"/>
+                    <a:pt x="2501429" y="15095"/>
+                    <a:pt x="2514600" y="12700"/>
+                  </a:cubicBezTo>
+                  <a:cubicBezTo>
+                    <a:pt x="2548180" y="6595"/>
+                    <a:pt x="2616200" y="0"/>
+                    <a:pt x="2616200" y="0"/>
+                  </a:cubicBezTo>
+                </a:path>
+              </a:pathLst>
+            </a:custGeom>
+            <a:noFill/>
+            <a:ln w="38100">
+              <a:solidFill>
+                <a:srgbClr val="00B050"/>
+              </a:solidFill>
+            </a:ln>
+          </p:spPr>
+          <p:style>
+            <a:lnRef idx="2">
+              <a:schemeClr val="accent1">
+                <a:shade val="50000"/>
+              </a:schemeClr>
+            </a:lnRef>
+            <a:fillRef idx="1">
+              <a:schemeClr val="accent1"/>
+            </a:fillRef>
+            <a:effectRef idx="0">
+              <a:schemeClr val="accent1"/>
+            </a:effectRef>
+            <a:fontRef idx="minor">
+              <a:schemeClr val="lt1"/>
+            </a:fontRef>
+          </p:style>
+          <p:txBody>
+            <a:bodyPr rtlCol="0" anchor="ctr"/>
+            <a:lstStyle/>
+            <a:p>
+              <a:pPr algn="ctr"/>
+              <a:endParaRPr lang="fr-FR"/>
+            </a:p>
+          </p:txBody>
+        </p:sp>
+        <p:sp>
+          <p:nvSpPr>
+            <p:cNvPr id="25" name="Forme libre 24"/>
+            <p:cNvSpPr/>
+            <p:nvPr/>
+          </p:nvSpPr>
+          <p:spPr>
+            <a:xfrm>
+              <a:off x="550168" y="4939407"/>
+              <a:ext cx="277416" cy="200124"/>
+            </a:xfrm>
+            <a:custGeom>
+              <a:avLst/>
+              <a:gdLst>
+                <a:gd name="connsiteX0" fmla="*/ 0 w 2616200"/>
+                <a:gd name="connsiteY0" fmla="*/ 304800 h 825500"/>
+                <a:gd name="connsiteX1" fmla="*/ 152400 w 2616200"/>
+                <a:gd name="connsiteY1" fmla="*/ 342900 h 825500"/>
+                <a:gd name="connsiteX2" fmla="*/ 190500 w 2616200"/>
+                <a:gd name="connsiteY2" fmla="*/ 368300 h 825500"/>
+                <a:gd name="connsiteX3" fmla="*/ 254000 w 2616200"/>
+                <a:gd name="connsiteY3" fmla="*/ 393700 h 825500"/>
+                <a:gd name="connsiteX4" fmla="*/ 381000 w 2616200"/>
+                <a:gd name="connsiteY4" fmla="*/ 482600 h 825500"/>
+                <a:gd name="connsiteX5" fmla="*/ 431800 w 2616200"/>
+                <a:gd name="connsiteY5" fmla="*/ 495300 h 825500"/>
+                <a:gd name="connsiteX6" fmla="*/ 533400 w 2616200"/>
+                <a:gd name="connsiteY6" fmla="*/ 571500 h 825500"/>
+                <a:gd name="connsiteX7" fmla="*/ 571500 w 2616200"/>
+                <a:gd name="connsiteY7" fmla="*/ 596900 h 825500"/>
+                <a:gd name="connsiteX8" fmla="*/ 622300 w 2616200"/>
+                <a:gd name="connsiteY8" fmla="*/ 635000 h 825500"/>
+                <a:gd name="connsiteX9" fmla="*/ 673100 w 2616200"/>
+                <a:gd name="connsiteY9" fmla="*/ 711200 h 825500"/>
+                <a:gd name="connsiteX10" fmla="*/ 736600 w 2616200"/>
+                <a:gd name="connsiteY10" fmla="*/ 787400 h 825500"/>
+                <a:gd name="connsiteX11" fmla="*/ 749300 w 2616200"/>
+                <a:gd name="connsiteY11" fmla="*/ 825500 h 825500"/>
+                <a:gd name="connsiteX12" fmla="*/ 774700 w 2616200"/>
+                <a:gd name="connsiteY12" fmla="*/ 787400 h 825500"/>
+                <a:gd name="connsiteX13" fmla="*/ 787400 w 2616200"/>
+                <a:gd name="connsiteY13" fmla="*/ 749300 h 825500"/>
+                <a:gd name="connsiteX14" fmla="*/ 838200 w 2616200"/>
+                <a:gd name="connsiteY14" fmla="*/ 685800 h 825500"/>
+                <a:gd name="connsiteX15" fmla="*/ 889000 w 2616200"/>
+                <a:gd name="connsiteY15" fmla="*/ 622300 h 825500"/>
+                <a:gd name="connsiteX16" fmla="*/ 927100 w 2616200"/>
+                <a:gd name="connsiteY16" fmla="*/ 558800 h 825500"/>
+                <a:gd name="connsiteX17" fmla="*/ 1028700 w 2616200"/>
+                <a:gd name="connsiteY17" fmla="*/ 469900 h 825500"/>
+                <a:gd name="connsiteX18" fmla="*/ 1130300 w 2616200"/>
+                <a:gd name="connsiteY18" fmla="*/ 381000 h 825500"/>
+                <a:gd name="connsiteX19" fmla="*/ 1219200 w 2616200"/>
+                <a:gd name="connsiteY19" fmla="*/ 342900 h 825500"/>
+                <a:gd name="connsiteX20" fmla="*/ 1308100 w 2616200"/>
+                <a:gd name="connsiteY20" fmla="*/ 292100 h 825500"/>
+                <a:gd name="connsiteX21" fmla="*/ 1384300 w 2616200"/>
+                <a:gd name="connsiteY21" fmla="*/ 266700 h 825500"/>
+                <a:gd name="connsiteX22" fmla="*/ 1511300 w 2616200"/>
+                <a:gd name="connsiteY22" fmla="*/ 215900 h 825500"/>
+                <a:gd name="connsiteX23" fmla="*/ 1612900 w 2616200"/>
+                <a:gd name="connsiteY23" fmla="*/ 203200 h 825500"/>
+                <a:gd name="connsiteX24" fmla="*/ 1993900 w 2616200"/>
+                <a:gd name="connsiteY24" fmla="*/ 88900 h 825500"/>
+                <a:gd name="connsiteX25" fmla="*/ 2235200 w 2616200"/>
+                <a:gd name="connsiteY25" fmla="*/ 63500 h 825500"/>
+                <a:gd name="connsiteX26" fmla="*/ 2387600 w 2616200"/>
+                <a:gd name="connsiteY26" fmla="*/ 38100 h 825500"/>
+                <a:gd name="connsiteX27" fmla="*/ 2476500 w 2616200"/>
+                <a:gd name="connsiteY27" fmla="*/ 25400 h 825500"/>
+                <a:gd name="connsiteX28" fmla="*/ 2514600 w 2616200"/>
+                <a:gd name="connsiteY28" fmla="*/ 12700 h 825500"/>
+                <a:gd name="connsiteX29" fmla="*/ 2616200 w 2616200"/>
+                <a:gd name="connsiteY29" fmla="*/ 0 h 825500"/>
+              </a:gdLst>
+              <a:ahLst/>
+              <a:cxnLst>
+                <a:cxn ang="0">
+                  <a:pos x="connsiteX0" y="connsiteY0"/>
+                </a:cxn>
+                <a:cxn ang="0">
+                  <a:pos x="connsiteX1" y="connsiteY1"/>
+                </a:cxn>
+                <a:cxn ang="0">
+                  <a:pos x="connsiteX2" y="connsiteY2"/>
+                </a:cxn>
+                <a:cxn ang="0">
+                  <a:pos x="connsiteX3" y="connsiteY3"/>
+                </a:cxn>
+                <a:cxn ang="0">
+                  <a:pos x="connsiteX4" y="connsiteY4"/>
+                </a:cxn>
+                <a:cxn ang="0">
+                  <a:pos x="connsiteX5" y="connsiteY5"/>
+                </a:cxn>
+                <a:cxn ang="0">
+                  <a:pos x="connsiteX6" y="connsiteY6"/>
+                </a:cxn>
+                <a:cxn ang="0">
+                  <a:pos x="connsiteX7" y="connsiteY7"/>
+                </a:cxn>
+                <a:cxn ang="0">
+                  <a:pos x="connsiteX8" y="connsiteY8"/>
+                </a:cxn>
+                <a:cxn ang="0">
+                  <a:pos x="connsiteX9" y="connsiteY9"/>
+                </a:cxn>
+                <a:cxn ang="0">
+                  <a:pos x="connsiteX10" y="connsiteY10"/>
+                </a:cxn>
+                <a:cxn ang="0">
+                  <a:pos x="connsiteX11" y="connsiteY11"/>
+                </a:cxn>
+                <a:cxn ang="0">
+                  <a:pos x="connsiteX12" y="connsiteY12"/>
+                </a:cxn>
+                <a:cxn ang="0">
+                  <a:pos x="connsiteX13" y="connsiteY13"/>
+                </a:cxn>
+                <a:cxn ang="0">
+                  <a:pos x="connsiteX14" y="connsiteY14"/>
+                </a:cxn>
+                <a:cxn ang="0">
+                  <a:pos x="connsiteX15" y="connsiteY15"/>
+                </a:cxn>
+                <a:cxn ang="0">
+                  <a:pos x="connsiteX16" y="connsiteY16"/>
+                </a:cxn>
+                <a:cxn ang="0">
+                  <a:pos x="connsiteX17" y="connsiteY17"/>
+                </a:cxn>
+                <a:cxn ang="0">
+                  <a:pos x="connsiteX18" y="connsiteY18"/>
+                </a:cxn>
+                <a:cxn ang="0">
+                  <a:pos x="connsiteX19" y="connsiteY19"/>
+                </a:cxn>
+                <a:cxn ang="0">
+                  <a:pos x="connsiteX20" y="connsiteY20"/>
+                </a:cxn>
+                <a:cxn ang="0">
+                  <a:pos x="connsiteX21" y="connsiteY21"/>
+                </a:cxn>
+                <a:cxn ang="0">
+                  <a:pos x="connsiteX22" y="connsiteY22"/>
+                </a:cxn>
+                <a:cxn ang="0">
+                  <a:pos x="connsiteX23" y="connsiteY23"/>
+                </a:cxn>
+                <a:cxn ang="0">
+                  <a:pos x="connsiteX24" y="connsiteY24"/>
+                </a:cxn>
+                <a:cxn ang="0">
+                  <a:pos x="connsiteX25" y="connsiteY25"/>
+                </a:cxn>
+                <a:cxn ang="0">
+                  <a:pos x="connsiteX26" y="connsiteY26"/>
+                </a:cxn>
+                <a:cxn ang="0">
+                  <a:pos x="connsiteX27" y="connsiteY27"/>
+                </a:cxn>
+                <a:cxn ang="0">
+                  <a:pos x="connsiteX28" y="connsiteY28"/>
+                </a:cxn>
+                <a:cxn ang="0">
+                  <a:pos x="connsiteX29" y="connsiteY29"/>
+                </a:cxn>
+              </a:cxnLst>
+              <a:rect l="l" t="t" r="r" b="b"/>
+              <a:pathLst>
+                <a:path w="2616200" h="825500">
+                  <a:moveTo>
+                    <a:pt x="0" y="304800"/>
+                  </a:moveTo>
+                  <a:cubicBezTo>
+                    <a:pt x="50800" y="317500"/>
+                    <a:pt x="102724" y="326341"/>
+                    <a:pt x="152400" y="342900"/>
+                  </a:cubicBezTo>
+                  <a:cubicBezTo>
+                    <a:pt x="166880" y="347727"/>
+                    <a:pt x="176848" y="361474"/>
+                    <a:pt x="190500" y="368300"/>
+                  </a:cubicBezTo>
+                  <a:cubicBezTo>
+                    <a:pt x="210890" y="378495"/>
+                    <a:pt x="234072" y="382629"/>
+                    <a:pt x="254000" y="393700"/>
+                  </a:cubicBezTo>
+                  <a:cubicBezTo>
+                    <a:pt x="397357" y="473343"/>
+                    <a:pt x="188922" y="386561"/>
+                    <a:pt x="381000" y="482600"/>
+                  </a:cubicBezTo>
+                  <a:cubicBezTo>
+                    <a:pt x="396612" y="490406"/>
+                    <a:pt x="414867" y="491067"/>
+                    <a:pt x="431800" y="495300"/>
+                  </a:cubicBezTo>
+                  <a:cubicBezTo>
+                    <a:pt x="465667" y="520700"/>
+                    <a:pt x="498177" y="548018"/>
+                    <a:pt x="533400" y="571500"/>
+                  </a:cubicBezTo>
+                  <a:cubicBezTo>
+                    <a:pt x="546100" y="579967"/>
+                    <a:pt x="559080" y="588028"/>
+                    <a:pt x="571500" y="596900"/>
+                  </a:cubicBezTo>
+                  <a:cubicBezTo>
+                    <a:pt x="588724" y="609203"/>
+                    <a:pt x="608238" y="619180"/>
+                    <a:pt x="622300" y="635000"/>
+                  </a:cubicBezTo>
+                  <a:cubicBezTo>
+                    <a:pt x="642581" y="657816"/>
+                    <a:pt x="651514" y="689614"/>
+                    <a:pt x="673100" y="711200"/>
+                  </a:cubicBezTo>
+                  <a:cubicBezTo>
+                    <a:pt x="701187" y="739287"/>
+                    <a:pt x="718919" y="752037"/>
+                    <a:pt x="736600" y="787400"/>
+                  </a:cubicBezTo>
+                  <a:cubicBezTo>
+                    <a:pt x="742587" y="799374"/>
+                    <a:pt x="745067" y="812800"/>
+                    <a:pt x="749300" y="825500"/>
+                  </a:cubicBezTo>
+                  <a:cubicBezTo>
+                    <a:pt x="757767" y="812800"/>
+                    <a:pt x="767874" y="801052"/>
+                    <a:pt x="774700" y="787400"/>
+                  </a:cubicBezTo>
+                  <a:cubicBezTo>
+                    <a:pt x="780687" y="775426"/>
+                    <a:pt x="780305" y="760652"/>
+                    <a:pt x="787400" y="749300"/>
+                  </a:cubicBezTo>
+                  <a:cubicBezTo>
+                    <a:pt x="801766" y="726314"/>
+                    <a:pt x="821267" y="706967"/>
+                    <a:pt x="838200" y="685800"/>
+                  </a:cubicBezTo>
+                  <a:cubicBezTo>
+                    <a:pt x="867505" y="597886"/>
+                    <a:pt x="826333" y="695412"/>
+                    <a:pt x="889000" y="622300"/>
+                  </a:cubicBezTo>
+                  <a:cubicBezTo>
+                    <a:pt x="905064" y="603558"/>
+                    <a:pt x="912289" y="578547"/>
+                    <a:pt x="927100" y="558800"/>
+                  </a:cubicBezTo>
+                  <a:cubicBezTo>
+                    <a:pt x="951124" y="526768"/>
+                    <a:pt x="1001347" y="493834"/>
+                    <a:pt x="1028700" y="469900"/>
+                  </a:cubicBezTo>
+                  <a:cubicBezTo>
+                    <a:pt x="1072352" y="431705"/>
+                    <a:pt x="1073324" y="414236"/>
+                    <a:pt x="1130300" y="381000"/>
+                  </a:cubicBezTo>
+                  <a:cubicBezTo>
+                    <a:pt x="1158148" y="364755"/>
+                    <a:pt x="1190364" y="357318"/>
+                    <a:pt x="1219200" y="342900"/>
+                  </a:cubicBezTo>
+                  <a:cubicBezTo>
+                    <a:pt x="1249727" y="327636"/>
+                    <a:pt x="1277111" y="306403"/>
+                    <a:pt x="1308100" y="292100"/>
+                  </a:cubicBezTo>
+                  <a:cubicBezTo>
+                    <a:pt x="1332410" y="280880"/>
+                    <a:pt x="1359231" y="276101"/>
+                    <a:pt x="1384300" y="266700"/>
+                  </a:cubicBezTo>
+                  <a:cubicBezTo>
+                    <a:pt x="1426991" y="250691"/>
+                    <a:pt x="1467369" y="228103"/>
+                    <a:pt x="1511300" y="215900"/>
+                  </a:cubicBezTo>
+                  <a:cubicBezTo>
+                    <a:pt x="1544185" y="206765"/>
+                    <a:pt x="1579033" y="207433"/>
+                    <a:pt x="1612900" y="203200"/>
+                  </a:cubicBezTo>
+                  <a:cubicBezTo>
+                    <a:pt x="1724130" y="162753"/>
+                    <a:pt x="1883672" y="99923"/>
+                    <a:pt x="1993900" y="88900"/>
+                  </a:cubicBezTo>
+                  <a:lnTo>
+                    <a:pt x="2235200" y="63500"/>
+                  </a:lnTo>
+                  <a:cubicBezTo>
+                    <a:pt x="2401222" y="42747"/>
+                    <a:pt x="2254543" y="60276"/>
+                    <a:pt x="2387600" y="38100"/>
+                  </a:cubicBezTo>
+                  <a:cubicBezTo>
+                    <a:pt x="2417127" y="33179"/>
+                    <a:pt x="2446867" y="29633"/>
+                    <a:pt x="2476500" y="25400"/>
+                  </a:cubicBezTo>
+                  <a:cubicBezTo>
+                    <a:pt x="2489200" y="21167"/>
+                    <a:pt x="2501429" y="15095"/>
+                    <a:pt x="2514600" y="12700"/>
+                  </a:cubicBezTo>
+                  <a:cubicBezTo>
+                    <a:pt x="2548180" y="6595"/>
+                    <a:pt x="2616200" y="0"/>
+                    <a:pt x="2616200" y="0"/>
+                  </a:cubicBezTo>
+                </a:path>
+              </a:pathLst>
+            </a:custGeom>
+            <a:noFill/>
+            <a:ln w="38100">
+              <a:solidFill>
+                <a:srgbClr val="00B050"/>
+              </a:solidFill>
+            </a:ln>
+          </p:spPr>
+          <p:style>
+            <a:lnRef idx="2">
+              <a:schemeClr val="accent1">
+                <a:shade val="50000"/>
+              </a:schemeClr>
+            </a:lnRef>
+            <a:fillRef idx="1">
+              <a:schemeClr val="accent1"/>
+            </a:fillRef>
+            <a:effectRef idx="0">
+              <a:schemeClr val="accent1"/>
+            </a:effectRef>
+            <a:fontRef idx="minor">
+              <a:schemeClr val="lt1"/>
+            </a:fontRef>
+          </p:style>
+          <p:txBody>
+            <a:bodyPr rtlCol="0" anchor="ctr"/>
+            <a:lstStyle/>
+            <a:p>
+              <a:pPr algn="ctr"/>
+              <a:endParaRPr lang="fr-FR"/>
+            </a:p>
+          </p:txBody>
+        </p:sp>
+        <p:sp>
+          <p:nvSpPr>
+            <p:cNvPr id="26" name="Forme libre 25"/>
+            <p:cNvSpPr/>
+            <p:nvPr/>
+          </p:nvSpPr>
+          <p:spPr>
+            <a:xfrm>
+              <a:off x="539552" y="5229200"/>
+              <a:ext cx="277416" cy="200124"/>
+            </a:xfrm>
+            <a:custGeom>
+              <a:avLst/>
+              <a:gdLst>
+                <a:gd name="connsiteX0" fmla="*/ 0 w 2616200"/>
+                <a:gd name="connsiteY0" fmla="*/ 304800 h 825500"/>
+                <a:gd name="connsiteX1" fmla="*/ 152400 w 2616200"/>
+                <a:gd name="connsiteY1" fmla="*/ 342900 h 825500"/>
+                <a:gd name="connsiteX2" fmla="*/ 190500 w 2616200"/>
+                <a:gd name="connsiteY2" fmla="*/ 368300 h 825500"/>
+                <a:gd name="connsiteX3" fmla="*/ 254000 w 2616200"/>
+                <a:gd name="connsiteY3" fmla="*/ 393700 h 825500"/>
+                <a:gd name="connsiteX4" fmla="*/ 381000 w 2616200"/>
+                <a:gd name="connsiteY4" fmla="*/ 482600 h 825500"/>
+                <a:gd name="connsiteX5" fmla="*/ 431800 w 2616200"/>
+                <a:gd name="connsiteY5" fmla="*/ 495300 h 825500"/>
+                <a:gd name="connsiteX6" fmla="*/ 533400 w 2616200"/>
+                <a:gd name="connsiteY6" fmla="*/ 571500 h 825500"/>
+                <a:gd name="connsiteX7" fmla="*/ 571500 w 2616200"/>
+                <a:gd name="connsiteY7" fmla="*/ 596900 h 825500"/>
+                <a:gd name="connsiteX8" fmla="*/ 622300 w 2616200"/>
+                <a:gd name="connsiteY8" fmla="*/ 635000 h 825500"/>
+                <a:gd name="connsiteX9" fmla="*/ 673100 w 2616200"/>
+                <a:gd name="connsiteY9" fmla="*/ 711200 h 825500"/>
+                <a:gd name="connsiteX10" fmla="*/ 736600 w 2616200"/>
+                <a:gd name="connsiteY10" fmla="*/ 787400 h 825500"/>
+                <a:gd name="connsiteX11" fmla="*/ 749300 w 2616200"/>
+                <a:gd name="connsiteY11" fmla="*/ 825500 h 825500"/>
+                <a:gd name="connsiteX12" fmla="*/ 774700 w 2616200"/>
+                <a:gd name="connsiteY12" fmla="*/ 787400 h 825500"/>
+                <a:gd name="connsiteX13" fmla="*/ 787400 w 2616200"/>
+                <a:gd name="connsiteY13" fmla="*/ 749300 h 825500"/>
+                <a:gd name="connsiteX14" fmla="*/ 838200 w 2616200"/>
+                <a:gd name="connsiteY14" fmla="*/ 685800 h 825500"/>
+                <a:gd name="connsiteX15" fmla="*/ 889000 w 2616200"/>
+                <a:gd name="connsiteY15" fmla="*/ 622300 h 825500"/>
+                <a:gd name="connsiteX16" fmla="*/ 927100 w 2616200"/>
+                <a:gd name="connsiteY16" fmla="*/ 558800 h 825500"/>
+                <a:gd name="connsiteX17" fmla="*/ 1028700 w 2616200"/>
+                <a:gd name="connsiteY17" fmla="*/ 469900 h 825500"/>
+                <a:gd name="connsiteX18" fmla="*/ 1130300 w 2616200"/>
+                <a:gd name="connsiteY18" fmla="*/ 381000 h 825500"/>
+                <a:gd name="connsiteX19" fmla="*/ 1219200 w 2616200"/>
+                <a:gd name="connsiteY19" fmla="*/ 342900 h 825500"/>
+                <a:gd name="connsiteX20" fmla="*/ 1308100 w 2616200"/>
+                <a:gd name="connsiteY20" fmla="*/ 292100 h 825500"/>
+                <a:gd name="connsiteX21" fmla="*/ 1384300 w 2616200"/>
+                <a:gd name="connsiteY21" fmla="*/ 266700 h 825500"/>
+                <a:gd name="connsiteX22" fmla="*/ 1511300 w 2616200"/>
+                <a:gd name="connsiteY22" fmla="*/ 215900 h 825500"/>
+                <a:gd name="connsiteX23" fmla="*/ 1612900 w 2616200"/>
+                <a:gd name="connsiteY23" fmla="*/ 203200 h 825500"/>
+                <a:gd name="connsiteX24" fmla="*/ 1993900 w 2616200"/>
+                <a:gd name="connsiteY24" fmla="*/ 88900 h 825500"/>
+                <a:gd name="connsiteX25" fmla="*/ 2235200 w 2616200"/>
+                <a:gd name="connsiteY25" fmla="*/ 63500 h 825500"/>
+                <a:gd name="connsiteX26" fmla="*/ 2387600 w 2616200"/>
+                <a:gd name="connsiteY26" fmla="*/ 38100 h 825500"/>
+                <a:gd name="connsiteX27" fmla="*/ 2476500 w 2616200"/>
+                <a:gd name="connsiteY27" fmla="*/ 25400 h 825500"/>
+                <a:gd name="connsiteX28" fmla="*/ 2514600 w 2616200"/>
+                <a:gd name="connsiteY28" fmla="*/ 12700 h 825500"/>
+                <a:gd name="connsiteX29" fmla="*/ 2616200 w 2616200"/>
+                <a:gd name="connsiteY29" fmla="*/ 0 h 825500"/>
+              </a:gdLst>
+              <a:ahLst/>
+              <a:cxnLst>
+                <a:cxn ang="0">
+                  <a:pos x="connsiteX0" y="connsiteY0"/>
+                </a:cxn>
+                <a:cxn ang="0">
+                  <a:pos x="connsiteX1" y="connsiteY1"/>
+                </a:cxn>
+                <a:cxn ang="0">
+                  <a:pos x="connsiteX2" y="connsiteY2"/>
+                </a:cxn>
+                <a:cxn ang="0">
+                  <a:pos x="connsiteX3" y="connsiteY3"/>
+                </a:cxn>
+                <a:cxn ang="0">
+                  <a:pos x="connsiteX4" y="connsiteY4"/>
+                </a:cxn>
+                <a:cxn ang="0">
+                  <a:pos x="connsiteX5" y="connsiteY5"/>
+                </a:cxn>
+                <a:cxn ang="0">
+                  <a:pos x="connsiteX6" y="connsiteY6"/>
+                </a:cxn>
+                <a:cxn ang="0">
+                  <a:pos x="connsiteX7" y="connsiteY7"/>
+                </a:cxn>
+                <a:cxn ang="0">
+                  <a:pos x="connsiteX8" y="connsiteY8"/>
+                </a:cxn>
+                <a:cxn ang="0">
+                  <a:pos x="connsiteX9" y="connsiteY9"/>
+                </a:cxn>
+                <a:cxn ang="0">
+                  <a:pos x="connsiteX10" y="connsiteY10"/>
+                </a:cxn>
+                <a:cxn ang="0">
+                  <a:pos x="connsiteX11" y="connsiteY11"/>
+                </a:cxn>
+                <a:cxn ang="0">
+                  <a:pos x="connsiteX12" y="connsiteY12"/>
+                </a:cxn>
+                <a:cxn ang="0">
+                  <a:pos x="connsiteX13" y="connsiteY13"/>
+                </a:cxn>
+                <a:cxn ang="0">
+                  <a:pos x="connsiteX14" y="connsiteY14"/>
+                </a:cxn>
+                <a:cxn ang="0">
+                  <a:pos x="connsiteX15" y="connsiteY15"/>
+                </a:cxn>
+                <a:cxn ang="0">
+                  <a:pos x="connsiteX16" y="connsiteY16"/>
+                </a:cxn>
+                <a:cxn ang="0">
+                  <a:pos x="connsiteX17" y="connsiteY17"/>
+                </a:cxn>
+                <a:cxn ang="0">
+                  <a:pos x="connsiteX18" y="connsiteY18"/>
+                </a:cxn>
+                <a:cxn ang="0">
+                  <a:pos x="connsiteX19" y="connsiteY19"/>
+                </a:cxn>
+                <a:cxn ang="0">
+                  <a:pos x="connsiteX20" y="connsiteY20"/>
+                </a:cxn>
+                <a:cxn ang="0">
+                  <a:pos x="connsiteX21" y="connsiteY21"/>
+                </a:cxn>
+                <a:cxn ang="0">
+                  <a:pos x="connsiteX22" y="connsiteY22"/>
+                </a:cxn>
+                <a:cxn ang="0">
+                  <a:pos x="connsiteX23" y="connsiteY23"/>
+                </a:cxn>
+                <a:cxn ang="0">
+                  <a:pos x="connsiteX24" y="connsiteY24"/>
+                </a:cxn>
+                <a:cxn ang="0">
+                  <a:pos x="connsiteX25" y="connsiteY25"/>
+                </a:cxn>
+                <a:cxn ang="0">
+                  <a:pos x="connsiteX26" y="connsiteY26"/>
+                </a:cxn>
+                <a:cxn ang="0">
+                  <a:pos x="connsiteX27" y="connsiteY27"/>
+                </a:cxn>
+                <a:cxn ang="0">
+                  <a:pos x="connsiteX28" y="connsiteY28"/>
+                </a:cxn>
+                <a:cxn ang="0">
+                  <a:pos x="connsiteX29" y="connsiteY29"/>
+                </a:cxn>
+              </a:cxnLst>
+              <a:rect l="l" t="t" r="r" b="b"/>
+              <a:pathLst>
+                <a:path w="2616200" h="825500">
+                  <a:moveTo>
+                    <a:pt x="0" y="304800"/>
+                  </a:moveTo>
+                  <a:cubicBezTo>
+                    <a:pt x="50800" y="317500"/>
+                    <a:pt x="102724" y="326341"/>
+                    <a:pt x="152400" y="342900"/>
+                  </a:cubicBezTo>
+                  <a:cubicBezTo>
+                    <a:pt x="166880" y="347727"/>
+                    <a:pt x="176848" y="361474"/>
+                    <a:pt x="190500" y="368300"/>
+                  </a:cubicBezTo>
+                  <a:cubicBezTo>
+                    <a:pt x="210890" y="378495"/>
+                    <a:pt x="234072" y="382629"/>
+                    <a:pt x="254000" y="393700"/>
+                  </a:cubicBezTo>
+                  <a:cubicBezTo>
+                    <a:pt x="397357" y="473343"/>
+                    <a:pt x="188922" y="386561"/>
+                    <a:pt x="381000" y="482600"/>
+                  </a:cubicBezTo>
+                  <a:cubicBezTo>
+                    <a:pt x="396612" y="490406"/>
+                    <a:pt x="414867" y="491067"/>
+                    <a:pt x="431800" y="495300"/>
+                  </a:cubicBezTo>
+                  <a:cubicBezTo>
+                    <a:pt x="465667" y="520700"/>
+                    <a:pt x="498177" y="548018"/>
+                    <a:pt x="533400" y="571500"/>
+                  </a:cubicBezTo>
+                  <a:cubicBezTo>
+                    <a:pt x="546100" y="579967"/>
+                    <a:pt x="559080" y="588028"/>
+                    <a:pt x="571500" y="596900"/>
+                  </a:cubicBezTo>
+                  <a:cubicBezTo>
+                    <a:pt x="588724" y="609203"/>
+                    <a:pt x="608238" y="619180"/>
+                    <a:pt x="622300" y="635000"/>
+                  </a:cubicBezTo>
+                  <a:cubicBezTo>
+                    <a:pt x="642581" y="657816"/>
+                    <a:pt x="651514" y="689614"/>
+                    <a:pt x="673100" y="711200"/>
+                  </a:cubicBezTo>
+                  <a:cubicBezTo>
+                    <a:pt x="701187" y="739287"/>
+                    <a:pt x="718919" y="752037"/>
+                    <a:pt x="736600" y="787400"/>
+                  </a:cubicBezTo>
+                  <a:cubicBezTo>
+                    <a:pt x="742587" y="799374"/>
+                    <a:pt x="745067" y="812800"/>
+                    <a:pt x="749300" y="825500"/>
+                  </a:cubicBezTo>
+                  <a:cubicBezTo>
+                    <a:pt x="757767" y="812800"/>
+                    <a:pt x="767874" y="801052"/>
+                    <a:pt x="774700" y="787400"/>
+                  </a:cubicBezTo>
+                  <a:cubicBezTo>
+                    <a:pt x="780687" y="775426"/>
+                    <a:pt x="780305" y="760652"/>
+                    <a:pt x="787400" y="749300"/>
+                  </a:cubicBezTo>
+                  <a:cubicBezTo>
+                    <a:pt x="801766" y="726314"/>
+                    <a:pt x="821267" y="706967"/>
+                    <a:pt x="838200" y="685800"/>
+                  </a:cubicBezTo>
+                  <a:cubicBezTo>
+                    <a:pt x="867505" y="597886"/>
+                    <a:pt x="826333" y="695412"/>
+                    <a:pt x="889000" y="622300"/>
+                  </a:cubicBezTo>
+                  <a:cubicBezTo>
+                    <a:pt x="905064" y="603558"/>
+                    <a:pt x="912289" y="578547"/>
+                    <a:pt x="927100" y="558800"/>
+                  </a:cubicBezTo>
+                  <a:cubicBezTo>
+                    <a:pt x="951124" y="526768"/>
+                    <a:pt x="1001347" y="493834"/>
+                    <a:pt x="1028700" y="469900"/>
+                  </a:cubicBezTo>
+                  <a:cubicBezTo>
+                    <a:pt x="1072352" y="431705"/>
+                    <a:pt x="1073324" y="414236"/>
+                    <a:pt x="1130300" y="381000"/>
+                  </a:cubicBezTo>
+                  <a:cubicBezTo>
+                    <a:pt x="1158148" y="364755"/>
+                    <a:pt x="1190364" y="357318"/>
+                    <a:pt x="1219200" y="342900"/>
+                  </a:cubicBezTo>
+                  <a:cubicBezTo>
+                    <a:pt x="1249727" y="327636"/>
+                    <a:pt x="1277111" y="306403"/>
+                    <a:pt x="1308100" y="292100"/>
+                  </a:cubicBezTo>
+                  <a:cubicBezTo>
+                    <a:pt x="1332410" y="280880"/>
+                    <a:pt x="1359231" y="276101"/>
+                    <a:pt x="1384300" y="266700"/>
+                  </a:cubicBezTo>
+                  <a:cubicBezTo>
+                    <a:pt x="1426991" y="250691"/>
+                    <a:pt x="1467369" y="228103"/>
+                    <a:pt x="1511300" y="215900"/>
+                  </a:cubicBezTo>
+                  <a:cubicBezTo>
+                    <a:pt x="1544185" y="206765"/>
+                    <a:pt x="1579033" y="207433"/>
+                    <a:pt x="1612900" y="203200"/>
+                  </a:cubicBezTo>
+                  <a:cubicBezTo>
+                    <a:pt x="1724130" y="162753"/>
+                    <a:pt x="1883672" y="99923"/>
+                    <a:pt x="1993900" y="88900"/>
+                  </a:cubicBezTo>
+                  <a:lnTo>
+                    <a:pt x="2235200" y="63500"/>
+                  </a:lnTo>
+                  <a:cubicBezTo>
+                    <a:pt x="2401222" y="42747"/>
+                    <a:pt x="2254543" y="60276"/>
+                    <a:pt x="2387600" y="38100"/>
+                  </a:cubicBezTo>
+                  <a:cubicBezTo>
+                    <a:pt x="2417127" y="33179"/>
+                    <a:pt x="2446867" y="29633"/>
+                    <a:pt x="2476500" y="25400"/>
+                  </a:cubicBezTo>
+                  <a:cubicBezTo>
+                    <a:pt x="2489200" y="21167"/>
+                    <a:pt x="2501429" y="15095"/>
+                    <a:pt x="2514600" y="12700"/>
+                  </a:cubicBezTo>
+                  <a:cubicBezTo>
+                    <a:pt x="2548180" y="6595"/>
+                    <a:pt x="2616200" y="0"/>
+                    <a:pt x="2616200" y="0"/>
+                  </a:cubicBezTo>
+                </a:path>
+              </a:pathLst>
+            </a:custGeom>
+            <a:noFill/>
+            <a:ln w="38100">
+              <a:solidFill>
+                <a:srgbClr val="00B050"/>
+              </a:solidFill>
+            </a:ln>
+          </p:spPr>
+          <p:style>
+            <a:lnRef idx="2">
+              <a:schemeClr val="accent1">
+                <a:shade val="50000"/>
+              </a:schemeClr>
+            </a:lnRef>
+            <a:fillRef idx="1">
+              <a:schemeClr val="accent1"/>
+            </a:fillRef>
+            <a:effectRef idx="0">
+              <a:schemeClr val="accent1"/>
+            </a:effectRef>
+            <a:fontRef idx="minor">
+              <a:schemeClr val="lt1"/>
+            </a:fontRef>
+          </p:style>
+          <p:txBody>
+            <a:bodyPr rtlCol="0" anchor="ctr"/>
+            <a:lstStyle/>
+            <a:p>
+              <a:pPr algn="ctr"/>
+              <a:endParaRPr lang="fr-FR"/>
+            </a:p>
+          </p:txBody>
+        </p:sp>
+        <p:sp>
+          <p:nvSpPr>
+            <p:cNvPr id="27" name="Forme libre 26"/>
+            <p:cNvSpPr/>
+            <p:nvPr/>
+          </p:nvSpPr>
+          <p:spPr>
+            <a:xfrm>
+              <a:off x="539552" y="5517232"/>
+              <a:ext cx="277416" cy="200124"/>
+            </a:xfrm>
+            <a:custGeom>
+              <a:avLst/>
+              <a:gdLst>
+                <a:gd name="connsiteX0" fmla="*/ 0 w 2616200"/>
+                <a:gd name="connsiteY0" fmla="*/ 304800 h 825500"/>
+                <a:gd name="connsiteX1" fmla="*/ 152400 w 2616200"/>
+                <a:gd name="connsiteY1" fmla="*/ 342900 h 825500"/>
+                <a:gd name="connsiteX2" fmla="*/ 190500 w 2616200"/>
+                <a:gd name="connsiteY2" fmla="*/ 368300 h 825500"/>
+                <a:gd name="connsiteX3" fmla="*/ 254000 w 2616200"/>
+                <a:gd name="connsiteY3" fmla="*/ 393700 h 825500"/>
+                <a:gd name="connsiteX4" fmla="*/ 381000 w 2616200"/>
+                <a:gd name="connsiteY4" fmla="*/ 482600 h 825500"/>
+                <a:gd name="connsiteX5" fmla="*/ 431800 w 2616200"/>
+                <a:gd name="connsiteY5" fmla="*/ 495300 h 825500"/>
+                <a:gd name="connsiteX6" fmla="*/ 533400 w 2616200"/>
+                <a:gd name="connsiteY6" fmla="*/ 571500 h 825500"/>
+                <a:gd name="connsiteX7" fmla="*/ 571500 w 2616200"/>
+                <a:gd name="connsiteY7" fmla="*/ 596900 h 825500"/>
+                <a:gd name="connsiteX8" fmla="*/ 622300 w 2616200"/>
+                <a:gd name="connsiteY8" fmla="*/ 635000 h 825500"/>
+                <a:gd name="connsiteX9" fmla="*/ 673100 w 2616200"/>
+                <a:gd name="connsiteY9" fmla="*/ 711200 h 825500"/>
+                <a:gd name="connsiteX10" fmla="*/ 736600 w 2616200"/>
+                <a:gd name="connsiteY10" fmla="*/ 787400 h 825500"/>
+                <a:gd name="connsiteX11" fmla="*/ 749300 w 2616200"/>
+                <a:gd name="connsiteY11" fmla="*/ 825500 h 825500"/>
+                <a:gd name="connsiteX12" fmla="*/ 774700 w 2616200"/>
+                <a:gd name="connsiteY12" fmla="*/ 787400 h 825500"/>
+                <a:gd name="connsiteX13" fmla="*/ 787400 w 2616200"/>
+                <a:gd name="connsiteY13" fmla="*/ 749300 h 825500"/>
+                <a:gd name="connsiteX14" fmla="*/ 838200 w 2616200"/>
+                <a:gd name="connsiteY14" fmla="*/ 685800 h 825500"/>
+                <a:gd name="connsiteX15" fmla="*/ 889000 w 2616200"/>
+                <a:gd name="connsiteY15" fmla="*/ 622300 h 825500"/>
+                <a:gd name="connsiteX16" fmla="*/ 927100 w 2616200"/>
+                <a:gd name="connsiteY16" fmla="*/ 558800 h 825500"/>
+                <a:gd name="connsiteX17" fmla="*/ 1028700 w 2616200"/>
+                <a:gd name="connsiteY17" fmla="*/ 469900 h 825500"/>
+                <a:gd name="connsiteX18" fmla="*/ 1130300 w 2616200"/>
+                <a:gd name="connsiteY18" fmla="*/ 381000 h 825500"/>
+                <a:gd name="connsiteX19" fmla="*/ 1219200 w 2616200"/>
+                <a:gd name="connsiteY19" fmla="*/ 342900 h 825500"/>
+                <a:gd name="connsiteX20" fmla="*/ 1308100 w 2616200"/>
+                <a:gd name="connsiteY20" fmla="*/ 292100 h 825500"/>
+                <a:gd name="connsiteX21" fmla="*/ 1384300 w 2616200"/>
+                <a:gd name="connsiteY21" fmla="*/ 266700 h 825500"/>
+                <a:gd name="connsiteX22" fmla="*/ 1511300 w 2616200"/>
+                <a:gd name="connsiteY22" fmla="*/ 215900 h 825500"/>
+                <a:gd name="connsiteX23" fmla="*/ 1612900 w 2616200"/>
+                <a:gd name="connsiteY23" fmla="*/ 203200 h 825500"/>
+                <a:gd name="connsiteX24" fmla="*/ 1993900 w 2616200"/>
+                <a:gd name="connsiteY24" fmla="*/ 88900 h 825500"/>
+                <a:gd name="connsiteX25" fmla="*/ 2235200 w 2616200"/>
+                <a:gd name="connsiteY25" fmla="*/ 63500 h 825500"/>
+                <a:gd name="connsiteX26" fmla="*/ 2387600 w 2616200"/>
+                <a:gd name="connsiteY26" fmla="*/ 38100 h 825500"/>
+                <a:gd name="connsiteX27" fmla="*/ 2476500 w 2616200"/>
+                <a:gd name="connsiteY27" fmla="*/ 25400 h 825500"/>
+                <a:gd name="connsiteX28" fmla="*/ 2514600 w 2616200"/>
+                <a:gd name="connsiteY28" fmla="*/ 12700 h 825500"/>
+                <a:gd name="connsiteX29" fmla="*/ 2616200 w 2616200"/>
+                <a:gd name="connsiteY29" fmla="*/ 0 h 825500"/>
+              </a:gdLst>
+              <a:ahLst/>
+              <a:cxnLst>
+                <a:cxn ang="0">
+                  <a:pos x="connsiteX0" y="connsiteY0"/>
+                </a:cxn>
+                <a:cxn ang="0">
+                  <a:pos x="connsiteX1" y="connsiteY1"/>
+                </a:cxn>
+                <a:cxn ang="0">
+                  <a:pos x="connsiteX2" y="connsiteY2"/>
+                </a:cxn>
+                <a:cxn ang="0">
+                  <a:pos x="connsiteX3" y="connsiteY3"/>
+                </a:cxn>
+                <a:cxn ang="0">
+                  <a:pos x="connsiteX4" y="connsiteY4"/>
+                </a:cxn>
+                <a:cxn ang="0">
+                  <a:pos x="connsiteX5" y="connsiteY5"/>
+                </a:cxn>
+                <a:cxn ang="0">
+                  <a:pos x="connsiteX6" y="connsiteY6"/>
+                </a:cxn>
+                <a:cxn ang="0">
+                  <a:pos x="connsiteX7" y="connsiteY7"/>
+                </a:cxn>
+                <a:cxn ang="0">
+                  <a:pos x="connsiteX8" y="connsiteY8"/>
+                </a:cxn>
+                <a:cxn ang="0">
+                  <a:pos x="connsiteX9" y="connsiteY9"/>
+                </a:cxn>
+                <a:cxn ang="0">
+                  <a:pos x="connsiteX10" y="connsiteY10"/>
+                </a:cxn>
+                <a:cxn ang="0">
+                  <a:pos x="connsiteX11" y="connsiteY11"/>
+                </a:cxn>
+                <a:cxn ang="0">
+                  <a:pos x="connsiteX12" y="connsiteY12"/>
+                </a:cxn>
+                <a:cxn ang="0">
+                  <a:pos x="connsiteX13" y="connsiteY13"/>
+                </a:cxn>
+                <a:cxn ang="0">
+                  <a:pos x="connsiteX14" y="connsiteY14"/>
+                </a:cxn>
+                <a:cxn ang="0">
+                  <a:pos x="connsiteX15" y="connsiteY15"/>
+                </a:cxn>
+                <a:cxn ang="0">
+                  <a:pos x="connsiteX16" y="connsiteY16"/>
+                </a:cxn>
+                <a:cxn ang="0">
+                  <a:pos x="connsiteX17" y="connsiteY17"/>
+                </a:cxn>
+                <a:cxn ang="0">
+                  <a:pos x="connsiteX18" y="connsiteY18"/>
+                </a:cxn>
+                <a:cxn ang="0">
+                  <a:pos x="connsiteX19" y="connsiteY19"/>
+                </a:cxn>
+                <a:cxn ang="0">
+                  <a:pos x="connsiteX20" y="connsiteY20"/>
+                </a:cxn>
+                <a:cxn ang="0">
+                  <a:pos x="connsiteX21" y="connsiteY21"/>
+                </a:cxn>
+                <a:cxn ang="0">
+                  <a:pos x="connsiteX22" y="connsiteY22"/>
+                </a:cxn>
+                <a:cxn ang="0">
+                  <a:pos x="connsiteX23" y="connsiteY23"/>
+                </a:cxn>
+                <a:cxn ang="0">
+                  <a:pos x="connsiteX24" y="connsiteY24"/>
+                </a:cxn>
+                <a:cxn ang="0">
+                  <a:pos x="connsiteX25" y="connsiteY25"/>
+                </a:cxn>
+                <a:cxn ang="0">
+                  <a:pos x="connsiteX26" y="connsiteY26"/>
+                </a:cxn>
+                <a:cxn ang="0">
+                  <a:pos x="connsiteX27" y="connsiteY27"/>
+                </a:cxn>
+                <a:cxn ang="0">
+                  <a:pos x="connsiteX28" y="connsiteY28"/>
+                </a:cxn>
+                <a:cxn ang="0">
+                  <a:pos x="connsiteX29" y="connsiteY29"/>
+                </a:cxn>
+              </a:cxnLst>
+              <a:rect l="l" t="t" r="r" b="b"/>
+              <a:pathLst>
+                <a:path w="2616200" h="825500">
+                  <a:moveTo>
+                    <a:pt x="0" y="304800"/>
+                  </a:moveTo>
+                  <a:cubicBezTo>
+                    <a:pt x="50800" y="317500"/>
+                    <a:pt x="102724" y="326341"/>
+                    <a:pt x="152400" y="342900"/>
+                  </a:cubicBezTo>
+                  <a:cubicBezTo>
+                    <a:pt x="166880" y="347727"/>
+                    <a:pt x="176848" y="361474"/>
+                    <a:pt x="190500" y="368300"/>
+                  </a:cubicBezTo>
+                  <a:cubicBezTo>
+                    <a:pt x="210890" y="378495"/>
+                    <a:pt x="234072" y="382629"/>
+                    <a:pt x="254000" y="393700"/>
+                  </a:cubicBezTo>
+                  <a:cubicBezTo>
+                    <a:pt x="397357" y="473343"/>
+                    <a:pt x="188922" y="386561"/>
+                    <a:pt x="381000" y="482600"/>
+                  </a:cubicBezTo>
+                  <a:cubicBezTo>
+                    <a:pt x="396612" y="490406"/>
+                    <a:pt x="414867" y="491067"/>
+                    <a:pt x="431800" y="495300"/>
+                  </a:cubicBezTo>
+                  <a:cubicBezTo>
+                    <a:pt x="465667" y="520700"/>
+                    <a:pt x="498177" y="548018"/>
+                    <a:pt x="533400" y="571500"/>
+                  </a:cubicBezTo>
+                  <a:cubicBezTo>
+                    <a:pt x="546100" y="579967"/>
+                    <a:pt x="559080" y="588028"/>
+                    <a:pt x="571500" y="596900"/>
+                  </a:cubicBezTo>
+                  <a:cubicBezTo>
+                    <a:pt x="588724" y="609203"/>
+                    <a:pt x="608238" y="619180"/>
+                    <a:pt x="622300" y="635000"/>
+                  </a:cubicBezTo>
+                  <a:cubicBezTo>
+                    <a:pt x="642581" y="657816"/>
+                    <a:pt x="651514" y="689614"/>
+                    <a:pt x="673100" y="711200"/>
+                  </a:cubicBezTo>
+                  <a:cubicBezTo>
+                    <a:pt x="701187" y="739287"/>
+                    <a:pt x="718919" y="752037"/>
+                    <a:pt x="736600" y="787400"/>
+                  </a:cubicBezTo>
+                  <a:cubicBezTo>
+                    <a:pt x="742587" y="799374"/>
+                    <a:pt x="745067" y="812800"/>
+                    <a:pt x="749300" y="825500"/>
+                  </a:cubicBezTo>
+                  <a:cubicBezTo>
+                    <a:pt x="757767" y="812800"/>
+                    <a:pt x="767874" y="801052"/>
+                    <a:pt x="774700" y="787400"/>
+                  </a:cubicBezTo>
+                  <a:cubicBezTo>
+                    <a:pt x="780687" y="775426"/>
+                    <a:pt x="780305" y="760652"/>
+                    <a:pt x="787400" y="749300"/>
+                  </a:cubicBezTo>
+                  <a:cubicBezTo>
+                    <a:pt x="801766" y="726314"/>
+                    <a:pt x="821267" y="706967"/>
+                    <a:pt x="838200" y="685800"/>
+                  </a:cubicBezTo>
+                  <a:cubicBezTo>
+                    <a:pt x="867505" y="597886"/>
+                    <a:pt x="826333" y="695412"/>
+                    <a:pt x="889000" y="622300"/>
+                  </a:cubicBezTo>
+                  <a:cubicBezTo>
+                    <a:pt x="905064" y="603558"/>
+                    <a:pt x="912289" y="578547"/>
+                    <a:pt x="927100" y="558800"/>
+                  </a:cubicBezTo>
+                  <a:cubicBezTo>
+                    <a:pt x="951124" y="526768"/>
+                    <a:pt x="1001347" y="493834"/>
+                    <a:pt x="1028700" y="469900"/>
+                  </a:cubicBezTo>
+                  <a:cubicBezTo>
+                    <a:pt x="1072352" y="431705"/>
+                    <a:pt x="1073324" y="414236"/>
+                    <a:pt x="1130300" y="381000"/>
+                  </a:cubicBezTo>
+                  <a:cubicBezTo>
+                    <a:pt x="1158148" y="364755"/>
+                    <a:pt x="1190364" y="357318"/>
+                    <a:pt x="1219200" y="342900"/>
+                  </a:cubicBezTo>
+                  <a:cubicBezTo>
+                    <a:pt x="1249727" y="327636"/>
+                    <a:pt x="1277111" y="306403"/>
+                    <a:pt x="1308100" y="292100"/>
+                  </a:cubicBezTo>
+                  <a:cubicBezTo>
+                    <a:pt x="1332410" y="280880"/>
+                    <a:pt x="1359231" y="276101"/>
+                    <a:pt x="1384300" y="266700"/>
+                  </a:cubicBezTo>
+                  <a:cubicBezTo>
+                    <a:pt x="1426991" y="250691"/>
+                    <a:pt x="1467369" y="228103"/>
+                    <a:pt x="1511300" y="215900"/>
+                  </a:cubicBezTo>
+                  <a:cubicBezTo>
+                    <a:pt x="1544185" y="206765"/>
+                    <a:pt x="1579033" y="207433"/>
+                    <a:pt x="1612900" y="203200"/>
+                  </a:cubicBezTo>
+                  <a:cubicBezTo>
+                    <a:pt x="1724130" y="162753"/>
+                    <a:pt x="1883672" y="99923"/>
+                    <a:pt x="1993900" y="88900"/>
+                  </a:cubicBezTo>
+                  <a:lnTo>
+                    <a:pt x="2235200" y="63500"/>
+                  </a:lnTo>
+                  <a:cubicBezTo>
+                    <a:pt x="2401222" y="42747"/>
+                    <a:pt x="2254543" y="60276"/>
+                    <a:pt x="2387600" y="38100"/>
+                  </a:cubicBezTo>
+                  <a:cubicBezTo>
+                    <a:pt x="2417127" y="33179"/>
+                    <a:pt x="2446867" y="29633"/>
+                    <a:pt x="2476500" y="25400"/>
+                  </a:cubicBezTo>
+                  <a:cubicBezTo>
+                    <a:pt x="2489200" y="21167"/>
+                    <a:pt x="2501429" y="15095"/>
+                    <a:pt x="2514600" y="12700"/>
+                  </a:cubicBezTo>
+                  <a:cubicBezTo>
+                    <a:pt x="2548180" y="6595"/>
+                    <a:pt x="2616200" y="0"/>
+                    <a:pt x="2616200" y="0"/>
+                  </a:cubicBezTo>
+                </a:path>
+              </a:pathLst>
+            </a:custGeom>
+            <a:noFill/>
+            <a:ln w="38100">
+              <a:solidFill>
+                <a:srgbClr val="00B050"/>
+              </a:solidFill>
+            </a:ln>
+          </p:spPr>
+          <p:style>
+            <a:lnRef idx="2">
+              <a:schemeClr val="accent1">
+                <a:shade val="50000"/>
+              </a:schemeClr>
+            </a:lnRef>
+            <a:fillRef idx="1">
+              <a:schemeClr val="accent1"/>
+            </a:fillRef>
+            <a:effectRef idx="0">
+              <a:schemeClr val="accent1"/>
+            </a:effectRef>
+            <a:fontRef idx="minor">
+              <a:schemeClr val="lt1"/>
+            </a:fontRef>
+          </p:style>
+          <p:txBody>
+            <a:bodyPr rtlCol="0" anchor="ctr"/>
+            <a:lstStyle/>
+            <a:p>
+              <a:pPr algn="ctr"/>
+              <a:endParaRPr lang="fr-FR"/>
+            </a:p>
+          </p:txBody>
+        </p:sp>
+      </p:grpSp>
+    </p:spTree>
+    <p:extLst>
+      <p:ext uri="{BB962C8B-B14F-4D97-AF65-F5344CB8AC3E}">
+        <p14:creationId xmlns:p14="http://schemas.microsoft.com/office/powerpoint/2010/main" val="1109879631"/>
       </p:ext>
     </p:extLst>
   </p:cSld>
@@ -12171,10 +14328,6 @@
               </a:rPr>
               <a:t>Catégories</a:t>
             </a:r>
-            <a:endParaRPr lang="fr-FR" dirty="0" smtClean="0">
-              <a:latin typeface="Yu Gothic Light" panose="020B0300000000000000" pitchFamily="34" charset="-128"/>
-              <a:ea typeface="Yu Gothic Light" panose="020B0300000000000000" pitchFamily="34" charset="-128"/>
-            </a:endParaRPr>
           </a:p>
           <a:p>
             <a:pPr marL="285750" indent="-285750">
@@ -12188,10 +14341,6 @@
               </a:rPr>
               <a:t>Teneurs pour 100g</a:t>
             </a:r>
-            <a:endParaRPr lang="fr-FR" dirty="0" smtClean="0">
-              <a:latin typeface="Yu Gothic Light" panose="020B0300000000000000" pitchFamily="34" charset="-128"/>
-              <a:ea typeface="Yu Gothic Light" panose="020B0300000000000000" pitchFamily="34" charset="-128"/>
-            </a:endParaRPr>
           </a:p>
           <a:p>
             <a:endParaRPr lang="fr-FR" dirty="0"/>
@@ -12744,7 +14893,7 @@
             </a:r>
             <a:r>
               <a:rPr lang="fr-FR" dirty="0" smtClean="0"/>
-              <a:t> 'energy_100g</a:t>
+              <a:t>'energy_100g</a:t>
             </a:r>
             <a:r>
               <a:rPr lang="fr-FR" dirty="0"/>
@@ -12817,7 +14966,6 @@
               <a:rPr lang="fr-FR" dirty="0" smtClean="0"/>
               <a:t>5 Imputation des valeurs manquantes</a:t>
             </a:r>
-            <a:endParaRPr lang="fr-FR" dirty="0" smtClean="0"/>
           </a:p>
         </p:txBody>
       </p:sp>
@@ -13021,8 +15169,8 @@
               <a:t>Sélection des </a:t>
             </a:r>
             <a:r>
-              <a:rPr lang="fr-FR" sz="4000" b="1" dirty="0" err="1" smtClean="0"/>
-              <a:t>varaiables</a:t>
+              <a:rPr lang="fr-FR" sz="4000" b="1" dirty="0" smtClean="0"/>
+              <a:t>variables</a:t>
             </a:r>
             <a:endParaRPr lang="fr-FR" sz="3200" dirty="0"/>
           </a:p>
